--- a/Seminar.pptx
+++ b/Seminar.pptx
@@ -214,7 +214,7 @@
           <a:p>
             <a:fld id="{C8D18E60-4300-4729-A0D7-6AB984C3922D}" type="datetimeFigureOut">
               <a:rPr lang="en-US" smtClean="0"/>
-              <a:t>6/21/2022</a:t>
+              <a:t>6/22/22</a:t>
             </a:fld>
             <a:endParaRPr lang="en-US"/>
           </a:p>
@@ -780,7 +780,7 @@
             <a:fld id="{53074F12-AA26-4AC8-9962-C36BB8F32554}" type="datetimeFigureOut">
               <a:rPr lang="en-US" smtClean="0"/>
               <a:pPr/>
-              <a:t>6/21/2022</a:t>
+              <a:t>6/22/22</a:t>
             </a:fld>
             <a:endParaRPr lang="en-US"/>
           </a:p>
@@ -1034,7 +1034,7 @@
             <a:fld id="{53074F12-AA26-4AC8-9962-C36BB8F32554}" type="datetimeFigureOut">
               <a:rPr lang="en-US" smtClean="0"/>
               <a:pPr/>
-              <a:t>6/21/2022</a:t>
+              <a:t>6/22/22</a:t>
             </a:fld>
             <a:endParaRPr lang="en-US"/>
           </a:p>
@@ -1204,7 +1204,7 @@
             <a:fld id="{53074F12-AA26-4AC8-9962-C36BB8F32554}" type="datetimeFigureOut">
               <a:rPr lang="en-US" smtClean="0"/>
               <a:pPr/>
-              <a:t>6/21/2022</a:t>
+              <a:t>6/22/22</a:t>
             </a:fld>
             <a:endParaRPr lang="en-US"/>
           </a:p>
@@ -1384,7 +1384,7 @@
             <a:fld id="{53074F12-AA26-4AC8-9962-C36BB8F32554}" type="datetimeFigureOut">
               <a:rPr lang="en-US" smtClean="0"/>
               <a:pPr/>
-              <a:t>6/21/2022</a:t>
+              <a:t>6/22/22</a:t>
             </a:fld>
             <a:endParaRPr lang="en-US"/>
           </a:p>
@@ -1669,7 +1669,7 @@
             <a:fld id="{53074F12-AA26-4AC8-9962-C36BB8F32554}" type="datetimeFigureOut">
               <a:rPr lang="en-US" smtClean="0"/>
               <a:pPr/>
-              <a:t>6/21/2022</a:t>
+              <a:t>6/22/22</a:t>
             </a:fld>
             <a:endParaRPr lang="en-US"/>
           </a:p>
@@ -1916,7 +1916,7 @@
             <a:fld id="{53074F12-AA26-4AC8-9962-C36BB8F32554}" type="datetimeFigureOut">
               <a:rPr lang="en-US" smtClean="0"/>
               <a:pPr/>
-              <a:t>6/21/2022</a:t>
+              <a:t>6/22/22</a:t>
             </a:fld>
             <a:endParaRPr lang="en-US"/>
           </a:p>
@@ -2163,7 +2163,7 @@
             <a:fld id="{53074F12-AA26-4AC8-9962-C36BB8F32554}" type="datetimeFigureOut">
               <a:rPr lang="en-US" smtClean="0"/>
               <a:pPr/>
-              <a:t>6/21/2022</a:t>
+              <a:t>6/22/22</a:t>
             </a:fld>
             <a:endParaRPr lang="en-US"/>
           </a:p>
@@ -2450,7 +2450,7 @@
             <a:fld id="{53074F12-AA26-4AC8-9962-C36BB8F32554}" type="datetimeFigureOut">
               <a:rPr lang="en-US" smtClean="0"/>
               <a:pPr/>
-              <a:t>6/21/2022</a:t>
+              <a:t>6/22/22</a:t>
             </a:fld>
             <a:endParaRPr lang="en-US"/>
           </a:p>
@@ -2940,7 +2940,7 @@
             <a:fld id="{53074F12-AA26-4AC8-9962-C36BB8F32554}" type="datetimeFigureOut">
               <a:rPr lang="en-US" smtClean="0"/>
               <a:pPr/>
-              <a:t>6/21/2022</a:t>
+              <a:t>6/22/22</a:t>
             </a:fld>
             <a:endParaRPr lang="en-US"/>
           </a:p>
@@ -3059,7 +3059,7 @@
             <a:fld id="{53074F12-AA26-4AC8-9962-C36BB8F32554}" type="datetimeFigureOut">
               <a:rPr lang="en-US" smtClean="0"/>
               <a:pPr/>
-              <a:t>6/21/2022</a:t>
+              <a:t>6/22/22</a:t>
             </a:fld>
             <a:endParaRPr lang="en-US"/>
           </a:p>
@@ -3156,7 +3156,7 @@
             <a:fld id="{53074F12-AA26-4AC8-9962-C36BB8F32554}" type="datetimeFigureOut">
               <a:rPr lang="en-US" smtClean="0"/>
               <a:pPr/>
-              <a:t>6/21/2022</a:t>
+              <a:t>6/22/22</a:t>
             </a:fld>
             <a:endParaRPr lang="en-US"/>
           </a:p>
@@ -3433,7 +3433,7 @@
             <a:fld id="{53074F12-AA26-4AC8-9962-C36BB8F32554}" type="datetimeFigureOut">
               <a:rPr lang="en-US" smtClean="0"/>
               <a:pPr/>
-              <a:t>6/21/2022</a:t>
+              <a:t>6/22/22</a:t>
             </a:fld>
             <a:endParaRPr lang="en-US"/>
           </a:p>
@@ -3655,7 +3655,7 @@
             <a:fld id="{53074F12-AA26-4AC8-9962-C36BB8F32554}" type="datetimeFigureOut">
               <a:rPr lang="en-US" smtClean="0"/>
               <a:pPr/>
-              <a:t>6/21/2022</a:t>
+              <a:t>6/22/22</a:t>
             </a:fld>
             <a:endParaRPr lang="en-US"/>
           </a:p>
@@ -4142,12 +4142,12 @@
         </p:spPr>
         <p:txBody>
           <a:bodyPr>
-            <a:normAutofit lnSpcReduction="10000"/>
+            <a:noAutofit/>
           </a:bodyPr>
           <a:lstStyle/>
           <a:p>
             <a:r>
-              <a:rPr lang="en-US" sz="4400" b="1" dirty="0"/>
+              <a:rPr lang="en-US" sz="8000" b="1" dirty="0"/>
               <a:t>B-Tree</a:t>
             </a:r>
           </a:p>
@@ -4182,8 +4182,8 @@
         </p:blipFill>
         <p:spPr bwMode="auto">
           <a:xfrm>
-            <a:off x="4706008" y="317394"/>
-            <a:ext cx="4351462" cy="2331783"/>
+            <a:off x="4492487" y="317394"/>
+            <a:ext cx="4564983" cy="2446201"/>
           </a:xfrm>
           <a:prstGeom prst="rect">
             <a:avLst/>
@@ -4214,8 +4214,8 @@
         </p:nvSpPr>
         <p:spPr>
           <a:xfrm>
-            <a:off x="768569" y="3583723"/>
-            <a:ext cx="5510048" cy="1261884"/>
+            <a:off x="418719" y="3881616"/>
+            <a:ext cx="7612106" cy="1938992"/>
           </a:xfrm>
           <a:prstGeom prst="rect">
             <a:avLst/>
@@ -4246,7 +4246,7 @@
               </a:rPr>
               <a:t>Group 4 - APCS2 - KLPT</a:t>
             </a:r>
-            <a:endParaRPr lang="en-US" sz="4000" b="0" dirty="0">
+            <a:endParaRPr lang="en-US" sz="4000" b="1" dirty="0">
               <a:solidFill>
                 <a:srgbClr val="9EFF29"/>
               </a:solidFill>
@@ -4255,9 +4255,9 @@
           </a:p>
           <a:p>
             <a:br>
-              <a:rPr lang="en-US" dirty="0"/>
+              <a:rPr lang="en-US" sz="4000" dirty="0"/>
             </a:br>
-            <a:endParaRPr lang="en-US" dirty="0"/>
+            <a:endParaRPr lang="en-US" sz="4000" dirty="0"/>
           </a:p>
         </p:txBody>
       </p:sp>

--- a/Seminar.pptx
+++ b/Seminar.pptx
@@ -5,16 +5,23 @@
     <p:sldMasterId id="2147483648" r:id="rId1"/>
   </p:sldMasterIdLst>
   <p:notesMasterIdLst>
-    <p:notesMasterId r:id="rId9"/>
+    <p:notesMasterId r:id="rId16"/>
   </p:notesMasterIdLst>
   <p:sldIdLst>
     <p:sldId id="256" r:id="rId2"/>
     <p:sldId id="261" r:id="rId3"/>
     <p:sldId id="257" r:id="rId4"/>
     <p:sldId id="262" r:id="rId5"/>
-    <p:sldId id="259" r:id="rId6"/>
-    <p:sldId id="258" r:id="rId7"/>
-    <p:sldId id="260" r:id="rId8"/>
+    <p:sldId id="264" r:id="rId6"/>
+    <p:sldId id="265" r:id="rId7"/>
+    <p:sldId id="266" r:id="rId8"/>
+    <p:sldId id="267" r:id="rId9"/>
+    <p:sldId id="268" r:id="rId10"/>
+    <p:sldId id="270" r:id="rId11"/>
+    <p:sldId id="269" r:id="rId12"/>
+    <p:sldId id="259" r:id="rId13"/>
+    <p:sldId id="258" r:id="rId14"/>
+    <p:sldId id="260" r:id="rId15"/>
   </p:sldIdLst>
   <p:sldSz cx="9144000" cy="5143500" type="screen16x9"/>
   <p:notesSz cx="6858000" cy="9144000"/>
@@ -214,7 +221,7 @@
           <a:p>
             <a:fld id="{C8D18E60-4300-4729-A0D7-6AB984C3922D}" type="datetimeFigureOut">
               <a:rPr lang="en-US" smtClean="0"/>
-              <a:t>6/21/2022</a:t>
+              <a:t>6/22/2022</a:t>
             </a:fld>
             <a:endParaRPr lang="en-US"/>
           </a:p>
@@ -546,7 +553,7 @@
           <a:p>
             <a:fld id="{87350B06-B074-48FC-8CFD-53D2CD8FB95F}" type="slidenum">
               <a:rPr lang="en-US" smtClean="0"/>
-              <a:t>7</a:t>
+              <a:t>14</a:t>
             </a:fld>
             <a:endParaRPr lang="en-US"/>
           </a:p>
@@ -780,7 +787,7 @@
             <a:fld id="{53074F12-AA26-4AC8-9962-C36BB8F32554}" type="datetimeFigureOut">
               <a:rPr lang="en-US" smtClean="0"/>
               <a:pPr/>
-              <a:t>6/21/2022</a:t>
+              <a:t>6/22/2022</a:t>
             </a:fld>
             <a:endParaRPr lang="en-US"/>
           </a:p>
@@ -1034,7 +1041,7 @@
             <a:fld id="{53074F12-AA26-4AC8-9962-C36BB8F32554}" type="datetimeFigureOut">
               <a:rPr lang="en-US" smtClean="0"/>
               <a:pPr/>
-              <a:t>6/21/2022</a:t>
+              <a:t>6/22/2022</a:t>
             </a:fld>
             <a:endParaRPr lang="en-US"/>
           </a:p>
@@ -1204,7 +1211,7 @@
             <a:fld id="{53074F12-AA26-4AC8-9962-C36BB8F32554}" type="datetimeFigureOut">
               <a:rPr lang="en-US" smtClean="0"/>
               <a:pPr/>
-              <a:t>6/21/2022</a:t>
+              <a:t>6/22/2022</a:t>
             </a:fld>
             <a:endParaRPr lang="en-US"/>
           </a:p>
@@ -1384,7 +1391,7 @@
             <a:fld id="{53074F12-AA26-4AC8-9962-C36BB8F32554}" type="datetimeFigureOut">
               <a:rPr lang="en-US" smtClean="0"/>
               <a:pPr/>
-              <a:t>6/21/2022</a:t>
+              <a:t>6/22/2022</a:t>
             </a:fld>
             <a:endParaRPr lang="en-US"/>
           </a:p>
@@ -1669,7 +1676,7 @@
             <a:fld id="{53074F12-AA26-4AC8-9962-C36BB8F32554}" type="datetimeFigureOut">
               <a:rPr lang="en-US" smtClean="0"/>
               <a:pPr/>
-              <a:t>6/21/2022</a:t>
+              <a:t>6/22/2022</a:t>
             </a:fld>
             <a:endParaRPr lang="en-US"/>
           </a:p>
@@ -1916,7 +1923,7 @@
             <a:fld id="{53074F12-AA26-4AC8-9962-C36BB8F32554}" type="datetimeFigureOut">
               <a:rPr lang="en-US" smtClean="0"/>
               <a:pPr/>
-              <a:t>6/21/2022</a:t>
+              <a:t>6/22/2022</a:t>
             </a:fld>
             <a:endParaRPr lang="en-US"/>
           </a:p>
@@ -2163,7 +2170,7 @@
             <a:fld id="{53074F12-AA26-4AC8-9962-C36BB8F32554}" type="datetimeFigureOut">
               <a:rPr lang="en-US" smtClean="0"/>
               <a:pPr/>
-              <a:t>6/21/2022</a:t>
+              <a:t>6/22/2022</a:t>
             </a:fld>
             <a:endParaRPr lang="en-US"/>
           </a:p>
@@ -2450,7 +2457,7 @@
             <a:fld id="{53074F12-AA26-4AC8-9962-C36BB8F32554}" type="datetimeFigureOut">
               <a:rPr lang="en-US" smtClean="0"/>
               <a:pPr/>
-              <a:t>6/21/2022</a:t>
+              <a:t>6/22/2022</a:t>
             </a:fld>
             <a:endParaRPr lang="en-US"/>
           </a:p>
@@ -2940,7 +2947,7 @@
             <a:fld id="{53074F12-AA26-4AC8-9962-C36BB8F32554}" type="datetimeFigureOut">
               <a:rPr lang="en-US" smtClean="0"/>
               <a:pPr/>
-              <a:t>6/21/2022</a:t>
+              <a:t>6/22/2022</a:t>
             </a:fld>
             <a:endParaRPr lang="en-US"/>
           </a:p>
@@ -3059,7 +3066,7 @@
             <a:fld id="{53074F12-AA26-4AC8-9962-C36BB8F32554}" type="datetimeFigureOut">
               <a:rPr lang="en-US" smtClean="0"/>
               <a:pPr/>
-              <a:t>6/21/2022</a:t>
+              <a:t>6/22/2022</a:t>
             </a:fld>
             <a:endParaRPr lang="en-US"/>
           </a:p>
@@ -3156,7 +3163,7 @@
             <a:fld id="{53074F12-AA26-4AC8-9962-C36BB8F32554}" type="datetimeFigureOut">
               <a:rPr lang="en-US" smtClean="0"/>
               <a:pPr/>
-              <a:t>6/21/2022</a:t>
+              <a:t>6/22/2022</a:t>
             </a:fld>
             <a:endParaRPr lang="en-US"/>
           </a:p>
@@ -3433,7 +3440,7 @@
             <a:fld id="{53074F12-AA26-4AC8-9962-C36BB8F32554}" type="datetimeFigureOut">
               <a:rPr lang="en-US" smtClean="0"/>
               <a:pPr/>
-              <a:t>6/21/2022</a:t>
+              <a:t>6/22/2022</a:t>
             </a:fld>
             <a:endParaRPr lang="en-US"/>
           </a:p>
@@ -3655,7 +3662,7 @@
             <a:fld id="{53074F12-AA26-4AC8-9962-C36BB8F32554}" type="datetimeFigureOut">
               <a:rPr lang="en-US" smtClean="0"/>
               <a:pPr/>
-              <a:t>6/21/2022</a:t>
+              <a:t>6/22/2022</a:t>
             </a:fld>
             <a:endParaRPr lang="en-US"/>
           </a:p>
@@ -4274,6 +4281,1785 @@
 </p:sld>
 </file>
 
+<file path=ppt/slides/slide10.xml><?xml version="1.0" encoding="utf-8"?>
+<p:sld xmlns:a="http://schemas.openxmlformats.org/drawingml/2006/main" xmlns:r="http://schemas.openxmlformats.org/officeDocument/2006/relationships" xmlns:p="http://schemas.openxmlformats.org/presentationml/2006/main">
+  <p:cSld>
+    <p:spTree>
+      <p:nvGrpSpPr>
+        <p:cNvPr id="1" name=""/>
+        <p:cNvGrpSpPr/>
+        <p:nvPr/>
+      </p:nvGrpSpPr>
+      <p:grpSpPr>
+        <a:xfrm>
+          <a:off x="0" y="0"/>
+          <a:ext cx="0" cy="0"/>
+          <a:chOff x="0" y="0"/>
+          <a:chExt cx="0" cy="0"/>
+        </a:xfrm>
+      </p:grpSpPr>
+      <p:sp>
+        <p:nvSpPr>
+          <p:cNvPr id="2" name="Title 1">
+            <a:extLst>
+              <a:ext uri="{FF2B5EF4-FFF2-40B4-BE49-F238E27FC236}">
+                <a16:creationId xmlns:a16="http://schemas.microsoft.com/office/drawing/2014/main" id="{57FA3614-B9D3-427F-BBDE-78A7D21A7997}"/>
+              </a:ext>
+            </a:extLst>
+          </p:cNvPr>
+          <p:cNvSpPr>
+            <a:spLocks noGrp="1"/>
+          </p:cNvSpPr>
+          <p:nvPr>
+            <p:ph type="title"/>
+          </p:nvPr>
+        </p:nvSpPr>
+        <p:spPr>
+          <a:xfrm>
+            <a:off x="1744390" y="92328"/>
+            <a:ext cx="6805594" cy="725349"/>
+          </a:xfrm>
+        </p:spPr>
+        <p:txBody>
+          <a:bodyPr/>
+          <a:lstStyle/>
+          <a:p>
+            <a:r>
+              <a:rPr lang="en-US" dirty="0"/>
+              <a:t>a. M-Ways Tree – Definition:</a:t>
+            </a:r>
+          </a:p>
+        </p:txBody>
+      </p:sp>
+      <p:sp>
+        <p:nvSpPr>
+          <p:cNvPr id="3" name="Content Placeholder 2">
+            <a:extLst>
+              <a:ext uri="{FF2B5EF4-FFF2-40B4-BE49-F238E27FC236}">
+                <a16:creationId xmlns:a16="http://schemas.microsoft.com/office/drawing/2014/main" id="{8E32F8DF-A260-40E2-88FB-9258850CD704}"/>
+              </a:ext>
+            </a:extLst>
+          </p:cNvPr>
+          <p:cNvSpPr>
+            <a:spLocks noGrp="1"/>
+          </p:cNvSpPr>
+          <p:nvPr>
+            <p:ph idx="1"/>
+          </p:nvPr>
+        </p:nvSpPr>
+        <p:spPr>
+          <a:xfrm>
+            <a:off x="1744390" y="799001"/>
+            <a:ext cx="6828503" cy="3545497"/>
+          </a:xfrm>
+        </p:spPr>
+        <p:txBody>
+          <a:bodyPr>
+            <a:normAutofit/>
+          </a:bodyPr>
+          <a:lstStyle/>
+          <a:p>
+            <a:pPr marL="342900" marR="0" lvl="0" indent="-342900">
+              <a:lnSpc>
+                <a:spcPct val="115000"/>
+              </a:lnSpc>
+              <a:spcBef>
+                <a:spcPts val="0"/>
+              </a:spcBef>
+              <a:spcAft>
+                <a:spcPts val="0"/>
+              </a:spcAft>
+              <a:buFont typeface="Arial" panose="020B0604020202020204" pitchFamily="34" charset="0"/>
+              <a:buChar char="●"/>
+            </a:pPr>
+            <a:r>
+              <a:rPr lang="en-US" sz="1800" u="none" strike="noStrike" dirty="0">
+                <a:solidFill>
+                  <a:srgbClr val="212529"/>
+                </a:solidFill>
+                <a:effectLst/>
+                <a:latin typeface="Times New Roman" panose="02020603050405020304" pitchFamily="18" charset="0"/>
+                <a:ea typeface="Times New Roman" panose="02020603050405020304" pitchFamily="18" charset="0"/>
+              </a:rPr>
+              <a:t>An </a:t>
+            </a:r>
+            <a:r>
+              <a:rPr lang="en-US" sz="1800" b="1" u="none" strike="noStrike" dirty="0">
+                <a:solidFill>
+                  <a:srgbClr val="212529"/>
+                </a:solidFill>
+                <a:effectLst/>
+                <a:latin typeface="Times New Roman" panose="02020603050405020304" pitchFamily="18" charset="0"/>
+                <a:ea typeface="Times New Roman" panose="02020603050405020304" pitchFamily="18" charset="0"/>
+              </a:rPr>
+              <a:t>M-way(multi-way) tree</a:t>
+            </a:r>
+            <a:r>
+              <a:rPr lang="en-US" sz="1800" u="none" strike="noStrike" dirty="0">
+                <a:solidFill>
+                  <a:srgbClr val="212529"/>
+                </a:solidFill>
+                <a:effectLst/>
+                <a:latin typeface="Times New Roman" panose="02020603050405020304" pitchFamily="18" charset="0"/>
+                <a:ea typeface="Times New Roman" panose="02020603050405020304" pitchFamily="18" charset="0"/>
+              </a:rPr>
+              <a:t> is a tree that has the following properties:</a:t>
+            </a:r>
+            <a:endParaRPr lang="en-US" sz="1400" u="none" strike="noStrike" dirty="0">
+              <a:effectLst/>
+              <a:latin typeface="Arial" panose="020B0604020202020204" pitchFamily="34" charset="0"/>
+              <a:ea typeface="Arial" panose="020B0604020202020204" pitchFamily="34" charset="0"/>
+            </a:endParaRPr>
+          </a:p>
+          <a:p>
+            <a:pPr marL="742950" marR="0" lvl="1" indent="-285750">
+              <a:lnSpc>
+                <a:spcPct val="115000"/>
+              </a:lnSpc>
+              <a:spcBef>
+                <a:spcPts val="0"/>
+              </a:spcBef>
+              <a:spcAft>
+                <a:spcPts val="0"/>
+              </a:spcAft>
+              <a:buFont typeface="Arial" panose="020B0604020202020204" pitchFamily="34" charset="0"/>
+              <a:buChar char="○"/>
+            </a:pPr>
+            <a:r>
+              <a:rPr lang="en-US" sz="1800" u="none" strike="noStrike" dirty="0">
+                <a:solidFill>
+                  <a:srgbClr val="212529"/>
+                </a:solidFill>
+                <a:effectLst/>
+                <a:latin typeface="Times New Roman" panose="02020603050405020304" pitchFamily="18" charset="0"/>
+                <a:ea typeface="Times New Roman" panose="02020603050405020304" pitchFamily="18" charset="0"/>
+              </a:rPr>
+              <a:t>Each node in the tree can have at most </a:t>
+            </a:r>
+            <a:r>
+              <a:rPr lang="en-US" sz="1800" b="1" u="none" strike="noStrike" dirty="0">
+                <a:solidFill>
+                  <a:srgbClr val="212529"/>
+                </a:solidFill>
+                <a:effectLst/>
+                <a:latin typeface="Times New Roman" panose="02020603050405020304" pitchFamily="18" charset="0"/>
+                <a:ea typeface="Times New Roman" panose="02020603050405020304" pitchFamily="18" charset="0"/>
+              </a:rPr>
+              <a:t>m </a:t>
+            </a:r>
+            <a:r>
+              <a:rPr lang="en-US" sz="1800" u="none" strike="noStrike" dirty="0">
+                <a:solidFill>
+                  <a:srgbClr val="212529"/>
+                </a:solidFill>
+                <a:effectLst/>
+                <a:latin typeface="Times New Roman" panose="02020603050405020304" pitchFamily="18" charset="0"/>
+                <a:ea typeface="Times New Roman" panose="02020603050405020304" pitchFamily="18" charset="0"/>
+              </a:rPr>
+              <a:t>children.</a:t>
+            </a:r>
+            <a:endParaRPr lang="en-US" sz="1400" dirty="0">
+              <a:latin typeface="Arial" panose="020B0604020202020204" pitchFamily="34" charset="0"/>
+              <a:ea typeface="Times New Roman" panose="02020603050405020304" pitchFamily="18" charset="0"/>
+            </a:endParaRPr>
+          </a:p>
+          <a:p>
+            <a:pPr marL="742950" marR="0" lvl="1" indent="-285750">
+              <a:lnSpc>
+                <a:spcPct val="115000"/>
+              </a:lnSpc>
+              <a:spcBef>
+                <a:spcPts val="0"/>
+              </a:spcBef>
+              <a:spcAft>
+                <a:spcPts val="0"/>
+              </a:spcAft>
+              <a:buFont typeface="Arial" panose="020B0604020202020204" pitchFamily="34" charset="0"/>
+              <a:buChar char="○"/>
+            </a:pPr>
+            <a:r>
+              <a:rPr lang="en-US" sz="1800" dirty="0">
+                <a:solidFill>
+                  <a:srgbClr val="212529"/>
+                </a:solidFill>
+                <a:effectLst/>
+                <a:latin typeface="Times New Roman" panose="02020603050405020304" pitchFamily="18" charset="0"/>
+                <a:ea typeface="Times New Roman" panose="02020603050405020304" pitchFamily="18" charset="0"/>
+              </a:rPr>
+              <a:t>Nodes in the tree have at most </a:t>
+            </a:r>
+            <a:r>
+              <a:rPr lang="en-US" sz="1800" b="1" dirty="0">
+                <a:solidFill>
+                  <a:srgbClr val="212529"/>
+                </a:solidFill>
+                <a:effectLst/>
+                <a:latin typeface="Times New Roman" panose="02020603050405020304" pitchFamily="18" charset="0"/>
+                <a:ea typeface="Times New Roman" panose="02020603050405020304" pitchFamily="18" charset="0"/>
+              </a:rPr>
+              <a:t>(m-1)</a:t>
+            </a:r>
+            <a:r>
+              <a:rPr lang="en-US" sz="1800" dirty="0">
+                <a:solidFill>
+                  <a:srgbClr val="212529"/>
+                </a:solidFill>
+                <a:effectLst/>
+                <a:latin typeface="Times New Roman" panose="02020603050405020304" pitchFamily="18" charset="0"/>
+                <a:ea typeface="Times New Roman" panose="02020603050405020304" pitchFamily="18" charset="0"/>
+              </a:rPr>
+              <a:t> key fields and pointers(references) to the children.</a:t>
+            </a:r>
+            <a:endParaRPr lang="en-US" sz="3600" dirty="0"/>
+          </a:p>
+        </p:txBody>
+      </p:sp>
+      <p:pic>
+        <p:nvPicPr>
+          <p:cNvPr id="4" name="image10.png">
+            <a:extLst>
+              <a:ext uri="{FF2B5EF4-FFF2-40B4-BE49-F238E27FC236}">
+                <a16:creationId xmlns:a16="http://schemas.microsoft.com/office/drawing/2014/main" id="{D831B1EC-67B3-4B4C-AEC5-CACF2D3CCAEC}"/>
+              </a:ext>
+            </a:extLst>
+          </p:cNvPr>
+          <p:cNvPicPr/>
+          <p:nvPr/>
+        </p:nvPicPr>
+        <p:blipFill>
+          <a:blip r:embed="rId2"/>
+          <a:srcRect/>
+          <a:stretch>
+            <a:fillRect/>
+          </a:stretch>
+        </p:blipFill>
+        <p:spPr>
+          <a:xfrm>
+            <a:off x="2780113" y="2562346"/>
+            <a:ext cx="4046271" cy="2479422"/>
+          </a:xfrm>
+          <a:prstGeom prst="rect">
+            <a:avLst/>
+          </a:prstGeom>
+          <a:ln/>
+        </p:spPr>
+      </p:pic>
+      <p:pic>
+        <p:nvPicPr>
+          <p:cNvPr id="5" name="image10.png">
+            <a:extLst>
+              <a:ext uri="{FF2B5EF4-FFF2-40B4-BE49-F238E27FC236}">
+                <a16:creationId xmlns:a16="http://schemas.microsoft.com/office/drawing/2014/main" id="{C9FEDB87-8EB4-4E59-8644-04DE39F631B4}"/>
+              </a:ext>
+            </a:extLst>
+          </p:cNvPr>
+          <p:cNvPicPr/>
+          <p:nvPr/>
+        </p:nvPicPr>
+        <p:blipFill>
+          <a:blip r:embed="rId2"/>
+          <a:srcRect/>
+          <a:stretch>
+            <a:fillRect/>
+          </a:stretch>
+        </p:blipFill>
+        <p:spPr>
+          <a:xfrm>
+            <a:off x="2777698" y="707026"/>
+            <a:ext cx="4203693" cy="3085531"/>
+          </a:xfrm>
+          <a:prstGeom prst="rect">
+            <a:avLst/>
+          </a:prstGeom>
+          <a:ln/>
+        </p:spPr>
+      </p:pic>
+      <p:sp>
+        <p:nvSpPr>
+          <p:cNvPr id="6" name="TextBox 5">
+            <a:extLst>
+              <a:ext uri="{FF2B5EF4-FFF2-40B4-BE49-F238E27FC236}">
+                <a16:creationId xmlns:a16="http://schemas.microsoft.com/office/drawing/2014/main" id="{662E9100-662B-4544-8EE6-0B3E5233C22D}"/>
+              </a:ext>
+            </a:extLst>
+          </p:cNvPr>
+          <p:cNvSpPr txBox="1"/>
+          <p:nvPr/>
+        </p:nvSpPr>
+        <p:spPr>
+          <a:xfrm>
+            <a:off x="1656529" y="3785467"/>
+            <a:ext cx="6981315" cy="1107996"/>
+          </a:xfrm>
+          <a:prstGeom prst="rect">
+            <a:avLst/>
+          </a:prstGeom>
+          <a:noFill/>
+        </p:spPr>
+        <p:txBody>
+          <a:bodyPr wrap="square" rtlCol="0">
+            <a:spAutoFit/>
+          </a:bodyPr>
+          <a:lstStyle/>
+          <a:p>
+            <a:r>
+              <a:rPr lang="en-US" sz="2400" dirty="0">
+                <a:effectLst/>
+                <a:latin typeface="Times New Roman" panose="02020603050405020304" pitchFamily="18" charset="0"/>
+                <a:ea typeface="Times New Roman" panose="02020603050405020304" pitchFamily="18" charset="0"/>
+              </a:rPr>
+              <a:t>The above image is a 3-way tree, where each node has at most (3-1) = 2 keys and 3 children.</a:t>
+            </a:r>
+            <a:endParaRPr lang="en-US" sz="2400" dirty="0">
+              <a:effectLst/>
+              <a:latin typeface="Arial" panose="020B0604020202020204" pitchFamily="34" charset="0"/>
+              <a:ea typeface="Arial" panose="020B0604020202020204" pitchFamily="34" charset="0"/>
+            </a:endParaRPr>
+          </a:p>
+          <a:p>
+            <a:endParaRPr lang="en-US" dirty="0"/>
+          </a:p>
+        </p:txBody>
+      </p:sp>
+    </p:spTree>
+    <p:extLst>
+      <p:ext uri="{BB962C8B-B14F-4D97-AF65-F5344CB8AC3E}">
+        <p14:creationId xmlns:p14="http://schemas.microsoft.com/office/powerpoint/2010/main" val="1635924552"/>
+      </p:ext>
+    </p:extLst>
+  </p:cSld>
+  <p:clrMapOvr>
+    <a:masterClrMapping/>
+  </p:clrMapOvr>
+  <p:timing>
+    <p:tnLst>
+      <p:par>
+        <p:cTn id="1" dur="indefinite" restart="never" nodeType="tmRoot">
+          <p:childTnLst>
+            <p:seq concurrent="1" nextAc="seek">
+              <p:cTn id="2" dur="indefinite" nodeType="mainSeq">
+                <p:childTnLst>
+                  <p:par>
+                    <p:cTn id="3" fill="hold">
+                      <p:stCondLst>
+                        <p:cond delay="indefinite"/>
+                      </p:stCondLst>
+                      <p:childTnLst>
+                        <p:par>
+                          <p:cTn id="4" fill="hold">
+                            <p:stCondLst>
+                              <p:cond delay="0"/>
+                            </p:stCondLst>
+                            <p:childTnLst>
+                              <p:par>
+                                <p:cTn id="5" presetID="42" presetClass="entr" presetSubtype="0" fill="hold" grpId="0" nodeType="clickEffect">
+                                  <p:stCondLst>
+                                    <p:cond delay="0"/>
+                                  </p:stCondLst>
+                                  <p:childTnLst>
+                                    <p:set>
+                                      <p:cBhvr>
+                                        <p:cTn id="6" dur="1" fill="hold">
+                                          <p:stCondLst>
+                                            <p:cond delay="0"/>
+                                          </p:stCondLst>
+                                        </p:cTn>
+                                        <p:tgtEl>
+                                          <p:spTgt spid="2"/>
+                                        </p:tgtEl>
+                                        <p:attrNameLst>
+                                          <p:attrName>style.visibility</p:attrName>
+                                        </p:attrNameLst>
+                                      </p:cBhvr>
+                                      <p:to>
+                                        <p:strVal val="visible"/>
+                                      </p:to>
+                                    </p:set>
+                                    <p:animEffect transition="in" filter="fade">
+                                      <p:cBhvr>
+                                        <p:cTn id="7" dur="1000"/>
+                                        <p:tgtEl>
+                                          <p:spTgt spid="2"/>
+                                        </p:tgtEl>
+                                      </p:cBhvr>
+                                    </p:animEffect>
+                                    <p:anim calcmode="lin" valueType="num">
+                                      <p:cBhvr>
+                                        <p:cTn id="8" dur="1000" fill="hold"/>
+                                        <p:tgtEl>
+                                          <p:spTgt spid="2"/>
+                                        </p:tgtEl>
+                                        <p:attrNameLst>
+                                          <p:attrName>ppt_x</p:attrName>
+                                        </p:attrNameLst>
+                                      </p:cBhvr>
+                                      <p:tavLst>
+                                        <p:tav tm="0">
+                                          <p:val>
+                                            <p:strVal val="#ppt_x"/>
+                                          </p:val>
+                                        </p:tav>
+                                        <p:tav tm="100000">
+                                          <p:val>
+                                            <p:strVal val="#ppt_x"/>
+                                          </p:val>
+                                        </p:tav>
+                                      </p:tavLst>
+                                    </p:anim>
+                                    <p:anim calcmode="lin" valueType="num">
+                                      <p:cBhvr>
+                                        <p:cTn id="9" dur="1000" fill="hold"/>
+                                        <p:tgtEl>
+                                          <p:spTgt spid="2"/>
+                                        </p:tgtEl>
+                                        <p:attrNameLst>
+                                          <p:attrName>ppt_y</p:attrName>
+                                        </p:attrNameLst>
+                                      </p:cBhvr>
+                                      <p:tavLst>
+                                        <p:tav tm="0">
+                                          <p:val>
+                                            <p:strVal val="#ppt_y+.1"/>
+                                          </p:val>
+                                        </p:tav>
+                                        <p:tav tm="100000">
+                                          <p:val>
+                                            <p:strVal val="#ppt_y"/>
+                                          </p:val>
+                                        </p:tav>
+                                      </p:tavLst>
+                                    </p:anim>
+                                  </p:childTnLst>
+                                </p:cTn>
+                              </p:par>
+                              <p:par>
+                                <p:cTn id="10" presetID="42" presetClass="entr" presetSubtype="0" fill="hold" grpId="0" nodeType="withEffect">
+                                  <p:stCondLst>
+                                    <p:cond delay="0"/>
+                                  </p:stCondLst>
+                                  <p:childTnLst>
+                                    <p:set>
+                                      <p:cBhvr>
+                                        <p:cTn id="11" dur="1" fill="hold">
+                                          <p:stCondLst>
+                                            <p:cond delay="0"/>
+                                          </p:stCondLst>
+                                        </p:cTn>
+                                        <p:tgtEl>
+                                          <p:spTgt spid="3">
+                                            <p:txEl>
+                                              <p:pRg st="0" end="0"/>
+                                            </p:txEl>
+                                          </p:spTgt>
+                                        </p:tgtEl>
+                                        <p:attrNameLst>
+                                          <p:attrName>style.visibility</p:attrName>
+                                        </p:attrNameLst>
+                                      </p:cBhvr>
+                                      <p:to>
+                                        <p:strVal val="visible"/>
+                                      </p:to>
+                                    </p:set>
+                                    <p:animEffect transition="in" filter="fade">
+                                      <p:cBhvr>
+                                        <p:cTn id="12" dur="1000"/>
+                                        <p:tgtEl>
+                                          <p:spTgt spid="3">
+                                            <p:txEl>
+                                              <p:pRg st="0" end="0"/>
+                                            </p:txEl>
+                                          </p:spTgt>
+                                        </p:tgtEl>
+                                      </p:cBhvr>
+                                    </p:animEffect>
+                                    <p:anim calcmode="lin" valueType="num">
+                                      <p:cBhvr>
+                                        <p:cTn id="13" dur="1000" fill="hold"/>
+                                        <p:tgtEl>
+                                          <p:spTgt spid="3">
+                                            <p:txEl>
+                                              <p:pRg st="0" end="0"/>
+                                            </p:txEl>
+                                          </p:spTgt>
+                                        </p:tgtEl>
+                                        <p:attrNameLst>
+                                          <p:attrName>ppt_x</p:attrName>
+                                        </p:attrNameLst>
+                                      </p:cBhvr>
+                                      <p:tavLst>
+                                        <p:tav tm="0">
+                                          <p:val>
+                                            <p:strVal val="#ppt_x"/>
+                                          </p:val>
+                                        </p:tav>
+                                        <p:tav tm="100000">
+                                          <p:val>
+                                            <p:strVal val="#ppt_x"/>
+                                          </p:val>
+                                        </p:tav>
+                                      </p:tavLst>
+                                    </p:anim>
+                                    <p:anim calcmode="lin" valueType="num">
+                                      <p:cBhvr>
+                                        <p:cTn id="14" dur="1000" fill="hold"/>
+                                        <p:tgtEl>
+                                          <p:spTgt spid="3">
+                                            <p:txEl>
+                                              <p:pRg st="0" end="0"/>
+                                            </p:txEl>
+                                          </p:spTgt>
+                                        </p:tgtEl>
+                                        <p:attrNameLst>
+                                          <p:attrName>ppt_y</p:attrName>
+                                        </p:attrNameLst>
+                                      </p:cBhvr>
+                                      <p:tavLst>
+                                        <p:tav tm="0">
+                                          <p:val>
+                                            <p:strVal val="#ppt_y+.1"/>
+                                          </p:val>
+                                        </p:tav>
+                                        <p:tav tm="100000">
+                                          <p:val>
+                                            <p:strVal val="#ppt_y"/>
+                                          </p:val>
+                                        </p:tav>
+                                      </p:tavLst>
+                                    </p:anim>
+                                  </p:childTnLst>
+                                </p:cTn>
+                              </p:par>
+                              <p:par>
+                                <p:cTn id="15" presetID="42" presetClass="entr" presetSubtype="0" fill="hold" grpId="0" nodeType="withEffect">
+                                  <p:stCondLst>
+                                    <p:cond delay="0"/>
+                                  </p:stCondLst>
+                                  <p:childTnLst>
+                                    <p:set>
+                                      <p:cBhvr>
+                                        <p:cTn id="16" dur="1" fill="hold">
+                                          <p:stCondLst>
+                                            <p:cond delay="0"/>
+                                          </p:stCondLst>
+                                        </p:cTn>
+                                        <p:tgtEl>
+                                          <p:spTgt spid="3">
+                                            <p:txEl>
+                                              <p:pRg st="1" end="1"/>
+                                            </p:txEl>
+                                          </p:spTgt>
+                                        </p:tgtEl>
+                                        <p:attrNameLst>
+                                          <p:attrName>style.visibility</p:attrName>
+                                        </p:attrNameLst>
+                                      </p:cBhvr>
+                                      <p:to>
+                                        <p:strVal val="visible"/>
+                                      </p:to>
+                                    </p:set>
+                                    <p:animEffect transition="in" filter="fade">
+                                      <p:cBhvr>
+                                        <p:cTn id="17" dur="1000"/>
+                                        <p:tgtEl>
+                                          <p:spTgt spid="3">
+                                            <p:txEl>
+                                              <p:pRg st="1" end="1"/>
+                                            </p:txEl>
+                                          </p:spTgt>
+                                        </p:tgtEl>
+                                      </p:cBhvr>
+                                    </p:animEffect>
+                                    <p:anim calcmode="lin" valueType="num">
+                                      <p:cBhvr>
+                                        <p:cTn id="18" dur="1000" fill="hold"/>
+                                        <p:tgtEl>
+                                          <p:spTgt spid="3">
+                                            <p:txEl>
+                                              <p:pRg st="1" end="1"/>
+                                            </p:txEl>
+                                          </p:spTgt>
+                                        </p:tgtEl>
+                                        <p:attrNameLst>
+                                          <p:attrName>ppt_x</p:attrName>
+                                        </p:attrNameLst>
+                                      </p:cBhvr>
+                                      <p:tavLst>
+                                        <p:tav tm="0">
+                                          <p:val>
+                                            <p:strVal val="#ppt_x"/>
+                                          </p:val>
+                                        </p:tav>
+                                        <p:tav tm="100000">
+                                          <p:val>
+                                            <p:strVal val="#ppt_x"/>
+                                          </p:val>
+                                        </p:tav>
+                                      </p:tavLst>
+                                    </p:anim>
+                                    <p:anim calcmode="lin" valueType="num">
+                                      <p:cBhvr>
+                                        <p:cTn id="19" dur="1000" fill="hold"/>
+                                        <p:tgtEl>
+                                          <p:spTgt spid="3">
+                                            <p:txEl>
+                                              <p:pRg st="1" end="1"/>
+                                            </p:txEl>
+                                          </p:spTgt>
+                                        </p:tgtEl>
+                                        <p:attrNameLst>
+                                          <p:attrName>ppt_y</p:attrName>
+                                        </p:attrNameLst>
+                                      </p:cBhvr>
+                                      <p:tavLst>
+                                        <p:tav tm="0">
+                                          <p:val>
+                                            <p:strVal val="#ppt_y+.1"/>
+                                          </p:val>
+                                        </p:tav>
+                                        <p:tav tm="100000">
+                                          <p:val>
+                                            <p:strVal val="#ppt_y"/>
+                                          </p:val>
+                                        </p:tav>
+                                      </p:tavLst>
+                                    </p:anim>
+                                  </p:childTnLst>
+                                </p:cTn>
+                              </p:par>
+                              <p:par>
+                                <p:cTn id="20" presetID="42" presetClass="entr" presetSubtype="0" fill="hold" grpId="0" nodeType="withEffect">
+                                  <p:stCondLst>
+                                    <p:cond delay="0"/>
+                                  </p:stCondLst>
+                                  <p:childTnLst>
+                                    <p:set>
+                                      <p:cBhvr>
+                                        <p:cTn id="21" dur="1" fill="hold">
+                                          <p:stCondLst>
+                                            <p:cond delay="0"/>
+                                          </p:stCondLst>
+                                        </p:cTn>
+                                        <p:tgtEl>
+                                          <p:spTgt spid="3">
+                                            <p:txEl>
+                                              <p:pRg st="2" end="2"/>
+                                            </p:txEl>
+                                          </p:spTgt>
+                                        </p:tgtEl>
+                                        <p:attrNameLst>
+                                          <p:attrName>style.visibility</p:attrName>
+                                        </p:attrNameLst>
+                                      </p:cBhvr>
+                                      <p:to>
+                                        <p:strVal val="visible"/>
+                                      </p:to>
+                                    </p:set>
+                                    <p:animEffect transition="in" filter="fade">
+                                      <p:cBhvr>
+                                        <p:cTn id="22" dur="1000"/>
+                                        <p:tgtEl>
+                                          <p:spTgt spid="3">
+                                            <p:txEl>
+                                              <p:pRg st="2" end="2"/>
+                                            </p:txEl>
+                                          </p:spTgt>
+                                        </p:tgtEl>
+                                      </p:cBhvr>
+                                    </p:animEffect>
+                                    <p:anim calcmode="lin" valueType="num">
+                                      <p:cBhvr>
+                                        <p:cTn id="23" dur="1000" fill="hold"/>
+                                        <p:tgtEl>
+                                          <p:spTgt spid="3">
+                                            <p:txEl>
+                                              <p:pRg st="2" end="2"/>
+                                            </p:txEl>
+                                          </p:spTgt>
+                                        </p:tgtEl>
+                                        <p:attrNameLst>
+                                          <p:attrName>ppt_x</p:attrName>
+                                        </p:attrNameLst>
+                                      </p:cBhvr>
+                                      <p:tavLst>
+                                        <p:tav tm="0">
+                                          <p:val>
+                                            <p:strVal val="#ppt_x"/>
+                                          </p:val>
+                                        </p:tav>
+                                        <p:tav tm="100000">
+                                          <p:val>
+                                            <p:strVal val="#ppt_x"/>
+                                          </p:val>
+                                        </p:tav>
+                                      </p:tavLst>
+                                    </p:anim>
+                                    <p:anim calcmode="lin" valueType="num">
+                                      <p:cBhvr>
+                                        <p:cTn id="24" dur="1000" fill="hold"/>
+                                        <p:tgtEl>
+                                          <p:spTgt spid="3">
+                                            <p:txEl>
+                                              <p:pRg st="2" end="2"/>
+                                            </p:txEl>
+                                          </p:spTgt>
+                                        </p:tgtEl>
+                                        <p:attrNameLst>
+                                          <p:attrName>ppt_y</p:attrName>
+                                        </p:attrNameLst>
+                                      </p:cBhvr>
+                                      <p:tavLst>
+                                        <p:tav tm="0">
+                                          <p:val>
+                                            <p:strVal val="#ppt_y+.1"/>
+                                          </p:val>
+                                        </p:tav>
+                                        <p:tav tm="100000">
+                                          <p:val>
+                                            <p:strVal val="#ppt_y"/>
+                                          </p:val>
+                                        </p:tav>
+                                      </p:tavLst>
+                                    </p:anim>
+                                  </p:childTnLst>
+                                </p:cTn>
+                              </p:par>
+                              <p:par>
+                                <p:cTn id="25" presetID="42" presetClass="entr" presetSubtype="0" fill="hold" nodeType="withEffect">
+                                  <p:stCondLst>
+                                    <p:cond delay="0"/>
+                                  </p:stCondLst>
+                                  <p:childTnLst>
+                                    <p:set>
+                                      <p:cBhvr>
+                                        <p:cTn id="26" dur="1" fill="hold">
+                                          <p:stCondLst>
+                                            <p:cond delay="0"/>
+                                          </p:stCondLst>
+                                        </p:cTn>
+                                        <p:tgtEl>
+                                          <p:spTgt spid="4"/>
+                                        </p:tgtEl>
+                                        <p:attrNameLst>
+                                          <p:attrName>style.visibility</p:attrName>
+                                        </p:attrNameLst>
+                                      </p:cBhvr>
+                                      <p:to>
+                                        <p:strVal val="visible"/>
+                                      </p:to>
+                                    </p:set>
+                                    <p:animEffect transition="in" filter="fade">
+                                      <p:cBhvr>
+                                        <p:cTn id="27" dur="1000"/>
+                                        <p:tgtEl>
+                                          <p:spTgt spid="4"/>
+                                        </p:tgtEl>
+                                      </p:cBhvr>
+                                    </p:animEffect>
+                                    <p:anim calcmode="lin" valueType="num">
+                                      <p:cBhvr>
+                                        <p:cTn id="28" dur="1000" fill="hold"/>
+                                        <p:tgtEl>
+                                          <p:spTgt spid="4"/>
+                                        </p:tgtEl>
+                                        <p:attrNameLst>
+                                          <p:attrName>ppt_x</p:attrName>
+                                        </p:attrNameLst>
+                                      </p:cBhvr>
+                                      <p:tavLst>
+                                        <p:tav tm="0">
+                                          <p:val>
+                                            <p:strVal val="#ppt_x"/>
+                                          </p:val>
+                                        </p:tav>
+                                        <p:tav tm="100000">
+                                          <p:val>
+                                            <p:strVal val="#ppt_x"/>
+                                          </p:val>
+                                        </p:tav>
+                                      </p:tavLst>
+                                    </p:anim>
+                                    <p:anim calcmode="lin" valueType="num">
+                                      <p:cBhvr>
+                                        <p:cTn id="29" dur="1000" fill="hold"/>
+                                        <p:tgtEl>
+                                          <p:spTgt spid="4"/>
+                                        </p:tgtEl>
+                                        <p:attrNameLst>
+                                          <p:attrName>ppt_y</p:attrName>
+                                        </p:attrNameLst>
+                                      </p:cBhvr>
+                                      <p:tavLst>
+                                        <p:tav tm="0">
+                                          <p:val>
+                                            <p:strVal val="#ppt_y+.1"/>
+                                          </p:val>
+                                        </p:tav>
+                                        <p:tav tm="100000">
+                                          <p:val>
+                                            <p:strVal val="#ppt_y"/>
+                                          </p:val>
+                                        </p:tav>
+                                      </p:tavLst>
+                                    </p:anim>
+                                  </p:childTnLst>
+                                </p:cTn>
+                              </p:par>
+                            </p:childTnLst>
+                          </p:cTn>
+                        </p:par>
+                      </p:childTnLst>
+                    </p:cTn>
+                  </p:par>
+                  <p:par>
+                    <p:cTn id="30" fill="hold">
+                      <p:stCondLst>
+                        <p:cond delay="indefinite"/>
+                      </p:stCondLst>
+                      <p:childTnLst>
+                        <p:par>
+                          <p:cTn id="31" fill="hold">
+                            <p:stCondLst>
+                              <p:cond delay="0"/>
+                            </p:stCondLst>
+                            <p:childTnLst>
+                              <p:par>
+                                <p:cTn id="32" presetID="42" presetClass="exit" presetSubtype="0" fill="hold" grpId="2" nodeType="clickEffect">
+                                  <p:stCondLst>
+                                    <p:cond delay="0"/>
+                                  </p:stCondLst>
+                                  <p:childTnLst>
+                                    <p:animEffect transition="out" filter="fade">
+                                      <p:cBhvr>
+                                        <p:cTn id="33" dur="1000"/>
+                                        <p:tgtEl>
+                                          <p:spTgt spid="3">
+                                            <p:txEl>
+                                              <p:pRg st="0" end="0"/>
+                                            </p:txEl>
+                                          </p:spTgt>
+                                        </p:tgtEl>
+                                      </p:cBhvr>
+                                    </p:animEffect>
+                                    <p:anim calcmode="lin" valueType="num">
+                                      <p:cBhvr>
+                                        <p:cTn id="34" dur="1000"/>
+                                        <p:tgtEl>
+                                          <p:spTgt spid="3">
+                                            <p:txEl>
+                                              <p:pRg st="0" end="0"/>
+                                            </p:txEl>
+                                          </p:spTgt>
+                                        </p:tgtEl>
+                                        <p:attrNameLst>
+                                          <p:attrName>ppt_x</p:attrName>
+                                        </p:attrNameLst>
+                                      </p:cBhvr>
+                                      <p:tavLst>
+                                        <p:tav tm="0">
+                                          <p:val>
+                                            <p:strVal val="ppt_x"/>
+                                          </p:val>
+                                        </p:tav>
+                                        <p:tav tm="100000">
+                                          <p:val>
+                                            <p:strVal val="ppt_x"/>
+                                          </p:val>
+                                        </p:tav>
+                                      </p:tavLst>
+                                    </p:anim>
+                                    <p:anim calcmode="lin" valueType="num">
+                                      <p:cBhvr>
+                                        <p:cTn id="35" dur="1000"/>
+                                        <p:tgtEl>
+                                          <p:spTgt spid="3">
+                                            <p:txEl>
+                                              <p:pRg st="0" end="0"/>
+                                            </p:txEl>
+                                          </p:spTgt>
+                                        </p:tgtEl>
+                                        <p:attrNameLst>
+                                          <p:attrName>ppt_y</p:attrName>
+                                        </p:attrNameLst>
+                                      </p:cBhvr>
+                                      <p:tavLst>
+                                        <p:tav tm="0">
+                                          <p:val>
+                                            <p:strVal val="ppt_y"/>
+                                          </p:val>
+                                        </p:tav>
+                                        <p:tav tm="100000">
+                                          <p:val>
+                                            <p:strVal val="ppt_y+.1"/>
+                                          </p:val>
+                                        </p:tav>
+                                      </p:tavLst>
+                                    </p:anim>
+                                    <p:set>
+                                      <p:cBhvr>
+                                        <p:cTn id="36" dur="1" fill="hold">
+                                          <p:stCondLst>
+                                            <p:cond delay="999"/>
+                                          </p:stCondLst>
+                                        </p:cTn>
+                                        <p:tgtEl>
+                                          <p:spTgt spid="3">
+                                            <p:txEl>
+                                              <p:pRg st="0" end="0"/>
+                                            </p:txEl>
+                                          </p:spTgt>
+                                        </p:tgtEl>
+                                        <p:attrNameLst>
+                                          <p:attrName>style.visibility</p:attrName>
+                                        </p:attrNameLst>
+                                      </p:cBhvr>
+                                      <p:to>
+                                        <p:strVal val="hidden"/>
+                                      </p:to>
+                                    </p:set>
+                                  </p:childTnLst>
+                                </p:cTn>
+                              </p:par>
+                              <p:par>
+                                <p:cTn id="37" presetID="42" presetClass="exit" presetSubtype="0" fill="hold" grpId="2" nodeType="withEffect">
+                                  <p:stCondLst>
+                                    <p:cond delay="0"/>
+                                  </p:stCondLst>
+                                  <p:childTnLst>
+                                    <p:animEffect transition="out" filter="fade">
+                                      <p:cBhvr>
+                                        <p:cTn id="38" dur="1000"/>
+                                        <p:tgtEl>
+                                          <p:spTgt spid="3">
+                                            <p:txEl>
+                                              <p:pRg st="1" end="1"/>
+                                            </p:txEl>
+                                          </p:spTgt>
+                                        </p:tgtEl>
+                                      </p:cBhvr>
+                                    </p:animEffect>
+                                    <p:anim calcmode="lin" valueType="num">
+                                      <p:cBhvr>
+                                        <p:cTn id="39" dur="1000"/>
+                                        <p:tgtEl>
+                                          <p:spTgt spid="3">
+                                            <p:txEl>
+                                              <p:pRg st="1" end="1"/>
+                                            </p:txEl>
+                                          </p:spTgt>
+                                        </p:tgtEl>
+                                        <p:attrNameLst>
+                                          <p:attrName>ppt_x</p:attrName>
+                                        </p:attrNameLst>
+                                      </p:cBhvr>
+                                      <p:tavLst>
+                                        <p:tav tm="0">
+                                          <p:val>
+                                            <p:strVal val="ppt_x"/>
+                                          </p:val>
+                                        </p:tav>
+                                        <p:tav tm="100000">
+                                          <p:val>
+                                            <p:strVal val="ppt_x"/>
+                                          </p:val>
+                                        </p:tav>
+                                      </p:tavLst>
+                                    </p:anim>
+                                    <p:anim calcmode="lin" valueType="num">
+                                      <p:cBhvr>
+                                        <p:cTn id="40" dur="1000"/>
+                                        <p:tgtEl>
+                                          <p:spTgt spid="3">
+                                            <p:txEl>
+                                              <p:pRg st="1" end="1"/>
+                                            </p:txEl>
+                                          </p:spTgt>
+                                        </p:tgtEl>
+                                        <p:attrNameLst>
+                                          <p:attrName>ppt_y</p:attrName>
+                                        </p:attrNameLst>
+                                      </p:cBhvr>
+                                      <p:tavLst>
+                                        <p:tav tm="0">
+                                          <p:val>
+                                            <p:strVal val="ppt_y"/>
+                                          </p:val>
+                                        </p:tav>
+                                        <p:tav tm="100000">
+                                          <p:val>
+                                            <p:strVal val="ppt_y+.1"/>
+                                          </p:val>
+                                        </p:tav>
+                                      </p:tavLst>
+                                    </p:anim>
+                                    <p:set>
+                                      <p:cBhvr>
+                                        <p:cTn id="41" dur="1" fill="hold">
+                                          <p:stCondLst>
+                                            <p:cond delay="999"/>
+                                          </p:stCondLst>
+                                        </p:cTn>
+                                        <p:tgtEl>
+                                          <p:spTgt spid="3">
+                                            <p:txEl>
+                                              <p:pRg st="1" end="1"/>
+                                            </p:txEl>
+                                          </p:spTgt>
+                                        </p:tgtEl>
+                                        <p:attrNameLst>
+                                          <p:attrName>style.visibility</p:attrName>
+                                        </p:attrNameLst>
+                                      </p:cBhvr>
+                                      <p:to>
+                                        <p:strVal val="hidden"/>
+                                      </p:to>
+                                    </p:set>
+                                  </p:childTnLst>
+                                </p:cTn>
+                              </p:par>
+                              <p:par>
+                                <p:cTn id="42" presetID="42" presetClass="exit" presetSubtype="0" fill="hold" grpId="2" nodeType="withEffect">
+                                  <p:stCondLst>
+                                    <p:cond delay="0"/>
+                                  </p:stCondLst>
+                                  <p:childTnLst>
+                                    <p:animEffect transition="out" filter="fade">
+                                      <p:cBhvr>
+                                        <p:cTn id="43" dur="1000"/>
+                                        <p:tgtEl>
+                                          <p:spTgt spid="3">
+                                            <p:txEl>
+                                              <p:pRg st="2" end="2"/>
+                                            </p:txEl>
+                                          </p:spTgt>
+                                        </p:tgtEl>
+                                      </p:cBhvr>
+                                    </p:animEffect>
+                                    <p:anim calcmode="lin" valueType="num">
+                                      <p:cBhvr>
+                                        <p:cTn id="44" dur="1000"/>
+                                        <p:tgtEl>
+                                          <p:spTgt spid="3">
+                                            <p:txEl>
+                                              <p:pRg st="2" end="2"/>
+                                            </p:txEl>
+                                          </p:spTgt>
+                                        </p:tgtEl>
+                                        <p:attrNameLst>
+                                          <p:attrName>ppt_x</p:attrName>
+                                        </p:attrNameLst>
+                                      </p:cBhvr>
+                                      <p:tavLst>
+                                        <p:tav tm="0">
+                                          <p:val>
+                                            <p:strVal val="ppt_x"/>
+                                          </p:val>
+                                        </p:tav>
+                                        <p:tav tm="100000">
+                                          <p:val>
+                                            <p:strVal val="ppt_x"/>
+                                          </p:val>
+                                        </p:tav>
+                                      </p:tavLst>
+                                    </p:anim>
+                                    <p:anim calcmode="lin" valueType="num">
+                                      <p:cBhvr>
+                                        <p:cTn id="45" dur="1000"/>
+                                        <p:tgtEl>
+                                          <p:spTgt spid="3">
+                                            <p:txEl>
+                                              <p:pRg st="2" end="2"/>
+                                            </p:txEl>
+                                          </p:spTgt>
+                                        </p:tgtEl>
+                                        <p:attrNameLst>
+                                          <p:attrName>ppt_y</p:attrName>
+                                        </p:attrNameLst>
+                                      </p:cBhvr>
+                                      <p:tavLst>
+                                        <p:tav tm="0">
+                                          <p:val>
+                                            <p:strVal val="ppt_y"/>
+                                          </p:val>
+                                        </p:tav>
+                                        <p:tav tm="100000">
+                                          <p:val>
+                                            <p:strVal val="ppt_y+.1"/>
+                                          </p:val>
+                                        </p:tav>
+                                      </p:tavLst>
+                                    </p:anim>
+                                    <p:set>
+                                      <p:cBhvr>
+                                        <p:cTn id="46" dur="1" fill="hold">
+                                          <p:stCondLst>
+                                            <p:cond delay="999"/>
+                                          </p:stCondLst>
+                                        </p:cTn>
+                                        <p:tgtEl>
+                                          <p:spTgt spid="3">
+                                            <p:txEl>
+                                              <p:pRg st="2" end="2"/>
+                                            </p:txEl>
+                                          </p:spTgt>
+                                        </p:tgtEl>
+                                        <p:attrNameLst>
+                                          <p:attrName>style.visibility</p:attrName>
+                                        </p:attrNameLst>
+                                      </p:cBhvr>
+                                      <p:to>
+                                        <p:strVal val="hidden"/>
+                                      </p:to>
+                                    </p:set>
+                                  </p:childTnLst>
+                                </p:cTn>
+                              </p:par>
+                              <p:par>
+                                <p:cTn id="47" presetID="42" presetClass="exit" presetSubtype="0" fill="hold" nodeType="withEffect">
+                                  <p:stCondLst>
+                                    <p:cond delay="0"/>
+                                  </p:stCondLst>
+                                  <p:childTnLst>
+                                    <p:animEffect transition="out" filter="fade">
+                                      <p:cBhvr>
+                                        <p:cTn id="48" dur="1000"/>
+                                        <p:tgtEl>
+                                          <p:spTgt spid="4"/>
+                                        </p:tgtEl>
+                                      </p:cBhvr>
+                                    </p:animEffect>
+                                    <p:anim calcmode="lin" valueType="num">
+                                      <p:cBhvr>
+                                        <p:cTn id="49" dur="1000"/>
+                                        <p:tgtEl>
+                                          <p:spTgt spid="4"/>
+                                        </p:tgtEl>
+                                        <p:attrNameLst>
+                                          <p:attrName>ppt_x</p:attrName>
+                                        </p:attrNameLst>
+                                      </p:cBhvr>
+                                      <p:tavLst>
+                                        <p:tav tm="0">
+                                          <p:val>
+                                            <p:strVal val="ppt_x"/>
+                                          </p:val>
+                                        </p:tav>
+                                        <p:tav tm="100000">
+                                          <p:val>
+                                            <p:strVal val="ppt_x"/>
+                                          </p:val>
+                                        </p:tav>
+                                      </p:tavLst>
+                                    </p:anim>
+                                    <p:anim calcmode="lin" valueType="num">
+                                      <p:cBhvr>
+                                        <p:cTn id="50" dur="1000"/>
+                                        <p:tgtEl>
+                                          <p:spTgt spid="4"/>
+                                        </p:tgtEl>
+                                        <p:attrNameLst>
+                                          <p:attrName>ppt_y</p:attrName>
+                                        </p:attrNameLst>
+                                      </p:cBhvr>
+                                      <p:tavLst>
+                                        <p:tav tm="0">
+                                          <p:val>
+                                            <p:strVal val="ppt_y"/>
+                                          </p:val>
+                                        </p:tav>
+                                        <p:tav tm="100000">
+                                          <p:val>
+                                            <p:strVal val="ppt_y+.1"/>
+                                          </p:val>
+                                        </p:tav>
+                                      </p:tavLst>
+                                    </p:anim>
+                                    <p:set>
+                                      <p:cBhvr>
+                                        <p:cTn id="51" dur="1" fill="hold">
+                                          <p:stCondLst>
+                                            <p:cond delay="999"/>
+                                          </p:stCondLst>
+                                        </p:cTn>
+                                        <p:tgtEl>
+                                          <p:spTgt spid="4"/>
+                                        </p:tgtEl>
+                                        <p:attrNameLst>
+                                          <p:attrName>style.visibility</p:attrName>
+                                        </p:attrNameLst>
+                                      </p:cBhvr>
+                                      <p:to>
+                                        <p:strVal val="hidden"/>
+                                      </p:to>
+                                    </p:set>
+                                  </p:childTnLst>
+                                </p:cTn>
+                              </p:par>
+                              <p:par>
+                                <p:cTn id="52" presetID="10" presetClass="entr" presetSubtype="0" fill="hold" nodeType="withEffect">
+                                  <p:stCondLst>
+                                    <p:cond delay="500"/>
+                                  </p:stCondLst>
+                                  <p:childTnLst>
+                                    <p:set>
+                                      <p:cBhvr>
+                                        <p:cTn id="53" dur="1" fill="hold">
+                                          <p:stCondLst>
+                                            <p:cond delay="0"/>
+                                          </p:stCondLst>
+                                        </p:cTn>
+                                        <p:tgtEl>
+                                          <p:spTgt spid="5"/>
+                                        </p:tgtEl>
+                                        <p:attrNameLst>
+                                          <p:attrName>style.visibility</p:attrName>
+                                        </p:attrNameLst>
+                                      </p:cBhvr>
+                                      <p:to>
+                                        <p:strVal val="visible"/>
+                                      </p:to>
+                                    </p:set>
+                                    <p:animEffect transition="in" filter="fade">
+                                      <p:cBhvr>
+                                        <p:cTn id="54" dur="1000"/>
+                                        <p:tgtEl>
+                                          <p:spTgt spid="5"/>
+                                        </p:tgtEl>
+                                      </p:cBhvr>
+                                    </p:animEffect>
+                                  </p:childTnLst>
+                                </p:cTn>
+                              </p:par>
+                              <p:par>
+                                <p:cTn id="55" presetID="2" presetClass="entr" presetSubtype="4" fill="hold" grpId="0" nodeType="withEffect">
+                                  <p:stCondLst>
+                                    <p:cond delay="750"/>
+                                  </p:stCondLst>
+                                  <p:childTnLst>
+                                    <p:set>
+                                      <p:cBhvr>
+                                        <p:cTn id="56" dur="1" fill="hold">
+                                          <p:stCondLst>
+                                            <p:cond delay="0"/>
+                                          </p:stCondLst>
+                                        </p:cTn>
+                                        <p:tgtEl>
+                                          <p:spTgt spid="6"/>
+                                        </p:tgtEl>
+                                        <p:attrNameLst>
+                                          <p:attrName>style.visibility</p:attrName>
+                                        </p:attrNameLst>
+                                      </p:cBhvr>
+                                      <p:to>
+                                        <p:strVal val="visible"/>
+                                      </p:to>
+                                    </p:set>
+                                    <p:anim calcmode="lin" valueType="num">
+                                      <p:cBhvr additive="base">
+                                        <p:cTn id="57" dur="500" fill="hold"/>
+                                        <p:tgtEl>
+                                          <p:spTgt spid="6"/>
+                                        </p:tgtEl>
+                                        <p:attrNameLst>
+                                          <p:attrName>ppt_x</p:attrName>
+                                        </p:attrNameLst>
+                                      </p:cBhvr>
+                                      <p:tavLst>
+                                        <p:tav tm="0">
+                                          <p:val>
+                                            <p:strVal val="#ppt_x"/>
+                                          </p:val>
+                                        </p:tav>
+                                        <p:tav tm="100000">
+                                          <p:val>
+                                            <p:strVal val="#ppt_x"/>
+                                          </p:val>
+                                        </p:tav>
+                                      </p:tavLst>
+                                    </p:anim>
+                                    <p:anim calcmode="lin" valueType="num">
+                                      <p:cBhvr additive="base">
+                                        <p:cTn id="58" dur="500" fill="hold"/>
+                                        <p:tgtEl>
+                                          <p:spTgt spid="6"/>
+                                        </p:tgtEl>
+                                        <p:attrNameLst>
+                                          <p:attrName>ppt_y</p:attrName>
+                                        </p:attrNameLst>
+                                      </p:cBhvr>
+                                      <p:tavLst>
+                                        <p:tav tm="0">
+                                          <p:val>
+                                            <p:strVal val="1+#ppt_h/2"/>
+                                          </p:val>
+                                        </p:tav>
+                                        <p:tav tm="100000">
+                                          <p:val>
+                                            <p:strVal val="#ppt_y"/>
+                                          </p:val>
+                                        </p:tav>
+                                      </p:tavLst>
+                                    </p:anim>
+                                  </p:childTnLst>
+                                </p:cTn>
+                              </p:par>
+                            </p:childTnLst>
+                          </p:cTn>
+                        </p:par>
+                      </p:childTnLst>
+                    </p:cTn>
+                  </p:par>
+                </p:childTnLst>
+              </p:cTn>
+              <p:prevCondLst>
+                <p:cond evt="onPrev" delay="0">
+                  <p:tgtEl>
+                    <p:sldTgt/>
+                  </p:tgtEl>
+                </p:cond>
+              </p:prevCondLst>
+              <p:nextCondLst>
+                <p:cond evt="onNext" delay="0">
+                  <p:tgtEl>
+                    <p:sldTgt/>
+                  </p:tgtEl>
+                </p:cond>
+              </p:nextCondLst>
+            </p:seq>
+          </p:childTnLst>
+        </p:cTn>
+      </p:par>
+    </p:tnLst>
+    <p:bldLst>
+      <p:bldP spid="2" grpId="0"/>
+      <p:bldP spid="3" grpId="0" build="p"/>
+      <p:bldP spid="3" grpId="2" build="p"/>
+      <p:bldP spid="6" grpId="0"/>
+    </p:bldLst>
+  </p:timing>
+</p:sld>
+</file>
+
+<file path=ppt/slides/slide11.xml><?xml version="1.0" encoding="utf-8"?>
+<p:sld xmlns:a="http://schemas.openxmlformats.org/drawingml/2006/main" xmlns:r="http://schemas.openxmlformats.org/officeDocument/2006/relationships" xmlns:p="http://schemas.openxmlformats.org/presentationml/2006/main">
+  <p:cSld>
+    <p:spTree>
+      <p:nvGrpSpPr>
+        <p:cNvPr id="1" name=""/>
+        <p:cNvGrpSpPr/>
+        <p:nvPr/>
+      </p:nvGrpSpPr>
+      <p:grpSpPr>
+        <a:xfrm>
+          <a:off x="0" y="0"/>
+          <a:ext cx="0" cy="0"/>
+          <a:chOff x="0" y="0"/>
+          <a:chExt cx="0" cy="0"/>
+        </a:xfrm>
+      </p:grpSpPr>
+      <p:sp>
+        <p:nvSpPr>
+          <p:cNvPr id="2" name="Title 1">
+            <a:extLst>
+              <a:ext uri="{FF2B5EF4-FFF2-40B4-BE49-F238E27FC236}">
+                <a16:creationId xmlns:a16="http://schemas.microsoft.com/office/drawing/2014/main" id="{070B01F1-5B30-4099-9FA4-25A75F0DF9A2}"/>
+              </a:ext>
+            </a:extLst>
+          </p:cNvPr>
+          <p:cNvSpPr>
+            <a:spLocks noGrp="1"/>
+          </p:cNvSpPr>
+          <p:nvPr>
+            <p:ph type="title"/>
+          </p:nvPr>
+        </p:nvSpPr>
+        <p:spPr/>
+        <p:txBody>
+          <a:bodyPr/>
+          <a:lstStyle/>
+          <a:p>
+            <a:endParaRPr lang="en-US" dirty="0"/>
+          </a:p>
+        </p:txBody>
+      </p:sp>
+      <p:sp>
+        <p:nvSpPr>
+          <p:cNvPr id="3" name="Text Placeholder 2">
+            <a:extLst>
+              <a:ext uri="{FF2B5EF4-FFF2-40B4-BE49-F238E27FC236}">
+                <a16:creationId xmlns:a16="http://schemas.microsoft.com/office/drawing/2014/main" id="{C247F362-A59E-40E7-9473-45994769BEE6}"/>
+              </a:ext>
+            </a:extLst>
+          </p:cNvPr>
+          <p:cNvSpPr>
+            <a:spLocks noGrp="1"/>
+          </p:cNvSpPr>
+          <p:nvPr>
+            <p:ph type="body" idx="1"/>
+          </p:nvPr>
+        </p:nvSpPr>
+        <p:spPr>
+          <a:xfrm>
+            <a:off x="722313" y="2009180"/>
+            <a:ext cx="7772400" cy="1125140"/>
+          </a:xfrm>
+        </p:spPr>
+        <p:txBody>
+          <a:bodyPr/>
+          <a:lstStyle/>
+          <a:p>
+            <a:endParaRPr lang="en-US" dirty="0"/>
+          </a:p>
+        </p:txBody>
+      </p:sp>
+    </p:spTree>
+    <p:extLst>
+      <p:ext uri="{BB962C8B-B14F-4D97-AF65-F5344CB8AC3E}">
+        <p14:creationId xmlns:p14="http://schemas.microsoft.com/office/powerpoint/2010/main" val="1892487261"/>
+      </p:ext>
+    </p:extLst>
+  </p:cSld>
+  <p:clrMapOvr>
+    <a:masterClrMapping/>
+  </p:clrMapOvr>
+</p:sld>
+</file>
+
+<file path=ppt/slides/slide12.xml><?xml version="1.0" encoding="utf-8"?>
+<p:sld xmlns:a="http://schemas.openxmlformats.org/drawingml/2006/main" xmlns:r="http://schemas.openxmlformats.org/officeDocument/2006/relationships" xmlns:p="http://schemas.openxmlformats.org/presentationml/2006/main">
+  <p:cSld>
+    <p:spTree>
+      <p:nvGrpSpPr>
+        <p:cNvPr id="1" name=""/>
+        <p:cNvGrpSpPr/>
+        <p:nvPr/>
+      </p:nvGrpSpPr>
+      <p:grpSpPr>
+        <a:xfrm>
+          <a:off x="0" y="0"/>
+          <a:ext cx="0" cy="0"/>
+          <a:chOff x="0" y="0"/>
+          <a:chExt cx="0" cy="0"/>
+        </a:xfrm>
+      </p:grpSpPr>
+      <p:sp>
+        <p:nvSpPr>
+          <p:cNvPr id="4" name="Title 3"/>
+          <p:cNvSpPr>
+            <a:spLocks noGrp="1"/>
+          </p:cNvSpPr>
+          <p:nvPr>
+            <p:ph type="title"/>
+          </p:nvPr>
+        </p:nvSpPr>
+        <p:spPr/>
+        <p:txBody>
+          <a:bodyPr>
+            <a:normAutofit/>
+          </a:bodyPr>
+          <a:lstStyle/>
+          <a:p>
+            <a:r>
+              <a:rPr lang="en-US"/>
+              <a:t>Slide Title</a:t>
+            </a:r>
+            <a:endParaRPr lang="en-US" dirty="0"/>
+          </a:p>
+        </p:txBody>
+      </p:sp>
+      <p:sp>
+        <p:nvSpPr>
+          <p:cNvPr id="5" name="Content Placeholder 4"/>
+          <p:cNvSpPr>
+            <a:spLocks noGrp="1"/>
+          </p:cNvSpPr>
+          <p:nvPr>
+            <p:ph idx="1"/>
+          </p:nvPr>
+        </p:nvSpPr>
+        <p:spPr/>
+        <p:txBody>
+          <a:bodyPr/>
+          <a:lstStyle/>
+          <a:p>
+            <a:r>
+              <a:rPr lang="en-US" dirty="0"/>
+              <a:t>Make Effective Presentations</a:t>
+            </a:r>
+          </a:p>
+          <a:p>
+            <a:r>
+              <a:rPr lang="en-US" dirty="0"/>
+              <a:t>Using Awesome Backgrounds</a:t>
+            </a:r>
+          </a:p>
+          <a:p>
+            <a:r>
+              <a:rPr lang="en-US" dirty="0"/>
+              <a:t>Engage your Audience</a:t>
+            </a:r>
+          </a:p>
+          <a:p>
+            <a:r>
+              <a:rPr lang="en-US" dirty="0"/>
+              <a:t>Capture Audience Attention</a:t>
+            </a:r>
+          </a:p>
+        </p:txBody>
+      </p:sp>
+    </p:spTree>
+    <p:extLst>
+      <p:ext uri="{BB962C8B-B14F-4D97-AF65-F5344CB8AC3E}">
+        <p14:creationId xmlns:p14="http://schemas.microsoft.com/office/powerpoint/2010/main" val="1101633878"/>
+      </p:ext>
+    </p:extLst>
+  </p:cSld>
+  <p:clrMapOvr>
+    <a:masterClrMapping/>
+  </p:clrMapOvr>
+</p:sld>
+</file>
+
+<file path=ppt/slides/slide13.xml><?xml version="1.0" encoding="utf-8"?>
+<p:sld xmlns:a="http://schemas.openxmlformats.org/drawingml/2006/main" xmlns:r="http://schemas.openxmlformats.org/officeDocument/2006/relationships" xmlns:p="http://schemas.openxmlformats.org/presentationml/2006/main">
+  <p:cSld>
+    <p:spTree>
+      <p:nvGrpSpPr>
+        <p:cNvPr id="1" name=""/>
+        <p:cNvGrpSpPr/>
+        <p:nvPr/>
+      </p:nvGrpSpPr>
+      <p:grpSpPr>
+        <a:xfrm>
+          <a:off x="0" y="0"/>
+          <a:ext cx="0" cy="0"/>
+          <a:chOff x="0" y="0"/>
+          <a:chExt cx="0" cy="0"/>
+        </a:xfrm>
+      </p:grpSpPr>
+      <p:sp>
+        <p:nvSpPr>
+          <p:cNvPr id="4" name="Title 3"/>
+          <p:cNvSpPr>
+            <a:spLocks noGrp="1"/>
+          </p:cNvSpPr>
+          <p:nvPr>
+            <p:ph type="title"/>
+          </p:nvPr>
+        </p:nvSpPr>
+        <p:spPr/>
+        <p:txBody>
+          <a:bodyPr>
+            <a:normAutofit/>
+          </a:bodyPr>
+          <a:lstStyle/>
+          <a:p>
+            <a:r>
+              <a:rPr lang="en-US" dirty="0"/>
+              <a:t>Slide Title</a:t>
+            </a:r>
+          </a:p>
+        </p:txBody>
+      </p:sp>
+      <p:sp>
+        <p:nvSpPr>
+          <p:cNvPr id="5" name="Text Placeholder 4"/>
+          <p:cNvSpPr>
+            <a:spLocks noGrp="1"/>
+          </p:cNvSpPr>
+          <p:nvPr>
+            <p:ph type="body" idx="1"/>
+          </p:nvPr>
+        </p:nvSpPr>
+        <p:spPr/>
+        <p:txBody>
+          <a:bodyPr/>
+          <a:lstStyle/>
+          <a:p>
+            <a:r>
+              <a:rPr lang="en-US"/>
+              <a:t>Product A</a:t>
+            </a:r>
+            <a:endParaRPr lang="en-US" dirty="0"/>
+          </a:p>
+        </p:txBody>
+      </p:sp>
+      <p:sp>
+        <p:nvSpPr>
+          <p:cNvPr id="6" name="Content Placeholder 5"/>
+          <p:cNvSpPr>
+            <a:spLocks noGrp="1"/>
+          </p:cNvSpPr>
+          <p:nvPr>
+            <p:ph sz="half" idx="2"/>
+          </p:nvPr>
+        </p:nvSpPr>
+        <p:spPr/>
+        <p:txBody>
+          <a:bodyPr/>
+          <a:lstStyle/>
+          <a:p>
+            <a:r>
+              <a:rPr lang="en-US"/>
+              <a:t>Feature 1</a:t>
+            </a:r>
+          </a:p>
+          <a:p>
+            <a:r>
+              <a:rPr lang="en-US"/>
+              <a:t>Feature 2</a:t>
+            </a:r>
+          </a:p>
+          <a:p>
+            <a:r>
+              <a:rPr lang="en-US"/>
+              <a:t>Feature 3</a:t>
+            </a:r>
+            <a:endParaRPr lang="en-US" dirty="0"/>
+          </a:p>
+        </p:txBody>
+      </p:sp>
+      <p:sp>
+        <p:nvSpPr>
+          <p:cNvPr id="7" name="Text Placeholder 6"/>
+          <p:cNvSpPr>
+            <a:spLocks noGrp="1"/>
+          </p:cNvSpPr>
+          <p:nvPr>
+            <p:ph type="body" sz="quarter" idx="3"/>
+          </p:nvPr>
+        </p:nvSpPr>
+        <p:spPr/>
+        <p:txBody>
+          <a:bodyPr/>
+          <a:lstStyle/>
+          <a:p>
+            <a:r>
+              <a:rPr lang="en-US"/>
+              <a:t>Product B</a:t>
+            </a:r>
+          </a:p>
+        </p:txBody>
+      </p:sp>
+      <p:sp>
+        <p:nvSpPr>
+          <p:cNvPr id="8" name="Content Placeholder 7"/>
+          <p:cNvSpPr>
+            <a:spLocks noGrp="1"/>
+          </p:cNvSpPr>
+          <p:nvPr>
+            <p:ph sz="quarter" idx="4"/>
+          </p:nvPr>
+        </p:nvSpPr>
+        <p:spPr/>
+        <p:txBody>
+          <a:bodyPr/>
+          <a:lstStyle/>
+          <a:p>
+            <a:r>
+              <a:rPr lang="en-US"/>
+              <a:t>Feature 1</a:t>
+            </a:r>
+          </a:p>
+          <a:p>
+            <a:r>
+              <a:rPr lang="en-US"/>
+              <a:t>Feature 2</a:t>
+            </a:r>
+          </a:p>
+          <a:p>
+            <a:r>
+              <a:rPr lang="en-US"/>
+              <a:t>Feature 3</a:t>
+            </a:r>
+          </a:p>
+        </p:txBody>
+      </p:sp>
+    </p:spTree>
+    <p:extLst>
+      <p:ext uri="{BB962C8B-B14F-4D97-AF65-F5344CB8AC3E}">
+        <p14:creationId xmlns:p14="http://schemas.microsoft.com/office/powerpoint/2010/main" val="4170783713"/>
+      </p:ext>
+    </p:extLst>
+  </p:cSld>
+  <p:clrMapOvr>
+    <a:masterClrMapping/>
+  </p:clrMapOvr>
+</p:sld>
+</file>
+
+<file path=ppt/slides/slide14.xml><?xml version="1.0" encoding="utf-8"?>
+<p:sld xmlns:a="http://schemas.openxmlformats.org/drawingml/2006/main" xmlns:r="http://schemas.openxmlformats.org/officeDocument/2006/relationships" xmlns:p="http://schemas.openxmlformats.org/presentationml/2006/main">
+  <p:cSld>
+    <p:spTree>
+      <p:nvGrpSpPr>
+        <p:cNvPr id="1" name=""/>
+        <p:cNvGrpSpPr/>
+        <p:nvPr/>
+      </p:nvGrpSpPr>
+      <p:grpSpPr>
+        <a:xfrm>
+          <a:off x="0" y="0"/>
+          <a:ext cx="0" cy="0"/>
+          <a:chOff x="0" y="0"/>
+          <a:chExt cx="0" cy="0"/>
+        </a:xfrm>
+      </p:grpSpPr>
+      <p:pic>
+        <p:nvPicPr>
+          <p:cNvPr id="3" name="Picture 2" descr="E:\websites\free-power-point-templates\2012\logos.png"/>
+          <p:cNvPicPr>
+            <a:picLocks noChangeAspect="1" noChangeArrowheads="1"/>
+          </p:cNvPicPr>
+          <p:nvPr/>
+        </p:nvPicPr>
+        <p:blipFill>
+          <a:blip r:embed="rId3">
+            <a:extLst>
+              <a:ext uri="{28A0092B-C50C-407E-A947-70E740481C1C}">
+                <a14:useLocalDpi xmlns:a14="http://schemas.microsoft.com/office/drawing/2010/main" val="0"/>
+              </a:ext>
+            </a:extLst>
+          </a:blip>
+          <a:stretch>
+            <a:fillRect/>
+          </a:stretch>
+        </p:blipFill>
+        <p:spPr bwMode="auto">
+          <a:xfrm>
+            <a:off x="3808475" y="2326213"/>
+            <a:ext cx="1463784" cy="526961"/>
+          </a:xfrm>
+          <a:prstGeom prst="rect">
+            <a:avLst/>
+          </a:prstGeom>
+          <a:noFill/>
+          <a:ln>
+            <a:noFill/>
+          </a:ln>
+          <a:extLst>
+            <a:ext uri="{909E8E84-426E-40DD-AFC4-6F175D3DCCD1}">
+              <a14:hiddenFill xmlns:a14="http://schemas.microsoft.com/office/drawing/2010/main">
+                <a:solidFill>
+                  <a:srgbClr val="FFFFFF"/>
+                </a:solidFill>
+              </a14:hiddenFill>
+            </a:ext>
+          </a:extLst>
+        </p:spPr>
+      </p:pic>
+    </p:spTree>
+    <p:extLst>
+      <p:ext uri="{BB962C8B-B14F-4D97-AF65-F5344CB8AC3E}">
+        <p14:creationId xmlns:p14="http://schemas.microsoft.com/office/powerpoint/2010/main" val="109100692"/>
+      </p:ext>
+    </p:extLst>
+  </p:cSld>
+  <p:clrMapOvr>
+    <a:masterClrMapping/>
+  </p:clrMapOvr>
+</p:sld>
+</file>
+
 <file path=ppt/slides/slide2.xml><?xml version="1.0" encoding="utf-8"?>
 <p:sld xmlns:a="http://schemas.openxmlformats.org/drawingml/2006/main" xmlns:r="http://schemas.openxmlformats.org/officeDocument/2006/relationships" xmlns:p="http://schemas.openxmlformats.org/presentationml/2006/main">
   <p:cSld>
@@ -4657,12 +6443,22 @@
             <p:ph type="title"/>
           </p:nvPr>
         </p:nvSpPr>
-        <p:spPr/>
-        <p:txBody>
-          <a:bodyPr/>
+        <p:spPr>
+          <a:xfrm>
+            <a:off x="442451" y="546994"/>
+            <a:ext cx="8259098" cy="763526"/>
+          </a:xfrm>
+        </p:spPr>
+        <p:txBody>
+          <a:bodyPr>
+            <a:noAutofit/>
+          </a:bodyPr>
           <a:lstStyle/>
           <a:p>
-            <a:endParaRPr lang="en-US"/>
+            <a:r>
+              <a:rPr lang="en-US" sz="4800" dirty="0"/>
+              <a:t>Extend:</a:t>
+            </a:r>
           </a:p>
         </p:txBody>
       </p:sp>
@@ -4682,15 +6478,102 @@
             <p:ph idx="1"/>
           </p:nvPr>
         </p:nvSpPr>
-        <p:spPr/>
-        <p:txBody>
-          <a:bodyPr/>
+        <p:spPr>
+          <a:xfrm>
+            <a:off x="1275638" y="1788369"/>
+            <a:ext cx="3934865" cy="1987472"/>
+          </a:xfrm>
+        </p:spPr>
+        <p:txBody>
+          <a:bodyPr>
+            <a:normAutofit/>
+          </a:bodyPr>
           <a:lstStyle/>
           <a:p>
-            <a:endParaRPr lang="en-US"/>
-          </a:p>
-        </p:txBody>
-      </p:sp>
+            <a:pPr marL="0" indent="0" algn="just">
+              <a:buNone/>
+            </a:pPr>
+            <a:r>
+              <a:rPr lang="en-US" sz="2400" dirty="0">
+                <a:effectLst/>
+                <a:latin typeface="Times New Roman" panose="02020603050405020304" pitchFamily="18" charset="0"/>
+                <a:ea typeface="Times New Roman" panose="02020603050405020304" pitchFamily="18" charset="0"/>
+              </a:rPr>
+              <a:t>Therefore, we can consider trees or graphs as a data structure, using the methods of pointers and linked lists for their implementation.</a:t>
+            </a:r>
+            <a:endParaRPr lang="en-US" sz="3600" dirty="0"/>
+          </a:p>
+        </p:txBody>
+      </p:sp>
+      <p:pic>
+        <p:nvPicPr>
+          <p:cNvPr id="5" name="Graphic 4" descr="Lights On with solid fill">
+            <a:extLst>
+              <a:ext uri="{FF2B5EF4-FFF2-40B4-BE49-F238E27FC236}">
+                <a16:creationId xmlns:a16="http://schemas.microsoft.com/office/drawing/2014/main" id="{A8A1FED1-E976-48DB-9544-8A3B758467C6}"/>
+              </a:ext>
+            </a:extLst>
+          </p:cNvPr>
+          <p:cNvPicPr>
+            <a:picLocks noChangeAspect="1"/>
+          </p:cNvPicPr>
+          <p:nvPr/>
+        </p:nvPicPr>
+        <p:blipFill>
+          <a:blip r:embed="rId2">
+            <a:extLst>
+              <a:ext uri="{28A0092B-C50C-407E-A947-70E740481C1C}">
+                <a14:useLocalDpi xmlns:a14="http://schemas.microsoft.com/office/drawing/2010/main" val="0"/>
+              </a:ext>
+              <a:ext uri="{96DAC541-7B7A-43D3-8B79-37D633B846F1}">
+                <asvg:svgBlip xmlns:asvg="http://schemas.microsoft.com/office/drawing/2016/SVG/main" r:embed="rId3"/>
+              </a:ext>
+            </a:extLst>
+          </a:blip>
+          <a:stretch>
+            <a:fillRect/>
+          </a:stretch>
+        </p:blipFill>
+        <p:spPr>
+          <a:xfrm>
+            <a:off x="0" y="1980542"/>
+            <a:ext cx="1406907" cy="1406907"/>
+          </a:xfrm>
+          <a:prstGeom prst="rect">
+            <a:avLst/>
+          </a:prstGeom>
+        </p:spPr>
+      </p:pic>
+      <p:pic>
+        <p:nvPicPr>
+          <p:cNvPr id="6" name="image2.png">
+            <a:extLst>
+              <a:ext uri="{FF2B5EF4-FFF2-40B4-BE49-F238E27FC236}">
+                <a16:creationId xmlns:a16="http://schemas.microsoft.com/office/drawing/2014/main" id="{62A80E0C-9BC9-4B2D-A9B9-C845814FE656}"/>
+              </a:ext>
+            </a:extLst>
+          </p:cNvPr>
+          <p:cNvPicPr/>
+          <p:nvPr/>
+        </p:nvPicPr>
+        <p:blipFill>
+          <a:blip r:embed="rId4"/>
+          <a:srcRect/>
+          <a:stretch>
+            <a:fillRect/>
+          </a:stretch>
+        </p:blipFill>
+        <p:spPr>
+          <a:xfrm>
+            <a:off x="5383924" y="1524791"/>
+            <a:ext cx="3594538" cy="2318408"/>
+          </a:xfrm>
+          <a:prstGeom prst="rect">
+            <a:avLst/>
+          </a:prstGeom>
+          <a:ln/>
+        </p:spPr>
+      </p:pic>
     </p:spTree>
     <p:extLst>
       <p:ext uri="{BB962C8B-B14F-4D97-AF65-F5344CB8AC3E}">
@@ -4723,7 +6606,13 @@
       </p:grpSpPr>
       <p:sp>
         <p:nvSpPr>
-          <p:cNvPr id="4" name="Title 3"/>
+          <p:cNvPr id="2" name="Title 1">
+            <a:extLst>
+              <a:ext uri="{FF2B5EF4-FFF2-40B4-BE49-F238E27FC236}">
+                <a16:creationId xmlns:a16="http://schemas.microsoft.com/office/drawing/2014/main" id="{E18BB3D8-4C70-4994-8182-7C0F340E2D94}"/>
+              </a:ext>
+            </a:extLst>
+          </p:cNvPr>
           <p:cNvSpPr>
             <a:spLocks noGrp="1"/>
           </p:cNvSpPr>
@@ -4731,7 +6620,12 @@
             <p:ph type="title"/>
           </p:nvPr>
         </p:nvSpPr>
-        <p:spPr/>
+        <p:spPr>
+          <a:xfrm>
+            <a:off x="1734344" y="406537"/>
+            <a:ext cx="7220470" cy="2328780"/>
+          </a:xfrm>
+        </p:spPr>
         <p:txBody>
           <a:bodyPr>
             <a:normAutofit/>
@@ -4739,63 +6633,436 @@
           <a:lstStyle/>
           <a:p>
             <a:r>
-              <a:rPr lang="en-US"/>
-              <a:t>Slide Title</a:t>
-            </a:r>
-            <a:endParaRPr lang="en-US" dirty="0"/>
-          </a:p>
-        </p:txBody>
-      </p:sp>
-      <p:sp>
-        <p:nvSpPr>
-          <p:cNvPr id="5" name="Content Placeholder 4"/>
-          <p:cNvSpPr>
-            <a:spLocks noGrp="1"/>
-          </p:cNvSpPr>
-          <p:nvPr>
-            <p:ph idx="1"/>
-          </p:nvPr>
-        </p:nvSpPr>
-        <p:spPr/>
-        <p:txBody>
-          <a:bodyPr/>
-          <a:lstStyle/>
-          <a:p>
-            <a:r>
-              <a:rPr lang="en-US" dirty="0"/>
-              <a:t>Make Effective Presentations</a:t>
-            </a:r>
-          </a:p>
-          <a:p>
-            <a:r>
-              <a:rPr lang="en-US" dirty="0"/>
-              <a:t>Using Awesome Backgrounds</a:t>
-            </a:r>
-          </a:p>
-          <a:p>
-            <a:r>
-              <a:rPr lang="en-US" dirty="0"/>
-              <a:t>Engage your Audience</a:t>
-            </a:r>
-          </a:p>
-          <a:p>
-            <a:r>
-              <a:rPr lang="en-US" dirty="0"/>
-              <a:t>Capture Audience Attention</a:t>
-            </a:r>
-          </a:p>
-        </p:txBody>
-      </p:sp>
+              <a:rPr lang="en-US" b="1" dirty="0">
+                <a:latin typeface="Times New Roman" panose="02020603050405020304" pitchFamily="18" charset="0"/>
+                <a:cs typeface="Times New Roman" panose="02020603050405020304" pitchFamily="18" charset="0"/>
+              </a:rPr>
+              <a:t>Therefore</a:t>
+            </a:r>
+            <a:r>
+              <a:rPr lang="en-US" dirty="0">
+                <a:latin typeface="Times New Roman" panose="02020603050405020304" pitchFamily="18" charset="0"/>
+                <a:cs typeface="Times New Roman" panose="02020603050405020304" pitchFamily="18" charset="0"/>
+              </a:rPr>
+              <a:t>,</a:t>
+            </a:r>
+            <a:r>
+              <a:rPr lang="en-US" sz="1800" dirty="0">
+                <a:effectLst/>
+                <a:latin typeface="Times New Roman" panose="02020603050405020304" pitchFamily="18" charset="0"/>
+                <a:ea typeface="Times New Roman" panose="02020603050405020304" pitchFamily="18" charset="0"/>
+              </a:rPr>
+              <a:t> </a:t>
+            </a:r>
+            <a:r>
+              <a:rPr lang="en-US" sz="2700" dirty="0">
+                <a:effectLst/>
+                <a:latin typeface="Times New Roman" panose="02020603050405020304" pitchFamily="18" charset="0"/>
+                <a:ea typeface="Times New Roman" panose="02020603050405020304" pitchFamily="18" charset="0"/>
+              </a:rPr>
+              <a:t>In data structures for programming, we already learned about some data structures such as: binary tree and 2-3 tree, etc.; which are very useful for programming.</a:t>
+            </a:r>
+            <a:endParaRPr lang="en-US" dirty="0">
+              <a:latin typeface="Times New Roman" panose="02020603050405020304" pitchFamily="18" charset="0"/>
+              <a:cs typeface="Times New Roman" panose="02020603050405020304" pitchFamily="18" charset="0"/>
+            </a:endParaRPr>
+          </a:p>
+        </p:txBody>
+      </p:sp>
+      <p:pic>
+        <p:nvPicPr>
+          <p:cNvPr id="4" name="image1.png">
+            <a:extLst>
+              <a:ext uri="{FF2B5EF4-FFF2-40B4-BE49-F238E27FC236}">
+                <a16:creationId xmlns:a16="http://schemas.microsoft.com/office/drawing/2014/main" id="{E67A619E-007A-45EA-888E-C96A0B524E74}"/>
+              </a:ext>
+            </a:extLst>
+          </p:cNvPr>
+          <p:cNvPicPr/>
+          <p:nvPr/>
+        </p:nvPicPr>
+        <p:blipFill>
+          <a:blip r:embed="rId2"/>
+          <a:srcRect/>
+          <a:stretch>
+            <a:fillRect/>
+          </a:stretch>
+        </p:blipFill>
+        <p:spPr>
+          <a:xfrm>
+            <a:off x="2278117" y="2626929"/>
+            <a:ext cx="5943600" cy="2324100"/>
+          </a:xfrm>
+          <a:prstGeom prst="rect">
+            <a:avLst/>
+          </a:prstGeom>
+          <a:ln/>
+        </p:spPr>
+      </p:pic>
+      <p:pic>
+        <p:nvPicPr>
+          <p:cNvPr id="5" name="image6.png">
+            <a:extLst>
+              <a:ext uri="{FF2B5EF4-FFF2-40B4-BE49-F238E27FC236}">
+                <a16:creationId xmlns:a16="http://schemas.microsoft.com/office/drawing/2014/main" id="{484B5680-E3F9-4F41-8516-B307CA20E65A}"/>
+              </a:ext>
+            </a:extLst>
+          </p:cNvPr>
+          <p:cNvPicPr/>
+          <p:nvPr/>
+        </p:nvPicPr>
+        <p:blipFill>
+          <a:blip r:embed="rId3"/>
+          <a:srcRect/>
+          <a:stretch>
+            <a:fillRect/>
+          </a:stretch>
+        </p:blipFill>
+        <p:spPr>
+          <a:xfrm>
+            <a:off x="2278117" y="2506279"/>
+            <a:ext cx="5943600" cy="2565400"/>
+          </a:xfrm>
+          <a:prstGeom prst="rect">
+            <a:avLst/>
+          </a:prstGeom>
+          <a:ln/>
+        </p:spPr>
+      </p:pic>
     </p:spTree>
     <p:extLst>
       <p:ext uri="{BB962C8B-B14F-4D97-AF65-F5344CB8AC3E}">
-        <p14:creationId xmlns:p14="http://schemas.microsoft.com/office/powerpoint/2010/main" val="1101633878"/>
+        <p14:creationId xmlns:p14="http://schemas.microsoft.com/office/powerpoint/2010/main" val="4040488604"/>
       </p:ext>
     </p:extLst>
   </p:cSld>
   <p:clrMapOvr>
     <a:masterClrMapping/>
   </p:clrMapOvr>
+  <p:timing>
+    <p:tnLst>
+      <p:par>
+        <p:cTn id="1" dur="indefinite" restart="never" nodeType="tmRoot">
+          <p:childTnLst>
+            <p:seq concurrent="1" nextAc="seek">
+              <p:cTn id="2" dur="indefinite" nodeType="mainSeq">
+                <p:childTnLst>
+                  <p:par>
+                    <p:cTn id="3" fill="hold">
+                      <p:stCondLst>
+                        <p:cond delay="indefinite"/>
+                      </p:stCondLst>
+                      <p:childTnLst>
+                        <p:par>
+                          <p:cTn id="4" fill="hold">
+                            <p:stCondLst>
+                              <p:cond delay="0"/>
+                            </p:stCondLst>
+                            <p:childTnLst>
+                              <p:par>
+                                <p:cTn id="5" presetID="2" presetClass="entr" presetSubtype="4" fill="hold" grpId="0" nodeType="clickEffect">
+                                  <p:stCondLst>
+                                    <p:cond delay="0"/>
+                                  </p:stCondLst>
+                                  <p:childTnLst>
+                                    <p:set>
+                                      <p:cBhvr>
+                                        <p:cTn id="6" dur="1" fill="hold">
+                                          <p:stCondLst>
+                                            <p:cond delay="0"/>
+                                          </p:stCondLst>
+                                        </p:cTn>
+                                        <p:tgtEl>
+                                          <p:spTgt spid="2"/>
+                                        </p:tgtEl>
+                                        <p:attrNameLst>
+                                          <p:attrName>style.visibility</p:attrName>
+                                        </p:attrNameLst>
+                                      </p:cBhvr>
+                                      <p:to>
+                                        <p:strVal val="visible"/>
+                                      </p:to>
+                                    </p:set>
+                                    <p:anim calcmode="lin" valueType="num">
+                                      <p:cBhvr additive="base">
+                                        <p:cTn id="7" dur="500" fill="hold"/>
+                                        <p:tgtEl>
+                                          <p:spTgt spid="2"/>
+                                        </p:tgtEl>
+                                        <p:attrNameLst>
+                                          <p:attrName>ppt_x</p:attrName>
+                                        </p:attrNameLst>
+                                      </p:cBhvr>
+                                      <p:tavLst>
+                                        <p:tav tm="0">
+                                          <p:val>
+                                            <p:strVal val="#ppt_x"/>
+                                          </p:val>
+                                        </p:tav>
+                                        <p:tav tm="100000">
+                                          <p:val>
+                                            <p:strVal val="#ppt_x"/>
+                                          </p:val>
+                                        </p:tav>
+                                      </p:tavLst>
+                                    </p:anim>
+                                    <p:anim calcmode="lin" valueType="num">
+                                      <p:cBhvr additive="base">
+                                        <p:cTn id="8" dur="500" fill="hold"/>
+                                        <p:tgtEl>
+                                          <p:spTgt spid="2"/>
+                                        </p:tgtEl>
+                                        <p:attrNameLst>
+                                          <p:attrName>ppt_y</p:attrName>
+                                        </p:attrNameLst>
+                                      </p:cBhvr>
+                                      <p:tavLst>
+                                        <p:tav tm="0">
+                                          <p:val>
+                                            <p:strVal val="1+#ppt_h/2"/>
+                                          </p:val>
+                                        </p:tav>
+                                        <p:tav tm="100000">
+                                          <p:val>
+                                            <p:strVal val="#ppt_y"/>
+                                          </p:val>
+                                        </p:tav>
+                                      </p:tavLst>
+                                    </p:anim>
+                                  </p:childTnLst>
+                                </p:cTn>
+                              </p:par>
+                            </p:childTnLst>
+                          </p:cTn>
+                        </p:par>
+                      </p:childTnLst>
+                    </p:cTn>
+                  </p:par>
+                  <p:par>
+                    <p:cTn id="9" fill="hold">
+                      <p:stCondLst>
+                        <p:cond delay="indefinite"/>
+                      </p:stCondLst>
+                      <p:childTnLst>
+                        <p:par>
+                          <p:cTn id="10" fill="hold">
+                            <p:stCondLst>
+                              <p:cond delay="0"/>
+                            </p:stCondLst>
+                            <p:childTnLst>
+                              <p:par>
+                                <p:cTn id="11" presetID="64" presetClass="path" presetSubtype="0" accel="50000" decel="50000" fill="hold" grpId="1" nodeType="clickEffect">
+                                  <p:stCondLst>
+                                    <p:cond delay="0"/>
+                                  </p:stCondLst>
+                                  <p:childTnLst>
+                                    <p:animMotion origin="layout" path="M 1.38889E-6 3.08642E-6 L 1.38889E-6 -0.08766 " pathEditMode="relative" rAng="0" ptsTypes="AA">
+                                      <p:cBhvr>
+                                        <p:cTn id="12" dur="2000" fill="hold"/>
+                                        <p:tgtEl>
+                                          <p:spTgt spid="2"/>
+                                        </p:tgtEl>
+                                        <p:attrNameLst>
+                                          <p:attrName>ppt_x</p:attrName>
+                                          <p:attrName>ppt_y</p:attrName>
+                                        </p:attrNameLst>
+                                      </p:cBhvr>
+                                      <p:rCtr x="0" y="-4383"/>
+                                    </p:animMotion>
+                                  </p:childTnLst>
+                                </p:cTn>
+                              </p:par>
+                            </p:childTnLst>
+                          </p:cTn>
+                        </p:par>
+                      </p:childTnLst>
+                    </p:cTn>
+                  </p:par>
+                  <p:par>
+                    <p:cTn id="13" fill="hold">
+                      <p:stCondLst>
+                        <p:cond delay="indefinite"/>
+                      </p:stCondLst>
+                      <p:childTnLst>
+                        <p:par>
+                          <p:cTn id="14" fill="hold">
+                            <p:stCondLst>
+                              <p:cond delay="0"/>
+                            </p:stCondLst>
+                            <p:childTnLst>
+                              <p:par>
+                                <p:cTn id="15" presetID="10" presetClass="entr" presetSubtype="0" fill="hold" nodeType="clickEffect">
+                                  <p:stCondLst>
+                                    <p:cond delay="0"/>
+                                  </p:stCondLst>
+                                  <p:childTnLst>
+                                    <p:set>
+                                      <p:cBhvr>
+                                        <p:cTn id="16" dur="1" fill="hold">
+                                          <p:stCondLst>
+                                            <p:cond delay="0"/>
+                                          </p:stCondLst>
+                                        </p:cTn>
+                                        <p:tgtEl>
+                                          <p:spTgt spid="4"/>
+                                        </p:tgtEl>
+                                        <p:attrNameLst>
+                                          <p:attrName>style.visibility</p:attrName>
+                                        </p:attrNameLst>
+                                      </p:cBhvr>
+                                      <p:to>
+                                        <p:strVal val="visible"/>
+                                      </p:to>
+                                    </p:set>
+                                    <p:animEffect transition="in" filter="fade">
+                                      <p:cBhvr>
+                                        <p:cTn id="17" dur="500"/>
+                                        <p:tgtEl>
+                                          <p:spTgt spid="4"/>
+                                        </p:tgtEl>
+                                      </p:cBhvr>
+                                    </p:animEffect>
+                                  </p:childTnLst>
+                                </p:cTn>
+                              </p:par>
+                            </p:childTnLst>
+                          </p:cTn>
+                        </p:par>
+                      </p:childTnLst>
+                    </p:cTn>
+                  </p:par>
+                  <p:par>
+                    <p:cTn id="18" fill="hold">
+                      <p:stCondLst>
+                        <p:cond delay="indefinite"/>
+                      </p:stCondLst>
+                      <p:childTnLst>
+                        <p:par>
+                          <p:cTn id="19" fill="hold">
+                            <p:stCondLst>
+                              <p:cond delay="0"/>
+                            </p:stCondLst>
+                            <p:childTnLst>
+                              <p:par>
+                                <p:cTn id="20" presetID="10" presetClass="exit" presetSubtype="0" fill="hold" nodeType="clickEffect">
+                                  <p:stCondLst>
+                                    <p:cond delay="0"/>
+                                  </p:stCondLst>
+                                  <p:childTnLst>
+                                    <p:animEffect transition="out" filter="fade">
+                                      <p:cBhvr>
+                                        <p:cTn id="21" dur="500"/>
+                                        <p:tgtEl>
+                                          <p:spTgt spid="4"/>
+                                        </p:tgtEl>
+                                      </p:cBhvr>
+                                    </p:animEffect>
+                                    <p:set>
+                                      <p:cBhvr>
+                                        <p:cTn id="22" dur="1" fill="hold">
+                                          <p:stCondLst>
+                                            <p:cond delay="499"/>
+                                          </p:stCondLst>
+                                        </p:cTn>
+                                        <p:tgtEl>
+                                          <p:spTgt spid="4"/>
+                                        </p:tgtEl>
+                                        <p:attrNameLst>
+                                          <p:attrName>style.visibility</p:attrName>
+                                        </p:attrNameLst>
+                                      </p:cBhvr>
+                                      <p:to>
+                                        <p:strVal val="hidden"/>
+                                      </p:to>
+                                    </p:set>
+                                  </p:childTnLst>
+                                </p:cTn>
+                              </p:par>
+                            </p:childTnLst>
+                          </p:cTn>
+                        </p:par>
+                      </p:childTnLst>
+                    </p:cTn>
+                  </p:par>
+                  <p:par>
+                    <p:cTn id="23" fill="hold">
+                      <p:stCondLst>
+                        <p:cond delay="indefinite"/>
+                      </p:stCondLst>
+                      <p:childTnLst>
+                        <p:par>
+                          <p:cTn id="24" fill="hold">
+                            <p:stCondLst>
+                              <p:cond delay="0"/>
+                            </p:stCondLst>
+                            <p:childTnLst>
+                              <p:par>
+                                <p:cTn id="25" presetID="10" presetClass="entr" presetSubtype="0" fill="hold" nodeType="clickEffect">
+                                  <p:stCondLst>
+                                    <p:cond delay="0"/>
+                                  </p:stCondLst>
+                                  <p:childTnLst>
+                                    <p:set>
+                                      <p:cBhvr>
+                                        <p:cTn id="26" dur="1" fill="hold">
+                                          <p:stCondLst>
+                                            <p:cond delay="0"/>
+                                          </p:stCondLst>
+                                        </p:cTn>
+                                        <p:tgtEl>
+                                          <p:spTgt spid="5"/>
+                                        </p:tgtEl>
+                                        <p:attrNameLst>
+                                          <p:attrName>style.visibility</p:attrName>
+                                        </p:attrNameLst>
+                                      </p:cBhvr>
+                                      <p:to>
+                                        <p:strVal val="visible"/>
+                                      </p:to>
+                                    </p:set>
+                                    <p:animEffect transition="in" filter="fade">
+                                      <p:cBhvr>
+                                        <p:cTn id="27" dur="500"/>
+                                        <p:tgtEl>
+                                          <p:spTgt spid="5"/>
+                                        </p:tgtEl>
+                                      </p:cBhvr>
+                                    </p:animEffect>
+                                  </p:childTnLst>
+                                </p:cTn>
+                              </p:par>
+                            </p:childTnLst>
+                          </p:cTn>
+                        </p:par>
+                      </p:childTnLst>
+                    </p:cTn>
+                  </p:par>
+                </p:childTnLst>
+              </p:cTn>
+              <p:prevCondLst>
+                <p:cond evt="onPrev" delay="0">
+                  <p:tgtEl>
+                    <p:sldTgt/>
+                  </p:tgtEl>
+                </p:cond>
+              </p:prevCondLst>
+              <p:nextCondLst>
+                <p:cond evt="onNext" delay="0">
+                  <p:tgtEl>
+                    <p:sldTgt/>
+                  </p:tgtEl>
+                </p:cond>
+              </p:nextCondLst>
+            </p:seq>
+          </p:childTnLst>
+        </p:cTn>
+      </p:par>
+    </p:tnLst>
+    <p:bldLst>
+      <p:bldP spid="2" grpId="0"/>
+      <p:bldP spid="2" grpId="1"/>
+    </p:bldLst>
+  </p:timing>
 </p:sld>
 </file>
 
@@ -4818,7 +7085,13 @@
       </p:grpSpPr>
       <p:sp>
         <p:nvSpPr>
-          <p:cNvPr id="4" name="Title 3"/>
+          <p:cNvPr id="2" name="Title 1">
+            <a:extLst>
+              <a:ext uri="{FF2B5EF4-FFF2-40B4-BE49-F238E27FC236}">
+                <a16:creationId xmlns:a16="http://schemas.microsoft.com/office/drawing/2014/main" id="{8B1B59FD-2A69-40C1-9716-9E4F9ADD7572}"/>
+              </a:ext>
+            </a:extLst>
+          </p:cNvPr>
           <p:cNvSpPr>
             <a:spLocks noGrp="1"/>
           </p:cNvSpPr>
@@ -4826,144 +7099,267 @@
             <p:ph type="title"/>
           </p:nvPr>
         </p:nvSpPr>
-        <p:spPr/>
+        <p:spPr>
+          <a:xfrm>
+            <a:off x="149773" y="548878"/>
+            <a:ext cx="3882477" cy="871538"/>
+          </a:xfrm>
+        </p:spPr>
+        <p:txBody>
+          <a:bodyPr>
+            <a:normAutofit fontScale="90000"/>
+          </a:bodyPr>
+          <a:lstStyle/>
+          <a:p>
+            <a:r>
+              <a:rPr lang="en-US" sz="4800" dirty="0">
+                <a:solidFill>
+                  <a:schemeClr val="tx2">
+                    <a:lumMod val="20000"/>
+                    <a:lumOff val="80000"/>
+                  </a:schemeClr>
+                </a:solidFill>
+                <a:latin typeface="Times New Roman" panose="02020603050405020304" pitchFamily="18" charset="0"/>
+                <a:cs typeface="Times New Roman" panose="02020603050405020304" pitchFamily="18" charset="0"/>
+              </a:rPr>
+              <a:t>GENERALIZE</a:t>
+            </a:r>
+          </a:p>
+        </p:txBody>
+      </p:sp>
+      <p:sp>
+        <p:nvSpPr>
+          <p:cNvPr id="4" name="Text Placeholder 3">
+            <a:extLst>
+              <a:ext uri="{FF2B5EF4-FFF2-40B4-BE49-F238E27FC236}">
+                <a16:creationId xmlns:a16="http://schemas.microsoft.com/office/drawing/2014/main" id="{25D0E89B-8D07-475E-A958-0BA8D3B5E723}"/>
+              </a:ext>
+            </a:extLst>
+          </p:cNvPr>
+          <p:cNvSpPr>
+            <a:spLocks noGrp="1"/>
+          </p:cNvSpPr>
+          <p:nvPr>
+            <p:ph type="body" sz="half" idx="2"/>
+          </p:nvPr>
+        </p:nvSpPr>
+        <p:spPr>
+          <a:xfrm>
+            <a:off x="299545" y="1420416"/>
+            <a:ext cx="3523593" cy="3518297"/>
+          </a:xfrm>
+        </p:spPr>
         <p:txBody>
           <a:bodyPr>
             <a:normAutofit/>
           </a:bodyPr>
           <a:lstStyle/>
           <a:p>
-            <a:r>
-              <a:rPr lang="en-US" dirty="0"/>
-              <a:t>Slide Title</a:t>
-            </a:r>
-          </a:p>
-        </p:txBody>
-      </p:sp>
-      <p:sp>
-        <p:nvSpPr>
-          <p:cNvPr id="5" name="Text Placeholder 4"/>
-          <p:cNvSpPr>
-            <a:spLocks noGrp="1"/>
-          </p:cNvSpPr>
-          <p:nvPr>
-            <p:ph type="body" idx="1"/>
-          </p:nvPr>
-        </p:nvSpPr>
-        <p:spPr/>
-        <p:txBody>
-          <a:bodyPr/>
-          <a:lstStyle/>
-          <a:p>
-            <a:r>
-              <a:rPr lang="en-US"/>
-              <a:t>Product A</a:t>
-            </a:r>
-            <a:endParaRPr lang="en-US" dirty="0"/>
-          </a:p>
-        </p:txBody>
-      </p:sp>
-      <p:sp>
-        <p:nvSpPr>
-          <p:cNvPr id="6" name="Content Placeholder 5"/>
-          <p:cNvSpPr>
-            <a:spLocks noGrp="1"/>
-          </p:cNvSpPr>
-          <p:nvPr>
-            <p:ph sz="half" idx="2"/>
-          </p:nvPr>
-        </p:nvSpPr>
-        <p:spPr/>
-        <p:txBody>
-          <a:bodyPr/>
-          <a:lstStyle/>
-          <a:p>
-            <a:r>
-              <a:rPr lang="en-US"/>
-              <a:t>Feature 1</a:t>
-            </a:r>
-          </a:p>
-          <a:p>
-            <a:r>
-              <a:rPr lang="en-US"/>
-              <a:t>Feature 2</a:t>
-            </a:r>
-          </a:p>
-          <a:p>
-            <a:r>
-              <a:rPr lang="en-US"/>
-              <a:t>Feature 3</a:t>
-            </a:r>
-            <a:endParaRPr lang="en-US" dirty="0"/>
-          </a:p>
-        </p:txBody>
-      </p:sp>
-      <p:sp>
-        <p:nvSpPr>
-          <p:cNvPr id="7" name="Text Placeholder 6"/>
-          <p:cNvSpPr>
-            <a:spLocks noGrp="1"/>
-          </p:cNvSpPr>
-          <p:nvPr>
-            <p:ph type="body" sz="quarter" idx="3"/>
-          </p:nvPr>
-        </p:nvSpPr>
-        <p:spPr/>
-        <p:txBody>
-          <a:bodyPr/>
-          <a:lstStyle/>
-          <a:p>
-            <a:r>
-              <a:rPr lang="en-US"/>
-              <a:t>Product B</a:t>
-            </a:r>
-          </a:p>
-        </p:txBody>
-      </p:sp>
-      <p:sp>
-        <p:nvSpPr>
-          <p:cNvPr id="8" name="Content Placeholder 7"/>
-          <p:cNvSpPr>
-            <a:spLocks noGrp="1"/>
-          </p:cNvSpPr>
-          <p:nvPr>
-            <p:ph sz="quarter" idx="4"/>
-          </p:nvPr>
-        </p:nvSpPr>
-        <p:spPr/>
-        <p:txBody>
-          <a:bodyPr/>
-          <a:lstStyle/>
-          <a:p>
-            <a:r>
-              <a:rPr lang="en-US"/>
-              <a:t>Feature 1</a:t>
-            </a:r>
-          </a:p>
-          <a:p>
-            <a:r>
-              <a:rPr lang="en-US"/>
-              <a:t>Feature 2</a:t>
-            </a:r>
-          </a:p>
-          <a:p>
-            <a:r>
-              <a:rPr lang="en-US"/>
-              <a:t>Feature 3</a:t>
-            </a:r>
-          </a:p>
-        </p:txBody>
-      </p:sp>
+            <a:pPr algn="just"/>
+            <a:r>
+              <a:rPr lang="en-US" sz="2400" dirty="0">
+                <a:solidFill>
+                  <a:schemeClr val="accent3">
+                    <a:lumMod val="20000"/>
+                    <a:lumOff val="80000"/>
+                  </a:schemeClr>
+                </a:solidFill>
+                <a:latin typeface="Times New Roman" panose="02020603050405020304" pitchFamily="18" charset="0"/>
+                <a:cs typeface="Times New Roman" panose="02020603050405020304" pitchFamily="18" charset="0"/>
+              </a:rPr>
+              <a:t>We can come to the generalized form of these data structures, which is called: M-Way tree. </a:t>
+            </a:r>
+          </a:p>
+          <a:p>
+            <a:pPr algn="just"/>
+            <a:r>
+              <a:rPr lang="en-US" sz="2400" b="1" i="1" dirty="0">
+                <a:solidFill>
+                  <a:schemeClr val="accent6">
+                    <a:lumMod val="40000"/>
+                    <a:lumOff val="60000"/>
+                  </a:schemeClr>
+                </a:solidFill>
+                <a:latin typeface="Times New Roman" panose="02020603050405020304" pitchFamily="18" charset="0"/>
+                <a:cs typeface="Times New Roman" panose="02020603050405020304" pitchFamily="18" charset="0"/>
+              </a:rPr>
+              <a:t>Example: 3-Ways Tree</a:t>
+            </a:r>
+          </a:p>
+        </p:txBody>
+      </p:sp>
+      <p:pic>
+        <p:nvPicPr>
+          <p:cNvPr id="5" name="image10.png">
+            <a:extLst>
+              <a:ext uri="{FF2B5EF4-FFF2-40B4-BE49-F238E27FC236}">
+                <a16:creationId xmlns:a16="http://schemas.microsoft.com/office/drawing/2014/main" id="{ABF8B9FF-6CF3-4C98-ABD9-FA55D13DD282}"/>
+              </a:ext>
+            </a:extLst>
+          </p:cNvPr>
+          <p:cNvPicPr/>
+          <p:nvPr/>
+        </p:nvPicPr>
+        <p:blipFill>
+          <a:blip r:embed="rId2"/>
+          <a:srcRect/>
+          <a:stretch>
+            <a:fillRect/>
+          </a:stretch>
+        </p:blipFill>
+        <p:spPr>
+          <a:xfrm>
+            <a:off x="4039005" y="630621"/>
+            <a:ext cx="4955222" cy="3443023"/>
+          </a:xfrm>
+          <a:prstGeom prst="rect">
+            <a:avLst/>
+          </a:prstGeom>
+          <a:ln/>
+        </p:spPr>
+      </p:pic>
     </p:spTree>
     <p:extLst>
       <p:ext uri="{BB962C8B-B14F-4D97-AF65-F5344CB8AC3E}">
-        <p14:creationId xmlns:p14="http://schemas.microsoft.com/office/powerpoint/2010/main" val="4170783713"/>
+        <p14:creationId xmlns:p14="http://schemas.microsoft.com/office/powerpoint/2010/main" val="1196183534"/>
       </p:ext>
     </p:extLst>
   </p:cSld>
   <p:clrMapOvr>
     <a:masterClrMapping/>
   </p:clrMapOvr>
+  <p:timing>
+    <p:tnLst>
+      <p:par>
+        <p:cTn id="1" dur="indefinite" restart="never" nodeType="tmRoot">
+          <p:childTnLst>
+            <p:seq concurrent="1" nextAc="seek">
+              <p:cTn id="2" dur="indefinite" nodeType="mainSeq">
+                <p:childTnLst>
+                  <p:par>
+                    <p:cTn id="3" fill="hold">
+                      <p:stCondLst>
+                        <p:cond delay="indefinite"/>
+                        <p:cond evt="onBegin" delay="0">
+                          <p:tn val="2"/>
+                        </p:cond>
+                      </p:stCondLst>
+                      <p:childTnLst>
+                        <p:par>
+                          <p:cTn id="4" fill="hold">
+                            <p:stCondLst>
+                              <p:cond delay="0"/>
+                            </p:stCondLst>
+                            <p:childTnLst>
+                              <p:par>
+                                <p:cTn id="5" presetID="53" presetClass="entr" presetSubtype="16" fill="hold" nodeType="afterEffect">
+                                  <p:stCondLst>
+                                    <p:cond delay="2000"/>
+                                  </p:stCondLst>
+                                  <p:childTnLst>
+                                    <p:set>
+                                      <p:cBhvr>
+                                        <p:cTn id="6" dur="1" fill="hold">
+                                          <p:stCondLst>
+                                            <p:cond delay="0"/>
+                                          </p:stCondLst>
+                                        </p:cTn>
+                                        <p:tgtEl>
+                                          <p:spTgt spid="5"/>
+                                        </p:tgtEl>
+                                        <p:attrNameLst>
+                                          <p:attrName>style.visibility</p:attrName>
+                                        </p:attrNameLst>
+                                      </p:cBhvr>
+                                      <p:to>
+                                        <p:strVal val="visible"/>
+                                      </p:to>
+                                    </p:set>
+                                    <p:anim calcmode="lin" valueType="num">
+                                      <p:cBhvr>
+                                        <p:cTn id="7" dur="1000" fill="hold"/>
+                                        <p:tgtEl>
+                                          <p:spTgt spid="5"/>
+                                        </p:tgtEl>
+                                        <p:attrNameLst>
+                                          <p:attrName>ppt_w</p:attrName>
+                                        </p:attrNameLst>
+                                      </p:cBhvr>
+                                      <p:tavLst>
+                                        <p:tav tm="0">
+                                          <p:val>
+                                            <p:fltVal val="0"/>
+                                          </p:val>
+                                        </p:tav>
+                                        <p:tav tm="100000">
+                                          <p:val>
+                                            <p:strVal val="#ppt_w"/>
+                                          </p:val>
+                                        </p:tav>
+                                      </p:tavLst>
+                                    </p:anim>
+                                    <p:anim calcmode="lin" valueType="num">
+                                      <p:cBhvr>
+                                        <p:cTn id="8" dur="1000" fill="hold"/>
+                                        <p:tgtEl>
+                                          <p:spTgt spid="5"/>
+                                        </p:tgtEl>
+                                        <p:attrNameLst>
+                                          <p:attrName>ppt_h</p:attrName>
+                                        </p:attrNameLst>
+                                      </p:cBhvr>
+                                      <p:tavLst>
+                                        <p:tav tm="0">
+                                          <p:val>
+                                            <p:fltVal val="0"/>
+                                          </p:val>
+                                        </p:tav>
+                                        <p:tav tm="100000">
+                                          <p:val>
+                                            <p:strVal val="#ppt_h"/>
+                                          </p:val>
+                                        </p:tav>
+                                      </p:tavLst>
+                                    </p:anim>
+                                    <p:animEffect transition="in" filter="fade">
+                                      <p:cBhvr>
+                                        <p:cTn id="9" dur="1000"/>
+                                        <p:tgtEl>
+                                          <p:spTgt spid="5"/>
+                                        </p:tgtEl>
+                                      </p:cBhvr>
+                                    </p:animEffect>
+                                  </p:childTnLst>
+                                </p:cTn>
+                              </p:par>
+                            </p:childTnLst>
+                          </p:cTn>
+                        </p:par>
+                      </p:childTnLst>
+                    </p:cTn>
+                  </p:par>
+                </p:childTnLst>
+              </p:cTn>
+              <p:prevCondLst>
+                <p:cond evt="onPrev" delay="0">
+                  <p:tgtEl>
+                    <p:sldTgt/>
+                  </p:tgtEl>
+                </p:cond>
+              </p:prevCondLst>
+              <p:nextCondLst>
+                <p:cond evt="onNext" delay="0">
+                  <p:tgtEl>
+                    <p:sldTgt/>
+                  </p:tgtEl>
+                </p:cond>
+              </p:nextCondLst>
+            </p:seq>
+          </p:childTnLst>
+        </p:cTn>
+      </p:par>
+    </p:tnLst>
+  </p:timing>
 </p:sld>
 </file>
 
@@ -4984,16 +7380,835 @@
           <a:chExt cx="0" cy="0"/>
         </a:xfrm>
       </p:grpSpPr>
+      <p:sp>
+        <p:nvSpPr>
+          <p:cNvPr id="2" name="Title 1">
+            <a:extLst>
+              <a:ext uri="{FF2B5EF4-FFF2-40B4-BE49-F238E27FC236}">
+                <a16:creationId xmlns:a16="http://schemas.microsoft.com/office/drawing/2014/main" id="{260ABD6B-0BE4-4E12-A8EF-FA6E9A5C3B6C}"/>
+              </a:ext>
+            </a:extLst>
+          </p:cNvPr>
+          <p:cNvSpPr>
+            <a:spLocks noGrp="1"/>
+          </p:cNvSpPr>
+          <p:nvPr>
+            <p:ph type="title"/>
+          </p:nvPr>
+        </p:nvSpPr>
+        <p:spPr>
+          <a:xfrm>
+            <a:off x="442451" y="1330375"/>
+            <a:ext cx="8259098" cy="763526"/>
+          </a:xfrm>
+        </p:spPr>
+        <p:txBody>
+          <a:bodyPr>
+            <a:noAutofit/>
+          </a:bodyPr>
+          <a:lstStyle/>
+          <a:p>
+            <a:r>
+              <a:rPr lang="en-US" sz="4800" dirty="0"/>
+              <a:t>Another Extend:</a:t>
+            </a:r>
+          </a:p>
+        </p:txBody>
+      </p:sp>
+      <p:sp>
+        <p:nvSpPr>
+          <p:cNvPr id="3" name="Content Placeholder 2">
+            <a:extLst>
+              <a:ext uri="{FF2B5EF4-FFF2-40B4-BE49-F238E27FC236}">
+                <a16:creationId xmlns:a16="http://schemas.microsoft.com/office/drawing/2014/main" id="{B81ACE41-F7D6-4B59-9074-7112BF0B7A07}"/>
+              </a:ext>
+            </a:extLst>
+          </p:cNvPr>
+          <p:cNvSpPr>
+            <a:spLocks noGrp="1"/>
+          </p:cNvSpPr>
+          <p:nvPr>
+            <p:ph idx="1"/>
+          </p:nvPr>
+        </p:nvSpPr>
+        <p:spPr>
+          <a:xfrm>
+            <a:off x="1283521" y="2429860"/>
+            <a:ext cx="6804190" cy="1033659"/>
+          </a:xfrm>
+        </p:spPr>
+        <p:txBody>
+          <a:bodyPr>
+            <a:normAutofit/>
+          </a:bodyPr>
+          <a:lstStyle/>
+          <a:p>
+            <a:pPr marL="0" indent="0" algn="just">
+              <a:buNone/>
+            </a:pPr>
+            <a:r>
+              <a:rPr lang="en-US" sz="2000" dirty="0">
+                <a:solidFill>
+                  <a:schemeClr val="accent6">
+                    <a:lumMod val="40000"/>
+                    <a:lumOff val="60000"/>
+                  </a:schemeClr>
+                </a:solidFill>
+                <a:effectLst/>
+                <a:latin typeface="Times New Roman" panose="02020603050405020304" pitchFamily="18" charset="0"/>
+                <a:ea typeface="Times New Roman" panose="02020603050405020304" pitchFamily="18" charset="0"/>
+              </a:rPr>
+              <a:t>Go further on the M-Way tree, we will get a more special type of data structure: M-Way search tree.</a:t>
+            </a:r>
+            <a:endParaRPr lang="en-US" sz="4000" dirty="0">
+              <a:solidFill>
+                <a:schemeClr val="accent6">
+                  <a:lumMod val="40000"/>
+                  <a:lumOff val="60000"/>
+                </a:schemeClr>
+              </a:solidFill>
+            </a:endParaRPr>
+          </a:p>
+        </p:txBody>
+      </p:sp>
       <p:pic>
         <p:nvPicPr>
-          <p:cNvPr id="3" name="Picture 2" descr="E:\websites\free-power-point-templates\2012\logos.png"/>
+          <p:cNvPr id="5" name="Graphic 4" descr="Lights On with solid fill">
+            <a:extLst>
+              <a:ext uri="{FF2B5EF4-FFF2-40B4-BE49-F238E27FC236}">
+                <a16:creationId xmlns:a16="http://schemas.microsoft.com/office/drawing/2014/main" id="{A8A1FED1-E976-48DB-9544-8A3B758467C6}"/>
+              </a:ext>
+            </a:extLst>
+          </p:cNvPr>
           <p:cNvPicPr>
-            <a:picLocks noChangeAspect="1" noChangeArrowheads="1"/>
+            <a:picLocks noChangeAspect="1"/>
           </p:cNvPicPr>
           <p:nvPr/>
         </p:nvPicPr>
         <p:blipFill>
-          <a:blip r:embed="rId3">
+          <a:blip r:embed="rId2">
+            <a:extLst>
+              <a:ext uri="{28A0092B-C50C-407E-A947-70E740481C1C}">
+                <a14:useLocalDpi xmlns:a14="http://schemas.microsoft.com/office/drawing/2010/main" val="0"/>
+              </a:ext>
+              <a:ext uri="{96DAC541-7B7A-43D3-8B79-37D633B846F1}">
+                <asvg:svgBlip xmlns:asvg="http://schemas.microsoft.com/office/drawing/2016/SVG/main" r:embed="rId3"/>
+              </a:ext>
+            </a:extLst>
+          </a:blip>
+          <a:stretch>
+            <a:fillRect/>
+          </a:stretch>
+        </p:blipFill>
+        <p:spPr>
+          <a:xfrm>
+            <a:off x="0" y="2243235"/>
+            <a:ext cx="1406907" cy="1406907"/>
+          </a:xfrm>
+          <a:prstGeom prst="rect">
+            <a:avLst/>
+          </a:prstGeom>
+        </p:spPr>
+      </p:pic>
+      <p:pic>
+        <p:nvPicPr>
+          <p:cNvPr id="8" name="image7.png">
+            <a:extLst>
+              <a:ext uri="{FF2B5EF4-FFF2-40B4-BE49-F238E27FC236}">
+                <a16:creationId xmlns:a16="http://schemas.microsoft.com/office/drawing/2014/main" id="{E4159D04-5332-428E-8FC7-56EA0023E44C}"/>
+              </a:ext>
+            </a:extLst>
+          </p:cNvPr>
+          <p:cNvPicPr/>
+          <p:nvPr/>
+        </p:nvPicPr>
+        <p:blipFill>
+          <a:blip r:embed="rId4"/>
+          <a:srcRect/>
+          <a:stretch>
+            <a:fillRect/>
+          </a:stretch>
+        </p:blipFill>
+        <p:spPr>
+          <a:xfrm>
+            <a:off x="1600200" y="2103754"/>
+            <a:ext cx="5943600" cy="2971800"/>
+          </a:xfrm>
+          <a:prstGeom prst="rect">
+            <a:avLst/>
+          </a:prstGeom>
+          <a:ln/>
+        </p:spPr>
+      </p:pic>
+    </p:spTree>
+    <p:extLst>
+      <p:ext uri="{BB962C8B-B14F-4D97-AF65-F5344CB8AC3E}">
+        <p14:creationId xmlns:p14="http://schemas.microsoft.com/office/powerpoint/2010/main" val="2534625571"/>
+      </p:ext>
+    </p:extLst>
+  </p:cSld>
+  <p:clrMapOvr>
+    <a:masterClrMapping/>
+  </p:clrMapOvr>
+  <p:timing>
+    <p:tnLst>
+      <p:par>
+        <p:cTn id="1" dur="indefinite" restart="never" nodeType="tmRoot">
+          <p:childTnLst>
+            <p:seq concurrent="1" nextAc="seek">
+              <p:cTn id="2" dur="indefinite" nodeType="mainSeq">
+                <p:childTnLst>
+                  <p:par>
+                    <p:cTn id="3" fill="hold">
+                      <p:stCondLst>
+                        <p:cond delay="indefinite"/>
+                        <p:cond evt="onBegin" delay="0">
+                          <p:tn val="2"/>
+                        </p:cond>
+                      </p:stCondLst>
+                      <p:childTnLst>
+                        <p:par>
+                          <p:cTn id="4" fill="hold">
+                            <p:stCondLst>
+                              <p:cond delay="0"/>
+                            </p:stCondLst>
+                            <p:childTnLst>
+                              <p:par>
+                                <p:cTn id="5" presetID="64" presetClass="path" presetSubtype="0" accel="50000" decel="50000" fill="hold" grpId="0" nodeType="afterEffect">
+                                  <p:stCondLst>
+                                    <p:cond delay="2000"/>
+                                  </p:stCondLst>
+                                  <p:childTnLst>
+                                    <p:animMotion origin="layout" path="M 0 0 L 0 -0.25 E" pathEditMode="relative" ptsTypes="">
+                                      <p:cBhvr>
+                                        <p:cTn id="6" dur="1500" fill="hold"/>
+                                        <p:tgtEl>
+                                          <p:spTgt spid="2"/>
+                                        </p:tgtEl>
+                                        <p:attrNameLst>
+                                          <p:attrName>ppt_x</p:attrName>
+                                          <p:attrName>ppt_y</p:attrName>
+                                        </p:attrNameLst>
+                                      </p:cBhvr>
+                                    </p:animMotion>
+                                  </p:childTnLst>
+                                </p:cTn>
+                              </p:par>
+                            </p:childTnLst>
+                          </p:cTn>
+                        </p:par>
+                        <p:par>
+                          <p:cTn id="7" fill="hold">
+                            <p:stCondLst>
+                              <p:cond delay="3500"/>
+                            </p:stCondLst>
+                            <p:childTnLst>
+                              <p:par>
+                                <p:cTn id="8" presetID="64" presetClass="path" presetSubtype="0" accel="50000" decel="50000" fill="hold" grpId="0" nodeType="afterEffect">
+                                  <p:stCondLst>
+                                    <p:cond delay="750"/>
+                                  </p:stCondLst>
+                                  <p:childTnLst>
+                                    <p:animMotion origin="layout" path="M -2.22222E-6 -7.40741E-7 L -2.22222E-6 -0.25 " pathEditMode="relative" rAng="0" ptsTypes="AA">
+                                      <p:cBhvr>
+                                        <p:cTn id="9" dur="1500" fill="hold"/>
+                                        <p:tgtEl>
+                                          <p:spTgt spid="3">
+                                            <p:txEl>
+                                              <p:pRg st="0" end="0"/>
+                                            </p:txEl>
+                                          </p:spTgt>
+                                        </p:tgtEl>
+                                        <p:attrNameLst>
+                                          <p:attrName>ppt_x</p:attrName>
+                                          <p:attrName>ppt_y</p:attrName>
+                                        </p:attrNameLst>
+                                      </p:cBhvr>
+                                      <p:rCtr x="0" y="-12500"/>
+                                    </p:animMotion>
+                                  </p:childTnLst>
+                                </p:cTn>
+                              </p:par>
+                              <p:par>
+                                <p:cTn id="10" presetID="64" presetClass="path" presetSubtype="0" accel="50000" decel="50000" fill="hold" nodeType="withEffect">
+                                  <p:stCondLst>
+                                    <p:cond delay="750"/>
+                                  </p:stCondLst>
+                                  <p:childTnLst>
+                                    <p:animMotion origin="layout" path="M 2.77778E-7 4.93827E-7 L 2.77778E-7 -0.25 " pathEditMode="relative" rAng="0" ptsTypes="AA">
+                                      <p:cBhvr>
+                                        <p:cTn id="11" dur="1500" fill="hold"/>
+                                        <p:tgtEl>
+                                          <p:spTgt spid="5"/>
+                                        </p:tgtEl>
+                                        <p:attrNameLst>
+                                          <p:attrName>ppt_x</p:attrName>
+                                          <p:attrName>ppt_y</p:attrName>
+                                        </p:attrNameLst>
+                                      </p:cBhvr>
+                                      <p:rCtr x="0" y="-12500"/>
+                                    </p:animMotion>
+                                  </p:childTnLst>
+                                </p:cTn>
+                              </p:par>
+                            </p:childTnLst>
+                          </p:cTn>
+                        </p:par>
+                        <p:par>
+                          <p:cTn id="12" fill="hold">
+                            <p:stCondLst>
+                              <p:cond delay="5750"/>
+                            </p:stCondLst>
+                            <p:childTnLst>
+                              <p:par>
+                                <p:cTn id="13" presetID="42" presetClass="entr" presetSubtype="0" fill="hold" nodeType="afterEffect">
+                                  <p:stCondLst>
+                                    <p:cond delay="2000"/>
+                                  </p:stCondLst>
+                                  <p:childTnLst>
+                                    <p:set>
+                                      <p:cBhvr>
+                                        <p:cTn id="14" dur="1" fill="hold">
+                                          <p:stCondLst>
+                                            <p:cond delay="0"/>
+                                          </p:stCondLst>
+                                        </p:cTn>
+                                        <p:tgtEl>
+                                          <p:spTgt spid="8"/>
+                                        </p:tgtEl>
+                                        <p:attrNameLst>
+                                          <p:attrName>style.visibility</p:attrName>
+                                        </p:attrNameLst>
+                                      </p:cBhvr>
+                                      <p:to>
+                                        <p:strVal val="visible"/>
+                                      </p:to>
+                                    </p:set>
+                                    <p:animEffect transition="in" filter="fade">
+                                      <p:cBhvr>
+                                        <p:cTn id="15" dur="1000"/>
+                                        <p:tgtEl>
+                                          <p:spTgt spid="8"/>
+                                        </p:tgtEl>
+                                      </p:cBhvr>
+                                    </p:animEffect>
+                                    <p:anim calcmode="lin" valueType="num">
+                                      <p:cBhvr>
+                                        <p:cTn id="16" dur="1000" fill="hold"/>
+                                        <p:tgtEl>
+                                          <p:spTgt spid="8"/>
+                                        </p:tgtEl>
+                                        <p:attrNameLst>
+                                          <p:attrName>ppt_x</p:attrName>
+                                        </p:attrNameLst>
+                                      </p:cBhvr>
+                                      <p:tavLst>
+                                        <p:tav tm="0">
+                                          <p:val>
+                                            <p:strVal val="#ppt_x"/>
+                                          </p:val>
+                                        </p:tav>
+                                        <p:tav tm="100000">
+                                          <p:val>
+                                            <p:strVal val="#ppt_x"/>
+                                          </p:val>
+                                        </p:tav>
+                                      </p:tavLst>
+                                    </p:anim>
+                                    <p:anim calcmode="lin" valueType="num">
+                                      <p:cBhvr>
+                                        <p:cTn id="17" dur="1000" fill="hold"/>
+                                        <p:tgtEl>
+                                          <p:spTgt spid="8"/>
+                                        </p:tgtEl>
+                                        <p:attrNameLst>
+                                          <p:attrName>ppt_y</p:attrName>
+                                        </p:attrNameLst>
+                                      </p:cBhvr>
+                                      <p:tavLst>
+                                        <p:tav tm="0">
+                                          <p:val>
+                                            <p:strVal val="#ppt_y+.1"/>
+                                          </p:val>
+                                        </p:tav>
+                                        <p:tav tm="100000">
+                                          <p:val>
+                                            <p:strVal val="#ppt_y"/>
+                                          </p:val>
+                                        </p:tav>
+                                      </p:tavLst>
+                                    </p:anim>
+                                  </p:childTnLst>
+                                </p:cTn>
+                              </p:par>
+                            </p:childTnLst>
+                          </p:cTn>
+                        </p:par>
+                      </p:childTnLst>
+                    </p:cTn>
+                  </p:par>
+                </p:childTnLst>
+              </p:cTn>
+              <p:prevCondLst>
+                <p:cond evt="onPrev" delay="0">
+                  <p:tgtEl>
+                    <p:sldTgt/>
+                  </p:tgtEl>
+                </p:cond>
+              </p:prevCondLst>
+              <p:nextCondLst>
+                <p:cond evt="onNext" delay="0">
+                  <p:tgtEl>
+                    <p:sldTgt/>
+                  </p:tgtEl>
+                </p:cond>
+              </p:nextCondLst>
+            </p:seq>
+          </p:childTnLst>
+        </p:cTn>
+      </p:par>
+    </p:tnLst>
+    <p:bldLst>
+      <p:bldP spid="2" grpId="0"/>
+      <p:bldP spid="3" grpId="0" build="p"/>
+    </p:bldLst>
+  </p:timing>
+</p:sld>
+</file>
+
+<file path=ppt/slides/slide8.xml><?xml version="1.0" encoding="utf-8"?>
+<p:sld xmlns:a="http://schemas.openxmlformats.org/drawingml/2006/main" xmlns:r="http://schemas.openxmlformats.org/officeDocument/2006/relationships" xmlns:p="http://schemas.openxmlformats.org/presentationml/2006/main">
+  <p:cSld>
+    <p:spTree>
+      <p:nvGrpSpPr>
+        <p:cNvPr id="1" name=""/>
+        <p:cNvGrpSpPr/>
+        <p:nvPr/>
+      </p:nvGrpSpPr>
+      <p:grpSpPr>
+        <a:xfrm>
+          <a:off x="0" y="0"/>
+          <a:ext cx="0" cy="0"/>
+          <a:chOff x="0" y="0"/>
+          <a:chExt cx="0" cy="0"/>
+        </a:xfrm>
+      </p:grpSpPr>
+      <p:sp>
+        <p:nvSpPr>
+          <p:cNvPr id="3" name="Content Placeholder 2">
+            <a:extLst>
+              <a:ext uri="{FF2B5EF4-FFF2-40B4-BE49-F238E27FC236}">
+                <a16:creationId xmlns:a16="http://schemas.microsoft.com/office/drawing/2014/main" id="{3BA9662E-6BB0-4344-9813-D3671B88C1D2}"/>
+              </a:ext>
+            </a:extLst>
+          </p:cNvPr>
+          <p:cNvSpPr>
+            <a:spLocks noGrp="1"/>
+          </p:cNvSpPr>
+          <p:nvPr>
+            <p:ph idx="1"/>
+          </p:nvPr>
+        </p:nvSpPr>
+        <p:spPr>
+          <a:xfrm>
+            <a:off x="1740819" y="567559"/>
+            <a:ext cx="6828503" cy="1064172"/>
+          </a:xfrm>
+        </p:spPr>
+        <p:txBody>
+          <a:bodyPr>
+            <a:normAutofit/>
+          </a:bodyPr>
+          <a:lstStyle/>
+          <a:p>
+            <a:pPr marL="457200" marR="0">
+              <a:lnSpc>
+                <a:spcPct val="115000"/>
+              </a:lnSpc>
+              <a:spcBef>
+                <a:spcPts val="0"/>
+              </a:spcBef>
+              <a:spcAft>
+                <a:spcPts val="0"/>
+              </a:spcAft>
+              <a:buFont typeface="Wingdings" panose="05000000000000000000" pitchFamily="2" charset="2"/>
+              <a:buChar char="v"/>
+            </a:pPr>
+            <a:r>
+              <a:rPr lang="en-US" sz="2400" dirty="0">
+                <a:effectLst/>
+                <a:latin typeface="Times New Roman" panose="02020603050405020304" pitchFamily="18" charset="0"/>
+                <a:ea typeface="Times New Roman" panose="02020603050405020304" pitchFamily="18" charset="0"/>
+              </a:rPr>
+              <a:t>Going deeper on the M-way search tree we get a more specific type of data structure :</a:t>
+            </a:r>
+            <a:endParaRPr lang="en-US" sz="2400" b="1" dirty="0">
+              <a:effectLst/>
+              <a:latin typeface="Arial" panose="020B0604020202020204" pitchFamily="34" charset="0"/>
+              <a:ea typeface="Arial" panose="020B0604020202020204" pitchFamily="34" charset="0"/>
+            </a:endParaRPr>
+          </a:p>
+        </p:txBody>
+      </p:sp>
+      <p:sp>
+        <p:nvSpPr>
+          <p:cNvPr id="4" name="TextBox 3">
+            <a:extLst>
+              <a:ext uri="{FF2B5EF4-FFF2-40B4-BE49-F238E27FC236}">
+                <a16:creationId xmlns:a16="http://schemas.microsoft.com/office/drawing/2014/main" id="{6072ED7A-BC20-4861-ABFB-806F555B94ED}"/>
+              </a:ext>
+            </a:extLst>
+          </p:cNvPr>
+          <p:cNvSpPr txBox="1"/>
+          <p:nvPr/>
+        </p:nvSpPr>
+        <p:spPr>
+          <a:xfrm>
+            <a:off x="6834350" y="969580"/>
+            <a:ext cx="1623850" cy="584775"/>
+          </a:xfrm>
+          <a:prstGeom prst="rect">
+            <a:avLst/>
+          </a:prstGeom>
+          <a:noFill/>
+        </p:spPr>
+        <p:txBody>
+          <a:bodyPr wrap="square" rtlCol="0">
+            <a:spAutoFit/>
+          </a:bodyPr>
+          <a:lstStyle/>
+          <a:p>
+            <a:r>
+              <a:rPr lang="en-US" sz="3200" b="1" dirty="0">
+                <a:effectLst/>
+                <a:latin typeface="Times New Roman" panose="02020603050405020304" pitchFamily="18" charset="0"/>
+                <a:ea typeface="Times New Roman" panose="02020603050405020304" pitchFamily="18" charset="0"/>
+              </a:rPr>
+              <a:t>B-Tree.</a:t>
+            </a:r>
+            <a:endParaRPr lang="en-US" sz="3200" dirty="0"/>
+          </a:p>
+        </p:txBody>
+      </p:sp>
+      <p:pic>
+        <p:nvPicPr>
+          <p:cNvPr id="5" name="image8.png">
+            <a:extLst>
+              <a:ext uri="{FF2B5EF4-FFF2-40B4-BE49-F238E27FC236}">
+                <a16:creationId xmlns:a16="http://schemas.microsoft.com/office/drawing/2014/main" id="{48ACB77D-9F79-4EE0-A8C2-E7487B5EEC78}"/>
+              </a:ext>
+            </a:extLst>
+          </p:cNvPr>
+          <p:cNvPicPr/>
+          <p:nvPr/>
+        </p:nvPicPr>
+        <p:blipFill>
+          <a:blip r:embed="rId2"/>
+          <a:srcRect/>
+          <a:stretch>
+            <a:fillRect/>
+          </a:stretch>
+        </p:blipFill>
+        <p:spPr>
+          <a:xfrm>
+            <a:off x="2317531" y="1956376"/>
+            <a:ext cx="5943600" cy="2146300"/>
+          </a:xfrm>
+          <a:prstGeom prst="rect">
+            <a:avLst/>
+          </a:prstGeom>
+          <a:ln/>
+        </p:spPr>
+      </p:pic>
+    </p:spTree>
+    <p:extLst>
+      <p:ext uri="{BB962C8B-B14F-4D97-AF65-F5344CB8AC3E}">
+        <p14:creationId xmlns:p14="http://schemas.microsoft.com/office/powerpoint/2010/main" val="1671358541"/>
+      </p:ext>
+    </p:extLst>
+  </p:cSld>
+  <p:clrMapOvr>
+    <a:masterClrMapping/>
+  </p:clrMapOvr>
+  <p:timing>
+    <p:tnLst>
+      <p:par>
+        <p:cTn id="1" dur="indefinite" restart="never" nodeType="tmRoot">
+          <p:childTnLst>
+            <p:seq concurrent="1" nextAc="seek">
+              <p:cTn id="2" dur="indefinite" nodeType="mainSeq">
+                <p:childTnLst>
+                  <p:par>
+                    <p:cTn id="3" fill="hold">
+                      <p:stCondLst>
+                        <p:cond delay="indefinite"/>
+                        <p:cond evt="onBegin" delay="0">
+                          <p:tn val="2"/>
+                        </p:cond>
+                      </p:stCondLst>
+                      <p:childTnLst>
+                        <p:par>
+                          <p:cTn id="4" fill="hold">
+                            <p:stCondLst>
+                              <p:cond delay="0"/>
+                            </p:stCondLst>
+                            <p:childTnLst>
+                              <p:par>
+                                <p:cTn id="5" presetID="16" presetClass="emph" presetSubtype="0" fill="hold" nodeType="withEffect">
+                                  <p:stCondLst>
+                                    <p:cond delay="4000"/>
+                                  </p:stCondLst>
+                                  <p:iterate type="lt">
+                                    <p:tmPct val="4000"/>
+                                  </p:iterate>
+                                  <p:childTnLst>
+                                    <p:set>
+                                      <p:cBhvr override="childStyle">
+                                        <p:cTn id="6" dur="1500" fill="hold"/>
+                                        <p:tgtEl>
+                                          <p:spTgt spid="4"/>
+                                        </p:tgtEl>
+                                        <p:attrNameLst>
+                                          <p:attrName>style.color</p:attrName>
+                                        </p:attrNameLst>
+                                      </p:cBhvr>
+                                      <p:to>
+                                        <p:clrVal>
+                                          <a:srgbClr val="974806"/>
+                                        </p:clrVal>
+                                      </p:to>
+                                    </p:set>
+                                    <p:set>
+                                      <p:cBhvr>
+                                        <p:cTn id="7" dur="1500" fill="hold"/>
+                                        <p:tgtEl>
+                                          <p:spTgt spid="4"/>
+                                        </p:tgtEl>
+                                        <p:attrNameLst>
+                                          <p:attrName>fillcolor</p:attrName>
+                                        </p:attrNameLst>
+                                      </p:cBhvr>
+                                      <p:to>
+                                        <p:clrVal>
+                                          <a:srgbClr val="974806"/>
+                                        </p:clrVal>
+                                      </p:to>
+                                    </p:set>
+                                    <p:set>
+                                      <p:cBhvr>
+                                        <p:cTn id="8" dur="1500" fill="hold"/>
+                                        <p:tgtEl>
+                                          <p:spTgt spid="4"/>
+                                        </p:tgtEl>
+                                        <p:attrNameLst>
+                                          <p:attrName>fill.type</p:attrName>
+                                        </p:attrNameLst>
+                                      </p:cBhvr>
+                                      <p:to>
+                                        <p:strVal val="solid"/>
+                                      </p:to>
+                                    </p:set>
+                                  </p:childTnLst>
+                                </p:cTn>
+                              </p:par>
+                            </p:childTnLst>
+                          </p:cTn>
+                        </p:par>
+                        <p:par>
+                          <p:cTn id="9" fill="hold">
+                            <p:stCondLst>
+                              <p:cond delay="5860"/>
+                            </p:stCondLst>
+                            <p:childTnLst>
+                              <p:par>
+                                <p:cTn id="10" presetID="42" presetClass="entr" presetSubtype="0" fill="hold" nodeType="afterEffect">
+                                  <p:stCondLst>
+                                    <p:cond delay="2500"/>
+                                  </p:stCondLst>
+                                  <p:childTnLst>
+                                    <p:set>
+                                      <p:cBhvr>
+                                        <p:cTn id="11" dur="1" fill="hold">
+                                          <p:stCondLst>
+                                            <p:cond delay="0"/>
+                                          </p:stCondLst>
+                                        </p:cTn>
+                                        <p:tgtEl>
+                                          <p:spTgt spid="5"/>
+                                        </p:tgtEl>
+                                        <p:attrNameLst>
+                                          <p:attrName>style.visibility</p:attrName>
+                                        </p:attrNameLst>
+                                      </p:cBhvr>
+                                      <p:to>
+                                        <p:strVal val="visible"/>
+                                      </p:to>
+                                    </p:set>
+                                    <p:animEffect transition="in" filter="fade">
+                                      <p:cBhvr>
+                                        <p:cTn id="12" dur="1000"/>
+                                        <p:tgtEl>
+                                          <p:spTgt spid="5"/>
+                                        </p:tgtEl>
+                                      </p:cBhvr>
+                                    </p:animEffect>
+                                    <p:anim calcmode="lin" valueType="num">
+                                      <p:cBhvr>
+                                        <p:cTn id="13" dur="1000" fill="hold"/>
+                                        <p:tgtEl>
+                                          <p:spTgt spid="5"/>
+                                        </p:tgtEl>
+                                        <p:attrNameLst>
+                                          <p:attrName>ppt_x</p:attrName>
+                                        </p:attrNameLst>
+                                      </p:cBhvr>
+                                      <p:tavLst>
+                                        <p:tav tm="0">
+                                          <p:val>
+                                            <p:strVal val="#ppt_x"/>
+                                          </p:val>
+                                        </p:tav>
+                                        <p:tav tm="100000">
+                                          <p:val>
+                                            <p:strVal val="#ppt_x"/>
+                                          </p:val>
+                                        </p:tav>
+                                      </p:tavLst>
+                                    </p:anim>
+                                    <p:anim calcmode="lin" valueType="num">
+                                      <p:cBhvr>
+                                        <p:cTn id="14" dur="1000" fill="hold"/>
+                                        <p:tgtEl>
+                                          <p:spTgt spid="5"/>
+                                        </p:tgtEl>
+                                        <p:attrNameLst>
+                                          <p:attrName>ppt_y</p:attrName>
+                                        </p:attrNameLst>
+                                      </p:cBhvr>
+                                      <p:tavLst>
+                                        <p:tav tm="0">
+                                          <p:val>
+                                            <p:strVal val="#ppt_y+.1"/>
+                                          </p:val>
+                                        </p:tav>
+                                        <p:tav tm="100000">
+                                          <p:val>
+                                            <p:strVal val="#ppt_y"/>
+                                          </p:val>
+                                        </p:tav>
+                                      </p:tavLst>
+                                    </p:anim>
+                                  </p:childTnLst>
+                                </p:cTn>
+                              </p:par>
+                            </p:childTnLst>
+                          </p:cTn>
+                        </p:par>
+                      </p:childTnLst>
+                    </p:cTn>
+                  </p:par>
+                </p:childTnLst>
+              </p:cTn>
+              <p:prevCondLst>
+                <p:cond evt="onPrev" delay="0">
+                  <p:tgtEl>
+                    <p:sldTgt/>
+                  </p:tgtEl>
+                </p:cond>
+              </p:prevCondLst>
+              <p:nextCondLst>
+                <p:cond evt="onNext" delay="0">
+                  <p:tgtEl>
+                    <p:sldTgt/>
+                  </p:tgtEl>
+                </p:cond>
+              </p:nextCondLst>
+            </p:seq>
+          </p:childTnLst>
+        </p:cTn>
+      </p:par>
+    </p:tnLst>
+  </p:timing>
+</p:sld>
+</file>
+
+<file path=ppt/slides/slide9.xml><?xml version="1.0" encoding="utf-8"?>
+<p:sld xmlns:a="http://schemas.openxmlformats.org/drawingml/2006/main" xmlns:r="http://schemas.openxmlformats.org/officeDocument/2006/relationships" xmlns:p="http://schemas.openxmlformats.org/presentationml/2006/main">
+  <p:cSld>
+    <p:spTree>
+      <p:nvGrpSpPr>
+        <p:cNvPr id="1" name=""/>
+        <p:cNvGrpSpPr/>
+        <p:nvPr/>
+      </p:nvGrpSpPr>
+      <p:grpSpPr>
+        <a:xfrm>
+          <a:off x="0" y="0"/>
+          <a:ext cx="0" cy="0"/>
+          <a:chOff x="0" y="0"/>
+          <a:chExt cx="0" cy="0"/>
+        </a:xfrm>
+      </p:grpSpPr>
+      <p:sp>
+        <p:nvSpPr>
+          <p:cNvPr id="3" name="Text Placeholder 2">
+            <a:extLst>
+              <a:ext uri="{FF2B5EF4-FFF2-40B4-BE49-F238E27FC236}">
+                <a16:creationId xmlns:a16="http://schemas.microsoft.com/office/drawing/2014/main" id="{EE29CDF6-FF5A-4E91-B68F-6909F00B2665}"/>
+              </a:ext>
+            </a:extLst>
+          </p:cNvPr>
+          <p:cNvSpPr>
+            <a:spLocks noGrp="1"/>
+          </p:cNvSpPr>
+          <p:nvPr>
+            <p:ph type="body" idx="1"/>
+          </p:nvPr>
+        </p:nvSpPr>
+        <p:spPr>
+          <a:xfrm>
+            <a:off x="722313" y="469476"/>
+            <a:ext cx="7772400" cy="1125140"/>
+          </a:xfrm>
+        </p:spPr>
+        <p:txBody>
+          <a:bodyPr>
+            <a:normAutofit/>
+          </a:bodyPr>
+          <a:lstStyle/>
+          <a:p>
+            <a:r>
+              <a:rPr lang="en-US" sz="4800" b="1" i="1" dirty="0">
+                <a:solidFill>
+                  <a:schemeClr val="accent6">
+                    <a:lumMod val="40000"/>
+                    <a:lumOff val="60000"/>
+                  </a:schemeClr>
+                </a:solidFill>
+                <a:latin typeface="Times New Roman" panose="02020603050405020304" pitchFamily="18" charset="0"/>
+                <a:cs typeface="Times New Roman" panose="02020603050405020304" pitchFamily="18" charset="0"/>
+              </a:rPr>
+              <a:t>1.Definition of B-Tree</a:t>
+            </a:r>
+          </a:p>
+        </p:txBody>
+      </p:sp>
+      <p:pic>
+        <p:nvPicPr>
+          <p:cNvPr id="5" name="Picture 4" descr="Question Cat">
+            <a:extLst>
+              <a:ext uri="{FF2B5EF4-FFF2-40B4-BE49-F238E27FC236}">
+                <a16:creationId xmlns:a16="http://schemas.microsoft.com/office/drawing/2014/main" id="{9F329CD5-CE16-48C0-BC9D-462C44FCB069}"/>
+              </a:ext>
+            </a:extLst>
+          </p:cNvPr>
+          <p:cNvPicPr>
+            <a:picLocks noChangeAspect="1"/>
+          </p:cNvPicPr>
+          <p:nvPr/>
+        </p:nvPicPr>
+        <p:blipFill>
+          <a:blip r:embed="rId2">
             <a:extLst>
               <a:ext uri="{28A0092B-C50C-407E-A947-70E740481C1C}">
                 <a14:useLocalDpi xmlns:a14="http://schemas.microsoft.com/office/drawing/2010/main" val="0"/>
@@ -5004,33 +8219,56 @@
             <a:fillRect/>
           </a:stretch>
         </p:blipFill>
-        <p:spPr bwMode="auto">
+        <p:spPr>
           <a:xfrm>
-            <a:off x="3808475" y="2326213"/>
-            <a:ext cx="1463784" cy="526961"/>
+            <a:off x="558527" y="1932096"/>
+            <a:ext cx="2619375" cy="2619375"/>
           </a:xfrm>
           <a:prstGeom prst="rect">
             <a:avLst/>
           </a:prstGeom>
-          <a:noFill/>
-          <a:ln>
-            <a:noFill/>
-          </a:ln>
-          <a:extLst>
-            <a:ext uri="{909E8E84-426E-40DD-AFC4-6F175D3DCCD1}">
-              <a14:hiddenFill xmlns:a14="http://schemas.microsoft.com/office/drawing/2010/main">
-                <a:solidFill>
-                  <a:srgbClr val="FFFFFF"/>
-                </a:solidFill>
-              </a14:hiddenFill>
-            </a:ext>
-          </a:extLst>
+        </p:spPr>
+      </p:pic>
+      <p:pic>
+        <p:nvPicPr>
+          <p:cNvPr id="11" name="Picture 10" descr="Book open on a deck with a blackboard in the background">
+            <a:extLst>
+              <a:ext uri="{FF2B5EF4-FFF2-40B4-BE49-F238E27FC236}">
+                <a16:creationId xmlns:a16="http://schemas.microsoft.com/office/drawing/2014/main" id="{6229A2CF-E034-446A-A93F-C8C8482F61D6}"/>
+              </a:ext>
+            </a:extLst>
+          </p:cNvPr>
+          <p:cNvPicPr>
+            <a:picLocks noChangeAspect="1"/>
+          </p:cNvPicPr>
+          <p:nvPr/>
+        </p:nvPicPr>
+        <p:blipFill>
+          <a:blip r:embed="rId3" cstate="print">
+            <a:extLst>
+              <a:ext uri="{28A0092B-C50C-407E-A947-70E740481C1C}">
+                <a14:useLocalDpi xmlns:a14="http://schemas.microsoft.com/office/drawing/2010/main" val="0"/>
+              </a:ext>
+            </a:extLst>
+          </a:blip>
+          <a:stretch>
+            <a:fillRect/>
+          </a:stretch>
+        </p:blipFill>
+        <p:spPr>
+          <a:xfrm>
+            <a:off x="3925614" y="1776084"/>
+            <a:ext cx="4783122" cy="3192988"/>
+          </a:xfrm>
+          <a:prstGeom prst="rect">
+            <a:avLst/>
+          </a:prstGeom>
         </p:spPr>
       </p:pic>
     </p:spTree>
     <p:extLst>
       <p:ext uri="{BB962C8B-B14F-4D97-AF65-F5344CB8AC3E}">
-        <p14:creationId xmlns:p14="http://schemas.microsoft.com/office/powerpoint/2010/main" val="109100692"/>
+        <p14:creationId xmlns:p14="http://schemas.microsoft.com/office/powerpoint/2010/main" val="1848551242"/>
       </p:ext>
     </p:extLst>
   </p:cSld>

--- a/Seminar.pptx
+++ b/Seminar.pptx
@@ -5,7 +5,7 @@
     <p:sldMasterId id="2147483648" r:id="rId1"/>
   </p:sldMasterIdLst>
   <p:notesMasterIdLst>
-    <p:notesMasterId r:id="rId16"/>
+    <p:notesMasterId r:id="rId20"/>
   </p:notesMasterIdLst>
   <p:sldIdLst>
     <p:sldId id="256" r:id="rId2"/>
@@ -18,10 +18,14 @@
     <p:sldId id="267" r:id="rId9"/>
     <p:sldId id="268" r:id="rId10"/>
     <p:sldId id="270" r:id="rId11"/>
-    <p:sldId id="269" r:id="rId12"/>
-    <p:sldId id="259" r:id="rId13"/>
-    <p:sldId id="258" r:id="rId14"/>
-    <p:sldId id="260" r:id="rId15"/>
+    <p:sldId id="271" r:id="rId12"/>
+    <p:sldId id="272" r:id="rId13"/>
+    <p:sldId id="273" r:id="rId14"/>
+    <p:sldId id="274" r:id="rId15"/>
+    <p:sldId id="269" r:id="rId16"/>
+    <p:sldId id="259" r:id="rId17"/>
+    <p:sldId id="258" r:id="rId18"/>
+    <p:sldId id="260" r:id="rId19"/>
   </p:sldIdLst>
   <p:sldSz cx="9144000" cy="5143500" type="screen16x9"/>
   <p:notesSz cx="6858000" cy="9144000"/>
@@ -221,7 +225,7 @@
           <a:p>
             <a:fld id="{C8D18E60-4300-4729-A0D7-6AB984C3922D}" type="datetimeFigureOut">
               <a:rPr lang="en-US" smtClean="0"/>
-              <a:t>6/22/2022</a:t>
+              <a:t>6/23/2022</a:t>
             </a:fld>
             <a:endParaRPr lang="en-US"/>
           </a:p>
@@ -553,7 +557,7 @@
           <a:p>
             <a:fld id="{87350B06-B074-48FC-8CFD-53D2CD8FB95F}" type="slidenum">
               <a:rPr lang="en-US" smtClean="0"/>
-              <a:t>14</a:t>
+              <a:t>18</a:t>
             </a:fld>
             <a:endParaRPr lang="en-US"/>
           </a:p>
@@ -787,7 +791,7 @@
             <a:fld id="{53074F12-AA26-4AC8-9962-C36BB8F32554}" type="datetimeFigureOut">
               <a:rPr lang="en-US" smtClean="0"/>
               <a:pPr/>
-              <a:t>6/22/2022</a:t>
+              <a:t>6/23/2022</a:t>
             </a:fld>
             <a:endParaRPr lang="en-US"/>
           </a:p>
@@ -1041,7 +1045,7 @@
             <a:fld id="{53074F12-AA26-4AC8-9962-C36BB8F32554}" type="datetimeFigureOut">
               <a:rPr lang="en-US" smtClean="0"/>
               <a:pPr/>
-              <a:t>6/22/2022</a:t>
+              <a:t>6/23/2022</a:t>
             </a:fld>
             <a:endParaRPr lang="en-US"/>
           </a:p>
@@ -1211,7 +1215,7 @@
             <a:fld id="{53074F12-AA26-4AC8-9962-C36BB8F32554}" type="datetimeFigureOut">
               <a:rPr lang="en-US" smtClean="0"/>
               <a:pPr/>
-              <a:t>6/22/2022</a:t>
+              <a:t>6/23/2022</a:t>
             </a:fld>
             <a:endParaRPr lang="en-US"/>
           </a:p>
@@ -1391,7 +1395,7 @@
             <a:fld id="{53074F12-AA26-4AC8-9962-C36BB8F32554}" type="datetimeFigureOut">
               <a:rPr lang="en-US" smtClean="0"/>
               <a:pPr/>
-              <a:t>6/22/2022</a:t>
+              <a:t>6/23/2022</a:t>
             </a:fld>
             <a:endParaRPr lang="en-US"/>
           </a:p>
@@ -1676,7 +1680,7 @@
             <a:fld id="{53074F12-AA26-4AC8-9962-C36BB8F32554}" type="datetimeFigureOut">
               <a:rPr lang="en-US" smtClean="0"/>
               <a:pPr/>
-              <a:t>6/22/2022</a:t>
+              <a:t>6/23/2022</a:t>
             </a:fld>
             <a:endParaRPr lang="en-US"/>
           </a:p>
@@ -1923,7 +1927,7 @@
             <a:fld id="{53074F12-AA26-4AC8-9962-C36BB8F32554}" type="datetimeFigureOut">
               <a:rPr lang="en-US" smtClean="0"/>
               <a:pPr/>
-              <a:t>6/22/2022</a:t>
+              <a:t>6/23/2022</a:t>
             </a:fld>
             <a:endParaRPr lang="en-US"/>
           </a:p>
@@ -2170,7 +2174,7 @@
             <a:fld id="{53074F12-AA26-4AC8-9962-C36BB8F32554}" type="datetimeFigureOut">
               <a:rPr lang="en-US" smtClean="0"/>
               <a:pPr/>
-              <a:t>6/22/2022</a:t>
+              <a:t>6/23/2022</a:t>
             </a:fld>
             <a:endParaRPr lang="en-US"/>
           </a:p>
@@ -2457,7 +2461,7 @@
             <a:fld id="{53074F12-AA26-4AC8-9962-C36BB8F32554}" type="datetimeFigureOut">
               <a:rPr lang="en-US" smtClean="0"/>
               <a:pPr/>
-              <a:t>6/22/2022</a:t>
+              <a:t>6/23/2022</a:t>
             </a:fld>
             <a:endParaRPr lang="en-US"/>
           </a:p>
@@ -2947,7 +2951,7 @@
             <a:fld id="{53074F12-AA26-4AC8-9962-C36BB8F32554}" type="datetimeFigureOut">
               <a:rPr lang="en-US" smtClean="0"/>
               <a:pPr/>
-              <a:t>6/22/2022</a:t>
+              <a:t>6/23/2022</a:t>
             </a:fld>
             <a:endParaRPr lang="en-US"/>
           </a:p>
@@ -3066,7 +3070,7 @@
             <a:fld id="{53074F12-AA26-4AC8-9962-C36BB8F32554}" type="datetimeFigureOut">
               <a:rPr lang="en-US" smtClean="0"/>
               <a:pPr/>
-              <a:t>6/22/2022</a:t>
+              <a:t>6/23/2022</a:t>
             </a:fld>
             <a:endParaRPr lang="en-US"/>
           </a:p>
@@ -3163,7 +3167,7 @@
             <a:fld id="{53074F12-AA26-4AC8-9962-C36BB8F32554}" type="datetimeFigureOut">
               <a:rPr lang="en-US" smtClean="0"/>
               <a:pPr/>
-              <a:t>6/22/2022</a:t>
+              <a:t>6/23/2022</a:t>
             </a:fld>
             <a:endParaRPr lang="en-US"/>
           </a:p>
@@ -3440,7 +3444,7 @@
             <a:fld id="{53074F12-AA26-4AC8-9962-C36BB8F32554}" type="datetimeFigureOut">
               <a:rPr lang="en-US" smtClean="0"/>
               <a:pPr/>
-              <a:t>6/22/2022</a:t>
+              <a:t>6/23/2022</a:t>
             </a:fld>
             <a:endParaRPr lang="en-US"/>
           </a:p>
@@ -3662,7 +3666,7 @@
             <a:fld id="{53074F12-AA26-4AC8-9962-C36BB8F32554}" type="datetimeFigureOut">
               <a:rPr lang="en-US" smtClean="0"/>
               <a:pPr/>
-              <a:t>6/22/2022</a:t>
+              <a:t>6/23/2022</a:t>
             </a:fld>
             <a:endParaRPr lang="en-US"/>
           </a:p>
@@ -5661,6 +5665,2990 @@
           <p:cNvPr id="2" name="Title 1">
             <a:extLst>
               <a:ext uri="{FF2B5EF4-FFF2-40B4-BE49-F238E27FC236}">
+                <a16:creationId xmlns:a16="http://schemas.microsoft.com/office/drawing/2014/main" id="{6528D0ED-2651-3F7A-F40D-CE9E85AF10FC}"/>
+              </a:ext>
+            </a:extLst>
+          </p:cNvPr>
+          <p:cNvSpPr>
+            <a:spLocks noGrp="1"/>
+          </p:cNvSpPr>
+          <p:nvPr>
+            <p:ph type="title"/>
+          </p:nvPr>
+        </p:nvSpPr>
+        <p:spPr/>
+        <p:txBody>
+          <a:bodyPr>
+            <a:normAutofit/>
+          </a:bodyPr>
+          <a:lstStyle/>
+          <a:p>
+            <a:r>
+              <a:rPr lang="en-US" dirty="0"/>
+              <a:t>b. M-Ways Search Tree:</a:t>
+            </a:r>
+          </a:p>
+        </p:txBody>
+      </p:sp>
+      <p:sp>
+        <p:nvSpPr>
+          <p:cNvPr id="3" name="Content Placeholder 2">
+            <a:extLst>
+              <a:ext uri="{FF2B5EF4-FFF2-40B4-BE49-F238E27FC236}">
+                <a16:creationId xmlns:a16="http://schemas.microsoft.com/office/drawing/2014/main" id="{3CACE9F2-1BAB-6C5F-AEEF-B72D8156C617}"/>
+              </a:ext>
+            </a:extLst>
+          </p:cNvPr>
+          <p:cNvSpPr>
+            <a:spLocks noGrp="1"/>
+          </p:cNvSpPr>
+          <p:nvPr>
+            <p:ph idx="1"/>
+          </p:nvPr>
+        </p:nvSpPr>
+        <p:spPr/>
+        <p:txBody>
+          <a:bodyPr/>
+          <a:lstStyle/>
+          <a:p>
+            <a:r>
+              <a:rPr lang="en-US" sz="1800" u="none" strike="noStrike" dirty="0">
+                <a:solidFill>
+                  <a:srgbClr val="212529"/>
+                </a:solidFill>
+                <a:effectLst/>
+                <a:latin typeface="Times New Roman" panose="02020603050405020304" pitchFamily="18" charset="0"/>
+                <a:ea typeface="Times New Roman" panose="02020603050405020304" pitchFamily="18" charset="0"/>
+              </a:rPr>
+              <a:t>An </a:t>
+            </a:r>
+            <a:r>
+              <a:rPr lang="en-US" sz="1800" b="1" u="none" strike="noStrike" dirty="0">
+                <a:solidFill>
+                  <a:srgbClr val="212529"/>
+                </a:solidFill>
+                <a:effectLst/>
+                <a:latin typeface="Times New Roman" panose="02020603050405020304" pitchFamily="18" charset="0"/>
+                <a:ea typeface="Times New Roman" panose="02020603050405020304" pitchFamily="18" charset="0"/>
+              </a:rPr>
+              <a:t>M-way search tree</a:t>
+            </a:r>
+            <a:r>
+              <a:rPr lang="en-US" sz="1800" u="none" strike="noStrike" dirty="0">
+                <a:solidFill>
+                  <a:srgbClr val="212529"/>
+                </a:solidFill>
+                <a:effectLst/>
+                <a:latin typeface="Times New Roman" panose="02020603050405020304" pitchFamily="18" charset="0"/>
+                <a:ea typeface="Times New Roman" panose="02020603050405020304" pitchFamily="18" charset="0"/>
+              </a:rPr>
+              <a:t> is a more constrained </a:t>
+            </a:r>
+            <a:r>
+              <a:rPr lang="en-US" sz="1800" b="1" u="none" strike="noStrike" dirty="0">
+                <a:solidFill>
+                  <a:srgbClr val="212529"/>
+                </a:solidFill>
+                <a:effectLst/>
+                <a:latin typeface="Times New Roman" panose="02020603050405020304" pitchFamily="18" charset="0"/>
+                <a:ea typeface="Times New Roman" panose="02020603050405020304" pitchFamily="18" charset="0"/>
+              </a:rPr>
+              <a:t>M-way tree</a:t>
+            </a:r>
+            <a:r>
+              <a:rPr lang="en-US" sz="1800" u="none" strike="noStrike" dirty="0">
+                <a:solidFill>
+                  <a:srgbClr val="212529"/>
+                </a:solidFill>
+                <a:effectLst/>
+                <a:latin typeface="Times New Roman" panose="02020603050405020304" pitchFamily="18" charset="0"/>
+                <a:ea typeface="Times New Roman" panose="02020603050405020304" pitchFamily="18" charset="0"/>
+              </a:rPr>
+              <a:t>, which has more property: </a:t>
+            </a:r>
+          </a:p>
+          <a:p>
+            <a:pPr marL="742950" marR="0" lvl="1" indent="-285750">
+              <a:lnSpc>
+                <a:spcPct val="115000"/>
+              </a:lnSpc>
+              <a:spcBef>
+                <a:spcPts val="0"/>
+              </a:spcBef>
+              <a:spcAft>
+                <a:spcPts val="0"/>
+              </a:spcAft>
+              <a:buFont typeface="Arial" panose="020B0604020202020204" pitchFamily="34" charset="0"/>
+              <a:buChar char="○"/>
+            </a:pPr>
+            <a:r>
+              <a:rPr lang="en-US" sz="1800" u="none" strike="noStrike" dirty="0">
+                <a:solidFill>
+                  <a:srgbClr val="212529"/>
+                </a:solidFill>
+                <a:effectLst/>
+                <a:latin typeface="Times New Roman" panose="02020603050405020304" pitchFamily="18" charset="0"/>
+                <a:ea typeface="Times New Roman" panose="02020603050405020304" pitchFamily="18" charset="0"/>
+              </a:rPr>
+              <a:t>Each node in the tree can associate with m children and </a:t>
+            </a:r>
+            <a:r>
+              <a:rPr lang="en-US" sz="1800" b="1" u="none" strike="noStrike" dirty="0">
+                <a:solidFill>
+                  <a:srgbClr val="212529"/>
+                </a:solidFill>
+                <a:effectLst/>
+                <a:latin typeface="Times New Roman" panose="02020603050405020304" pitchFamily="18" charset="0"/>
+                <a:ea typeface="Times New Roman" panose="02020603050405020304" pitchFamily="18" charset="0"/>
+              </a:rPr>
+              <a:t>m-1</a:t>
+            </a:r>
+            <a:r>
+              <a:rPr lang="en-US" sz="1800" u="none" strike="noStrike" dirty="0">
+                <a:solidFill>
+                  <a:srgbClr val="212529"/>
+                </a:solidFill>
+                <a:effectLst/>
+                <a:latin typeface="Times New Roman" panose="02020603050405020304" pitchFamily="18" charset="0"/>
+                <a:ea typeface="Times New Roman" panose="02020603050405020304" pitchFamily="18" charset="0"/>
+              </a:rPr>
+              <a:t> key fields.</a:t>
+            </a:r>
+            <a:endParaRPr lang="en-US" sz="1800" u="none" strike="noStrike" dirty="0">
+              <a:effectLst/>
+              <a:latin typeface="Arial" panose="020B0604020202020204" pitchFamily="34" charset="0"/>
+              <a:ea typeface="Arial" panose="020B0604020202020204" pitchFamily="34" charset="0"/>
+            </a:endParaRPr>
+          </a:p>
+          <a:p>
+            <a:pPr marL="742950" marR="0" lvl="1" indent="-285750">
+              <a:lnSpc>
+                <a:spcPct val="115000"/>
+              </a:lnSpc>
+              <a:spcBef>
+                <a:spcPts val="0"/>
+              </a:spcBef>
+              <a:spcAft>
+                <a:spcPts val="0"/>
+              </a:spcAft>
+              <a:buFont typeface="Arial" panose="020B0604020202020204" pitchFamily="34" charset="0"/>
+              <a:buChar char="○"/>
+            </a:pPr>
+            <a:r>
+              <a:rPr lang="en-US" sz="1800" u="none" strike="noStrike" dirty="0">
+                <a:solidFill>
+                  <a:srgbClr val="212529"/>
+                </a:solidFill>
+                <a:effectLst/>
+                <a:latin typeface="Times New Roman" panose="02020603050405020304" pitchFamily="18" charset="0"/>
+                <a:ea typeface="Times New Roman" panose="02020603050405020304" pitchFamily="18" charset="0"/>
+              </a:rPr>
+              <a:t>The keys in any node of the tree are arranged in a sorted order (ascending).</a:t>
+            </a:r>
+            <a:endParaRPr lang="en-US" sz="1800" u="none" strike="noStrike" dirty="0">
+              <a:effectLst/>
+              <a:latin typeface="Arial" panose="020B0604020202020204" pitchFamily="34" charset="0"/>
+              <a:ea typeface="Arial" panose="020B0604020202020204" pitchFamily="34" charset="0"/>
+            </a:endParaRPr>
+          </a:p>
+          <a:p>
+            <a:pPr marL="742950" marR="0" lvl="1" indent="-285750">
+              <a:lnSpc>
+                <a:spcPct val="115000"/>
+              </a:lnSpc>
+              <a:spcBef>
+                <a:spcPts val="0"/>
+              </a:spcBef>
+              <a:spcAft>
+                <a:spcPts val="0"/>
+              </a:spcAft>
+              <a:buFont typeface="Arial" panose="020B0604020202020204" pitchFamily="34" charset="0"/>
+              <a:buChar char="○"/>
+            </a:pPr>
+            <a:r>
+              <a:rPr lang="en-US" sz="1800" u="none" strike="noStrike" dirty="0">
+                <a:solidFill>
+                  <a:srgbClr val="212529"/>
+                </a:solidFill>
+                <a:effectLst/>
+                <a:latin typeface="Times New Roman" panose="02020603050405020304" pitchFamily="18" charset="0"/>
+                <a:ea typeface="Times New Roman" panose="02020603050405020304" pitchFamily="18" charset="0"/>
+              </a:rPr>
+              <a:t>The keys in the first </a:t>
+            </a:r>
+            <a:r>
+              <a:rPr lang="en-US" sz="1800" b="1" u="none" strike="noStrike" dirty="0">
+                <a:solidFill>
+                  <a:srgbClr val="212529"/>
+                </a:solidFill>
+                <a:effectLst/>
+                <a:latin typeface="Times New Roman" panose="02020603050405020304" pitchFamily="18" charset="0"/>
+                <a:ea typeface="Times New Roman" panose="02020603050405020304" pitchFamily="18" charset="0"/>
+              </a:rPr>
+              <a:t>K</a:t>
+            </a:r>
+            <a:r>
+              <a:rPr lang="en-US" sz="1800" u="none" strike="noStrike" dirty="0">
+                <a:solidFill>
+                  <a:srgbClr val="212529"/>
+                </a:solidFill>
+                <a:effectLst/>
+                <a:latin typeface="Times New Roman" panose="02020603050405020304" pitchFamily="18" charset="0"/>
+                <a:ea typeface="Times New Roman" panose="02020603050405020304" pitchFamily="18" charset="0"/>
+              </a:rPr>
+              <a:t> children are less than the </a:t>
+            </a:r>
+            <a:r>
+              <a:rPr lang="en-US" sz="1800" b="1" u="none" strike="noStrike" dirty="0">
+                <a:solidFill>
+                  <a:srgbClr val="212529"/>
+                </a:solidFill>
+                <a:effectLst/>
+                <a:latin typeface="Times New Roman" panose="02020603050405020304" pitchFamily="18" charset="0"/>
+                <a:ea typeface="Times New Roman" panose="02020603050405020304" pitchFamily="18" charset="0"/>
+              </a:rPr>
+              <a:t>K</a:t>
+            </a:r>
+            <a:r>
+              <a:rPr lang="en-US" sz="1800" u="none" strike="noStrike" baseline="30000" dirty="0">
+                <a:solidFill>
+                  <a:srgbClr val="212529"/>
+                </a:solidFill>
+                <a:effectLst/>
+                <a:latin typeface="Times New Roman" panose="02020603050405020304" pitchFamily="18" charset="0"/>
+                <a:ea typeface="Times New Roman" panose="02020603050405020304" pitchFamily="18" charset="0"/>
+              </a:rPr>
+              <a:t>th</a:t>
+            </a:r>
+            <a:r>
+              <a:rPr lang="en-US" sz="1800" u="none" strike="noStrike" dirty="0">
+                <a:solidFill>
+                  <a:srgbClr val="212529"/>
+                </a:solidFill>
+                <a:effectLst/>
+                <a:latin typeface="Times New Roman" panose="02020603050405020304" pitchFamily="18" charset="0"/>
+                <a:ea typeface="Times New Roman" panose="02020603050405020304" pitchFamily="18" charset="0"/>
+              </a:rPr>
+              <a:t> key of this node.</a:t>
+            </a:r>
+            <a:endParaRPr lang="en-US" sz="1800" u="none" strike="noStrike" dirty="0">
+              <a:effectLst/>
+              <a:latin typeface="Arial" panose="020B0604020202020204" pitchFamily="34" charset="0"/>
+              <a:ea typeface="Arial" panose="020B0604020202020204" pitchFamily="34" charset="0"/>
+            </a:endParaRPr>
+          </a:p>
+          <a:p>
+            <a:pPr marL="742950" marR="0" lvl="1" indent="-285750">
+              <a:lnSpc>
+                <a:spcPct val="115000"/>
+              </a:lnSpc>
+              <a:spcBef>
+                <a:spcPts val="0"/>
+              </a:spcBef>
+              <a:spcAft>
+                <a:spcPts val="1200"/>
+              </a:spcAft>
+              <a:buFont typeface="Arial" panose="020B0604020202020204" pitchFamily="34" charset="0"/>
+              <a:buChar char="○"/>
+            </a:pPr>
+            <a:r>
+              <a:rPr lang="en-US" sz="1800" u="none" strike="noStrike" dirty="0">
+                <a:solidFill>
+                  <a:srgbClr val="212529"/>
+                </a:solidFill>
+                <a:effectLst/>
+                <a:latin typeface="Times New Roman" panose="02020603050405020304" pitchFamily="18" charset="0"/>
+                <a:ea typeface="Times New Roman" panose="02020603050405020304" pitchFamily="18" charset="0"/>
+              </a:rPr>
+              <a:t>The keys in the last </a:t>
+            </a:r>
+            <a:r>
+              <a:rPr lang="en-US" sz="1800" b="1" u="none" strike="noStrike" dirty="0">
+                <a:solidFill>
+                  <a:srgbClr val="212529"/>
+                </a:solidFill>
+                <a:effectLst/>
+                <a:latin typeface="Times New Roman" panose="02020603050405020304" pitchFamily="18" charset="0"/>
+                <a:ea typeface="Times New Roman" panose="02020603050405020304" pitchFamily="18" charset="0"/>
+              </a:rPr>
+              <a:t>(m-K)</a:t>
+            </a:r>
+            <a:r>
+              <a:rPr lang="en-US" sz="1800" u="none" strike="noStrike" dirty="0">
+                <a:solidFill>
+                  <a:srgbClr val="212529"/>
+                </a:solidFill>
+                <a:effectLst/>
+                <a:latin typeface="Times New Roman" panose="02020603050405020304" pitchFamily="18" charset="0"/>
+                <a:ea typeface="Times New Roman" panose="02020603050405020304" pitchFamily="18" charset="0"/>
+              </a:rPr>
+              <a:t> children are higher than the </a:t>
+            </a:r>
+            <a:r>
+              <a:rPr lang="en-US" sz="1800" b="1" u="none" strike="noStrike" dirty="0">
+                <a:solidFill>
+                  <a:srgbClr val="212529"/>
+                </a:solidFill>
+                <a:effectLst/>
+                <a:latin typeface="Times New Roman" panose="02020603050405020304" pitchFamily="18" charset="0"/>
+                <a:ea typeface="Times New Roman" panose="02020603050405020304" pitchFamily="18" charset="0"/>
+              </a:rPr>
+              <a:t>K</a:t>
+            </a:r>
+            <a:r>
+              <a:rPr lang="en-US" sz="1800" u="none" strike="noStrike" baseline="30000" dirty="0">
+                <a:solidFill>
+                  <a:srgbClr val="212529"/>
+                </a:solidFill>
+                <a:effectLst/>
+                <a:latin typeface="Times New Roman" panose="02020603050405020304" pitchFamily="18" charset="0"/>
+                <a:ea typeface="Times New Roman" panose="02020603050405020304" pitchFamily="18" charset="0"/>
+              </a:rPr>
+              <a:t>th</a:t>
+            </a:r>
+            <a:r>
+              <a:rPr lang="en-US" sz="1800" u="none" strike="noStrike" dirty="0">
+                <a:solidFill>
+                  <a:srgbClr val="212529"/>
+                </a:solidFill>
+                <a:effectLst/>
+                <a:latin typeface="Times New Roman" panose="02020603050405020304" pitchFamily="18" charset="0"/>
+                <a:ea typeface="Times New Roman" panose="02020603050405020304" pitchFamily="18" charset="0"/>
+              </a:rPr>
+              <a:t> key.</a:t>
+            </a:r>
+            <a:endParaRPr lang="en-US" sz="1800" u="none" strike="noStrike" dirty="0">
+              <a:effectLst/>
+              <a:latin typeface="Arial" panose="020B0604020202020204" pitchFamily="34" charset="0"/>
+              <a:ea typeface="Arial" panose="020B0604020202020204" pitchFamily="34" charset="0"/>
+            </a:endParaRPr>
+          </a:p>
+          <a:p>
+            <a:endParaRPr lang="en-US" dirty="0"/>
+          </a:p>
+        </p:txBody>
+      </p:sp>
+    </p:spTree>
+    <p:extLst>
+      <p:ext uri="{BB962C8B-B14F-4D97-AF65-F5344CB8AC3E}">
+        <p14:creationId xmlns:p14="http://schemas.microsoft.com/office/powerpoint/2010/main" val="1491543009"/>
+      </p:ext>
+    </p:extLst>
+  </p:cSld>
+  <p:clrMapOvr>
+    <a:masterClrMapping/>
+  </p:clrMapOvr>
+</p:sld>
+</file>
+
+<file path=ppt/slides/slide12.xml><?xml version="1.0" encoding="utf-8"?>
+<p:sld xmlns:a="http://schemas.openxmlformats.org/drawingml/2006/main" xmlns:r="http://schemas.openxmlformats.org/officeDocument/2006/relationships" xmlns:p="http://schemas.openxmlformats.org/presentationml/2006/main">
+  <p:cSld>
+    <p:spTree>
+      <p:nvGrpSpPr>
+        <p:cNvPr id="1" name=""/>
+        <p:cNvGrpSpPr/>
+        <p:nvPr/>
+      </p:nvGrpSpPr>
+      <p:grpSpPr>
+        <a:xfrm>
+          <a:off x="0" y="0"/>
+          <a:ext cx="0" cy="0"/>
+          <a:chOff x="0" y="0"/>
+          <a:chExt cx="0" cy="0"/>
+        </a:xfrm>
+      </p:grpSpPr>
+      <p:sp>
+        <p:nvSpPr>
+          <p:cNvPr id="4" name="Text Placeholder 3">
+            <a:extLst>
+              <a:ext uri="{FF2B5EF4-FFF2-40B4-BE49-F238E27FC236}">
+                <a16:creationId xmlns:a16="http://schemas.microsoft.com/office/drawing/2014/main" id="{B488C0AF-5D61-926F-F2E6-BB0A8AC7BE78}"/>
+              </a:ext>
+            </a:extLst>
+          </p:cNvPr>
+          <p:cNvSpPr>
+            <a:spLocks noGrp="1"/>
+          </p:cNvSpPr>
+          <p:nvPr>
+            <p:ph type="title"/>
+          </p:nvPr>
+        </p:nvSpPr>
+        <p:spPr>
+          <a:xfrm>
+            <a:off x="457198" y="858518"/>
+            <a:ext cx="8259098" cy="763526"/>
+          </a:xfrm>
+        </p:spPr>
+        <p:txBody>
+          <a:bodyPr anchor="ctr">
+            <a:normAutofit/>
+          </a:bodyPr>
+          <a:lstStyle/>
+          <a:p>
+            <a:r>
+              <a:rPr lang="en-US" dirty="0"/>
+              <a:t>Example for 3-Ways Search Tree</a:t>
+            </a:r>
+          </a:p>
+        </p:txBody>
+      </p:sp>
+      <p:pic>
+        <p:nvPicPr>
+          <p:cNvPr id="5" name="image7.png">
+            <a:extLst>
+              <a:ext uri="{FF2B5EF4-FFF2-40B4-BE49-F238E27FC236}">
+                <a16:creationId xmlns:a16="http://schemas.microsoft.com/office/drawing/2014/main" id="{642AE9CE-BCE0-E08A-9EB3-3E57493259AF}"/>
+              </a:ext>
+            </a:extLst>
+          </p:cNvPr>
+          <p:cNvPicPr>
+            <a:picLocks noGrp="1"/>
+          </p:cNvPicPr>
+          <p:nvPr>
+            <p:ph idx="1"/>
+          </p:nvPr>
+        </p:nvPicPr>
+        <p:blipFill>
+          <a:blip r:embed="rId2"/>
+          <a:stretch>
+            <a:fillRect/>
+          </a:stretch>
+        </p:blipFill>
+        <p:spPr>
+          <a:xfrm>
+            <a:off x="1423222" y="1614948"/>
+            <a:ext cx="6327054" cy="3163527"/>
+          </a:xfrm>
+          <a:prstGeom prst="rect">
+            <a:avLst/>
+          </a:prstGeom>
+          <a:noFill/>
+          <a:ln/>
+        </p:spPr>
+      </p:pic>
+    </p:spTree>
+    <p:extLst>
+      <p:ext uri="{BB962C8B-B14F-4D97-AF65-F5344CB8AC3E}">
+        <p14:creationId xmlns:p14="http://schemas.microsoft.com/office/powerpoint/2010/main" val="247877788"/>
+      </p:ext>
+    </p:extLst>
+  </p:cSld>
+  <p:clrMapOvr>
+    <a:masterClrMapping/>
+  </p:clrMapOvr>
+</p:sld>
+</file>
+
+<file path=ppt/slides/slide13.xml><?xml version="1.0" encoding="utf-8"?>
+<p:sld xmlns:a="http://schemas.openxmlformats.org/drawingml/2006/main" xmlns:r="http://schemas.openxmlformats.org/officeDocument/2006/relationships" xmlns:p="http://schemas.openxmlformats.org/presentationml/2006/main">
+  <p:cSld>
+    <p:spTree>
+      <p:nvGrpSpPr>
+        <p:cNvPr id="1" name=""/>
+        <p:cNvGrpSpPr/>
+        <p:nvPr/>
+      </p:nvGrpSpPr>
+      <p:grpSpPr>
+        <a:xfrm>
+          <a:off x="0" y="0"/>
+          <a:ext cx="0" cy="0"/>
+          <a:chOff x="0" y="0"/>
+          <a:chExt cx="0" cy="0"/>
+        </a:xfrm>
+      </p:grpSpPr>
+      <p:sp>
+        <p:nvSpPr>
+          <p:cNvPr id="2" name="Title 1">
+            <a:extLst>
+              <a:ext uri="{FF2B5EF4-FFF2-40B4-BE49-F238E27FC236}">
+                <a16:creationId xmlns:a16="http://schemas.microsoft.com/office/drawing/2014/main" id="{42A88818-0BEA-5EE1-7BD9-CE06F6929C86}"/>
+              </a:ext>
+            </a:extLst>
+          </p:cNvPr>
+          <p:cNvSpPr>
+            <a:spLocks noGrp="1"/>
+          </p:cNvSpPr>
+          <p:nvPr>
+            <p:ph type="title"/>
+          </p:nvPr>
+        </p:nvSpPr>
+        <p:spPr>
+          <a:xfrm>
+            <a:off x="1732936" y="248172"/>
+            <a:ext cx="6805594" cy="725349"/>
+          </a:xfrm>
+        </p:spPr>
+        <p:txBody>
+          <a:bodyPr>
+            <a:noAutofit/>
+          </a:bodyPr>
+          <a:lstStyle/>
+          <a:p>
+            <a:r>
+              <a:rPr lang="en-US" sz="4400" dirty="0"/>
+              <a:t>Now, It’s time for B-Tree</a:t>
+            </a:r>
+          </a:p>
+        </p:txBody>
+      </p:sp>
+      <p:sp>
+        <p:nvSpPr>
+          <p:cNvPr id="3" name="Content Placeholder 2">
+            <a:extLst>
+              <a:ext uri="{FF2B5EF4-FFF2-40B4-BE49-F238E27FC236}">
+                <a16:creationId xmlns:a16="http://schemas.microsoft.com/office/drawing/2014/main" id="{96845A74-6825-9907-A053-669EC37F22D5}"/>
+              </a:ext>
+            </a:extLst>
+          </p:cNvPr>
+          <p:cNvSpPr>
+            <a:spLocks noGrp="1"/>
+          </p:cNvSpPr>
+          <p:nvPr>
+            <p:ph idx="1"/>
+          </p:nvPr>
+        </p:nvSpPr>
+        <p:spPr>
+          <a:xfrm>
+            <a:off x="1732936" y="1143000"/>
+            <a:ext cx="7056340" cy="3545497"/>
+          </a:xfrm>
+        </p:spPr>
+        <p:txBody>
+          <a:bodyPr>
+            <a:normAutofit/>
+          </a:bodyPr>
+          <a:lstStyle/>
+          <a:p>
+            <a:pPr marL="0" indent="0">
+              <a:buNone/>
+            </a:pPr>
+            <a:r>
+              <a:rPr lang="en-US" b="1" dirty="0">
+                <a:solidFill>
+                  <a:srgbClr val="212529"/>
+                </a:solidFill>
+                <a:effectLst/>
+                <a:latin typeface="Times New Roman" panose="02020603050405020304" pitchFamily="18" charset="0"/>
+                <a:ea typeface="Times New Roman" panose="02020603050405020304" pitchFamily="18" charset="0"/>
+              </a:rPr>
+              <a:t>§ </a:t>
+            </a:r>
+            <a:r>
+              <a:rPr lang="en-US" dirty="0">
+                <a:solidFill>
+                  <a:srgbClr val="212529"/>
+                </a:solidFill>
+                <a:effectLst/>
+                <a:latin typeface="Times New Roman" panose="02020603050405020304" pitchFamily="18" charset="0"/>
+                <a:ea typeface="Times New Roman" panose="02020603050405020304" pitchFamily="18" charset="0"/>
+              </a:rPr>
+              <a:t>Therefore, a B-tree is a special case of M-way search tree, and we got a new definition: </a:t>
+            </a:r>
+            <a:endParaRPr lang="en-US" sz="4000" dirty="0"/>
+          </a:p>
+        </p:txBody>
+      </p:sp>
+      <p:sp>
+        <p:nvSpPr>
+          <p:cNvPr id="7" name="Flowchart: Alternate Process 6">
+            <a:extLst>
+              <a:ext uri="{FF2B5EF4-FFF2-40B4-BE49-F238E27FC236}">
+                <a16:creationId xmlns:a16="http://schemas.microsoft.com/office/drawing/2014/main" id="{761AA588-DF0A-5C11-F5A4-4C2CAB880742}"/>
+              </a:ext>
+            </a:extLst>
+          </p:cNvPr>
+          <p:cNvSpPr/>
+          <p:nvPr/>
+        </p:nvSpPr>
+        <p:spPr>
+          <a:xfrm>
+            <a:off x="1805152" y="1216479"/>
+            <a:ext cx="6992007" cy="3678714"/>
+          </a:xfrm>
+          <a:prstGeom prst="flowChartAlternateProcess">
+            <a:avLst/>
+          </a:prstGeom>
+        </p:spPr>
+        <p:style>
+          <a:lnRef idx="2">
+            <a:schemeClr val="accent6">
+              <a:shade val="50000"/>
+            </a:schemeClr>
+          </a:lnRef>
+          <a:fillRef idx="1">
+            <a:schemeClr val="accent6"/>
+          </a:fillRef>
+          <a:effectRef idx="0">
+            <a:schemeClr val="accent6"/>
+          </a:effectRef>
+          <a:fontRef idx="minor">
+            <a:schemeClr val="lt1"/>
+          </a:fontRef>
+        </p:style>
+        <p:txBody>
+          <a:bodyPr rtlCol="0" anchor="ctr"/>
+          <a:lstStyle/>
+          <a:p>
+            <a:pPr marL="0" marR="0">
+              <a:lnSpc>
+                <a:spcPct val="114000"/>
+              </a:lnSpc>
+              <a:spcBef>
+                <a:spcPts val="0"/>
+              </a:spcBef>
+              <a:spcAft>
+                <a:spcPts val="1200"/>
+              </a:spcAft>
+            </a:pPr>
+            <a:r>
+              <a:rPr lang="en-US" sz="1800" dirty="0">
+                <a:solidFill>
+                  <a:srgbClr val="212529"/>
+                </a:solidFill>
+                <a:effectLst/>
+                <a:latin typeface="Times New Roman" panose="02020603050405020304" pitchFamily="18" charset="0"/>
+                <a:ea typeface="Times New Roman" panose="02020603050405020304" pitchFamily="18" charset="0"/>
+              </a:rPr>
+              <a:t>A B-tree is an extension of an M-way search tree. Besides having all the properties of an M-way search tree, it has some properties of its own, these mainly are:</a:t>
+            </a:r>
+            <a:endParaRPr lang="en-US" sz="1800" dirty="0">
+              <a:effectLst/>
+              <a:latin typeface="Arial" panose="020B0604020202020204" pitchFamily="34" charset="0"/>
+              <a:ea typeface="Arial" panose="020B0604020202020204" pitchFamily="34" charset="0"/>
+            </a:endParaRPr>
+          </a:p>
+          <a:p>
+            <a:pPr marL="342900" marR="0" lvl="0" indent="-342900">
+              <a:lnSpc>
+                <a:spcPct val="114000"/>
+              </a:lnSpc>
+              <a:spcBef>
+                <a:spcPts val="0"/>
+              </a:spcBef>
+              <a:spcAft>
+                <a:spcPts val="1200"/>
+              </a:spcAft>
+              <a:buFont typeface="Symbol" panose="05050102010706020507" pitchFamily="18" charset="2"/>
+              <a:buChar char=""/>
+            </a:pPr>
+            <a:r>
+              <a:rPr lang="en-US" sz="1800" dirty="0">
+                <a:solidFill>
+                  <a:srgbClr val="3A3A3A"/>
+                </a:solidFill>
+                <a:effectLst/>
+                <a:latin typeface="Times New Roman" panose="02020603050405020304" pitchFamily="18" charset="0"/>
+                <a:ea typeface="Times New Roman" panose="02020603050405020304" pitchFamily="18" charset="0"/>
+              </a:rPr>
+              <a:t>All leaves of B-tree are at the same level.</a:t>
+            </a:r>
+            <a:endParaRPr lang="en-US" sz="1800" dirty="0">
+              <a:effectLst/>
+              <a:latin typeface="Arial" panose="020B0604020202020204" pitchFamily="34" charset="0"/>
+              <a:ea typeface="Arial" panose="020B0604020202020204" pitchFamily="34" charset="0"/>
+            </a:endParaRPr>
+          </a:p>
+          <a:p>
+            <a:pPr marL="342900" marR="0" lvl="0" indent="-342900">
+              <a:lnSpc>
+                <a:spcPct val="114000"/>
+              </a:lnSpc>
+              <a:spcBef>
+                <a:spcPts val="0"/>
+              </a:spcBef>
+              <a:spcAft>
+                <a:spcPts val="1200"/>
+              </a:spcAft>
+              <a:buFont typeface="Symbol" panose="05050102010706020507" pitchFamily="18" charset="2"/>
+              <a:buChar char=""/>
+            </a:pPr>
+            <a:r>
+              <a:rPr lang="en-US" sz="1800" dirty="0">
+                <a:solidFill>
+                  <a:srgbClr val="3A3A3A"/>
+                </a:solidFill>
+                <a:effectLst/>
+                <a:latin typeface="Times New Roman" panose="02020603050405020304" pitchFamily="18" charset="0"/>
+                <a:ea typeface="Times New Roman" panose="02020603050405020304" pitchFamily="18" charset="0"/>
+              </a:rPr>
+              <a:t>A B-tree of </a:t>
+            </a:r>
+            <a:r>
+              <a:rPr lang="en-US" sz="1800" b="1" dirty="0">
+                <a:solidFill>
+                  <a:srgbClr val="3A3A3A"/>
+                </a:solidFill>
+                <a:effectLst/>
+                <a:latin typeface="Times New Roman" panose="02020603050405020304" pitchFamily="18" charset="0"/>
+                <a:ea typeface="Times New Roman" panose="02020603050405020304" pitchFamily="18" charset="0"/>
+              </a:rPr>
+              <a:t>order m</a:t>
+            </a:r>
+            <a:r>
+              <a:rPr lang="en-US" sz="1800" dirty="0">
+                <a:solidFill>
+                  <a:srgbClr val="3A3A3A"/>
+                </a:solidFill>
+                <a:effectLst/>
+                <a:latin typeface="Times New Roman" panose="02020603050405020304" pitchFamily="18" charset="0"/>
+                <a:ea typeface="Times New Roman" panose="02020603050405020304" pitchFamily="18" charset="0"/>
+              </a:rPr>
+              <a:t> can have at most </a:t>
+            </a:r>
+            <a:r>
+              <a:rPr lang="en-US" sz="1800" b="1" dirty="0">
+                <a:solidFill>
+                  <a:srgbClr val="3A3A3A"/>
+                </a:solidFill>
+                <a:effectLst/>
+                <a:latin typeface="Times New Roman" panose="02020603050405020304" pitchFamily="18" charset="0"/>
+                <a:ea typeface="Times New Roman" panose="02020603050405020304" pitchFamily="18" charset="0"/>
+              </a:rPr>
+              <a:t>m-1</a:t>
+            </a:r>
+            <a:r>
+              <a:rPr lang="en-US" sz="1800" dirty="0">
+                <a:solidFill>
+                  <a:srgbClr val="3A3A3A"/>
+                </a:solidFill>
+                <a:effectLst/>
+                <a:latin typeface="Times New Roman" panose="02020603050405020304" pitchFamily="18" charset="0"/>
+                <a:ea typeface="Times New Roman" panose="02020603050405020304" pitchFamily="18" charset="0"/>
+              </a:rPr>
+              <a:t> keys and </a:t>
+            </a:r>
+            <a:r>
+              <a:rPr lang="en-US" sz="1800" b="1" dirty="0">
+                <a:solidFill>
+                  <a:srgbClr val="3A3A3A"/>
+                </a:solidFill>
+                <a:effectLst/>
+                <a:latin typeface="Times New Roman" panose="02020603050405020304" pitchFamily="18" charset="0"/>
+                <a:ea typeface="Times New Roman" panose="02020603050405020304" pitchFamily="18" charset="0"/>
+              </a:rPr>
+              <a:t>m</a:t>
+            </a:r>
+            <a:r>
+              <a:rPr lang="en-US" sz="1800" dirty="0">
+                <a:solidFill>
+                  <a:srgbClr val="3A3A3A"/>
+                </a:solidFill>
+                <a:effectLst/>
+                <a:latin typeface="Times New Roman" panose="02020603050405020304" pitchFamily="18" charset="0"/>
+                <a:ea typeface="Times New Roman" panose="02020603050405020304" pitchFamily="18" charset="0"/>
+              </a:rPr>
+              <a:t> children.</a:t>
+            </a:r>
+            <a:endParaRPr lang="en-US" sz="1800" dirty="0">
+              <a:effectLst/>
+              <a:latin typeface="Arial" panose="020B0604020202020204" pitchFamily="34" charset="0"/>
+              <a:ea typeface="Arial" panose="020B0604020202020204" pitchFamily="34" charset="0"/>
+            </a:endParaRPr>
+          </a:p>
+          <a:p>
+            <a:pPr marL="342900" marR="0" lvl="0" indent="-342900">
+              <a:lnSpc>
+                <a:spcPct val="114000"/>
+              </a:lnSpc>
+              <a:spcBef>
+                <a:spcPts val="0"/>
+              </a:spcBef>
+              <a:spcAft>
+                <a:spcPts val="1200"/>
+              </a:spcAft>
+              <a:buFont typeface="Symbol" panose="05050102010706020507" pitchFamily="18" charset="2"/>
+              <a:buChar char=""/>
+            </a:pPr>
+            <a:r>
+              <a:rPr lang="en-US" sz="1800" dirty="0">
+                <a:solidFill>
+                  <a:srgbClr val="3A3A3A"/>
+                </a:solidFill>
+                <a:effectLst/>
+                <a:latin typeface="Times New Roman" panose="02020603050405020304" pitchFamily="18" charset="0"/>
+                <a:ea typeface="Times New Roman" panose="02020603050405020304" pitchFamily="18" charset="0"/>
+              </a:rPr>
+              <a:t>Every node in B-tree has at most </a:t>
+            </a:r>
+            <a:r>
+              <a:rPr lang="en-US" sz="1800" b="1" dirty="0">
+                <a:solidFill>
+                  <a:srgbClr val="3A3A3A"/>
+                </a:solidFill>
+                <a:effectLst/>
+                <a:latin typeface="Times New Roman" panose="02020603050405020304" pitchFamily="18" charset="0"/>
+                <a:ea typeface="Times New Roman" panose="02020603050405020304" pitchFamily="18" charset="0"/>
+              </a:rPr>
+              <a:t>m children</a:t>
+            </a:r>
+            <a:r>
+              <a:rPr lang="en-US" sz="1800" dirty="0">
+                <a:solidFill>
+                  <a:srgbClr val="3A3A3A"/>
+                </a:solidFill>
+                <a:effectLst/>
+                <a:latin typeface="Times New Roman" panose="02020603050405020304" pitchFamily="18" charset="0"/>
+                <a:ea typeface="Times New Roman" panose="02020603050405020304" pitchFamily="18" charset="0"/>
+              </a:rPr>
+              <a:t>.</a:t>
+            </a:r>
+            <a:endParaRPr lang="en-US" sz="1800" dirty="0">
+              <a:effectLst/>
+              <a:latin typeface="Arial" panose="020B0604020202020204" pitchFamily="34" charset="0"/>
+              <a:ea typeface="Arial" panose="020B0604020202020204" pitchFamily="34" charset="0"/>
+            </a:endParaRPr>
+          </a:p>
+          <a:p>
+            <a:pPr marL="342900" marR="0" lvl="0" indent="-342900">
+              <a:lnSpc>
+                <a:spcPct val="114000"/>
+              </a:lnSpc>
+              <a:spcBef>
+                <a:spcPts val="0"/>
+              </a:spcBef>
+              <a:spcAft>
+                <a:spcPts val="1200"/>
+              </a:spcAft>
+              <a:buFont typeface="Symbol" panose="05050102010706020507" pitchFamily="18" charset="2"/>
+              <a:buChar char=""/>
+            </a:pPr>
+            <a:r>
+              <a:rPr lang="en-US" sz="1800" dirty="0">
+                <a:solidFill>
+                  <a:srgbClr val="3A3A3A"/>
+                </a:solidFill>
+                <a:effectLst/>
+                <a:latin typeface="Times New Roman" panose="02020603050405020304" pitchFamily="18" charset="0"/>
+                <a:ea typeface="Times New Roman" panose="02020603050405020304" pitchFamily="18" charset="0"/>
+              </a:rPr>
+              <a:t>Root node must have at least two nodes.</a:t>
+            </a:r>
+            <a:endParaRPr lang="en-US" sz="1800" dirty="0">
+              <a:effectLst/>
+              <a:latin typeface="Arial" panose="020B0604020202020204" pitchFamily="34" charset="0"/>
+              <a:ea typeface="Arial" panose="020B0604020202020204" pitchFamily="34" charset="0"/>
+            </a:endParaRPr>
+          </a:p>
+          <a:p>
+            <a:pPr marL="342900" marR="0" lvl="0" indent="-342900">
+              <a:lnSpc>
+                <a:spcPct val="114000"/>
+              </a:lnSpc>
+              <a:spcBef>
+                <a:spcPts val="0"/>
+              </a:spcBef>
+              <a:spcAft>
+                <a:spcPts val="3400"/>
+              </a:spcAft>
+              <a:buFont typeface="Symbol" panose="05050102010706020507" pitchFamily="18" charset="2"/>
+              <a:buChar char=""/>
+            </a:pPr>
+            <a:r>
+              <a:rPr lang="en-US" sz="1800" dirty="0">
+                <a:solidFill>
+                  <a:srgbClr val="3A3A3A"/>
+                </a:solidFill>
+                <a:effectLst/>
+                <a:latin typeface="Times New Roman" panose="02020603050405020304" pitchFamily="18" charset="0"/>
+                <a:ea typeface="Times New Roman" panose="02020603050405020304" pitchFamily="18" charset="0"/>
+              </a:rPr>
+              <a:t>Every node except the root node and the leaf node contain at least m/2 children.</a:t>
+            </a:r>
+            <a:endParaRPr lang="en-US" sz="1800" dirty="0">
+              <a:effectLst/>
+              <a:latin typeface="Arial" panose="020B0604020202020204" pitchFamily="34" charset="0"/>
+              <a:ea typeface="Arial" panose="020B0604020202020204" pitchFamily="34" charset="0"/>
+            </a:endParaRPr>
+          </a:p>
+        </p:txBody>
+      </p:sp>
+      <p:sp>
+        <p:nvSpPr>
+          <p:cNvPr id="8" name="Rectangle 7">
+            <a:extLst>
+              <a:ext uri="{FF2B5EF4-FFF2-40B4-BE49-F238E27FC236}">
+                <a16:creationId xmlns:a16="http://schemas.microsoft.com/office/drawing/2014/main" id="{7D5C8A00-47D4-4255-C8FB-CF0E0843B525}"/>
+              </a:ext>
+            </a:extLst>
+          </p:cNvPr>
+          <p:cNvSpPr/>
+          <p:nvPr/>
+        </p:nvSpPr>
+        <p:spPr>
+          <a:xfrm>
+            <a:off x="3515866" y="219670"/>
+            <a:ext cx="3239733" cy="923330"/>
+          </a:xfrm>
+          <a:prstGeom prst="rect">
+            <a:avLst/>
+          </a:prstGeom>
+          <a:noFill/>
+        </p:spPr>
+        <p:txBody>
+          <a:bodyPr wrap="none" lIns="91440" tIns="45720" rIns="91440" bIns="45720">
+            <a:spAutoFit/>
+          </a:bodyPr>
+          <a:lstStyle/>
+          <a:p>
+            <a:pPr algn="ctr"/>
+            <a:r>
+              <a:rPr lang="en-US" sz="5400" b="1" cap="none" spc="0" dirty="0">
+                <a:ln w="9525">
+                  <a:solidFill>
+                    <a:schemeClr val="bg1"/>
+                  </a:solidFill>
+                  <a:prstDash val="solid"/>
+                </a:ln>
+                <a:solidFill>
+                  <a:schemeClr val="tx1"/>
+                </a:solidFill>
+                <a:effectLst>
+                  <a:outerShdw blurRad="12700" dist="38100" dir="2700000" algn="tl" rotWithShape="0">
+                    <a:schemeClr val="bg1">
+                      <a:lumMod val="50000"/>
+                    </a:schemeClr>
+                  </a:outerShdw>
+                </a:effectLst>
+              </a:rPr>
+              <a:t>Definition:</a:t>
+            </a:r>
+          </a:p>
+        </p:txBody>
+      </p:sp>
+    </p:spTree>
+    <p:extLst>
+      <p:ext uri="{BB962C8B-B14F-4D97-AF65-F5344CB8AC3E}">
+        <p14:creationId xmlns:p14="http://schemas.microsoft.com/office/powerpoint/2010/main" val="4219691846"/>
+      </p:ext>
+    </p:extLst>
+  </p:cSld>
+  <p:clrMapOvr>
+    <a:masterClrMapping/>
+  </p:clrMapOvr>
+  <p:timing>
+    <p:tnLst>
+      <p:par>
+        <p:cTn id="1" dur="indefinite" restart="never" nodeType="tmRoot">
+          <p:childTnLst>
+            <p:seq concurrent="1" nextAc="seek">
+              <p:cTn id="2" dur="indefinite" nodeType="mainSeq">
+                <p:childTnLst>
+                  <p:par>
+                    <p:cTn id="3" fill="hold">
+                      <p:stCondLst>
+                        <p:cond delay="indefinite"/>
+                      </p:stCondLst>
+                      <p:childTnLst>
+                        <p:par>
+                          <p:cTn id="4" fill="hold">
+                            <p:stCondLst>
+                              <p:cond delay="0"/>
+                            </p:stCondLst>
+                            <p:childTnLst>
+                              <p:par>
+                                <p:cTn id="5" presetID="6" presetClass="exit" presetSubtype="32" fill="hold" grpId="0" nodeType="clickEffect">
+                                  <p:stCondLst>
+                                    <p:cond delay="0"/>
+                                  </p:stCondLst>
+                                  <p:childTnLst>
+                                    <p:animEffect transition="out" filter="circle(out)">
+                                      <p:cBhvr>
+                                        <p:cTn id="6" dur="2000"/>
+                                        <p:tgtEl>
+                                          <p:spTgt spid="3">
+                                            <p:txEl>
+                                              <p:pRg st="0" end="0"/>
+                                            </p:txEl>
+                                          </p:spTgt>
+                                        </p:tgtEl>
+                                      </p:cBhvr>
+                                    </p:animEffect>
+                                    <p:set>
+                                      <p:cBhvr>
+                                        <p:cTn id="7" dur="1" fill="hold">
+                                          <p:stCondLst>
+                                            <p:cond delay="1999"/>
+                                          </p:stCondLst>
+                                        </p:cTn>
+                                        <p:tgtEl>
+                                          <p:spTgt spid="3">
+                                            <p:txEl>
+                                              <p:pRg st="0" end="0"/>
+                                            </p:txEl>
+                                          </p:spTgt>
+                                        </p:tgtEl>
+                                        <p:attrNameLst>
+                                          <p:attrName>style.visibility</p:attrName>
+                                        </p:attrNameLst>
+                                      </p:cBhvr>
+                                      <p:to>
+                                        <p:strVal val="hidden"/>
+                                      </p:to>
+                                    </p:set>
+                                  </p:childTnLst>
+                                </p:cTn>
+                              </p:par>
+                              <p:par>
+                                <p:cTn id="8" presetID="6" presetClass="exit" presetSubtype="32" fill="hold" grpId="0" nodeType="withEffect">
+                                  <p:stCondLst>
+                                    <p:cond delay="0"/>
+                                  </p:stCondLst>
+                                  <p:childTnLst>
+                                    <p:animEffect transition="out" filter="circle(out)">
+                                      <p:cBhvr>
+                                        <p:cTn id="9" dur="2000"/>
+                                        <p:tgtEl>
+                                          <p:spTgt spid="2"/>
+                                        </p:tgtEl>
+                                      </p:cBhvr>
+                                    </p:animEffect>
+                                    <p:set>
+                                      <p:cBhvr>
+                                        <p:cTn id="10" dur="1" fill="hold">
+                                          <p:stCondLst>
+                                            <p:cond delay="1999"/>
+                                          </p:stCondLst>
+                                        </p:cTn>
+                                        <p:tgtEl>
+                                          <p:spTgt spid="2"/>
+                                        </p:tgtEl>
+                                        <p:attrNameLst>
+                                          <p:attrName>style.visibility</p:attrName>
+                                        </p:attrNameLst>
+                                      </p:cBhvr>
+                                      <p:to>
+                                        <p:strVal val="hidden"/>
+                                      </p:to>
+                                    </p:set>
+                                  </p:childTnLst>
+                                </p:cTn>
+                              </p:par>
+                            </p:childTnLst>
+                          </p:cTn>
+                        </p:par>
+                        <p:par>
+                          <p:cTn id="11" fill="hold">
+                            <p:stCondLst>
+                              <p:cond delay="2000"/>
+                            </p:stCondLst>
+                            <p:childTnLst>
+                              <p:par>
+                                <p:cTn id="12" presetID="2" presetClass="entr" presetSubtype="4" fill="hold" grpId="0" nodeType="afterEffect">
+                                  <p:stCondLst>
+                                    <p:cond delay="0"/>
+                                  </p:stCondLst>
+                                  <p:childTnLst>
+                                    <p:set>
+                                      <p:cBhvr>
+                                        <p:cTn id="13" dur="1" fill="hold">
+                                          <p:stCondLst>
+                                            <p:cond delay="0"/>
+                                          </p:stCondLst>
+                                        </p:cTn>
+                                        <p:tgtEl>
+                                          <p:spTgt spid="7"/>
+                                        </p:tgtEl>
+                                        <p:attrNameLst>
+                                          <p:attrName>style.visibility</p:attrName>
+                                        </p:attrNameLst>
+                                      </p:cBhvr>
+                                      <p:to>
+                                        <p:strVal val="visible"/>
+                                      </p:to>
+                                    </p:set>
+                                    <p:anim calcmode="lin" valueType="num">
+                                      <p:cBhvr additive="base">
+                                        <p:cTn id="14" dur="500" fill="hold"/>
+                                        <p:tgtEl>
+                                          <p:spTgt spid="7"/>
+                                        </p:tgtEl>
+                                        <p:attrNameLst>
+                                          <p:attrName>ppt_x</p:attrName>
+                                        </p:attrNameLst>
+                                      </p:cBhvr>
+                                      <p:tavLst>
+                                        <p:tav tm="0">
+                                          <p:val>
+                                            <p:strVal val="#ppt_x"/>
+                                          </p:val>
+                                        </p:tav>
+                                        <p:tav tm="100000">
+                                          <p:val>
+                                            <p:strVal val="#ppt_x"/>
+                                          </p:val>
+                                        </p:tav>
+                                      </p:tavLst>
+                                    </p:anim>
+                                    <p:anim calcmode="lin" valueType="num">
+                                      <p:cBhvr additive="base">
+                                        <p:cTn id="15" dur="500" fill="hold"/>
+                                        <p:tgtEl>
+                                          <p:spTgt spid="7"/>
+                                        </p:tgtEl>
+                                        <p:attrNameLst>
+                                          <p:attrName>ppt_y</p:attrName>
+                                        </p:attrNameLst>
+                                      </p:cBhvr>
+                                      <p:tavLst>
+                                        <p:tav tm="0">
+                                          <p:val>
+                                            <p:strVal val="1+#ppt_h/2"/>
+                                          </p:val>
+                                        </p:tav>
+                                        <p:tav tm="100000">
+                                          <p:val>
+                                            <p:strVal val="#ppt_y"/>
+                                          </p:val>
+                                        </p:tav>
+                                      </p:tavLst>
+                                    </p:anim>
+                                  </p:childTnLst>
+                                </p:cTn>
+                              </p:par>
+                              <p:par>
+                                <p:cTn id="16" presetID="2" presetClass="entr" presetSubtype="4" fill="hold" grpId="0" nodeType="withEffect">
+                                  <p:stCondLst>
+                                    <p:cond delay="0"/>
+                                  </p:stCondLst>
+                                  <p:childTnLst>
+                                    <p:set>
+                                      <p:cBhvr>
+                                        <p:cTn id="17" dur="1" fill="hold">
+                                          <p:stCondLst>
+                                            <p:cond delay="0"/>
+                                          </p:stCondLst>
+                                        </p:cTn>
+                                        <p:tgtEl>
+                                          <p:spTgt spid="8"/>
+                                        </p:tgtEl>
+                                        <p:attrNameLst>
+                                          <p:attrName>style.visibility</p:attrName>
+                                        </p:attrNameLst>
+                                      </p:cBhvr>
+                                      <p:to>
+                                        <p:strVal val="visible"/>
+                                      </p:to>
+                                    </p:set>
+                                    <p:anim calcmode="lin" valueType="num">
+                                      <p:cBhvr additive="base">
+                                        <p:cTn id="18" dur="500" fill="hold"/>
+                                        <p:tgtEl>
+                                          <p:spTgt spid="8"/>
+                                        </p:tgtEl>
+                                        <p:attrNameLst>
+                                          <p:attrName>ppt_x</p:attrName>
+                                        </p:attrNameLst>
+                                      </p:cBhvr>
+                                      <p:tavLst>
+                                        <p:tav tm="0">
+                                          <p:val>
+                                            <p:strVal val="#ppt_x"/>
+                                          </p:val>
+                                        </p:tav>
+                                        <p:tav tm="100000">
+                                          <p:val>
+                                            <p:strVal val="#ppt_x"/>
+                                          </p:val>
+                                        </p:tav>
+                                      </p:tavLst>
+                                    </p:anim>
+                                    <p:anim calcmode="lin" valueType="num">
+                                      <p:cBhvr additive="base">
+                                        <p:cTn id="19" dur="500" fill="hold"/>
+                                        <p:tgtEl>
+                                          <p:spTgt spid="8"/>
+                                        </p:tgtEl>
+                                        <p:attrNameLst>
+                                          <p:attrName>ppt_y</p:attrName>
+                                        </p:attrNameLst>
+                                      </p:cBhvr>
+                                      <p:tavLst>
+                                        <p:tav tm="0">
+                                          <p:val>
+                                            <p:strVal val="1+#ppt_h/2"/>
+                                          </p:val>
+                                        </p:tav>
+                                        <p:tav tm="100000">
+                                          <p:val>
+                                            <p:strVal val="#ppt_y"/>
+                                          </p:val>
+                                        </p:tav>
+                                      </p:tavLst>
+                                    </p:anim>
+                                  </p:childTnLst>
+                                </p:cTn>
+                              </p:par>
+                            </p:childTnLst>
+                          </p:cTn>
+                        </p:par>
+                      </p:childTnLst>
+                    </p:cTn>
+                  </p:par>
+                </p:childTnLst>
+              </p:cTn>
+              <p:prevCondLst>
+                <p:cond evt="onPrev" delay="0">
+                  <p:tgtEl>
+                    <p:sldTgt/>
+                  </p:tgtEl>
+                </p:cond>
+              </p:prevCondLst>
+              <p:nextCondLst>
+                <p:cond evt="onNext" delay="0">
+                  <p:tgtEl>
+                    <p:sldTgt/>
+                  </p:tgtEl>
+                </p:cond>
+              </p:nextCondLst>
+            </p:seq>
+          </p:childTnLst>
+        </p:cTn>
+      </p:par>
+    </p:tnLst>
+    <p:bldLst>
+      <p:bldP spid="2" grpId="0"/>
+      <p:bldP spid="3" grpId="0" build="p"/>
+      <p:bldP spid="7" grpId="0" animBg="1"/>
+      <p:bldP spid="8" grpId="0"/>
+    </p:bldLst>
+  </p:timing>
+</p:sld>
+</file>
+
+<file path=ppt/slides/slide14.xml><?xml version="1.0" encoding="utf-8"?>
+<p:sld xmlns:a="http://schemas.openxmlformats.org/drawingml/2006/main" xmlns:r="http://schemas.openxmlformats.org/officeDocument/2006/relationships" xmlns:p="http://schemas.openxmlformats.org/presentationml/2006/main">
+  <p:cSld>
+    <p:spTree>
+      <p:nvGrpSpPr>
+        <p:cNvPr id="1" name=""/>
+        <p:cNvGrpSpPr/>
+        <p:nvPr/>
+      </p:nvGrpSpPr>
+      <p:grpSpPr>
+        <a:xfrm>
+          <a:off x="0" y="0"/>
+          <a:ext cx="0" cy="0"/>
+          <a:chOff x="0" y="0"/>
+          <a:chExt cx="0" cy="0"/>
+        </a:xfrm>
+      </p:grpSpPr>
+      <p:sp>
+        <p:nvSpPr>
+          <p:cNvPr id="2" name="Title 1">
+            <a:extLst>
+              <a:ext uri="{FF2B5EF4-FFF2-40B4-BE49-F238E27FC236}">
+                <a16:creationId xmlns:a16="http://schemas.microsoft.com/office/drawing/2014/main" id="{1F5E8E62-2DDA-8653-32A7-81CB32EC1002}"/>
+              </a:ext>
+            </a:extLst>
+          </p:cNvPr>
+          <p:cNvSpPr>
+            <a:spLocks noGrp="1"/>
+          </p:cNvSpPr>
+          <p:nvPr>
+            <p:ph type="title"/>
+          </p:nvPr>
+        </p:nvSpPr>
+        <p:spPr/>
+        <p:txBody>
+          <a:bodyPr/>
+          <a:lstStyle/>
+          <a:p>
+            <a:r>
+              <a:rPr lang="en-US" b="1" dirty="0">
+                <a:solidFill>
+                  <a:schemeClr val="tx2">
+                    <a:lumMod val="20000"/>
+                    <a:lumOff val="80000"/>
+                  </a:schemeClr>
+                </a:solidFill>
+              </a:rPr>
+              <a:t>Example for B-Tree:</a:t>
+            </a:r>
+          </a:p>
+        </p:txBody>
+      </p:sp>
+      <p:sp>
+        <p:nvSpPr>
+          <p:cNvPr id="4" name="Content Placeholder 3">
+            <a:extLst>
+              <a:ext uri="{FF2B5EF4-FFF2-40B4-BE49-F238E27FC236}">
+                <a16:creationId xmlns:a16="http://schemas.microsoft.com/office/drawing/2014/main" id="{8271E66F-363F-5B82-E145-882CCEEC79E0}"/>
+              </a:ext>
+            </a:extLst>
+          </p:cNvPr>
+          <p:cNvSpPr>
+            <a:spLocks noGrp="1"/>
+          </p:cNvSpPr>
+          <p:nvPr>
+            <p:ph sz="half" idx="2"/>
+          </p:nvPr>
+        </p:nvSpPr>
+        <p:spPr>
+          <a:xfrm>
+            <a:off x="4648200" y="1200151"/>
+            <a:ext cx="4038600" cy="636813"/>
+          </a:xfrm>
+        </p:spPr>
+        <p:txBody>
+          <a:bodyPr/>
+          <a:lstStyle/>
+          <a:p>
+            <a:pPr marL="0" indent="0">
+              <a:buNone/>
+            </a:pPr>
+            <a:r>
+              <a:rPr lang="en-US" dirty="0">
+                <a:solidFill>
+                  <a:schemeClr val="tx2">
+                    <a:lumMod val="20000"/>
+                    <a:lumOff val="80000"/>
+                  </a:schemeClr>
+                </a:solidFill>
+              </a:rPr>
+              <a:t>Check for B-tree property:</a:t>
+            </a:r>
+          </a:p>
+        </p:txBody>
+      </p:sp>
+      <p:pic>
+        <p:nvPicPr>
+          <p:cNvPr id="5" name="image8.png">
+            <a:extLst>
+              <a:ext uri="{FF2B5EF4-FFF2-40B4-BE49-F238E27FC236}">
+                <a16:creationId xmlns:a16="http://schemas.microsoft.com/office/drawing/2014/main" id="{BF592FE6-20A0-5486-C287-7C2DE7A17635}"/>
+              </a:ext>
+            </a:extLst>
+          </p:cNvPr>
+          <p:cNvPicPr>
+            <a:picLocks noGrp="1"/>
+          </p:cNvPicPr>
+          <p:nvPr>
+            <p:ph sz="half" idx="1"/>
+          </p:nvPr>
+        </p:nvPicPr>
+        <p:blipFill>
+          <a:blip r:embed="rId2"/>
+          <a:srcRect/>
+          <a:stretch>
+            <a:fillRect/>
+          </a:stretch>
+        </p:blipFill>
+        <p:spPr>
+          <a:xfrm>
+            <a:off x="163286" y="1836964"/>
+            <a:ext cx="4332514" cy="1787927"/>
+          </a:xfrm>
+          <a:prstGeom prst="rect">
+            <a:avLst/>
+          </a:prstGeom>
+          <a:ln/>
+        </p:spPr>
+      </p:pic>
+      <p:sp>
+        <p:nvSpPr>
+          <p:cNvPr id="6" name="TextBox 5">
+            <a:extLst>
+              <a:ext uri="{FF2B5EF4-FFF2-40B4-BE49-F238E27FC236}">
+                <a16:creationId xmlns:a16="http://schemas.microsoft.com/office/drawing/2014/main" id="{1474E8BB-BCBE-1A8C-AF0C-4560DA2E8779}"/>
+              </a:ext>
+            </a:extLst>
+          </p:cNvPr>
+          <p:cNvSpPr txBox="1"/>
+          <p:nvPr/>
+        </p:nvSpPr>
+        <p:spPr>
+          <a:xfrm>
+            <a:off x="4867275" y="1814682"/>
+            <a:ext cx="3600450" cy="830997"/>
+          </a:xfrm>
+          <a:prstGeom prst="rect">
+            <a:avLst/>
+          </a:prstGeom>
+          <a:noFill/>
+        </p:spPr>
+        <p:txBody>
+          <a:bodyPr wrap="square" rtlCol="0">
+            <a:spAutoFit/>
+          </a:bodyPr>
+          <a:lstStyle/>
+          <a:p>
+            <a:pPr marL="285750" indent="-285750">
+              <a:buFont typeface="Wingdings" panose="05000000000000000000" pitchFamily="2" charset="2"/>
+              <a:buChar char="ü"/>
+            </a:pPr>
+            <a:r>
+              <a:rPr lang="en-US" sz="2400" b="1" i="1" dirty="0">
+                <a:solidFill>
+                  <a:srgbClr val="9EFF29"/>
+                </a:solidFill>
+                <a:latin typeface="Times New Roman" panose="02020603050405020304" pitchFamily="18" charset="0"/>
+                <a:cs typeface="Times New Roman" panose="02020603050405020304" pitchFamily="18" charset="0"/>
+              </a:rPr>
+              <a:t>All leaves of B-tree are at the same level.</a:t>
+            </a:r>
+          </a:p>
+        </p:txBody>
+      </p:sp>
+      <p:cxnSp>
+        <p:nvCxnSpPr>
+          <p:cNvPr id="8" name="Straight Arrow Connector 7">
+            <a:extLst>
+              <a:ext uri="{FF2B5EF4-FFF2-40B4-BE49-F238E27FC236}">
+                <a16:creationId xmlns:a16="http://schemas.microsoft.com/office/drawing/2014/main" id="{62D1D42C-1481-E536-BB15-83C48BF8A0C5}"/>
+              </a:ext>
+            </a:extLst>
+          </p:cNvPr>
+          <p:cNvCxnSpPr>
+            <a:cxnSpLocks/>
+          </p:cNvCxnSpPr>
+          <p:nvPr/>
+        </p:nvCxnSpPr>
+        <p:spPr>
+          <a:xfrm flipV="1">
+            <a:off x="676275" y="2081893"/>
+            <a:ext cx="4263118" cy="563786"/>
+          </a:xfrm>
+          <a:prstGeom prst="straightConnector1">
+            <a:avLst/>
+          </a:prstGeom>
+          <a:ln w="57150">
+            <a:prstDash val="sysDash"/>
+            <a:tailEnd type="triangle"/>
+          </a:ln>
+        </p:spPr>
+        <p:style>
+          <a:lnRef idx="1">
+            <a:schemeClr val="accent2"/>
+          </a:lnRef>
+          <a:fillRef idx="0">
+            <a:schemeClr val="accent2"/>
+          </a:fillRef>
+          <a:effectRef idx="0">
+            <a:schemeClr val="accent2"/>
+          </a:effectRef>
+          <a:fontRef idx="minor">
+            <a:schemeClr val="tx1"/>
+          </a:fontRef>
+        </p:style>
+      </p:cxnSp>
+      <p:cxnSp>
+        <p:nvCxnSpPr>
+          <p:cNvPr id="10" name="Straight Arrow Connector 9">
+            <a:extLst>
+              <a:ext uri="{FF2B5EF4-FFF2-40B4-BE49-F238E27FC236}">
+                <a16:creationId xmlns:a16="http://schemas.microsoft.com/office/drawing/2014/main" id="{8D5B29E8-6602-ACD6-AB00-3FA17AA7F2AE}"/>
+              </a:ext>
+            </a:extLst>
+          </p:cNvPr>
+          <p:cNvCxnSpPr>
+            <a:cxnSpLocks/>
+          </p:cNvCxnSpPr>
+          <p:nvPr/>
+        </p:nvCxnSpPr>
+        <p:spPr>
+          <a:xfrm flipV="1">
+            <a:off x="2073729" y="2081893"/>
+            <a:ext cx="2865664" cy="563786"/>
+          </a:xfrm>
+          <a:prstGeom prst="straightConnector1">
+            <a:avLst/>
+          </a:prstGeom>
+          <a:ln w="57150">
+            <a:prstDash val="sysDash"/>
+            <a:tailEnd type="triangle"/>
+          </a:ln>
+        </p:spPr>
+        <p:style>
+          <a:lnRef idx="1">
+            <a:schemeClr val="accent2"/>
+          </a:lnRef>
+          <a:fillRef idx="0">
+            <a:schemeClr val="accent2"/>
+          </a:fillRef>
+          <a:effectRef idx="0">
+            <a:schemeClr val="accent2"/>
+          </a:effectRef>
+          <a:fontRef idx="minor">
+            <a:schemeClr val="tx1"/>
+          </a:fontRef>
+        </p:style>
+      </p:cxnSp>
+      <p:cxnSp>
+        <p:nvCxnSpPr>
+          <p:cNvPr id="13" name="Straight Arrow Connector 12">
+            <a:extLst>
+              <a:ext uri="{FF2B5EF4-FFF2-40B4-BE49-F238E27FC236}">
+                <a16:creationId xmlns:a16="http://schemas.microsoft.com/office/drawing/2014/main" id="{065F0B71-5641-B248-0985-D490EADCB1CE}"/>
+              </a:ext>
+            </a:extLst>
+          </p:cNvPr>
+          <p:cNvCxnSpPr>
+            <a:cxnSpLocks/>
+          </p:cNvCxnSpPr>
+          <p:nvPr/>
+        </p:nvCxnSpPr>
+        <p:spPr>
+          <a:xfrm flipV="1">
+            <a:off x="3184071" y="2081893"/>
+            <a:ext cx="1683204" cy="563786"/>
+          </a:xfrm>
+          <a:prstGeom prst="straightConnector1">
+            <a:avLst/>
+          </a:prstGeom>
+          <a:ln w="57150">
+            <a:prstDash val="sysDash"/>
+            <a:tailEnd type="triangle"/>
+          </a:ln>
+        </p:spPr>
+        <p:style>
+          <a:lnRef idx="1">
+            <a:schemeClr val="accent2"/>
+          </a:lnRef>
+          <a:fillRef idx="0">
+            <a:schemeClr val="accent2"/>
+          </a:fillRef>
+          <a:effectRef idx="0">
+            <a:schemeClr val="accent2"/>
+          </a:effectRef>
+          <a:fontRef idx="minor">
+            <a:schemeClr val="tx1"/>
+          </a:fontRef>
+        </p:style>
+      </p:cxnSp>
+      <p:cxnSp>
+        <p:nvCxnSpPr>
+          <p:cNvPr id="16" name="Straight Arrow Connector 15">
+            <a:extLst>
+              <a:ext uri="{FF2B5EF4-FFF2-40B4-BE49-F238E27FC236}">
+                <a16:creationId xmlns:a16="http://schemas.microsoft.com/office/drawing/2014/main" id="{C96DD690-35AA-627A-B425-5015EFBBB78B}"/>
+              </a:ext>
+            </a:extLst>
+          </p:cNvPr>
+          <p:cNvCxnSpPr>
+            <a:cxnSpLocks/>
+          </p:cNvCxnSpPr>
+          <p:nvPr/>
+        </p:nvCxnSpPr>
+        <p:spPr>
+          <a:xfrm flipV="1">
+            <a:off x="4196443" y="2163536"/>
+            <a:ext cx="518432" cy="482143"/>
+          </a:xfrm>
+          <a:prstGeom prst="straightConnector1">
+            <a:avLst/>
+          </a:prstGeom>
+          <a:ln w="57150">
+            <a:prstDash val="sysDash"/>
+            <a:tailEnd type="triangle"/>
+          </a:ln>
+        </p:spPr>
+        <p:style>
+          <a:lnRef idx="1">
+            <a:schemeClr val="accent2"/>
+          </a:lnRef>
+          <a:fillRef idx="0">
+            <a:schemeClr val="accent2"/>
+          </a:fillRef>
+          <a:effectRef idx="0">
+            <a:schemeClr val="accent2"/>
+          </a:effectRef>
+          <a:fontRef idx="minor">
+            <a:schemeClr val="tx1"/>
+          </a:fontRef>
+        </p:style>
+      </p:cxnSp>
+      <p:sp>
+        <p:nvSpPr>
+          <p:cNvPr id="20" name="TextBox 19">
+            <a:extLst>
+              <a:ext uri="{FF2B5EF4-FFF2-40B4-BE49-F238E27FC236}">
+                <a16:creationId xmlns:a16="http://schemas.microsoft.com/office/drawing/2014/main" id="{06057B0D-B043-CE2A-2AD3-B0449EBCB495}"/>
+              </a:ext>
+            </a:extLst>
+          </p:cNvPr>
+          <p:cNvSpPr txBox="1"/>
+          <p:nvPr/>
+        </p:nvSpPr>
+        <p:spPr>
+          <a:xfrm>
+            <a:off x="4810125" y="2660045"/>
+            <a:ext cx="3600450" cy="1200329"/>
+          </a:xfrm>
+          <a:prstGeom prst="rect">
+            <a:avLst/>
+          </a:prstGeom>
+          <a:noFill/>
+        </p:spPr>
+        <p:txBody>
+          <a:bodyPr wrap="square" rtlCol="0">
+            <a:spAutoFit/>
+          </a:bodyPr>
+          <a:lstStyle/>
+          <a:p>
+            <a:pPr marL="285750" indent="-285750">
+              <a:buFont typeface="Wingdings" panose="05000000000000000000" pitchFamily="2" charset="2"/>
+              <a:buChar char="ü"/>
+            </a:pPr>
+            <a:r>
+              <a:rPr lang="en-US" sz="2400" b="1" i="1" dirty="0">
+                <a:solidFill>
+                  <a:srgbClr val="9EFF29"/>
+                </a:solidFill>
+                <a:latin typeface="Times New Roman" panose="02020603050405020304" pitchFamily="18" charset="0"/>
+                <a:cs typeface="Times New Roman" panose="02020603050405020304" pitchFamily="18" charset="0"/>
+              </a:rPr>
+              <a:t>A B-tree of order 4 can have at most </a:t>
+            </a:r>
+            <a:r>
+              <a:rPr lang="en-US" sz="2400" b="1" dirty="0">
+                <a:solidFill>
+                  <a:srgbClr val="9EFF29"/>
+                </a:solidFill>
+                <a:latin typeface="Times New Roman" panose="02020603050405020304" pitchFamily="18" charset="0"/>
+                <a:cs typeface="Times New Roman" panose="02020603050405020304" pitchFamily="18" charset="0"/>
+              </a:rPr>
+              <a:t>3 keys </a:t>
+            </a:r>
+            <a:r>
+              <a:rPr lang="en-US" sz="2400" b="1" i="1" dirty="0">
+                <a:solidFill>
+                  <a:srgbClr val="9EFF29"/>
+                </a:solidFill>
+                <a:latin typeface="Times New Roman" panose="02020603050405020304" pitchFamily="18" charset="0"/>
+                <a:cs typeface="Times New Roman" panose="02020603050405020304" pitchFamily="18" charset="0"/>
+              </a:rPr>
+              <a:t>and 4 children.</a:t>
+            </a:r>
+          </a:p>
+        </p:txBody>
+      </p:sp>
+      <p:sp>
+        <p:nvSpPr>
+          <p:cNvPr id="21" name="TextBox 20">
+            <a:extLst>
+              <a:ext uri="{FF2B5EF4-FFF2-40B4-BE49-F238E27FC236}">
+                <a16:creationId xmlns:a16="http://schemas.microsoft.com/office/drawing/2014/main" id="{56161EB2-AF71-555D-094C-8AAA21557E44}"/>
+              </a:ext>
+            </a:extLst>
+          </p:cNvPr>
+          <p:cNvSpPr txBox="1"/>
+          <p:nvPr/>
+        </p:nvSpPr>
+        <p:spPr>
+          <a:xfrm>
+            <a:off x="4874759" y="1825823"/>
+            <a:ext cx="3600450" cy="830997"/>
+          </a:xfrm>
+          <a:prstGeom prst="rect">
+            <a:avLst/>
+          </a:prstGeom>
+          <a:noFill/>
+        </p:spPr>
+        <p:txBody>
+          <a:bodyPr wrap="square" rtlCol="0">
+            <a:spAutoFit/>
+          </a:bodyPr>
+          <a:lstStyle/>
+          <a:p>
+            <a:pPr marL="285750" indent="-285750">
+              <a:buFont typeface="Wingdings" panose="05000000000000000000" pitchFamily="2" charset="2"/>
+              <a:buChar char="ü"/>
+            </a:pPr>
+            <a:r>
+              <a:rPr lang="en-US" sz="2400" b="1" i="1" dirty="0">
+                <a:solidFill>
+                  <a:srgbClr val="9EFF29"/>
+                </a:solidFill>
+                <a:latin typeface="Times New Roman" panose="02020603050405020304" pitchFamily="18" charset="0"/>
+                <a:cs typeface="Times New Roman" panose="02020603050405020304" pitchFamily="18" charset="0"/>
+              </a:rPr>
+              <a:t>Root node must have at least two nodes.</a:t>
+            </a:r>
+          </a:p>
+        </p:txBody>
+      </p:sp>
+      <p:sp>
+        <p:nvSpPr>
+          <p:cNvPr id="22" name="TextBox 21">
+            <a:extLst>
+              <a:ext uri="{FF2B5EF4-FFF2-40B4-BE49-F238E27FC236}">
+                <a16:creationId xmlns:a16="http://schemas.microsoft.com/office/drawing/2014/main" id="{B7B585F6-422D-F928-1706-177584A2376A}"/>
+              </a:ext>
+            </a:extLst>
+          </p:cNvPr>
+          <p:cNvSpPr txBox="1"/>
+          <p:nvPr/>
+        </p:nvSpPr>
+        <p:spPr>
+          <a:xfrm>
+            <a:off x="4810125" y="2656820"/>
+            <a:ext cx="3600450" cy="1569660"/>
+          </a:xfrm>
+          <a:prstGeom prst="rect">
+            <a:avLst/>
+          </a:prstGeom>
+          <a:noFill/>
+        </p:spPr>
+        <p:txBody>
+          <a:bodyPr wrap="square" rtlCol="0">
+            <a:spAutoFit/>
+          </a:bodyPr>
+          <a:lstStyle/>
+          <a:p>
+            <a:pPr marL="285750" indent="-285750">
+              <a:buFont typeface="Wingdings" panose="05000000000000000000" pitchFamily="2" charset="2"/>
+              <a:buChar char="ü"/>
+            </a:pPr>
+            <a:r>
+              <a:rPr lang="en-US" sz="2400" b="1" i="1" dirty="0">
+                <a:solidFill>
+                  <a:srgbClr val="9EFF29"/>
+                </a:solidFill>
+                <a:latin typeface="Times New Roman" panose="02020603050405020304" pitchFamily="18" charset="0"/>
+                <a:cs typeface="Times New Roman" panose="02020603050405020304" pitchFamily="18" charset="0"/>
+              </a:rPr>
+              <a:t>Every node except the root node and the leaf node contain at least 2 children.</a:t>
+            </a:r>
+          </a:p>
+        </p:txBody>
+      </p:sp>
+    </p:spTree>
+    <p:extLst>
+      <p:ext uri="{BB962C8B-B14F-4D97-AF65-F5344CB8AC3E}">
+        <p14:creationId xmlns:p14="http://schemas.microsoft.com/office/powerpoint/2010/main" val="1938616798"/>
+      </p:ext>
+    </p:extLst>
+  </p:cSld>
+  <p:clrMapOvr>
+    <a:masterClrMapping/>
+  </p:clrMapOvr>
+  <p:timing>
+    <p:tnLst>
+      <p:par>
+        <p:cTn id="1" dur="indefinite" restart="never" nodeType="tmRoot">
+          <p:childTnLst>
+            <p:seq concurrent="1" nextAc="seek">
+              <p:cTn id="2" dur="indefinite" nodeType="mainSeq">
+                <p:childTnLst>
+                  <p:par>
+                    <p:cTn id="3" fill="hold">
+                      <p:stCondLst>
+                        <p:cond delay="indefinite"/>
+                      </p:stCondLst>
+                      <p:childTnLst>
+                        <p:par>
+                          <p:cTn id="4" fill="hold">
+                            <p:stCondLst>
+                              <p:cond delay="0"/>
+                            </p:stCondLst>
+                            <p:childTnLst>
+                              <p:par>
+                                <p:cTn id="5" presetID="22" presetClass="entr" presetSubtype="4" fill="hold" nodeType="clickEffect">
+                                  <p:stCondLst>
+                                    <p:cond delay="0"/>
+                                  </p:stCondLst>
+                                  <p:childTnLst>
+                                    <p:set>
+                                      <p:cBhvr>
+                                        <p:cTn id="6" dur="1" fill="hold">
+                                          <p:stCondLst>
+                                            <p:cond delay="0"/>
+                                          </p:stCondLst>
+                                        </p:cTn>
+                                        <p:tgtEl>
+                                          <p:spTgt spid="8"/>
+                                        </p:tgtEl>
+                                        <p:attrNameLst>
+                                          <p:attrName>style.visibility</p:attrName>
+                                        </p:attrNameLst>
+                                      </p:cBhvr>
+                                      <p:to>
+                                        <p:strVal val="visible"/>
+                                      </p:to>
+                                    </p:set>
+                                    <p:animEffect transition="in" filter="wipe(down)">
+                                      <p:cBhvr>
+                                        <p:cTn id="7" dur="500"/>
+                                        <p:tgtEl>
+                                          <p:spTgt spid="8"/>
+                                        </p:tgtEl>
+                                      </p:cBhvr>
+                                    </p:animEffect>
+                                  </p:childTnLst>
+                                </p:cTn>
+                              </p:par>
+                              <p:par>
+                                <p:cTn id="8" presetID="22" presetClass="entr" presetSubtype="4" fill="hold" nodeType="withEffect">
+                                  <p:stCondLst>
+                                    <p:cond delay="0"/>
+                                  </p:stCondLst>
+                                  <p:childTnLst>
+                                    <p:set>
+                                      <p:cBhvr>
+                                        <p:cTn id="9" dur="1" fill="hold">
+                                          <p:stCondLst>
+                                            <p:cond delay="0"/>
+                                          </p:stCondLst>
+                                        </p:cTn>
+                                        <p:tgtEl>
+                                          <p:spTgt spid="10"/>
+                                        </p:tgtEl>
+                                        <p:attrNameLst>
+                                          <p:attrName>style.visibility</p:attrName>
+                                        </p:attrNameLst>
+                                      </p:cBhvr>
+                                      <p:to>
+                                        <p:strVal val="visible"/>
+                                      </p:to>
+                                    </p:set>
+                                    <p:animEffect transition="in" filter="wipe(down)">
+                                      <p:cBhvr>
+                                        <p:cTn id="10" dur="500"/>
+                                        <p:tgtEl>
+                                          <p:spTgt spid="10"/>
+                                        </p:tgtEl>
+                                      </p:cBhvr>
+                                    </p:animEffect>
+                                  </p:childTnLst>
+                                </p:cTn>
+                              </p:par>
+                              <p:par>
+                                <p:cTn id="11" presetID="22" presetClass="entr" presetSubtype="4" fill="hold" nodeType="withEffect">
+                                  <p:stCondLst>
+                                    <p:cond delay="0"/>
+                                  </p:stCondLst>
+                                  <p:childTnLst>
+                                    <p:set>
+                                      <p:cBhvr>
+                                        <p:cTn id="12" dur="1" fill="hold">
+                                          <p:stCondLst>
+                                            <p:cond delay="0"/>
+                                          </p:stCondLst>
+                                        </p:cTn>
+                                        <p:tgtEl>
+                                          <p:spTgt spid="13"/>
+                                        </p:tgtEl>
+                                        <p:attrNameLst>
+                                          <p:attrName>style.visibility</p:attrName>
+                                        </p:attrNameLst>
+                                      </p:cBhvr>
+                                      <p:to>
+                                        <p:strVal val="visible"/>
+                                      </p:to>
+                                    </p:set>
+                                    <p:animEffect transition="in" filter="wipe(down)">
+                                      <p:cBhvr>
+                                        <p:cTn id="13" dur="500"/>
+                                        <p:tgtEl>
+                                          <p:spTgt spid="13"/>
+                                        </p:tgtEl>
+                                      </p:cBhvr>
+                                    </p:animEffect>
+                                  </p:childTnLst>
+                                </p:cTn>
+                              </p:par>
+                              <p:par>
+                                <p:cTn id="14" presetID="22" presetClass="entr" presetSubtype="4" fill="hold" nodeType="withEffect">
+                                  <p:stCondLst>
+                                    <p:cond delay="0"/>
+                                  </p:stCondLst>
+                                  <p:childTnLst>
+                                    <p:set>
+                                      <p:cBhvr>
+                                        <p:cTn id="15" dur="1" fill="hold">
+                                          <p:stCondLst>
+                                            <p:cond delay="0"/>
+                                          </p:stCondLst>
+                                        </p:cTn>
+                                        <p:tgtEl>
+                                          <p:spTgt spid="16"/>
+                                        </p:tgtEl>
+                                        <p:attrNameLst>
+                                          <p:attrName>style.visibility</p:attrName>
+                                        </p:attrNameLst>
+                                      </p:cBhvr>
+                                      <p:to>
+                                        <p:strVal val="visible"/>
+                                      </p:to>
+                                    </p:set>
+                                    <p:animEffect transition="in" filter="wipe(down)">
+                                      <p:cBhvr>
+                                        <p:cTn id="16" dur="500"/>
+                                        <p:tgtEl>
+                                          <p:spTgt spid="16"/>
+                                        </p:tgtEl>
+                                      </p:cBhvr>
+                                    </p:animEffect>
+                                  </p:childTnLst>
+                                </p:cTn>
+                              </p:par>
+                              <p:par>
+                                <p:cTn id="17" presetID="22" presetClass="entr" presetSubtype="4" fill="hold" grpId="0" nodeType="withEffect">
+                                  <p:stCondLst>
+                                    <p:cond delay="0"/>
+                                  </p:stCondLst>
+                                  <p:childTnLst>
+                                    <p:set>
+                                      <p:cBhvr>
+                                        <p:cTn id="18" dur="1" fill="hold">
+                                          <p:stCondLst>
+                                            <p:cond delay="0"/>
+                                          </p:stCondLst>
+                                        </p:cTn>
+                                        <p:tgtEl>
+                                          <p:spTgt spid="6"/>
+                                        </p:tgtEl>
+                                        <p:attrNameLst>
+                                          <p:attrName>style.visibility</p:attrName>
+                                        </p:attrNameLst>
+                                      </p:cBhvr>
+                                      <p:to>
+                                        <p:strVal val="visible"/>
+                                      </p:to>
+                                    </p:set>
+                                    <p:animEffect transition="in" filter="wipe(down)">
+                                      <p:cBhvr>
+                                        <p:cTn id="19" dur="500"/>
+                                        <p:tgtEl>
+                                          <p:spTgt spid="6"/>
+                                        </p:tgtEl>
+                                      </p:cBhvr>
+                                    </p:animEffect>
+                                  </p:childTnLst>
+                                </p:cTn>
+                              </p:par>
+                            </p:childTnLst>
+                          </p:cTn>
+                        </p:par>
+                      </p:childTnLst>
+                    </p:cTn>
+                  </p:par>
+                  <p:par>
+                    <p:cTn id="20" fill="hold">
+                      <p:stCondLst>
+                        <p:cond delay="indefinite"/>
+                      </p:stCondLst>
+                      <p:childTnLst>
+                        <p:par>
+                          <p:cTn id="21" fill="hold">
+                            <p:stCondLst>
+                              <p:cond delay="0"/>
+                            </p:stCondLst>
+                            <p:childTnLst>
+                              <p:par>
+                                <p:cTn id="22" presetID="21" presetClass="emph" presetSubtype="0" fill="hold" nodeType="clickEffect">
+                                  <p:stCondLst>
+                                    <p:cond delay="0"/>
+                                  </p:stCondLst>
+                                  <p:childTnLst>
+                                    <p:animClr clrSpc="hsl" dir="cw">
+                                      <p:cBhvr override="childStyle">
+                                        <p:cTn id="23" dur="500" fill="hold"/>
+                                        <p:tgtEl>
+                                          <p:spTgt spid="8"/>
+                                        </p:tgtEl>
+                                        <p:attrNameLst>
+                                          <p:attrName>style.color</p:attrName>
+                                        </p:attrNameLst>
+                                      </p:cBhvr>
+                                      <p:by>
+                                        <p:hsl h="7200000" s="0" l="0"/>
+                                      </p:by>
+                                    </p:animClr>
+                                    <p:animClr clrSpc="hsl" dir="cw">
+                                      <p:cBhvr>
+                                        <p:cTn id="24" dur="500" fill="hold"/>
+                                        <p:tgtEl>
+                                          <p:spTgt spid="8"/>
+                                        </p:tgtEl>
+                                        <p:attrNameLst>
+                                          <p:attrName>fillcolor</p:attrName>
+                                        </p:attrNameLst>
+                                      </p:cBhvr>
+                                      <p:by>
+                                        <p:hsl h="7200000" s="0" l="0"/>
+                                      </p:by>
+                                    </p:animClr>
+                                    <p:animClr clrSpc="hsl" dir="cw">
+                                      <p:cBhvr>
+                                        <p:cTn id="25" dur="500" fill="hold"/>
+                                        <p:tgtEl>
+                                          <p:spTgt spid="8"/>
+                                        </p:tgtEl>
+                                        <p:attrNameLst>
+                                          <p:attrName>stroke.color</p:attrName>
+                                        </p:attrNameLst>
+                                      </p:cBhvr>
+                                      <p:by>
+                                        <p:hsl h="7200000" s="0" l="0"/>
+                                      </p:by>
+                                    </p:animClr>
+                                    <p:set>
+                                      <p:cBhvr>
+                                        <p:cTn id="26" dur="500" fill="hold"/>
+                                        <p:tgtEl>
+                                          <p:spTgt spid="8"/>
+                                        </p:tgtEl>
+                                        <p:attrNameLst>
+                                          <p:attrName>fill.type</p:attrName>
+                                        </p:attrNameLst>
+                                      </p:cBhvr>
+                                      <p:to>
+                                        <p:strVal val="solid"/>
+                                      </p:to>
+                                    </p:set>
+                                  </p:childTnLst>
+                                </p:cTn>
+                              </p:par>
+                              <p:par>
+                                <p:cTn id="27" presetID="21" presetClass="emph" presetSubtype="0" fill="hold" nodeType="withEffect">
+                                  <p:stCondLst>
+                                    <p:cond delay="0"/>
+                                  </p:stCondLst>
+                                  <p:childTnLst>
+                                    <p:animClr clrSpc="hsl" dir="cw">
+                                      <p:cBhvr override="childStyle">
+                                        <p:cTn id="28" dur="500" fill="hold"/>
+                                        <p:tgtEl>
+                                          <p:spTgt spid="10"/>
+                                        </p:tgtEl>
+                                        <p:attrNameLst>
+                                          <p:attrName>style.color</p:attrName>
+                                        </p:attrNameLst>
+                                      </p:cBhvr>
+                                      <p:by>
+                                        <p:hsl h="7200000" s="0" l="0"/>
+                                      </p:by>
+                                    </p:animClr>
+                                    <p:animClr clrSpc="hsl" dir="cw">
+                                      <p:cBhvr>
+                                        <p:cTn id="29" dur="500" fill="hold"/>
+                                        <p:tgtEl>
+                                          <p:spTgt spid="10"/>
+                                        </p:tgtEl>
+                                        <p:attrNameLst>
+                                          <p:attrName>fillcolor</p:attrName>
+                                        </p:attrNameLst>
+                                      </p:cBhvr>
+                                      <p:by>
+                                        <p:hsl h="7200000" s="0" l="0"/>
+                                      </p:by>
+                                    </p:animClr>
+                                    <p:animClr clrSpc="hsl" dir="cw">
+                                      <p:cBhvr>
+                                        <p:cTn id="30" dur="500" fill="hold"/>
+                                        <p:tgtEl>
+                                          <p:spTgt spid="10"/>
+                                        </p:tgtEl>
+                                        <p:attrNameLst>
+                                          <p:attrName>stroke.color</p:attrName>
+                                        </p:attrNameLst>
+                                      </p:cBhvr>
+                                      <p:by>
+                                        <p:hsl h="7200000" s="0" l="0"/>
+                                      </p:by>
+                                    </p:animClr>
+                                    <p:set>
+                                      <p:cBhvr>
+                                        <p:cTn id="31" dur="500" fill="hold"/>
+                                        <p:tgtEl>
+                                          <p:spTgt spid="10"/>
+                                        </p:tgtEl>
+                                        <p:attrNameLst>
+                                          <p:attrName>fill.type</p:attrName>
+                                        </p:attrNameLst>
+                                      </p:cBhvr>
+                                      <p:to>
+                                        <p:strVal val="solid"/>
+                                      </p:to>
+                                    </p:set>
+                                  </p:childTnLst>
+                                </p:cTn>
+                              </p:par>
+                              <p:par>
+                                <p:cTn id="32" presetID="21" presetClass="emph" presetSubtype="0" fill="hold" nodeType="withEffect">
+                                  <p:stCondLst>
+                                    <p:cond delay="0"/>
+                                  </p:stCondLst>
+                                  <p:childTnLst>
+                                    <p:animClr clrSpc="hsl" dir="cw">
+                                      <p:cBhvr override="childStyle">
+                                        <p:cTn id="33" dur="500" fill="hold"/>
+                                        <p:tgtEl>
+                                          <p:spTgt spid="13"/>
+                                        </p:tgtEl>
+                                        <p:attrNameLst>
+                                          <p:attrName>style.color</p:attrName>
+                                        </p:attrNameLst>
+                                      </p:cBhvr>
+                                      <p:by>
+                                        <p:hsl h="7200000" s="0" l="0"/>
+                                      </p:by>
+                                    </p:animClr>
+                                    <p:animClr clrSpc="hsl" dir="cw">
+                                      <p:cBhvr>
+                                        <p:cTn id="34" dur="500" fill="hold"/>
+                                        <p:tgtEl>
+                                          <p:spTgt spid="13"/>
+                                        </p:tgtEl>
+                                        <p:attrNameLst>
+                                          <p:attrName>fillcolor</p:attrName>
+                                        </p:attrNameLst>
+                                      </p:cBhvr>
+                                      <p:by>
+                                        <p:hsl h="7200000" s="0" l="0"/>
+                                      </p:by>
+                                    </p:animClr>
+                                    <p:animClr clrSpc="hsl" dir="cw">
+                                      <p:cBhvr>
+                                        <p:cTn id="35" dur="500" fill="hold"/>
+                                        <p:tgtEl>
+                                          <p:spTgt spid="13"/>
+                                        </p:tgtEl>
+                                        <p:attrNameLst>
+                                          <p:attrName>stroke.color</p:attrName>
+                                        </p:attrNameLst>
+                                      </p:cBhvr>
+                                      <p:by>
+                                        <p:hsl h="7200000" s="0" l="0"/>
+                                      </p:by>
+                                    </p:animClr>
+                                    <p:set>
+                                      <p:cBhvr>
+                                        <p:cTn id="36" dur="500" fill="hold"/>
+                                        <p:tgtEl>
+                                          <p:spTgt spid="13"/>
+                                        </p:tgtEl>
+                                        <p:attrNameLst>
+                                          <p:attrName>fill.type</p:attrName>
+                                        </p:attrNameLst>
+                                      </p:cBhvr>
+                                      <p:to>
+                                        <p:strVal val="solid"/>
+                                      </p:to>
+                                    </p:set>
+                                  </p:childTnLst>
+                                </p:cTn>
+                              </p:par>
+                              <p:par>
+                                <p:cTn id="37" presetID="21" presetClass="emph" presetSubtype="0" fill="hold" nodeType="withEffect">
+                                  <p:stCondLst>
+                                    <p:cond delay="0"/>
+                                  </p:stCondLst>
+                                  <p:childTnLst>
+                                    <p:animClr clrSpc="hsl" dir="cw">
+                                      <p:cBhvr override="childStyle">
+                                        <p:cTn id="38" dur="500" fill="hold"/>
+                                        <p:tgtEl>
+                                          <p:spTgt spid="16"/>
+                                        </p:tgtEl>
+                                        <p:attrNameLst>
+                                          <p:attrName>style.color</p:attrName>
+                                        </p:attrNameLst>
+                                      </p:cBhvr>
+                                      <p:by>
+                                        <p:hsl h="7200000" s="0" l="0"/>
+                                      </p:by>
+                                    </p:animClr>
+                                    <p:animClr clrSpc="hsl" dir="cw">
+                                      <p:cBhvr>
+                                        <p:cTn id="39" dur="500" fill="hold"/>
+                                        <p:tgtEl>
+                                          <p:spTgt spid="16"/>
+                                        </p:tgtEl>
+                                        <p:attrNameLst>
+                                          <p:attrName>fillcolor</p:attrName>
+                                        </p:attrNameLst>
+                                      </p:cBhvr>
+                                      <p:by>
+                                        <p:hsl h="7200000" s="0" l="0"/>
+                                      </p:by>
+                                    </p:animClr>
+                                    <p:animClr clrSpc="hsl" dir="cw">
+                                      <p:cBhvr>
+                                        <p:cTn id="40" dur="500" fill="hold"/>
+                                        <p:tgtEl>
+                                          <p:spTgt spid="16"/>
+                                        </p:tgtEl>
+                                        <p:attrNameLst>
+                                          <p:attrName>stroke.color</p:attrName>
+                                        </p:attrNameLst>
+                                      </p:cBhvr>
+                                      <p:by>
+                                        <p:hsl h="7200000" s="0" l="0"/>
+                                      </p:by>
+                                    </p:animClr>
+                                    <p:set>
+                                      <p:cBhvr>
+                                        <p:cTn id="41" dur="500" fill="hold"/>
+                                        <p:tgtEl>
+                                          <p:spTgt spid="16"/>
+                                        </p:tgtEl>
+                                        <p:attrNameLst>
+                                          <p:attrName>fill.type</p:attrName>
+                                        </p:attrNameLst>
+                                      </p:cBhvr>
+                                      <p:to>
+                                        <p:strVal val="solid"/>
+                                      </p:to>
+                                    </p:set>
+                                  </p:childTnLst>
+                                </p:cTn>
+                              </p:par>
+                              <p:par>
+                                <p:cTn id="42" presetID="21" presetClass="emph" presetSubtype="0" fill="hold" nodeType="withEffect">
+                                  <p:stCondLst>
+                                    <p:cond delay="0"/>
+                                  </p:stCondLst>
+                                  <p:childTnLst>
+                                    <p:animClr clrSpc="hsl" dir="cw">
+                                      <p:cBhvr override="childStyle">
+                                        <p:cTn id="43" dur="500" fill="hold"/>
+                                        <p:tgtEl>
+                                          <p:spTgt spid="6"/>
+                                        </p:tgtEl>
+                                        <p:attrNameLst>
+                                          <p:attrName>style.color</p:attrName>
+                                        </p:attrNameLst>
+                                      </p:cBhvr>
+                                      <p:by>
+                                        <p:hsl h="7200000" s="0" l="0"/>
+                                      </p:by>
+                                    </p:animClr>
+                                    <p:animClr clrSpc="hsl" dir="cw">
+                                      <p:cBhvr>
+                                        <p:cTn id="44" dur="500" fill="hold"/>
+                                        <p:tgtEl>
+                                          <p:spTgt spid="6"/>
+                                        </p:tgtEl>
+                                        <p:attrNameLst>
+                                          <p:attrName>fillcolor</p:attrName>
+                                        </p:attrNameLst>
+                                      </p:cBhvr>
+                                      <p:by>
+                                        <p:hsl h="7200000" s="0" l="0"/>
+                                      </p:by>
+                                    </p:animClr>
+                                    <p:animClr clrSpc="hsl" dir="cw">
+                                      <p:cBhvr>
+                                        <p:cTn id="45" dur="500" fill="hold"/>
+                                        <p:tgtEl>
+                                          <p:spTgt spid="6"/>
+                                        </p:tgtEl>
+                                        <p:attrNameLst>
+                                          <p:attrName>stroke.color</p:attrName>
+                                        </p:attrNameLst>
+                                      </p:cBhvr>
+                                      <p:by>
+                                        <p:hsl h="7200000" s="0" l="0"/>
+                                      </p:by>
+                                    </p:animClr>
+                                    <p:set>
+                                      <p:cBhvr>
+                                        <p:cTn id="46" dur="500" fill="hold"/>
+                                        <p:tgtEl>
+                                          <p:spTgt spid="6"/>
+                                        </p:tgtEl>
+                                        <p:attrNameLst>
+                                          <p:attrName>fill.type</p:attrName>
+                                        </p:attrNameLst>
+                                      </p:cBhvr>
+                                      <p:to>
+                                        <p:strVal val="solid"/>
+                                      </p:to>
+                                    </p:set>
+                                  </p:childTnLst>
+                                </p:cTn>
+                              </p:par>
+                            </p:childTnLst>
+                          </p:cTn>
+                        </p:par>
+                      </p:childTnLst>
+                    </p:cTn>
+                  </p:par>
+                  <p:par>
+                    <p:cTn id="47" fill="hold">
+                      <p:stCondLst>
+                        <p:cond delay="indefinite"/>
+                      </p:stCondLst>
+                      <p:childTnLst>
+                        <p:par>
+                          <p:cTn id="48" fill="hold">
+                            <p:stCondLst>
+                              <p:cond delay="0"/>
+                            </p:stCondLst>
+                            <p:childTnLst>
+                              <p:par>
+                                <p:cTn id="49" presetID="10" presetClass="exit" presetSubtype="0" fill="hold" nodeType="clickEffect">
+                                  <p:stCondLst>
+                                    <p:cond delay="0"/>
+                                  </p:stCondLst>
+                                  <p:childTnLst>
+                                    <p:animEffect transition="out" filter="fade">
+                                      <p:cBhvr>
+                                        <p:cTn id="50" dur="500"/>
+                                        <p:tgtEl>
+                                          <p:spTgt spid="8"/>
+                                        </p:tgtEl>
+                                      </p:cBhvr>
+                                    </p:animEffect>
+                                    <p:set>
+                                      <p:cBhvr>
+                                        <p:cTn id="51" dur="1" fill="hold">
+                                          <p:stCondLst>
+                                            <p:cond delay="499"/>
+                                          </p:stCondLst>
+                                        </p:cTn>
+                                        <p:tgtEl>
+                                          <p:spTgt spid="8"/>
+                                        </p:tgtEl>
+                                        <p:attrNameLst>
+                                          <p:attrName>style.visibility</p:attrName>
+                                        </p:attrNameLst>
+                                      </p:cBhvr>
+                                      <p:to>
+                                        <p:strVal val="hidden"/>
+                                      </p:to>
+                                    </p:set>
+                                  </p:childTnLst>
+                                </p:cTn>
+                              </p:par>
+                              <p:par>
+                                <p:cTn id="52" presetID="10" presetClass="exit" presetSubtype="0" fill="hold" nodeType="withEffect">
+                                  <p:stCondLst>
+                                    <p:cond delay="0"/>
+                                  </p:stCondLst>
+                                  <p:childTnLst>
+                                    <p:animEffect transition="out" filter="fade">
+                                      <p:cBhvr>
+                                        <p:cTn id="53" dur="500"/>
+                                        <p:tgtEl>
+                                          <p:spTgt spid="10"/>
+                                        </p:tgtEl>
+                                      </p:cBhvr>
+                                    </p:animEffect>
+                                    <p:set>
+                                      <p:cBhvr>
+                                        <p:cTn id="54" dur="1" fill="hold">
+                                          <p:stCondLst>
+                                            <p:cond delay="499"/>
+                                          </p:stCondLst>
+                                        </p:cTn>
+                                        <p:tgtEl>
+                                          <p:spTgt spid="10"/>
+                                        </p:tgtEl>
+                                        <p:attrNameLst>
+                                          <p:attrName>style.visibility</p:attrName>
+                                        </p:attrNameLst>
+                                      </p:cBhvr>
+                                      <p:to>
+                                        <p:strVal val="hidden"/>
+                                      </p:to>
+                                    </p:set>
+                                  </p:childTnLst>
+                                </p:cTn>
+                              </p:par>
+                              <p:par>
+                                <p:cTn id="55" presetID="10" presetClass="exit" presetSubtype="0" fill="hold" nodeType="withEffect">
+                                  <p:stCondLst>
+                                    <p:cond delay="0"/>
+                                  </p:stCondLst>
+                                  <p:childTnLst>
+                                    <p:animEffect transition="out" filter="fade">
+                                      <p:cBhvr>
+                                        <p:cTn id="56" dur="500"/>
+                                        <p:tgtEl>
+                                          <p:spTgt spid="13"/>
+                                        </p:tgtEl>
+                                      </p:cBhvr>
+                                    </p:animEffect>
+                                    <p:set>
+                                      <p:cBhvr>
+                                        <p:cTn id="57" dur="1" fill="hold">
+                                          <p:stCondLst>
+                                            <p:cond delay="499"/>
+                                          </p:stCondLst>
+                                        </p:cTn>
+                                        <p:tgtEl>
+                                          <p:spTgt spid="13"/>
+                                        </p:tgtEl>
+                                        <p:attrNameLst>
+                                          <p:attrName>style.visibility</p:attrName>
+                                        </p:attrNameLst>
+                                      </p:cBhvr>
+                                      <p:to>
+                                        <p:strVal val="hidden"/>
+                                      </p:to>
+                                    </p:set>
+                                  </p:childTnLst>
+                                </p:cTn>
+                              </p:par>
+                              <p:par>
+                                <p:cTn id="58" presetID="10" presetClass="exit" presetSubtype="0" fill="hold" nodeType="withEffect">
+                                  <p:stCondLst>
+                                    <p:cond delay="0"/>
+                                  </p:stCondLst>
+                                  <p:childTnLst>
+                                    <p:animEffect transition="out" filter="fade">
+                                      <p:cBhvr>
+                                        <p:cTn id="59" dur="500"/>
+                                        <p:tgtEl>
+                                          <p:spTgt spid="16"/>
+                                        </p:tgtEl>
+                                      </p:cBhvr>
+                                    </p:animEffect>
+                                    <p:set>
+                                      <p:cBhvr>
+                                        <p:cTn id="60" dur="1" fill="hold">
+                                          <p:stCondLst>
+                                            <p:cond delay="499"/>
+                                          </p:stCondLst>
+                                        </p:cTn>
+                                        <p:tgtEl>
+                                          <p:spTgt spid="16"/>
+                                        </p:tgtEl>
+                                        <p:attrNameLst>
+                                          <p:attrName>style.visibility</p:attrName>
+                                        </p:attrNameLst>
+                                      </p:cBhvr>
+                                      <p:to>
+                                        <p:strVal val="hidden"/>
+                                      </p:to>
+                                    </p:set>
+                                  </p:childTnLst>
+                                </p:cTn>
+                              </p:par>
+                              <p:par>
+                                <p:cTn id="61" presetID="10" presetClass="exit" presetSubtype="0" fill="hold" grpId="1" nodeType="withEffect">
+                                  <p:stCondLst>
+                                    <p:cond delay="0"/>
+                                  </p:stCondLst>
+                                  <p:childTnLst>
+                                    <p:animEffect transition="out" filter="fade">
+                                      <p:cBhvr>
+                                        <p:cTn id="62" dur="500"/>
+                                        <p:tgtEl>
+                                          <p:spTgt spid="6"/>
+                                        </p:tgtEl>
+                                      </p:cBhvr>
+                                    </p:animEffect>
+                                    <p:set>
+                                      <p:cBhvr>
+                                        <p:cTn id="63" dur="1" fill="hold">
+                                          <p:stCondLst>
+                                            <p:cond delay="499"/>
+                                          </p:stCondLst>
+                                        </p:cTn>
+                                        <p:tgtEl>
+                                          <p:spTgt spid="6"/>
+                                        </p:tgtEl>
+                                        <p:attrNameLst>
+                                          <p:attrName>style.visibility</p:attrName>
+                                        </p:attrNameLst>
+                                      </p:cBhvr>
+                                      <p:to>
+                                        <p:strVal val="hidden"/>
+                                      </p:to>
+                                    </p:set>
+                                  </p:childTnLst>
+                                </p:cTn>
+                              </p:par>
+                            </p:childTnLst>
+                          </p:cTn>
+                        </p:par>
+                      </p:childTnLst>
+                    </p:cTn>
+                  </p:par>
+                  <p:par>
+                    <p:cTn id="64" fill="hold">
+                      <p:stCondLst>
+                        <p:cond delay="indefinite"/>
+                      </p:stCondLst>
+                      <p:childTnLst>
+                        <p:par>
+                          <p:cTn id="65" fill="hold">
+                            <p:stCondLst>
+                              <p:cond delay="0"/>
+                            </p:stCondLst>
+                            <p:childTnLst>
+                              <p:par>
+                                <p:cTn id="66" presetID="22" presetClass="entr" presetSubtype="4" fill="hold" grpId="0" nodeType="clickEffect">
+                                  <p:stCondLst>
+                                    <p:cond delay="0"/>
+                                  </p:stCondLst>
+                                  <p:childTnLst>
+                                    <p:set>
+                                      <p:cBhvr>
+                                        <p:cTn id="67" dur="1" fill="hold">
+                                          <p:stCondLst>
+                                            <p:cond delay="0"/>
+                                          </p:stCondLst>
+                                        </p:cTn>
+                                        <p:tgtEl>
+                                          <p:spTgt spid="20"/>
+                                        </p:tgtEl>
+                                        <p:attrNameLst>
+                                          <p:attrName>style.visibility</p:attrName>
+                                        </p:attrNameLst>
+                                      </p:cBhvr>
+                                      <p:to>
+                                        <p:strVal val="visible"/>
+                                      </p:to>
+                                    </p:set>
+                                    <p:animEffect transition="in" filter="wipe(down)">
+                                      <p:cBhvr>
+                                        <p:cTn id="68" dur="500"/>
+                                        <p:tgtEl>
+                                          <p:spTgt spid="20"/>
+                                        </p:tgtEl>
+                                      </p:cBhvr>
+                                    </p:animEffect>
+                                  </p:childTnLst>
+                                </p:cTn>
+                              </p:par>
+                            </p:childTnLst>
+                          </p:cTn>
+                        </p:par>
+                      </p:childTnLst>
+                    </p:cTn>
+                  </p:par>
+                  <p:par>
+                    <p:cTn id="69" fill="hold">
+                      <p:stCondLst>
+                        <p:cond delay="indefinite"/>
+                      </p:stCondLst>
+                      <p:childTnLst>
+                        <p:par>
+                          <p:cTn id="70" fill="hold">
+                            <p:stCondLst>
+                              <p:cond delay="0"/>
+                            </p:stCondLst>
+                            <p:childTnLst>
+                              <p:par>
+                                <p:cTn id="71" presetID="2" presetClass="exit" presetSubtype="4" fill="hold" grpId="1" nodeType="clickEffect">
+                                  <p:stCondLst>
+                                    <p:cond delay="0"/>
+                                  </p:stCondLst>
+                                  <p:childTnLst>
+                                    <p:anim calcmode="lin" valueType="num">
+                                      <p:cBhvr additive="base">
+                                        <p:cTn id="72" dur="500"/>
+                                        <p:tgtEl>
+                                          <p:spTgt spid="20"/>
+                                        </p:tgtEl>
+                                        <p:attrNameLst>
+                                          <p:attrName>ppt_x</p:attrName>
+                                        </p:attrNameLst>
+                                      </p:cBhvr>
+                                      <p:tavLst>
+                                        <p:tav tm="0">
+                                          <p:val>
+                                            <p:strVal val="ppt_x"/>
+                                          </p:val>
+                                        </p:tav>
+                                        <p:tav tm="100000">
+                                          <p:val>
+                                            <p:strVal val="ppt_x"/>
+                                          </p:val>
+                                        </p:tav>
+                                      </p:tavLst>
+                                    </p:anim>
+                                    <p:anim calcmode="lin" valueType="num">
+                                      <p:cBhvr additive="base">
+                                        <p:cTn id="73" dur="500"/>
+                                        <p:tgtEl>
+                                          <p:spTgt spid="20"/>
+                                        </p:tgtEl>
+                                        <p:attrNameLst>
+                                          <p:attrName>ppt_y</p:attrName>
+                                        </p:attrNameLst>
+                                      </p:cBhvr>
+                                      <p:tavLst>
+                                        <p:tav tm="0">
+                                          <p:val>
+                                            <p:strVal val="ppt_y"/>
+                                          </p:val>
+                                        </p:tav>
+                                        <p:tav tm="100000">
+                                          <p:val>
+                                            <p:strVal val="1+ppt_h/2"/>
+                                          </p:val>
+                                        </p:tav>
+                                      </p:tavLst>
+                                    </p:anim>
+                                    <p:set>
+                                      <p:cBhvr>
+                                        <p:cTn id="74" dur="1" fill="hold">
+                                          <p:stCondLst>
+                                            <p:cond delay="499"/>
+                                          </p:stCondLst>
+                                        </p:cTn>
+                                        <p:tgtEl>
+                                          <p:spTgt spid="20"/>
+                                        </p:tgtEl>
+                                        <p:attrNameLst>
+                                          <p:attrName>style.visibility</p:attrName>
+                                        </p:attrNameLst>
+                                      </p:cBhvr>
+                                      <p:to>
+                                        <p:strVal val="hidden"/>
+                                      </p:to>
+                                    </p:set>
+                                  </p:childTnLst>
+                                </p:cTn>
+                              </p:par>
+                            </p:childTnLst>
+                          </p:cTn>
+                        </p:par>
+                      </p:childTnLst>
+                    </p:cTn>
+                  </p:par>
+                  <p:par>
+                    <p:cTn id="75" fill="hold">
+                      <p:stCondLst>
+                        <p:cond delay="indefinite"/>
+                      </p:stCondLst>
+                      <p:childTnLst>
+                        <p:par>
+                          <p:cTn id="76" fill="hold">
+                            <p:stCondLst>
+                              <p:cond delay="0"/>
+                            </p:stCondLst>
+                            <p:childTnLst>
+                              <p:par>
+                                <p:cTn id="77" presetID="22" presetClass="entr" presetSubtype="4" fill="hold" grpId="0" nodeType="clickEffect">
+                                  <p:stCondLst>
+                                    <p:cond delay="0"/>
+                                  </p:stCondLst>
+                                  <p:childTnLst>
+                                    <p:set>
+                                      <p:cBhvr>
+                                        <p:cTn id="78" dur="1" fill="hold">
+                                          <p:stCondLst>
+                                            <p:cond delay="0"/>
+                                          </p:stCondLst>
+                                        </p:cTn>
+                                        <p:tgtEl>
+                                          <p:spTgt spid="21"/>
+                                        </p:tgtEl>
+                                        <p:attrNameLst>
+                                          <p:attrName>style.visibility</p:attrName>
+                                        </p:attrNameLst>
+                                      </p:cBhvr>
+                                      <p:to>
+                                        <p:strVal val="visible"/>
+                                      </p:to>
+                                    </p:set>
+                                    <p:animEffect transition="in" filter="wipe(down)">
+                                      <p:cBhvr>
+                                        <p:cTn id="79" dur="500"/>
+                                        <p:tgtEl>
+                                          <p:spTgt spid="21"/>
+                                        </p:tgtEl>
+                                      </p:cBhvr>
+                                    </p:animEffect>
+                                  </p:childTnLst>
+                                </p:cTn>
+                              </p:par>
+                            </p:childTnLst>
+                          </p:cTn>
+                        </p:par>
+                      </p:childTnLst>
+                    </p:cTn>
+                  </p:par>
+                  <p:par>
+                    <p:cTn id="80" fill="hold">
+                      <p:stCondLst>
+                        <p:cond delay="indefinite"/>
+                      </p:stCondLst>
+                      <p:childTnLst>
+                        <p:par>
+                          <p:cTn id="81" fill="hold">
+                            <p:stCondLst>
+                              <p:cond delay="0"/>
+                            </p:stCondLst>
+                            <p:childTnLst>
+                              <p:par>
+                                <p:cTn id="82" presetID="2" presetClass="exit" presetSubtype="4" fill="hold" grpId="1" nodeType="clickEffect">
+                                  <p:stCondLst>
+                                    <p:cond delay="0"/>
+                                  </p:stCondLst>
+                                  <p:childTnLst>
+                                    <p:anim calcmode="lin" valueType="num">
+                                      <p:cBhvr additive="base">
+                                        <p:cTn id="83" dur="500"/>
+                                        <p:tgtEl>
+                                          <p:spTgt spid="21"/>
+                                        </p:tgtEl>
+                                        <p:attrNameLst>
+                                          <p:attrName>ppt_x</p:attrName>
+                                        </p:attrNameLst>
+                                      </p:cBhvr>
+                                      <p:tavLst>
+                                        <p:tav tm="0">
+                                          <p:val>
+                                            <p:strVal val="ppt_x"/>
+                                          </p:val>
+                                        </p:tav>
+                                        <p:tav tm="100000">
+                                          <p:val>
+                                            <p:strVal val="ppt_x"/>
+                                          </p:val>
+                                        </p:tav>
+                                      </p:tavLst>
+                                    </p:anim>
+                                    <p:anim calcmode="lin" valueType="num">
+                                      <p:cBhvr additive="base">
+                                        <p:cTn id="84" dur="500"/>
+                                        <p:tgtEl>
+                                          <p:spTgt spid="21"/>
+                                        </p:tgtEl>
+                                        <p:attrNameLst>
+                                          <p:attrName>ppt_y</p:attrName>
+                                        </p:attrNameLst>
+                                      </p:cBhvr>
+                                      <p:tavLst>
+                                        <p:tav tm="0">
+                                          <p:val>
+                                            <p:strVal val="ppt_y"/>
+                                          </p:val>
+                                        </p:tav>
+                                        <p:tav tm="100000">
+                                          <p:val>
+                                            <p:strVal val="1+ppt_h/2"/>
+                                          </p:val>
+                                        </p:tav>
+                                      </p:tavLst>
+                                    </p:anim>
+                                    <p:set>
+                                      <p:cBhvr>
+                                        <p:cTn id="85" dur="1" fill="hold">
+                                          <p:stCondLst>
+                                            <p:cond delay="499"/>
+                                          </p:stCondLst>
+                                        </p:cTn>
+                                        <p:tgtEl>
+                                          <p:spTgt spid="21"/>
+                                        </p:tgtEl>
+                                        <p:attrNameLst>
+                                          <p:attrName>style.visibility</p:attrName>
+                                        </p:attrNameLst>
+                                      </p:cBhvr>
+                                      <p:to>
+                                        <p:strVal val="hidden"/>
+                                      </p:to>
+                                    </p:set>
+                                  </p:childTnLst>
+                                </p:cTn>
+                              </p:par>
+                            </p:childTnLst>
+                          </p:cTn>
+                        </p:par>
+                      </p:childTnLst>
+                    </p:cTn>
+                  </p:par>
+                  <p:par>
+                    <p:cTn id="86" fill="hold">
+                      <p:stCondLst>
+                        <p:cond delay="indefinite"/>
+                      </p:stCondLst>
+                      <p:childTnLst>
+                        <p:par>
+                          <p:cTn id="87" fill="hold">
+                            <p:stCondLst>
+                              <p:cond delay="0"/>
+                            </p:stCondLst>
+                            <p:childTnLst>
+                              <p:par>
+                                <p:cTn id="88" presetID="22" presetClass="entr" presetSubtype="4" fill="hold" grpId="0" nodeType="clickEffect">
+                                  <p:stCondLst>
+                                    <p:cond delay="0"/>
+                                  </p:stCondLst>
+                                  <p:childTnLst>
+                                    <p:set>
+                                      <p:cBhvr>
+                                        <p:cTn id="89" dur="1" fill="hold">
+                                          <p:stCondLst>
+                                            <p:cond delay="0"/>
+                                          </p:stCondLst>
+                                        </p:cTn>
+                                        <p:tgtEl>
+                                          <p:spTgt spid="22"/>
+                                        </p:tgtEl>
+                                        <p:attrNameLst>
+                                          <p:attrName>style.visibility</p:attrName>
+                                        </p:attrNameLst>
+                                      </p:cBhvr>
+                                      <p:to>
+                                        <p:strVal val="visible"/>
+                                      </p:to>
+                                    </p:set>
+                                    <p:animEffect transition="in" filter="wipe(down)">
+                                      <p:cBhvr>
+                                        <p:cTn id="90" dur="500"/>
+                                        <p:tgtEl>
+                                          <p:spTgt spid="22"/>
+                                        </p:tgtEl>
+                                      </p:cBhvr>
+                                    </p:animEffect>
+                                  </p:childTnLst>
+                                </p:cTn>
+                              </p:par>
+                            </p:childTnLst>
+                          </p:cTn>
+                        </p:par>
+                      </p:childTnLst>
+                    </p:cTn>
+                  </p:par>
+                  <p:par>
+                    <p:cTn id="91" fill="hold">
+                      <p:stCondLst>
+                        <p:cond delay="indefinite"/>
+                      </p:stCondLst>
+                      <p:childTnLst>
+                        <p:par>
+                          <p:cTn id="92" fill="hold">
+                            <p:stCondLst>
+                              <p:cond delay="0"/>
+                            </p:stCondLst>
+                            <p:childTnLst>
+                              <p:par>
+                                <p:cTn id="93" presetID="2" presetClass="exit" presetSubtype="4" fill="hold" grpId="1" nodeType="clickEffect">
+                                  <p:stCondLst>
+                                    <p:cond delay="0"/>
+                                  </p:stCondLst>
+                                  <p:childTnLst>
+                                    <p:anim calcmode="lin" valueType="num">
+                                      <p:cBhvr additive="base">
+                                        <p:cTn id="94" dur="500"/>
+                                        <p:tgtEl>
+                                          <p:spTgt spid="22"/>
+                                        </p:tgtEl>
+                                        <p:attrNameLst>
+                                          <p:attrName>ppt_x</p:attrName>
+                                        </p:attrNameLst>
+                                      </p:cBhvr>
+                                      <p:tavLst>
+                                        <p:tav tm="0">
+                                          <p:val>
+                                            <p:strVal val="ppt_x"/>
+                                          </p:val>
+                                        </p:tav>
+                                        <p:tav tm="100000">
+                                          <p:val>
+                                            <p:strVal val="ppt_x"/>
+                                          </p:val>
+                                        </p:tav>
+                                      </p:tavLst>
+                                    </p:anim>
+                                    <p:anim calcmode="lin" valueType="num">
+                                      <p:cBhvr additive="base">
+                                        <p:cTn id="95" dur="500"/>
+                                        <p:tgtEl>
+                                          <p:spTgt spid="22"/>
+                                        </p:tgtEl>
+                                        <p:attrNameLst>
+                                          <p:attrName>ppt_y</p:attrName>
+                                        </p:attrNameLst>
+                                      </p:cBhvr>
+                                      <p:tavLst>
+                                        <p:tav tm="0">
+                                          <p:val>
+                                            <p:strVal val="ppt_y"/>
+                                          </p:val>
+                                        </p:tav>
+                                        <p:tav tm="100000">
+                                          <p:val>
+                                            <p:strVal val="1+ppt_h/2"/>
+                                          </p:val>
+                                        </p:tav>
+                                      </p:tavLst>
+                                    </p:anim>
+                                    <p:set>
+                                      <p:cBhvr>
+                                        <p:cTn id="96" dur="1" fill="hold">
+                                          <p:stCondLst>
+                                            <p:cond delay="499"/>
+                                          </p:stCondLst>
+                                        </p:cTn>
+                                        <p:tgtEl>
+                                          <p:spTgt spid="22"/>
+                                        </p:tgtEl>
+                                        <p:attrNameLst>
+                                          <p:attrName>style.visibility</p:attrName>
+                                        </p:attrNameLst>
+                                      </p:cBhvr>
+                                      <p:to>
+                                        <p:strVal val="hidden"/>
+                                      </p:to>
+                                    </p:set>
+                                  </p:childTnLst>
+                                </p:cTn>
+                              </p:par>
+                            </p:childTnLst>
+                          </p:cTn>
+                        </p:par>
+                      </p:childTnLst>
+                    </p:cTn>
+                  </p:par>
+                </p:childTnLst>
+              </p:cTn>
+              <p:prevCondLst>
+                <p:cond evt="onPrev" delay="0">
+                  <p:tgtEl>
+                    <p:sldTgt/>
+                  </p:tgtEl>
+                </p:cond>
+              </p:prevCondLst>
+              <p:nextCondLst>
+                <p:cond evt="onNext" delay="0">
+                  <p:tgtEl>
+                    <p:sldTgt/>
+                  </p:tgtEl>
+                </p:cond>
+              </p:nextCondLst>
+            </p:seq>
+          </p:childTnLst>
+        </p:cTn>
+      </p:par>
+    </p:tnLst>
+    <p:bldLst>
+      <p:bldP spid="6" grpId="0"/>
+      <p:bldP spid="6" grpId="1"/>
+      <p:bldP spid="20" grpId="0"/>
+      <p:bldP spid="20" grpId="1"/>
+      <p:bldP spid="21" grpId="0"/>
+      <p:bldP spid="21" grpId="1"/>
+      <p:bldP spid="22" grpId="0"/>
+      <p:bldP spid="22" grpId="1"/>
+    </p:bldLst>
+  </p:timing>
+</p:sld>
+</file>
+
+<file path=ppt/slides/slide15.xml><?xml version="1.0" encoding="utf-8"?>
+<p:sld xmlns:a="http://schemas.openxmlformats.org/drawingml/2006/main" xmlns:r="http://schemas.openxmlformats.org/officeDocument/2006/relationships" xmlns:p="http://schemas.openxmlformats.org/presentationml/2006/main">
+  <p:cSld>
+    <p:spTree>
+      <p:nvGrpSpPr>
+        <p:cNvPr id="1" name=""/>
+        <p:cNvGrpSpPr/>
+        <p:nvPr/>
+      </p:nvGrpSpPr>
+      <p:grpSpPr>
+        <a:xfrm>
+          <a:off x="0" y="0"/>
+          <a:ext cx="0" cy="0"/>
+          <a:chOff x="0" y="0"/>
+          <a:chExt cx="0" cy="0"/>
+        </a:xfrm>
+      </p:grpSpPr>
+      <p:sp>
+        <p:nvSpPr>
+          <p:cNvPr id="2" name="Title 1">
+            <a:extLst>
+              <a:ext uri="{FF2B5EF4-FFF2-40B4-BE49-F238E27FC236}">
                 <a16:creationId xmlns:a16="http://schemas.microsoft.com/office/drawing/2014/main" id="{070B01F1-5B30-4099-9FA4-25A75F0DF9A2}"/>
               </a:ext>
             </a:extLst>
@@ -5724,7 +8712,7 @@
 </p:sld>
 </file>
 
-<file path=ppt/slides/slide12.xml><?xml version="1.0" encoding="utf-8"?>
+<file path=ppt/slides/slide16.xml><?xml version="1.0" encoding="utf-8"?>
 <p:sld xmlns:a="http://schemas.openxmlformats.org/drawingml/2006/main" xmlns:r="http://schemas.openxmlformats.org/officeDocument/2006/relationships" xmlns:p="http://schemas.openxmlformats.org/presentationml/2006/main">
   <p:cSld>
     <p:spTree>
@@ -5819,7 +8807,7 @@
 </p:sld>
 </file>
 
-<file path=ppt/slides/slide13.xml><?xml version="1.0" encoding="utf-8"?>
+<file path=ppt/slides/slide17.xml><?xml version="1.0" encoding="utf-8"?>
 <p:sld xmlns:a="http://schemas.openxmlformats.org/drawingml/2006/main" xmlns:r="http://schemas.openxmlformats.org/officeDocument/2006/relationships" xmlns:p="http://schemas.openxmlformats.org/presentationml/2006/main">
   <p:cSld>
     <p:spTree>
@@ -5987,7 +8975,7 @@
 </p:sld>
 </file>
 
-<file path=ppt/slides/slide14.xml><?xml version="1.0" encoding="utf-8"?>
+<file path=ppt/slides/slide18.xml><?xml version="1.0" encoding="utf-8"?>
 <p:sld xmlns:a="http://schemas.openxmlformats.org/drawingml/2006/main" xmlns:r="http://schemas.openxmlformats.org/officeDocument/2006/relationships" xmlns:p="http://schemas.openxmlformats.org/presentationml/2006/main">
   <p:cSld>
     <p:spTree>

--- a/Seminar.pptx
+++ b/Seminar.pptx
@@ -5,7 +5,7 @@
     <p:sldMasterId id="2147483648" r:id="rId1"/>
   </p:sldMasterIdLst>
   <p:notesMasterIdLst>
-    <p:notesMasterId r:id="rId20"/>
+    <p:notesMasterId r:id="rId29"/>
   </p:notesMasterIdLst>
   <p:sldIdLst>
     <p:sldId id="256" r:id="rId2"/>
@@ -22,10 +22,19 @@
     <p:sldId id="272" r:id="rId13"/>
     <p:sldId id="273" r:id="rId14"/>
     <p:sldId id="274" r:id="rId15"/>
-    <p:sldId id="269" r:id="rId16"/>
-    <p:sldId id="259" r:id="rId17"/>
-    <p:sldId id="258" r:id="rId18"/>
-    <p:sldId id="260" r:id="rId19"/>
+    <p:sldId id="275" r:id="rId16"/>
+    <p:sldId id="276" r:id="rId17"/>
+    <p:sldId id="278" r:id="rId18"/>
+    <p:sldId id="279" r:id="rId19"/>
+    <p:sldId id="277" r:id="rId20"/>
+    <p:sldId id="281" r:id="rId21"/>
+    <p:sldId id="283" r:id="rId22"/>
+    <p:sldId id="282" r:id="rId23"/>
+    <p:sldId id="280" r:id="rId24"/>
+    <p:sldId id="269" r:id="rId25"/>
+    <p:sldId id="259" r:id="rId26"/>
+    <p:sldId id="258" r:id="rId27"/>
+    <p:sldId id="260" r:id="rId28"/>
   </p:sldIdLst>
   <p:sldSz cx="9144000" cy="5143500" type="screen16x9"/>
   <p:notesSz cx="6858000" cy="9144000"/>
@@ -225,7 +234,7 @@
           <a:p>
             <a:fld id="{C8D18E60-4300-4729-A0D7-6AB984C3922D}" type="datetimeFigureOut">
               <a:rPr lang="en-US" smtClean="0"/>
-              <a:t>6/23/2022</a:t>
+              <a:t>6/24/2022</a:t>
             </a:fld>
             <a:endParaRPr lang="en-US"/>
           </a:p>
@@ -557,7 +566,7 @@
           <a:p>
             <a:fld id="{87350B06-B074-48FC-8CFD-53D2CD8FB95F}" type="slidenum">
               <a:rPr lang="en-US" smtClean="0"/>
-              <a:t>18</a:t>
+              <a:t>27</a:t>
             </a:fld>
             <a:endParaRPr lang="en-US"/>
           </a:p>
@@ -791,7 +800,7 @@
             <a:fld id="{53074F12-AA26-4AC8-9962-C36BB8F32554}" type="datetimeFigureOut">
               <a:rPr lang="en-US" smtClean="0"/>
               <a:pPr/>
-              <a:t>6/23/2022</a:t>
+              <a:t>6/24/2022</a:t>
             </a:fld>
             <a:endParaRPr lang="en-US"/>
           </a:p>
@@ -1045,7 +1054,7 @@
             <a:fld id="{53074F12-AA26-4AC8-9962-C36BB8F32554}" type="datetimeFigureOut">
               <a:rPr lang="en-US" smtClean="0"/>
               <a:pPr/>
-              <a:t>6/23/2022</a:t>
+              <a:t>6/24/2022</a:t>
             </a:fld>
             <a:endParaRPr lang="en-US"/>
           </a:p>
@@ -1215,7 +1224,7 @@
             <a:fld id="{53074F12-AA26-4AC8-9962-C36BB8F32554}" type="datetimeFigureOut">
               <a:rPr lang="en-US" smtClean="0"/>
               <a:pPr/>
-              <a:t>6/23/2022</a:t>
+              <a:t>6/24/2022</a:t>
             </a:fld>
             <a:endParaRPr lang="en-US"/>
           </a:p>
@@ -1395,7 +1404,7 @@
             <a:fld id="{53074F12-AA26-4AC8-9962-C36BB8F32554}" type="datetimeFigureOut">
               <a:rPr lang="en-US" smtClean="0"/>
               <a:pPr/>
-              <a:t>6/23/2022</a:t>
+              <a:t>6/24/2022</a:t>
             </a:fld>
             <a:endParaRPr lang="en-US"/>
           </a:p>
@@ -1680,7 +1689,7 @@
             <a:fld id="{53074F12-AA26-4AC8-9962-C36BB8F32554}" type="datetimeFigureOut">
               <a:rPr lang="en-US" smtClean="0"/>
               <a:pPr/>
-              <a:t>6/23/2022</a:t>
+              <a:t>6/24/2022</a:t>
             </a:fld>
             <a:endParaRPr lang="en-US"/>
           </a:p>
@@ -1927,7 +1936,7 @@
             <a:fld id="{53074F12-AA26-4AC8-9962-C36BB8F32554}" type="datetimeFigureOut">
               <a:rPr lang="en-US" smtClean="0"/>
               <a:pPr/>
-              <a:t>6/23/2022</a:t>
+              <a:t>6/24/2022</a:t>
             </a:fld>
             <a:endParaRPr lang="en-US"/>
           </a:p>
@@ -2174,7 +2183,7 @@
             <a:fld id="{53074F12-AA26-4AC8-9962-C36BB8F32554}" type="datetimeFigureOut">
               <a:rPr lang="en-US" smtClean="0"/>
               <a:pPr/>
-              <a:t>6/23/2022</a:t>
+              <a:t>6/24/2022</a:t>
             </a:fld>
             <a:endParaRPr lang="en-US"/>
           </a:p>
@@ -2461,7 +2470,7 @@
             <a:fld id="{53074F12-AA26-4AC8-9962-C36BB8F32554}" type="datetimeFigureOut">
               <a:rPr lang="en-US" smtClean="0"/>
               <a:pPr/>
-              <a:t>6/23/2022</a:t>
+              <a:t>6/24/2022</a:t>
             </a:fld>
             <a:endParaRPr lang="en-US"/>
           </a:p>
@@ -2951,7 +2960,7 @@
             <a:fld id="{53074F12-AA26-4AC8-9962-C36BB8F32554}" type="datetimeFigureOut">
               <a:rPr lang="en-US" smtClean="0"/>
               <a:pPr/>
-              <a:t>6/23/2022</a:t>
+              <a:t>6/24/2022</a:t>
             </a:fld>
             <a:endParaRPr lang="en-US"/>
           </a:p>
@@ -3070,7 +3079,7 @@
             <a:fld id="{53074F12-AA26-4AC8-9962-C36BB8F32554}" type="datetimeFigureOut">
               <a:rPr lang="en-US" smtClean="0"/>
               <a:pPr/>
-              <a:t>6/23/2022</a:t>
+              <a:t>6/24/2022</a:t>
             </a:fld>
             <a:endParaRPr lang="en-US"/>
           </a:p>
@@ -3167,7 +3176,7 @@
             <a:fld id="{53074F12-AA26-4AC8-9962-C36BB8F32554}" type="datetimeFigureOut">
               <a:rPr lang="en-US" smtClean="0"/>
               <a:pPr/>
-              <a:t>6/23/2022</a:t>
+              <a:t>6/24/2022</a:t>
             </a:fld>
             <a:endParaRPr lang="en-US"/>
           </a:p>
@@ -3444,7 +3453,7 @@
             <a:fld id="{53074F12-AA26-4AC8-9962-C36BB8F32554}" type="datetimeFigureOut">
               <a:rPr lang="en-US" smtClean="0"/>
               <a:pPr/>
-              <a:t>6/23/2022</a:t>
+              <a:t>6/24/2022</a:t>
             </a:fld>
             <a:endParaRPr lang="en-US"/>
           </a:p>
@@ -3666,7 +3675,7 @@
             <a:fld id="{53074F12-AA26-4AC8-9962-C36BB8F32554}" type="datetimeFigureOut">
               <a:rPr lang="en-US" smtClean="0"/>
               <a:pPr/>
-              <a:t>6/23/2022</a:t>
+              <a:t>6/24/2022</a:t>
             </a:fld>
             <a:endParaRPr lang="en-US"/>
           </a:p>
@@ -8649,7 +8658,7 @@
           <p:cNvPr id="2" name="Title 1">
             <a:extLst>
               <a:ext uri="{FF2B5EF4-FFF2-40B4-BE49-F238E27FC236}">
-                <a16:creationId xmlns:a16="http://schemas.microsoft.com/office/drawing/2014/main" id="{070B01F1-5B30-4099-9FA4-25A75F0DF9A2}"/>
+                <a16:creationId xmlns:a16="http://schemas.microsoft.com/office/drawing/2014/main" id="{C6691CE3-764E-0CA8-21DA-9477D5728829}"/>
               </a:ext>
             </a:extLst>
           </p:cNvPr>
@@ -8665,16 +8674,26 @@
           <a:bodyPr/>
           <a:lstStyle/>
           <a:p>
-            <a:endParaRPr lang="en-US" dirty="0"/>
+            <a:r>
+              <a:rPr lang="en-US" b="1" i="1" dirty="0">
+                <a:solidFill>
+                  <a:schemeClr val="accent1">
+                    <a:lumMod val="40000"/>
+                    <a:lumOff val="60000"/>
+                  </a:schemeClr>
+                </a:solidFill>
+              </a:rPr>
+              <a:t>Note:</a:t>
+            </a:r>
           </a:p>
         </p:txBody>
       </p:sp>
       <p:sp>
         <p:nvSpPr>
-          <p:cNvPr id="3" name="Text Placeholder 2">
+          <p:cNvPr id="3" name="Content Placeholder 2">
             <a:extLst>
               <a:ext uri="{FF2B5EF4-FFF2-40B4-BE49-F238E27FC236}">
-                <a16:creationId xmlns:a16="http://schemas.microsoft.com/office/drawing/2014/main" id="{C247F362-A59E-40E7-9473-45994769BEE6}"/>
+                <a16:creationId xmlns:a16="http://schemas.microsoft.com/office/drawing/2014/main" id="{41FE96C3-9587-6712-DA1F-ACBA113CCEE7}"/>
               </a:ext>
             </a:extLst>
           </p:cNvPr>
@@ -8682,33 +8701,2668 @@
             <a:spLocks noGrp="1"/>
           </p:cNvSpPr>
           <p:nvPr>
-            <p:ph type="body" idx="1"/>
+            <p:ph sz="half" idx="1"/>
           </p:nvPr>
         </p:nvSpPr>
         <p:spPr>
           <a:xfrm>
-            <a:off x="722313" y="2009180"/>
-            <a:ext cx="7772400" cy="1125140"/>
+            <a:off x="459920" y="962449"/>
+            <a:ext cx="4038600" cy="1829737"/>
           </a:xfrm>
         </p:spPr>
         <p:txBody>
           <a:bodyPr/>
           <a:lstStyle/>
           <a:p>
-            <a:endParaRPr lang="en-US" dirty="0"/>
+            <a:pPr marL="0" indent="0" algn="just">
+              <a:buNone/>
+            </a:pPr>
+            <a:r>
+              <a:rPr lang="en-US" dirty="0">
+                <a:solidFill>
+                  <a:schemeClr val="accent1">
+                    <a:lumMod val="40000"/>
+                    <a:lumOff val="60000"/>
+                  </a:schemeClr>
+                </a:solidFill>
+              </a:rPr>
+              <a:t>●</a:t>
+            </a:r>
+            <a:r>
+              <a:rPr lang="en-US" dirty="0">
+                <a:solidFill>
+                  <a:schemeClr val="accent1">
+                    <a:lumMod val="40000"/>
+                    <a:lumOff val="60000"/>
+                  </a:schemeClr>
+                </a:solidFill>
+                <a:latin typeface="Times New Roman" panose="02020603050405020304" pitchFamily="18" charset="0"/>
+                <a:cs typeface="Times New Roman" panose="02020603050405020304" pitchFamily="18" charset="0"/>
+              </a:rPr>
+              <a:t>2-3 trees and binary search trees that we learned before can be B-trees.</a:t>
+            </a:r>
+          </a:p>
+        </p:txBody>
+      </p:sp>
+      <p:sp>
+        <p:nvSpPr>
+          <p:cNvPr id="5" name="Rectangle 4">
+            <a:extLst>
+              <a:ext uri="{FF2B5EF4-FFF2-40B4-BE49-F238E27FC236}">
+                <a16:creationId xmlns:a16="http://schemas.microsoft.com/office/drawing/2014/main" id="{11045642-DDD8-7C9C-87C5-35870D86E2A7}"/>
+              </a:ext>
+            </a:extLst>
+          </p:cNvPr>
+          <p:cNvSpPr/>
+          <p:nvPr/>
+        </p:nvSpPr>
+        <p:spPr>
+          <a:xfrm>
+            <a:off x="6384472" y="806054"/>
+            <a:ext cx="530679" cy="514350"/>
+          </a:xfrm>
+          <a:prstGeom prst="rect">
+            <a:avLst/>
+          </a:prstGeom>
+        </p:spPr>
+        <p:style>
+          <a:lnRef idx="2">
+            <a:schemeClr val="accent1">
+              <a:shade val="50000"/>
+            </a:schemeClr>
+          </a:lnRef>
+          <a:fillRef idx="1">
+            <a:schemeClr val="accent1"/>
+          </a:fillRef>
+          <a:effectRef idx="0">
+            <a:schemeClr val="accent1"/>
+          </a:effectRef>
+          <a:fontRef idx="minor">
+            <a:schemeClr val="lt1"/>
+          </a:fontRef>
+        </p:style>
+        <p:txBody>
+          <a:bodyPr rtlCol="0" anchor="ctr"/>
+          <a:lstStyle/>
+          <a:p>
+            <a:pPr algn="ctr"/>
+            <a:r>
+              <a:rPr lang="en-US" dirty="0"/>
+              <a:t>85</a:t>
+            </a:r>
+          </a:p>
+        </p:txBody>
+      </p:sp>
+      <p:sp>
+        <p:nvSpPr>
+          <p:cNvPr id="6" name="Rectangle 5">
+            <a:extLst>
+              <a:ext uri="{FF2B5EF4-FFF2-40B4-BE49-F238E27FC236}">
+                <a16:creationId xmlns:a16="http://schemas.microsoft.com/office/drawing/2014/main" id="{422A8734-DEFF-38AF-C9DB-8C6EF38900F5}"/>
+              </a:ext>
+            </a:extLst>
+          </p:cNvPr>
+          <p:cNvSpPr/>
+          <p:nvPr/>
+        </p:nvSpPr>
+        <p:spPr>
+          <a:xfrm>
+            <a:off x="5520417" y="1671637"/>
+            <a:ext cx="530679" cy="514350"/>
+          </a:xfrm>
+          <a:prstGeom prst="rect">
+            <a:avLst/>
+          </a:prstGeom>
+        </p:spPr>
+        <p:style>
+          <a:lnRef idx="2">
+            <a:schemeClr val="accent1">
+              <a:shade val="50000"/>
+            </a:schemeClr>
+          </a:lnRef>
+          <a:fillRef idx="1">
+            <a:schemeClr val="accent1"/>
+          </a:fillRef>
+          <a:effectRef idx="0">
+            <a:schemeClr val="accent1"/>
+          </a:effectRef>
+          <a:fontRef idx="minor">
+            <a:schemeClr val="lt1"/>
+          </a:fontRef>
+        </p:style>
+        <p:txBody>
+          <a:bodyPr rtlCol="0" anchor="ctr"/>
+          <a:lstStyle/>
+          <a:p>
+            <a:pPr algn="ctr"/>
+            <a:r>
+              <a:rPr lang="en-US" dirty="0"/>
+              <a:t>37</a:t>
+            </a:r>
+          </a:p>
+        </p:txBody>
+      </p:sp>
+      <p:sp>
+        <p:nvSpPr>
+          <p:cNvPr id="7" name="Rectangle 6">
+            <a:extLst>
+              <a:ext uri="{FF2B5EF4-FFF2-40B4-BE49-F238E27FC236}">
+                <a16:creationId xmlns:a16="http://schemas.microsoft.com/office/drawing/2014/main" id="{F09A7900-0032-6913-C7B2-CE3162823580}"/>
+              </a:ext>
+            </a:extLst>
+          </p:cNvPr>
+          <p:cNvSpPr/>
+          <p:nvPr/>
+        </p:nvSpPr>
+        <p:spPr>
+          <a:xfrm>
+            <a:off x="7298872" y="1679801"/>
+            <a:ext cx="530679" cy="514350"/>
+          </a:xfrm>
+          <a:prstGeom prst="rect">
+            <a:avLst/>
+          </a:prstGeom>
+        </p:spPr>
+        <p:style>
+          <a:lnRef idx="2">
+            <a:schemeClr val="accent1">
+              <a:shade val="50000"/>
+            </a:schemeClr>
+          </a:lnRef>
+          <a:fillRef idx="1">
+            <a:schemeClr val="accent1"/>
+          </a:fillRef>
+          <a:effectRef idx="0">
+            <a:schemeClr val="accent1"/>
+          </a:effectRef>
+          <a:fontRef idx="minor">
+            <a:schemeClr val="lt1"/>
+          </a:fontRef>
+        </p:style>
+        <p:txBody>
+          <a:bodyPr rtlCol="0" anchor="ctr"/>
+          <a:lstStyle/>
+          <a:p>
+            <a:pPr algn="ctr"/>
+            <a:r>
+              <a:rPr lang="en-US" dirty="0"/>
+              <a:t>100</a:t>
+            </a:r>
+          </a:p>
+        </p:txBody>
+      </p:sp>
+      <p:sp>
+        <p:nvSpPr>
+          <p:cNvPr id="8" name="Rectangle 7">
+            <a:extLst>
+              <a:ext uri="{FF2B5EF4-FFF2-40B4-BE49-F238E27FC236}">
+                <a16:creationId xmlns:a16="http://schemas.microsoft.com/office/drawing/2014/main" id="{F13AE113-2260-2B98-D23C-4ED1740735E5}"/>
+              </a:ext>
+            </a:extLst>
+          </p:cNvPr>
+          <p:cNvSpPr/>
+          <p:nvPr/>
+        </p:nvSpPr>
+        <p:spPr>
+          <a:xfrm>
+            <a:off x="4965244" y="2459660"/>
+            <a:ext cx="530679" cy="514350"/>
+          </a:xfrm>
+          <a:prstGeom prst="rect">
+            <a:avLst/>
+          </a:prstGeom>
+        </p:spPr>
+        <p:style>
+          <a:lnRef idx="2">
+            <a:schemeClr val="accent1">
+              <a:shade val="50000"/>
+            </a:schemeClr>
+          </a:lnRef>
+          <a:fillRef idx="1">
+            <a:schemeClr val="accent1"/>
+          </a:fillRef>
+          <a:effectRef idx="0">
+            <a:schemeClr val="accent1"/>
+          </a:effectRef>
+          <a:fontRef idx="minor">
+            <a:schemeClr val="lt1"/>
+          </a:fontRef>
+        </p:style>
+        <p:txBody>
+          <a:bodyPr rtlCol="0" anchor="ctr"/>
+          <a:lstStyle/>
+          <a:p>
+            <a:pPr algn="ctr"/>
+            <a:r>
+              <a:rPr lang="en-US" dirty="0"/>
+              <a:t>12</a:t>
+            </a:r>
+          </a:p>
+        </p:txBody>
+      </p:sp>
+      <p:sp>
+        <p:nvSpPr>
+          <p:cNvPr id="9" name="Rectangle 8">
+            <a:extLst>
+              <a:ext uri="{FF2B5EF4-FFF2-40B4-BE49-F238E27FC236}">
+                <a16:creationId xmlns:a16="http://schemas.microsoft.com/office/drawing/2014/main" id="{5FB983F2-F971-72B0-3BFF-30699933782C}"/>
+              </a:ext>
+            </a:extLst>
+          </p:cNvPr>
+          <p:cNvSpPr/>
+          <p:nvPr/>
+        </p:nvSpPr>
+        <p:spPr>
+          <a:xfrm>
+            <a:off x="6099401" y="2459660"/>
+            <a:ext cx="530679" cy="514350"/>
+          </a:xfrm>
+          <a:prstGeom prst="rect">
+            <a:avLst/>
+          </a:prstGeom>
+        </p:spPr>
+        <p:style>
+          <a:lnRef idx="2">
+            <a:schemeClr val="accent1">
+              <a:shade val="50000"/>
+            </a:schemeClr>
+          </a:lnRef>
+          <a:fillRef idx="1">
+            <a:schemeClr val="accent1"/>
+          </a:fillRef>
+          <a:effectRef idx="0">
+            <a:schemeClr val="accent1"/>
+          </a:effectRef>
+          <a:fontRef idx="minor">
+            <a:schemeClr val="lt1"/>
+          </a:fontRef>
+        </p:style>
+        <p:txBody>
+          <a:bodyPr rtlCol="0" anchor="ctr"/>
+          <a:lstStyle/>
+          <a:p>
+            <a:pPr algn="ctr"/>
+            <a:r>
+              <a:rPr lang="en-US" dirty="0"/>
+              <a:t>46</a:t>
+            </a:r>
+          </a:p>
+        </p:txBody>
+      </p:sp>
+      <p:sp>
+        <p:nvSpPr>
+          <p:cNvPr id="10" name="Rectangle 9">
+            <a:extLst>
+              <a:ext uri="{FF2B5EF4-FFF2-40B4-BE49-F238E27FC236}">
+                <a16:creationId xmlns:a16="http://schemas.microsoft.com/office/drawing/2014/main" id="{A11932FD-0CBE-BEB1-38A4-D4D62342CA40}"/>
+              </a:ext>
+            </a:extLst>
+          </p:cNvPr>
+          <p:cNvSpPr/>
+          <p:nvPr/>
+        </p:nvSpPr>
+        <p:spPr>
+          <a:xfrm>
+            <a:off x="6915151" y="2459660"/>
+            <a:ext cx="530679" cy="514350"/>
+          </a:xfrm>
+          <a:prstGeom prst="rect">
+            <a:avLst/>
+          </a:prstGeom>
+        </p:spPr>
+        <p:style>
+          <a:lnRef idx="2">
+            <a:schemeClr val="accent1">
+              <a:shade val="50000"/>
+            </a:schemeClr>
+          </a:lnRef>
+          <a:fillRef idx="1">
+            <a:schemeClr val="accent1"/>
+          </a:fillRef>
+          <a:effectRef idx="0">
+            <a:schemeClr val="accent1"/>
+          </a:effectRef>
+          <a:fontRef idx="minor">
+            <a:schemeClr val="lt1"/>
+          </a:fontRef>
+        </p:style>
+        <p:txBody>
+          <a:bodyPr rtlCol="0" anchor="ctr"/>
+          <a:lstStyle/>
+          <a:p>
+            <a:pPr algn="ctr"/>
+            <a:r>
+              <a:rPr lang="en-US" dirty="0"/>
+              <a:t>89</a:t>
+            </a:r>
+          </a:p>
+        </p:txBody>
+      </p:sp>
+      <p:sp>
+        <p:nvSpPr>
+          <p:cNvPr id="11" name="Rectangle 10">
+            <a:extLst>
+              <a:ext uri="{FF2B5EF4-FFF2-40B4-BE49-F238E27FC236}">
+                <a16:creationId xmlns:a16="http://schemas.microsoft.com/office/drawing/2014/main" id="{041E10FF-4735-A1D1-4DA6-2FBE661FFDC3}"/>
+              </a:ext>
+            </a:extLst>
+          </p:cNvPr>
+          <p:cNvSpPr/>
+          <p:nvPr/>
+        </p:nvSpPr>
+        <p:spPr>
+          <a:xfrm>
+            <a:off x="7915274" y="2474117"/>
+            <a:ext cx="530679" cy="514350"/>
+          </a:xfrm>
+          <a:prstGeom prst="rect">
+            <a:avLst/>
+          </a:prstGeom>
+        </p:spPr>
+        <p:style>
+          <a:lnRef idx="2">
+            <a:schemeClr val="accent1">
+              <a:shade val="50000"/>
+            </a:schemeClr>
+          </a:lnRef>
+          <a:fillRef idx="1">
+            <a:schemeClr val="accent1"/>
+          </a:fillRef>
+          <a:effectRef idx="0">
+            <a:schemeClr val="accent1"/>
+          </a:effectRef>
+          <a:fontRef idx="minor">
+            <a:schemeClr val="lt1"/>
+          </a:fontRef>
+        </p:style>
+        <p:txBody>
+          <a:bodyPr rtlCol="0" anchor="ctr"/>
+          <a:lstStyle/>
+          <a:p>
+            <a:pPr algn="ctr"/>
+            <a:r>
+              <a:rPr lang="en-US" dirty="0"/>
+              <a:t>101</a:t>
+            </a:r>
+          </a:p>
+        </p:txBody>
+      </p:sp>
+      <p:cxnSp>
+        <p:nvCxnSpPr>
+          <p:cNvPr id="15" name="Straight Arrow Connector 14">
+            <a:extLst>
+              <a:ext uri="{FF2B5EF4-FFF2-40B4-BE49-F238E27FC236}">
+                <a16:creationId xmlns:a16="http://schemas.microsoft.com/office/drawing/2014/main" id="{E23FA1F6-320D-DFF6-E861-C9C184B03F0F}"/>
+              </a:ext>
+            </a:extLst>
+          </p:cNvPr>
+          <p:cNvCxnSpPr>
+            <a:cxnSpLocks/>
+            <a:endCxn id="6" idx="0"/>
+          </p:cNvCxnSpPr>
+          <p:nvPr/>
+        </p:nvCxnSpPr>
+        <p:spPr>
+          <a:xfrm flipH="1">
+            <a:off x="5785757" y="1320404"/>
+            <a:ext cx="598715" cy="351233"/>
+          </a:xfrm>
+          <a:prstGeom prst="straightConnector1">
+            <a:avLst/>
+          </a:prstGeom>
+          <a:ln w="57150">
+            <a:solidFill>
+              <a:schemeClr val="bg1"/>
+            </a:solidFill>
+            <a:tailEnd type="triangle"/>
+          </a:ln>
+        </p:spPr>
+        <p:style>
+          <a:lnRef idx="1">
+            <a:schemeClr val="accent1"/>
+          </a:lnRef>
+          <a:fillRef idx="0">
+            <a:schemeClr val="accent1"/>
+          </a:fillRef>
+          <a:effectRef idx="0">
+            <a:schemeClr val="accent1"/>
+          </a:effectRef>
+          <a:fontRef idx="minor">
+            <a:schemeClr val="tx1"/>
+          </a:fontRef>
+        </p:style>
+      </p:cxnSp>
+      <p:cxnSp>
+        <p:nvCxnSpPr>
+          <p:cNvPr id="18" name="Straight Arrow Connector 17">
+            <a:extLst>
+              <a:ext uri="{FF2B5EF4-FFF2-40B4-BE49-F238E27FC236}">
+                <a16:creationId xmlns:a16="http://schemas.microsoft.com/office/drawing/2014/main" id="{9C4A6699-8DF2-A642-4129-72302B28B654}"/>
+              </a:ext>
+            </a:extLst>
+          </p:cNvPr>
+          <p:cNvCxnSpPr>
+            <a:cxnSpLocks/>
+          </p:cNvCxnSpPr>
+          <p:nvPr/>
+        </p:nvCxnSpPr>
+        <p:spPr>
+          <a:xfrm flipH="1">
+            <a:off x="5131930" y="2185987"/>
+            <a:ext cx="429306" cy="273673"/>
+          </a:xfrm>
+          <a:prstGeom prst="straightConnector1">
+            <a:avLst/>
+          </a:prstGeom>
+          <a:ln w="57150">
+            <a:solidFill>
+              <a:schemeClr val="bg1"/>
+            </a:solidFill>
+            <a:tailEnd type="triangle"/>
+          </a:ln>
+        </p:spPr>
+        <p:style>
+          <a:lnRef idx="1">
+            <a:schemeClr val="accent1"/>
+          </a:lnRef>
+          <a:fillRef idx="0">
+            <a:schemeClr val="accent1"/>
+          </a:fillRef>
+          <a:effectRef idx="0">
+            <a:schemeClr val="accent1"/>
+          </a:effectRef>
+          <a:fontRef idx="minor">
+            <a:schemeClr val="tx1"/>
+          </a:fontRef>
+        </p:style>
+      </p:cxnSp>
+      <p:cxnSp>
+        <p:nvCxnSpPr>
+          <p:cNvPr id="20" name="Straight Arrow Connector 19">
+            <a:extLst>
+              <a:ext uri="{FF2B5EF4-FFF2-40B4-BE49-F238E27FC236}">
+                <a16:creationId xmlns:a16="http://schemas.microsoft.com/office/drawing/2014/main" id="{284A9C25-FD69-B2E4-7BBD-10AB4DB37787}"/>
+              </a:ext>
+            </a:extLst>
+          </p:cNvPr>
+          <p:cNvCxnSpPr>
+            <a:cxnSpLocks/>
+          </p:cNvCxnSpPr>
+          <p:nvPr/>
+        </p:nvCxnSpPr>
+        <p:spPr>
+          <a:xfrm>
+            <a:off x="5989861" y="2202485"/>
+            <a:ext cx="302083" cy="287706"/>
+          </a:xfrm>
+          <a:prstGeom prst="straightConnector1">
+            <a:avLst/>
+          </a:prstGeom>
+          <a:ln w="57150">
+            <a:solidFill>
+              <a:schemeClr val="bg1"/>
+            </a:solidFill>
+            <a:tailEnd type="triangle"/>
+          </a:ln>
+        </p:spPr>
+        <p:style>
+          <a:lnRef idx="1">
+            <a:schemeClr val="accent1"/>
+          </a:lnRef>
+          <a:fillRef idx="0">
+            <a:schemeClr val="accent1"/>
+          </a:fillRef>
+          <a:effectRef idx="0">
+            <a:schemeClr val="accent1"/>
+          </a:effectRef>
+          <a:fontRef idx="minor">
+            <a:schemeClr val="tx1"/>
+          </a:fontRef>
+        </p:style>
+      </p:cxnSp>
+      <p:cxnSp>
+        <p:nvCxnSpPr>
+          <p:cNvPr id="25" name="Straight Arrow Connector 24">
+            <a:extLst>
+              <a:ext uri="{FF2B5EF4-FFF2-40B4-BE49-F238E27FC236}">
+                <a16:creationId xmlns:a16="http://schemas.microsoft.com/office/drawing/2014/main" id="{93911AD7-4120-17C6-4FAF-F7A68FBD382D}"/>
+              </a:ext>
+            </a:extLst>
+          </p:cNvPr>
+          <p:cNvCxnSpPr>
+            <a:cxnSpLocks/>
+          </p:cNvCxnSpPr>
+          <p:nvPr/>
+        </p:nvCxnSpPr>
+        <p:spPr>
+          <a:xfrm>
+            <a:off x="6915151" y="1296974"/>
+            <a:ext cx="574223" cy="421522"/>
+          </a:xfrm>
+          <a:prstGeom prst="straightConnector1">
+            <a:avLst/>
+          </a:prstGeom>
+          <a:ln w="57150">
+            <a:solidFill>
+              <a:schemeClr val="bg1"/>
+            </a:solidFill>
+            <a:tailEnd type="triangle"/>
+          </a:ln>
+        </p:spPr>
+        <p:style>
+          <a:lnRef idx="1">
+            <a:schemeClr val="accent1"/>
+          </a:lnRef>
+          <a:fillRef idx="0">
+            <a:schemeClr val="accent1"/>
+          </a:fillRef>
+          <a:effectRef idx="0">
+            <a:schemeClr val="accent1"/>
+          </a:effectRef>
+          <a:fontRef idx="minor">
+            <a:schemeClr val="tx1"/>
+          </a:fontRef>
+        </p:style>
+      </p:cxnSp>
+      <p:cxnSp>
+        <p:nvCxnSpPr>
+          <p:cNvPr id="29" name="Straight Arrow Connector 28">
+            <a:extLst>
+              <a:ext uri="{FF2B5EF4-FFF2-40B4-BE49-F238E27FC236}">
+                <a16:creationId xmlns:a16="http://schemas.microsoft.com/office/drawing/2014/main" id="{DBEA8FAF-F888-DB8F-42CC-3AD609E680AA}"/>
+              </a:ext>
+            </a:extLst>
+          </p:cNvPr>
+          <p:cNvCxnSpPr>
+            <a:cxnSpLocks/>
+          </p:cNvCxnSpPr>
+          <p:nvPr/>
+        </p:nvCxnSpPr>
+        <p:spPr>
+          <a:xfrm>
+            <a:off x="7829551" y="2202485"/>
+            <a:ext cx="391886" cy="271462"/>
+          </a:xfrm>
+          <a:prstGeom prst="straightConnector1">
+            <a:avLst/>
+          </a:prstGeom>
+          <a:ln w="57150">
+            <a:solidFill>
+              <a:schemeClr val="bg1"/>
+            </a:solidFill>
+            <a:tailEnd type="triangle"/>
+          </a:ln>
+        </p:spPr>
+        <p:style>
+          <a:lnRef idx="1">
+            <a:schemeClr val="accent1"/>
+          </a:lnRef>
+          <a:fillRef idx="0">
+            <a:schemeClr val="accent1"/>
+          </a:fillRef>
+          <a:effectRef idx="0">
+            <a:schemeClr val="accent1"/>
+          </a:effectRef>
+          <a:fontRef idx="minor">
+            <a:schemeClr val="tx1"/>
+          </a:fontRef>
+        </p:style>
+      </p:cxnSp>
+      <p:cxnSp>
+        <p:nvCxnSpPr>
+          <p:cNvPr id="31" name="Straight Arrow Connector 30">
+            <a:extLst>
+              <a:ext uri="{FF2B5EF4-FFF2-40B4-BE49-F238E27FC236}">
+                <a16:creationId xmlns:a16="http://schemas.microsoft.com/office/drawing/2014/main" id="{A3C9FC6D-274D-5DF4-E3E1-964F77DCC31F}"/>
+              </a:ext>
+            </a:extLst>
+          </p:cNvPr>
+          <p:cNvCxnSpPr>
+            <a:cxnSpLocks/>
+          </p:cNvCxnSpPr>
+          <p:nvPr/>
+        </p:nvCxnSpPr>
+        <p:spPr>
+          <a:xfrm flipH="1">
+            <a:off x="7076396" y="2177907"/>
+            <a:ext cx="314324" cy="296040"/>
+          </a:xfrm>
+          <a:prstGeom prst="straightConnector1">
+            <a:avLst/>
+          </a:prstGeom>
+          <a:ln w="57150">
+            <a:solidFill>
+              <a:schemeClr val="bg1"/>
+            </a:solidFill>
+            <a:tailEnd type="triangle"/>
+          </a:ln>
+        </p:spPr>
+        <p:style>
+          <a:lnRef idx="1">
+            <a:schemeClr val="accent1"/>
+          </a:lnRef>
+          <a:fillRef idx="0">
+            <a:schemeClr val="accent1"/>
+          </a:fillRef>
+          <a:effectRef idx="0">
+            <a:schemeClr val="accent1"/>
+          </a:effectRef>
+          <a:fontRef idx="minor">
+            <a:schemeClr val="tx1"/>
+          </a:fontRef>
+        </p:style>
+      </p:cxnSp>
+      <p:pic>
+        <p:nvPicPr>
+          <p:cNvPr id="34" name="image6.png">
+            <a:extLst>
+              <a:ext uri="{FF2B5EF4-FFF2-40B4-BE49-F238E27FC236}">
+                <a16:creationId xmlns:a16="http://schemas.microsoft.com/office/drawing/2014/main" id="{3A0E6C58-04A9-9012-C6DA-52B39FB2B0BA}"/>
+              </a:ext>
+            </a:extLst>
+          </p:cNvPr>
+          <p:cNvPicPr/>
+          <p:nvPr/>
+        </p:nvPicPr>
+        <p:blipFill>
+          <a:blip r:embed="rId2"/>
+          <a:srcRect/>
+          <a:stretch>
+            <a:fillRect/>
+          </a:stretch>
+        </p:blipFill>
+        <p:spPr>
+          <a:xfrm>
+            <a:off x="3079296" y="2372121"/>
+            <a:ext cx="5943600" cy="2565400"/>
+          </a:xfrm>
+          <a:prstGeom prst="rect">
+            <a:avLst/>
+          </a:prstGeom>
+          <a:ln/>
+        </p:spPr>
+      </p:pic>
+      <p:sp>
+        <p:nvSpPr>
+          <p:cNvPr id="35" name="Content Placeholder 2">
+            <a:extLst>
+              <a:ext uri="{FF2B5EF4-FFF2-40B4-BE49-F238E27FC236}">
+                <a16:creationId xmlns:a16="http://schemas.microsoft.com/office/drawing/2014/main" id="{1CBEFBC2-5658-332C-B7A5-3C5B4AB8E43C}"/>
+              </a:ext>
+            </a:extLst>
+          </p:cNvPr>
+          <p:cNvSpPr txBox="1">
+            <a:spLocks/>
+          </p:cNvSpPr>
+          <p:nvPr/>
+        </p:nvSpPr>
+        <p:spPr>
+          <a:xfrm>
+            <a:off x="374195" y="1252749"/>
+            <a:ext cx="4038600" cy="3394472"/>
+          </a:xfrm>
+          <a:prstGeom prst="rect">
+            <a:avLst/>
+          </a:prstGeom>
+        </p:spPr>
+        <p:txBody>
+          <a:bodyPr vert="horz" lIns="91440" tIns="45720" rIns="91440" bIns="45720" rtlCol="0">
+            <a:normAutofit/>
+          </a:bodyPr>
+          <a:lstStyle>
+            <a:lvl1pPr marL="342900" indent="-342900" algn="l" defTabSz="914400" rtl="0" eaLnBrk="1" latinLnBrk="0" hangingPunct="1">
+              <a:spcBef>
+                <a:spcPct val="20000"/>
+              </a:spcBef>
+              <a:buFont typeface="Arial" pitchFamily="34" charset="0"/>
+              <a:buChar char="•"/>
+              <a:defRPr sz="2800" kern="1200">
+                <a:solidFill>
+                  <a:schemeClr val="tx1"/>
+                </a:solidFill>
+                <a:latin typeface="+mn-lt"/>
+                <a:ea typeface="+mn-ea"/>
+                <a:cs typeface="+mn-cs"/>
+              </a:defRPr>
+            </a:lvl1pPr>
+            <a:lvl2pPr marL="742950" indent="-285750" algn="l" defTabSz="914400" rtl="0" eaLnBrk="1" latinLnBrk="0" hangingPunct="1">
+              <a:spcBef>
+                <a:spcPct val="20000"/>
+              </a:spcBef>
+              <a:buFont typeface="Arial" pitchFamily="34" charset="0"/>
+              <a:buChar char="–"/>
+              <a:defRPr sz="2400" kern="1200">
+                <a:solidFill>
+                  <a:schemeClr val="tx1"/>
+                </a:solidFill>
+                <a:latin typeface="+mn-lt"/>
+                <a:ea typeface="+mn-ea"/>
+                <a:cs typeface="+mn-cs"/>
+              </a:defRPr>
+            </a:lvl2pPr>
+            <a:lvl3pPr marL="1143000" indent="-228600" algn="l" defTabSz="914400" rtl="0" eaLnBrk="1" latinLnBrk="0" hangingPunct="1">
+              <a:spcBef>
+                <a:spcPct val="20000"/>
+              </a:spcBef>
+              <a:buFont typeface="Arial" pitchFamily="34" charset="0"/>
+              <a:buChar char="•"/>
+              <a:defRPr sz="2000" kern="1200">
+                <a:solidFill>
+                  <a:schemeClr val="tx1"/>
+                </a:solidFill>
+                <a:latin typeface="+mn-lt"/>
+                <a:ea typeface="+mn-ea"/>
+                <a:cs typeface="+mn-cs"/>
+              </a:defRPr>
+            </a:lvl3pPr>
+            <a:lvl4pPr marL="1600200" indent="-228600" algn="l" defTabSz="914400" rtl="0" eaLnBrk="1" latinLnBrk="0" hangingPunct="1">
+              <a:spcBef>
+                <a:spcPct val="20000"/>
+              </a:spcBef>
+              <a:buFont typeface="Arial" pitchFamily="34" charset="0"/>
+              <a:buChar char="–"/>
+              <a:defRPr sz="1800" kern="1200">
+                <a:solidFill>
+                  <a:schemeClr val="tx1"/>
+                </a:solidFill>
+                <a:latin typeface="+mn-lt"/>
+                <a:ea typeface="+mn-ea"/>
+                <a:cs typeface="+mn-cs"/>
+              </a:defRPr>
+            </a:lvl4pPr>
+            <a:lvl5pPr marL="2057400" indent="-228600" algn="l" defTabSz="914400" rtl="0" eaLnBrk="1" latinLnBrk="0" hangingPunct="1">
+              <a:spcBef>
+                <a:spcPct val="20000"/>
+              </a:spcBef>
+              <a:buFont typeface="Arial" pitchFamily="34" charset="0"/>
+              <a:buChar char="»"/>
+              <a:defRPr sz="1800" kern="1200">
+                <a:solidFill>
+                  <a:schemeClr val="tx1"/>
+                </a:solidFill>
+                <a:latin typeface="+mn-lt"/>
+                <a:ea typeface="+mn-ea"/>
+                <a:cs typeface="+mn-cs"/>
+              </a:defRPr>
+            </a:lvl5pPr>
+            <a:lvl6pPr marL="2514600" indent="-228600" algn="l" defTabSz="914400" rtl="0" eaLnBrk="1" latinLnBrk="0" hangingPunct="1">
+              <a:spcBef>
+                <a:spcPct val="20000"/>
+              </a:spcBef>
+              <a:buFont typeface="Arial" pitchFamily="34" charset="0"/>
+              <a:buChar char="•"/>
+              <a:defRPr sz="1800" kern="1200">
+                <a:solidFill>
+                  <a:schemeClr val="tx1"/>
+                </a:solidFill>
+                <a:latin typeface="+mn-lt"/>
+                <a:ea typeface="+mn-ea"/>
+                <a:cs typeface="+mn-cs"/>
+              </a:defRPr>
+            </a:lvl6pPr>
+            <a:lvl7pPr marL="2971800" indent="-228600" algn="l" defTabSz="914400" rtl="0" eaLnBrk="1" latinLnBrk="0" hangingPunct="1">
+              <a:spcBef>
+                <a:spcPct val="20000"/>
+              </a:spcBef>
+              <a:buFont typeface="Arial" pitchFamily="34" charset="0"/>
+              <a:buChar char="•"/>
+              <a:defRPr sz="1800" kern="1200">
+                <a:solidFill>
+                  <a:schemeClr val="tx1"/>
+                </a:solidFill>
+                <a:latin typeface="+mn-lt"/>
+                <a:ea typeface="+mn-ea"/>
+                <a:cs typeface="+mn-cs"/>
+              </a:defRPr>
+            </a:lvl7pPr>
+            <a:lvl8pPr marL="3429000" indent="-228600" algn="l" defTabSz="914400" rtl="0" eaLnBrk="1" latinLnBrk="0" hangingPunct="1">
+              <a:spcBef>
+                <a:spcPct val="20000"/>
+              </a:spcBef>
+              <a:buFont typeface="Arial" pitchFamily="34" charset="0"/>
+              <a:buChar char="•"/>
+              <a:defRPr sz="1800" kern="1200">
+                <a:solidFill>
+                  <a:schemeClr val="tx1"/>
+                </a:solidFill>
+                <a:latin typeface="+mn-lt"/>
+                <a:ea typeface="+mn-ea"/>
+                <a:cs typeface="+mn-cs"/>
+              </a:defRPr>
+            </a:lvl8pPr>
+            <a:lvl9pPr marL="3886200" indent="-228600" algn="l" defTabSz="914400" rtl="0" eaLnBrk="1" latinLnBrk="0" hangingPunct="1">
+              <a:spcBef>
+                <a:spcPct val="20000"/>
+              </a:spcBef>
+              <a:buFont typeface="Arial" pitchFamily="34" charset="0"/>
+              <a:buChar char="•"/>
+              <a:defRPr sz="1800" kern="1200">
+                <a:solidFill>
+                  <a:schemeClr val="tx1"/>
+                </a:solidFill>
+                <a:latin typeface="+mn-lt"/>
+                <a:ea typeface="+mn-ea"/>
+                <a:cs typeface="+mn-cs"/>
+              </a:defRPr>
+            </a:lvl9pPr>
+          </a:lstStyle>
+          <a:p>
+            <a:pPr marL="0" indent="0" algn="just">
+              <a:buNone/>
+            </a:pPr>
+            <a:r>
+              <a:rPr lang="en-US" dirty="0">
+                <a:solidFill>
+                  <a:schemeClr val="accent1">
+                    <a:lumMod val="40000"/>
+                    <a:lumOff val="60000"/>
+                  </a:schemeClr>
+                </a:solidFill>
+              </a:rPr>
+              <a:t>●</a:t>
+            </a:r>
+            <a:r>
+              <a:rPr lang="en-US" dirty="0">
+                <a:solidFill>
+                  <a:schemeClr val="accent1">
+                    <a:lumMod val="40000"/>
+                    <a:lumOff val="60000"/>
+                  </a:schemeClr>
+                </a:solidFill>
+                <a:latin typeface="Times New Roman" panose="02020603050405020304" pitchFamily="18" charset="0"/>
+                <a:cs typeface="Times New Roman" panose="02020603050405020304" pitchFamily="18" charset="0"/>
+              </a:rPr>
+              <a:t>If n ≥ 1, then for any n-key B-tree of height h and minimum degree t ≥ 2, 	 h ≥  </a:t>
+            </a:r>
+            <a:r>
+              <a:rPr lang="en-US" dirty="0" err="1">
+                <a:solidFill>
+                  <a:schemeClr val="accent1">
+                    <a:lumMod val="40000"/>
+                    <a:lumOff val="60000"/>
+                  </a:schemeClr>
+                </a:solidFill>
+                <a:latin typeface="Times New Roman" panose="02020603050405020304" pitchFamily="18" charset="0"/>
+                <a:cs typeface="Times New Roman" panose="02020603050405020304" pitchFamily="18" charset="0"/>
+              </a:rPr>
+              <a:t>log_t</a:t>
+            </a:r>
+            <a:r>
+              <a:rPr lang="en-US" dirty="0">
+                <a:solidFill>
+                  <a:schemeClr val="accent1">
+                    <a:lumMod val="40000"/>
+                    <a:lumOff val="60000"/>
+                  </a:schemeClr>
+                </a:solidFill>
+                <a:latin typeface="Times New Roman" panose="02020603050405020304" pitchFamily="18" charset="0"/>
+                <a:cs typeface="Times New Roman" panose="02020603050405020304" pitchFamily="18" charset="0"/>
+              </a:rPr>
+              <a:t> (n+1)/2</a:t>
+            </a:r>
           </a:p>
         </p:txBody>
       </p:sp>
     </p:spTree>
     <p:extLst>
       <p:ext uri="{BB962C8B-B14F-4D97-AF65-F5344CB8AC3E}">
-        <p14:creationId xmlns:p14="http://schemas.microsoft.com/office/powerpoint/2010/main" val="1892487261"/>
+        <p14:creationId xmlns:p14="http://schemas.microsoft.com/office/powerpoint/2010/main" val="1616644127"/>
       </p:ext>
     </p:extLst>
   </p:cSld>
   <p:clrMapOvr>
     <a:masterClrMapping/>
   </p:clrMapOvr>
+  <p:timing>
+    <p:tnLst>
+      <p:par>
+        <p:cTn id="1" dur="indefinite" restart="never" nodeType="tmRoot">
+          <p:childTnLst>
+            <p:seq concurrent="1" nextAc="seek">
+              <p:cTn id="2" dur="indefinite" nodeType="mainSeq">
+                <p:childTnLst>
+                  <p:par>
+                    <p:cTn id="3" fill="hold">
+                      <p:stCondLst>
+                        <p:cond delay="indefinite"/>
+                        <p:cond evt="onBegin" delay="0">
+                          <p:tn val="2"/>
+                        </p:cond>
+                      </p:stCondLst>
+                      <p:childTnLst>
+                        <p:par>
+                          <p:cTn id="4" fill="hold">
+                            <p:stCondLst>
+                              <p:cond delay="0"/>
+                            </p:stCondLst>
+                            <p:childTnLst>
+                              <p:par>
+                                <p:cTn id="5" presetID="2" presetClass="entr" presetSubtype="4" fill="hold" grpId="0" nodeType="withEffect">
+                                  <p:stCondLst>
+                                    <p:cond delay="0"/>
+                                  </p:stCondLst>
+                                  <p:childTnLst>
+                                    <p:set>
+                                      <p:cBhvr>
+                                        <p:cTn id="6" dur="1" fill="hold">
+                                          <p:stCondLst>
+                                            <p:cond delay="0"/>
+                                          </p:stCondLst>
+                                        </p:cTn>
+                                        <p:tgtEl>
+                                          <p:spTgt spid="5"/>
+                                        </p:tgtEl>
+                                        <p:attrNameLst>
+                                          <p:attrName>style.visibility</p:attrName>
+                                        </p:attrNameLst>
+                                      </p:cBhvr>
+                                      <p:to>
+                                        <p:strVal val="visible"/>
+                                      </p:to>
+                                    </p:set>
+                                    <p:anim calcmode="lin" valueType="num">
+                                      <p:cBhvr additive="base">
+                                        <p:cTn id="7" dur="500" fill="hold"/>
+                                        <p:tgtEl>
+                                          <p:spTgt spid="5"/>
+                                        </p:tgtEl>
+                                        <p:attrNameLst>
+                                          <p:attrName>ppt_x</p:attrName>
+                                        </p:attrNameLst>
+                                      </p:cBhvr>
+                                      <p:tavLst>
+                                        <p:tav tm="0">
+                                          <p:val>
+                                            <p:strVal val="#ppt_x"/>
+                                          </p:val>
+                                        </p:tav>
+                                        <p:tav tm="100000">
+                                          <p:val>
+                                            <p:strVal val="#ppt_x"/>
+                                          </p:val>
+                                        </p:tav>
+                                      </p:tavLst>
+                                    </p:anim>
+                                    <p:anim calcmode="lin" valueType="num">
+                                      <p:cBhvr additive="base">
+                                        <p:cTn id="8" dur="500" fill="hold"/>
+                                        <p:tgtEl>
+                                          <p:spTgt spid="5"/>
+                                        </p:tgtEl>
+                                        <p:attrNameLst>
+                                          <p:attrName>ppt_y</p:attrName>
+                                        </p:attrNameLst>
+                                      </p:cBhvr>
+                                      <p:tavLst>
+                                        <p:tav tm="0">
+                                          <p:val>
+                                            <p:strVal val="1+#ppt_h/2"/>
+                                          </p:val>
+                                        </p:tav>
+                                        <p:tav tm="100000">
+                                          <p:val>
+                                            <p:strVal val="#ppt_y"/>
+                                          </p:val>
+                                        </p:tav>
+                                      </p:tavLst>
+                                    </p:anim>
+                                  </p:childTnLst>
+                                </p:cTn>
+                              </p:par>
+                              <p:par>
+                                <p:cTn id="9" presetID="2" presetClass="entr" presetSubtype="4" fill="hold" grpId="0" nodeType="withEffect">
+                                  <p:stCondLst>
+                                    <p:cond delay="0"/>
+                                  </p:stCondLst>
+                                  <p:childTnLst>
+                                    <p:set>
+                                      <p:cBhvr>
+                                        <p:cTn id="10" dur="1" fill="hold">
+                                          <p:stCondLst>
+                                            <p:cond delay="0"/>
+                                          </p:stCondLst>
+                                        </p:cTn>
+                                        <p:tgtEl>
+                                          <p:spTgt spid="6"/>
+                                        </p:tgtEl>
+                                        <p:attrNameLst>
+                                          <p:attrName>style.visibility</p:attrName>
+                                        </p:attrNameLst>
+                                      </p:cBhvr>
+                                      <p:to>
+                                        <p:strVal val="visible"/>
+                                      </p:to>
+                                    </p:set>
+                                    <p:anim calcmode="lin" valueType="num">
+                                      <p:cBhvr additive="base">
+                                        <p:cTn id="11" dur="500" fill="hold"/>
+                                        <p:tgtEl>
+                                          <p:spTgt spid="6"/>
+                                        </p:tgtEl>
+                                        <p:attrNameLst>
+                                          <p:attrName>ppt_x</p:attrName>
+                                        </p:attrNameLst>
+                                      </p:cBhvr>
+                                      <p:tavLst>
+                                        <p:tav tm="0">
+                                          <p:val>
+                                            <p:strVal val="#ppt_x"/>
+                                          </p:val>
+                                        </p:tav>
+                                        <p:tav tm="100000">
+                                          <p:val>
+                                            <p:strVal val="#ppt_x"/>
+                                          </p:val>
+                                        </p:tav>
+                                      </p:tavLst>
+                                    </p:anim>
+                                    <p:anim calcmode="lin" valueType="num">
+                                      <p:cBhvr additive="base">
+                                        <p:cTn id="12" dur="500" fill="hold"/>
+                                        <p:tgtEl>
+                                          <p:spTgt spid="6"/>
+                                        </p:tgtEl>
+                                        <p:attrNameLst>
+                                          <p:attrName>ppt_y</p:attrName>
+                                        </p:attrNameLst>
+                                      </p:cBhvr>
+                                      <p:tavLst>
+                                        <p:tav tm="0">
+                                          <p:val>
+                                            <p:strVal val="1+#ppt_h/2"/>
+                                          </p:val>
+                                        </p:tav>
+                                        <p:tav tm="100000">
+                                          <p:val>
+                                            <p:strVal val="#ppt_y"/>
+                                          </p:val>
+                                        </p:tav>
+                                      </p:tavLst>
+                                    </p:anim>
+                                  </p:childTnLst>
+                                </p:cTn>
+                              </p:par>
+                              <p:par>
+                                <p:cTn id="13" presetID="2" presetClass="entr" presetSubtype="4" fill="hold" grpId="0" nodeType="withEffect">
+                                  <p:stCondLst>
+                                    <p:cond delay="0"/>
+                                  </p:stCondLst>
+                                  <p:childTnLst>
+                                    <p:set>
+                                      <p:cBhvr>
+                                        <p:cTn id="14" dur="1" fill="hold">
+                                          <p:stCondLst>
+                                            <p:cond delay="0"/>
+                                          </p:stCondLst>
+                                        </p:cTn>
+                                        <p:tgtEl>
+                                          <p:spTgt spid="7"/>
+                                        </p:tgtEl>
+                                        <p:attrNameLst>
+                                          <p:attrName>style.visibility</p:attrName>
+                                        </p:attrNameLst>
+                                      </p:cBhvr>
+                                      <p:to>
+                                        <p:strVal val="visible"/>
+                                      </p:to>
+                                    </p:set>
+                                    <p:anim calcmode="lin" valueType="num">
+                                      <p:cBhvr additive="base">
+                                        <p:cTn id="15" dur="500" fill="hold"/>
+                                        <p:tgtEl>
+                                          <p:spTgt spid="7"/>
+                                        </p:tgtEl>
+                                        <p:attrNameLst>
+                                          <p:attrName>ppt_x</p:attrName>
+                                        </p:attrNameLst>
+                                      </p:cBhvr>
+                                      <p:tavLst>
+                                        <p:tav tm="0">
+                                          <p:val>
+                                            <p:strVal val="#ppt_x"/>
+                                          </p:val>
+                                        </p:tav>
+                                        <p:tav tm="100000">
+                                          <p:val>
+                                            <p:strVal val="#ppt_x"/>
+                                          </p:val>
+                                        </p:tav>
+                                      </p:tavLst>
+                                    </p:anim>
+                                    <p:anim calcmode="lin" valueType="num">
+                                      <p:cBhvr additive="base">
+                                        <p:cTn id="16" dur="500" fill="hold"/>
+                                        <p:tgtEl>
+                                          <p:spTgt spid="7"/>
+                                        </p:tgtEl>
+                                        <p:attrNameLst>
+                                          <p:attrName>ppt_y</p:attrName>
+                                        </p:attrNameLst>
+                                      </p:cBhvr>
+                                      <p:tavLst>
+                                        <p:tav tm="0">
+                                          <p:val>
+                                            <p:strVal val="1+#ppt_h/2"/>
+                                          </p:val>
+                                        </p:tav>
+                                        <p:tav tm="100000">
+                                          <p:val>
+                                            <p:strVal val="#ppt_y"/>
+                                          </p:val>
+                                        </p:tav>
+                                      </p:tavLst>
+                                    </p:anim>
+                                  </p:childTnLst>
+                                </p:cTn>
+                              </p:par>
+                              <p:par>
+                                <p:cTn id="17" presetID="2" presetClass="entr" presetSubtype="4" fill="hold" grpId="0" nodeType="withEffect">
+                                  <p:stCondLst>
+                                    <p:cond delay="0"/>
+                                  </p:stCondLst>
+                                  <p:childTnLst>
+                                    <p:set>
+                                      <p:cBhvr>
+                                        <p:cTn id="18" dur="1" fill="hold">
+                                          <p:stCondLst>
+                                            <p:cond delay="0"/>
+                                          </p:stCondLst>
+                                        </p:cTn>
+                                        <p:tgtEl>
+                                          <p:spTgt spid="8"/>
+                                        </p:tgtEl>
+                                        <p:attrNameLst>
+                                          <p:attrName>style.visibility</p:attrName>
+                                        </p:attrNameLst>
+                                      </p:cBhvr>
+                                      <p:to>
+                                        <p:strVal val="visible"/>
+                                      </p:to>
+                                    </p:set>
+                                    <p:anim calcmode="lin" valueType="num">
+                                      <p:cBhvr additive="base">
+                                        <p:cTn id="19" dur="500" fill="hold"/>
+                                        <p:tgtEl>
+                                          <p:spTgt spid="8"/>
+                                        </p:tgtEl>
+                                        <p:attrNameLst>
+                                          <p:attrName>ppt_x</p:attrName>
+                                        </p:attrNameLst>
+                                      </p:cBhvr>
+                                      <p:tavLst>
+                                        <p:tav tm="0">
+                                          <p:val>
+                                            <p:strVal val="#ppt_x"/>
+                                          </p:val>
+                                        </p:tav>
+                                        <p:tav tm="100000">
+                                          <p:val>
+                                            <p:strVal val="#ppt_x"/>
+                                          </p:val>
+                                        </p:tav>
+                                      </p:tavLst>
+                                    </p:anim>
+                                    <p:anim calcmode="lin" valueType="num">
+                                      <p:cBhvr additive="base">
+                                        <p:cTn id="20" dur="500" fill="hold"/>
+                                        <p:tgtEl>
+                                          <p:spTgt spid="8"/>
+                                        </p:tgtEl>
+                                        <p:attrNameLst>
+                                          <p:attrName>ppt_y</p:attrName>
+                                        </p:attrNameLst>
+                                      </p:cBhvr>
+                                      <p:tavLst>
+                                        <p:tav tm="0">
+                                          <p:val>
+                                            <p:strVal val="1+#ppt_h/2"/>
+                                          </p:val>
+                                        </p:tav>
+                                        <p:tav tm="100000">
+                                          <p:val>
+                                            <p:strVal val="#ppt_y"/>
+                                          </p:val>
+                                        </p:tav>
+                                      </p:tavLst>
+                                    </p:anim>
+                                  </p:childTnLst>
+                                </p:cTn>
+                              </p:par>
+                              <p:par>
+                                <p:cTn id="21" presetID="2" presetClass="entr" presetSubtype="4" fill="hold" grpId="0" nodeType="withEffect">
+                                  <p:stCondLst>
+                                    <p:cond delay="0"/>
+                                  </p:stCondLst>
+                                  <p:childTnLst>
+                                    <p:set>
+                                      <p:cBhvr>
+                                        <p:cTn id="22" dur="1" fill="hold">
+                                          <p:stCondLst>
+                                            <p:cond delay="0"/>
+                                          </p:stCondLst>
+                                        </p:cTn>
+                                        <p:tgtEl>
+                                          <p:spTgt spid="9"/>
+                                        </p:tgtEl>
+                                        <p:attrNameLst>
+                                          <p:attrName>style.visibility</p:attrName>
+                                        </p:attrNameLst>
+                                      </p:cBhvr>
+                                      <p:to>
+                                        <p:strVal val="visible"/>
+                                      </p:to>
+                                    </p:set>
+                                    <p:anim calcmode="lin" valueType="num">
+                                      <p:cBhvr additive="base">
+                                        <p:cTn id="23" dur="500" fill="hold"/>
+                                        <p:tgtEl>
+                                          <p:spTgt spid="9"/>
+                                        </p:tgtEl>
+                                        <p:attrNameLst>
+                                          <p:attrName>ppt_x</p:attrName>
+                                        </p:attrNameLst>
+                                      </p:cBhvr>
+                                      <p:tavLst>
+                                        <p:tav tm="0">
+                                          <p:val>
+                                            <p:strVal val="#ppt_x"/>
+                                          </p:val>
+                                        </p:tav>
+                                        <p:tav tm="100000">
+                                          <p:val>
+                                            <p:strVal val="#ppt_x"/>
+                                          </p:val>
+                                        </p:tav>
+                                      </p:tavLst>
+                                    </p:anim>
+                                    <p:anim calcmode="lin" valueType="num">
+                                      <p:cBhvr additive="base">
+                                        <p:cTn id="24" dur="500" fill="hold"/>
+                                        <p:tgtEl>
+                                          <p:spTgt spid="9"/>
+                                        </p:tgtEl>
+                                        <p:attrNameLst>
+                                          <p:attrName>ppt_y</p:attrName>
+                                        </p:attrNameLst>
+                                      </p:cBhvr>
+                                      <p:tavLst>
+                                        <p:tav tm="0">
+                                          <p:val>
+                                            <p:strVal val="1+#ppt_h/2"/>
+                                          </p:val>
+                                        </p:tav>
+                                        <p:tav tm="100000">
+                                          <p:val>
+                                            <p:strVal val="#ppt_y"/>
+                                          </p:val>
+                                        </p:tav>
+                                      </p:tavLst>
+                                    </p:anim>
+                                  </p:childTnLst>
+                                </p:cTn>
+                              </p:par>
+                              <p:par>
+                                <p:cTn id="25" presetID="2" presetClass="entr" presetSubtype="4" fill="hold" grpId="0" nodeType="withEffect">
+                                  <p:stCondLst>
+                                    <p:cond delay="0"/>
+                                  </p:stCondLst>
+                                  <p:childTnLst>
+                                    <p:set>
+                                      <p:cBhvr>
+                                        <p:cTn id="26" dur="1" fill="hold">
+                                          <p:stCondLst>
+                                            <p:cond delay="0"/>
+                                          </p:stCondLst>
+                                        </p:cTn>
+                                        <p:tgtEl>
+                                          <p:spTgt spid="10"/>
+                                        </p:tgtEl>
+                                        <p:attrNameLst>
+                                          <p:attrName>style.visibility</p:attrName>
+                                        </p:attrNameLst>
+                                      </p:cBhvr>
+                                      <p:to>
+                                        <p:strVal val="visible"/>
+                                      </p:to>
+                                    </p:set>
+                                    <p:anim calcmode="lin" valueType="num">
+                                      <p:cBhvr additive="base">
+                                        <p:cTn id="27" dur="500" fill="hold"/>
+                                        <p:tgtEl>
+                                          <p:spTgt spid="10"/>
+                                        </p:tgtEl>
+                                        <p:attrNameLst>
+                                          <p:attrName>ppt_x</p:attrName>
+                                        </p:attrNameLst>
+                                      </p:cBhvr>
+                                      <p:tavLst>
+                                        <p:tav tm="0">
+                                          <p:val>
+                                            <p:strVal val="#ppt_x"/>
+                                          </p:val>
+                                        </p:tav>
+                                        <p:tav tm="100000">
+                                          <p:val>
+                                            <p:strVal val="#ppt_x"/>
+                                          </p:val>
+                                        </p:tav>
+                                      </p:tavLst>
+                                    </p:anim>
+                                    <p:anim calcmode="lin" valueType="num">
+                                      <p:cBhvr additive="base">
+                                        <p:cTn id="28" dur="500" fill="hold"/>
+                                        <p:tgtEl>
+                                          <p:spTgt spid="10"/>
+                                        </p:tgtEl>
+                                        <p:attrNameLst>
+                                          <p:attrName>ppt_y</p:attrName>
+                                        </p:attrNameLst>
+                                      </p:cBhvr>
+                                      <p:tavLst>
+                                        <p:tav tm="0">
+                                          <p:val>
+                                            <p:strVal val="1+#ppt_h/2"/>
+                                          </p:val>
+                                        </p:tav>
+                                        <p:tav tm="100000">
+                                          <p:val>
+                                            <p:strVal val="#ppt_y"/>
+                                          </p:val>
+                                        </p:tav>
+                                      </p:tavLst>
+                                    </p:anim>
+                                  </p:childTnLst>
+                                </p:cTn>
+                              </p:par>
+                              <p:par>
+                                <p:cTn id="29" presetID="2" presetClass="entr" presetSubtype="4" fill="hold" grpId="0" nodeType="withEffect">
+                                  <p:stCondLst>
+                                    <p:cond delay="0"/>
+                                  </p:stCondLst>
+                                  <p:childTnLst>
+                                    <p:set>
+                                      <p:cBhvr>
+                                        <p:cTn id="30" dur="1" fill="hold">
+                                          <p:stCondLst>
+                                            <p:cond delay="0"/>
+                                          </p:stCondLst>
+                                        </p:cTn>
+                                        <p:tgtEl>
+                                          <p:spTgt spid="11"/>
+                                        </p:tgtEl>
+                                        <p:attrNameLst>
+                                          <p:attrName>style.visibility</p:attrName>
+                                        </p:attrNameLst>
+                                      </p:cBhvr>
+                                      <p:to>
+                                        <p:strVal val="visible"/>
+                                      </p:to>
+                                    </p:set>
+                                    <p:anim calcmode="lin" valueType="num">
+                                      <p:cBhvr additive="base">
+                                        <p:cTn id="31" dur="500" fill="hold"/>
+                                        <p:tgtEl>
+                                          <p:spTgt spid="11"/>
+                                        </p:tgtEl>
+                                        <p:attrNameLst>
+                                          <p:attrName>ppt_x</p:attrName>
+                                        </p:attrNameLst>
+                                      </p:cBhvr>
+                                      <p:tavLst>
+                                        <p:tav tm="0">
+                                          <p:val>
+                                            <p:strVal val="#ppt_x"/>
+                                          </p:val>
+                                        </p:tav>
+                                        <p:tav tm="100000">
+                                          <p:val>
+                                            <p:strVal val="#ppt_x"/>
+                                          </p:val>
+                                        </p:tav>
+                                      </p:tavLst>
+                                    </p:anim>
+                                    <p:anim calcmode="lin" valueType="num">
+                                      <p:cBhvr additive="base">
+                                        <p:cTn id="32" dur="500" fill="hold"/>
+                                        <p:tgtEl>
+                                          <p:spTgt spid="11"/>
+                                        </p:tgtEl>
+                                        <p:attrNameLst>
+                                          <p:attrName>ppt_y</p:attrName>
+                                        </p:attrNameLst>
+                                      </p:cBhvr>
+                                      <p:tavLst>
+                                        <p:tav tm="0">
+                                          <p:val>
+                                            <p:strVal val="1+#ppt_h/2"/>
+                                          </p:val>
+                                        </p:tav>
+                                        <p:tav tm="100000">
+                                          <p:val>
+                                            <p:strVal val="#ppt_y"/>
+                                          </p:val>
+                                        </p:tav>
+                                      </p:tavLst>
+                                    </p:anim>
+                                  </p:childTnLst>
+                                </p:cTn>
+                              </p:par>
+                              <p:par>
+                                <p:cTn id="33" presetID="2" presetClass="entr" presetSubtype="4" fill="hold" nodeType="withEffect">
+                                  <p:stCondLst>
+                                    <p:cond delay="0"/>
+                                  </p:stCondLst>
+                                  <p:childTnLst>
+                                    <p:set>
+                                      <p:cBhvr>
+                                        <p:cTn id="34" dur="1" fill="hold">
+                                          <p:stCondLst>
+                                            <p:cond delay="0"/>
+                                          </p:stCondLst>
+                                        </p:cTn>
+                                        <p:tgtEl>
+                                          <p:spTgt spid="15"/>
+                                        </p:tgtEl>
+                                        <p:attrNameLst>
+                                          <p:attrName>style.visibility</p:attrName>
+                                        </p:attrNameLst>
+                                      </p:cBhvr>
+                                      <p:to>
+                                        <p:strVal val="visible"/>
+                                      </p:to>
+                                    </p:set>
+                                    <p:anim calcmode="lin" valueType="num">
+                                      <p:cBhvr additive="base">
+                                        <p:cTn id="35" dur="500" fill="hold"/>
+                                        <p:tgtEl>
+                                          <p:spTgt spid="15"/>
+                                        </p:tgtEl>
+                                        <p:attrNameLst>
+                                          <p:attrName>ppt_x</p:attrName>
+                                        </p:attrNameLst>
+                                      </p:cBhvr>
+                                      <p:tavLst>
+                                        <p:tav tm="0">
+                                          <p:val>
+                                            <p:strVal val="#ppt_x"/>
+                                          </p:val>
+                                        </p:tav>
+                                        <p:tav tm="100000">
+                                          <p:val>
+                                            <p:strVal val="#ppt_x"/>
+                                          </p:val>
+                                        </p:tav>
+                                      </p:tavLst>
+                                    </p:anim>
+                                    <p:anim calcmode="lin" valueType="num">
+                                      <p:cBhvr additive="base">
+                                        <p:cTn id="36" dur="500" fill="hold"/>
+                                        <p:tgtEl>
+                                          <p:spTgt spid="15"/>
+                                        </p:tgtEl>
+                                        <p:attrNameLst>
+                                          <p:attrName>ppt_y</p:attrName>
+                                        </p:attrNameLst>
+                                      </p:cBhvr>
+                                      <p:tavLst>
+                                        <p:tav tm="0">
+                                          <p:val>
+                                            <p:strVal val="1+#ppt_h/2"/>
+                                          </p:val>
+                                        </p:tav>
+                                        <p:tav tm="100000">
+                                          <p:val>
+                                            <p:strVal val="#ppt_y"/>
+                                          </p:val>
+                                        </p:tav>
+                                      </p:tavLst>
+                                    </p:anim>
+                                  </p:childTnLst>
+                                </p:cTn>
+                              </p:par>
+                              <p:par>
+                                <p:cTn id="37" presetID="2" presetClass="entr" presetSubtype="4" fill="hold" nodeType="withEffect">
+                                  <p:stCondLst>
+                                    <p:cond delay="0"/>
+                                  </p:stCondLst>
+                                  <p:childTnLst>
+                                    <p:set>
+                                      <p:cBhvr>
+                                        <p:cTn id="38" dur="1" fill="hold">
+                                          <p:stCondLst>
+                                            <p:cond delay="0"/>
+                                          </p:stCondLst>
+                                        </p:cTn>
+                                        <p:tgtEl>
+                                          <p:spTgt spid="18"/>
+                                        </p:tgtEl>
+                                        <p:attrNameLst>
+                                          <p:attrName>style.visibility</p:attrName>
+                                        </p:attrNameLst>
+                                      </p:cBhvr>
+                                      <p:to>
+                                        <p:strVal val="visible"/>
+                                      </p:to>
+                                    </p:set>
+                                    <p:anim calcmode="lin" valueType="num">
+                                      <p:cBhvr additive="base">
+                                        <p:cTn id="39" dur="500" fill="hold"/>
+                                        <p:tgtEl>
+                                          <p:spTgt spid="18"/>
+                                        </p:tgtEl>
+                                        <p:attrNameLst>
+                                          <p:attrName>ppt_x</p:attrName>
+                                        </p:attrNameLst>
+                                      </p:cBhvr>
+                                      <p:tavLst>
+                                        <p:tav tm="0">
+                                          <p:val>
+                                            <p:strVal val="#ppt_x"/>
+                                          </p:val>
+                                        </p:tav>
+                                        <p:tav tm="100000">
+                                          <p:val>
+                                            <p:strVal val="#ppt_x"/>
+                                          </p:val>
+                                        </p:tav>
+                                      </p:tavLst>
+                                    </p:anim>
+                                    <p:anim calcmode="lin" valueType="num">
+                                      <p:cBhvr additive="base">
+                                        <p:cTn id="40" dur="500" fill="hold"/>
+                                        <p:tgtEl>
+                                          <p:spTgt spid="18"/>
+                                        </p:tgtEl>
+                                        <p:attrNameLst>
+                                          <p:attrName>ppt_y</p:attrName>
+                                        </p:attrNameLst>
+                                      </p:cBhvr>
+                                      <p:tavLst>
+                                        <p:tav tm="0">
+                                          <p:val>
+                                            <p:strVal val="1+#ppt_h/2"/>
+                                          </p:val>
+                                        </p:tav>
+                                        <p:tav tm="100000">
+                                          <p:val>
+                                            <p:strVal val="#ppt_y"/>
+                                          </p:val>
+                                        </p:tav>
+                                      </p:tavLst>
+                                    </p:anim>
+                                  </p:childTnLst>
+                                </p:cTn>
+                              </p:par>
+                              <p:par>
+                                <p:cTn id="41" presetID="2" presetClass="entr" presetSubtype="4" fill="hold" nodeType="withEffect">
+                                  <p:stCondLst>
+                                    <p:cond delay="0"/>
+                                  </p:stCondLst>
+                                  <p:childTnLst>
+                                    <p:set>
+                                      <p:cBhvr>
+                                        <p:cTn id="42" dur="1" fill="hold">
+                                          <p:stCondLst>
+                                            <p:cond delay="0"/>
+                                          </p:stCondLst>
+                                        </p:cTn>
+                                        <p:tgtEl>
+                                          <p:spTgt spid="20"/>
+                                        </p:tgtEl>
+                                        <p:attrNameLst>
+                                          <p:attrName>style.visibility</p:attrName>
+                                        </p:attrNameLst>
+                                      </p:cBhvr>
+                                      <p:to>
+                                        <p:strVal val="visible"/>
+                                      </p:to>
+                                    </p:set>
+                                    <p:anim calcmode="lin" valueType="num">
+                                      <p:cBhvr additive="base">
+                                        <p:cTn id="43" dur="500" fill="hold"/>
+                                        <p:tgtEl>
+                                          <p:spTgt spid="20"/>
+                                        </p:tgtEl>
+                                        <p:attrNameLst>
+                                          <p:attrName>ppt_x</p:attrName>
+                                        </p:attrNameLst>
+                                      </p:cBhvr>
+                                      <p:tavLst>
+                                        <p:tav tm="0">
+                                          <p:val>
+                                            <p:strVal val="#ppt_x"/>
+                                          </p:val>
+                                        </p:tav>
+                                        <p:tav tm="100000">
+                                          <p:val>
+                                            <p:strVal val="#ppt_x"/>
+                                          </p:val>
+                                        </p:tav>
+                                      </p:tavLst>
+                                    </p:anim>
+                                    <p:anim calcmode="lin" valueType="num">
+                                      <p:cBhvr additive="base">
+                                        <p:cTn id="44" dur="500" fill="hold"/>
+                                        <p:tgtEl>
+                                          <p:spTgt spid="20"/>
+                                        </p:tgtEl>
+                                        <p:attrNameLst>
+                                          <p:attrName>ppt_y</p:attrName>
+                                        </p:attrNameLst>
+                                      </p:cBhvr>
+                                      <p:tavLst>
+                                        <p:tav tm="0">
+                                          <p:val>
+                                            <p:strVal val="1+#ppt_h/2"/>
+                                          </p:val>
+                                        </p:tav>
+                                        <p:tav tm="100000">
+                                          <p:val>
+                                            <p:strVal val="#ppt_y"/>
+                                          </p:val>
+                                        </p:tav>
+                                      </p:tavLst>
+                                    </p:anim>
+                                  </p:childTnLst>
+                                </p:cTn>
+                              </p:par>
+                              <p:par>
+                                <p:cTn id="45" presetID="2" presetClass="entr" presetSubtype="4" fill="hold" nodeType="withEffect">
+                                  <p:stCondLst>
+                                    <p:cond delay="0"/>
+                                  </p:stCondLst>
+                                  <p:childTnLst>
+                                    <p:set>
+                                      <p:cBhvr>
+                                        <p:cTn id="46" dur="1" fill="hold">
+                                          <p:stCondLst>
+                                            <p:cond delay="0"/>
+                                          </p:stCondLst>
+                                        </p:cTn>
+                                        <p:tgtEl>
+                                          <p:spTgt spid="25"/>
+                                        </p:tgtEl>
+                                        <p:attrNameLst>
+                                          <p:attrName>style.visibility</p:attrName>
+                                        </p:attrNameLst>
+                                      </p:cBhvr>
+                                      <p:to>
+                                        <p:strVal val="visible"/>
+                                      </p:to>
+                                    </p:set>
+                                    <p:anim calcmode="lin" valueType="num">
+                                      <p:cBhvr additive="base">
+                                        <p:cTn id="47" dur="500" fill="hold"/>
+                                        <p:tgtEl>
+                                          <p:spTgt spid="25"/>
+                                        </p:tgtEl>
+                                        <p:attrNameLst>
+                                          <p:attrName>ppt_x</p:attrName>
+                                        </p:attrNameLst>
+                                      </p:cBhvr>
+                                      <p:tavLst>
+                                        <p:tav tm="0">
+                                          <p:val>
+                                            <p:strVal val="#ppt_x"/>
+                                          </p:val>
+                                        </p:tav>
+                                        <p:tav tm="100000">
+                                          <p:val>
+                                            <p:strVal val="#ppt_x"/>
+                                          </p:val>
+                                        </p:tav>
+                                      </p:tavLst>
+                                    </p:anim>
+                                    <p:anim calcmode="lin" valueType="num">
+                                      <p:cBhvr additive="base">
+                                        <p:cTn id="48" dur="500" fill="hold"/>
+                                        <p:tgtEl>
+                                          <p:spTgt spid="25"/>
+                                        </p:tgtEl>
+                                        <p:attrNameLst>
+                                          <p:attrName>ppt_y</p:attrName>
+                                        </p:attrNameLst>
+                                      </p:cBhvr>
+                                      <p:tavLst>
+                                        <p:tav tm="0">
+                                          <p:val>
+                                            <p:strVal val="1+#ppt_h/2"/>
+                                          </p:val>
+                                        </p:tav>
+                                        <p:tav tm="100000">
+                                          <p:val>
+                                            <p:strVal val="#ppt_y"/>
+                                          </p:val>
+                                        </p:tav>
+                                      </p:tavLst>
+                                    </p:anim>
+                                  </p:childTnLst>
+                                </p:cTn>
+                              </p:par>
+                              <p:par>
+                                <p:cTn id="49" presetID="2" presetClass="entr" presetSubtype="4" fill="hold" nodeType="withEffect">
+                                  <p:stCondLst>
+                                    <p:cond delay="0"/>
+                                  </p:stCondLst>
+                                  <p:childTnLst>
+                                    <p:set>
+                                      <p:cBhvr>
+                                        <p:cTn id="50" dur="1" fill="hold">
+                                          <p:stCondLst>
+                                            <p:cond delay="0"/>
+                                          </p:stCondLst>
+                                        </p:cTn>
+                                        <p:tgtEl>
+                                          <p:spTgt spid="29"/>
+                                        </p:tgtEl>
+                                        <p:attrNameLst>
+                                          <p:attrName>style.visibility</p:attrName>
+                                        </p:attrNameLst>
+                                      </p:cBhvr>
+                                      <p:to>
+                                        <p:strVal val="visible"/>
+                                      </p:to>
+                                    </p:set>
+                                    <p:anim calcmode="lin" valueType="num">
+                                      <p:cBhvr additive="base">
+                                        <p:cTn id="51" dur="500" fill="hold"/>
+                                        <p:tgtEl>
+                                          <p:spTgt spid="29"/>
+                                        </p:tgtEl>
+                                        <p:attrNameLst>
+                                          <p:attrName>ppt_x</p:attrName>
+                                        </p:attrNameLst>
+                                      </p:cBhvr>
+                                      <p:tavLst>
+                                        <p:tav tm="0">
+                                          <p:val>
+                                            <p:strVal val="#ppt_x"/>
+                                          </p:val>
+                                        </p:tav>
+                                        <p:tav tm="100000">
+                                          <p:val>
+                                            <p:strVal val="#ppt_x"/>
+                                          </p:val>
+                                        </p:tav>
+                                      </p:tavLst>
+                                    </p:anim>
+                                    <p:anim calcmode="lin" valueType="num">
+                                      <p:cBhvr additive="base">
+                                        <p:cTn id="52" dur="500" fill="hold"/>
+                                        <p:tgtEl>
+                                          <p:spTgt spid="29"/>
+                                        </p:tgtEl>
+                                        <p:attrNameLst>
+                                          <p:attrName>ppt_y</p:attrName>
+                                        </p:attrNameLst>
+                                      </p:cBhvr>
+                                      <p:tavLst>
+                                        <p:tav tm="0">
+                                          <p:val>
+                                            <p:strVal val="1+#ppt_h/2"/>
+                                          </p:val>
+                                        </p:tav>
+                                        <p:tav tm="100000">
+                                          <p:val>
+                                            <p:strVal val="#ppt_y"/>
+                                          </p:val>
+                                        </p:tav>
+                                      </p:tavLst>
+                                    </p:anim>
+                                  </p:childTnLst>
+                                </p:cTn>
+                              </p:par>
+                              <p:par>
+                                <p:cTn id="53" presetID="2" presetClass="entr" presetSubtype="4" fill="hold" nodeType="withEffect">
+                                  <p:stCondLst>
+                                    <p:cond delay="0"/>
+                                  </p:stCondLst>
+                                  <p:childTnLst>
+                                    <p:set>
+                                      <p:cBhvr>
+                                        <p:cTn id="54" dur="1" fill="hold">
+                                          <p:stCondLst>
+                                            <p:cond delay="0"/>
+                                          </p:stCondLst>
+                                        </p:cTn>
+                                        <p:tgtEl>
+                                          <p:spTgt spid="31"/>
+                                        </p:tgtEl>
+                                        <p:attrNameLst>
+                                          <p:attrName>style.visibility</p:attrName>
+                                        </p:attrNameLst>
+                                      </p:cBhvr>
+                                      <p:to>
+                                        <p:strVal val="visible"/>
+                                      </p:to>
+                                    </p:set>
+                                    <p:anim calcmode="lin" valueType="num">
+                                      <p:cBhvr additive="base">
+                                        <p:cTn id="55" dur="500" fill="hold"/>
+                                        <p:tgtEl>
+                                          <p:spTgt spid="31"/>
+                                        </p:tgtEl>
+                                        <p:attrNameLst>
+                                          <p:attrName>ppt_x</p:attrName>
+                                        </p:attrNameLst>
+                                      </p:cBhvr>
+                                      <p:tavLst>
+                                        <p:tav tm="0">
+                                          <p:val>
+                                            <p:strVal val="#ppt_x"/>
+                                          </p:val>
+                                        </p:tav>
+                                        <p:tav tm="100000">
+                                          <p:val>
+                                            <p:strVal val="#ppt_x"/>
+                                          </p:val>
+                                        </p:tav>
+                                      </p:tavLst>
+                                    </p:anim>
+                                    <p:anim calcmode="lin" valueType="num">
+                                      <p:cBhvr additive="base">
+                                        <p:cTn id="56" dur="500" fill="hold"/>
+                                        <p:tgtEl>
+                                          <p:spTgt spid="31"/>
+                                        </p:tgtEl>
+                                        <p:attrNameLst>
+                                          <p:attrName>ppt_y</p:attrName>
+                                        </p:attrNameLst>
+                                      </p:cBhvr>
+                                      <p:tavLst>
+                                        <p:tav tm="0">
+                                          <p:val>
+                                            <p:strVal val="1+#ppt_h/2"/>
+                                          </p:val>
+                                        </p:tav>
+                                        <p:tav tm="100000">
+                                          <p:val>
+                                            <p:strVal val="#ppt_y"/>
+                                          </p:val>
+                                        </p:tav>
+                                      </p:tavLst>
+                                    </p:anim>
+                                  </p:childTnLst>
+                                </p:cTn>
+                              </p:par>
+                            </p:childTnLst>
+                          </p:cTn>
+                        </p:par>
+                      </p:childTnLst>
+                    </p:cTn>
+                  </p:par>
+                  <p:par>
+                    <p:cTn id="57" fill="hold">
+                      <p:stCondLst>
+                        <p:cond delay="indefinite"/>
+                      </p:stCondLst>
+                      <p:childTnLst>
+                        <p:par>
+                          <p:cTn id="58" fill="hold">
+                            <p:stCondLst>
+                              <p:cond delay="0"/>
+                            </p:stCondLst>
+                            <p:childTnLst>
+                              <p:par>
+                                <p:cTn id="59" presetID="22" presetClass="exit" presetSubtype="4" fill="hold" grpId="1" nodeType="clickEffect">
+                                  <p:stCondLst>
+                                    <p:cond delay="0"/>
+                                  </p:stCondLst>
+                                  <p:childTnLst>
+                                    <p:animEffect transition="out" filter="wipe(down)">
+                                      <p:cBhvr>
+                                        <p:cTn id="60" dur="500"/>
+                                        <p:tgtEl>
+                                          <p:spTgt spid="5"/>
+                                        </p:tgtEl>
+                                      </p:cBhvr>
+                                    </p:animEffect>
+                                    <p:set>
+                                      <p:cBhvr>
+                                        <p:cTn id="61" dur="1" fill="hold">
+                                          <p:stCondLst>
+                                            <p:cond delay="499"/>
+                                          </p:stCondLst>
+                                        </p:cTn>
+                                        <p:tgtEl>
+                                          <p:spTgt spid="5"/>
+                                        </p:tgtEl>
+                                        <p:attrNameLst>
+                                          <p:attrName>style.visibility</p:attrName>
+                                        </p:attrNameLst>
+                                      </p:cBhvr>
+                                      <p:to>
+                                        <p:strVal val="hidden"/>
+                                      </p:to>
+                                    </p:set>
+                                  </p:childTnLst>
+                                </p:cTn>
+                              </p:par>
+                              <p:par>
+                                <p:cTn id="62" presetID="22" presetClass="exit" presetSubtype="4" fill="hold" grpId="1" nodeType="withEffect">
+                                  <p:stCondLst>
+                                    <p:cond delay="0"/>
+                                  </p:stCondLst>
+                                  <p:childTnLst>
+                                    <p:animEffect transition="out" filter="wipe(down)">
+                                      <p:cBhvr>
+                                        <p:cTn id="63" dur="500"/>
+                                        <p:tgtEl>
+                                          <p:spTgt spid="6"/>
+                                        </p:tgtEl>
+                                      </p:cBhvr>
+                                    </p:animEffect>
+                                    <p:set>
+                                      <p:cBhvr>
+                                        <p:cTn id="64" dur="1" fill="hold">
+                                          <p:stCondLst>
+                                            <p:cond delay="499"/>
+                                          </p:stCondLst>
+                                        </p:cTn>
+                                        <p:tgtEl>
+                                          <p:spTgt spid="6"/>
+                                        </p:tgtEl>
+                                        <p:attrNameLst>
+                                          <p:attrName>style.visibility</p:attrName>
+                                        </p:attrNameLst>
+                                      </p:cBhvr>
+                                      <p:to>
+                                        <p:strVal val="hidden"/>
+                                      </p:to>
+                                    </p:set>
+                                  </p:childTnLst>
+                                </p:cTn>
+                              </p:par>
+                              <p:par>
+                                <p:cTn id="65" presetID="22" presetClass="exit" presetSubtype="4" fill="hold" grpId="1" nodeType="withEffect">
+                                  <p:stCondLst>
+                                    <p:cond delay="0"/>
+                                  </p:stCondLst>
+                                  <p:childTnLst>
+                                    <p:animEffect transition="out" filter="wipe(down)">
+                                      <p:cBhvr>
+                                        <p:cTn id="66" dur="500"/>
+                                        <p:tgtEl>
+                                          <p:spTgt spid="7"/>
+                                        </p:tgtEl>
+                                      </p:cBhvr>
+                                    </p:animEffect>
+                                    <p:set>
+                                      <p:cBhvr>
+                                        <p:cTn id="67" dur="1" fill="hold">
+                                          <p:stCondLst>
+                                            <p:cond delay="499"/>
+                                          </p:stCondLst>
+                                        </p:cTn>
+                                        <p:tgtEl>
+                                          <p:spTgt spid="7"/>
+                                        </p:tgtEl>
+                                        <p:attrNameLst>
+                                          <p:attrName>style.visibility</p:attrName>
+                                        </p:attrNameLst>
+                                      </p:cBhvr>
+                                      <p:to>
+                                        <p:strVal val="hidden"/>
+                                      </p:to>
+                                    </p:set>
+                                  </p:childTnLst>
+                                </p:cTn>
+                              </p:par>
+                              <p:par>
+                                <p:cTn id="68" presetID="22" presetClass="exit" presetSubtype="4" fill="hold" grpId="1" nodeType="withEffect">
+                                  <p:stCondLst>
+                                    <p:cond delay="0"/>
+                                  </p:stCondLst>
+                                  <p:childTnLst>
+                                    <p:animEffect transition="out" filter="wipe(down)">
+                                      <p:cBhvr>
+                                        <p:cTn id="69" dur="500"/>
+                                        <p:tgtEl>
+                                          <p:spTgt spid="8"/>
+                                        </p:tgtEl>
+                                      </p:cBhvr>
+                                    </p:animEffect>
+                                    <p:set>
+                                      <p:cBhvr>
+                                        <p:cTn id="70" dur="1" fill="hold">
+                                          <p:stCondLst>
+                                            <p:cond delay="499"/>
+                                          </p:stCondLst>
+                                        </p:cTn>
+                                        <p:tgtEl>
+                                          <p:spTgt spid="8"/>
+                                        </p:tgtEl>
+                                        <p:attrNameLst>
+                                          <p:attrName>style.visibility</p:attrName>
+                                        </p:attrNameLst>
+                                      </p:cBhvr>
+                                      <p:to>
+                                        <p:strVal val="hidden"/>
+                                      </p:to>
+                                    </p:set>
+                                  </p:childTnLst>
+                                </p:cTn>
+                              </p:par>
+                              <p:par>
+                                <p:cTn id="71" presetID="22" presetClass="exit" presetSubtype="4" fill="hold" grpId="1" nodeType="withEffect">
+                                  <p:stCondLst>
+                                    <p:cond delay="0"/>
+                                  </p:stCondLst>
+                                  <p:childTnLst>
+                                    <p:animEffect transition="out" filter="wipe(down)">
+                                      <p:cBhvr>
+                                        <p:cTn id="72" dur="500"/>
+                                        <p:tgtEl>
+                                          <p:spTgt spid="9"/>
+                                        </p:tgtEl>
+                                      </p:cBhvr>
+                                    </p:animEffect>
+                                    <p:set>
+                                      <p:cBhvr>
+                                        <p:cTn id="73" dur="1" fill="hold">
+                                          <p:stCondLst>
+                                            <p:cond delay="499"/>
+                                          </p:stCondLst>
+                                        </p:cTn>
+                                        <p:tgtEl>
+                                          <p:spTgt spid="9"/>
+                                        </p:tgtEl>
+                                        <p:attrNameLst>
+                                          <p:attrName>style.visibility</p:attrName>
+                                        </p:attrNameLst>
+                                      </p:cBhvr>
+                                      <p:to>
+                                        <p:strVal val="hidden"/>
+                                      </p:to>
+                                    </p:set>
+                                  </p:childTnLst>
+                                </p:cTn>
+                              </p:par>
+                              <p:par>
+                                <p:cTn id="74" presetID="22" presetClass="exit" presetSubtype="4" fill="hold" grpId="1" nodeType="withEffect">
+                                  <p:stCondLst>
+                                    <p:cond delay="0"/>
+                                  </p:stCondLst>
+                                  <p:childTnLst>
+                                    <p:animEffect transition="out" filter="wipe(down)">
+                                      <p:cBhvr>
+                                        <p:cTn id="75" dur="500"/>
+                                        <p:tgtEl>
+                                          <p:spTgt spid="10"/>
+                                        </p:tgtEl>
+                                      </p:cBhvr>
+                                    </p:animEffect>
+                                    <p:set>
+                                      <p:cBhvr>
+                                        <p:cTn id="76" dur="1" fill="hold">
+                                          <p:stCondLst>
+                                            <p:cond delay="499"/>
+                                          </p:stCondLst>
+                                        </p:cTn>
+                                        <p:tgtEl>
+                                          <p:spTgt spid="10"/>
+                                        </p:tgtEl>
+                                        <p:attrNameLst>
+                                          <p:attrName>style.visibility</p:attrName>
+                                        </p:attrNameLst>
+                                      </p:cBhvr>
+                                      <p:to>
+                                        <p:strVal val="hidden"/>
+                                      </p:to>
+                                    </p:set>
+                                  </p:childTnLst>
+                                </p:cTn>
+                              </p:par>
+                              <p:par>
+                                <p:cTn id="77" presetID="22" presetClass="exit" presetSubtype="4" fill="hold" grpId="1" nodeType="withEffect">
+                                  <p:stCondLst>
+                                    <p:cond delay="0"/>
+                                  </p:stCondLst>
+                                  <p:childTnLst>
+                                    <p:animEffect transition="out" filter="wipe(down)">
+                                      <p:cBhvr>
+                                        <p:cTn id="78" dur="500"/>
+                                        <p:tgtEl>
+                                          <p:spTgt spid="11"/>
+                                        </p:tgtEl>
+                                      </p:cBhvr>
+                                    </p:animEffect>
+                                    <p:set>
+                                      <p:cBhvr>
+                                        <p:cTn id="79" dur="1" fill="hold">
+                                          <p:stCondLst>
+                                            <p:cond delay="499"/>
+                                          </p:stCondLst>
+                                        </p:cTn>
+                                        <p:tgtEl>
+                                          <p:spTgt spid="11"/>
+                                        </p:tgtEl>
+                                        <p:attrNameLst>
+                                          <p:attrName>style.visibility</p:attrName>
+                                        </p:attrNameLst>
+                                      </p:cBhvr>
+                                      <p:to>
+                                        <p:strVal val="hidden"/>
+                                      </p:to>
+                                    </p:set>
+                                  </p:childTnLst>
+                                </p:cTn>
+                              </p:par>
+                              <p:par>
+                                <p:cTn id="80" presetID="22" presetClass="exit" presetSubtype="4" fill="hold" nodeType="withEffect">
+                                  <p:stCondLst>
+                                    <p:cond delay="0"/>
+                                  </p:stCondLst>
+                                  <p:childTnLst>
+                                    <p:animEffect transition="out" filter="wipe(down)">
+                                      <p:cBhvr>
+                                        <p:cTn id="81" dur="500"/>
+                                        <p:tgtEl>
+                                          <p:spTgt spid="15"/>
+                                        </p:tgtEl>
+                                      </p:cBhvr>
+                                    </p:animEffect>
+                                    <p:set>
+                                      <p:cBhvr>
+                                        <p:cTn id="82" dur="1" fill="hold">
+                                          <p:stCondLst>
+                                            <p:cond delay="499"/>
+                                          </p:stCondLst>
+                                        </p:cTn>
+                                        <p:tgtEl>
+                                          <p:spTgt spid="15"/>
+                                        </p:tgtEl>
+                                        <p:attrNameLst>
+                                          <p:attrName>style.visibility</p:attrName>
+                                        </p:attrNameLst>
+                                      </p:cBhvr>
+                                      <p:to>
+                                        <p:strVal val="hidden"/>
+                                      </p:to>
+                                    </p:set>
+                                  </p:childTnLst>
+                                </p:cTn>
+                              </p:par>
+                              <p:par>
+                                <p:cTn id="83" presetID="22" presetClass="exit" presetSubtype="4" fill="hold" nodeType="withEffect">
+                                  <p:stCondLst>
+                                    <p:cond delay="0"/>
+                                  </p:stCondLst>
+                                  <p:childTnLst>
+                                    <p:animEffect transition="out" filter="wipe(down)">
+                                      <p:cBhvr>
+                                        <p:cTn id="84" dur="500"/>
+                                        <p:tgtEl>
+                                          <p:spTgt spid="18"/>
+                                        </p:tgtEl>
+                                      </p:cBhvr>
+                                    </p:animEffect>
+                                    <p:set>
+                                      <p:cBhvr>
+                                        <p:cTn id="85" dur="1" fill="hold">
+                                          <p:stCondLst>
+                                            <p:cond delay="499"/>
+                                          </p:stCondLst>
+                                        </p:cTn>
+                                        <p:tgtEl>
+                                          <p:spTgt spid="18"/>
+                                        </p:tgtEl>
+                                        <p:attrNameLst>
+                                          <p:attrName>style.visibility</p:attrName>
+                                        </p:attrNameLst>
+                                      </p:cBhvr>
+                                      <p:to>
+                                        <p:strVal val="hidden"/>
+                                      </p:to>
+                                    </p:set>
+                                  </p:childTnLst>
+                                </p:cTn>
+                              </p:par>
+                              <p:par>
+                                <p:cTn id="86" presetID="22" presetClass="exit" presetSubtype="4" fill="hold" nodeType="withEffect">
+                                  <p:stCondLst>
+                                    <p:cond delay="0"/>
+                                  </p:stCondLst>
+                                  <p:childTnLst>
+                                    <p:animEffect transition="out" filter="wipe(down)">
+                                      <p:cBhvr>
+                                        <p:cTn id="87" dur="500"/>
+                                        <p:tgtEl>
+                                          <p:spTgt spid="20"/>
+                                        </p:tgtEl>
+                                      </p:cBhvr>
+                                    </p:animEffect>
+                                    <p:set>
+                                      <p:cBhvr>
+                                        <p:cTn id="88" dur="1" fill="hold">
+                                          <p:stCondLst>
+                                            <p:cond delay="499"/>
+                                          </p:stCondLst>
+                                        </p:cTn>
+                                        <p:tgtEl>
+                                          <p:spTgt spid="20"/>
+                                        </p:tgtEl>
+                                        <p:attrNameLst>
+                                          <p:attrName>style.visibility</p:attrName>
+                                        </p:attrNameLst>
+                                      </p:cBhvr>
+                                      <p:to>
+                                        <p:strVal val="hidden"/>
+                                      </p:to>
+                                    </p:set>
+                                  </p:childTnLst>
+                                </p:cTn>
+                              </p:par>
+                              <p:par>
+                                <p:cTn id="89" presetID="22" presetClass="exit" presetSubtype="4" fill="hold" nodeType="withEffect">
+                                  <p:stCondLst>
+                                    <p:cond delay="0"/>
+                                  </p:stCondLst>
+                                  <p:childTnLst>
+                                    <p:animEffect transition="out" filter="wipe(down)">
+                                      <p:cBhvr>
+                                        <p:cTn id="90" dur="500"/>
+                                        <p:tgtEl>
+                                          <p:spTgt spid="25"/>
+                                        </p:tgtEl>
+                                      </p:cBhvr>
+                                    </p:animEffect>
+                                    <p:set>
+                                      <p:cBhvr>
+                                        <p:cTn id="91" dur="1" fill="hold">
+                                          <p:stCondLst>
+                                            <p:cond delay="499"/>
+                                          </p:stCondLst>
+                                        </p:cTn>
+                                        <p:tgtEl>
+                                          <p:spTgt spid="25"/>
+                                        </p:tgtEl>
+                                        <p:attrNameLst>
+                                          <p:attrName>style.visibility</p:attrName>
+                                        </p:attrNameLst>
+                                      </p:cBhvr>
+                                      <p:to>
+                                        <p:strVal val="hidden"/>
+                                      </p:to>
+                                    </p:set>
+                                  </p:childTnLst>
+                                </p:cTn>
+                              </p:par>
+                              <p:par>
+                                <p:cTn id="92" presetID="22" presetClass="exit" presetSubtype="4" fill="hold" nodeType="withEffect">
+                                  <p:stCondLst>
+                                    <p:cond delay="0"/>
+                                  </p:stCondLst>
+                                  <p:childTnLst>
+                                    <p:animEffect transition="out" filter="wipe(down)">
+                                      <p:cBhvr>
+                                        <p:cTn id="93" dur="500"/>
+                                        <p:tgtEl>
+                                          <p:spTgt spid="29"/>
+                                        </p:tgtEl>
+                                      </p:cBhvr>
+                                    </p:animEffect>
+                                    <p:set>
+                                      <p:cBhvr>
+                                        <p:cTn id="94" dur="1" fill="hold">
+                                          <p:stCondLst>
+                                            <p:cond delay="499"/>
+                                          </p:stCondLst>
+                                        </p:cTn>
+                                        <p:tgtEl>
+                                          <p:spTgt spid="29"/>
+                                        </p:tgtEl>
+                                        <p:attrNameLst>
+                                          <p:attrName>style.visibility</p:attrName>
+                                        </p:attrNameLst>
+                                      </p:cBhvr>
+                                      <p:to>
+                                        <p:strVal val="hidden"/>
+                                      </p:to>
+                                    </p:set>
+                                  </p:childTnLst>
+                                </p:cTn>
+                              </p:par>
+                              <p:par>
+                                <p:cTn id="95" presetID="22" presetClass="exit" presetSubtype="4" fill="hold" nodeType="withEffect">
+                                  <p:stCondLst>
+                                    <p:cond delay="0"/>
+                                  </p:stCondLst>
+                                  <p:childTnLst>
+                                    <p:animEffect transition="out" filter="wipe(down)">
+                                      <p:cBhvr>
+                                        <p:cTn id="96" dur="500"/>
+                                        <p:tgtEl>
+                                          <p:spTgt spid="31"/>
+                                        </p:tgtEl>
+                                      </p:cBhvr>
+                                    </p:animEffect>
+                                    <p:set>
+                                      <p:cBhvr>
+                                        <p:cTn id="97" dur="1" fill="hold">
+                                          <p:stCondLst>
+                                            <p:cond delay="499"/>
+                                          </p:stCondLst>
+                                        </p:cTn>
+                                        <p:tgtEl>
+                                          <p:spTgt spid="31"/>
+                                        </p:tgtEl>
+                                        <p:attrNameLst>
+                                          <p:attrName>style.visibility</p:attrName>
+                                        </p:attrNameLst>
+                                      </p:cBhvr>
+                                      <p:to>
+                                        <p:strVal val="hidden"/>
+                                      </p:to>
+                                    </p:set>
+                                  </p:childTnLst>
+                                </p:cTn>
+                              </p:par>
+                            </p:childTnLst>
+                          </p:cTn>
+                        </p:par>
+                        <p:par>
+                          <p:cTn id="98" fill="hold">
+                            <p:stCondLst>
+                              <p:cond delay="500"/>
+                            </p:stCondLst>
+                            <p:childTnLst>
+                              <p:par>
+                                <p:cTn id="99" presetID="42" presetClass="entr" presetSubtype="0" fill="hold" nodeType="afterEffect">
+                                  <p:stCondLst>
+                                    <p:cond delay="500"/>
+                                  </p:stCondLst>
+                                  <p:childTnLst>
+                                    <p:set>
+                                      <p:cBhvr>
+                                        <p:cTn id="100" dur="1" fill="hold">
+                                          <p:stCondLst>
+                                            <p:cond delay="0"/>
+                                          </p:stCondLst>
+                                        </p:cTn>
+                                        <p:tgtEl>
+                                          <p:spTgt spid="34"/>
+                                        </p:tgtEl>
+                                        <p:attrNameLst>
+                                          <p:attrName>style.visibility</p:attrName>
+                                        </p:attrNameLst>
+                                      </p:cBhvr>
+                                      <p:to>
+                                        <p:strVal val="visible"/>
+                                      </p:to>
+                                    </p:set>
+                                    <p:animEffect transition="in" filter="fade">
+                                      <p:cBhvr>
+                                        <p:cTn id="101" dur="750"/>
+                                        <p:tgtEl>
+                                          <p:spTgt spid="34"/>
+                                        </p:tgtEl>
+                                      </p:cBhvr>
+                                    </p:animEffect>
+                                    <p:anim calcmode="lin" valueType="num">
+                                      <p:cBhvr>
+                                        <p:cTn id="102" dur="750" fill="hold"/>
+                                        <p:tgtEl>
+                                          <p:spTgt spid="34"/>
+                                        </p:tgtEl>
+                                        <p:attrNameLst>
+                                          <p:attrName>ppt_x</p:attrName>
+                                        </p:attrNameLst>
+                                      </p:cBhvr>
+                                      <p:tavLst>
+                                        <p:tav tm="0">
+                                          <p:val>
+                                            <p:strVal val="#ppt_x"/>
+                                          </p:val>
+                                        </p:tav>
+                                        <p:tav tm="100000">
+                                          <p:val>
+                                            <p:strVal val="#ppt_x"/>
+                                          </p:val>
+                                        </p:tav>
+                                      </p:tavLst>
+                                    </p:anim>
+                                    <p:anim calcmode="lin" valueType="num">
+                                      <p:cBhvr>
+                                        <p:cTn id="103" dur="750" fill="hold"/>
+                                        <p:tgtEl>
+                                          <p:spTgt spid="34"/>
+                                        </p:tgtEl>
+                                        <p:attrNameLst>
+                                          <p:attrName>ppt_y</p:attrName>
+                                        </p:attrNameLst>
+                                      </p:cBhvr>
+                                      <p:tavLst>
+                                        <p:tav tm="0">
+                                          <p:val>
+                                            <p:strVal val="#ppt_y+.1"/>
+                                          </p:val>
+                                        </p:tav>
+                                        <p:tav tm="100000">
+                                          <p:val>
+                                            <p:strVal val="#ppt_y"/>
+                                          </p:val>
+                                        </p:tav>
+                                      </p:tavLst>
+                                    </p:anim>
+                                  </p:childTnLst>
+                                </p:cTn>
+                              </p:par>
+                            </p:childTnLst>
+                          </p:cTn>
+                        </p:par>
+                      </p:childTnLst>
+                    </p:cTn>
+                  </p:par>
+                  <p:par>
+                    <p:cTn id="104" fill="hold">
+                      <p:stCondLst>
+                        <p:cond delay="indefinite"/>
+                      </p:stCondLst>
+                      <p:childTnLst>
+                        <p:par>
+                          <p:cTn id="105" fill="hold">
+                            <p:stCondLst>
+                              <p:cond delay="0"/>
+                            </p:stCondLst>
+                            <p:childTnLst>
+                              <p:par>
+                                <p:cTn id="106" presetID="22" presetClass="exit" presetSubtype="4" fill="hold" nodeType="clickEffect">
+                                  <p:stCondLst>
+                                    <p:cond delay="0"/>
+                                  </p:stCondLst>
+                                  <p:childTnLst>
+                                    <p:animEffect transition="out" filter="wipe(down)">
+                                      <p:cBhvr>
+                                        <p:cTn id="107" dur="500"/>
+                                        <p:tgtEl>
+                                          <p:spTgt spid="34"/>
+                                        </p:tgtEl>
+                                      </p:cBhvr>
+                                    </p:animEffect>
+                                    <p:set>
+                                      <p:cBhvr>
+                                        <p:cTn id="108" dur="1" fill="hold">
+                                          <p:stCondLst>
+                                            <p:cond delay="499"/>
+                                          </p:stCondLst>
+                                        </p:cTn>
+                                        <p:tgtEl>
+                                          <p:spTgt spid="34"/>
+                                        </p:tgtEl>
+                                        <p:attrNameLst>
+                                          <p:attrName>style.visibility</p:attrName>
+                                        </p:attrNameLst>
+                                      </p:cBhvr>
+                                      <p:to>
+                                        <p:strVal val="hidden"/>
+                                      </p:to>
+                                    </p:set>
+                                  </p:childTnLst>
+                                </p:cTn>
+                              </p:par>
+                              <p:par>
+                                <p:cTn id="109" presetID="22" presetClass="exit" presetSubtype="4" fill="hold" grpId="0" nodeType="withEffect">
+                                  <p:stCondLst>
+                                    <p:cond delay="0"/>
+                                  </p:stCondLst>
+                                  <p:childTnLst>
+                                    <p:animEffect transition="out" filter="wipe(down)">
+                                      <p:cBhvr>
+                                        <p:cTn id="110" dur="500"/>
+                                        <p:tgtEl>
+                                          <p:spTgt spid="3">
+                                            <p:txEl>
+                                              <p:pRg st="0" end="0"/>
+                                            </p:txEl>
+                                          </p:spTgt>
+                                        </p:tgtEl>
+                                      </p:cBhvr>
+                                    </p:animEffect>
+                                    <p:set>
+                                      <p:cBhvr>
+                                        <p:cTn id="111" dur="1" fill="hold">
+                                          <p:stCondLst>
+                                            <p:cond delay="499"/>
+                                          </p:stCondLst>
+                                        </p:cTn>
+                                        <p:tgtEl>
+                                          <p:spTgt spid="3">
+                                            <p:txEl>
+                                              <p:pRg st="0" end="0"/>
+                                            </p:txEl>
+                                          </p:spTgt>
+                                        </p:tgtEl>
+                                        <p:attrNameLst>
+                                          <p:attrName>style.visibility</p:attrName>
+                                        </p:attrNameLst>
+                                      </p:cBhvr>
+                                      <p:to>
+                                        <p:strVal val="hidden"/>
+                                      </p:to>
+                                    </p:set>
+                                  </p:childTnLst>
+                                </p:cTn>
+                              </p:par>
+                              <p:par>
+                                <p:cTn id="112" presetID="2" presetClass="entr" presetSubtype="4" fill="hold" grpId="0" nodeType="withEffect">
+                                  <p:stCondLst>
+                                    <p:cond delay="0"/>
+                                  </p:stCondLst>
+                                  <p:childTnLst>
+                                    <p:set>
+                                      <p:cBhvr>
+                                        <p:cTn id="113" dur="1" fill="hold">
+                                          <p:stCondLst>
+                                            <p:cond delay="0"/>
+                                          </p:stCondLst>
+                                        </p:cTn>
+                                        <p:tgtEl>
+                                          <p:spTgt spid="35"/>
+                                        </p:tgtEl>
+                                        <p:attrNameLst>
+                                          <p:attrName>style.visibility</p:attrName>
+                                        </p:attrNameLst>
+                                      </p:cBhvr>
+                                      <p:to>
+                                        <p:strVal val="visible"/>
+                                      </p:to>
+                                    </p:set>
+                                    <p:anim calcmode="lin" valueType="num">
+                                      <p:cBhvr additive="base">
+                                        <p:cTn id="114" dur="500" fill="hold"/>
+                                        <p:tgtEl>
+                                          <p:spTgt spid="35"/>
+                                        </p:tgtEl>
+                                        <p:attrNameLst>
+                                          <p:attrName>ppt_x</p:attrName>
+                                        </p:attrNameLst>
+                                      </p:cBhvr>
+                                      <p:tavLst>
+                                        <p:tav tm="0">
+                                          <p:val>
+                                            <p:strVal val="#ppt_x"/>
+                                          </p:val>
+                                        </p:tav>
+                                        <p:tav tm="100000">
+                                          <p:val>
+                                            <p:strVal val="#ppt_x"/>
+                                          </p:val>
+                                        </p:tav>
+                                      </p:tavLst>
+                                    </p:anim>
+                                    <p:anim calcmode="lin" valueType="num">
+                                      <p:cBhvr additive="base">
+                                        <p:cTn id="115" dur="500" fill="hold"/>
+                                        <p:tgtEl>
+                                          <p:spTgt spid="35"/>
+                                        </p:tgtEl>
+                                        <p:attrNameLst>
+                                          <p:attrName>ppt_y</p:attrName>
+                                        </p:attrNameLst>
+                                      </p:cBhvr>
+                                      <p:tavLst>
+                                        <p:tav tm="0">
+                                          <p:val>
+                                            <p:strVal val="1+#ppt_h/2"/>
+                                          </p:val>
+                                        </p:tav>
+                                        <p:tav tm="100000">
+                                          <p:val>
+                                            <p:strVal val="#ppt_y"/>
+                                          </p:val>
+                                        </p:tav>
+                                      </p:tavLst>
+                                    </p:anim>
+                                  </p:childTnLst>
+                                </p:cTn>
+                              </p:par>
+                            </p:childTnLst>
+                          </p:cTn>
+                        </p:par>
+                      </p:childTnLst>
+                    </p:cTn>
+                  </p:par>
+                </p:childTnLst>
+              </p:cTn>
+              <p:prevCondLst>
+                <p:cond evt="onPrev" delay="0">
+                  <p:tgtEl>
+                    <p:sldTgt/>
+                  </p:tgtEl>
+                </p:cond>
+              </p:prevCondLst>
+              <p:nextCondLst>
+                <p:cond evt="onNext" delay="0">
+                  <p:tgtEl>
+                    <p:sldTgt/>
+                  </p:tgtEl>
+                </p:cond>
+              </p:nextCondLst>
+            </p:seq>
+          </p:childTnLst>
+        </p:cTn>
+      </p:par>
+    </p:tnLst>
+    <p:bldLst>
+      <p:bldP spid="3" grpId="0" build="p"/>
+      <p:bldP spid="5" grpId="0" animBg="1"/>
+      <p:bldP spid="5" grpId="1" animBg="1"/>
+      <p:bldP spid="6" grpId="0" animBg="1"/>
+      <p:bldP spid="6" grpId="1" animBg="1"/>
+      <p:bldP spid="7" grpId="0" animBg="1"/>
+      <p:bldP spid="7" grpId="1" animBg="1"/>
+      <p:bldP spid="8" grpId="0" animBg="1"/>
+      <p:bldP spid="8" grpId="1" animBg="1"/>
+      <p:bldP spid="9" grpId="0" animBg="1"/>
+      <p:bldP spid="9" grpId="1" animBg="1"/>
+      <p:bldP spid="10" grpId="0" animBg="1"/>
+      <p:bldP spid="10" grpId="1" animBg="1"/>
+      <p:bldP spid="11" grpId="0" animBg="1"/>
+      <p:bldP spid="11" grpId="1" animBg="1"/>
+      <p:bldP spid="35" grpId="0"/>
+    </p:bldLst>
+  </p:timing>
 </p:sld>
 </file>
 
@@ -8731,7 +11385,13 @@
       </p:grpSpPr>
       <p:sp>
         <p:nvSpPr>
-          <p:cNvPr id="4" name="Title 3"/>
+          <p:cNvPr id="2" name="Title 1">
+            <a:extLst>
+              <a:ext uri="{FF2B5EF4-FFF2-40B4-BE49-F238E27FC236}">
+                <a16:creationId xmlns:a16="http://schemas.microsoft.com/office/drawing/2014/main" id="{CE669B61-E1F1-B533-25F2-1C767A55CAE1}"/>
+              </a:ext>
+            </a:extLst>
+          </p:cNvPr>
           <p:cNvSpPr>
             <a:spLocks noGrp="1"/>
           </p:cNvSpPr>
@@ -8739,24 +11399,36 @@
             <p:ph type="title"/>
           </p:nvPr>
         </p:nvSpPr>
-        <p:spPr/>
+        <p:spPr>
+          <a:xfrm>
+            <a:off x="1736620" y="112623"/>
+            <a:ext cx="6805594" cy="725349"/>
+          </a:xfrm>
+        </p:spPr>
         <p:txBody>
           <a:bodyPr>
-            <a:normAutofit/>
+            <a:noAutofit/>
           </a:bodyPr>
           <a:lstStyle/>
           <a:p>
             <a:r>
-              <a:rPr lang="en-US"/>
-              <a:t>Slide Title</a:t>
-            </a:r>
-            <a:endParaRPr lang="en-US" dirty="0"/>
+              <a:rPr lang="en-US" sz="5400" b="1" dirty="0">
+                <a:effectLst/>
+              </a:rPr>
+              <a:t>Advantages:</a:t>
+            </a:r>
           </a:p>
         </p:txBody>
       </p:sp>
       <p:sp>
         <p:nvSpPr>
-          <p:cNvPr id="5" name="Content Placeholder 4"/>
+          <p:cNvPr id="3" name="Content Placeholder 2">
+            <a:extLst>
+              <a:ext uri="{FF2B5EF4-FFF2-40B4-BE49-F238E27FC236}">
+                <a16:creationId xmlns:a16="http://schemas.microsoft.com/office/drawing/2014/main" id="{B66FE249-BA31-C80B-3745-B96EC4FEC48B}"/>
+              </a:ext>
+            </a:extLst>
+          </p:cNvPr>
           <p:cNvSpPr>
             <a:spLocks noGrp="1"/>
           </p:cNvSpPr>
@@ -8764,40 +11436,126 @@
             <p:ph idx="1"/>
           </p:nvPr>
         </p:nvSpPr>
-        <p:spPr/>
+        <p:spPr>
+          <a:xfrm>
+            <a:off x="1338942" y="963386"/>
+            <a:ext cx="7600949" cy="4000500"/>
+          </a:xfrm>
+        </p:spPr>
         <p:txBody>
-          <a:bodyPr/>
+          <a:bodyPr>
+            <a:noAutofit/>
+          </a:bodyPr>
           <a:lstStyle/>
           <a:p>
-            <a:r>
-              <a:rPr lang="en-US" dirty="0"/>
-              <a:t>Make Effective Presentations</a:t>
-            </a:r>
-          </a:p>
-          <a:p>
-            <a:r>
-              <a:rPr lang="en-US" dirty="0"/>
-              <a:t>Using Awesome Backgrounds</a:t>
-            </a:r>
-          </a:p>
-          <a:p>
-            <a:r>
-              <a:rPr lang="en-US" dirty="0"/>
-              <a:t>Engage your Audience</a:t>
-            </a:r>
-          </a:p>
-          <a:p>
-            <a:r>
-              <a:rPr lang="en-US" dirty="0"/>
-              <a:t>Capture Audience Attention</a:t>
-            </a:r>
+            <a:pPr lvl="1">
+              <a:lnSpc>
+                <a:spcPct val="166000"/>
+              </a:lnSpc>
+              <a:spcBef>
+                <a:spcPts val="0"/>
+              </a:spcBef>
+            </a:pPr>
+            <a:r>
+              <a:rPr lang="en-US" sz="1800" u="none" strike="noStrike" dirty="0">
+                <a:solidFill>
+                  <a:srgbClr val="212529"/>
+                </a:solidFill>
+                <a:effectLst/>
+                <a:latin typeface="Times New Roman" panose="02020603050405020304" pitchFamily="18" charset="0"/>
+                <a:ea typeface="Times New Roman" panose="02020603050405020304" pitchFamily="18" charset="0"/>
+              </a:rPr>
+              <a:t>The need for B-tree arose with the rise in the need for lesser time in accessing the physical storage media like a hard disk. The secondary storage devices are slower with a larger capacity. There was a need for such types of data structures that minimize the disk accesses.</a:t>
+            </a:r>
+            <a:endParaRPr lang="en-US" sz="1800" u="none" strike="noStrike" dirty="0">
+              <a:effectLst/>
+              <a:latin typeface="Arial" panose="020B0604020202020204" pitchFamily="34" charset="0"/>
+              <a:ea typeface="Arial" panose="020B0604020202020204" pitchFamily="34" charset="0"/>
+            </a:endParaRPr>
+          </a:p>
+          <a:p>
+            <a:pPr lvl="1">
+              <a:lnSpc>
+                <a:spcPct val="166000"/>
+              </a:lnSpc>
+              <a:spcBef>
+                <a:spcPts val="0"/>
+              </a:spcBef>
+            </a:pPr>
+            <a:r>
+              <a:rPr lang="en-US" sz="1600" u="none" strike="noStrike" dirty="0">
+                <a:solidFill>
+                  <a:srgbClr val="212529"/>
+                </a:solidFill>
+                <a:effectLst/>
+                <a:latin typeface="Times New Roman" panose="02020603050405020304" pitchFamily="18" charset="0"/>
+                <a:ea typeface="Times New Roman" panose="02020603050405020304" pitchFamily="18" charset="0"/>
+              </a:rPr>
+              <a:t>Other data structures such as a binary search tree, AVL tree, red-black tree, </a:t>
+            </a:r>
+            <a:r>
+              <a:rPr lang="en-US" sz="1600" u="none" strike="noStrike" dirty="0" err="1">
+                <a:solidFill>
+                  <a:srgbClr val="212529"/>
+                </a:solidFill>
+                <a:effectLst/>
+                <a:latin typeface="Times New Roman" panose="02020603050405020304" pitchFamily="18" charset="0"/>
+                <a:ea typeface="Times New Roman" panose="02020603050405020304" pitchFamily="18" charset="0"/>
+              </a:rPr>
+              <a:t>e.t.c</a:t>
+            </a:r>
+            <a:r>
+              <a:rPr lang="en-US" sz="1600" u="none" strike="noStrike" dirty="0">
+                <a:solidFill>
+                  <a:srgbClr val="212529"/>
+                </a:solidFill>
+                <a:effectLst/>
+                <a:latin typeface="Times New Roman" panose="02020603050405020304" pitchFamily="18" charset="0"/>
+                <a:ea typeface="Times New Roman" panose="02020603050405020304" pitchFamily="18" charset="0"/>
+              </a:rPr>
+              <a:t>. can store only one key in one node. If you have to store a large number of keys, then the height of such trees becomes very large and the access time increases.</a:t>
+            </a:r>
+            <a:endParaRPr lang="en-US" sz="1600" u="none" strike="noStrike" dirty="0">
+              <a:effectLst/>
+              <a:latin typeface="Arial" panose="020B0604020202020204" pitchFamily="34" charset="0"/>
+              <a:ea typeface="Arial" panose="020B0604020202020204" pitchFamily="34" charset="0"/>
+            </a:endParaRPr>
+          </a:p>
+          <a:p>
+            <a:pPr lvl="1">
+              <a:lnSpc>
+                <a:spcPct val="166000"/>
+              </a:lnSpc>
+              <a:spcBef>
+                <a:spcPts val="0"/>
+              </a:spcBef>
+            </a:pPr>
+            <a:r>
+              <a:rPr lang="en-US" sz="1600" u="none" strike="noStrike" dirty="0">
+                <a:solidFill>
+                  <a:srgbClr val="212529"/>
+                </a:solidFill>
+                <a:effectLst/>
+                <a:latin typeface="Times New Roman" panose="02020603050405020304" pitchFamily="18" charset="0"/>
+                <a:ea typeface="Times New Roman" panose="02020603050405020304" pitchFamily="18" charset="0"/>
+              </a:rPr>
+              <a:t>However, B-tree can store many keys in a single node and can have multiple child nodes. This decreases the height significantly allowing faster disk accesses.</a:t>
+            </a:r>
+            <a:endParaRPr lang="en-US" sz="1600" u="none" strike="noStrike" dirty="0">
+              <a:effectLst/>
+              <a:latin typeface="Arial" panose="020B0604020202020204" pitchFamily="34" charset="0"/>
+              <a:ea typeface="Arial" panose="020B0604020202020204" pitchFamily="34" charset="0"/>
+            </a:endParaRPr>
+          </a:p>
+          <a:p>
+            <a:endParaRPr lang="en-US" dirty="0"/>
           </a:p>
         </p:txBody>
       </p:sp>
     </p:spTree>
     <p:extLst>
       <p:ext uri="{BB962C8B-B14F-4D97-AF65-F5344CB8AC3E}">
-        <p14:creationId xmlns:p14="http://schemas.microsoft.com/office/powerpoint/2010/main" val="1101633878"/>
+        <p14:creationId xmlns:p14="http://schemas.microsoft.com/office/powerpoint/2010/main" val="4275788252"/>
       </p:ext>
     </p:extLst>
   </p:cSld>
@@ -8826,7 +11584,13 @@
       </p:grpSpPr>
       <p:sp>
         <p:nvSpPr>
-          <p:cNvPr id="4" name="Title 3"/>
+          <p:cNvPr id="2" name="Title 1">
+            <a:extLst>
+              <a:ext uri="{FF2B5EF4-FFF2-40B4-BE49-F238E27FC236}">
+                <a16:creationId xmlns:a16="http://schemas.microsoft.com/office/drawing/2014/main" id="{CE669B61-E1F1-B533-25F2-1C767A55CAE1}"/>
+              </a:ext>
+            </a:extLst>
+          </p:cNvPr>
           <p:cNvSpPr>
             <a:spLocks noGrp="1"/>
           </p:cNvSpPr>
@@ -8834,138 +11598,178 @@
             <p:ph type="title"/>
           </p:nvPr>
         </p:nvSpPr>
-        <p:spPr/>
+        <p:spPr>
+          <a:xfrm>
+            <a:off x="1736620" y="112623"/>
+            <a:ext cx="6805594" cy="725349"/>
+          </a:xfrm>
+        </p:spPr>
         <p:txBody>
           <a:bodyPr>
-            <a:normAutofit/>
+            <a:noAutofit/>
           </a:bodyPr>
           <a:lstStyle/>
           <a:p>
             <a:r>
-              <a:rPr lang="en-US" dirty="0"/>
-              <a:t>Slide Title</a:t>
+              <a:rPr lang="en-US" sz="5400" b="1" dirty="0">
+                <a:effectLst/>
+              </a:rPr>
+              <a:t>Application:</a:t>
             </a:r>
           </a:p>
         </p:txBody>
       </p:sp>
       <p:sp>
         <p:nvSpPr>
-          <p:cNvPr id="5" name="Text Placeholder 4"/>
+          <p:cNvPr id="3" name="Content Placeholder 2">
+            <a:extLst>
+              <a:ext uri="{FF2B5EF4-FFF2-40B4-BE49-F238E27FC236}">
+                <a16:creationId xmlns:a16="http://schemas.microsoft.com/office/drawing/2014/main" id="{B66FE249-BA31-C80B-3745-B96EC4FEC48B}"/>
+              </a:ext>
+            </a:extLst>
+          </p:cNvPr>
           <p:cNvSpPr>
             <a:spLocks noGrp="1"/>
           </p:cNvSpPr>
           <p:nvPr>
-            <p:ph type="body" idx="1"/>
+            <p:ph idx="1"/>
           </p:nvPr>
         </p:nvSpPr>
-        <p:spPr/>
+        <p:spPr>
+          <a:xfrm>
+            <a:off x="930729" y="963386"/>
+            <a:ext cx="8213271" cy="4000500"/>
+          </a:xfrm>
+        </p:spPr>
         <p:txBody>
-          <a:bodyPr/>
+          <a:bodyPr>
+            <a:noAutofit/>
+          </a:bodyPr>
           <a:lstStyle/>
           <a:p>
-            <a:r>
-              <a:rPr lang="en-US"/>
-              <a:t>Product A</a:t>
-            </a:r>
+            <a:pPr marL="742950" marR="0" lvl="1" indent="-285750">
+              <a:lnSpc>
+                <a:spcPct val="166000"/>
+              </a:lnSpc>
+              <a:spcBef>
+                <a:spcPts val="0"/>
+              </a:spcBef>
+              <a:spcAft>
+                <a:spcPts val="0"/>
+              </a:spcAft>
+              <a:buFont typeface="Arial" panose="020B0604020202020204" pitchFamily="34" charset="0"/>
+              <a:buChar char="○"/>
+            </a:pPr>
+            <a:r>
+              <a:rPr lang="en-US" b="1" i="1" dirty="0">
+                <a:solidFill>
+                  <a:srgbClr val="007033"/>
+                </a:solidFill>
+                <a:latin typeface="Times New Roman" panose="02020603050405020304" pitchFamily="18" charset="0"/>
+                <a:ea typeface="Times New Roman" panose="02020603050405020304" pitchFamily="18" charset="0"/>
+              </a:rPr>
+              <a:t>D</a:t>
+            </a:r>
+            <a:r>
+              <a:rPr lang="en-US" b="1" i="1" u="none" strike="noStrike" dirty="0">
+                <a:solidFill>
+                  <a:srgbClr val="007033"/>
+                </a:solidFill>
+                <a:effectLst/>
+                <a:latin typeface="Times New Roman" panose="02020603050405020304" pitchFamily="18" charset="0"/>
+                <a:ea typeface="Times New Roman" panose="02020603050405020304" pitchFamily="18" charset="0"/>
+              </a:rPr>
+              <a:t>atabases and file systems</a:t>
+            </a:r>
+            <a:endParaRPr lang="en-US" b="1" i="1" u="none" strike="noStrike" dirty="0">
+              <a:solidFill>
+                <a:srgbClr val="007033"/>
+              </a:solidFill>
+              <a:effectLst/>
+              <a:latin typeface="Arial" panose="020B0604020202020204" pitchFamily="34" charset="0"/>
+              <a:ea typeface="Arial" panose="020B0604020202020204" pitchFamily="34" charset="0"/>
+            </a:endParaRPr>
+          </a:p>
+          <a:p>
+            <a:pPr marL="742950" marR="0" lvl="1" indent="-285750">
+              <a:lnSpc>
+                <a:spcPct val="166000"/>
+              </a:lnSpc>
+              <a:spcBef>
+                <a:spcPts val="0"/>
+              </a:spcBef>
+              <a:spcAft>
+                <a:spcPts val="0"/>
+              </a:spcAft>
+              <a:buFont typeface="Arial" panose="020B0604020202020204" pitchFamily="34" charset="0"/>
+              <a:buChar char="○"/>
+            </a:pPr>
+            <a:r>
+              <a:rPr lang="en-US" b="1" i="1" u="none" strike="noStrike" dirty="0">
+                <a:solidFill>
+                  <a:srgbClr val="007033"/>
+                </a:solidFill>
+                <a:effectLst/>
+                <a:latin typeface="Times New Roman" panose="02020603050405020304" pitchFamily="18" charset="0"/>
+                <a:ea typeface="Times New Roman" panose="02020603050405020304" pitchFamily="18" charset="0"/>
+              </a:rPr>
+              <a:t>to store blocks of data (secondary storage media)</a:t>
+            </a:r>
+            <a:endParaRPr lang="en-US" b="1" i="1" u="none" strike="noStrike" dirty="0">
+              <a:solidFill>
+                <a:srgbClr val="007033"/>
+              </a:solidFill>
+              <a:effectLst/>
+              <a:latin typeface="Arial" panose="020B0604020202020204" pitchFamily="34" charset="0"/>
+              <a:ea typeface="Arial" panose="020B0604020202020204" pitchFamily="34" charset="0"/>
+            </a:endParaRPr>
+          </a:p>
+          <a:p>
+            <a:pPr marL="742950" marR="0" lvl="1" indent="-285750">
+              <a:lnSpc>
+                <a:spcPct val="150000"/>
+              </a:lnSpc>
+              <a:spcBef>
+                <a:spcPts val="0"/>
+              </a:spcBef>
+              <a:spcAft>
+                <a:spcPts val="0"/>
+              </a:spcAft>
+              <a:buFont typeface="Arial" panose="020B0604020202020204" pitchFamily="34" charset="0"/>
+              <a:buChar char="○"/>
+            </a:pPr>
+            <a:r>
+              <a:rPr lang="en-US" b="1" i="1" u="none" strike="noStrike" dirty="0">
+                <a:solidFill>
+                  <a:srgbClr val="007033"/>
+                </a:solidFill>
+                <a:effectLst/>
+                <a:latin typeface="Times New Roman" panose="02020603050405020304" pitchFamily="18" charset="0"/>
+                <a:ea typeface="Times New Roman" panose="02020603050405020304" pitchFamily="18" charset="0"/>
+              </a:rPr>
+              <a:t>multilevel indexing</a:t>
+            </a:r>
+            <a:endParaRPr lang="en-US" b="1" i="1" u="none" strike="noStrike" dirty="0">
+              <a:solidFill>
+                <a:srgbClr val="007033"/>
+              </a:solidFill>
+              <a:effectLst/>
+              <a:latin typeface="Arial" panose="020B0604020202020204" pitchFamily="34" charset="0"/>
+              <a:ea typeface="Arial" panose="020B0604020202020204" pitchFamily="34" charset="0"/>
+            </a:endParaRPr>
+          </a:p>
+          <a:p>
+            <a:pPr marL="0" indent="0">
+              <a:buNone/>
+            </a:pPr>
             <a:endParaRPr lang="en-US" dirty="0"/>
-          </a:p>
-        </p:txBody>
-      </p:sp>
-      <p:sp>
-        <p:nvSpPr>
-          <p:cNvPr id="6" name="Content Placeholder 5"/>
-          <p:cNvSpPr>
-            <a:spLocks noGrp="1"/>
-          </p:cNvSpPr>
-          <p:nvPr>
-            <p:ph sz="half" idx="2"/>
-          </p:nvPr>
-        </p:nvSpPr>
-        <p:spPr/>
-        <p:txBody>
-          <a:bodyPr/>
-          <a:lstStyle/>
-          <a:p>
-            <a:r>
-              <a:rPr lang="en-US"/>
-              <a:t>Feature 1</a:t>
-            </a:r>
-          </a:p>
-          <a:p>
-            <a:r>
-              <a:rPr lang="en-US"/>
-              <a:t>Feature 2</a:t>
-            </a:r>
-          </a:p>
-          <a:p>
-            <a:r>
-              <a:rPr lang="en-US"/>
-              <a:t>Feature 3</a:t>
-            </a:r>
-            <a:endParaRPr lang="en-US" dirty="0"/>
-          </a:p>
-        </p:txBody>
-      </p:sp>
-      <p:sp>
-        <p:nvSpPr>
-          <p:cNvPr id="7" name="Text Placeholder 6"/>
-          <p:cNvSpPr>
-            <a:spLocks noGrp="1"/>
-          </p:cNvSpPr>
-          <p:nvPr>
-            <p:ph type="body" sz="quarter" idx="3"/>
-          </p:nvPr>
-        </p:nvSpPr>
-        <p:spPr/>
-        <p:txBody>
-          <a:bodyPr/>
-          <a:lstStyle/>
-          <a:p>
-            <a:r>
-              <a:rPr lang="en-US"/>
-              <a:t>Product B</a:t>
-            </a:r>
-          </a:p>
-        </p:txBody>
-      </p:sp>
-      <p:sp>
-        <p:nvSpPr>
-          <p:cNvPr id="8" name="Content Placeholder 7"/>
-          <p:cNvSpPr>
-            <a:spLocks noGrp="1"/>
-          </p:cNvSpPr>
-          <p:nvPr>
-            <p:ph sz="quarter" idx="4"/>
-          </p:nvPr>
-        </p:nvSpPr>
-        <p:spPr/>
-        <p:txBody>
-          <a:bodyPr/>
-          <a:lstStyle/>
-          <a:p>
-            <a:r>
-              <a:rPr lang="en-US"/>
-              <a:t>Feature 1</a:t>
-            </a:r>
-          </a:p>
-          <a:p>
-            <a:r>
-              <a:rPr lang="en-US"/>
-              <a:t>Feature 2</a:t>
-            </a:r>
-          </a:p>
-          <a:p>
-            <a:r>
-              <a:rPr lang="en-US"/>
-              <a:t>Feature 3</a:t>
-            </a:r>
           </a:p>
         </p:txBody>
       </p:sp>
     </p:spTree>
     <p:extLst>
       <p:ext uri="{BB962C8B-B14F-4D97-AF65-F5344CB8AC3E}">
-        <p14:creationId xmlns:p14="http://schemas.microsoft.com/office/powerpoint/2010/main" val="4170783713"/>
+        <p14:creationId xmlns:p14="http://schemas.microsoft.com/office/powerpoint/2010/main" val="749127381"/>
       </p:ext>
     </p:extLst>
   </p:cSld>
@@ -8992,16 +11796,73 @@
           <a:chExt cx="0" cy="0"/>
         </a:xfrm>
       </p:grpSpPr>
+      <p:sp>
+        <p:nvSpPr>
+          <p:cNvPr id="4" name="Rectangle 3">
+            <a:extLst>
+              <a:ext uri="{FF2B5EF4-FFF2-40B4-BE49-F238E27FC236}">
+                <a16:creationId xmlns:a16="http://schemas.microsoft.com/office/drawing/2014/main" id="{A323FE0E-CF62-3FA9-62C3-78CA90CF26FA}"/>
+              </a:ext>
+            </a:extLst>
+          </p:cNvPr>
+          <p:cNvSpPr/>
+          <p:nvPr/>
+        </p:nvSpPr>
+        <p:spPr>
+          <a:xfrm>
+            <a:off x="1114867" y="444571"/>
+            <a:ext cx="6685677" cy="923330"/>
+          </a:xfrm>
+          <a:prstGeom prst="rect">
+            <a:avLst/>
+          </a:prstGeom>
+          <a:noFill/>
+        </p:spPr>
+        <p:txBody>
+          <a:bodyPr wrap="none" lIns="91440" tIns="45720" rIns="91440" bIns="45720">
+            <a:spAutoFit/>
+          </a:bodyPr>
+          <a:lstStyle/>
+          <a:p>
+            <a:pPr algn="ctr"/>
+            <a:r>
+              <a:rPr lang="en-US" sz="5400" b="1" cap="none" spc="0" dirty="0">
+                <a:ln w="6600">
+                  <a:solidFill>
+                    <a:schemeClr val="accent2"/>
+                  </a:solidFill>
+                  <a:prstDash val="solid"/>
+                </a:ln>
+                <a:solidFill>
+                  <a:srgbClr val="FFFFFF"/>
+                </a:solidFill>
+                <a:effectLst>
+                  <a:outerShdw dist="38100" dir="2700000" algn="tl" rotWithShape="0">
+                    <a:schemeClr val="accent2"/>
+                  </a:outerShdw>
+                </a:effectLst>
+              </a:rPr>
+              <a:t>2. Operation on B-Tree</a:t>
+            </a:r>
+          </a:p>
+        </p:txBody>
+      </p:sp>
       <p:pic>
         <p:nvPicPr>
-          <p:cNvPr id="3" name="Picture 2" descr="E:\websites\free-power-point-templates\2012\logos.png"/>
+          <p:cNvPr id="6" name="Picture 5" descr="Steel gears">
+            <a:extLst>
+              <a:ext uri="{FF2B5EF4-FFF2-40B4-BE49-F238E27FC236}">
+                <a16:creationId xmlns:a16="http://schemas.microsoft.com/office/drawing/2014/main" id="{A8DB70B7-A878-0052-3BA9-D8A95A445C95}"/>
+              </a:ext>
+            </a:extLst>
+          </p:cNvPr>
           <p:cNvPicPr>
-            <a:picLocks noChangeAspect="1" noChangeArrowheads="1"/>
+            <a:picLocks noChangeAspect="1"/>
           </p:cNvPicPr>
           <p:nvPr/>
         </p:nvPicPr>
         <p:blipFill>
-          <a:blip r:embed="rId3">
+          <a:blip r:embed="rId2" cstate="print">
             <a:extLst>
               <a:ext uri="{28A0092B-C50C-407E-A947-70E740481C1C}">
                 <a14:useLocalDpi xmlns:a14="http://schemas.microsoft.com/office/drawing/2010/main" val="0"/>
@@ -9012,33 +11873,192 @@
             <a:fillRect/>
           </a:stretch>
         </p:blipFill>
-        <p:spPr bwMode="auto">
+        <p:spPr>
           <a:xfrm>
-            <a:off x="3808475" y="2326213"/>
-            <a:ext cx="1463784" cy="526961"/>
+            <a:off x="335298" y="1705069"/>
+            <a:ext cx="4881681" cy="3253660"/>
           </a:xfrm>
           <a:prstGeom prst="rect">
             <a:avLst/>
           </a:prstGeom>
-          <a:noFill/>
-          <a:ln>
-            <a:noFill/>
-          </a:ln>
-          <a:extLst>
-            <a:ext uri="{909E8E84-426E-40DD-AFC4-6F175D3DCCD1}">
-              <a14:hiddenFill xmlns:a14="http://schemas.microsoft.com/office/drawing/2010/main">
-                <a:solidFill>
-                  <a:srgbClr val="FFFFFF"/>
-                </a:solidFill>
-              </a14:hiddenFill>
-            </a:ext>
-          </a:extLst>
+        </p:spPr>
+      </p:pic>
+      <p:pic>
+        <p:nvPicPr>
+          <p:cNvPr id="8" name="Picture 7" descr="Metal tic-tac-toe game pieces">
+            <a:extLst>
+              <a:ext uri="{FF2B5EF4-FFF2-40B4-BE49-F238E27FC236}">
+                <a16:creationId xmlns:a16="http://schemas.microsoft.com/office/drawing/2014/main" id="{61B2E714-F49B-42CA-6BB9-BF922FBF70EB}"/>
+              </a:ext>
+            </a:extLst>
+          </p:cNvPr>
+          <p:cNvPicPr>
+            <a:picLocks noChangeAspect="1"/>
+          </p:cNvPicPr>
+          <p:nvPr/>
+        </p:nvPicPr>
+        <p:blipFill>
+          <a:blip r:embed="rId3" cstate="print">
+            <a:extLst>
+              <a:ext uri="{28A0092B-C50C-407E-A947-70E740481C1C}">
+                <a14:useLocalDpi xmlns:a14="http://schemas.microsoft.com/office/drawing/2010/main" val="0"/>
+              </a:ext>
+            </a:extLst>
+          </a:blip>
+          <a:stretch>
+            <a:fillRect/>
+          </a:stretch>
+        </p:blipFill>
+        <p:spPr>
+          <a:xfrm>
+            <a:off x="5381933" y="1902279"/>
+            <a:ext cx="3426769" cy="2571750"/>
+          </a:xfrm>
+          <a:prstGeom prst="rect">
+            <a:avLst/>
+          </a:prstGeom>
         </p:spPr>
       </p:pic>
     </p:spTree>
     <p:extLst>
       <p:ext uri="{BB962C8B-B14F-4D97-AF65-F5344CB8AC3E}">
-        <p14:creationId xmlns:p14="http://schemas.microsoft.com/office/powerpoint/2010/main" val="109100692"/>
+        <p14:creationId xmlns:p14="http://schemas.microsoft.com/office/powerpoint/2010/main" val="328197832"/>
+      </p:ext>
+    </p:extLst>
+  </p:cSld>
+  <p:clrMapOvr>
+    <a:masterClrMapping/>
+  </p:clrMapOvr>
+</p:sld>
+</file>
+
+<file path=ppt/slides/slide19.xml><?xml version="1.0" encoding="utf-8"?>
+<p:sld xmlns:a="http://schemas.openxmlformats.org/drawingml/2006/main" xmlns:r="http://schemas.openxmlformats.org/officeDocument/2006/relationships" xmlns:p="http://schemas.openxmlformats.org/presentationml/2006/main">
+  <p:cSld>
+    <p:spTree>
+      <p:nvGrpSpPr>
+        <p:cNvPr id="1" name=""/>
+        <p:cNvGrpSpPr/>
+        <p:nvPr/>
+      </p:nvGrpSpPr>
+      <p:grpSpPr>
+        <a:xfrm>
+          <a:off x="0" y="0"/>
+          <a:ext cx="0" cy="0"/>
+          <a:chOff x="0" y="0"/>
+          <a:chExt cx="0" cy="0"/>
+        </a:xfrm>
+      </p:grpSpPr>
+      <p:sp>
+        <p:nvSpPr>
+          <p:cNvPr id="2" name="Title 1">
+            <a:extLst>
+              <a:ext uri="{FF2B5EF4-FFF2-40B4-BE49-F238E27FC236}">
+                <a16:creationId xmlns:a16="http://schemas.microsoft.com/office/drawing/2014/main" id="{1B1F0A9C-52A0-5A04-090C-6DE19541166D}"/>
+              </a:ext>
+            </a:extLst>
+          </p:cNvPr>
+          <p:cNvSpPr>
+            <a:spLocks noGrp="1"/>
+          </p:cNvSpPr>
+          <p:nvPr>
+            <p:ph type="title"/>
+          </p:nvPr>
+        </p:nvSpPr>
+        <p:spPr/>
+        <p:txBody>
+          <a:bodyPr>
+            <a:normAutofit/>
+          </a:bodyPr>
+          <a:lstStyle/>
+          <a:p>
+            <a:r>
+              <a:rPr lang="en-US" sz="4000" b="1" dirty="0">
+                <a:solidFill>
+                  <a:srgbClr val="C33A1F"/>
+                </a:solidFill>
+                <a:effectLst/>
+              </a:rPr>
+              <a:t>Main Operation for B-Tree:</a:t>
+            </a:r>
+          </a:p>
+        </p:txBody>
+      </p:sp>
+      <p:sp>
+        <p:nvSpPr>
+          <p:cNvPr id="3" name="Content Placeholder 2">
+            <a:extLst>
+              <a:ext uri="{FF2B5EF4-FFF2-40B4-BE49-F238E27FC236}">
+                <a16:creationId xmlns:a16="http://schemas.microsoft.com/office/drawing/2014/main" id="{3C2CC577-F178-0EDA-47C7-38C1A48D265D}"/>
+              </a:ext>
+            </a:extLst>
+          </p:cNvPr>
+          <p:cNvSpPr>
+            <a:spLocks noGrp="1"/>
+          </p:cNvSpPr>
+          <p:nvPr>
+            <p:ph idx="1"/>
+          </p:nvPr>
+        </p:nvSpPr>
+        <p:spPr/>
+        <p:txBody>
+          <a:bodyPr>
+            <a:normAutofit/>
+          </a:bodyPr>
+          <a:lstStyle/>
+          <a:p>
+            <a:r>
+              <a:rPr lang="en-US" sz="3600" dirty="0">
+                <a:solidFill>
+                  <a:srgbClr val="212529"/>
+                </a:solidFill>
+                <a:effectLst/>
+                <a:latin typeface="Times New Roman" panose="02020603050405020304" pitchFamily="18" charset="0"/>
+                <a:ea typeface="Times New Roman" panose="02020603050405020304" pitchFamily="18" charset="0"/>
+              </a:rPr>
+              <a:t>Insert a node in a B-Tree</a:t>
+            </a:r>
+          </a:p>
+          <a:p>
+            <a:r>
+              <a:rPr lang="en-US" sz="3600" dirty="0">
+                <a:solidFill>
+                  <a:srgbClr val="212529"/>
+                </a:solidFill>
+                <a:effectLst/>
+                <a:latin typeface="Times New Roman" panose="02020603050405020304" pitchFamily="18" charset="0"/>
+                <a:ea typeface="Times New Roman" panose="02020603050405020304" pitchFamily="18" charset="0"/>
+              </a:rPr>
+              <a:t>Search for a node in a B-tree.</a:t>
+            </a:r>
+            <a:endParaRPr lang="en-US" sz="3600" dirty="0">
+              <a:solidFill>
+                <a:srgbClr val="212529"/>
+              </a:solidFill>
+              <a:latin typeface="Times New Roman" panose="02020603050405020304" pitchFamily="18" charset="0"/>
+              <a:ea typeface="Times New Roman" panose="02020603050405020304" pitchFamily="18" charset="0"/>
+            </a:endParaRPr>
+          </a:p>
+          <a:p>
+            <a:r>
+              <a:rPr lang="en-US" sz="3600" dirty="0">
+                <a:solidFill>
+                  <a:srgbClr val="212529"/>
+                </a:solidFill>
+                <a:effectLst/>
+                <a:latin typeface="Times New Roman" panose="02020603050405020304" pitchFamily="18" charset="0"/>
+                <a:ea typeface="Times New Roman" panose="02020603050405020304" pitchFamily="18" charset="0"/>
+              </a:rPr>
+              <a:t>Delete a node in a B-Tree</a:t>
+            </a:r>
+            <a:endParaRPr lang="en-US" sz="4800" dirty="0"/>
+          </a:p>
+        </p:txBody>
+      </p:sp>
+    </p:spTree>
+    <p:extLst>
+      <p:ext uri="{BB962C8B-B14F-4D97-AF65-F5344CB8AC3E}">
+        <p14:creationId xmlns:p14="http://schemas.microsoft.com/office/powerpoint/2010/main" val="3475464163"/>
       </p:ext>
     </p:extLst>
   </p:cSld>
@@ -9225,6 +12245,977 @@
     <p:extLst>
       <p:ext uri="{BB962C8B-B14F-4D97-AF65-F5344CB8AC3E}">
         <p14:creationId xmlns:p14="http://schemas.microsoft.com/office/powerpoint/2010/main" val="3403218968"/>
+      </p:ext>
+    </p:extLst>
+  </p:cSld>
+  <p:clrMapOvr>
+    <a:masterClrMapping/>
+  </p:clrMapOvr>
+</p:sld>
+</file>
+
+<file path=ppt/slides/slide20.xml><?xml version="1.0" encoding="utf-8"?>
+<p:sld xmlns:a="http://schemas.openxmlformats.org/drawingml/2006/main" xmlns:r="http://schemas.openxmlformats.org/officeDocument/2006/relationships" xmlns:p="http://schemas.openxmlformats.org/presentationml/2006/main">
+  <p:cSld>
+    <p:spTree>
+      <p:nvGrpSpPr>
+        <p:cNvPr id="1" name=""/>
+        <p:cNvGrpSpPr/>
+        <p:nvPr/>
+      </p:nvGrpSpPr>
+      <p:grpSpPr>
+        <a:xfrm>
+          <a:off x="0" y="0"/>
+          <a:ext cx="0" cy="0"/>
+          <a:chOff x="0" y="0"/>
+          <a:chExt cx="0" cy="0"/>
+        </a:xfrm>
+      </p:grpSpPr>
+      <p:sp>
+        <p:nvSpPr>
+          <p:cNvPr id="5" name="Rectangle 4">
+            <a:extLst>
+              <a:ext uri="{FF2B5EF4-FFF2-40B4-BE49-F238E27FC236}">
+                <a16:creationId xmlns:a16="http://schemas.microsoft.com/office/drawing/2014/main" id="{D98102C5-0624-C1EF-C8D8-401FD5FA8518}"/>
+              </a:ext>
+            </a:extLst>
+          </p:cNvPr>
+          <p:cNvSpPr/>
+          <p:nvPr/>
+        </p:nvSpPr>
+        <p:spPr>
+          <a:xfrm>
+            <a:off x="1166933" y="142493"/>
+            <a:ext cx="6810134" cy="923330"/>
+          </a:xfrm>
+          <a:prstGeom prst="rect">
+            <a:avLst/>
+          </a:prstGeom>
+          <a:noFill/>
+        </p:spPr>
+        <p:txBody>
+          <a:bodyPr wrap="none" lIns="91440" tIns="45720" rIns="91440" bIns="45720">
+            <a:spAutoFit/>
+          </a:bodyPr>
+          <a:lstStyle/>
+          <a:p>
+            <a:pPr algn="ctr"/>
+            <a:r>
+              <a:rPr lang="en-US" sz="5400" b="1" spc="50" dirty="0">
+                <a:ln w="9525" cmpd="sng">
+                  <a:solidFill>
+                    <a:schemeClr val="accent1"/>
+                  </a:solidFill>
+                  <a:prstDash val="solid"/>
+                </a:ln>
+                <a:solidFill>
+                  <a:srgbClr val="70AD47">
+                    <a:tint val="1000"/>
+                  </a:srgbClr>
+                </a:solidFill>
+                <a:effectLst>
+                  <a:glow rad="38100">
+                    <a:schemeClr val="accent1">
+                      <a:alpha val="40000"/>
+                    </a:schemeClr>
+                  </a:glow>
+                </a:effectLst>
+              </a:rPr>
+              <a:t>B-TREE CONSTRUCTOR</a:t>
+            </a:r>
+          </a:p>
+        </p:txBody>
+      </p:sp>
+      <p:sp>
+        <p:nvSpPr>
+          <p:cNvPr id="6" name="Rectangle 5">
+            <a:extLst>
+              <a:ext uri="{FF2B5EF4-FFF2-40B4-BE49-F238E27FC236}">
+                <a16:creationId xmlns:a16="http://schemas.microsoft.com/office/drawing/2014/main" id="{17487E27-E43C-3F44-2B05-84D416D8AD9B}"/>
+              </a:ext>
+            </a:extLst>
+          </p:cNvPr>
+          <p:cNvSpPr/>
+          <p:nvPr/>
+        </p:nvSpPr>
+        <p:spPr>
+          <a:xfrm>
+            <a:off x="709532" y="909936"/>
+            <a:ext cx="7724936" cy="923330"/>
+          </a:xfrm>
+          <a:prstGeom prst="rect">
+            <a:avLst/>
+          </a:prstGeom>
+          <a:noFill/>
+        </p:spPr>
+        <p:txBody>
+          <a:bodyPr wrap="none" lIns="91440" tIns="45720" rIns="91440" bIns="45720">
+            <a:spAutoFit/>
+          </a:bodyPr>
+          <a:lstStyle/>
+          <a:p>
+            <a:pPr algn="ctr"/>
+            <a:r>
+              <a:rPr lang="en-US" sz="5400" b="1" dirty="0">
+                <a:ln w="12700">
+                  <a:solidFill>
+                    <a:schemeClr val="accent3">
+                      <a:lumMod val="50000"/>
+                    </a:schemeClr>
+                  </a:solidFill>
+                  <a:prstDash val="solid"/>
+                </a:ln>
+                <a:pattFill prst="narHorz">
+                  <a:fgClr>
+                    <a:schemeClr val="accent3"/>
+                  </a:fgClr>
+                  <a:bgClr>
+                    <a:schemeClr val="accent3">
+                      <a:lumMod val="40000"/>
+                      <a:lumOff val="60000"/>
+                    </a:schemeClr>
+                  </a:bgClr>
+                </a:pattFill>
+                <a:effectLst>
+                  <a:innerShdw blurRad="177800">
+                    <a:schemeClr val="accent3">
+                      <a:lumMod val="50000"/>
+                    </a:schemeClr>
+                  </a:innerShdw>
+                </a:effectLst>
+              </a:rPr>
+              <a:t>DEFINE B-TREE IN CODING</a:t>
+            </a:r>
+            <a:endParaRPr lang="en-US" sz="5400" b="1" cap="none" spc="0" dirty="0">
+              <a:ln w="12700">
+                <a:solidFill>
+                  <a:schemeClr val="accent3">
+                    <a:lumMod val="50000"/>
+                  </a:schemeClr>
+                </a:solidFill>
+                <a:prstDash val="solid"/>
+              </a:ln>
+              <a:pattFill prst="narHorz">
+                <a:fgClr>
+                  <a:schemeClr val="accent3"/>
+                </a:fgClr>
+                <a:bgClr>
+                  <a:schemeClr val="accent3">
+                    <a:lumMod val="40000"/>
+                    <a:lumOff val="60000"/>
+                  </a:schemeClr>
+                </a:bgClr>
+              </a:pattFill>
+              <a:effectLst>
+                <a:innerShdw blurRad="177800">
+                  <a:schemeClr val="accent3">
+                    <a:lumMod val="50000"/>
+                  </a:schemeClr>
+                </a:innerShdw>
+              </a:effectLst>
+            </a:endParaRPr>
+          </a:p>
+        </p:txBody>
+      </p:sp>
+      <p:pic>
+        <p:nvPicPr>
+          <p:cNvPr id="7" name="Picture 6">
+            <a:extLst>
+              <a:ext uri="{FF2B5EF4-FFF2-40B4-BE49-F238E27FC236}">
+                <a16:creationId xmlns:a16="http://schemas.microsoft.com/office/drawing/2014/main" id="{081A52C9-450F-80E5-8C28-922DA2137F11}"/>
+              </a:ext>
+            </a:extLst>
+          </p:cNvPr>
+          <p:cNvPicPr>
+            <a:picLocks noChangeAspect="1"/>
+          </p:cNvPicPr>
+          <p:nvPr/>
+        </p:nvPicPr>
+        <p:blipFill>
+          <a:blip r:embed="rId2"/>
+          <a:stretch>
+            <a:fillRect/>
+          </a:stretch>
+        </p:blipFill>
+        <p:spPr>
+          <a:xfrm>
+            <a:off x="1600200" y="3136900"/>
+            <a:ext cx="5943600" cy="1498600"/>
+          </a:xfrm>
+          <a:prstGeom prst="rect">
+            <a:avLst/>
+          </a:prstGeom>
+        </p:spPr>
+      </p:pic>
+      <p:sp>
+        <p:nvSpPr>
+          <p:cNvPr id="9" name="TextBox 8">
+            <a:extLst>
+              <a:ext uri="{FF2B5EF4-FFF2-40B4-BE49-F238E27FC236}">
+                <a16:creationId xmlns:a16="http://schemas.microsoft.com/office/drawing/2014/main" id="{492B7821-5353-87AE-506C-EA611EDFDA7B}"/>
+              </a:ext>
+            </a:extLst>
+          </p:cNvPr>
+          <p:cNvSpPr txBox="1"/>
+          <p:nvPr/>
+        </p:nvSpPr>
+        <p:spPr>
+          <a:xfrm>
+            <a:off x="1256539" y="2046291"/>
+            <a:ext cx="6360739" cy="954107"/>
+          </a:xfrm>
+          <a:prstGeom prst="rect">
+            <a:avLst/>
+          </a:prstGeom>
+          <a:noFill/>
+        </p:spPr>
+        <p:txBody>
+          <a:bodyPr wrap="square" rtlCol="0">
+            <a:spAutoFit/>
+          </a:bodyPr>
+          <a:lstStyle/>
+          <a:p>
+            <a:r>
+              <a:rPr lang="en-US" sz="2800" dirty="0">
+                <a:solidFill>
+                  <a:schemeClr val="accent6">
+                    <a:lumMod val="40000"/>
+                    <a:lumOff val="60000"/>
+                  </a:schemeClr>
+                </a:solidFill>
+              </a:rPr>
+              <a:t>We define a new struct B-Tree according to the definition of B-Tree as below:</a:t>
+            </a:r>
+          </a:p>
+        </p:txBody>
+      </p:sp>
+    </p:spTree>
+    <p:extLst>
+      <p:ext uri="{BB962C8B-B14F-4D97-AF65-F5344CB8AC3E}">
+        <p14:creationId xmlns:p14="http://schemas.microsoft.com/office/powerpoint/2010/main" val="3588322384"/>
+      </p:ext>
+    </p:extLst>
+  </p:cSld>
+  <p:clrMapOvr>
+    <a:masterClrMapping/>
+  </p:clrMapOvr>
+  <p:timing>
+    <p:tnLst>
+      <p:par>
+        <p:cTn id="1" dur="indefinite" restart="never" nodeType="tmRoot">
+          <p:childTnLst>
+            <p:seq concurrent="1" nextAc="seek">
+              <p:cTn id="2" dur="indefinite" nodeType="mainSeq">
+                <p:childTnLst>
+                  <p:par>
+                    <p:cTn id="3" fill="hold">
+                      <p:stCondLst>
+                        <p:cond delay="indefinite"/>
+                      </p:stCondLst>
+                      <p:childTnLst>
+                        <p:par>
+                          <p:cTn id="4" fill="hold">
+                            <p:stCondLst>
+                              <p:cond delay="0"/>
+                            </p:stCondLst>
+                            <p:childTnLst>
+                              <p:par>
+                                <p:cTn id="5" presetID="10" presetClass="exit" presetSubtype="0" fill="hold" grpId="0" nodeType="clickEffect">
+                                  <p:stCondLst>
+                                    <p:cond delay="0"/>
+                                  </p:stCondLst>
+                                  <p:childTnLst>
+                                    <p:animEffect transition="out" filter="fade">
+                                      <p:cBhvr>
+                                        <p:cTn id="6" dur="500"/>
+                                        <p:tgtEl>
+                                          <p:spTgt spid="9"/>
+                                        </p:tgtEl>
+                                      </p:cBhvr>
+                                    </p:animEffect>
+                                    <p:set>
+                                      <p:cBhvr>
+                                        <p:cTn id="7" dur="1" fill="hold">
+                                          <p:stCondLst>
+                                            <p:cond delay="499"/>
+                                          </p:stCondLst>
+                                        </p:cTn>
+                                        <p:tgtEl>
+                                          <p:spTgt spid="9"/>
+                                        </p:tgtEl>
+                                        <p:attrNameLst>
+                                          <p:attrName>style.visibility</p:attrName>
+                                        </p:attrNameLst>
+                                      </p:cBhvr>
+                                      <p:to>
+                                        <p:strVal val="hidden"/>
+                                      </p:to>
+                                    </p:set>
+                                  </p:childTnLst>
+                                </p:cTn>
+                              </p:par>
+                              <p:par>
+                                <p:cTn id="8" presetID="64" presetClass="path" presetSubtype="0" accel="50000" decel="50000" fill="hold" nodeType="withEffect">
+                                  <p:stCondLst>
+                                    <p:cond delay="0"/>
+                                  </p:stCondLst>
+                                  <p:childTnLst>
+                                    <p:animMotion origin="layout" path="M 0 0 L 0 -0.25 E" pathEditMode="relative" ptsTypes="">
+                                      <p:cBhvr>
+                                        <p:cTn id="9" dur="2000" fill="hold"/>
+                                        <p:tgtEl>
+                                          <p:spTgt spid="7"/>
+                                        </p:tgtEl>
+                                        <p:attrNameLst>
+                                          <p:attrName>ppt_x</p:attrName>
+                                          <p:attrName>ppt_y</p:attrName>
+                                        </p:attrNameLst>
+                                      </p:cBhvr>
+                                    </p:animMotion>
+                                  </p:childTnLst>
+                                </p:cTn>
+                              </p:par>
+                            </p:childTnLst>
+                          </p:cTn>
+                        </p:par>
+                      </p:childTnLst>
+                    </p:cTn>
+                  </p:par>
+                </p:childTnLst>
+              </p:cTn>
+              <p:prevCondLst>
+                <p:cond evt="onPrev" delay="0">
+                  <p:tgtEl>
+                    <p:sldTgt/>
+                  </p:tgtEl>
+                </p:cond>
+              </p:prevCondLst>
+              <p:nextCondLst>
+                <p:cond evt="onNext" delay="0">
+                  <p:tgtEl>
+                    <p:sldTgt/>
+                  </p:tgtEl>
+                </p:cond>
+              </p:nextCondLst>
+            </p:seq>
+          </p:childTnLst>
+        </p:cTn>
+      </p:par>
+    </p:tnLst>
+    <p:bldLst>
+      <p:bldP spid="9" grpId="0"/>
+    </p:bldLst>
+  </p:timing>
+</p:sld>
+</file>
+
+<file path=ppt/slides/slide21.xml><?xml version="1.0" encoding="utf-8"?>
+<p:sld xmlns:a="http://schemas.openxmlformats.org/drawingml/2006/main" xmlns:r="http://schemas.openxmlformats.org/officeDocument/2006/relationships" xmlns:p="http://schemas.openxmlformats.org/presentationml/2006/main">
+  <p:cSld>
+    <p:spTree>
+      <p:nvGrpSpPr>
+        <p:cNvPr id="1" name=""/>
+        <p:cNvGrpSpPr/>
+        <p:nvPr/>
+      </p:nvGrpSpPr>
+      <p:grpSpPr>
+        <a:xfrm>
+          <a:off x="0" y="0"/>
+          <a:ext cx="0" cy="0"/>
+          <a:chOff x="0" y="0"/>
+          <a:chExt cx="0" cy="0"/>
+        </a:xfrm>
+      </p:grpSpPr>
+      <p:sp>
+        <p:nvSpPr>
+          <p:cNvPr id="5" name="Rectangle 4">
+            <a:extLst>
+              <a:ext uri="{FF2B5EF4-FFF2-40B4-BE49-F238E27FC236}">
+                <a16:creationId xmlns:a16="http://schemas.microsoft.com/office/drawing/2014/main" id="{D98102C5-0624-C1EF-C8D8-401FD5FA8518}"/>
+              </a:ext>
+            </a:extLst>
+          </p:cNvPr>
+          <p:cNvSpPr/>
+          <p:nvPr/>
+        </p:nvSpPr>
+        <p:spPr>
+          <a:xfrm>
+            <a:off x="1166933" y="289450"/>
+            <a:ext cx="6810134" cy="923330"/>
+          </a:xfrm>
+          <a:prstGeom prst="rect">
+            <a:avLst/>
+          </a:prstGeom>
+          <a:noFill/>
+        </p:spPr>
+        <p:txBody>
+          <a:bodyPr wrap="none" lIns="91440" tIns="45720" rIns="91440" bIns="45720">
+            <a:spAutoFit/>
+          </a:bodyPr>
+          <a:lstStyle/>
+          <a:p>
+            <a:pPr algn="ctr"/>
+            <a:r>
+              <a:rPr lang="en-US" sz="5400" b="1" spc="50" dirty="0">
+                <a:ln w="9525" cmpd="sng">
+                  <a:solidFill>
+                    <a:schemeClr val="accent1"/>
+                  </a:solidFill>
+                  <a:prstDash val="solid"/>
+                </a:ln>
+                <a:solidFill>
+                  <a:srgbClr val="70AD47">
+                    <a:tint val="1000"/>
+                  </a:srgbClr>
+                </a:solidFill>
+                <a:effectLst>
+                  <a:glow rad="38100">
+                    <a:schemeClr val="accent1">
+                      <a:alpha val="40000"/>
+                    </a:schemeClr>
+                  </a:glow>
+                </a:effectLst>
+              </a:rPr>
+              <a:t>B-TREE CONSTRUCTOR</a:t>
+            </a:r>
+          </a:p>
+        </p:txBody>
+      </p:sp>
+    </p:spTree>
+    <p:extLst>
+      <p:ext uri="{BB962C8B-B14F-4D97-AF65-F5344CB8AC3E}">
+        <p14:creationId xmlns:p14="http://schemas.microsoft.com/office/powerpoint/2010/main" val="2551112328"/>
+      </p:ext>
+    </p:extLst>
+  </p:cSld>
+  <p:clrMapOvr>
+    <a:masterClrMapping/>
+  </p:clrMapOvr>
+</p:sld>
+</file>
+
+<file path=ppt/slides/slide22.xml><?xml version="1.0" encoding="utf-8"?>
+<p:sld xmlns:a="http://schemas.openxmlformats.org/drawingml/2006/main" xmlns:r="http://schemas.openxmlformats.org/officeDocument/2006/relationships" xmlns:p="http://schemas.openxmlformats.org/presentationml/2006/main">
+  <p:cSld>
+    <p:spTree>
+      <p:nvGrpSpPr>
+        <p:cNvPr id="1" name=""/>
+        <p:cNvGrpSpPr/>
+        <p:nvPr/>
+      </p:nvGrpSpPr>
+      <p:grpSpPr>
+        <a:xfrm>
+          <a:off x="0" y="0"/>
+          <a:ext cx="0" cy="0"/>
+          <a:chOff x="0" y="0"/>
+          <a:chExt cx="0" cy="0"/>
+        </a:xfrm>
+      </p:grpSpPr>
+    </p:spTree>
+    <p:extLst>
+      <p:ext uri="{BB962C8B-B14F-4D97-AF65-F5344CB8AC3E}">
+        <p14:creationId xmlns:p14="http://schemas.microsoft.com/office/powerpoint/2010/main" val="1182523709"/>
+      </p:ext>
+    </p:extLst>
+  </p:cSld>
+  <p:clrMapOvr>
+    <a:masterClrMapping/>
+  </p:clrMapOvr>
+</p:sld>
+</file>
+
+<file path=ppt/slides/slide23.xml><?xml version="1.0" encoding="utf-8"?>
+<p:sld xmlns:a="http://schemas.openxmlformats.org/drawingml/2006/main" xmlns:r="http://schemas.openxmlformats.org/officeDocument/2006/relationships" xmlns:p="http://schemas.openxmlformats.org/presentationml/2006/main">
+  <p:cSld>
+    <p:spTree>
+      <p:nvGrpSpPr>
+        <p:cNvPr id="1" name=""/>
+        <p:cNvGrpSpPr/>
+        <p:nvPr/>
+      </p:nvGrpSpPr>
+      <p:grpSpPr>
+        <a:xfrm>
+          <a:off x="0" y="0"/>
+          <a:ext cx="0" cy="0"/>
+          <a:chOff x="0" y="0"/>
+          <a:chExt cx="0" cy="0"/>
+        </a:xfrm>
+      </p:grpSpPr>
+      <p:sp>
+        <p:nvSpPr>
+          <p:cNvPr id="2" name="Title 1">
+            <a:extLst>
+              <a:ext uri="{FF2B5EF4-FFF2-40B4-BE49-F238E27FC236}">
+                <a16:creationId xmlns:a16="http://schemas.microsoft.com/office/drawing/2014/main" id="{E08E5080-2D2A-D054-EC85-58537039E0E9}"/>
+              </a:ext>
+            </a:extLst>
+          </p:cNvPr>
+          <p:cNvSpPr>
+            <a:spLocks noGrp="1"/>
+          </p:cNvSpPr>
+          <p:nvPr>
+            <p:ph type="ctrTitle"/>
+          </p:nvPr>
+        </p:nvSpPr>
+        <p:spPr/>
+        <p:txBody>
+          <a:bodyPr/>
+          <a:lstStyle/>
+          <a:p>
+            <a:endParaRPr lang="en-US"/>
+          </a:p>
+        </p:txBody>
+      </p:sp>
+      <p:sp>
+        <p:nvSpPr>
+          <p:cNvPr id="3" name="Subtitle 2">
+            <a:extLst>
+              <a:ext uri="{FF2B5EF4-FFF2-40B4-BE49-F238E27FC236}">
+                <a16:creationId xmlns:a16="http://schemas.microsoft.com/office/drawing/2014/main" id="{317C41E9-E6BC-82AC-BD17-BBF7BBE21B7B}"/>
+              </a:ext>
+            </a:extLst>
+          </p:cNvPr>
+          <p:cNvSpPr>
+            <a:spLocks noGrp="1"/>
+          </p:cNvSpPr>
+          <p:nvPr>
+            <p:ph type="subTitle" idx="1"/>
+          </p:nvPr>
+        </p:nvSpPr>
+        <p:spPr/>
+        <p:txBody>
+          <a:bodyPr/>
+          <a:lstStyle/>
+          <a:p>
+            <a:endParaRPr lang="en-US"/>
+          </a:p>
+        </p:txBody>
+      </p:sp>
+    </p:spTree>
+    <p:extLst>
+      <p:ext uri="{BB962C8B-B14F-4D97-AF65-F5344CB8AC3E}">
+        <p14:creationId xmlns:p14="http://schemas.microsoft.com/office/powerpoint/2010/main" val="1307328213"/>
+      </p:ext>
+    </p:extLst>
+  </p:cSld>
+  <p:clrMapOvr>
+    <a:masterClrMapping/>
+  </p:clrMapOvr>
+</p:sld>
+</file>
+
+<file path=ppt/slides/slide24.xml><?xml version="1.0" encoding="utf-8"?>
+<p:sld xmlns:a="http://schemas.openxmlformats.org/drawingml/2006/main" xmlns:r="http://schemas.openxmlformats.org/officeDocument/2006/relationships" xmlns:p="http://schemas.openxmlformats.org/presentationml/2006/main">
+  <p:cSld>
+    <p:spTree>
+      <p:nvGrpSpPr>
+        <p:cNvPr id="1" name=""/>
+        <p:cNvGrpSpPr/>
+        <p:nvPr/>
+      </p:nvGrpSpPr>
+      <p:grpSpPr>
+        <a:xfrm>
+          <a:off x="0" y="0"/>
+          <a:ext cx="0" cy="0"/>
+          <a:chOff x="0" y="0"/>
+          <a:chExt cx="0" cy="0"/>
+        </a:xfrm>
+      </p:grpSpPr>
+      <p:sp>
+        <p:nvSpPr>
+          <p:cNvPr id="2" name="Title 1">
+            <a:extLst>
+              <a:ext uri="{FF2B5EF4-FFF2-40B4-BE49-F238E27FC236}">
+                <a16:creationId xmlns:a16="http://schemas.microsoft.com/office/drawing/2014/main" id="{070B01F1-5B30-4099-9FA4-25A75F0DF9A2}"/>
+              </a:ext>
+            </a:extLst>
+          </p:cNvPr>
+          <p:cNvSpPr>
+            <a:spLocks noGrp="1"/>
+          </p:cNvSpPr>
+          <p:nvPr>
+            <p:ph type="title"/>
+          </p:nvPr>
+        </p:nvSpPr>
+        <p:spPr/>
+        <p:txBody>
+          <a:bodyPr/>
+          <a:lstStyle/>
+          <a:p>
+            <a:endParaRPr lang="en-US" dirty="0"/>
+          </a:p>
+        </p:txBody>
+      </p:sp>
+      <p:sp>
+        <p:nvSpPr>
+          <p:cNvPr id="3" name="Text Placeholder 2">
+            <a:extLst>
+              <a:ext uri="{FF2B5EF4-FFF2-40B4-BE49-F238E27FC236}">
+                <a16:creationId xmlns:a16="http://schemas.microsoft.com/office/drawing/2014/main" id="{C247F362-A59E-40E7-9473-45994769BEE6}"/>
+              </a:ext>
+            </a:extLst>
+          </p:cNvPr>
+          <p:cNvSpPr>
+            <a:spLocks noGrp="1"/>
+          </p:cNvSpPr>
+          <p:nvPr>
+            <p:ph type="body" idx="1"/>
+          </p:nvPr>
+        </p:nvSpPr>
+        <p:spPr>
+          <a:xfrm>
+            <a:off x="722313" y="417144"/>
+            <a:ext cx="7772400" cy="1125140"/>
+          </a:xfrm>
+        </p:spPr>
+        <p:txBody>
+          <a:bodyPr/>
+          <a:lstStyle/>
+          <a:p>
+            <a:endParaRPr lang="en-US" dirty="0"/>
+          </a:p>
+        </p:txBody>
+      </p:sp>
+    </p:spTree>
+    <p:extLst>
+      <p:ext uri="{BB962C8B-B14F-4D97-AF65-F5344CB8AC3E}">
+        <p14:creationId xmlns:p14="http://schemas.microsoft.com/office/powerpoint/2010/main" val="1892487261"/>
+      </p:ext>
+    </p:extLst>
+  </p:cSld>
+  <p:clrMapOvr>
+    <a:masterClrMapping/>
+  </p:clrMapOvr>
+</p:sld>
+</file>
+
+<file path=ppt/slides/slide25.xml><?xml version="1.0" encoding="utf-8"?>
+<p:sld xmlns:a="http://schemas.openxmlformats.org/drawingml/2006/main" xmlns:r="http://schemas.openxmlformats.org/officeDocument/2006/relationships" xmlns:p="http://schemas.openxmlformats.org/presentationml/2006/main">
+  <p:cSld>
+    <p:spTree>
+      <p:nvGrpSpPr>
+        <p:cNvPr id="1" name=""/>
+        <p:cNvGrpSpPr/>
+        <p:nvPr/>
+      </p:nvGrpSpPr>
+      <p:grpSpPr>
+        <a:xfrm>
+          <a:off x="0" y="0"/>
+          <a:ext cx="0" cy="0"/>
+          <a:chOff x="0" y="0"/>
+          <a:chExt cx="0" cy="0"/>
+        </a:xfrm>
+      </p:grpSpPr>
+      <p:sp>
+        <p:nvSpPr>
+          <p:cNvPr id="4" name="Title 3"/>
+          <p:cNvSpPr>
+            <a:spLocks noGrp="1"/>
+          </p:cNvSpPr>
+          <p:nvPr>
+            <p:ph type="title"/>
+          </p:nvPr>
+        </p:nvSpPr>
+        <p:spPr/>
+        <p:txBody>
+          <a:bodyPr>
+            <a:normAutofit/>
+          </a:bodyPr>
+          <a:lstStyle/>
+          <a:p>
+            <a:r>
+              <a:rPr lang="en-US"/>
+              <a:t>Slide Title</a:t>
+            </a:r>
+            <a:endParaRPr lang="en-US" dirty="0"/>
+          </a:p>
+        </p:txBody>
+      </p:sp>
+      <p:sp>
+        <p:nvSpPr>
+          <p:cNvPr id="5" name="Content Placeholder 4"/>
+          <p:cNvSpPr>
+            <a:spLocks noGrp="1"/>
+          </p:cNvSpPr>
+          <p:nvPr>
+            <p:ph idx="1"/>
+          </p:nvPr>
+        </p:nvSpPr>
+        <p:spPr/>
+        <p:txBody>
+          <a:bodyPr/>
+          <a:lstStyle/>
+          <a:p>
+            <a:r>
+              <a:rPr lang="en-US" dirty="0"/>
+              <a:t>Make Effective Presentations</a:t>
+            </a:r>
+          </a:p>
+          <a:p>
+            <a:r>
+              <a:rPr lang="en-US" dirty="0"/>
+              <a:t>Using Awesome Backgrounds</a:t>
+            </a:r>
+          </a:p>
+          <a:p>
+            <a:r>
+              <a:rPr lang="en-US" dirty="0"/>
+              <a:t>Engage your Audience</a:t>
+            </a:r>
+          </a:p>
+          <a:p>
+            <a:r>
+              <a:rPr lang="en-US" dirty="0"/>
+              <a:t>Capture Audience Attention</a:t>
+            </a:r>
+          </a:p>
+        </p:txBody>
+      </p:sp>
+    </p:spTree>
+    <p:extLst>
+      <p:ext uri="{BB962C8B-B14F-4D97-AF65-F5344CB8AC3E}">
+        <p14:creationId xmlns:p14="http://schemas.microsoft.com/office/powerpoint/2010/main" val="1101633878"/>
+      </p:ext>
+    </p:extLst>
+  </p:cSld>
+  <p:clrMapOvr>
+    <a:masterClrMapping/>
+  </p:clrMapOvr>
+</p:sld>
+</file>
+
+<file path=ppt/slides/slide26.xml><?xml version="1.0" encoding="utf-8"?>
+<p:sld xmlns:a="http://schemas.openxmlformats.org/drawingml/2006/main" xmlns:r="http://schemas.openxmlformats.org/officeDocument/2006/relationships" xmlns:p="http://schemas.openxmlformats.org/presentationml/2006/main">
+  <p:cSld>
+    <p:spTree>
+      <p:nvGrpSpPr>
+        <p:cNvPr id="1" name=""/>
+        <p:cNvGrpSpPr/>
+        <p:nvPr/>
+      </p:nvGrpSpPr>
+      <p:grpSpPr>
+        <a:xfrm>
+          <a:off x="0" y="0"/>
+          <a:ext cx="0" cy="0"/>
+          <a:chOff x="0" y="0"/>
+          <a:chExt cx="0" cy="0"/>
+        </a:xfrm>
+      </p:grpSpPr>
+      <p:sp>
+        <p:nvSpPr>
+          <p:cNvPr id="4" name="Title 3"/>
+          <p:cNvSpPr>
+            <a:spLocks noGrp="1"/>
+          </p:cNvSpPr>
+          <p:nvPr>
+            <p:ph type="title"/>
+          </p:nvPr>
+        </p:nvSpPr>
+        <p:spPr/>
+        <p:txBody>
+          <a:bodyPr>
+            <a:normAutofit/>
+          </a:bodyPr>
+          <a:lstStyle/>
+          <a:p>
+            <a:r>
+              <a:rPr lang="en-US" dirty="0"/>
+              <a:t>Slide Title</a:t>
+            </a:r>
+          </a:p>
+        </p:txBody>
+      </p:sp>
+      <p:sp>
+        <p:nvSpPr>
+          <p:cNvPr id="5" name="Text Placeholder 4"/>
+          <p:cNvSpPr>
+            <a:spLocks noGrp="1"/>
+          </p:cNvSpPr>
+          <p:nvPr>
+            <p:ph type="body" idx="1"/>
+          </p:nvPr>
+        </p:nvSpPr>
+        <p:spPr/>
+        <p:txBody>
+          <a:bodyPr/>
+          <a:lstStyle/>
+          <a:p>
+            <a:r>
+              <a:rPr lang="en-US"/>
+              <a:t>Product A</a:t>
+            </a:r>
+            <a:endParaRPr lang="en-US" dirty="0"/>
+          </a:p>
+        </p:txBody>
+      </p:sp>
+      <p:sp>
+        <p:nvSpPr>
+          <p:cNvPr id="6" name="Content Placeholder 5"/>
+          <p:cNvSpPr>
+            <a:spLocks noGrp="1"/>
+          </p:cNvSpPr>
+          <p:nvPr>
+            <p:ph sz="half" idx="2"/>
+          </p:nvPr>
+        </p:nvSpPr>
+        <p:spPr/>
+        <p:txBody>
+          <a:bodyPr/>
+          <a:lstStyle/>
+          <a:p>
+            <a:r>
+              <a:rPr lang="en-US"/>
+              <a:t>Feature 1</a:t>
+            </a:r>
+          </a:p>
+          <a:p>
+            <a:r>
+              <a:rPr lang="en-US"/>
+              <a:t>Feature 2</a:t>
+            </a:r>
+          </a:p>
+          <a:p>
+            <a:r>
+              <a:rPr lang="en-US"/>
+              <a:t>Feature 3</a:t>
+            </a:r>
+            <a:endParaRPr lang="en-US" dirty="0"/>
+          </a:p>
+        </p:txBody>
+      </p:sp>
+      <p:sp>
+        <p:nvSpPr>
+          <p:cNvPr id="7" name="Text Placeholder 6"/>
+          <p:cNvSpPr>
+            <a:spLocks noGrp="1"/>
+          </p:cNvSpPr>
+          <p:nvPr>
+            <p:ph type="body" sz="quarter" idx="3"/>
+          </p:nvPr>
+        </p:nvSpPr>
+        <p:spPr/>
+        <p:txBody>
+          <a:bodyPr/>
+          <a:lstStyle/>
+          <a:p>
+            <a:r>
+              <a:rPr lang="en-US"/>
+              <a:t>Product B</a:t>
+            </a:r>
+          </a:p>
+        </p:txBody>
+      </p:sp>
+      <p:sp>
+        <p:nvSpPr>
+          <p:cNvPr id="8" name="Content Placeholder 7"/>
+          <p:cNvSpPr>
+            <a:spLocks noGrp="1"/>
+          </p:cNvSpPr>
+          <p:nvPr>
+            <p:ph sz="quarter" idx="4"/>
+          </p:nvPr>
+        </p:nvSpPr>
+        <p:spPr/>
+        <p:txBody>
+          <a:bodyPr/>
+          <a:lstStyle/>
+          <a:p>
+            <a:r>
+              <a:rPr lang="en-US"/>
+              <a:t>Feature 1</a:t>
+            </a:r>
+          </a:p>
+          <a:p>
+            <a:r>
+              <a:rPr lang="en-US"/>
+              <a:t>Feature 2</a:t>
+            </a:r>
+          </a:p>
+          <a:p>
+            <a:r>
+              <a:rPr lang="en-US"/>
+              <a:t>Feature 3</a:t>
+            </a:r>
+          </a:p>
+        </p:txBody>
+      </p:sp>
+    </p:spTree>
+    <p:extLst>
+      <p:ext uri="{BB962C8B-B14F-4D97-AF65-F5344CB8AC3E}">
+        <p14:creationId xmlns:p14="http://schemas.microsoft.com/office/powerpoint/2010/main" val="4170783713"/>
+      </p:ext>
+    </p:extLst>
+  </p:cSld>
+  <p:clrMapOvr>
+    <a:masterClrMapping/>
+  </p:clrMapOvr>
+</p:sld>
+</file>
+
+<file path=ppt/slides/slide27.xml><?xml version="1.0" encoding="utf-8"?>
+<p:sld xmlns:a="http://schemas.openxmlformats.org/drawingml/2006/main" xmlns:r="http://schemas.openxmlformats.org/officeDocument/2006/relationships" xmlns:p="http://schemas.openxmlformats.org/presentationml/2006/main">
+  <p:cSld>
+    <p:spTree>
+      <p:nvGrpSpPr>
+        <p:cNvPr id="1" name=""/>
+        <p:cNvGrpSpPr/>
+        <p:nvPr/>
+      </p:nvGrpSpPr>
+      <p:grpSpPr>
+        <a:xfrm>
+          <a:off x="0" y="0"/>
+          <a:ext cx="0" cy="0"/>
+          <a:chOff x="0" y="0"/>
+          <a:chExt cx="0" cy="0"/>
+        </a:xfrm>
+      </p:grpSpPr>
+      <p:pic>
+        <p:nvPicPr>
+          <p:cNvPr id="3" name="Picture 2" descr="E:\websites\free-power-point-templates\2012\logos.png"/>
+          <p:cNvPicPr>
+            <a:picLocks noChangeAspect="1" noChangeArrowheads="1"/>
+          </p:cNvPicPr>
+          <p:nvPr/>
+        </p:nvPicPr>
+        <p:blipFill>
+          <a:blip r:embed="rId3">
+            <a:extLst>
+              <a:ext uri="{28A0092B-C50C-407E-A947-70E740481C1C}">
+                <a14:useLocalDpi xmlns:a14="http://schemas.microsoft.com/office/drawing/2010/main" val="0"/>
+              </a:ext>
+            </a:extLst>
+          </a:blip>
+          <a:stretch>
+            <a:fillRect/>
+          </a:stretch>
+        </p:blipFill>
+        <p:spPr bwMode="auto">
+          <a:xfrm>
+            <a:off x="3808475" y="2326213"/>
+            <a:ext cx="1463784" cy="526961"/>
+          </a:xfrm>
+          <a:prstGeom prst="rect">
+            <a:avLst/>
+          </a:prstGeom>
+          <a:noFill/>
+          <a:ln>
+            <a:noFill/>
+          </a:ln>
+          <a:extLst>
+            <a:ext uri="{909E8E84-426E-40DD-AFC4-6F175D3DCCD1}">
+              <a14:hiddenFill xmlns:a14="http://schemas.microsoft.com/office/drawing/2010/main">
+                <a:solidFill>
+                  <a:srgbClr val="FFFFFF"/>
+                </a:solidFill>
+              </a14:hiddenFill>
+            </a:ext>
+          </a:extLst>
+        </p:spPr>
+      </p:pic>
+    </p:spTree>
+    <p:extLst>
+      <p:ext uri="{BB962C8B-B14F-4D97-AF65-F5344CB8AC3E}">
+        <p14:creationId xmlns:p14="http://schemas.microsoft.com/office/powerpoint/2010/main" val="109100692"/>
       </p:ext>
     </p:extLst>
   </p:cSld>

--- a/Seminar.pptx
+++ b/Seminar.pptx
@@ -234,7 +234,7 @@
           <a:p>
             <a:fld id="{C8D18E60-4300-4729-A0D7-6AB984C3922D}" type="datetimeFigureOut">
               <a:rPr lang="en-US" smtClean="0"/>
-              <a:t>6/24/2022</a:t>
+              <a:t>6/25/2022</a:t>
             </a:fld>
             <a:endParaRPr lang="en-US"/>
           </a:p>
@@ -800,7 +800,7 @@
             <a:fld id="{53074F12-AA26-4AC8-9962-C36BB8F32554}" type="datetimeFigureOut">
               <a:rPr lang="en-US" smtClean="0"/>
               <a:pPr/>
-              <a:t>6/24/2022</a:t>
+              <a:t>6/25/2022</a:t>
             </a:fld>
             <a:endParaRPr lang="en-US"/>
           </a:p>
@@ -1054,7 +1054,7 @@
             <a:fld id="{53074F12-AA26-4AC8-9962-C36BB8F32554}" type="datetimeFigureOut">
               <a:rPr lang="en-US" smtClean="0"/>
               <a:pPr/>
-              <a:t>6/24/2022</a:t>
+              <a:t>6/25/2022</a:t>
             </a:fld>
             <a:endParaRPr lang="en-US"/>
           </a:p>
@@ -1224,7 +1224,7 @@
             <a:fld id="{53074F12-AA26-4AC8-9962-C36BB8F32554}" type="datetimeFigureOut">
               <a:rPr lang="en-US" smtClean="0"/>
               <a:pPr/>
-              <a:t>6/24/2022</a:t>
+              <a:t>6/25/2022</a:t>
             </a:fld>
             <a:endParaRPr lang="en-US"/>
           </a:p>
@@ -1404,7 +1404,7 @@
             <a:fld id="{53074F12-AA26-4AC8-9962-C36BB8F32554}" type="datetimeFigureOut">
               <a:rPr lang="en-US" smtClean="0"/>
               <a:pPr/>
-              <a:t>6/24/2022</a:t>
+              <a:t>6/25/2022</a:t>
             </a:fld>
             <a:endParaRPr lang="en-US"/>
           </a:p>
@@ -1689,7 +1689,7 @@
             <a:fld id="{53074F12-AA26-4AC8-9962-C36BB8F32554}" type="datetimeFigureOut">
               <a:rPr lang="en-US" smtClean="0"/>
               <a:pPr/>
-              <a:t>6/24/2022</a:t>
+              <a:t>6/25/2022</a:t>
             </a:fld>
             <a:endParaRPr lang="en-US"/>
           </a:p>
@@ -1936,7 +1936,7 @@
             <a:fld id="{53074F12-AA26-4AC8-9962-C36BB8F32554}" type="datetimeFigureOut">
               <a:rPr lang="en-US" smtClean="0"/>
               <a:pPr/>
-              <a:t>6/24/2022</a:t>
+              <a:t>6/25/2022</a:t>
             </a:fld>
             <a:endParaRPr lang="en-US"/>
           </a:p>
@@ -2183,7 +2183,7 @@
             <a:fld id="{53074F12-AA26-4AC8-9962-C36BB8F32554}" type="datetimeFigureOut">
               <a:rPr lang="en-US" smtClean="0"/>
               <a:pPr/>
-              <a:t>6/24/2022</a:t>
+              <a:t>6/25/2022</a:t>
             </a:fld>
             <a:endParaRPr lang="en-US"/>
           </a:p>
@@ -2470,7 +2470,7 @@
             <a:fld id="{53074F12-AA26-4AC8-9962-C36BB8F32554}" type="datetimeFigureOut">
               <a:rPr lang="en-US" smtClean="0"/>
               <a:pPr/>
-              <a:t>6/24/2022</a:t>
+              <a:t>6/25/2022</a:t>
             </a:fld>
             <a:endParaRPr lang="en-US"/>
           </a:p>
@@ -2960,7 +2960,7 @@
             <a:fld id="{53074F12-AA26-4AC8-9962-C36BB8F32554}" type="datetimeFigureOut">
               <a:rPr lang="en-US" smtClean="0"/>
               <a:pPr/>
-              <a:t>6/24/2022</a:t>
+              <a:t>6/25/2022</a:t>
             </a:fld>
             <a:endParaRPr lang="en-US"/>
           </a:p>
@@ -3079,7 +3079,7 @@
             <a:fld id="{53074F12-AA26-4AC8-9962-C36BB8F32554}" type="datetimeFigureOut">
               <a:rPr lang="en-US" smtClean="0"/>
               <a:pPr/>
-              <a:t>6/24/2022</a:t>
+              <a:t>6/25/2022</a:t>
             </a:fld>
             <a:endParaRPr lang="en-US"/>
           </a:p>
@@ -3176,7 +3176,7 @@
             <a:fld id="{53074F12-AA26-4AC8-9962-C36BB8F32554}" type="datetimeFigureOut">
               <a:rPr lang="en-US" smtClean="0"/>
               <a:pPr/>
-              <a:t>6/24/2022</a:t>
+              <a:t>6/25/2022</a:t>
             </a:fld>
             <a:endParaRPr lang="en-US"/>
           </a:p>
@@ -3453,7 +3453,7 @@
             <a:fld id="{53074F12-AA26-4AC8-9962-C36BB8F32554}" type="datetimeFigureOut">
               <a:rPr lang="en-US" smtClean="0"/>
               <a:pPr/>
-              <a:t>6/24/2022</a:t>
+              <a:t>6/25/2022</a:t>
             </a:fld>
             <a:endParaRPr lang="en-US"/>
           </a:p>
@@ -3675,7 +3675,7 @@
             <a:fld id="{53074F12-AA26-4AC8-9962-C36BB8F32554}" type="datetimeFigureOut">
               <a:rPr lang="en-US" smtClean="0"/>
               <a:pPr/>
-              <a:t>6/24/2022</a:t>
+              <a:t>6/25/2022</a:t>
             </a:fld>
             <a:endParaRPr lang="en-US"/>
           </a:p>
@@ -12499,113 +12499,6 @@
   <p:clrMapOvr>
     <a:masterClrMapping/>
   </p:clrMapOvr>
-  <p:timing>
-    <p:tnLst>
-      <p:par>
-        <p:cTn id="1" dur="indefinite" restart="never" nodeType="tmRoot">
-          <p:childTnLst>
-            <p:seq concurrent="1" nextAc="seek">
-              <p:cTn id="2" dur="indefinite" nodeType="mainSeq">
-                <p:childTnLst>
-                  <p:par>
-                    <p:cTn id="3" fill="hold">
-                      <p:stCondLst>
-                        <p:cond delay="indefinite"/>
-                      </p:stCondLst>
-                      <p:childTnLst>
-                        <p:par>
-                          <p:cTn id="4" fill="hold">
-                            <p:stCondLst>
-                              <p:cond delay="0"/>
-                            </p:stCondLst>
-                            <p:childTnLst>
-                              <p:par>
-                                <p:cTn id="5" presetID="10" presetClass="exit" presetSubtype="0" fill="hold" grpId="0" nodeType="clickEffect">
-                                  <p:stCondLst>
-                                    <p:cond delay="0"/>
-                                  </p:stCondLst>
-                                  <p:childTnLst>
-                                    <p:animEffect transition="out" filter="fade">
-                                      <p:cBhvr>
-                                        <p:cTn id="6" dur="500"/>
-                                        <p:tgtEl>
-                                          <p:spTgt spid="9"/>
-                                        </p:tgtEl>
-                                      </p:cBhvr>
-                                    </p:animEffect>
-                                    <p:set>
-                                      <p:cBhvr>
-                                        <p:cTn id="7" dur="1" fill="hold">
-                                          <p:stCondLst>
-                                            <p:cond delay="499"/>
-                                          </p:stCondLst>
-                                        </p:cTn>
-                                        <p:tgtEl>
-                                          <p:spTgt spid="9"/>
-                                        </p:tgtEl>
-                                        <p:attrNameLst>
-                                          <p:attrName>style.visibility</p:attrName>
-                                        </p:attrNameLst>
-                                      </p:cBhvr>
-                                      <p:to>
-                                        <p:strVal val="hidden"/>
-                                      </p:to>
-                                    </p:set>
-                                  </p:childTnLst>
-                                </p:cTn>
-                              </p:par>
-                              <p:par>
-                                <p:cTn id="8" presetID="64" presetClass="path" presetSubtype="0" accel="50000" decel="50000" fill="hold" nodeType="withEffect">
-                                  <p:stCondLst>
-                                    <p:cond delay="0"/>
-                                  </p:stCondLst>
-                                  <p:childTnLst>
-                                    <p:animMotion origin="layout" path="M 0 0 L 0 -0.25 E" pathEditMode="relative" ptsTypes="">
-                                      <p:cBhvr>
-                                        <p:cTn id="9" dur="2000" fill="hold"/>
-                                        <p:tgtEl>
-                                          <p:spTgt spid="7"/>
-                                        </p:tgtEl>
-                                        <p:attrNameLst>
-                                          <p:attrName>ppt_x</p:attrName>
-                                          <p:attrName>ppt_y</p:attrName>
-                                        </p:attrNameLst>
-                                      </p:cBhvr>
-                                    </p:animMotion>
-                                  </p:childTnLst>
-                                </p:cTn>
-                              </p:par>
-                            </p:childTnLst>
-                          </p:cTn>
-                        </p:par>
-                      </p:childTnLst>
-                    </p:cTn>
-                  </p:par>
-                </p:childTnLst>
-              </p:cTn>
-              <p:prevCondLst>
-                <p:cond evt="onPrev" delay="0">
-                  <p:tgtEl>
-                    <p:sldTgt/>
-                  </p:tgtEl>
-                </p:cond>
-              </p:prevCondLst>
-              <p:nextCondLst>
-                <p:cond evt="onNext" delay="0">
-                  <p:tgtEl>
-                    <p:sldTgt/>
-                  </p:tgtEl>
-                </p:cond>
-              </p:nextCondLst>
-            </p:seq>
-          </p:childTnLst>
-        </p:cTn>
-      </p:par>
-    </p:tnLst>
-    <p:bldLst>
-      <p:bldP spid="9" grpId="0"/>
-    </p:bldLst>
-  </p:timing>
 </p:sld>
 </file>
 
@@ -12681,6 +12574,372 @@
           </a:p>
         </p:txBody>
       </p:sp>
+      <p:pic>
+        <p:nvPicPr>
+          <p:cNvPr id="3" name="Picture 2">
+            <a:extLst>
+              <a:ext uri="{FF2B5EF4-FFF2-40B4-BE49-F238E27FC236}">
+                <a16:creationId xmlns:a16="http://schemas.microsoft.com/office/drawing/2014/main" id="{93F15268-6E1D-DE8C-EFC1-6CC0A70DD37A}"/>
+              </a:ext>
+            </a:extLst>
+          </p:cNvPr>
+          <p:cNvPicPr>
+            <a:picLocks noChangeAspect="1"/>
+          </p:cNvPicPr>
+          <p:nvPr/>
+        </p:nvPicPr>
+        <p:blipFill>
+          <a:blip r:embed="rId2"/>
+          <a:stretch>
+            <a:fillRect/>
+          </a:stretch>
+        </p:blipFill>
+        <p:spPr>
+          <a:xfrm>
+            <a:off x="1600200" y="1212780"/>
+            <a:ext cx="5943600" cy="1498600"/>
+          </a:xfrm>
+          <a:prstGeom prst="rect">
+            <a:avLst/>
+          </a:prstGeom>
+        </p:spPr>
+      </p:pic>
+      <p:cxnSp>
+        <p:nvCxnSpPr>
+          <p:cNvPr id="4" name="Straight Arrow Connector 3">
+            <a:extLst>
+              <a:ext uri="{FF2B5EF4-FFF2-40B4-BE49-F238E27FC236}">
+                <a16:creationId xmlns:a16="http://schemas.microsoft.com/office/drawing/2014/main" id="{50097813-E557-854C-8857-940770A31E89}"/>
+              </a:ext>
+            </a:extLst>
+          </p:cNvPr>
+          <p:cNvCxnSpPr>
+            <a:cxnSpLocks/>
+          </p:cNvCxnSpPr>
+          <p:nvPr/>
+        </p:nvCxnSpPr>
+        <p:spPr>
+          <a:xfrm flipV="1">
+            <a:off x="808264" y="1730829"/>
+            <a:ext cx="1208315" cy="1920210"/>
+          </a:xfrm>
+          <a:prstGeom prst="straightConnector1">
+            <a:avLst/>
+          </a:prstGeom>
+          <a:ln w="76200">
+            <a:prstDash val="lgDash"/>
+            <a:tailEnd type="triangle"/>
+          </a:ln>
+        </p:spPr>
+        <p:style>
+          <a:lnRef idx="2">
+            <a:schemeClr val="accent2"/>
+          </a:lnRef>
+          <a:fillRef idx="0">
+            <a:schemeClr val="accent2"/>
+          </a:fillRef>
+          <a:effectRef idx="1">
+            <a:schemeClr val="accent2"/>
+          </a:effectRef>
+          <a:fontRef idx="minor">
+            <a:schemeClr val="tx1"/>
+          </a:fontRef>
+        </p:style>
+      </p:cxnSp>
+      <p:sp>
+        <p:nvSpPr>
+          <p:cNvPr id="10" name="TextBox 9">
+            <a:extLst>
+              <a:ext uri="{FF2B5EF4-FFF2-40B4-BE49-F238E27FC236}">
+                <a16:creationId xmlns:a16="http://schemas.microsoft.com/office/drawing/2014/main" id="{138D4A1B-94D9-ECD1-CCBF-EB3FE1947C41}"/>
+              </a:ext>
+            </a:extLst>
+          </p:cNvPr>
+          <p:cNvSpPr txBox="1"/>
+          <p:nvPr/>
+        </p:nvSpPr>
+        <p:spPr>
+          <a:xfrm>
+            <a:off x="461002" y="3651039"/>
+            <a:ext cx="2277836" cy="954107"/>
+          </a:xfrm>
+          <a:prstGeom prst="rect">
+            <a:avLst/>
+          </a:prstGeom>
+          <a:noFill/>
+        </p:spPr>
+        <p:txBody>
+          <a:bodyPr wrap="square" rtlCol="0">
+            <a:spAutoFit/>
+          </a:bodyPr>
+          <a:lstStyle/>
+          <a:p>
+            <a:r>
+              <a:rPr lang="en-US" sz="2800" dirty="0">
+                <a:solidFill>
+                  <a:schemeClr val="accent2">
+                    <a:lumMod val="20000"/>
+                    <a:lumOff val="80000"/>
+                  </a:schemeClr>
+                </a:solidFill>
+              </a:rPr>
+              <a:t>Number of keys in a node</a:t>
+            </a:r>
+          </a:p>
+        </p:txBody>
+      </p:sp>
+      <p:cxnSp>
+        <p:nvCxnSpPr>
+          <p:cNvPr id="13" name="Straight Arrow Connector 12">
+            <a:extLst>
+              <a:ext uri="{FF2B5EF4-FFF2-40B4-BE49-F238E27FC236}">
+                <a16:creationId xmlns:a16="http://schemas.microsoft.com/office/drawing/2014/main" id="{ECC16B13-E376-E3D4-BB6D-7053A91E12C0}"/>
+              </a:ext>
+            </a:extLst>
+          </p:cNvPr>
+          <p:cNvCxnSpPr>
+            <a:cxnSpLocks/>
+          </p:cNvCxnSpPr>
+          <p:nvPr/>
+        </p:nvCxnSpPr>
+        <p:spPr>
+          <a:xfrm flipH="1" flipV="1">
+            <a:off x="2495810" y="1877786"/>
+            <a:ext cx="908697" cy="1681843"/>
+          </a:xfrm>
+          <a:prstGeom prst="straightConnector1">
+            <a:avLst/>
+          </a:prstGeom>
+          <a:ln w="76200">
+            <a:prstDash val="lgDash"/>
+            <a:tailEnd type="triangle"/>
+          </a:ln>
+        </p:spPr>
+        <p:style>
+          <a:lnRef idx="2">
+            <a:schemeClr val="accent2"/>
+          </a:lnRef>
+          <a:fillRef idx="0">
+            <a:schemeClr val="accent2"/>
+          </a:fillRef>
+          <a:effectRef idx="1">
+            <a:schemeClr val="accent2"/>
+          </a:effectRef>
+          <a:fontRef idx="minor">
+            <a:schemeClr val="tx1"/>
+          </a:fontRef>
+        </p:style>
+      </p:cxnSp>
+      <p:sp>
+        <p:nvSpPr>
+          <p:cNvPr id="16" name="TextBox 15">
+            <a:extLst>
+              <a:ext uri="{FF2B5EF4-FFF2-40B4-BE49-F238E27FC236}">
+                <a16:creationId xmlns:a16="http://schemas.microsoft.com/office/drawing/2014/main" id="{A9F34304-977E-D9D9-F2B2-2A97B7469587}"/>
+              </a:ext>
+            </a:extLst>
+          </p:cNvPr>
+          <p:cNvSpPr txBox="1"/>
+          <p:nvPr/>
+        </p:nvSpPr>
+        <p:spPr>
+          <a:xfrm>
+            <a:off x="2947307" y="3559629"/>
+            <a:ext cx="2277836" cy="954107"/>
+          </a:xfrm>
+          <a:prstGeom prst="rect">
+            <a:avLst/>
+          </a:prstGeom>
+          <a:noFill/>
+        </p:spPr>
+        <p:txBody>
+          <a:bodyPr wrap="square" rtlCol="0">
+            <a:spAutoFit/>
+          </a:bodyPr>
+          <a:lstStyle/>
+          <a:p>
+            <a:r>
+              <a:rPr lang="en-US" sz="2800" dirty="0">
+                <a:solidFill>
+                  <a:schemeClr val="accent2">
+                    <a:lumMod val="20000"/>
+                    <a:lumOff val="80000"/>
+                  </a:schemeClr>
+                </a:solidFill>
+              </a:rPr>
+              <a:t>An array to store keys</a:t>
+            </a:r>
+          </a:p>
+        </p:txBody>
+      </p:sp>
+      <p:cxnSp>
+        <p:nvCxnSpPr>
+          <p:cNvPr id="17" name="Straight Arrow Connector 16">
+            <a:extLst>
+              <a:ext uri="{FF2B5EF4-FFF2-40B4-BE49-F238E27FC236}">
+                <a16:creationId xmlns:a16="http://schemas.microsoft.com/office/drawing/2014/main" id="{EA3E960F-FFCF-97CB-722F-E6AD6533407E}"/>
+              </a:ext>
+            </a:extLst>
+          </p:cNvPr>
+          <p:cNvCxnSpPr>
+            <a:cxnSpLocks/>
+          </p:cNvCxnSpPr>
+          <p:nvPr/>
+        </p:nvCxnSpPr>
+        <p:spPr>
+          <a:xfrm flipV="1">
+            <a:off x="1600200" y="2118214"/>
+            <a:ext cx="763641" cy="1258172"/>
+          </a:xfrm>
+          <a:prstGeom prst="straightConnector1">
+            <a:avLst/>
+          </a:prstGeom>
+          <a:ln w="76200">
+            <a:prstDash val="lgDash"/>
+            <a:tailEnd type="triangle"/>
+          </a:ln>
+        </p:spPr>
+        <p:style>
+          <a:lnRef idx="2">
+            <a:schemeClr val="accent2"/>
+          </a:lnRef>
+          <a:fillRef idx="0">
+            <a:schemeClr val="accent2"/>
+          </a:fillRef>
+          <a:effectRef idx="1">
+            <a:schemeClr val="accent2"/>
+          </a:effectRef>
+          <a:fontRef idx="minor">
+            <a:schemeClr val="tx1"/>
+          </a:fontRef>
+        </p:style>
+      </p:cxnSp>
+      <p:cxnSp>
+        <p:nvCxnSpPr>
+          <p:cNvPr id="18" name="Straight Arrow Connector 17">
+            <a:extLst>
+              <a:ext uri="{FF2B5EF4-FFF2-40B4-BE49-F238E27FC236}">
+                <a16:creationId xmlns:a16="http://schemas.microsoft.com/office/drawing/2014/main" id="{EEB67D72-9E0F-65F0-A008-9BF15532A501}"/>
+              </a:ext>
+            </a:extLst>
+          </p:cNvPr>
+          <p:cNvCxnSpPr>
+            <a:cxnSpLocks/>
+          </p:cNvCxnSpPr>
+          <p:nvPr/>
+        </p:nvCxnSpPr>
+        <p:spPr>
+          <a:xfrm flipH="1" flipV="1">
+            <a:off x="3294569" y="2294583"/>
+            <a:ext cx="2118354" cy="1008672"/>
+          </a:xfrm>
+          <a:prstGeom prst="straightConnector1">
+            <a:avLst/>
+          </a:prstGeom>
+          <a:ln w="76200">
+            <a:prstDash val="lgDash"/>
+            <a:tailEnd type="triangle"/>
+          </a:ln>
+        </p:spPr>
+        <p:style>
+          <a:lnRef idx="2">
+            <a:schemeClr val="accent2"/>
+          </a:lnRef>
+          <a:fillRef idx="0">
+            <a:schemeClr val="accent2"/>
+          </a:fillRef>
+          <a:effectRef idx="1">
+            <a:schemeClr val="accent2"/>
+          </a:effectRef>
+          <a:fontRef idx="minor">
+            <a:schemeClr val="tx1"/>
+          </a:fontRef>
+        </p:style>
+      </p:cxnSp>
+      <p:sp>
+        <p:nvSpPr>
+          <p:cNvPr id="27" name="TextBox 26">
+            <a:extLst>
+              <a:ext uri="{FF2B5EF4-FFF2-40B4-BE49-F238E27FC236}">
+                <a16:creationId xmlns:a16="http://schemas.microsoft.com/office/drawing/2014/main" id="{E3B842B9-DFDF-F8C8-352E-54043E0A2487}"/>
+              </a:ext>
+            </a:extLst>
+          </p:cNvPr>
+          <p:cNvSpPr txBox="1"/>
+          <p:nvPr/>
+        </p:nvSpPr>
+        <p:spPr>
+          <a:xfrm>
+            <a:off x="603487" y="3303255"/>
+            <a:ext cx="3127592" cy="954107"/>
+          </a:xfrm>
+          <a:prstGeom prst="rect">
+            <a:avLst/>
+          </a:prstGeom>
+          <a:noFill/>
+        </p:spPr>
+        <p:txBody>
+          <a:bodyPr wrap="square" rtlCol="0">
+            <a:spAutoFit/>
+          </a:bodyPr>
+          <a:lstStyle/>
+          <a:p>
+            <a:r>
+              <a:rPr lang="en-US" sz="2800" dirty="0">
+                <a:solidFill>
+                  <a:schemeClr val="accent2">
+                    <a:lumMod val="20000"/>
+                    <a:lumOff val="80000"/>
+                  </a:schemeClr>
+                </a:solidFill>
+              </a:rPr>
+              <a:t>Number of children in a node</a:t>
+            </a:r>
+          </a:p>
+        </p:txBody>
+      </p:sp>
+      <p:sp>
+        <p:nvSpPr>
+          <p:cNvPr id="34" name="TextBox 33">
+            <a:extLst>
+              <a:ext uri="{FF2B5EF4-FFF2-40B4-BE49-F238E27FC236}">
+                <a16:creationId xmlns:a16="http://schemas.microsoft.com/office/drawing/2014/main" id="{0B5719AE-98F6-EE7E-6E3B-77EC51A42AA6}"/>
+              </a:ext>
+            </a:extLst>
+          </p:cNvPr>
+          <p:cNvSpPr txBox="1"/>
+          <p:nvPr/>
+        </p:nvSpPr>
+        <p:spPr>
+          <a:xfrm>
+            <a:off x="5151664" y="3242998"/>
+            <a:ext cx="3298372" cy="954107"/>
+          </a:xfrm>
+          <a:prstGeom prst="rect">
+            <a:avLst/>
+          </a:prstGeom>
+          <a:noFill/>
+        </p:spPr>
+        <p:txBody>
+          <a:bodyPr wrap="square" rtlCol="0">
+            <a:spAutoFit/>
+          </a:bodyPr>
+          <a:lstStyle/>
+          <a:p>
+            <a:r>
+              <a:rPr lang="en-US" sz="2800" dirty="0">
+                <a:solidFill>
+                  <a:schemeClr val="accent2">
+                    <a:lumMod val="20000"/>
+                    <a:lumOff val="80000"/>
+                  </a:schemeClr>
+                </a:solidFill>
+              </a:rPr>
+              <a:t>A list of pointers for children of a node</a:t>
+            </a:r>
+          </a:p>
+        </p:txBody>
+      </p:sp>
     </p:spTree>
     <p:extLst>
       <p:ext uri="{BB962C8B-B14F-4D97-AF65-F5344CB8AC3E}">
@@ -12691,6 +12950,1625 @@
   <p:clrMapOvr>
     <a:masterClrMapping/>
   </p:clrMapOvr>
+  <p:transition spd="slow">
+    <p:push dir="u"/>
+  </p:transition>
+  <p:timing>
+    <p:tnLst>
+      <p:par>
+        <p:cTn id="1" dur="indefinite" restart="never" nodeType="tmRoot">
+          <p:childTnLst>
+            <p:seq concurrent="1" nextAc="seek">
+              <p:cTn id="2" dur="indefinite" nodeType="mainSeq">
+                <p:childTnLst>
+                  <p:par>
+                    <p:cTn id="3" fill="hold">
+                      <p:stCondLst>
+                        <p:cond delay="indefinite"/>
+                      </p:stCondLst>
+                      <p:childTnLst>
+                        <p:par>
+                          <p:cTn id="4" fill="hold">
+                            <p:stCondLst>
+                              <p:cond delay="0"/>
+                            </p:stCondLst>
+                            <p:childTnLst>
+                              <p:par>
+                                <p:cTn id="5" presetID="42" presetClass="entr" presetSubtype="0" fill="hold" nodeType="clickEffect">
+                                  <p:stCondLst>
+                                    <p:cond delay="0"/>
+                                  </p:stCondLst>
+                                  <p:childTnLst>
+                                    <p:set>
+                                      <p:cBhvr>
+                                        <p:cTn id="6" dur="1" fill="hold">
+                                          <p:stCondLst>
+                                            <p:cond delay="0"/>
+                                          </p:stCondLst>
+                                        </p:cTn>
+                                        <p:tgtEl>
+                                          <p:spTgt spid="4"/>
+                                        </p:tgtEl>
+                                        <p:attrNameLst>
+                                          <p:attrName>style.visibility</p:attrName>
+                                        </p:attrNameLst>
+                                      </p:cBhvr>
+                                      <p:to>
+                                        <p:strVal val="visible"/>
+                                      </p:to>
+                                    </p:set>
+                                    <p:animEffect transition="in" filter="fade">
+                                      <p:cBhvr>
+                                        <p:cTn id="7" dur="1000"/>
+                                        <p:tgtEl>
+                                          <p:spTgt spid="4"/>
+                                        </p:tgtEl>
+                                      </p:cBhvr>
+                                    </p:animEffect>
+                                    <p:anim calcmode="lin" valueType="num">
+                                      <p:cBhvr>
+                                        <p:cTn id="8" dur="1000" fill="hold"/>
+                                        <p:tgtEl>
+                                          <p:spTgt spid="4"/>
+                                        </p:tgtEl>
+                                        <p:attrNameLst>
+                                          <p:attrName>ppt_x</p:attrName>
+                                        </p:attrNameLst>
+                                      </p:cBhvr>
+                                      <p:tavLst>
+                                        <p:tav tm="0">
+                                          <p:val>
+                                            <p:strVal val="#ppt_x"/>
+                                          </p:val>
+                                        </p:tav>
+                                        <p:tav tm="100000">
+                                          <p:val>
+                                            <p:strVal val="#ppt_x"/>
+                                          </p:val>
+                                        </p:tav>
+                                      </p:tavLst>
+                                    </p:anim>
+                                    <p:anim calcmode="lin" valueType="num">
+                                      <p:cBhvr>
+                                        <p:cTn id="9" dur="1000" fill="hold"/>
+                                        <p:tgtEl>
+                                          <p:spTgt spid="4"/>
+                                        </p:tgtEl>
+                                        <p:attrNameLst>
+                                          <p:attrName>ppt_y</p:attrName>
+                                        </p:attrNameLst>
+                                      </p:cBhvr>
+                                      <p:tavLst>
+                                        <p:tav tm="0">
+                                          <p:val>
+                                            <p:strVal val="#ppt_y+.1"/>
+                                          </p:val>
+                                        </p:tav>
+                                        <p:tav tm="100000">
+                                          <p:val>
+                                            <p:strVal val="#ppt_y"/>
+                                          </p:val>
+                                        </p:tav>
+                                      </p:tavLst>
+                                    </p:anim>
+                                  </p:childTnLst>
+                                </p:cTn>
+                              </p:par>
+                              <p:par>
+                                <p:cTn id="10" presetID="42" presetClass="entr" presetSubtype="0" fill="hold" grpId="0" nodeType="withEffect">
+                                  <p:stCondLst>
+                                    <p:cond delay="0"/>
+                                  </p:stCondLst>
+                                  <p:childTnLst>
+                                    <p:set>
+                                      <p:cBhvr>
+                                        <p:cTn id="11" dur="1" fill="hold">
+                                          <p:stCondLst>
+                                            <p:cond delay="0"/>
+                                          </p:stCondLst>
+                                        </p:cTn>
+                                        <p:tgtEl>
+                                          <p:spTgt spid="10"/>
+                                        </p:tgtEl>
+                                        <p:attrNameLst>
+                                          <p:attrName>style.visibility</p:attrName>
+                                        </p:attrNameLst>
+                                      </p:cBhvr>
+                                      <p:to>
+                                        <p:strVal val="visible"/>
+                                      </p:to>
+                                    </p:set>
+                                    <p:animEffect transition="in" filter="fade">
+                                      <p:cBhvr>
+                                        <p:cTn id="12" dur="1000"/>
+                                        <p:tgtEl>
+                                          <p:spTgt spid="10"/>
+                                        </p:tgtEl>
+                                      </p:cBhvr>
+                                    </p:animEffect>
+                                    <p:anim calcmode="lin" valueType="num">
+                                      <p:cBhvr>
+                                        <p:cTn id="13" dur="1000" fill="hold"/>
+                                        <p:tgtEl>
+                                          <p:spTgt spid="10"/>
+                                        </p:tgtEl>
+                                        <p:attrNameLst>
+                                          <p:attrName>ppt_x</p:attrName>
+                                        </p:attrNameLst>
+                                      </p:cBhvr>
+                                      <p:tavLst>
+                                        <p:tav tm="0">
+                                          <p:val>
+                                            <p:strVal val="#ppt_x"/>
+                                          </p:val>
+                                        </p:tav>
+                                        <p:tav tm="100000">
+                                          <p:val>
+                                            <p:strVal val="#ppt_x"/>
+                                          </p:val>
+                                        </p:tav>
+                                      </p:tavLst>
+                                    </p:anim>
+                                    <p:anim calcmode="lin" valueType="num">
+                                      <p:cBhvr>
+                                        <p:cTn id="14" dur="1000" fill="hold"/>
+                                        <p:tgtEl>
+                                          <p:spTgt spid="10"/>
+                                        </p:tgtEl>
+                                        <p:attrNameLst>
+                                          <p:attrName>ppt_y</p:attrName>
+                                        </p:attrNameLst>
+                                      </p:cBhvr>
+                                      <p:tavLst>
+                                        <p:tav tm="0">
+                                          <p:val>
+                                            <p:strVal val="#ppt_y+.1"/>
+                                          </p:val>
+                                        </p:tav>
+                                        <p:tav tm="100000">
+                                          <p:val>
+                                            <p:strVal val="#ppt_y"/>
+                                          </p:val>
+                                        </p:tav>
+                                      </p:tavLst>
+                                    </p:anim>
+                                  </p:childTnLst>
+                                </p:cTn>
+                              </p:par>
+                              <p:par>
+                                <p:cTn id="15" presetID="42" presetClass="entr" presetSubtype="0" fill="hold" nodeType="withEffect">
+                                  <p:stCondLst>
+                                    <p:cond delay="0"/>
+                                  </p:stCondLst>
+                                  <p:childTnLst>
+                                    <p:set>
+                                      <p:cBhvr>
+                                        <p:cTn id="16" dur="1" fill="hold">
+                                          <p:stCondLst>
+                                            <p:cond delay="0"/>
+                                          </p:stCondLst>
+                                        </p:cTn>
+                                        <p:tgtEl>
+                                          <p:spTgt spid="13"/>
+                                        </p:tgtEl>
+                                        <p:attrNameLst>
+                                          <p:attrName>style.visibility</p:attrName>
+                                        </p:attrNameLst>
+                                      </p:cBhvr>
+                                      <p:to>
+                                        <p:strVal val="visible"/>
+                                      </p:to>
+                                    </p:set>
+                                    <p:animEffect transition="in" filter="fade">
+                                      <p:cBhvr>
+                                        <p:cTn id="17" dur="1000"/>
+                                        <p:tgtEl>
+                                          <p:spTgt spid="13"/>
+                                        </p:tgtEl>
+                                      </p:cBhvr>
+                                    </p:animEffect>
+                                    <p:anim calcmode="lin" valueType="num">
+                                      <p:cBhvr>
+                                        <p:cTn id="18" dur="1000" fill="hold"/>
+                                        <p:tgtEl>
+                                          <p:spTgt spid="13"/>
+                                        </p:tgtEl>
+                                        <p:attrNameLst>
+                                          <p:attrName>ppt_x</p:attrName>
+                                        </p:attrNameLst>
+                                      </p:cBhvr>
+                                      <p:tavLst>
+                                        <p:tav tm="0">
+                                          <p:val>
+                                            <p:strVal val="#ppt_x"/>
+                                          </p:val>
+                                        </p:tav>
+                                        <p:tav tm="100000">
+                                          <p:val>
+                                            <p:strVal val="#ppt_x"/>
+                                          </p:val>
+                                        </p:tav>
+                                      </p:tavLst>
+                                    </p:anim>
+                                    <p:anim calcmode="lin" valueType="num">
+                                      <p:cBhvr>
+                                        <p:cTn id="19" dur="1000" fill="hold"/>
+                                        <p:tgtEl>
+                                          <p:spTgt spid="13"/>
+                                        </p:tgtEl>
+                                        <p:attrNameLst>
+                                          <p:attrName>ppt_y</p:attrName>
+                                        </p:attrNameLst>
+                                      </p:cBhvr>
+                                      <p:tavLst>
+                                        <p:tav tm="0">
+                                          <p:val>
+                                            <p:strVal val="#ppt_y+.1"/>
+                                          </p:val>
+                                        </p:tav>
+                                        <p:tav tm="100000">
+                                          <p:val>
+                                            <p:strVal val="#ppt_y"/>
+                                          </p:val>
+                                        </p:tav>
+                                      </p:tavLst>
+                                    </p:anim>
+                                  </p:childTnLst>
+                                </p:cTn>
+                              </p:par>
+                              <p:par>
+                                <p:cTn id="20" presetID="42" presetClass="entr" presetSubtype="0" fill="hold" grpId="0" nodeType="withEffect">
+                                  <p:stCondLst>
+                                    <p:cond delay="0"/>
+                                  </p:stCondLst>
+                                  <p:childTnLst>
+                                    <p:set>
+                                      <p:cBhvr>
+                                        <p:cTn id="21" dur="1" fill="hold">
+                                          <p:stCondLst>
+                                            <p:cond delay="0"/>
+                                          </p:stCondLst>
+                                        </p:cTn>
+                                        <p:tgtEl>
+                                          <p:spTgt spid="16"/>
+                                        </p:tgtEl>
+                                        <p:attrNameLst>
+                                          <p:attrName>style.visibility</p:attrName>
+                                        </p:attrNameLst>
+                                      </p:cBhvr>
+                                      <p:to>
+                                        <p:strVal val="visible"/>
+                                      </p:to>
+                                    </p:set>
+                                    <p:animEffect transition="in" filter="fade">
+                                      <p:cBhvr>
+                                        <p:cTn id="22" dur="1000"/>
+                                        <p:tgtEl>
+                                          <p:spTgt spid="16"/>
+                                        </p:tgtEl>
+                                      </p:cBhvr>
+                                    </p:animEffect>
+                                    <p:anim calcmode="lin" valueType="num">
+                                      <p:cBhvr>
+                                        <p:cTn id="23" dur="1000" fill="hold"/>
+                                        <p:tgtEl>
+                                          <p:spTgt spid="16"/>
+                                        </p:tgtEl>
+                                        <p:attrNameLst>
+                                          <p:attrName>ppt_x</p:attrName>
+                                        </p:attrNameLst>
+                                      </p:cBhvr>
+                                      <p:tavLst>
+                                        <p:tav tm="0">
+                                          <p:val>
+                                            <p:strVal val="#ppt_x"/>
+                                          </p:val>
+                                        </p:tav>
+                                        <p:tav tm="100000">
+                                          <p:val>
+                                            <p:strVal val="#ppt_x"/>
+                                          </p:val>
+                                        </p:tav>
+                                      </p:tavLst>
+                                    </p:anim>
+                                    <p:anim calcmode="lin" valueType="num">
+                                      <p:cBhvr>
+                                        <p:cTn id="24" dur="1000" fill="hold"/>
+                                        <p:tgtEl>
+                                          <p:spTgt spid="16"/>
+                                        </p:tgtEl>
+                                        <p:attrNameLst>
+                                          <p:attrName>ppt_y</p:attrName>
+                                        </p:attrNameLst>
+                                      </p:cBhvr>
+                                      <p:tavLst>
+                                        <p:tav tm="0">
+                                          <p:val>
+                                            <p:strVal val="#ppt_y+.1"/>
+                                          </p:val>
+                                        </p:tav>
+                                        <p:tav tm="100000">
+                                          <p:val>
+                                            <p:strVal val="#ppt_y"/>
+                                          </p:val>
+                                        </p:tav>
+                                      </p:tavLst>
+                                    </p:anim>
+                                  </p:childTnLst>
+                                </p:cTn>
+                              </p:par>
+                            </p:childTnLst>
+                          </p:cTn>
+                        </p:par>
+                        <p:par>
+                          <p:cTn id="25" fill="hold">
+                            <p:stCondLst>
+                              <p:cond delay="1000"/>
+                            </p:stCondLst>
+                            <p:childTnLst>
+                              <p:par>
+                                <p:cTn id="26" presetID="21" presetClass="emph" presetSubtype="0" repeatCount="indefinite" fill="hold" nodeType="afterEffect">
+                                  <p:stCondLst>
+                                    <p:cond delay="1000"/>
+                                  </p:stCondLst>
+                                  <p:childTnLst>
+                                    <p:animClr clrSpc="hsl" dir="cw">
+                                      <p:cBhvr override="childStyle">
+                                        <p:cTn id="27" dur="1000" fill="hold"/>
+                                        <p:tgtEl>
+                                          <p:spTgt spid="4"/>
+                                        </p:tgtEl>
+                                        <p:attrNameLst>
+                                          <p:attrName>style.color</p:attrName>
+                                        </p:attrNameLst>
+                                      </p:cBhvr>
+                                      <p:by>
+                                        <p:hsl h="7200000" s="0" l="0"/>
+                                      </p:by>
+                                    </p:animClr>
+                                    <p:animClr clrSpc="hsl" dir="cw">
+                                      <p:cBhvr>
+                                        <p:cTn id="28" dur="1000" fill="hold"/>
+                                        <p:tgtEl>
+                                          <p:spTgt spid="4"/>
+                                        </p:tgtEl>
+                                        <p:attrNameLst>
+                                          <p:attrName>fillcolor</p:attrName>
+                                        </p:attrNameLst>
+                                      </p:cBhvr>
+                                      <p:by>
+                                        <p:hsl h="7200000" s="0" l="0"/>
+                                      </p:by>
+                                    </p:animClr>
+                                    <p:animClr clrSpc="hsl" dir="cw">
+                                      <p:cBhvr>
+                                        <p:cTn id="29" dur="1000" fill="hold"/>
+                                        <p:tgtEl>
+                                          <p:spTgt spid="4"/>
+                                        </p:tgtEl>
+                                        <p:attrNameLst>
+                                          <p:attrName>stroke.color</p:attrName>
+                                        </p:attrNameLst>
+                                      </p:cBhvr>
+                                      <p:by>
+                                        <p:hsl h="7200000" s="0" l="0"/>
+                                      </p:by>
+                                    </p:animClr>
+                                    <p:set>
+                                      <p:cBhvr>
+                                        <p:cTn id="30" dur="1000" fill="hold"/>
+                                        <p:tgtEl>
+                                          <p:spTgt spid="4"/>
+                                        </p:tgtEl>
+                                        <p:attrNameLst>
+                                          <p:attrName>fill.type</p:attrName>
+                                        </p:attrNameLst>
+                                      </p:cBhvr>
+                                      <p:to>
+                                        <p:strVal val="solid"/>
+                                      </p:to>
+                                    </p:set>
+                                  </p:childTnLst>
+                                </p:cTn>
+                              </p:par>
+                              <p:par>
+                                <p:cTn id="31" presetID="21" presetClass="emph" presetSubtype="0" repeatCount="indefinite" fill="hold" grpId="1" nodeType="withEffect">
+                                  <p:stCondLst>
+                                    <p:cond delay="1000"/>
+                                  </p:stCondLst>
+                                  <p:childTnLst>
+                                    <p:animClr clrSpc="hsl" dir="cw">
+                                      <p:cBhvr override="childStyle">
+                                        <p:cTn id="32" dur="1000" fill="hold"/>
+                                        <p:tgtEl>
+                                          <p:spTgt spid="10"/>
+                                        </p:tgtEl>
+                                        <p:attrNameLst>
+                                          <p:attrName>style.color</p:attrName>
+                                        </p:attrNameLst>
+                                      </p:cBhvr>
+                                      <p:by>
+                                        <p:hsl h="7200000" s="0" l="0"/>
+                                      </p:by>
+                                    </p:animClr>
+                                    <p:animClr clrSpc="hsl" dir="cw">
+                                      <p:cBhvr>
+                                        <p:cTn id="33" dur="1000" fill="hold"/>
+                                        <p:tgtEl>
+                                          <p:spTgt spid="10"/>
+                                        </p:tgtEl>
+                                        <p:attrNameLst>
+                                          <p:attrName>fillcolor</p:attrName>
+                                        </p:attrNameLst>
+                                      </p:cBhvr>
+                                      <p:by>
+                                        <p:hsl h="7200000" s="0" l="0"/>
+                                      </p:by>
+                                    </p:animClr>
+                                    <p:animClr clrSpc="hsl" dir="cw">
+                                      <p:cBhvr>
+                                        <p:cTn id="34" dur="1000" fill="hold"/>
+                                        <p:tgtEl>
+                                          <p:spTgt spid="10"/>
+                                        </p:tgtEl>
+                                        <p:attrNameLst>
+                                          <p:attrName>stroke.color</p:attrName>
+                                        </p:attrNameLst>
+                                      </p:cBhvr>
+                                      <p:by>
+                                        <p:hsl h="7200000" s="0" l="0"/>
+                                      </p:by>
+                                    </p:animClr>
+                                    <p:set>
+                                      <p:cBhvr>
+                                        <p:cTn id="35" dur="1000" fill="hold"/>
+                                        <p:tgtEl>
+                                          <p:spTgt spid="10"/>
+                                        </p:tgtEl>
+                                        <p:attrNameLst>
+                                          <p:attrName>fill.type</p:attrName>
+                                        </p:attrNameLst>
+                                      </p:cBhvr>
+                                      <p:to>
+                                        <p:strVal val="solid"/>
+                                      </p:to>
+                                    </p:set>
+                                  </p:childTnLst>
+                                </p:cTn>
+                              </p:par>
+                              <p:par>
+                                <p:cTn id="36" presetID="21" presetClass="emph" presetSubtype="0" repeatCount="indefinite" fill="hold" nodeType="withEffect">
+                                  <p:stCondLst>
+                                    <p:cond delay="1000"/>
+                                  </p:stCondLst>
+                                  <p:childTnLst>
+                                    <p:animClr clrSpc="hsl" dir="cw">
+                                      <p:cBhvr override="childStyle">
+                                        <p:cTn id="37" dur="1000" fill="hold"/>
+                                        <p:tgtEl>
+                                          <p:spTgt spid="13"/>
+                                        </p:tgtEl>
+                                        <p:attrNameLst>
+                                          <p:attrName>style.color</p:attrName>
+                                        </p:attrNameLst>
+                                      </p:cBhvr>
+                                      <p:by>
+                                        <p:hsl h="7200000" s="0" l="0"/>
+                                      </p:by>
+                                    </p:animClr>
+                                    <p:animClr clrSpc="hsl" dir="cw">
+                                      <p:cBhvr>
+                                        <p:cTn id="38" dur="1000" fill="hold"/>
+                                        <p:tgtEl>
+                                          <p:spTgt spid="13"/>
+                                        </p:tgtEl>
+                                        <p:attrNameLst>
+                                          <p:attrName>fillcolor</p:attrName>
+                                        </p:attrNameLst>
+                                      </p:cBhvr>
+                                      <p:by>
+                                        <p:hsl h="7200000" s="0" l="0"/>
+                                      </p:by>
+                                    </p:animClr>
+                                    <p:animClr clrSpc="hsl" dir="cw">
+                                      <p:cBhvr>
+                                        <p:cTn id="39" dur="1000" fill="hold"/>
+                                        <p:tgtEl>
+                                          <p:spTgt spid="13"/>
+                                        </p:tgtEl>
+                                        <p:attrNameLst>
+                                          <p:attrName>stroke.color</p:attrName>
+                                        </p:attrNameLst>
+                                      </p:cBhvr>
+                                      <p:by>
+                                        <p:hsl h="7200000" s="0" l="0"/>
+                                      </p:by>
+                                    </p:animClr>
+                                    <p:set>
+                                      <p:cBhvr>
+                                        <p:cTn id="40" dur="1000" fill="hold"/>
+                                        <p:tgtEl>
+                                          <p:spTgt spid="13"/>
+                                        </p:tgtEl>
+                                        <p:attrNameLst>
+                                          <p:attrName>fill.type</p:attrName>
+                                        </p:attrNameLst>
+                                      </p:cBhvr>
+                                      <p:to>
+                                        <p:strVal val="solid"/>
+                                      </p:to>
+                                    </p:set>
+                                  </p:childTnLst>
+                                </p:cTn>
+                              </p:par>
+                              <p:par>
+                                <p:cTn id="41" presetID="21" presetClass="emph" presetSubtype="0" repeatCount="indefinite" fill="hold" grpId="1" nodeType="withEffect">
+                                  <p:stCondLst>
+                                    <p:cond delay="1000"/>
+                                  </p:stCondLst>
+                                  <p:childTnLst>
+                                    <p:animClr clrSpc="hsl" dir="cw">
+                                      <p:cBhvr override="childStyle">
+                                        <p:cTn id="42" dur="1000" fill="hold"/>
+                                        <p:tgtEl>
+                                          <p:spTgt spid="16"/>
+                                        </p:tgtEl>
+                                        <p:attrNameLst>
+                                          <p:attrName>style.color</p:attrName>
+                                        </p:attrNameLst>
+                                      </p:cBhvr>
+                                      <p:by>
+                                        <p:hsl h="7200000" s="0" l="0"/>
+                                      </p:by>
+                                    </p:animClr>
+                                    <p:animClr clrSpc="hsl" dir="cw">
+                                      <p:cBhvr>
+                                        <p:cTn id="43" dur="1000" fill="hold"/>
+                                        <p:tgtEl>
+                                          <p:spTgt spid="16"/>
+                                        </p:tgtEl>
+                                        <p:attrNameLst>
+                                          <p:attrName>fillcolor</p:attrName>
+                                        </p:attrNameLst>
+                                      </p:cBhvr>
+                                      <p:by>
+                                        <p:hsl h="7200000" s="0" l="0"/>
+                                      </p:by>
+                                    </p:animClr>
+                                    <p:animClr clrSpc="hsl" dir="cw">
+                                      <p:cBhvr>
+                                        <p:cTn id="44" dur="1000" fill="hold"/>
+                                        <p:tgtEl>
+                                          <p:spTgt spid="16"/>
+                                        </p:tgtEl>
+                                        <p:attrNameLst>
+                                          <p:attrName>stroke.color</p:attrName>
+                                        </p:attrNameLst>
+                                      </p:cBhvr>
+                                      <p:by>
+                                        <p:hsl h="7200000" s="0" l="0"/>
+                                      </p:by>
+                                    </p:animClr>
+                                    <p:set>
+                                      <p:cBhvr>
+                                        <p:cTn id="45" dur="1000" fill="hold"/>
+                                        <p:tgtEl>
+                                          <p:spTgt spid="16"/>
+                                        </p:tgtEl>
+                                        <p:attrNameLst>
+                                          <p:attrName>fill.type</p:attrName>
+                                        </p:attrNameLst>
+                                      </p:cBhvr>
+                                      <p:to>
+                                        <p:strVal val="solid"/>
+                                      </p:to>
+                                    </p:set>
+                                  </p:childTnLst>
+                                </p:cTn>
+                              </p:par>
+                            </p:childTnLst>
+                          </p:cTn>
+                        </p:par>
+                      </p:childTnLst>
+                    </p:cTn>
+                  </p:par>
+                  <p:par>
+                    <p:cTn id="46" fill="hold">
+                      <p:stCondLst>
+                        <p:cond delay="indefinite"/>
+                      </p:stCondLst>
+                      <p:childTnLst>
+                        <p:par>
+                          <p:cTn id="47" fill="hold">
+                            <p:stCondLst>
+                              <p:cond delay="0"/>
+                            </p:stCondLst>
+                            <p:childTnLst>
+                              <p:par>
+                                <p:cTn id="48" presetID="42" presetClass="exit" presetSubtype="0" fill="hold" nodeType="clickEffect">
+                                  <p:stCondLst>
+                                    <p:cond delay="0"/>
+                                  </p:stCondLst>
+                                  <p:childTnLst>
+                                    <p:animEffect transition="out" filter="fade">
+                                      <p:cBhvr>
+                                        <p:cTn id="49" dur="1000"/>
+                                        <p:tgtEl>
+                                          <p:spTgt spid="4"/>
+                                        </p:tgtEl>
+                                      </p:cBhvr>
+                                    </p:animEffect>
+                                    <p:anim calcmode="lin" valueType="num">
+                                      <p:cBhvr>
+                                        <p:cTn id="50" dur="1000"/>
+                                        <p:tgtEl>
+                                          <p:spTgt spid="4"/>
+                                        </p:tgtEl>
+                                        <p:attrNameLst>
+                                          <p:attrName>ppt_x</p:attrName>
+                                        </p:attrNameLst>
+                                      </p:cBhvr>
+                                      <p:tavLst>
+                                        <p:tav tm="0">
+                                          <p:val>
+                                            <p:strVal val="ppt_x"/>
+                                          </p:val>
+                                        </p:tav>
+                                        <p:tav tm="100000">
+                                          <p:val>
+                                            <p:strVal val="ppt_x"/>
+                                          </p:val>
+                                        </p:tav>
+                                      </p:tavLst>
+                                    </p:anim>
+                                    <p:anim calcmode="lin" valueType="num">
+                                      <p:cBhvr>
+                                        <p:cTn id="51" dur="1000"/>
+                                        <p:tgtEl>
+                                          <p:spTgt spid="4"/>
+                                        </p:tgtEl>
+                                        <p:attrNameLst>
+                                          <p:attrName>ppt_y</p:attrName>
+                                        </p:attrNameLst>
+                                      </p:cBhvr>
+                                      <p:tavLst>
+                                        <p:tav tm="0">
+                                          <p:val>
+                                            <p:strVal val="ppt_y"/>
+                                          </p:val>
+                                        </p:tav>
+                                        <p:tav tm="100000">
+                                          <p:val>
+                                            <p:strVal val="ppt_y+.1"/>
+                                          </p:val>
+                                        </p:tav>
+                                      </p:tavLst>
+                                    </p:anim>
+                                    <p:set>
+                                      <p:cBhvr>
+                                        <p:cTn id="52" dur="1" fill="hold">
+                                          <p:stCondLst>
+                                            <p:cond delay="999"/>
+                                          </p:stCondLst>
+                                        </p:cTn>
+                                        <p:tgtEl>
+                                          <p:spTgt spid="4"/>
+                                        </p:tgtEl>
+                                        <p:attrNameLst>
+                                          <p:attrName>style.visibility</p:attrName>
+                                        </p:attrNameLst>
+                                      </p:cBhvr>
+                                      <p:to>
+                                        <p:strVal val="hidden"/>
+                                      </p:to>
+                                    </p:set>
+                                  </p:childTnLst>
+                                </p:cTn>
+                              </p:par>
+                              <p:par>
+                                <p:cTn id="53" presetID="42" presetClass="exit" presetSubtype="0" fill="hold" grpId="2" nodeType="withEffect">
+                                  <p:stCondLst>
+                                    <p:cond delay="0"/>
+                                  </p:stCondLst>
+                                  <p:childTnLst>
+                                    <p:animEffect transition="out" filter="fade">
+                                      <p:cBhvr>
+                                        <p:cTn id="54" dur="1000"/>
+                                        <p:tgtEl>
+                                          <p:spTgt spid="10"/>
+                                        </p:tgtEl>
+                                      </p:cBhvr>
+                                    </p:animEffect>
+                                    <p:anim calcmode="lin" valueType="num">
+                                      <p:cBhvr>
+                                        <p:cTn id="55" dur="1000"/>
+                                        <p:tgtEl>
+                                          <p:spTgt spid="10"/>
+                                        </p:tgtEl>
+                                        <p:attrNameLst>
+                                          <p:attrName>ppt_x</p:attrName>
+                                        </p:attrNameLst>
+                                      </p:cBhvr>
+                                      <p:tavLst>
+                                        <p:tav tm="0">
+                                          <p:val>
+                                            <p:strVal val="ppt_x"/>
+                                          </p:val>
+                                        </p:tav>
+                                        <p:tav tm="100000">
+                                          <p:val>
+                                            <p:strVal val="ppt_x"/>
+                                          </p:val>
+                                        </p:tav>
+                                      </p:tavLst>
+                                    </p:anim>
+                                    <p:anim calcmode="lin" valueType="num">
+                                      <p:cBhvr>
+                                        <p:cTn id="56" dur="1000"/>
+                                        <p:tgtEl>
+                                          <p:spTgt spid="10"/>
+                                        </p:tgtEl>
+                                        <p:attrNameLst>
+                                          <p:attrName>ppt_y</p:attrName>
+                                        </p:attrNameLst>
+                                      </p:cBhvr>
+                                      <p:tavLst>
+                                        <p:tav tm="0">
+                                          <p:val>
+                                            <p:strVal val="ppt_y"/>
+                                          </p:val>
+                                        </p:tav>
+                                        <p:tav tm="100000">
+                                          <p:val>
+                                            <p:strVal val="ppt_y+.1"/>
+                                          </p:val>
+                                        </p:tav>
+                                      </p:tavLst>
+                                    </p:anim>
+                                    <p:set>
+                                      <p:cBhvr>
+                                        <p:cTn id="57" dur="1" fill="hold">
+                                          <p:stCondLst>
+                                            <p:cond delay="999"/>
+                                          </p:stCondLst>
+                                        </p:cTn>
+                                        <p:tgtEl>
+                                          <p:spTgt spid="10"/>
+                                        </p:tgtEl>
+                                        <p:attrNameLst>
+                                          <p:attrName>style.visibility</p:attrName>
+                                        </p:attrNameLst>
+                                      </p:cBhvr>
+                                      <p:to>
+                                        <p:strVal val="hidden"/>
+                                      </p:to>
+                                    </p:set>
+                                  </p:childTnLst>
+                                </p:cTn>
+                              </p:par>
+                              <p:par>
+                                <p:cTn id="58" presetID="42" presetClass="exit" presetSubtype="0" fill="hold" nodeType="withEffect">
+                                  <p:stCondLst>
+                                    <p:cond delay="0"/>
+                                  </p:stCondLst>
+                                  <p:childTnLst>
+                                    <p:animEffect transition="out" filter="fade">
+                                      <p:cBhvr>
+                                        <p:cTn id="59" dur="1000"/>
+                                        <p:tgtEl>
+                                          <p:spTgt spid="13"/>
+                                        </p:tgtEl>
+                                      </p:cBhvr>
+                                    </p:animEffect>
+                                    <p:anim calcmode="lin" valueType="num">
+                                      <p:cBhvr>
+                                        <p:cTn id="60" dur="1000"/>
+                                        <p:tgtEl>
+                                          <p:spTgt spid="13"/>
+                                        </p:tgtEl>
+                                        <p:attrNameLst>
+                                          <p:attrName>ppt_x</p:attrName>
+                                        </p:attrNameLst>
+                                      </p:cBhvr>
+                                      <p:tavLst>
+                                        <p:tav tm="0">
+                                          <p:val>
+                                            <p:strVal val="ppt_x"/>
+                                          </p:val>
+                                        </p:tav>
+                                        <p:tav tm="100000">
+                                          <p:val>
+                                            <p:strVal val="ppt_x"/>
+                                          </p:val>
+                                        </p:tav>
+                                      </p:tavLst>
+                                    </p:anim>
+                                    <p:anim calcmode="lin" valueType="num">
+                                      <p:cBhvr>
+                                        <p:cTn id="61" dur="1000"/>
+                                        <p:tgtEl>
+                                          <p:spTgt spid="13"/>
+                                        </p:tgtEl>
+                                        <p:attrNameLst>
+                                          <p:attrName>ppt_y</p:attrName>
+                                        </p:attrNameLst>
+                                      </p:cBhvr>
+                                      <p:tavLst>
+                                        <p:tav tm="0">
+                                          <p:val>
+                                            <p:strVal val="ppt_y"/>
+                                          </p:val>
+                                        </p:tav>
+                                        <p:tav tm="100000">
+                                          <p:val>
+                                            <p:strVal val="ppt_y+.1"/>
+                                          </p:val>
+                                        </p:tav>
+                                      </p:tavLst>
+                                    </p:anim>
+                                    <p:set>
+                                      <p:cBhvr>
+                                        <p:cTn id="62" dur="1" fill="hold">
+                                          <p:stCondLst>
+                                            <p:cond delay="999"/>
+                                          </p:stCondLst>
+                                        </p:cTn>
+                                        <p:tgtEl>
+                                          <p:spTgt spid="13"/>
+                                        </p:tgtEl>
+                                        <p:attrNameLst>
+                                          <p:attrName>style.visibility</p:attrName>
+                                        </p:attrNameLst>
+                                      </p:cBhvr>
+                                      <p:to>
+                                        <p:strVal val="hidden"/>
+                                      </p:to>
+                                    </p:set>
+                                  </p:childTnLst>
+                                </p:cTn>
+                              </p:par>
+                              <p:par>
+                                <p:cTn id="63" presetID="42" presetClass="exit" presetSubtype="0" fill="hold" grpId="2" nodeType="withEffect">
+                                  <p:stCondLst>
+                                    <p:cond delay="0"/>
+                                  </p:stCondLst>
+                                  <p:childTnLst>
+                                    <p:animEffect transition="out" filter="fade">
+                                      <p:cBhvr>
+                                        <p:cTn id="64" dur="1000"/>
+                                        <p:tgtEl>
+                                          <p:spTgt spid="16"/>
+                                        </p:tgtEl>
+                                      </p:cBhvr>
+                                    </p:animEffect>
+                                    <p:anim calcmode="lin" valueType="num">
+                                      <p:cBhvr>
+                                        <p:cTn id="65" dur="1000"/>
+                                        <p:tgtEl>
+                                          <p:spTgt spid="16"/>
+                                        </p:tgtEl>
+                                        <p:attrNameLst>
+                                          <p:attrName>ppt_x</p:attrName>
+                                        </p:attrNameLst>
+                                      </p:cBhvr>
+                                      <p:tavLst>
+                                        <p:tav tm="0">
+                                          <p:val>
+                                            <p:strVal val="ppt_x"/>
+                                          </p:val>
+                                        </p:tav>
+                                        <p:tav tm="100000">
+                                          <p:val>
+                                            <p:strVal val="ppt_x"/>
+                                          </p:val>
+                                        </p:tav>
+                                      </p:tavLst>
+                                    </p:anim>
+                                    <p:anim calcmode="lin" valueType="num">
+                                      <p:cBhvr>
+                                        <p:cTn id="66" dur="1000"/>
+                                        <p:tgtEl>
+                                          <p:spTgt spid="16"/>
+                                        </p:tgtEl>
+                                        <p:attrNameLst>
+                                          <p:attrName>ppt_y</p:attrName>
+                                        </p:attrNameLst>
+                                      </p:cBhvr>
+                                      <p:tavLst>
+                                        <p:tav tm="0">
+                                          <p:val>
+                                            <p:strVal val="ppt_y"/>
+                                          </p:val>
+                                        </p:tav>
+                                        <p:tav tm="100000">
+                                          <p:val>
+                                            <p:strVal val="ppt_y+.1"/>
+                                          </p:val>
+                                        </p:tav>
+                                      </p:tavLst>
+                                    </p:anim>
+                                    <p:set>
+                                      <p:cBhvr>
+                                        <p:cTn id="67" dur="1" fill="hold">
+                                          <p:stCondLst>
+                                            <p:cond delay="999"/>
+                                          </p:stCondLst>
+                                        </p:cTn>
+                                        <p:tgtEl>
+                                          <p:spTgt spid="16"/>
+                                        </p:tgtEl>
+                                        <p:attrNameLst>
+                                          <p:attrName>style.visibility</p:attrName>
+                                        </p:attrNameLst>
+                                      </p:cBhvr>
+                                      <p:to>
+                                        <p:strVal val="hidden"/>
+                                      </p:to>
+                                    </p:set>
+                                  </p:childTnLst>
+                                </p:cTn>
+                              </p:par>
+                              <p:par>
+                                <p:cTn id="68" presetID="42" presetClass="entr" presetSubtype="0" fill="hold" grpId="0" nodeType="withEffect">
+                                  <p:stCondLst>
+                                    <p:cond delay="0"/>
+                                  </p:stCondLst>
+                                  <p:childTnLst>
+                                    <p:set>
+                                      <p:cBhvr>
+                                        <p:cTn id="69" dur="1" fill="hold">
+                                          <p:stCondLst>
+                                            <p:cond delay="0"/>
+                                          </p:stCondLst>
+                                        </p:cTn>
+                                        <p:tgtEl>
+                                          <p:spTgt spid="34"/>
+                                        </p:tgtEl>
+                                        <p:attrNameLst>
+                                          <p:attrName>style.visibility</p:attrName>
+                                        </p:attrNameLst>
+                                      </p:cBhvr>
+                                      <p:to>
+                                        <p:strVal val="visible"/>
+                                      </p:to>
+                                    </p:set>
+                                    <p:animEffect transition="in" filter="fade">
+                                      <p:cBhvr>
+                                        <p:cTn id="70" dur="1000"/>
+                                        <p:tgtEl>
+                                          <p:spTgt spid="34"/>
+                                        </p:tgtEl>
+                                      </p:cBhvr>
+                                    </p:animEffect>
+                                    <p:anim calcmode="lin" valueType="num">
+                                      <p:cBhvr>
+                                        <p:cTn id="71" dur="1000" fill="hold"/>
+                                        <p:tgtEl>
+                                          <p:spTgt spid="34"/>
+                                        </p:tgtEl>
+                                        <p:attrNameLst>
+                                          <p:attrName>ppt_x</p:attrName>
+                                        </p:attrNameLst>
+                                      </p:cBhvr>
+                                      <p:tavLst>
+                                        <p:tav tm="0">
+                                          <p:val>
+                                            <p:strVal val="#ppt_x"/>
+                                          </p:val>
+                                        </p:tav>
+                                        <p:tav tm="100000">
+                                          <p:val>
+                                            <p:strVal val="#ppt_x"/>
+                                          </p:val>
+                                        </p:tav>
+                                      </p:tavLst>
+                                    </p:anim>
+                                    <p:anim calcmode="lin" valueType="num">
+                                      <p:cBhvr>
+                                        <p:cTn id="72" dur="1000" fill="hold"/>
+                                        <p:tgtEl>
+                                          <p:spTgt spid="34"/>
+                                        </p:tgtEl>
+                                        <p:attrNameLst>
+                                          <p:attrName>ppt_y</p:attrName>
+                                        </p:attrNameLst>
+                                      </p:cBhvr>
+                                      <p:tavLst>
+                                        <p:tav tm="0">
+                                          <p:val>
+                                            <p:strVal val="#ppt_y+.1"/>
+                                          </p:val>
+                                        </p:tav>
+                                        <p:tav tm="100000">
+                                          <p:val>
+                                            <p:strVal val="#ppt_y"/>
+                                          </p:val>
+                                        </p:tav>
+                                      </p:tavLst>
+                                    </p:anim>
+                                  </p:childTnLst>
+                                </p:cTn>
+                              </p:par>
+                              <p:par>
+                                <p:cTn id="73" presetID="42" presetClass="entr" presetSubtype="0" fill="hold" nodeType="withEffect">
+                                  <p:stCondLst>
+                                    <p:cond delay="0"/>
+                                  </p:stCondLst>
+                                  <p:childTnLst>
+                                    <p:set>
+                                      <p:cBhvr>
+                                        <p:cTn id="74" dur="1" fill="hold">
+                                          <p:stCondLst>
+                                            <p:cond delay="0"/>
+                                          </p:stCondLst>
+                                        </p:cTn>
+                                        <p:tgtEl>
+                                          <p:spTgt spid="18"/>
+                                        </p:tgtEl>
+                                        <p:attrNameLst>
+                                          <p:attrName>style.visibility</p:attrName>
+                                        </p:attrNameLst>
+                                      </p:cBhvr>
+                                      <p:to>
+                                        <p:strVal val="visible"/>
+                                      </p:to>
+                                    </p:set>
+                                    <p:animEffect transition="in" filter="fade">
+                                      <p:cBhvr>
+                                        <p:cTn id="75" dur="1000"/>
+                                        <p:tgtEl>
+                                          <p:spTgt spid="18"/>
+                                        </p:tgtEl>
+                                      </p:cBhvr>
+                                    </p:animEffect>
+                                    <p:anim calcmode="lin" valueType="num">
+                                      <p:cBhvr>
+                                        <p:cTn id="76" dur="1000" fill="hold"/>
+                                        <p:tgtEl>
+                                          <p:spTgt spid="18"/>
+                                        </p:tgtEl>
+                                        <p:attrNameLst>
+                                          <p:attrName>ppt_x</p:attrName>
+                                        </p:attrNameLst>
+                                      </p:cBhvr>
+                                      <p:tavLst>
+                                        <p:tav tm="0">
+                                          <p:val>
+                                            <p:strVal val="#ppt_x"/>
+                                          </p:val>
+                                        </p:tav>
+                                        <p:tav tm="100000">
+                                          <p:val>
+                                            <p:strVal val="#ppt_x"/>
+                                          </p:val>
+                                        </p:tav>
+                                      </p:tavLst>
+                                    </p:anim>
+                                    <p:anim calcmode="lin" valueType="num">
+                                      <p:cBhvr>
+                                        <p:cTn id="77" dur="1000" fill="hold"/>
+                                        <p:tgtEl>
+                                          <p:spTgt spid="18"/>
+                                        </p:tgtEl>
+                                        <p:attrNameLst>
+                                          <p:attrName>ppt_y</p:attrName>
+                                        </p:attrNameLst>
+                                      </p:cBhvr>
+                                      <p:tavLst>
+                                        <p:tav tm="0">
+                                          <p:val>
+                                            <p:strVal val="#ppt_y+.1"/>
+                                          </p:val>
+                                        </p:tav>
+                                        <p:tav tm="100000">
+                                          <p:val>
+                                            <p:strVal val="#ppt_y"/>
+                                          </p:val>
+                                        </p:tav>
+                                      </p:tavLst>
+                                    </p:anim>
+                                  </p:childTnLst>
+                                </p:cTn>
+                              </p:par>
+                              <p:par>
+                                <p:cTn id="78" presetID="42" presetClass="entr" presetSubtype="0" fill="hold" nodeType="withEffect">
+                                  <p:stCondLst>
+                                    <p:cond delay="0"/>
+                                  </p:stCondLst>
+                                  <p:childTnLst>
+                                    <p:set>
+                                      <p:cBhvr>
+                                        <p:cTn id="79" dur="1" fill="hold">
+                                          <p:stCondLst>
+                                            <p:cond delay="0"/>
+                                          </p:stCondLst>
+                                        </p:cTn>
+                                        <p:tgtEl>
+                                          <p:spTgt spid="17"/>
+                                        </p:tgtEl>
+                                        <p:attrNameLst>
+                                          <p:attrName>style.visibility</p:attrName>
+                                        </p:attrNameLst>
+                                      </p:cBhvr>
+                                      <p:to>
+                                        <p:strVal val="visible"/>
+                                      </p:to>
+                                    </p:set>
+                                    <p:animEffect transition="in" filter="fade">
+                                      <p:cBhvr>
+                                        <p:cTn id="80" dur="1000"/>
+                                        <p:tgtEl>
+                                          <p:spTgt spid="17"/>
+                                        </p:tgtEl>
+                                      </p:cBhvr>
+                                    </p:animEffect>
+                                    <p:anim calcmode="lin" valueType="num">
+                                      <p:cBhvr>
+                                        <p:cTn id="81" dur="1000" fill="hold"/>
+                                        <p:tgtEl>
+                                          <p:spTgt spid="17"/>
+                                        </p:tgtEl>
+                                        <p:attrNameLst>
+                                          <p:attrName>ppt_x</p:attrName>
+                                        </p:attrNameLst>
+                                      </p:cBhvr>
+                                      <p:tavLst>
+                                        <p:tav tm="0">
+                                          <p:val>
+                                            <p:strVal val="#ppt_x"/>
+                                          </p:val>
+                                        </p:tav>
+                                        <p:tav tm="100000">
+                                          <p:val>
+                                            <p:strVal val="#ppt_x"/>
+                                          </p:val>
+                                        </p:tav>
+                                      </p:tavLst>
+                                    </p:anim>
+                                    <p:anim calcmode="lin" valueType="num">
+                                      <p:cBhvr>
+                                        <p:cTn id="82" dur="1000" fill="hold"/>
+                                        <p:tgtEl>
+                                          <p:spTgt spid="17"/>
+                                        </p:tgtEl>
+                                        <p:attrNameLst>
+                                          <p:attrName>ppt_y</p:attrName>
+                                        </p:attrNameLst>
+                                      </p:cBhvr>
+                                      <p:tavLst>
+                                        <p:tav tm="0">
+                                          <p:val>
+                                            <p:strVal val="#ppt_y+.1"/>
+                                          </p:val>
+                                        </p:tav>
+                                        <p:tav tm="100000">
+                                          <p:val>
+                                            <p:strVal val="#ppt_y"/>
+                                          </p:val>
+                                        </p:tav>
+                                      </p:tavLst>
+                                    </p:anim>
+                                  </p:childTnLst>
+                                </p:cTn>
+                              </p:par>
+                              <p:par>
+                                <p:cTn id="83" presetID="42" presetClass="entr" presetSubtype="0" fill="hold" grpId="0" nodeType="withEffect">
+                                  <p:stCondLst>
+                                    <p:cond delay="0"/>
+                                  </p:stCondLst>
+                                  <p:childTnLst>
+                                    <p:set>
+                                      <p:cBhvr>
+                                        <p:cTn id="84" dur="1" fill="hold">
+                                          <p:stCondLst>
+                                            <p:cond delay="0"/>
+                                          </p:stCondLst>
+                                        </p:cTn>
+                                        <p:tgtEl>
+                                          <p:spTgt spid="27"/>
+                                        </p:tgtEl>
+                                        <p:attrNameLst>
+                                          <p:attrName>style.visibility</p:attrName>
+                                        </p:attrNameLst>
+                                      </p:cBhvr>
+                                      <p:to>
+                                        <p:strVal val="visible"/>
+                                      </p:to>
+                                    </p:set>
+                                    <p:animEffect transition="in" filter="fade">
+                                      <p:cBhvr>
+                                        <p:cTn id="85" dur="1000"/>
+                                        <p:tgtEl>
+                                          <p:spTgt spid="27"/>
+                                        </p:tgtEl>
+                                      </p:cBhvr>
+                                    </p:animEffect>
+                                    <p:anim calcmode="lin" valueType="num">
+                                      <p:cBhvr>
+                                        <p:cTn id="86" dur="1000" fill="hold"/>
+                                        <p:tgtEl>
+                                          <p:spTgt spid="27"/>
+                                        </p:tgtEl>
+                                        <p:attrNameLst>
+                                          <p:attrName>ppt_x</p:attrName>
+                                        </p:attrNameLst>
+                                      </p:cBhvr>
+                                      <p:tavLst>
+                                        <p:tav tm="0">
+                                          <p:val>
+                                            <p:strVal val="#ppt_x"/>
+                                          </p:val>
+                                        </p:tav>
+                                        <p:tav tm="100000">
+                                          <p:val>
+                                            <p:strVal val="#ppt_x"/>
+                                          </p:val>
+                                        </p:tav>
+                                      </p:tavLst>
+                                    </p:anim>
+                                    <p:anim calcmode="lin" valueType="num">
+                                      <p:cBhvr>
+                                        <p:cTn id="87" dur="1000" fill="hold"/>
+                                        <p:tgtEl>
+                                          <p:spTgt spid="27"/>
+                                        </p:tgtEl>
+                                        <p:attrNameLst>
+                                          <p:attrName>ppt_y</p:attrName>
+                                        </p:attrNameLst>
+                                      </p:cBhvr>
+                                      <p:tavLst>
+                                        <p:tav tm="0">
+                                          <p:val>
+                                            <p:strVal val="#ppt_y+.1"/>
+                                          </p:val>
+                                        </p:tav>
+                                        <p:tav tm="100000">
+                                          <p:val>
+                                            <p:strVal val="#ppt_y"/>
+                                          </p:val>
+                                        </p:tav>
+                                      </p:tavLst>
+                                    </p:anim>
+                                  </p:childTnLst>
+                                </p:cTn>
+                              </p:par>
+                            </p:childTnLst>
+                          </p:cTn>
+                        </p:par>
+                        <p:par>
+                          <p:cTn id="88" fill="hold">
+                            <p:stCondLst>
+                              <p:cond delay="1000"/>
+                            </p:stCondLst>
+                            <p:childTnLst>
+                              <p:par>
+                                <p:cTn id="89" presetID="21" presetClass="emph" presetSubtype="0" repeatCount="indefinite" fill="hold" grpId="1" nodeType="afterEffect">
+                                  <p:stCondLst>
+                                    <p:cond delay="0"/>
+                                  </p:stCondLst>
+                                  <p:endCondLst>
+                                    <p:cond evt="onNext" delay="0">
+                                      <p:tgtEl>
+                                        <p:sldTgt/>
+                                      </p:tgtEl>
+                                    </p:cond>
+                                  </p:endCondLst>
+                                  <p:childTnLst>
+                                    <p:animClr clrSpc="hsl" dir="cw">
+                                      <p:cBhvr override="childStyle">
+                                        <p:cTn id="90" dur="1000" fill="hold"/>
+                                        <p:tgtEl>
+                                          <p:spTgt spid="34"/>
+                                        </p:tgtEl>
+                                        <p:attrNameLst>
+                                          <p:attrName>style.color</p:attrName>
+                                        </p:attrNameLst>
+                                      </p:cBhvr>
+                                      <p:by>
+                                        <p:hsl h="7200000" s="0" l="0"/>
+                                      </p:by>
+                                    </p:animClr>
+                                    <p:animClr clrSpc="hsl" dir="cw">
+                                      <p:cBhvr>
+                                        <p:cTn id="91" dur="1000" fill="hold"/>
+                                        <p:tgtEl>
+                                          <p:spTgt spid="34"/>
+                                        </p:tgtEl>
+                                        <p:attrNameLst>
+                                          <p:attrName>fillcolor</p:attrName>
+                                        </p:attrNameLst>
+                                      </p:cBhvr>
+                                      <p:by>
+                                        <p:hsl h="7200000" s="0" l="0"/>
+                                      </p:by>
+                                    </p:animClr>
+                                    <p:animClr clrSpc="hsl" dir="cw">
+                                      <p:cBhvr>
+                                        <p:cTn id="92" dur="1000" fill="hold"/>
+                                        <p:tgtEl>
+                                          <p:spTgt spid="34"/>
+                                        </p:tgtEl>
+                                        <p:attrNameLst>
+                                          <p:attrName>stroke.color</p:attrName>
+                                        </p:attrNameLst>
+                                      </p:cBhvr>
+                                      <p:by>
+                                        <p:hsl h="7200000" s="0" l="0"/>
+                                      </p:by>
+                                    </p:animClr>
+                                    <p:set>
+                                      <p:cBhvr>
+                                        <p:cTn id="93" dur="1000" fill="hold"/>
+                                        <p:tgtEl>
+                                          <p:spTgt spid="34"/>
+                                        </p:tgtEl>
+                                        <p:attrNameLst>
+                                          <p:attrName>fill.type</p:attrName>
+                                        </p:attrNameLst>
+                                      </p:cBhvr>
+                                      <p:to>
+                                        <p:strVal val="solid"/>
+                                      </p:to>
+                                    </p:set>
+                                  </p:childTnLst>
+                                </p:cTn>
+                              </p:par>
+                              <p:par>
+                                <p:cTn id="94" presetID="21" presetClass="emph" presetSubtype="0" repeatCount="indefinite" fill="hold" nodeType="withEffect">
+                                  <p:stCondLst>
+                                    <p:cond delay="0"/>
+                                  </p:stCondLst>
+                                  <p:endCondLst>
+                                    <p:cond evt="onNext" delay="0">
+                                      <p:tgtEl>
+                                        <p:sldTgt/>
+                                      </p:tgtEl>
+                                    </p:cond>
+                                  </p:endCondLst>
+                                  <p:childTnLst>
+                                    <p:animClr clrSpc="hsl" dir="cw">
+                                      <p:cBhvr override="childStyle">
+                                        <p:cTn id="95" dur="1000" fill="hold"/>
+                                        <p:tgtEl>
+                                          <p:spTgt spid="18"/>
+                                        </p:tgtEl>
+                                        <p:attrNameLst>
+                                          <p:attrName>style.color</p:attrName>
+                                        </p:attrNameLst>
+                                      </p:cBhvr>
+                                      <p:by>
+                                        <p:hsl h="7200000" s="0" l="0"/>
+                                      </p:by>
+                                    </p:animClr>
+                                    <p:animClr clrSpc="hsl" dir="cw">
+                                      <p:cBhvr>
+                                        <p:cTn id="96" dur="1000" fill="hold"/>
+                                        <p:tgtEl>
+                                          <p:spTgt spid="18"/>
+                                        </p:tgtEl>
+                                        <p:attrNameLst>
+                                          <p:attrName>fillcolor</p:attrName>
+                                        </p:attrNameLst>
+                                      </p:cBhvr>
+                                      <p:by>
+                                        <p:hsl h="7200000" s="0" l="0"/>
+                                      </p:by>
+                                    </p:animClr>
+                                    <p:animClr clrSpc="hsl" dir="cw">
+                                      <p:cBhvr>
+                                        <p:cTn id="97" dur="1000" fill="hold"/>
+                                        <p:tgtEl>
+                                          <p:spTgt spid="18"/>
+                                        </p:tgtEl>
+                                        <p:attrNameLst>
+                                          <p:attrName>stroke.color</p:attrName>
+                                        </p:attrNameLst>
+                                      </p:cBhvr>
+                                      <p:by>
+                                        <p:hsl h="7200000" s="0" l="0"/>
+                                      </p:by>
+                                    </p:animClr>
+                                    <p:set>
+                                      <p:cBhvr>
+                                        <p:cTn id="98" dur="1000" fill="hold"/>
+                                        <p:tgtEl>
+                                          <p:spTgt spid="18"/>
+                                        </p:tgtEl>
+                                        <p:attrNameLst>
+                                          <p:attrName>fill.type</p:attrName>
+                                        </p:attrNameLst>
+                                      </p:cBhvr>
+                                      <p:to>
+                                        <p:strVal val="solid"/>
+                                      </p:to>
+                                    </p:set>
+                                  </p:childTnLst>
+                                </p:cTn>
+                              </p:par>
+                              <p:par>
+                                <p:cTn id="99" presetID="21" presetClass="emph" presetSubtype="0" repeatCount="indefinite" fill="hold" nodeType="withEffect">
+                                  <p:stCondLst>
+                                    <p:cond delay="0"/>
+                                  </p:stCondLst>
+                                  <p:endCondLst>
+                                    <p:cond evt="onNext" delay="0">
+                                      <p:tgtEl>
+                                        <p:sldTgt/>
+                                      </p:tgtEl>
+                                    </p:cond>
+                                  </p:endCondLst>
+                                  <p:childTnLst>
+                                    <p:animClr clrSpc="hsl" dir="cw">
+                                      <p:cBhvr override="childStyle">
+                                        <p:cTn id="100" dur="1000" fill="hold"/>
+                                        <p:tgtEl>
+                                          <p:spTgt spid="17"/>
+                                        </p:tgtEl>
+                                        <p:attrNameLst>
+                                          <p:attrName>style.color</p:attrName>
+                                        </p:attrNameLst>
+                                      </p:cBhvr>
+                                      <p:by>
+                                        <p:hsl h="7200000" s="0" l="0"/>
+                                      </p:by>
+                                    </p:animClr>
+                                    <p:animClr clrSpc="hsl" dir="cw">
+                                      <p:cBhvr>
+                                        <p:cTn id="101" dur="1000" fill="hold"/>
+                                        <p:tgtEl>
+                                          <p:spTgt spid="17"/>
+                                        </p:tgtEl>
+                                        <p:attrNameLst>
+                                          <p:attrName>fillcolor</p:attrName>
+                                        </p:attrNameLst>
+                                      </p:cBhvr>
+                                      <p:by>
+                                        <p:hsl h="7200000" s="0" l="0"/>
+                                      </p:by>
+                                    </p:animClr>
+                                    <p:animClr clrSpc="hsl" dir="cw">
+                                      <p:cBhvr>
+                                        <p:cTn id="102" dur="1000" fill="hold"/>
+                                        <p:tgtEl>
+                                          <p:spTgt spid="17"/>
+                                        </p:tgtEl>
+                                        <p:attrNameLst>
+                                          <p:attrName>stroke.color</p:attrName>
+                                        </p:attrNameLst>
+                                      </p:cBhvr>
+                                      <p:by>
+                                        <p:hsl h="7200000" s="0" l="0"/>
+                                      </p:by>
+                                    </p:animClr>
+                                    <p:set>
+                                      <p:cBhvr>
+                                        <p:cTn id="103" dur="1000" fill="hold"/>
+                                        <p:tgtEl>
+                                          <p:spTgt spid="17"/>
+                                        </p:tgtEl>
+                                        <p:attrNameLst>
+                                          <p:attrName>fill.type</p:attrName>
+                                        </p:attrNameLst>
+                                      </p:cBhvr>
+                                      <p:to>
+                                        <p:strVal val="solid"/>
+                                      </p:to>
+                                    </p:set>
+                                  </p:childTnLst>
+                                </p:cTn>
+                              </p:par>
+                              <p:par>
+                                <p:cTn id="104" presetID="21" presetClass="emph" presetSubtype="0" repeatCount="indefinite" fill="hold" grpId="1" nodeType="withEffect">
+                                  <p:stCondLst>
+                                    <p:cond delay="0"/>
+                                  </p:stCondLst>
+                                  <p:endCondLst>
+                                    <p:cond evt="onNext" delay="0">
+                                      <p:tgtEl>
+                                        <p:sldTgt/>
+                                      </p:tgtEl>
+                                    </p:cond>
+                                  </p:endCondLst>
+                                  <p:childTnLst>
+                                    <p:animClr clrSpc="hsl" dir="cw">
+                                      <p:cBhvr override="childStyle">
+                                        <p:cTn id="105" dur="1000" fill="hold"/>
+                                        <p:tgtEl>
+                                          <p:spTgt spid="27"/>
+                                        </p:tgtEl>
+                                        <p:attrNameLst>
+                                          <p:attrName>style.color</p:attrName>
+                                        </p:attrNameLst>
+                                      </p:cBhvr>
+                                      <p:by>
+                                        <p:hsl h="7200000" s="0" l="0"/>
+                                      </p:by>
+                                    </p:animClr>
+                                    <p:animClr clrSpc="hsl" dir="cw">
+                                      <p:cBhvr>
+                                        <p:cTn id="106" dur="1000" fill="hold"/>
+                                        <p:tgtEl>
+                                          <p:spTgt spid="27"/>
+                                        </p:tgtEl>
+                                        <p:attrNameLst>
+                                          <p:attrName>fillcolor</p:attrName>
+                                        </p:attrNameLst>
+                                      </p:cBhvr>
+                                      <p:by>
+                                        <p:hsl h="7200000" s="0" l="0"/>
+                                      </p:by>
+                                    </p:animClr>
+                                    <p:animClr clrSpc="hsl" dir="cw">
+                                      <p:cBhvr>
+                                        <p:cTn id="107" dur="1000" fill="hold"/>
+                                        <p:tgtEl>
+                                          <p:spTgt spid="27"/>
+                                        </p:tgtEl>
+                                        <p:attrNameLst>
+                                          <p:attrName>stroke.color</p:attrName>
+                                        </p:attrNameLst>
+                                      </p:cBhvr>
+                                      <p:by>
+                                        <p:hsl h="7200000" s="0" l="0"/>
+                                      </p:by>
+                                    </p:animClr>
+                                    <p:set>
+                                      <p:cBhvr>
+                                        <p:cTn id="108" dur="1000" fill="hold"/>
+                                        <p:tgtEl>
+                                          <p:spTgt spid="27"/>
+                                        </p:tgtEl>
+                                        <p:attrNameLst>
+                                          <p:attrName>fill.type</p:attrName>
+                                        </p:attrNameLst>
+                                      </p:cBhvr>
+                                      <p:to>
+                                        <p:strVal val="solid"/>
+                                      </p:to>
+                                    </p:set>
+                                  </p:childTnLst>
+                                </p:cTn>
+                              </p:par>
+                            </p:childTnLst>
+                          </p:cTn>
+                        </p:par>
+                      </p:childTnLst>
+                    </p:cTn>
+                  </p:par>
+                </p:childTnLst>
+              </p:cTn>
+              <p:prevCondLst>
+                <p:cond evt="onPrev" delay="0">
+                  <p:tgtEl>
+                    <p:sldTgt/>
+                  </p:tgtEl>
+                </p:cond>
+              </p:prevCondLst>
+              <p:nextCondLst>
+                <p:cond evt="onNext" delay="0">
+                  <p:tgtEl>
+                    <p:sldTgt/>
+                  </p:tgtEl>
+                </p:cond>
+              </p:nextCondLst>
+            </p:seq>
+          </p:childTnLst>
+        </p:cTn>
+      </p:par>
+    </p:tnLst>
+    <p:bldLst>
+      <p:bldP spid="10" grpId="0"/>
+      <p:bldP spid="10" grpId="1"/>
+      <p:bldP spid="10" grpId="2"/>
+      <p:bldP spid="16" grpId="0"/>
+      <p:bldP spid="16" grpId="1"/>
+      <p:bldP spid="16" grpId="2"/>
+      <p:bldP spid="27" grpId="0"/>
+      <p:bldP spid="27" grpId="1"/>
+      <p:bldP spid="34" grpId="0"/>
+      <p:bldP spid="34" grpId="1"/>
+    </p:bldLst>
+  </p:timing>
 </p:sld>
 </file>
 

--- a/Seminar.pptx
+++ b/Seminar.pptx
@@ -5,7 +5,7 @@
     <p:sldMasterId id="2147483648" r:id="rId1"/>
   </p:sldMasterIdLst>
   <p:notesMasterIdLst>
-    <p:notesMasterId r:id="rId29"/>
+    <p:notesMasterId r:id="rId32"/>
   </p:notesMasterIdLst>
   <p:sldIdLst>
     <p:sldId id="256" r:id="rId2"/>
@@ -30,11 +30,14 @@
     <p:sldId id="281" r:id="rId21"/>
     <p:sldId id="283" r:id="rId22"/>
     <p:sldId id="282" r:id="rId23"/>
-    <p:sldId id="280" r:id="rId24"/>
-    <p:sldId id="269" r:id="rId25"/>
-    <p:sldId id="259" r:id="rId26"/>
-    <p:sldId id="258" r:id="rId27"/>
-    <p:sldId id="260" r:id="rId28"/>
+    <p:sldId id="269" r:id="rId24"/>
+    <p:sldId id="280" r:id="rId25"/>
+    <p:sldId id="284" r:id="rId26"/>
+    <p:sldId id="286" r:id="rId27"/>
+    <p:sldId id="285" r:id="rId28"/>
+    <p:sldId id="259" r:id="rId29"/>
+    <p:sldId id="258" r:id="rId30"/>
+    <p:sldId id="260" r:id="rId31"/>
   </p:sldIdLst>
   <p:sldSz cx="9144000" cy="5143500" type="screen16x9"/>
   <p:notesSz cx="6858000" cy="9144000"/>
@@ -234,7 +237,7 @@
           <a:p>
             <a:fld id="{C8D18E60-4300-4729-A0D7-6AB984C3922D}" type="datetimeFigureOut">
               <a:rPr lang="en-US" smtClean="0"/>
-              <a:t>6/25/2022</a:t>
+              <a:t>6/27/2022</a:t>
             </a:fld>
             <a:endParaRPr lang="en-US"/>
           </a:p>
@@ -566,7 +569,7 @@
           <a:p>
             <a:fld id="{87350B06-B074-48FC-8CFD-53D2CD8FB95F}" type="slidenum">
               <a:rPr lang="en-US" smtClean="0"/>
-              <a:t>27</a:t>
+              <a:t>30</a:t>
             </a:fld>
             <a:endParaRPr lang="en-US"/>
           </a:p>
@@ -800,7 +803,7 @@
             <a:fld id="{53074F12-AA26-4AC8-9962-C36BB8F32554}" type="datetimeFigureOut">
               <a:rPr lang="en-US" smtClean="0"/>
               <a:pPr/>
-              <a:t>6/25/2022</a:t>
+              <a:t>6/27/2022</a:t>
             </a:fld>
             <a:endParaRPr lang="en-US"/>
           </a:p>
@@ -1054,7 +1057,7 @@
             <a:fld id="{53074F12-AA26-4AC8-9962-C36BB8F32554}" type="datetimeFigureOut">
               <a:rPr lang="en-US" smtClean="0"/>
               <a:pPr/>
-              <a:t>6/25/2022</a:t>
+              <a:t>6/27/2022</a:t>
             </a:fld>
             <a:endParaRPr lang="en-US"/>
           </a:p>
@@ -1224,7 +1227,7 @@
             <a:fld id="{53074F12-AA26-4AC8-9962-C36BB8F32554}" type="datetimeFigureOut">
               <a:rPr lang="en-US" smtClean="0"/>
               <a:pPr/>
-              <a:t>6/25/2022</a:t>
+              <a:t>6/27/2022</a:t>
             </a:fld>
             <a:endParaRPr lang="en-US"/>
           </a:p>
@@ -1404,7 +1407,7 @@
             <a:fld id="{53074F12-AA26-4AC8-9962-C36BB8F32554}" type="datetimeFigureOut">
               <a:rPr lang="en-US" smtClean="0"/>
               <a:pPr/>
-              <a:t>6/25/2022</a:t>
+              <a:t>6/27/2022</a:t>
             </a:fld>
             <a:endParaRPr lang="en-US"/>
           </a:p>
@@ -1689,7 +1692,7 @@
             <a:fld id="{53074F12-AA26-4AC8-9962-C36BB8F32554}" type="datetimeFigureOut">
               <a:rPr lang="en-US" smtClean="0"/>
               <a:pPr/>
-              <a:t>6/25/2022</a:t>
+              <a:t>6/27/2022</a:t>
             </a:fld>
             <a:endParaRPr lang="en-US"/>
           </a:p>
@@ -1936,7 +1939,7 @@
             <a:fld id="{53074F12-AA26-4AC8-9962-C36BB8F32554}" type="datetimeFigureOut">
               <a:rPr lang="en-US" smtClean="0"/>
               <a:pPr/>
-              <a:t>6/25/2022</a:t>
+              <a:t>6/27/2022</a:t>
             </a:fld>
             <a:endParaRPr lang="en-US"/>
           </a:p>
@@ -2183,7 +2186,7 @@
             <a:fld id="{53074F12-AA26-4AC8-9962-C36BB8F32554}" type="datetimeFigureOut">
               <a:rPr lang="en-US" smtClean="0"/>
               <a:pPr/>
-              <a:t>6/25/2022</a:t>
+              <a:t>6/27/2022</a:t>
             </a:fld>
             <a:endParaRPr lang="en-US"/>
           </a:p>
@@ -2470,7 +2473,7 @@
             <a:fld id="{53074F12-AA26-4AC8-9962-C36BB8F32554}" type="datetimeFigureOut">
               <a:rPr lang="en-US" smtClean="0"/>
               <a:pPr/>
-              <a:t>6/25/2022</a:t>
+              <a:t>6/27/2022</a:t>
             </a:fld>
             <a:endParaRPr lang="en-US"/>
           </a:p>
@@ -2960,7 +2963,7 @@
             <a:fld id="{53074F12-AA26-4AC8-9962-C36BB8F32554}" type="datetimeFigureOut">
               <a:rPr lang="en-US" smtClean="0"/>
               <a:pPr/>
-              <a:t>6/25/2022</a:t>
+              <a:t>6/27/2022</a:t>
             </a:fld>
             <a:endParaRPr lang="en-US"/>
           </a:p>
@@ -3079,7 +3082,7 @@
             <a:fld id="{53074F12-AA26-4AC8-9962-C36BB8F32554}" type="datetimeFigureOut">
               <a:rPr lang="en-US" smtClean="0"/>
               <a:pPr/>
-              <a:t>6/25/2022</a:t>
+              <a:t>6/27/2022</a:t>
             </a:fld>
             <a:endParaRPr lang="en-US"/>
           </a:p>
@@ -3176,7 +3179,7 @@
             <a:fld id="{53074F12-AA26-4AC8-9962-C36BB8F32554}" type="datetimeFigureOut">
               <a:rPr lang="en-US" smtClean="0"/>
               <a:pPr/>
-              <a:t>6/25/2022</a:t>
+              <a:t>6/27/2022</a:t>
             </a:fld>
             <a:endParaRPr lang="en-US"/>
           </a:p>
@@ -3453,7 +3456,7 @@
             <a:fld id="{53074F12-AA26-4AC8-9962-C36BB8F32554}" type="datetimeFigureOut">
               <a:rPr lang="en-US" smtClean="0"/>
               <a:pPr/>
-              <a:t>6/25/2022</a:t>
+              <a:t>6/27/2022</a:t>
             </a:fld>
             <a:endParaRPr lang="en-US"/>
           </a:p>
@@ -3675,7 +3678,7 @@
             <a:fld id="{53074F12-AA26-4AC8-9962-C36BB8F32554}" type="datetimeFigureOut">
               <a:rPr lang="en-US" smtClean="0"/>
               <a:pPr/>
-              <a:t>6/25/2022</a:t>
+              <a:t>6/27/2022</a:t>
             </a:fld>
             <a:endParaRPr lang="en-US"/>
           </a:p>
@@ -14589,6 +14592,240 @@
           <a:chExt cx="0" cy="0"/>
         </a:xfrm>
       </p:grpSpPr>
+      <p:sp>
+        <p:nvSpPr>
+          <p:cNvPr id="2" name="Rectangle 1">
+            <a:extLst>
+              <a:ext uri="{FF2B5EF4-FFF2-40B4-BE49-F238E27FC236}">
+                <a16:creationId xmlns:a16="http://schemas.microsoft.com/office/drawing/2014/main" id="{058FA106-A744-7BAE-2BFD-110AAACC470A}"/>
+              </a:ext>
+            </a:extLst>
+          </p:cNvPr>
+          <p:cNvSpPr/>
+          <p:nvPr/>
+        </p:nvSpPr>
+        <p:spPr>
+          <a:xfrm>
+            <a:off x="1166933" y="142493"/>
+            <a:ext cx="6810134" cy="923330"/>
+          </a:xfrm>
+          <a:prstGeom prst="rect">
+            <a:avLst/>
+          </a:prstGeom>
+          <a:noFill/>
+        </p:spPr>
+        <p:txBody>
+          <a:bodyPr wrap="none" lIns="91440" tIns="45720" rIns="91440" bIns="45720">
+            <a:spAutoFit/>
+          </a:bodyPr>
+          <a:lstStyle/>
+          <a:p>
+            <a:pPr algn="ctr"/>
+            <a:r>
+              <a:rPr lang="en-US" sz="5400" b="1" spc="50" dirty="0">
+                <a:ln w="9525" cmpd="sng">
+                  <a:solidFill>
+                    <a:schemeClr val="accent1"/>
+                  </a:solidFill>
+                  <a:prstDash val="solid"/>
+                </a:ln>
+                <a:solidFill>
+                  <a:srgbClr val="70AD47">
+                    <a:tint val="1000"/>
+                  </a:srgbClr>
+                </a:solidFill>
+                <a:effectLst>
+                  <a:glow rad="38100">
+                    <a:schemeClr val="accent1">
+                      <a:alpha val="40000"/>
+                    </a:schemeClr>
+                  </a:glow>
+                </a:effectLst>
+              </a:rPr>
+              <a:t>B-TREE CONSTRUCTOR</a:t>
+            </a:r>
+          </a:p>
+        </p:txBody>
+      </p:sp>
+      <p:sp>
+        <p:nvSpPr>
+          <p:cNvPr id="3" name="Rectangle 2">
+            <a:extLst>
+              <a:ext uri="{FF2B5EF4-FFF2-40B4-BE49-F238E27FC236}">
+                <a16:creationId xmlns:a16="http://schemas.microsoft.com/office/drawing/2014/main" id="{6F039079-9C52-DE5D-9D1B-CE2C6F157B2E}"/>
+              </a:ext>
+            </a:extLst>
+          </p:cNvPr>
+          <p:cNvSpPr/>
+          <p:nvPr/>
+        </p:nvSpPr>
+        <p:spPr>
+          <a:xfrm>
+            <a:off x="2822572" y="1065823"/>
+            <a:ext cx="3368231" cy="923330"/>
+          </a:xfrm>
+          <a:prstGeom prst="rect">
+            <a:avLst/>
+          </a:prstGeom>
+          <a:noFill/>
+        </p:spPr>
+        <p:txBody>
+          <a:bodyPr wrap="none" lIns="91440" tIns="45720" rIns="91440" bIns="45720">
+            <a:spAutoFit/>
+          </a:bodyPr>
+          <a:lstStyle/>
+          <a:p>
+            <a:pPr algn="ctr"/>
+            <a:r>
+              <a:rPr lang="en-US" sz="5400" b="0" cap="none" spc="0" dirty="0">
+                <a:ln w="0"/>
+                <a:gradFill>
+                  <a:gsLst>
+                    <a:gs pos="0">
+                      <a:schemeClr val="accent5">
+                        <a:lumMod val="50000"/>
+                      </a:schemeClr>
+                    </a:gs>
+                    <a:gs pos="50000">
+                      <a:schemeClr val="accent5"/>
+                    </a:gs>
+                    <a:gs pos="100000">
+                      <a:schemeClr val="accent5">
+                        <a:lumMod val="60000"/>
+                        <a:lumOff val="40000"/>
+                      </a:schemeClr>
+                    </a:gs>
+                  </a:gsLst>
+                  <a:lin ang="5400000"/>
+                </a:gradFill>
+                <a:effectLst>
+                  <a:reflection blurRad="6350" stA="53000" endA="300" endPos="35500" dir="5400000" sy="-90000" algn="bl" rotWithShape="0"/>
+                </a:effectLst>
+              </a:rPr>
+              <a:t>EFFICIENCY</a:t>
+            </a:r>
+          </a:p>
+        </p:txBody>
+      </p:sp>
+      <p:sp>
+        <p:nvSpPr>
+          <p:cNvPr id="4" name="TextBox 3">
+            <a:extLst>
+              <a:ext uri="{FF2B5EF4-FFF2-40B4-BE49-F238E27FC236}">
+                <a16:creationId xmlns:a16="http://schemas.microsoft.com/office/drawing/2014/main" id="{9C265FEB-873F-6246-8B0D-16054EB81879}"/>
+              </a:ext>
+            </a:extLst>
+          </p:cNvPr>
+          <p:cNvSpPr txBox="1"/>
+          <p:nvPr/>
+        </p:nvSpPr>
+        <p:spPr>
+          <a:xfrm>
+            <a:off x="1085850" y="2171700"/>
+            <a:ext cx="7323364" cy="1815882"/>
+          </a:xfrm>
+          <a:prstGeom prst="rect">
+            <a:avLst/>
+          </a:prstGeom>
+          <a:noFill/>
+        </p:spPr>
+        <p:txBody>
+          <a:bodyPr wrap="square" rtlCol="0">
+            <a:spAutoFit/>
+          </a:bodyPr>
+          <a:lstStyle/>
+          <a:p>
+            <a:pPr algn="just"/>
+            <a:r>
+              <a:rPr lang="en-US" sz="2800" dirty="0">
+                <a:solidFill>
+                  <a:schemeClr val="accent5">
+                    <a:lumMod val="20000"/>
+                    <a:lumOff val="80000"/>
+                  </a:schemeClr>
+                </a:solidFill>
+                <a:latin typeface="Times New Roman" panose="02020603050405020304" pitchFamily="18" charset="0"/>
+                <a:cs typeface="Times New Roman" panose="02020603050405020304" pitchFamily="18" charset="0"/>
+              </a:rPr>
+              <a:t>However, this structure seem not efficiency when programming, since it’s looking a bit hard to maintain the property. So, we have a small update for this data structure: </a:t>
+            </a:r>
+          </a:p>
+        </p:txBody>
+      </p:sp>
+      <p:pic>
+        <p:nvPicPr>
+          <p:cNvPr id="5" name="Picture 4">
+            <a:extLst>
+              <a:ext uri="{FF2B5EF4-FFF2-40B4-BE49-F238E27FC236}">
+                <a16:creationId xmlns:a16="http://schemas.microsoft.com/office/drawing/2014/main" id="{313A47CB-7861-095F-6B6C-AB451D15DE99}"/>
+              </a:ext>
+            </a:extLst>
+          </p:cNvPr>
+          <p:cNvPicPr>
+            <a:picLocks noChangeAspect="1"/>
+          </p:cNvPicPr>
+          <p:nvPr/>
+        </p:nvPicPr>
+        <p:blipFill>
+          <a:blip r:embed="rId2"/>
+          <a:stretch>
+            <a:fillRect/>
+          </a:stretch>
+        </p:blipFill>
+        <p:spPr>
+          <a:xfrm>
+            <a:off x="136565" y="2469358"/>
+            <a:ext cx="8870870" cy="1608319"/>
+          </a:xfrm>
+          <a:prstGeom prst="rect">
+            <a:avLst/>
+          </a:prstGeom>
+        </p:spPr>
+      </p:pic>
+      <p:sp>
+        <p:nvSpPr>
+          <p:cNvPr id="6" name="TextBox 5">
+            <a:extLst>
+              <a:ext uri="{FF2B5EF4-FFF2-40B4-BE49-F238E27FC236}">
+                <a16:creationId xmlns:a16="http://schemas.microsoft.com/office/drawing/2014/main" id="{852E0A60-AA46-96CF-E8C1-52BE603A28C2}"/>
+              </a:ext>
+            </a:extLst>
+          </p:cNvPr>
+          <p:cNvSpPr txBox="1"/>
+          <p:nvPr/>
+        </p:nvSpPr>
+        <p:spPr>
+          <a:xfrm>
+            <a:off x="797553" y="4139352"/>
+            <a:ext cx="7418267" cy="954107"/>
+          </a:xfrm>
+          <a:prstGeom prst="rect">
+            <a:avLst/>
+          </a:prstGeom>
+          <a:noFill/>
+        </p:spPr>
+        <p:txBody>
+          <a:bodyPr wrap="square" rtlCol="0">
+            <a:spAutoFit/>
+          </a:bodyPr>
+          <a:lstStyle/>
+          <a:p>
+            <a:r>
+              <a:rPr lang="en-US" sz="2800" b="1" dirty="0">
+                <a:solidFill>
+                  <a:schemeClr val="accent5">
+                    <a:lumMod val="20000"/>
+                    <a:lumOff val="80000"/>
+                  </a:schemeClr>
+                </a:solidFill>
+                <a:latin typeface="Times New Roman" panose="02020603050405020304" pitchFamily="18" charset="0"/>
+                <a:cs typeface="Times New Roman" panose="02020603050405020304" pitchFamily="18" charset="0"/>
+              </a:rPr>
+              <a:t>We add 1 more Boolean variable to check if this node is a leaf or not!</a:t>
+            </a:r>
+          </a:p>
+        </p:txBody>
+      </p:sp>
     </p:spTree>
     <p:extLst>
       <p:ext uri="{BB962C8B-B14F-4D97-AF65-F5344CB8AC3E}">
@@ -14599,6 +14836,242 @@
   <p:clrMapOvr>
     <a:masterClrMapping/>
   </p:clrMapOvr>
+  <p:transition spd="slow">
+    <p:push dir="u"/>
+  </p:transition>
+  <p:timing>
+    <p:tnLst>
+      <p:par>
+        <p:cTn id="1" dur="indefinite" restart="never" nodeType="tmRoot">
+          <p:childTnLst>
+            <p:seq concurrent="1" nextAc="seek">
+              <p:cTn id="2" dur="indefinite" nodeType="mainSeq">
+                <p:childTnLst>
+                  <p:par>
+                    <p:cTn id="3" fill="hold">
+                      <p:stCondLst>
+                        <p:cond delay="indefinite"/>
+                      </p:stCondLst>
+                      <p:childTnLst>
+                        <p:par>
+                          <p:cTn id="4" fill="hold">
+                            <p:stCondLst>
+                              <p:cond delay="0"/>
+                            </p:stCondLst>
+                            <p:childTnLst>
+                              <p:par>
+                                <p:cTn id="5" presetID="10" presetClass="exit" presetSubtype="0" fill="hold" grpId="0" nodeType="clickEffect">
+                                  <p:stCondLst>
+                                    <p:cond delay="0"/>
+                                  </p:stCondLst>
+                                  <p:childTnLst>
+                                    <p:animEffect transition="out" filter="fade">
+                                      <p:cBhvr>
+                                        <p:cTn id="6" dur="500"/>
+                                        <p:tgtEl>
+                                          <p:spTgt spid="4"/>
+                                        </p:tgtEl>
+                                      </p:cBhvr>
+                                    </p:animEffect>
+                                    <p:set>
+                                      <p:cBhvr>
+                                        <p:cTn id="7" dur="1" fill="hold">
+                                          <p:stCondLst>
+                                            <p:cond delay="499"/>
+                                          </p:stCondLst>
+                                        </p:cTn>
+                                        <p:tgtEl>
+                                          <p:spTgt spid="4"/>
+                                        </p:tgtEl>
+                                        <p:attrNameLst>
+                                          <p:attrName>style.visibility</p:attrName>
+                                        </p:attrNameLst>
+                                      </p:cBhvr>
+                                      <p:to>
+                                        <p:strVal val="hidden"/>
+                                      </p:to>
+                                    </p:set>
+                                  </p:childTnLst>
+                                </p:cTn>
+                              </p:par>
+                              <p:par>
+                                <p:cTn id="8" presetID="2" presetClass="entr" presetSubtype="4" fill="hold" nodeType="withEffect">
+                                  <p:stCondLst>
+                                    <p:cond delay="0"/>
+                                  </p:stCondLst>
+                                  <p:childTnLst>
+                                    <p:set>
+                                      <p:cBhvr>
+                                        <p:cTn id="9" dur="1" fill="hold">
+                                          <p:stCondLst>
+                                            <p:cond delay="0"/>
+                                          </p:stCondLst>
+                                        </p:cTn>
+                                        <p:tgtEl>
+                                          <p:spTgt spid="5"/>
+                                        </p:tgtEl>
+                                        <p:attrNameLst>
+                                          <p:attrName>style.visibility</p:attrName>
+                                        </p:attrNameLst>
+                                      </p:cBhvr>
+                                      <p:to>
+                                        <p:strVal val="visible"/>
+                                      </p:to>
+                                    </p:set>
+                                    <p:anim calcmode="lin" valueType="num">
+                                      <p:cBhvr additive="base">
+                                        <p:cTn id="10" dur="500" fill="hold"/>
+                                        <p:tgtEl>
+                                          <p:spTgt spid="5"/>
+                                        </p:tgtEl>
+                                        <p:attrNameLst>
+                                          <p:attrName>ppt_x</p:attrName>
+                                        </p:attrNameLst>
+                                      </p:cBhvr>
+                                      <p:tavLst>
+                                        <p:tav tm="0">
+                                          <p:val>
+                                            <p:strVal val="#ppt_x"/>
+                                          </p:val>
+                                        </p:tav>
+                                        <p:tav tm="100000">
+                                          <p:val>
+                                            <p:strVal val="#ppt_x"/>
+                                          </p:val>
+                                        </p:tav>
+                                      </p:tavLst>
+                                    </p:anim>
+                                    <p:anim calcmode="lin" valueType="num">
+                                      <p:cBhvr additive="base">
+                                        <p:cTn id="11" dur="500" fill="hold"/>
+                                        <p:tgtEl>
+                                          <p:spTgt spid="5"/>
+                                        </p:tgtEl>
+                                        <p:attrNameLst>
+                                          <p:attrName>ppt_y</p:attrName>
+                                        </p:attrNameLst>
+                                      </p:cBhvr>
+                                      <p:tavLst>
+                                        <p:tav tm="0">
+                                          <p:val>
+                                            <p:strVal val="1+#ppt_h/2"/>
+                                          </p:val>
+                                        </p:tav>
+                                        <p:tav tm="100000">
+                                          <p:val>
+                                            <p:strVal val="#ppt_y"/>
+                                          </p:val>
+                                        </p:tav>
+                                      </p:tavLst>
+                                    </p:anim>
+                                  </p:childTnLst>
+                                </p:cTn>
+                              </p:par>
+                              <p:par>
+                                <p:cTn id="12" presetID="2" presetClass="entr" presetSubtype="4" fill="hold" grpId="0" nodeType="withEffect">
+                                  <p:stCondLst>
+                                    <p:cond delay="0"/>
+                                  </p:stCondLst>
+                                  <p:childTnLst>
+                                    <p:set>
+                                      <p:cBhvr>
+                                        <p:cTn id="13" dur="1" fill="hold">
+                                          <p:stCondLst>
+                                            <p:cond delay="0"/>
+                                          </p:stCondLst>
+                                        </p:cTn>
+                                        <p:tgtEl>
+                                          <p:spTgt spid="6"/>
+                                        </p:tgtEl>
+                                        <p:attrNameLst>
+                                          <p:attrName>style.visibility</p:attrName>
+                                        </p:attrNameLst>
+                                      </p:cBhvr>
+                                      <p:to>
+                                        <p:strVal val="visible"/>
+                                      </p:to>
+                                    </p:set>
+                                    <p:anim calcmode="lin" valueType="num">
+                                      <p:cBhvr additive="base">
+                                        <p:cTn id="14" dur="500" fill="hold"/>
+                                        <p:tgtEl>
+                                          <p:spTgt spid="6"/>
+                                        </p:tgtEl>
+                                        <p:attrNameLst>
+                                          <p:attrName>ppt_x</p:attrName>
+                                        </p:attrNameLst>
+                                      </p:cBhvr>
+                                      <p:tavLst>
+                                        <p:tav tm="0">
+                                          <p:val>
+                                            <p:strVal val="#ppt_x"/>
+                                          </p:val>
+                                        </p:tav>
+                                        <p:tav tm="100000">
+                                          <p:val>
+                                            <p:strVal val="#ppt_x"/>
+                                          </p:val>
+                                        </p:tav>
+                                      </p:tavLst>
+                                    </p:anim>
+                                    <p:anim calcmode="lin" valueType="num">
+                                      <p:cBhvr additive="base">
+                                        <p:cTn id="15" dur="500" fill="hold"/>
+                                        <p:tgtEl>
+                                          <p:spTgt spid="6"/>
+                                        </p:tgtEl>
+                                        <p:attrNameLst>
+                                          <p:attrName>ppt_y</p:attrName>
+                                        </p:attrNameLst>
+                                      </p:cBhvr>
+                                      <p:tavLst>
+                                        <p:tav tm="0">
+                                          <p:val>
+                                            <p:strVal val="1+#ppt_h/2"/>
+                                          </p:val>
+                                        </p:tav>
+                                        <p:tav tm="100000">
+                                          <p:val>
+                                            <p:strVal val="#ppt_y"/>
+                                          </p:val>
+                                        </p:tav>
+                                      </p:tavLst>
+                                    </p:anim>
+                                  </p:childTnLst>
+                                </p:cTn>
+                              </p:par>
+                            </p:childTnLst>
+                          </p:cTn>
+                        </p:par>
+                      </p:childTnLst>
+                    </p:cTn>
+                  </p:par>
+                </p:childTnLst>
+              </p:cTn>
+              <p:prevCondLst>
+                <p:cond evt="onPrev" delay="0">
+                  <p:tgtEl>
+                    <p:sldTgt/>
+                  </p:tgtEl>
+                </p:cond>
+              </p:prevCondLst>
+              <p:nextCondLst>
+                <p:cond evt="onNext" delay="0">
+                  <p:tgtEl>
+                    <p:sldTgt/>
+                  </p:tgtEl>
+                </p:cond>
+              </p:nextCondLst>
+            </p:seq>
+          </p:childTnLst>
+        </p:cTn>
+      </p:par>
+    </p:tnLst>
+    <p:bldLst>
+      <p:bldP spid="4" grpId="0"/>
+      <p:bldP spid="6" grpId="0"/>
+    </p:bldLst>
+  </p:timing>
 </p:sld>
 </file>
 
@@ -14621,58 +15094,204 @@
       </p:grpSpPr>
       <p:sp>
         <p:nvSpPr>
-          <p:cNvPr id="2" name="Title 1">
+          <p:cNvPr id="4" name="Rectangle 3">
             <a:extLst>
               <a:ext uri="{FF2B5EF4-FFF2-40B4-BE49-F238E27FC236}">
-                <a16:creationId xmlns:a16="http://schemas.microsoft.com/office/drawing/2014/main" id="{E08E5080-2D2A-D054-EC85-58537039E0E9}"/>
+                <a16:creationId xmlns:a16="http://schemas.microsoft.com/office/drawing/2014/main" id="{A8E87DAC-30BF-2717-D77B-76B2F8DA8A97}"/>
               </a:ext>
             </a:extLst>
           </p:cNvPr>
-          <p:cNvSpPr>
-            <a:spLocks noGrp="1"/>
-          </p:cNvSpPr>
-          <p:nvPr>
-            <p:ph type="ctrTitle"/>
-          </p:nvPr>
+          <p:cNvSpPr/>
+          <p:nvPr/>
         </p:nvSpPr>
-        <p:spPr/>
+        <p:spPr>
+          <a:xfrm>
+            <a:off x="960178" y="224135"/>
+            <a:ext cx="7223644" cy="923330"/>
+          </a:xfrm>
+          <a:prstGeom prst="rect">
+            <a:avLst/>
+          </a:prstGeom>
+          <a:noFill/>
+        </p:spPr>
         <p:txBody>
-          <a:bodyPr/>
+          <a:bodyPr wrap="none" lIns="91440" tIns="45720" rIns="91440" bIns="45720">
+            <a:spAutoFit/>
+          </a:bodyPr>
           <a:lstStyle/>
           <a:p>
-            <a:endParaRPr lang="en-US"/>
+            <a:pPr algn="ctr"/>
+            <a:r>
+              <a:rPr lang="en-US" sz="5400" b="1" cap="none" spc="0" dirty="0">
+                <a:ln w="22225">
+                  <a:solidFill>
+                    <a:schemeClr val="accent2"/>
+                  </a:solidFill>
+                  <a:prstDash val="solid"/>
+                </a:ln>
+                <a:solidFill>
+                  <a:schemeClr val="accent2">
+                    <a:lumMod val="40000"/>
+                    <a:lumOff val="60000"/>
+                  </a:schemeClr>
+                </a:solidFill>
+                <a:effectLst/>
+              </a:rPr>
+              <a:t>ADDITIONAL FUNCTION:</a:t>
+            </a:r>
           </a:p>
         </p:txBody>
       </p:sp>
-      <p:sp>
-        <p:nvSpPr>
-          <p:cNvPr id="3" name="Subtitle 2">
+      <p:pic>
+        <p:nvPicPr>
+          <p:cNvPr id="5" name="Picture 4">
             <a:extLst>
               <a:ext uri="{FF2B5EF4-FFF2-40B4-BE49-F238E27FC236}">
-                <a16:creationId xmlns:a16="http://schemas.microsoft.com/office/drawing/2014/main" id="{317C41E9-E6BC-82AC-BD17-BBF7BBE21B7B}"/>
+                <a16:creationId xmlns:a16="http://schemas.microsoft.com/office/drawing/2014/main" id="{AEB992AB-A99E-9A6F-5B27-B6A7053CEFB1}"/>
               </a:ext>
             </a:extLst>
           </p:cNvPr>
-          <p:cNvSpPr>
-            <a:spLocks noGrp="1"/>
-          </p:cNvSpPr>
-          <p:nvPr>
-            <p:ph type="subTitle" idx="1"/>
-          </p:nvPr>
+          <p:cNvPicPr>
+            <a:picLocks noChangeAspect="1"/>
+          </p:cNvPicPr>
+          <p:nvPr/>
+        </p:nvPicPr>
+        <p:blipFill rotWithShape="1">
+          <a:blip r:embed="rId2"/>
+          <a:srcRect l="1" r="40821"/>
+          <a:stretch/>
+        </p:blipFill>
+        <p:spPr>
+          <a:xfrm>
+            <a:off x="351064" y="2516981"/>
+            <a:ext cx="3558490" cy="2347615"/>
+          </a:xfrm>
+          <a:prstGeom prst="rect">
+            <a:avLst/>
+          </a:prstGeom>
+        </p:spPr>
+      </p:pic>
+      <p:sp>
+        <p:nvSpPr>
+          <p:cNvPr id="6" name="TextBox 5">
+            <a:extLst>
+              <a:ext uri="{FF2B5EF4-FFF2-40B4-BE49-F238E27FC236}">
+                <a16:creationId xmlns:a16="http://schemas.microsoft.com/office/drawing/2014/main" id="{6C30E684-9E51-E2E1-E2DB-E870C13DF1B4}"/>
+              </a:ext>
+            </a:extLst>
+          </p:cNvPr>
+          <p:cNvSpPr txBox="1"/>
+          <p:nvPr/>
         </p:nvSpPr>
-        <p:spPr/>
+        <p:spPr>
+          <a:xfrm>
+            <a:off x="4754880" y="2013856"/>
+            <a:ext cx="4389120" cy="461665"/>
+          </a:xfrm>
+          <a:prstGeom prst="rect">
+            <a:avLst/>
+          </a:prstGeom>
+          <a:noFill/>
+        </p:spPr>
         <p:txBody>
-          <a:bodyPr/>
+          <a:bodyPr wrap="square" rtlCol="0">
+            <a:spAutoFit/>
+          </a:bodyPr>
           <a:lstStyle/>
           <a:p>
-            <a:endParaRPr lang="en-US"/>
+            <a:r>
+              <a:rPr lang="en-US" sz="2400" dirty="0">
+                <a:solidFill>
+                  <a:schemeClr val="accent5">
+                    <a:lumMod val="20000"/>
+                    <a:lumOff val="80000"/>
+                  </a:schemeClr>
+                </a:solidFill>
+                <a:latin typeface="Times New Roman" panose="02020603050405020304" pitchFamily="18" charset="0"/>
+                <a:cs typeface="Times New Roman" panose="02020603050405020304" pitchFamily="18" charset="0"/>
+              </a:rPr>
+              <a:t>Find a valid key in a node</a:t>
+            </a:r>
+          </a:p>
+        </p:txBody>
+      </p:sp>
+      <p:pic>
+        <p:nvPicPr>
+          <p:cNvPr id="7" name="Picture 6">
+            <a:extLst>
+              <a:ext uri="{FF2B5EF4-FFF2-40B4-BE49-F238E27FC236}">
+                <a16:creationId xmlns:a16="http://schemas.microsoft.com/office/drawing/2014/main" id="{935AAA82-02B1-EA51-4E6A-CE3029A80150}"/>
+              </a:ext>
+            </a:extLst>
+          </p:cNvPr>
+          <p:cNvPicPr>
+            <a:picLocks noChangeAspect="1"/>
+          </p:cNvPicPr>
+          <p:nvPr/>
+        </p:nvPicPr>
+        <p:blipFill rotWithShape="1">
+          <a:blip r:embed="rId3"/>
+          <a:srcRect r="30433"/>
+          <a:stretch/>
+        </p:blipFill>
+        <p:spPr>
+          <a:xfrm>
+            <a:off x="4471549" y="2516980"/>
+            <a:ext cx="4389120" cy="2347615"/>
+          </a:xfrm>
+          <a:prstGeom prst="rect">
+            <a:avLst/>
+          </a:prstGeom>
+        </p:spPr>
+      </p:pic>
+      <p:sp>
+        <p:nvSpPr>
+          <p:cNvPr id="8" name="TextBox 7">
+            <a:extLst>
+              <a:ext uri="{FF2B5EF4-FFF2-40B4-BE49-F238E27FC236}">
+                <a16:creationId xmlns:a16="http://schemas.microsoft.com/office/drawing/2014/main" id="{97CE6010-18D9-4247-AD7C-C9D0330EECED}"/>
+              </a:ext>
+            </a:extLst>
+          </p:cNvPr>
+          <p:cNvSpPr txBox="1"/>
+          <p:nvPr/>
+        </p:nvSpPr>
+        <p:spPr>
+          <a:xfrm>
+            <a:off x="399020" y="2013857"/>
+            <a:ext cx="3558490" cy="461665"/>
+          </a:xfrm>
+          <a:prstGeom prst="rect">
+            <a:avLst/>
+          </a:prstGeom>
+          <a:noFill/>
+        </p:spPr>
+        <p:txBody>
+          <a:bodyPr wrap="square" rtlCol="0">
+            <a:spAutoFit/>
+          </a:bodyPr>
+          <a:lstStyle/>
+          <a:p>
+            <a:r>
+              <a:rPr lang="en-US" sz="2400" dirty="0">
+                <a:solidFill>
+                  <a:schemeClr val="accent5">
+                    <a:lumMod val="20000"/>
+                    <a:lumOff val="80000"/>
+                  </a:schemeClr>
+                </a:solidFill>
+                <a:latin typeface="Times New Roman" panose="02020603050405020304" pitchFamily="18" charset="0"/>
+                <a:cs typeface="Times New Roman" panose="02020603050405020304" pitchFamily="18" charset="0"/>
+              </a:rPr>
+              <a:t>Creating a node for B-Tree</a:t>
+            </a:r>
           </a:p>
         </p:txBody>
       </p:sp>
     </p:spTree>
     <p:extLst>
       <p:ext uri="{BB962C8B-B14F-4D97-AF65-F5344CB8AC3E}">
-        <p14:creationId xmlns:p14="http://schemas.microsoft.com/office/powerpoint/2010/main" val="1307328213"/>
+        <p14:creationId xmlns:p14="http://schemas.microsoft.com/office/powerpoint/2010/main" val="1892487261"/>
       </p:ext>
     </p:extLst>
   </p:cSld>
@@ -14701,10 +15320,149 @@
       </p:grpSpPr>
       <p:sp>
         <p:nvSpPr>
+          <p:cNvPr id="4" name="Rectangle 3">
+            <a:extLst>
+              <a:ext uri="{FF2B5EF4-FFF2-40B4-BE49-F238E27FC236}">
+                <a16:creationId xmlns:a16="http://schemas.microsoft.com/office/drawing/2014/main" id="{5B5E886E-0CAC-BE0F-4F45-EDC87ABA214E}"/>
+              </a:ext>
+            </a:extLst>
+          </p:cNvPr>
+          <p:cNvSpPr/>
+          <p:nvPr/>
+        </p:nvSpPr>
+        <p:spPr>
+          <a:xfrm>
+            <a:off x="1732729" y="1416121"/>
+            <a:ext cx="5678542" cy="923330"/>
+          </a:xfrm>
+          <a:prstGeom prst="rect">
+            <a:avLst/>
+          </a:prstGeom>
+          <a:noFill/>
+        </p:spPr>
+        <p:txBody>
+          <a:bodyPr wrap="none" lIns="91440" tIns="45720" rIns="91440" bIns="45720">
+            <a:spAutoFit/>
+          </a:bodyPr>
+          <a:lstStyle/>
+          <a:p>
+            <a:pPr algn="ctr"/>
+            <a:r>
+              <a:rPr lang="en-US" sz="5400" b="1" cap="none" spc="50" dirty="0">
+                <a:ln w="9525" cmpd="sng">
+                  <a:solidFill>
+                    <a:schemeClr val="accent1"/>
+                  </a:solidFill>
+                  <a:prstDash val="solid"/>
+                </a:ln>
+                <a:solidFill>
+                  <a:srgbClr val="70AD47">
+                    <a:tint val="1000"/>
+                  </a:srgbClr>
+                </a:solidFill>
+                <a:effectLst>
+                  <a:glow rad="38100">
+                    <a:schemeClr val="accent1">
+                      <a:alpha val="40000"/>
+                    </a:schemeClr>
+                  </a:glow>
+                </a:effectLst>
+              </a:rPr>
+              <a:t>MAIN OPERATION:</a:t>
+            </a:r>
+          </a:p>
+        </p:txBody>
+      </p:sp>
+      <p:sp>
+        <p:nvSpPr>
+          <p:cNvPr id="5" name="Rectangle 4">
+            <a:extLst>
+              <a:ext uri="{FF2B5EF4-FFF2-40B4-BE49-F238E27FC236}">
+                <a16:creationId xmlns:a16="http://schemas.microsoft.com/office/drawing/2014/main" id="{6483EE76-B40A-1F5E-9ADC-CF7FC05EDFA5}"/>
+              </a:ext>
+            </a:extLst>
+          </p:cNvPr>
+          <p:cNvSpPr/>
+          <p:nvPr/>
+        </p:nvSpPr>
+        <p:spPr>
+          <a:xfrm>
+            <a:off x="2399353" y="2342385"/>
+            <a:ext cx="4018729" cy="923330"/>
+          </a:xfrm>
+          <a:prstGeom prst="rect">
+            <a:avLst/>
+          </a:prstGeom>
+          <a:noFill/>
+        </p:spPr>
+        <p:txBody>
+          <a:bodyPr wrap="none" lIns="91440" tIns="45720" rIns="91440" bIns="45720">
+            <a:spAutoFit/>
+            <a:scene3d>
+              <a:camera prst="orthographicFront"/>
+              <a:lightRig rig="harsh" dir="t"/>
+            </a:scene3d>
+            <a:sp3d extrusionH="57150" prstMaterial="matte">
+              <a:bevelT w="63500" h="12700" prst="angle"/>
+              <a:contourClr>
+                <a:schemeClr val="bg1">
+                  <a:lumMod val="65000"/>
+                </a:schemeClr>
+              </a:contourClr>
+            </a:sp3d>
+          </a:bodyPr>
+          <a:lstStyle/>
+          <a:p>
+            <a:pPr algn="ctr"/>
+            <a:r>
+              <a:rPr lang="en-US" sz="5400" b="1" cap="none" spc="0" dirty="0">
+                <a:ln/>
+                <a:solidFill>
+                  <a:schemeClr val="accent3"/>
+                </a:solidFill>
+                <a:effectLst/>
+              </a:rPr>
+              <a:t>1. INSERTION</a:t>
+            </a:r>
+          </a:p>
+        </p:txBody>
+      </p:sp>
+    </p:spTree>
+    <p:extLst>
+      <p:ext uri="{BB962C8B-B14F-4D97-AF65-F5344CB8AC3E}">
+        <p14:creationId xmlns:p14="http://schemas.microsoft.com/office/powerpoint/2010/main" val="1307328213"/>
+      </p:ext>
+    </p:extLst>
+  </p:cSld>
+  <p:clrMapOvr>
+    <a:masterClrMapping/>
+  </p:clrMapOvr>
+</p:sld>
+</file>
+
+<file path=ppt/slides/slide25.xml><?xml version="1.0" encoding="utf-8"?>
+<p:sld xmlns:a="http://schemas.openxmlformats.org/drawingml/2006/main" xmlns:r="http://schemas.openxmlformats.org/officeDocument/2006/relationships" xmlns:p="http://schemas.openxmlformats.org/presentationml/2006/main">
+  <p:cSld>
+    <p:spTree>
+      <p:nvGrpSpPr>
+        <p:cNvPr id="1" name=""/>
+        <p:cNvGrpSpPr/>
+        <p:nvPr/>
+      </p:nvGrpSpPr>
+      <p:grpSpPr>
+        <a:xfrm>
+          <a:off x="0" y="0"/>
+          <a:ext cx="0" cy="0"/>
+          <a:chOff x="0" y="0"/>
+          <a:chExt cx="0" cy="0"/>
+        </a:xfrm>
+      </p:grpSpPr>
+      <p:sp>
+        <p:nvSpPr>
           <p:cNvPr id="2" name="Title 1">
             <a:extLst>
               <a:ext uri="{FF2B5EF4-FFF2-40B4-BE49-F238E27FC236}">
-                <a16:creationId xmlns:a16="http://schemas.microsoft.com/office/drawing/2014/main" id="{070B01F1-5B30-4099-9FA4-25A75F0DF9A2}"/>
+                <a16:creationId xmlns:a16="http://schemas.microsoft.com/office/drawing/2014/main" id="{15060578-1400-9E32-5DF2-84A064D55055}"/>
               </a:ext>
             </a:extLst>
           </p:cNvPr>
@@ -14715,49 +15473,111 @@
             <p:ph type="title"/>
           </p:nvPr>
         </p:nvSpPr>
-        <p:spPr/>
+        <p:spPr>
+          <a:xfrm>
+            <a:off x="1813959" y="0"/>
+            <a:ext cx="6805594" cy="725349"/>
+          </a:xfrm>
+        </p:spPr>
         <p:txBody>
-          <a:bodyPr/>
+          <a:bodyPr>
+            <a:normAutofit fontScale="90000"/>
+          </a:bodyPr>
           <a:lstStyle/>
           <a:p>
-            <a:endParaRPr lang="en-US" dirty="0"/>
+            <a:r>
+              <a:rPr lang="en-US" b="1" dirty="0">
+                <a:effectLst/>
+              </a:rPr>
+              <a:t>ADDITIONAL FUNCTION IN INSERTION</a:t>
+            </a:r>
           </a:p>
         </p:txBody>
       </p:sp>
       <p:sp>
         <p:nvSpPr>
-          <p:cNvPr id="3" name="Text Placeholder 2">
+          <p:cNvPr id="4" name="Rectangle 3">
             <a:extLst>
               <a:ext uri="{FF2B5EF4-FFF2-40B4-BE49-F238E27FC236}">
-                <a16:creationId xmlns:a16="http://schemas.microsoft.com/office/drawing/2014/main" id="{C247F362-A59E-40E7-9473-45994769BEE6}"/>
+                <a16:creationId xmlns:a16="http://schemas.microsoft.com/office/drawing/2014/main" id="{FE0DF1DB-450A-98DF-BCD6-154E55A98F4E}"/>
               </a:ext>
             </a:extLst>
           </p:cNvPr>
-          <p:cNvSpPr>
-            <a:spLocks noGrp="1"/>
-          </p:cNvSpPr>
-          <p:nvPr>
-            <p:ph type="body" idx="1"/>
-          </p:nvPr>
+          <p:cNvSpPr/>
+          <p:nvPr/>
         </p:nvSpPr>
         <p:spPr>
           <a:xfrm>
-            <a:off x="722313" y="417144"/>
-            <a:ext cx="7772400" cy="1125140"/>
+            <a:off x="1620526" y="1694587"/>
+            <a:ext cx="3387976" cy="1754326"/>
           </a:xfrm>
+          <a:prstGeom prst="rect">
+            <a:avLst/>
+          </a:prstGeom>
+          <a:noFill/>
         </p:spPr>
         <p:txBody>
-          <a:bodyPr/>
+          <a:bodyPr wrap="square" lIns="91440" tIns="45720" rIns="91440" bIns="45720">
+            <a:spAutoFit/>
+            <a:scene3d>
+              <a:camera prst="orthographicFront"/>
+              <a:lightRig rig="soft" dir="t">
+                <a:rot lat="0" lon="0" rev="15600000"/>
+              </a:lightRig>
+            </a:scene3d>
+            <a:sp3d extrusionH="57150" prstMaterial="softEdge">
+              <a:bevelT w="25400" h="38100"/>
+            </a:sp3d>
+          </a:bodyPr>
           <a:lstStyle/>
           <a:p>
-            <a:endParaRPr lang="en-US" dirty="0"/>
+            <a:pPr algn="ctr"/>
+            <a:r>
+              <a:rPr lang="en-US" sz="5400" b="1" cap="none" spc="0" dirty="0">
+                <a:ln/>
+                <a:solidFill>
+                  <a:schemeClr val="accent4"/>
+                </a:solidFill>
+                <a:effectLst/>
+              </a:rPr>
+              <a:t>Split children</a:t>
+            </a:r>
           </a:p>
         </p:txBody>
       </p:sp>
+      <p:pic>
+        <p:nvPicPr>
+          <p:cNvPr id="5" name="Picture 4">
+            <a:extLst>
+              <a:ext uri="{FF2B5EF4-FFF2-40B4-BE49-F238E27FC236}">
+                <a16:creationId xmlns:a16="http://schemas.microsoft.com/office/drawing/2014/main" id="{F0ED6C71-AF34-F8CD-7E70-34F108BE8B53}"/>
+              </a:ext>
+            </a:extLst>
+          </p:cNvPr>
+          <p:cNvPicPr>
+            <a:picLocks noChangeAspect="1"/>
+          </p:cNvPicPr>
+          <p:nvPr/>
+        </p:nvPicPr>
+        <p:blipFill rotWithShape="1">
+          <a:blip r:embed="rId2"/>
+          <a:srcRect l="1" r="23572"/>
+          <a:stretch/>
+        </p:blipFill>
+        <p:spPr>
+          <a:xfrm>
+            <a:off x="4815068" y="725349"/>
+            <a:ext cx="4023360" cy="4362450"/>
+          </a:xfrm>
+          <a:prstGeom prst="rect">
+            <a:avLst/>
+          </a:prstGeom>
+        </p:spPr>
+      </p:pic>
     </p:spTree>
     <p:extLst>
       <p:ext uri="{BB962C8B-B14F-4D97-AF65-F5344CB8AC3E}">
-        <p14:creationId xmlns:p14="http://schemas.microsoft.com/office/powerpoint/2010/main" val="1892487261"/>
+        <p14:creationId xmlns:p14="http://schemas.microsoft.com/office/powerpoint/2010/main" val="3893940090"/>
       </p:ext>
     </p:extLst>
   </p:cSld>
@@ -14767,7 +15587,720 @@
 </p:sld>
 </file>
 
-<file path=ppt/slides/slide25.xml><?xml version="1.0" encoding="utf-8"?>
+<file path=ppt/slides/slide26.xml><?xml version="1.0" encoding="utf-8"?>
+<p:sld xmlns:a="http://schemas.openxmlformats.org/drawingml/2006/main" xmlns:r="http://schemas.openxmlformats.org/officeDocument/2006/relationships" xmlns:p="http://schemas.openxmlformats.org/presentationml/2006/main">
+  <p:cSld>
+    <p:spTree>
+      <p:nvGrpSpPr>
+        <p:cNvPr id="1" name=""/>
+        <p:cNvGrpSpPr/>
+        <p:nvPr/>
+      </p:nvGrpSpPr>
+      <p:grpSpPr>
+        <a:xfrm>
+          <a:off x="0" y="0"/>
+          <a:ext cx="0" cy="0"/>
+          <a:chOff x="0" y="0"/>
+          <a:chExt cx="0" cy="0"/>
+        </a:xfrm>
+      </p:grpSpPr>
+      <p:sp>
+        <p:nvSpPr>
+          <p:cNvPr id="2" name="Title 1">
+            <a:extLst>
+              <a:ext uri="{FF2B5EF4-FFF2-40B4-BE49-F238E27FC236}">
+                <a16:creationId xmlns:a16="http://schemas.microsoft.com/office/drawing/2014/main" id="{15060578-1400-9E32-5DF2-84A064D55055}"/>
+              </a:ext>
+            </a:extLst>
+          </p:cNvPr>
+          <p:cNvSpPr>
+            <a:spLocks noGrp="1"/>
+          </p:cNvSpPr>
+          <p:nvPr>
+            <p:ph type="title"/>
+          </p:nvPr>
+        </p:nvSpPr>
+        <p:spPr>
+          <a:xfrm>
+            <a:off x="1813959" y="0"/>
+            <a:ext cx="6805594" cy="725349"/>
+          </a:xfrm>
+        </p:spPr>
+        <p:txBody>
+          <a:bodyPr>
+            <a:normAutofit fontScale="90000"/>
+          </a:bodyPr>
+          <a:lstStyle/>
+          <a:p>
+            <a:r>
+              <a:rPr lang="en-US" b="1" dirty="0">
+                <a:effectLst/>
+              </a:rPr>
+              <a:t>ADDITIONAL FUNCTION IN INSERTION</a:t>
+            </a:r>
+          </a:p>
+        </p:txBody>
+      </p:sp>
+      <p:pic>
+        <p:nvPicPr>
+          <p:cNvPr id="5" name="Picture 4">
+            <a:extLst>
+              <a:ext uri="{FF2B5EF4-FFF2-40B4-BE49-F238E27FC236}">
+                <a16:creationId xmlns:a16="http://schemas.microsoft.com/office/drawing/2014/main" id="{F0ED6C71-AF34-F8CD-7E70-34F108BE8B53}"/>
+              </a:ext>
+            </a:extLst>
+          </p:cNvPr>
+          <p:cNvPicPr>
+            <a:picLocks noChangeAspect="1"/>
+          </p:cNvPicPr>
+          <p:nvPr/>
+        </p:nvPicPr>
+        <p:blipFill rotWithShape="1">
+          <a:blip r:embed="rId2"/>
+          <a:srcRect l="1" r="23572"/>
+          <a:stretch/>
+        </p:blipFill>
+        <p:spPr>
+          <a:xfrm>
+            <a:off x="4815068" y="725349"/>
+            <a:ext cx="4023360" cy="4362450"/>
+          </a:xfrm>
+          <a:prstGeom prst="rect">
+            <a:avLst/>
+          </a:prstGeom>
+        </p:spPr>
+      </p:pic>
+      <p:sp>
+        <p:nvSpPr>
+          <p:cNvPr id="6" name="TextBox 5">
+            <a:extLst>
+              <a:ext uri="{FF2B5EF4-FFF2-40B4-BE49-F238E27FC236}">
+                <a16:creationId xmlns:a16="http://schemas.microsoft.com/office/drawing/2014/main" id="{9E6FC55D-3D8E-F9C3-F9D0-4167B4E38C2E}"/>
+              </a:ext>
+            </a:extLst>
+          </p:cNvPr>
+          <p:cNvSpPr txBox="1"/>
+          <p:nvPr/>
+        </p:nvSpPr>
+        <p:spPr>
+          <a:xfrm>
+            <a:off x="1453243" y="1166171"/>
+            <a:ext cx="3361825" cy="3251980"/>
+          </a:xfrm>
+          <a:prstGeom prst="rect">
+            <a:avLst/>
+          </a:prstGeom>
+          <a:noFill/>
+        </p:spPr>
+        <p:txBody>
+          <a:bodyPr wrap="square">
+            <a:spAutoFit/>
+          </a:bodyPr>
+          <a:lstStyle/>
+          <a:p>
+            <a:pPr marL="342900" marR="0" lvl="0" indent="-342900" algn="just">
+              <a:lnSpc>
+                <a:spcPct val="115000"/>
+              </a:lnSpc>
+              <a:spcBef>
+                <a:spcPts val="0"/>
+              </a:spcBef>
+              <a:spcAft>
+                <a:spcPts val="1200"/>
+              </a:spcAft>
+              <a:buFont typeface="Wingdings" panose="05000000000000000000" pitchFamily="2" charset="2"/>
+              <a:buChar char=""/>
+            </a:pPr>
+            <a:r>
+              <a:rPr lang="en-US" sz="1800" dirty="0">
+                <a:solidFill>
+                  <a:srgbClr val="212529"/>
+                </a:solidFill>
+                <a:effectLst/>
+                <a:latin typeface="Times New Roman" panose="02020603050405020304" pitchFamily="18" charset="0"/>
+                <a:ea typeface="Times New Roman" panose="02020603050405020304" pitchFamily="18" charset="0"/>
+              </a:rPr>
+              <a:t>In this function, a child of a parent node name </a:t>
+            </a:r>
+            <a:r>
+              <a:rPr lang="en-US" sz="1800" b="1" i="1" dirty="0">
+                <a:solidFill>
+                  <a:srgbClr val="212529"/>
+                </a:solidFill>
+                <a:effectLst/>
+                <a:latin typeface="Times New Roman" panose="02020603050405020304" pitchFamily="18" charset="0"/>
+                <a:ea typeface="Times New Roman" panose="02020603050405020304" pitchFamily="18" charset="0"/>
+              </a:rPr>
+              <a:t>y</a:t>
+            </a:r>
+            <a:r>
+              <a:rPr lang="en-US" sz="1800" dirty="0">
+                <a:solidFill>
+                  <a:srgbClr val="212529"/>
+                </a:solidFill>
+                <a:effectLst/>
+                <a:latin typeface="Times New Roman" panose="02020603050405020304" pitchFamily="18" charset="0"/>
+                <a:ea typeface="Times New Roman" panose="02020603050405020304" pitchFamily="18" charset="0"/>
+              </a:rPr>
+              <a:t> will be split out to 2 children, the first child have the keys from the first key to </a:t>
+            </a:r>
+            <a:r>
+              <a:rPr lang="en-US" sz="1800" dirty="0" err="1">
+                <a:solidFill>
+                  <a:srgbClr val="212529"/>
+                </a:solidFill>
+                <a:effectLst/>
+                <a:latin typeface="Times New Roman" panose="02020603050405020304" pitchFamily="18" charset="0"/>
+                <a:ea typeface="Times New Roman" panose="02020603050405020304" pitchFamily="18" charset="0"/>
+              </a:rPr>
+              <a:t>i</a:t>
+            </a:r>
+            <a:r>
+              <a:rPr lang="en-US" sz="1800" baseline="30000" dirty="0" err="1">
+                <a:solidFill>
+                  <a:srgbClr val="212529"/>
+                </a:solidFill>
+                <a:effectLst/>
+                <a:latin typeface="Times New Roman" panose="02020603050405020304" pitchFamily="18" charset="0"/>
+                <a:ea typeface="Times New Roman" panose="02020603050405020304" pitchFamily="18" charset="0"/>
+              </a:rPr>
+              <a:t>th</a:t>
+            </a:r>
+            <a:r>
+              <a:rPr lang="en-US" sz="1800" dirty="0">
+                <a:solidFill>
+                  <a:srgbClr val="212529"/>
+                </a:solidFill>
+                <a:effectLst/>
+                <a:latin typeface="Times New Roman" panose="02020603050405020304" pitchFamily="18" charset="0"/>
+                <a:ea typeface="Times New Roman" panose="02020603050405020304" pitchFamily="18" charset="0"/>
+              </a:rPr>
+              <a:t> key of the previous child, and the remaining child will have the other keys, and them both connect to the parent of node </a:t>
+            </a:r>
+            <a:r>
+              <a:rPr lang="en-US" sz="1800" b="1" i="1" dirty="0">
+                <a:solidFill>
+                  <a:srgbClr val="212529"/>
+                </a:solidFill>
+                <a:effectLst/>
+                <a:latin typeface="Times New Roman" panose="02020603050405020304" pitchFamily="18" charset="0"/>
+                <a:ea typeface="Times New Roman" panose="02020603050405020304" pitchFamily="18" charset="0"/>
+              </a:rPr>
+              <a:t>y</a:t>
+            </a:r>
+            <a:r>
+              <a:rPr lang="en-US" sz="1800" dirty="0">
+                <a:solidFill>
+                  <a:srgbClr val="212529"/>
+                </a:solidFill>
+                <a:effectLst/>
+                <a:latin typeface="Times New Roman" panose="02020603050405020304" pitchFamily="18" charset="0"/>
+                <a:ea typeface="Times New Roman" panose="02020603050405020304" pitchFamily="18" charset="0"/>
+              </a:rPr>
+              <a:t> in the function .</a:t>
+            </a:r>
+            <a:endParaRPr lang="en-US" sz="1400" dirty="0">
+              <a:effectLst/>
+              <a:latin typeface="Arial" panose="020B0604020202020204" pitchFamily="34" charset="0"/>
+              <a:ea typeface="Arial" panose="020B0604020202020204" pitchFamily="34" charset="0"/>
+            </a:endParaRPr>
+          </a:p>
+        </p:txBody>
+      </p:sp>
+    </p:spTree>
+    <p:extLst>
+      <p:ext uri="{BB962C8B-B14F-4D97-AF65-F5344CB8AC3E}">
+        <p14:creationId xmlns:p14="http://schemas.microsoft.com/office/powerpoint/2010/main" val="1618220531"/>
+      </p:ext>
+    </p:extLst>
+  </p:cSld>
+  <p:clrMapOvr>
+    <a:masterClrMapping/>
+  </p:clrMapOvr>
+</p:sld>
+</file>
+
+<file path=ppt/slides/slide27.xml><?xml version="1.0" encoding="utf-8"?>
+<p:sld xmlns:a="http://schemas.openxmlformats.org/drawingml/2006/main" xmlns:r="http://schemas.openxmlformats.org/officeDocument/2006/relationships" xmlns:p="http://schemas.openxmlformats.org/presentationml/2006/main">
+  <p:cSld>
+    <p:spTree>
+      <p:nvGrpSpPr>
+        <p:cNvPr id="1" name=""/>
+        <p:cNvGrpSpPr/>
+        <p:nvPr/>
+      </p:nvGrpSpPr>
+      <p:grpSpPr>
+        <a:xfrm>
+          <a:off x="0" y="0"/>
+          <a:ext cx="0" cy="0"/>
+          <a:chOff x="0" y="0"/>
+          <a:chExt cx="0" cy="0"/>
+        </a:xfrm>
+      </p:grpSpPr>
+      <p:sp>
+        <p:nvSpPr>
+          <p:cNvPr id="2" name="Title 1">
+            <a:extLst>
+              <a:ext uri="{FF2B5EF4-FFF2-40B4-BE49-F238E27FC236}">
+                <a16:creationId xmlns:a16="http://schemas.microsoft.com/office/drawing/2014/main" id="{D9A29F15-913A-A5DD-8C00-9912BC57330C}"/>
+              </a:ext>
+            </a:extLst>
+          </p:cNvPr>
+          <p:cNvSpPr>
+            <a:spLocks noGrp="1"/>
+          </p:cNvSpPr>
+          <p:nvPr>
+            <p:ph type="title"/>
+          </p:nvPr>
+        </p:nvSpPr>
+        <p:spPr>
+          <a:xfrm>
+            <a:off x="2253343" y="324894"/>
+            <a:ext cx="6466113" cy="725349"/>
+          </a:xfrm>
+        </p:spPr>
+        <p:txBody>
+          <a:bodyPr>
+            <a:noAutofit/>
+          </a:bodyPr>
+          <a:lstStyle/>
+          <a:p>
+            <a:r>
+              <a:rPr lang="en-US" sz="4800" b="1" dirty="0">
+                <a:effectLst/>
+              </a:rPr>
+              <a:t>VISION FOR FUNCTION</a:t>
+            </a:r>
+          </a:p>
+        </p:txBody>
+      </p:sp>
+      <p:sp>
+        <p:nvSpPr>
+          <p:cNvPr id="4" name="Rectangle 3">
+            <a:extLst>
+              <a:ext uri="{FF2B5EF4-FFF2-40B4-BE49-F238E27FC236}">
+                <a16:creationId xmlns:a16="http://schemas.microsoft.com/office/drawing/2014/main" id="{C592B247-08C4-86F9-FF6A-9088CBFAADC2}"/>
+              </a:ext>
+            </a:extLst>
+          </p:cNvPr>
+          <p:cNvSpPr/>
+          <p:nvPr/>
+        </p:nvSpPr>
+        <p:spPr>
+          <a:xfrm>
+            <a:off x="2865666" y="2147207"/>
+            <a:ext cx="1102178" cy="987878"/>
+          </a:xfrm>
+          <a:prstGeom prst="rect">
+            <a:avLst/>
+          </a:prstGeom>
+          <a:solidFill>
+            <a:schemeClr val="bg1"/>
+          </a:solidFill>
+        </p:spPr>
+        <p:style>
+          <a:lnRef idx="2">
+            <a:schemeClr val="accent1">
+              <a:shade val="50000"/>
+            </a:schemeClr>
+          </a:lnRef>
+          <a:fillRef idx="1">
+            <a:schemeClr val="accent1"/>
+          </a:fillRef>
+          <a:effectRef idx="0">
+            <a:schemeClr val="accent1"/>
+          </a:effectRef>
+          <a:fontRef idx="minor">
+            <a:schemeClr val="lt1"/>
+          </a:fontRef>
+        </p:style>
+        <p:txBody>
+          <a:bodyPr rtlCol="0" anchor="ctr"/>
+          <a:lstStyle/>
+          <a:p>
+            <a:pPr algn="ctr"/>
+            <a:r>
+              <a:rPr lang="en-US" sz="3600" dirty="0">
+                <a:solidFill>
+                  <a:schemeClr val="tx1"/>
+                </a:solidFill>
+              </a:rPr>
+              <a:t>12</a:t>
+            </a:r>
+            <a:endParaRPr lang="en-US" dirty="0">
+              <a:solidFill>
+                <a:schemeClr val="tx1"/>
+              </a:solidFill>
+            </a:endParaRPr>
+          </a:p>
+        </p:txBody>
+      </p:sp>
+      <p:sp>
+        <p:nvSpPr>
+          <p:cNvPr id="5" name="Rectangle 4">
+            <a:extLst>
+              <a:ext uri="{FF2B5EF4-FFF2-40B4-BE49-F238E27FC236}">
+                <a16:creationId xmlns:a16="http://schemas.microsoft.com/office/drawing/2014/main" id="{36DC2C8F-ABC9-790A-B2AB-F237136F25D4}"/>
+              </a:ext>
+            </a:extLst>
+          </p:cNvPr>
+          <p:cNvSpPr/>
+          <p:nvPr/>
+        </p:nvSpPr>
+        <p:spPr>
+          <a:xfrm>
+            <a:off x="3967844" y="2147207"/>
+            <a:ext cx="1102178" cy="987878"/>
+          </a:xfrm>
+          <a:prstGeom prst="rect">
+            <a:avLst/>
+          </a:prstGeom>
+          <a:solidFill>
+            <a:schemeClr val="bg1"/>
+          </a:solidFill>
+        </p:spPr>
+        <p:style>
+          <a:lnRef idx="2">
+            <a:schemeClr val="accent1">
+              <a:shade val="50000"/>
+            </a:schemeClr>
+          </a:lnRef>
+          <a:fillRef idx="1">
+            <a:schemeClr val="accent1"/>
+          </a:fillRef>
+          <a:effectRef idx="0">
+            <a:schemeClr val="accent1"/>
+          </a:effectRef>
+          <a:fontRef idx="minor">
+            <a:schemeClr val="lt1"/>
+          </a:fontRef>
+        </p:style>
+        <p:txBody>
+          <a:bodyPr rtlCol="0" anchor="ctr"/>
+          <a:lstStyle/>
+          <a:p>
+            <a:pPr algn="ctr"/>
+            <a:r>
+              <a:rPr lang="en-US" sz="3600" dirty="0">
+                <a:solidFill>
+                  <a:schemeClr val="tx1"/>
+                </a:solidFill>
+              </a:rPr>
+              <a:t>26</a:t>
+            </a:r>
+          </a:p>
+        </p:txBody>
+      </p:sp>
+      <p:sp>
+        <p:nvSpPr>
+          <p:cNvPr id="6" name="Rectangle 5">
+            <a:extLst>
+              <a:ext uri="{FF2B5EF4-FFF2-40B4-BE49-F238E27FC236}">
+                <a16:creationId xmlns:a16="http://schemas.microsoft.com/office/drawing/2014/main" id="{62CCDD39-098D-BEB9-4D2F-F753BF4433BB}"/>
+              </a:ext>
+            </a:extLst>
+          </p:cNvPr>
+          <p:cNvSpPr/>
+          <p:nvPr/>
+        </p:nvSpPr>
+        <p:spPr>
+          <a:xfrm>
+            <a:off x="5070022" y="2147207"/>
+            <a:ext cx="1102178" cy="987878"/>
+          </a:xfrm>
+          <a:prstGeom prst="rect">
+            <a:avLst/>
+          </a:prstGeom>
+          <a:solidFill>
+            <a:schemeClr val="bg1"/>
+          </a:solidFill>
+        </p:spPr>
+        <p:style>
+          <a:lnRef idx="2">
+            <a:schemeClr val="accent1">
+              <a:shade val="50000"/>
+            </a:schemeClr>
+          </a:lnRef>
+          <a:fillRef idx="1">
+            <a:schemeClr val="accent1"/>
+          </a:fillRef>
+          <a:effectRef idx="0">
+            <a:schemeClr val="accent1"/>
+          </a:effectRef>
+          <a:fontRef idx="minor">
+            <a:schemeClr val="lt1"/>
+          </a:fontRef>
+        </p:style>
+        <p:txBody>
+          <a:bodyPr rtlCol="0" anchor="ctr"/>
+          <a:lstStyle/>
+          <a:p>
+            <a:pPr algn="ctr"/>
+            <a:r>
+              <a:rPr lang="en-US" sz="3600" dirty="0">
+                <a:solidFill>
+                  <a:schemeClr val="tx1"/>
+                </a:solidFill>
+              </a:rPr>
+              <a:t>40</a:t>
+            </a:r>
+          </a:p>
+        </p:txBody>
+      </p:sp>
+      <p:sp>
+        <p:nvSpPr>
+          <p:cNvPr id="7" name="Rectangle 6">
+            <a:extLst>
+              <a:ext uri="{FF2B5EF4-FFF2-40B4-BE49-F238E27FC236}">
+                <a16:creationId xmlns:a16="http://schemas.microsoft.com/office/drawing/2014/main" id="{ED183926-DC26-ECDC-18F5-D41B378713FC}"/>
+              </a:ext>
+            </a:extLst>
+          </p:cNvPr>
+          <p:cNvSpPr/>
+          <p:nvPr/>
+        </p:nvSpPr>
+        <p:spPr>
+          <a:xfrm>
+            <a:off x="6172200" y="2147207"/>
+            <a:ext cx="1102178" cy="987878"/>
+          </a:xfrm>
+          <a:prstGeom prst="rect">
+            <a:avLst/>
+          </a:prstGeom>
+          <a:solidFill>
+            <a:schemeClr val="bg1"/>
+          </a:solidFill>
+        </p:spPr>
+        <p:style>
+          <a:lnRef idx="2">
+            <a:schemeClr val="accent1">
+              <a:shade val="50000"/>
+            </a:schemeClr>
+          </a:lnRef>
+          <a:fillRef idx="1">
+            <a:schemeClr val="accent1"/>
+          </a:fillRef>
+          <a:effectRef idx="0">
+            <a:schemeClr val="accent1"/>
+          </a:effectRef>
+          <a:fontRef idx="minor">
+            <a:schemeClr val="lt1"/>
+          </a:fontRef>
+        </p:style>
+        <p:txBody>
+          <a:bodyPr rtlCol="0" anchor="ctr"/>
+          <a:lstStyle/>
+          <a:p>
+            <a:pPr algn="ctr"/>
+            <a:r>
+              <a:rPr lang="en-US" sz="3600" dirty="0">
+                <a:solidFill>
+                  <a:schemeClr val="tx1"/>
+                </a:solidFill>
+              </a:rPr>
+              <a:t>69</a:t>
+            </a:r>
+          </a:p>
+        </p:txBody>
+      </p:sp>
+      <p:sp>
+        <p:nvSpPr>
+          <p:cNvPr id="8" name="Rectangle 7">
+            <a:extLst>
+              <a:ext uri="{FF2B5EF4-FFF2-40B4-BE49-F238E27FC236}">
+                <a16:creationId xmlns:a16="http://schemas.microsoft.com/office/drawing/2014/main" id="{944A0491-9C17-1770-9BBC-4AC89F298C9F}"/>
+              </a:ext>
+            </a:extLst>
+          </p:cNvPr>
+          <p:cNvSpPr/>
+          <p:nvPr/>
+        </p:nvSpPr>
+        <p:spPr>
+          <a:xfrm>
+            <a:off x="7274378" y="2147207"/>
+            <a:ext cx="1102178" cy="987878"/>
+          </a:xfrm>
+          <a:prstGeom prst="rect">
+            <a:avLst/>
+          </a:prstGeom>
+          <a:solidFill>
+            <a:schemeClr val="bg1"/>
+          </a:solidFill>
+        </p:spPr>
+        <p:style>
+          <a:lnRef idx="2">
+            <a:schemeClr val="accent1">
+              <a:shade val="50000"/>
+            </a:schemeClr>
+          </a:lnRef>
+          <a:fillRef idx="1">
+            <a:schemeClr val="accent1"/>
+          </a:fillRef>
+          <a:effectRef idx="0">
+            <a:schemeClr val="accent1"/>
+          </a:effectRef>
+          <a:fontRef idx="minor">
+            <a:schemeClr val="lt1"/>
+          </a:fontRef>
+        </p:style>
+        <p:txBody>
+          <a:bodyPr rtlCol="0" anchor="ctr"/>
+          <a:lstStyle/>
+          <a:p>
+            <a:pPr algn="ctr"/>
+            <a:r>
+              <a:rPr lang="en-US" sz="3600" dirty="0">
+                <a:solidFill>
+                  <a:schemeClr val="tx1"/>
+                </a:solidFill>
+              </a:rPr>
+              <a:t>98</a:t>
+            </a:r>
+          </a:p>
+        </p:txBody>
+      </p:sp>
+    </p:spTree>
+    <p:extLst>
+      <p:ext uri="{BB962C8B-B14F-4D97-AF65-F5344CB8AC3E}">
+        <p14:creationId xmlns:p14="http://schemas.microsoft.com/office/powerpoint/2010/main" val="1766436090"/>
+      </p:ext>
+    </p:extLst>
+  </p:cSld>
+  <p:clrMapOvr>
+    <a:masterClrMapping/>
+  </p:clrMapOvr>
+  <mc:AlternateContent xmlns:mc="http://schemas.openxmlformats.org/markup-compatibility/2006">
+    <mc:Choice xmlns:p159="http://schemas.microsoft.com/office/powerpoint/2015/09/main" Requires="p159">
+      <p:transition xmlns:p14="http://schemas.microsoft.com/office/powerpoint/2010/main" spd="slow" p14:dur="2000">
+        <p159:morph option="byObject"/>
+      </p:transition>
+    </mc:Choice>
+    <mc:Fallback>
+      <p:transition spd="slow">
+        <p:fade/>
+      </p:transition>
+    </mc:Fallback>
+  </mc:AlternateContent>
+  <p:timing>
+    <p:tnLst>
+      <p:par>
+        <p:cTn id="1" dur="indefinite" restart="never" nodeType="tmRoot">
+          <p:childTnLst>
+            <p:seq concurrent="1" nextAc="seek">
+              <p:cTn id="2" dur="indefinite" nodeType="mainSeq">
+                <p:childTnLst>
+                  <p:par>
+                    <p:cTn id="3" fill="hold">
+                      <p:stCondLst>
+                        <p:cond delay="indefinite"/>
+                      </p:stCondLst>
+                      <p:childTnLst>
+                        <p:par>
+                          <p:cTn id="4" fill="hold">
+                            <p:stCondLst>
+                              <p:cond delay="0"/>
+                            </p:stCondLst>
+                            <p:childTnLst>
+                              <p:par>
+                                <p:cTn id="5" presetID="35" presetClass="path" presetSubtype="0" accel="50000" decel="50000" fill="hold" grpId="0" nodeType="clickEffect">
+                                  <p:stCondLst>
+                                    <p:cond delay="0"/>
+                                  </p:stCondLst>
+                                  <p:childTnLst>
+                                    <p:animMotion origin="layout" path="M 0 0 L -0.25 0 E" pathEditMode="relative" ptsTypes="">
+                                      <p:cBhvr>
+                                        <p:cTn id="6" dur="2000" fill="hold"/>
+                                        <p:tgtEl>
+                                          <p:spTgt spid="4"/>
+                                        </p:tgtEl>
+                                        <p:attrNameLst>
+                                          <p:attrName>ppt_x</p:attrName>
+                                          <p:attrName>ppt_y</p:attrName>
+                                        </p:attrNameLst>
+                                      </p:cBhvr>
+                                    </p:animMotion>
+                                  </p:childTnLst>
+                                </p:cTn>
+                              </p:par>
+                              <p:par>
+                                <p:cTn id="7" presetID="35" presetClass="path" presetSubtype="0" accel="50000" decel="50000" fill="hold" grpId="0" nodeType="withEffect">
+                                  <p:stCondLst>
+                                    <p:cond delay="0"/>
+                                  </p:stCondLst>
+                                  <p:childTnLst>
+                                    <p:animMotion origin="layout" path="M 0 0 L -0.25 0 E" pathEditMode="relative" ptsTypes="">
+                                      <p:cBhvr>
+                                        <p:cTn id="8" dur="2000" fill="hold"/>
+                                        <p:tgtEl>
+                                          <p:spTgt spid="5"/>
+                                        </p:tgtEl>
+                                        <p:attrNameLst>
+                                          <p:attrName>ppt_x</p:attrName>
+                                          <p:attrName>ppt_y</p:attrName>
+                                        </p:attrNameLst>
+                                      </p:cBhvr>
+                                    </p:animMotion>
+                                  </p:childTnLst>
+                                </p:cTn>
+                              </p:par>
+                              <p:par>
+                                <p:cTn id="9" presetID="35" presetClass="path" presetSubtype="0" accel="50000" decel="50000" fill="hold" grpId="0" nodeType="withEffect">
+                                  <p:stCondLst>
+                                    <p:cond delay="0"/>
+                                  </p:stCondLst>
+                                  <p:childTnLst>
+                                    <p:animMotion origin="layout" path="M 0 0 L -0.25 0 E" pathEditMode="relative" ptsTypes="">
+                                      <p:cBhvr>
+                                        <p:cTn id="10" dur="2000" fill="hold"/>
+                                        <p:tgtEl>
+                                          <p:spTgt spid="6"/>
+                                        </p:tgtEl>
+                                        <p:attrNameLst>
+                                          <p:attrName>ppt_x</p:attrName>
+                                          <p:attrName>ppt_y</p:attrName>
+                                        </p:attrNameLst>
+                                      </p:cBhvr>
+                                    </p:animMotion>
+                                  </p:childTnLst>
+                                </p:cTn>
+                              </p:par>
+                            </p:childTnLst>
+                          </p:cTn>
+                        </p:par>
+                      </p:childTnLst>
+                    </p:cTn>
+                  </p:par>
+                </p:childTnLst>
+              </p:cTn>
+              <p:prevCondLst>
+                <p:cond evt="onPrev" delay="0">
+                  <p:tgtEl>
+                    <p:sldTgt/>
+                  </p:tgtEl>
+                </p:cond>
+              </p:prevCondLst>
+              <p:nextCondLst>
+                <p:cond evt="onNext" delay="0">
+                  <p:tgtEl>
+                    <p:sldTgt/>
+                  </p:tgtEl>
+                </p:cond>
+              </p:nextCondLst>
+            </p:seq>
+          </p:childTnLst>
+        </p:cTn>
+      </p:par>
+    </p:tnLst>
+    <p:bldLst>
+      <p:bldP spid="4" grpId="0" animBg="1"/>
+      <p:bldP spid="5" grpId="0" animBg="1"/>
+      <p:bldP spid="6" grpId="0" animBg="1"/>
+    </p:bldLst>
+  </p:timing>
+</p:sld>
+</file>
+
+<file path=ppt/slides/slide28.xml><?xml version="1.0" encoding="utf-8"?>
 <p:sld xmlns:a="http://schemas.openxmlformats.org/drawingml/2006/main" xmlns:r="http://schemas.openxmlformats.org/officeDocument/2006/relationships" xmlns:p="http://schemas.openxmlformats.org/presentationml/2006/main">
   <p:cSld>
     <p:spTree>
@@ -14862,7 +16395,7 @@
 </p:sld>
 </file>
 
-<file path=ppt/slides/slide26.xml><?xml version="1.0" encoding="utf-8"?>
+<file path=ppt/slides/slide29.xml><?xml version="1.0" encoding="utf-8"?>
 <p:sld xmlns:a="http://schemas.openxmlformats.org/drawingml/2006/main" xmlns:r="http://schemas.openxmlformats.org/officeDocument/2006/relationships" xmlns:p="http://schemas.openxmlformats.org/presentationml/2006/main">
   <p:cSld>
     <p:spTree>
@@ -15030,7 +16563,171 @@
 </p:sld>
 </file>
 
-<file path=ppt/slides/slide27.xml><?xml version="1.0" encoding="utf-8"?>
+<file path=ppt/slides/slide3.xml><?xml version="1.0" encoding="utf-8"?>
+<p:sld xmlns:a="http://schemas.openxmlformats.org/drawingml/2006/main" xmlns:r="http://schemas.openxmlformats.org/officeDocument/2006/relationships" xmlns:p="http://schemas.openxmlformats.org/presentationml/2006/main">
+  <p:cSld>
+    <p:spTree>
+      <p:nvGrpSpPr>
+        <p:cNvPr id="1" name=""/>
+        <p:cNvGrpSpPr/>
+        <p:nvPr/>
+      </p:nvGrpSpPr>
+      <p:grpSpPr>
+        <a:xfrm>
+          <a:off x="0" y="0"/>
+          <a:ext cx="0" cy="0"/>
+          <a:chOff x="0" y="0"/>
+          <a:chExt cx="0" cy="0"/>
+        </a:xfrm>
+      </p:grpSpPr>
+      <p:sp>
+        <p:nvSpPr>
+          <p:cNvPr id="2" name="Title 1"/>
+          <p:cNvSpPr>
+            <a:spLocks noGrp="1"/>
+          </p:cNvSpPr>
+          <p:nvPr>
+            <p:ph type="title"/>
+          </p:nvPr>
+        </p:nvSpPr>
+        <p:spPr>
+          <a:xfrm>
+            <a:off x="442451" y="645684"/>
+            <a:ext cx="8259098" cy="763526"/>
+          </a:xfrm>
+        </p:spPr>
+        <p:txBody>
+          <a:bodyPr>
+            <a:normAutofit/>
+          </a:bodyPr>
+          <a:lstStyle/>
+          <a:p>
+            <a:r>
+              <a:rPr lang="en-US" sz="4400" dirty="0"/>
+              <a:t>Revive:</a:t>
+            </a:r>
+          </a:p>
+        </p:txBody>
+      </p:sp>
+      <p:sp>
+        <p:nvSpPr>
+          <p:cNvPr id="6" name="TextBox 5">
+            <a:extLst>
+              <a:ext uri="{FF2B5EF4-FFF2-40B4-BE49-F238E27FC236}">
+                <a16:creationId xmlns:a16="http://schemas.microsoft.com/office/drawing/2014/main" id="{4029C48C-54A5-4C1E-8467-83CB296E88BD}"/>
+              </a:ext>
+            </a:extLst>
+          </p:cNvPr>
+          <p:cNvSpPr txBox="1"/>
+          <p:nvPr/>
+        </p:nvSpPr>
+        <p:spPr>
+          <a:xfrm>
+            <a:off x="930166" y="1734207"/>
+            <a:ext cx="7425558" cy="1569660"/>
+          </a:xfrm>
+          <a:prstGeom prst="rect">
+            <a:avLst/>
+          </a:prstGeom>
+          <a:noFill/>
+        </p:spPr>
+        <p:txBody>
+          <a:bodyPr wrap="square" rtlCol="0">
+            <a:spAutoFit/>
+          </a:bodyPr>
+          <a:lstStyle/>
+          <a:p>
+            <a:pPr rtl="0">
+              <a:spcBef>
+                <a:spcPts val="0"/>
+              </a:spcBef>
+              <a:spcAft>
+                <a:spcPts val="0"/>
+              </a:spcAft>
+            </a:pPr>
+            <a:r>
+              <a:rPr lang="en-US" sz="2400" b="0" i="0" u="none" strike="noStrike" dirty="0">
+                <a:solidFill>
+                  <a:srgbClr val="F3F3F3"/>
+                </a:solidFill>
+                <a:effectLst/>
+                <a:latin typeface="Times New Roman" panose="02020603050405020304" pitchFamily="18" charset="0"/>
+              </a:rPr>
+              <a:t>We already learned about linked list - A very useful data structure for coding, but they are sequential lists.</a:t>
+            </a:r>
+            <a:endParaRPr lang="en-US" sz="2400" b="0" dirty="0">
+              <a:effectLst/>
+            </a:endParaRPr>
+          </a:p>
+          <a:p>
+            <a:br>
+              <a:rPr lang="en-US" sz="2400" dirty="0"/>
+            </a:br>
+            <a:endParaRPr lang="en-US" sz="2400" dirty="0"/>
+          </a:p>
+        </p:txBody>
+      </p:sp>
+      <p:pic>
+        <p:nvPicPr>
+          <p:cNvPr id="3074" name="Picture 2">
+            <a:extLst>
+              <a:ext uri="{FF2B5EF4-FFF2-40B4-BE49-F238E27FC236}">
+                <a16:creationId xmlns:a16="http://schemas.microsoft.com/office/drawing/2014/main" id="{7D88FB34-D4C4-42D1-A06B-2500073C90F0}"/>
+              </a:ext>
+            </a:extLst>
+          </p:cNvPr>
+          <p:cNvPicPr>
+            <a:picLocks noChangeAspect="1" noChangeArrowheads="1"/>
+          </p:cNvPicPr>
+          <p:nvPr/>
+        </p:nvPicPr>
+        <p:blipFill>
+          <a:blip r:embed="rId2">
+            <a:extLst>
+              <a:ext uri="{28A0092B-C50C-407E-A947-70E740481C1C}">
+                <a14:useLocalDpi xmlns:a14="http://schemas.microsoft.com/office/drawing/2010/main" val="0"/>
+              </a:ext>
+            </a:extLst>
+          </a:blip>
+          <a:srcRect/>
+          <a:stretch>
+            <a:fillRect/>
+          </a:stretch>
+        </p:blipFill>
+        <p:spPr bwMode="auto">
+          <a:xfrm>
+            <a:off x="0" y="2933207"/>
+            <a:ext cx="9144000" cy="1246187"/>
+          </a:xfrm>
+          <a:prstGeom prst="rect">
+            <a:avLst/>
+          </a:prstGeom>
+          <a:noFill/>
+          <a:extLst>
+            <a:ext uri="{909E8E84-426E-40DD-AFC4-6F175D3DCCD1}">
+              <a14:hiddenFill xmlns:a14="http://schemas.microsoft.com/office/drawing/2010/main">
+                <a:solidFill>
+                  <a:srgbClr val="FFFFFF"/>
+                </a:solidFill>
+              </a14:hiddenFill>
+            </a:ext>
+          </a:extLst>
+        </p:spPr>
+      </p:pic>
+    </p:spTree>
+    <p:extLst>
+      <p:ext uri="{BB962C8B-B14F-4D97-AF65-F5344CB8AC3E}">
+        <p14:creationId xmlns:p14="http://schemas.microsoft.com/office/powerpoint/2010/main" val="4103309497"/>
+      </p:ext>
+    </p:extLst>
+  </p:cSld>
+  <p:clrMapOvr>
+    <a:masterClrMapping/>
+  </p:clrMapOvr>
+</p:sld>
+</file>
+
+<file path=ppt/slides/slide30.xml><?xml version="1.0" encoding="utf-8"?>
 <p:sld xmlns:a="http://schemas.openxmlformats.org/drawingml/2006/main" xmlns:r="http://schemas.openxmlformats.org/officeDocument/2006/relationships" xmlns:p="http://schemas.openxmlformats.org/presentationml/2006/main">
   <p:cSld>
     <p:spTree>
@@ -15094,170 +16791,6 @@
     <p:extLst>
       <p:ext uri="{BB962C8B-B14F-4D97-AF65-F5344CB8AC3E}">
         <p14:creationId xmlns:p14="http://schemas.microsoft.com/office/powerpoint/2010/main" val="109100692"/>
-      </p:ext>
-    </p:extLst>
-  </p:cSld>
-  <p:clrMapOvr>
-    <a:masterClrMapping/>
-  </p:clrMapOvr>
-</p:sld>
-</file>
-
-<file path=ppt/slides/slide3.xml><?xml version="1.0" encoding="utf-8"?>
-<p:sld xmlns:a="http://schemas.openxmlformats.org/drawingml/2006/main" xmlns:r="http://schemas.openxmlformats.org/officeDocument/2006/relationships" xmlns:p="http://schemas.openxmlformats.org/presentationml/2006/main">
-  <p:cSld>
-    <p:spTree>
-      <p:nvGrpSpPr>
-        <p:cNvPr id="1" name=""/>
-        <p:cNvGrpSpPr/>
-        <p:nvPr/>
-      </p:nvGrpSpPr>
-      <p:grpSpPr>
-        <a:xfrm>
-          <a:off x="0" y="0"/>
-          <a:ext cx="0" cy="0"/>
-          <a:chOff x="0" y="0"/>
-          <a:chExt cx="0" cy="0"/>
-        </a:xfrm>
-      </p:grpSpPr>
-      <p:sp>
-        <p:nvSpPr>
-          <p:cNvPr id="2" name="Title 1"/>
-          <p:cNvSpPr>
-            <a:spLocks noGrp="1"/>
-          </p:cNvSpPr>
-          <p:nvPr>
-            <p:ph type="title"/>
-          </p:nvPr>
-        </p:nvSpPr>
-        <p:spPr>
-          <a:xfrm>
-            <a:off x="442451" y="645684"/>
-            <a:ext cx="8259098" cy="763526"/>
-          </a:xfrm>
-        </p:spPr>
-        <p:txBody>
-          <a:bodyPr>
-            <a:normAutofit/>
-          </a:bodyPr>
-          <a:lstStyle/>
-          <a:p>
-            <a:r>
-              <a:rPr lang="en-US" sz="4400" dirty="0"/>
-              <a:t>Revive:</a:t>
-            </a:r>
-          </a:p>
-        </p:txBody>
-      </p:sp>
-      <p:sp>
-        <p:nvSpPr>
-          <p:cNvPr id="6" name="TextBox 5">
-            <a:extLst>
-              <a:ext uri="{FF2B5EF4-FFF2-40B4-BE49-F238E27FC236}">
-                <a16:creationId xmlns:a16="http://schemas.microsoft.com/office/drawing/2014/main" id="{4029C48C-54A5-4C1E-8467-83CB296E88BD}"/>
-              </a:ext>
-            </a:extLst>
-          </p:cNvPr>
-          <p:cNvSpPr txBox="1"/>
-          <p:nvPr/>
-        </p:nvSpPr>
-        <p:spPr>
-          <a:xfrm>
-            <a:off x="930166" y="1734207"/>
-            <a:ext cx="7425558" cy="1569660"/>
-          </a:xfrm>
-          <a:prstGeom prst="rect">
-            <a:avLst/>
-          </a:prstGeom>
-          <a:noFill/>
-        </p:spPr>
-        <p:txBody>
-          <a:bodyPr wrap="square" rtlCol="0">
-            <a:spAutoFit/>
-          </a:bodyPr>
-          <a:lstStyle/>
-          <a:p>
-            <a:pPr rtl="0">
-              <a:spcBef>
-                <a:spcPts val="0"/>
-              </a:spcBef>
-              <a:spcAft>
-                <a:spcPts val="0"/>
-              </a:spcAft>
-            </a:pPr>
-            <a:r>
-              <a:rPr lang="en-US" sz="2400" b="0" i="0" u="none" strike="noStrike" dirty="0">
-                <a:solidFill>
-                  <a:srgbClr val="F3F3F3"/>
-                </a:solidFill>
-                <a:effectLst/>
-                <a:latin typeface="Times New Roman" panose="02020603050405020304" pitchFamily="18" charset="0"/>
-              </a:rPr>
-              <a:t>We already learned about linked list - A very useful data structure for coding, but they are sequential lists.</a:t>
-            </a:r>
-            <a:endParaRPr lang="en-US" sz="2400" b="0" dirty="0">
-              <a:effectLst/>
-            </a:endParaRPr>
-          </a:p>
-          <a:p>
-            <a:br>
-              <a:rPr lang="en-US" sz="2400" dirty="0"/>
-            </a:br>
-            <a:endParaRPr lang="en-US" sz="2400" dirty="0"/>
-          </a:p>
-        </p:txBody>
-      </p:sp>
-      <p:pic>
-        <p:nvPicPr>
-          <p:cNvPr id="3074" name="Picture 2">
-            <a:extLst>
-              <a:ext uri="{FF2B5EF4-FFF2-40B4-BE49-F238E27FC236}">
-                <a16:creationId xmlns:a16="http://schemas.microsoft.com/office/drawing/2014/main" id="{7D88FB34-D4C4-42D1-A06B-2500073C90F0}"/>
-              </a:ext>
-            </a:extLst>
-          </p:cNvPr>
-          <p:cNvPicPr>
-            <a:picLocks noChangeAspect="1" noChangeArrowheads="1"/>
-          </p:cNvPicPr>
-          <p:nvPr/>
-        </p:nvPicPr>
-        <p:blipFill>
-          <a:blip r:embed="rId2">
-            <a:extLst>
-              <a:ext uri="{28A0092B-C50C-407E-A947-70E740481C1C}">
-                <a14:useLocalDpi xmlns:a14="http://schemas.microsoft.com/office/drawing/2010/main" val="0"/>
-              </a:ext>
-            </a:extLst>
-          </a:blip>
-          <a:srcRect/>
-          <a:stretch>
-            <a:fillRect/>
-          </a:stretch>
-        </p:blipFill>
-        <p:spPr bwMode="auto">
-          <a:xfrm>
-            <a:off x="0" y="2933207"/>
-            <a:ext cx="9144000" cy="1246187"/>
-          </a:xfrm>
-          <a:prstGeom prst="rect">
-            <a:avLst/>
-          </a:prstGeom>
-          <a:noFill/>
-          <a:extLst>
-            <a:ext uri="{909E8E84-426E-40DD-AFC4-6F175D3DCCD1}">
-              <a14:hiddenFill xmlns:a14="http://schemas.microsoft.com/office/drawing/2010/main">
-                <a:solidFill>
-                  <a:srgbClr val="FFFFFF"/>
-                </a:solidFill>
-              </a14:hiddenFill>
-            </a:ext>
-          </a:extLst>
-        </p:spPr>
-      </p:pic>
-    </p:spTree>
-    <p:extLst>
-      <p:ext uri="{BB962C8B-B14F-4D97-AF65-F5344CB8AC3E}">
-        <p14:creationId xmlns:p14="http://schemas.microsoft.com/office/powerpoint/2010/main" val="4103309497"/>
       </p:ext>
     </p:extLst>
   </p:cSld>

--- a/Seminar.pptx
+++ b/Seminar.pptx
@@ -237,7 +237,7 @@
           <a:p>
             <a:fld id="{C8D18E60-4300-4729-A0D7-6AB984C3922D}" type="datetimeFigureOut">
               <a:rPr lang="en-US" smtClean="0"/>
-              <a:t>6/27/2022</a:t>
+              <a:t>6/28/22</a:t>
             </a:fld>
             <a:endParaRPr lang="en-US"/>
           </a:p>
@@ -803,7 +803,7 @@
             <a:fld id="{53074F12-AA26-4AC8-9962-C36BB8F32554}" type="datetimeFigureOut">
               <a:rPr lang="en-US" smtClean="0"/>
               <a:pPr/>
-              <a:t>6/27/2022</a:t>
+              <a:t>6/28/22</a:t>
             </a:fld>
             <a:endParaRPr lang="en-US"/>
           </a:p>
@@ -1057,7 +1057,7 @@
             <a:fld id="{53074F12-AA26-4AC8-9962-C36BB8F32554}" type="datetimeFigureOut">
               <a:rPr lang="en-US" smtClean="0"/>
               <a:pPr/>
-              <a:t>6/27/2022</a:t>
+              <a:t>6/28/22</a:t>
             </a:fld>
             <a:endParaRPr lang="en-US"/>
           </a:p>
@@ -1227,7 +1227,7 @@
             <a:fld id="{53074F12-AA26-4AC8-9962-C36BB8F32554}" type="datetimeFigureOut">
               <a:rPr lang="en-US" smtClean="0"/>
               <a:pPr/>
-              <a:t>6/27/2022</a:t>
+              <a:t>6/28/22</a:t>
             </a:fld>
             <a:endParaRPr lang="en-US"/>
           </a:p>
@@ -1407,7 +1407,7 @@
             <a:fld id="{53074F12-AA26-4AC8-9962-C36BB8F32554}" type="datetimeFigureOut">
               <a:rPr lang="en-US" smtClean="0"/>
               <a:pPr/>
-              <a:t>6/27/2022</a:t>
+              <a:t>6/28/22</a:t>
             </a:fld>
             <a:endParaRPr lang="en-US"/>
           </a:p>
@@ -1692,7 +1692,7 @@
             <a:fld id="{53074F12-AA26-4AC8-9962-C36BB8F32554}" type="datetimeFigureOut">
               <a:rPr lang="en-US" smtClean="0"/>
               <a:pPr/>
-              <a:t>6/27/2022</a:t>
+              <a:t>6/28/22</a:t>
             </a:fld>
             <a:endParaRPr lang="en-US"/>
           </a:p>
@@ -1939,7 +1939,7 @@
             <a:fld id="{53074F12-AA26-4AC8-9962-C36BB8F32554}" type="datetimeFigureOut">
               <a:rPr lang="en-US" smtClean="0"/>
               <a:pPr/>
-              <a:t>6/27/2022</a:t>
+              <a:t>6/28/22</a:t>
             </a:fld>
             <a:endParaRPr lang="en-US"/>
           </a:p>
@@ -2186,7 +2186,7 @@
             <a:fld id="{53074F12-AA26-4AC8-9962-C36BB8F32554}" type="datetimeFigureOut">
               <a:rPr lang="en-US" smtClean="0"/>
               <a:pPr/>
-              <a:t>6/27/2022</a:t>
+              <a:t>6/28/22</a:t>
             </a:fld>
             <a:endParaRPr lang="en-US"/>
           </a:p>
@@ -2473,7 +2473,7 @@
             <a:fld id="{53074F12-AA26-4AC8-9962-C36BB8F32554}" type="datetimeFigureOut">
               <a:rPr lang="en-US" smtClean="0"/>
               <a:pPr/>
-              <a:t>6/27/2022</a:t>
+              <a:t>6/28/22</a:t>
             </a:fld>
             <a:endParaRPr lang="en-US"/>
           </a:p>
@@ -2963,7 +2963,7 @@
             <a:fld id="{53074F12-AA26-4AC8-9962-C36BB8F32554}" type="datetimeFigureOut">
               <a:rPr lang="en-US" smtClean="0"/>
               <a:pPr/>
-              <a:t>6/27/2022</a:t>
+              <a:t>6/28/22</a:t>
             </a:fld>
             <a:endParaRPr lang="en-US"/>
           </a:p>
@@ -3082,7 +3082,7 @@
             <a:fld id="{53074F12-AA26-4AC8-9962-C36BB8F32554}" type="datetimeFigureOut">
               <a:rPr lang="en-US" smtClean="0"/>
               <a:pPr/>
-              <a:t>6/27/2022</a:t>
+              <a:t>6/28/22</a:t>
             </a:fld>
             <a:endParaRPr lang="en-US"/>
           </a:p>
@@ -3179,7 +3179,7 @@
             <a:fld id="{53074F12-AA26-4AC8-9962-C36BB8F32554}" type="datetimeFigureOut">
               <a:rPr lang="en-US" smtClean="0"/>
               <a:pPr/>
-              <a:t>6/27/2022</a:t>
+              <a:t>6/28/22</a:t>
             </a:fld>
             <a:endParaRPr lang="en-US"/>
           </a:p>
@@ -3456,7 +3456,7 @@
             <a:fld id="{53074F12-AA26-4AC8-9962-C36BB8F32554}" type="datetimeFigureOut">
               <a:rPr lang="en-US" smtClean="0"/>
               <a:pPr/>
-              <a:t>6/27/2022</a:t>
+              <a:t>6/28/22</a:t>
             </a:fld>
             <a:endParaRPr lang="en-US"/>
           </a:p>
@@ -3678,7 +3678,7 @@
             <a:fld id="{53074F12-AA26-4AC8-9962-C36BB8F32554}" type="datetimeFigureOut">
               <a:rPr lang="en-US" smtClean="0"/>
               <a:pPr/>
-              <a:t>6/27/2022</a:t>
+              <a:t>6/28/22</a:t>
             </a:fld>
             <a:endParaRPr lang="en-US"/>
           </a:p>
@@ -15869,7 +15869,7 @@
               <a:rPr lang="en-US" sz="4800" b="1" dirty="0">
                 <a:effectLst/>
               </a:rPr>
-              <a:t>VISION FOR FUNCTION</a:t>
+              <a:t>DEMONSTRATION</a:t>
             </a:r>
           </a:p>
         </p:txBody>
@@ -16169,13 +16169,13 @@
   <p:clrMapOvr>
     <a:masterClrMapping/>
   </p:clrMapOvr>
-  <mc:AlternateContent xmlns:mc="http://schemas.openxmlformats.org/markup-compatibility/2006">
-    <mc:Choice xmlns:p159="http://schemas.microsoft.com/office/powerpoint/2015/09/main" Requires="p159">
+  <mc:AlternateContent xmlns:mc="http://schemas.openxmlformats.org/markup-compatibility/2006" xmlns:p159="http://schemas.microsoft.com/office/powerpoint/2015/09/main">
+    <mc:Choice Requires="p159">
       <p:transition xmlns:p14="http://schemas.microsoft.com/office/powerpoint/2010/main" spd="slow" p14:dur="2000">
         <p159:morph option="byObject"/>
       </p:transition>
     </mc:Choice>
-    <mc:Fallback>
+    <mc:Fallback xmlns="">
       <p:transition spd="slow">
         <p:fade/>
       </p:transition>
@@ -16604,7 +16604,7 @@
           <a:p>
             <a:r>
               <a:rPr lang="en-US" sz="4400" dirty="0"/>
-              <a:t>Revive:</a:t>
+              <a:t>Review:</a:t>
             </a:r>
           </a:p>
         </p:txBody>

--- a/Seminar.pptx
+++ b/Seminar.pptx
@@ -16847,7 +16847,7 @@
           <a:p>
             <a:r>
               <a:rPr lang="en-US" sz="4800" dirty="0"/>
-              <a:t>Extend:</a:t>
+              <a:t>Learn more:</a:t>
             </a:r>
           </a:p>
         </p:txBody>
@@ -17800,7 +17800,7 @@
           <a:p>
             <a:r>
               <a:rPr lang="en-US" sz="4800" dirty="0"/>
-              <a:t>Another Extend:</a:t>
+              <a:t>Learn more:</a:t>
             </a:r>
           </a:p>
         </p:txBody>

--- a/Seminar.pptx
+++ b/Seminar.pptx
@@ -6322,7 +6322,29 @@
                 <a:latin typeface="Times New Roman" panose="02020603050405020304" pitchFamily="18" charset="0"/>
                 <a:ea typeface="Times New Roman" panose="02020603050405020304" pitchFamily="18" charset="0"/>
               </a:rPr>
-              <a:t>A B-tree is an extension of an M-way search tree. Besides having all the properties of an M-way search tree, it has some properties of its own, these mainly are:</a:t>
+              <a:t>A B-tree is an expansion from </a:t>
+            </a:r>
+            <a:r>
+              <a:rPr lang="en-US" sz="1800">
+                <a:solidFill>
+                  <a:srgbClr val="212529"/>
+                </a:solidFill>
+                <a:effectLst/>
+                <a:latin typeface="Times New Roman" panose="02020603050405020304" pitchFamily="18" charset="0"/>
+                <a:ea typeface="Times New Roman" panose="02020603050405020304" pitchFamily="18" charset="0"/>
+              </a:rPr>
+              <a:t>the original </a:t>
+            </a:r>
+            <a:r>
+              <a:rPr lang="en-US" sz="1800" dirty="0">
+                <a:solidFill>
+                  <a:srgbClr val="212529"/>
+                </a:solidFill>
+                <a:effectLst/>
+                <a:latin typeface="Times New Roman" panose="02020603050405020304" pitchFamily="18" charset="0"/>
+                <a:ea typeface="Times New Roman" panose="02020603050405020304" pitchFamily="18" charset="0"/>
+              </a:rPr>
+              <a:t>M-way search tree. Besides having all the properties of an M-way search tree, it has some properties of its own, these mainly are:</a:t>
             </a:r>
             <a:endParaRPr lang="en-US" sz="1800" dirty="0">
               <a:effectLst/>

--- a/Seminar.pptx
+++ b/Seminar.pptx
@@ -6322,29 +6322,7 @@
                 <a:latin typeface="Times New Roman" panose="02020603050405020304" pitchFamily="18" charset="0"/>
                 <a:ea typeface="Times New Roman" panose="02020603050405020304" pitchFamily="18" charset="0"/>
               </a:rPr>
-              <a:t>A B-tree is an expansion from </a:t>
-            </a:r>
-            <a:r>
-              <a:rPr lang="en-US" sz="1800">
-                <a:solidFill>
-                  <a:srgbClr val="212529"/>
-                </a:solidFill>
-                <a:effectLst/>
-                <a:latin typeface="Times New Roman" panose="02020603050405020304" pitchFamily="18" charset="0"/>
-                <a:ea typeface="Times New Roman" panose="02020603050405020304" pitchFamily="18" charset="0"/>
-              </a:rPr>
-              <a:t>the original </a:t>
-            </a:r>
-            <a:r>
-              <a:rPr lang="en-US" sz="1800" dirty="0">
-                <a:solidFill>
-                  <a:srgbClr val="212529"/>
-                </a:solidFill>
-                <a:effectLst/>
-                <a:latin typeface="Times New Roman" panose="02020603050405020304" pitchFamily="18" charset="0"/>
-                <a:ea typeface="Times New Roman" panose="02020603050405020304" pitchFamily="18" charset="0"/>
-              </a:rPr>
-              <a:t>M-way search tree. Besides having all the properties of an M-way search tree, it has some properties of its own, these mainly are:</a:t>
+              <a:t>A B-tree is an expansion from the original M-way search tree. Besides having all the properties of an M-way search tree, it has some properties of its own, these mainly are:</a:t>
             </a:r>
             <a:endParaRPr lang="en-US" sz="1800" dirty="0">
               <a:effectLst/>
@@ -16668,6 +16646,16 @@
               </a:spcAft>
             </a:pPr>
             <a:r>
+              <a:rPr lang="en-US" sz="2400" b="0" i="0" u="none" strike="noStrike">
+                <a:solidFill>
+                  <a:srgbClr val="F3F3F3"/>
+                </a:solidFill>
+                <a:effectLst/>
+                <a:latin typeface="Times New Roman" panose="02020603050405020304" pitchFamily="18" charset="0"/>
+              </a:rPr>
+              <a:t>We have already </a:t>
+            </a:r>
+            <a:r>
               <a:rPr lang="en-US" sz="2400" b="0" i="0" u="none" strike="noStrike" dirty="0">
                 <a:solidFill>
                   <a:srgbClr val="F3F3F3"/>
@@ -16675,7 +16663,7 @@
                 <a:effectLst/>
                 <a:latin typeface="Times New Roman" panose="02020603050405020304" pitchFamily="18" charset="0"/>
               </a:rPr>
-              <a:t>We already learned about linked list - A very useful data structure for coding, but they are sequential lists.</a:t>
+              <a:t>learned about linked list - A very useful data structure for coding, but they are sequential lists.</a:t>
             </a:r>
             <a:endParaRPr lang="en-US" sz="2400" b="0" dirty="0">
               <a:effectLst/>

--- a/Seminar.pptx
+++ b/Seminar.pptx
@@ -5,7 +5,7 @@
     <p:sldMasterId id="2147483648" r:id="rId1"/>
   </p:sldMasterIdLst>
   <p:notesMasterIdLst>
-    <p:notesMasterId r:id="rId32"/>
+    <p:notesMasterId r:id="rId39"/>
   </p:notesMasterIdLst>
   <p:sldIdLst>
     <p:sldId id="256" r:id="rId2"/>
@@ -35,9 +35,16 @@
     <p:sldId id="284" r:id="rId26"/>
     <p:sldId id="286" r:id="rId27"/>
     <p:sldId id="285" r:id="rId28"/>
-    <p:sldId id="259" r:id="rId29"/>
-    <p:sldId id="258" r:id="rId30"/>
-    <p:sldId id="260" r:id="rId31"/>
+    <p:sldId id="287" r:id="rId29"/>
+    <p:sldId id="288" r:id="rId30"/>
+    <p:sldId id="259" r:id="rId31"/>
+    <p:sldId id="289" r:id="rId32"/>
+    <p:sldId id="290" r:id="rId33"/>
+    <p:sldId id="291" r:id="rId34"/>
+    <p:sldId id="292" r:id="rId35"/>
+    <p:sldId id="293" r:id="rId36"/>
+    <p:sldId id="258" r:id="rId37"/>
+    <p:sldId id="260" r:id="rId38"/>
   </p:sldIdLst>
   <p:sldSz cx="9144000" cy="5143500" type="screen16x9"/>
   <p:notesSz cx="6858000" cy="9144000"/>
@@ -237,7 +244,7 @@
           <a:p>
             <a:fld id="{C8D18E60-4300-4729-A0D7-6AB984C3922D}" type="datetimeFigureOut">
               <a:rPr lang="en-US" smtClean="0"/>
-              <a:t>6/28/22</a:t>
+              <a:t>6/30/2022</a:t>
             </a:fld>
             <a:endParaRPr lang="en-US"/>
           </a:p>
@@ -548,6 +555,90 @@
           <a:bodyPr/>
           <a:lstStyle/>
           <a:p>
+            <a:endParaRPr lang="en-US" dirty="0"/>
+          </a:p>
+        </p:txBody>
+      </p:sp>
+      <p:sp>
+        <p:nvSpPr>
+          <p:cNvPr id="4" name="Slide Number Placeholder 3"/>
+          <p:cNvSpPr>
+            <a:spLocks noGrp="1"/>
+          </p:cNvSpPr>
+          <p:nvPr>
+            <p:ph type="sldNum" sz="quarter" idx="5"/>
+          </p:nvPr>
+        </p:nvSpPr>
+        <p:spPr/>
+        <p:txBody>
+          <a:bodyPr/>
+          <a:lstStyle/>
+          <a:p>
+            <a:fld id="{AF533E96-F078-4B3D-A8F4-F1AF21EBC357}" type="slidenum">
+              <a:rPr lang="en-US" smtClean="0"/>
+              <a:t>33</a:t>
+            </a:fld>
+            <a:endParaRPr lang="en-US"/>
+          </a:p>
+        </p:txBody>
+      </p:sp>
+    </p:spTree>
+    <p:extLst>
+      <p:ext uri="{BB962C8B-B14F-4D97-AF65-F5344CB8AC3E}">
+        <p14:creationId xmlns:p14="http://schemas.microsoft.com/office/powerpoint/2010/main" val="1469297405"/>
+      </p:ext>
+    </p:extLst>
+  </p:cSld>
+  <p:clrMapOvr>
+    <a:masterClrMapping/>
+  </p:clrMapOvr>
+</p:notes>
+</file>
+
+<file path=ppt/notesSlides/notesSlide2.xml><?xml version="1.0" encoding="utf-8"?>
+<p:notes xmlns:a="http://schemas.openxmlformats.org/drawingml/2006/main" xmlns:r="http://schemas.openxmlformats.org/officeDocument/2006/relationships" xmlns:p="http://schemas.openxmlformats.org/presentationml/2006/main">
+  <p:cSld>
+    <p:spTree>
+      <p:nvGrpSpPr>
+        <p:cNvPr id="1" name=""/>
+        <p:cNvGrpSpPr/>
+        <p:nvPr/>
+      </p:nvGrpSpPr>
+      <p:grpSpPr>
+        <a:xfrm>
+          <a:off x="0" y="0"/>
+          <a:ext cx="0" cy="0"/>
+          <a:chOff x="0" y="0"/>
+          <a:chExt cx="0" cy="0"/>
+        </a:xfrm>
+      </p:grpSpPr>
+      <p:sp>
+        <p:nvSpPr>
+          <p:cNvPr id="2" name="Slide Image Placeholder 1"/>
+          <p:cNvSpPr>
+            <a:spLocks noGrp="1" noRot="1" noChangeAspect="1"/>
+          </p:cNvSpPr>
+          <p:nvPr>
+            <p:ph type="sldImg"/>
+          </p:nvPr>
+        </p:nvSpPr>
+        <p:spPr/>
+      </p:sp>
+      <p:sp>
+        <p:nvSpPr>
+          <p:cNvPr id="3" name="Notes Placeholder 2"/>
+          <p:cNvSpPr>
+            <a:spLocks noGrp="1"/>
+          </p:cNvSpPr>
+          <p:nvPr>
+            <p:ph type="body" idx="1"/>
+          </p:nvPr>
+        </p:nvSpPr>
+        <p:spPr/>
+        <p:txBody>
+          <a:bodyPr/>
+          <a:lstStyle/>
+          <a:p>
             <a:endParaRPr lang="en-US"/>
           </a:p>
         </p:txBody>
@@ -569,7 +660,7 @@
           <a:p>
             <a:fld id="{87350B06-B074-48FC-8CFD-53D2CD8FB95F}" type="slidenum">
               <a:rPr lang="en-US" smtClean="0"/>
-              <a:t>30</a:t>
+              <a:t>37</a:t>
             </a:fld>
             <a:endParaRPr lang="en-US"/>
           </a:p>
@@ -803,7 +894,7 @@
             <a:fld id="{53074F12-AA26-4AC8-9962-C36BB8F32554}" type="datetimeFigureOut">
               <a:rPr lang="en-US" smtClean="0"/>
               <a:pPr/>
-              <a:t>6/28/22</a:t>
+              <a:t>6/30/2022</a:t>
             </a:fld>
             <a:endParaRPr lang="en-US"/>
           </a:p>
@@ -1057,7 +1148,7 @@
             <a:fld id="{53074F12-AA26-4AC8-9962-C36BB8F32554}" type="datetimeFigureOut">
               <a:rPr lang="en-US" smtClean="0"/>
               <a:pPr/>
-              <a:t>6/28/22</a:t>
+              <a:t>6/30/2022</a:t>
             </a:fld>
             <a:endParaRPr lang="en-US"/>
           </a:p>
@@ -1227,7 +1318,7 @@
             <a:fld id="{53074F12-AA26-4AC8-9962-C36BB8F32554}" type="datetimeFigureOut">
               <a:rPr lang="en-US" smtClean="0"/>
               <a:pPr/>
-              <a:t>6/28/22</a:t>
+              <a:t>6/30/2022</a:t>
             </a:fld>
             <a:endParaRPr lang="en-US"/>
           </a:p>
@@ -1407,7 +1498,7 @@
             <a:fld id="{53074F12-AA26-4AC8-9962-C36BB8F32554}" type="datetimeFigureOut">
               <a:rPr lang="en-US" smtClean="0"/>
               <a:pPr/>
-              <a:t>6/28/22</a:t>
+              <a:t>6/30/2022</a:t>
             </a:fld>
             <a:endParaRPr lang="en-US"/>
           </a:p>
@@ -1692,7 +1783,7 @@
             <a:fld id="{53074F12-AA26-4AC8-9962-C36BB8F32554}" type="datetimeFigureOut">
               <a:rPr lang="en-US" smtClean="0"/>
               <a:pPr/>
-              <a:t>6/28/22</a:t>
+              <a:t>6/30/2022</a:t>
             </a:fld>
             <a:endParaRPr lang="en-US"/>
           </a:p>
@@ -1939,7 +2030,7 @@
             <a:fld id="{53074F12-AA26-4AC8-9962-C36BB8F32554}" type="datetimeFigureOut">
               <a:rPr lang="en-US" smtClean="0"/>
               <a:pPr/>
-              <a:t>6/28/22</a:t>
+              <a:t>6/30/2022</a:t>
             </a:fld>
             <a:endParaRPr lang="en-US"/>
           </a:p>
@@ -2186,7 +2277,7 @@
             <a:fld id="{53074F12-AA26-4AC8-9962-C36BB8F32554}" type="datetimeFigureOut">
               <a:rPr lang="en-US" smtClean="0"/>
               <a:pPr/>
-              <a:t>6/28/22</a:t>
+              <a:t>6/30/2022</a:t>
             </a:fld>
             <a:endParaRPr lang="en-US"/>
           </a:p>
@@ -2473,7 +2564,7 @@
             <a:fld id="{53074F12-AA26-4AC8-9962-C36BB8F32554}" type="datetimeFigureOut">
               <a:rPr lang="en-US" smtClean="0"/>
               <a:pPr/>
-              <a:t>6/28/22</a:t>
+              <a:t>6/30/2022</a:t>
             </a:fld>
             <a:endParaRPr lang="en-US"/>
           </a:p>
@@ -2963,7 +3054,7 @@
             <a:fld id="{53074F12-AA26-4AC8-9962-C36BB8F32554}" type="datetimeFigureOut">
               <a:rPr lang="en-US" smtClean="0"/>
               <a:pPr/>
-              <a:t>6/28/22</a:t>
+              <a:t>6/30/2022</a:t>
             </a:fld>
             <a:endParaRPr lang="en-US"/>
           </a:p>
@@ -3082,7 +3173,7 @@
             <a:fld id="{53074F12-AA26-4AC8-9962-C36BB8F32554}" type="datetimeFigureOut">
               <a:rPr lang="en-US" smtClean="0"/>
               <a:pPr/>
-              <a:t>6/28/22</a:t>
+              <a:t>6/30/2022</a:t>
             </a:fld>
             <a:endParaRPr lang="en-US"/>
           </a:p>
@@ -3179,7 +3270,7 @@
             <a:fld id="{53074F12-AA26-4AC8-9962-C36BB8F32554}" type="datetimeFigureOut">
               <a:rPr lang="en-US" smtClean="0"/>
               <a:pPr/>
-              <a:t>6/28/22</a:t>
+              <a:t>6/30/2022</a:t>
             </a:fld>
             <a:endParaRPr lang="en-US"/>
           </a:p>
@@ -3456,7 +3547,7 @@
             <a:fld id="{53074F12-AA26-4AC8-9962-C36BB8F32554}" type="datetimeFigureOut">
               <a:rPr lang="en-US" smtClean="0"/>
               <a:pPr/>
-              <a:t>6/28/22</a:t>
+              <a:t>6/30/2022</a:t>
             </a:fld>
             <a:endParaRPr lang="en-US"/>
           </a:p>
@@ -3678,7 +3769,7 @@
             <a:fld id="{53074F12-AA26-4AC8-9962-C36BB8F32554}" type="datetimeFigureOut">
               <a:rPr lang="en-US" smtClean="0"/>
               <a:pPr/>
-              <a:t>6/28/22</a:t>
+              <a:t>6/30/2022</a:t>
             </a:fld>
             <a:endParaRPr lang="en-US"/>
           </a:p>
@@ -16319,7 +16410,72 @@
       </p:grpSpPr>
       <p:sp>
         <p:nvSpPr>
-          <p:cNvPr id="4" name="Title 3"/>
+          <p:cNvPr id="3" name="Content Placeholder 2">
+            <a:extLst>
+              <a:ext uri="{FF2B5EF4-FFF2-40B4-BE49-F238E27FC236}">
+                <a16:creationId xmlns:a16="http://schemas.microsoft.com/office/drawing/2014/main" id="{F78D5181-F565-C9ED-7262-D3C9FD6143B2}"/>
+              </a:ext>
+            </a:extLst>
+          </p:cNvPr>
+          <p:cNvSpPr>
+            <a:spLocks noGrp="1"/>
+          </p:cNvSpPr>
+          <p:nvPr>
+            <p:ph idx="1"/>
+          </p:nvPr>
+        </p:nvSpPr>
+        <p:spPr>
+          <a:xfrm>
+            <a:off x="1526721" y="1131888"/>
+            <a:ext cx="3282043" cy="3860799"/>
+          </a:xfrm>
+        </p:spPr>
+        <p:txBody>
+          <a:bodyPr>
+            <a:normAutofit/>
+          </a:bodyPr>
+          <a:lstStyle/>
+          <a:p>
+            <a:r>
+              <a:rPr lang="en-US" sz="2000" b="1" i="1" dirty="0">
+                <a:latin typeface="Times New Roman" panose="02020603050405020304" pitchFamily="18" charset="0"/>
+                <a:cs typeface="Times New Roman" panose="02020603050405020304" pitchFamily="18" charset="0"/>
+              </a:rPr>
+              <a:t>Insert a node whose root wasn’t full :</a:t>
+            </a:r>
+            <a:br>
+              <a:rPr lang="en-US" sz="2000" dirty="0">
+                <a:latin typeface="Times New Roman" panose="02020603050405020304" pitchFamily="18" charset="0"/>
+                <a:cs typeface="Times New Roman" panose="02020603050405020304" pitchFamily="18" charset="0"/>
+              </a:rPr>
+            </a:br>
+            <a:r>
+              <a:rPr lang="en-US" sz="1800" dirty="0">
+                <a:solidFill>
+                  <a:srgbClr val="212529"/>
+                </a:solidFill>
+                <a:effectLst/>
+                <a:latin typeface="Times New Roman" panose="02020603050405020304" pitchFamily="18" charset="0"/>
+                <a:ea typeface="Times New Roman" panose="02020603050405020304" pitchFamily="18" charset="0"/>
+              </a:rPr>
+              <a:t>This function helps us to insert another key to a Node whose root is not full and save the property of a tree such as: all the keys in the node are in increasing order, …</a:t>
+            </a:r>
+            <a:endParaRPr lang="en-US" sz="2000" dirty="0">
+              <a:latin typeface="Times New Roman" panose="02020603050405020304" pitchFamily="18" charset="0"/>
+              <a:cs typeface="Times New Roman" panose="02020603050405020304" pitchFamily="18" charset="0"/>
+            </a:endParaRPr>
+          </a:p>
+        </p:txBody>
+      </p:sp>
+      <p:sp>
+        <p:nvSpPr>
+          <p:cNvPr id="4" name="Title 1">
+            <a:extLst>
+              <a:ext uri="{FF2B5EF4-FFF2-40B4-BE49-F238E27FC236}">
+                <a16:creationId xmlns:a16="http://schemas.microsoft.com/office/drawing/2014/main" id="{C54030F8-FB1F-D1A5-E452-AD37237F1A40}"/>
+              </a:ext>
+            </a:extLst>
+          </p:cNvPr>
           <p:cNvSpPr>
             <a:spLocks noGrp="1"/>
           </p:cNvSpPr>
@@ -16327,65 +16483,61 @@
             <p:ph type="title"/>
           </p:nvPr>
         </p:nvSpPr>
-        <p:spPr/>
+        <p:spPr>
+          <a:xfrm>
+            <a:off x="1735138" y="406400"/>
+            <a:ext cx="6804025" cy="725488"/>
+          </a:xfrm>
+        </p:spPr>
         <p:txBody>
           <a:bodyPr>
-            <a:normAutofit/>
+            <a:normAutofit fontScale="90000"/>
           </a:bodyPr>
           <a:lstStyle/>
           <a:p>
             <a:r>
-              <a:rPr lang="en-US"/>
-              <a:t>Slide Title</a:t>
-            </a:r>
-            <a:endParaRPr lang="en-US" dirty="0"/>
+              <a:rPr lang="en-US" b="1" dirty="0">
+                <a:effectLst/>
+              </a:rPr>
+              <a:t>ADDITIONAL FUNCTION IN INSERTION</a:t>
+            </a:r>
           </a:p>
         </p:txBody>
       </p:sp>
-      <p:sp>
-        <p:nvSpPr>
-          <p:cNvPr id="5" name="Content Placeholder 4"/>
-          <p:cNvSpPr>
-            <a:spLocks noGrp="1"/>
-          </p:cNvSpPr>
-          <p:nvPr>
-            <p:ph idx="1"/>
-          </p:nvPr>
-        </p:nvSpPr>
-        <p:spPr/>
-        <p:txBody>
-          <a:bodyPr/>
-          <a:lstStyle/>
-          <a:p>
-            <a:r>
-              <a:rPr lang="en-US" dirty="0"/>
-              <a:t>Make Effective Presentations</a:t>
-            </a:r>
-          </a:p>
-          <a:p>
-            <a:r>
-              <a:rPr lang="en-US" dirty="0"/>
-              <a:t>Using Awesome Backgrounds</a:t>
-            </a:r>
-          </a:p>
-          <a:p>
-            <a:r>
-              <a:rPr lang="en-US" dirty="0"/>
-              <a:t>Engage your Audience</a:t>
-            </a:r>
-          </a:p>
-          <a:p>
-            <a:r>
-              <a:rPr lang="en-US" dirty="0"/>
-              <a:t>Capture Audience Attention</a:t>
-            </a:r>
-          </a:p>
-        </p:txBody>
-      </p:sp>
+      <p:pic>
+        <p:nvPicPr>
+          <p:cNvPr id="5" name="Picture 4">
+            <a:extLst>
+              <a:ext uri="{FF2B5EF4-FFF2-40B4-BE49-F238E27FC236}">
+                <a16:creationId xmlns:a16="http://schemas.microsoft.com/office/drawing/2014/main" id="{FADAA719-5853-FFE7-5414-6C48E276BAEB}"/>
+              </a:ext>
+            </a:extLst>
+          </p:cNvPr>
+          <p:cNvPicPr>
+            <a:picLocks noChangeAspect="1"/>
+          </p:cNvPicPr>
+          <p:nvPr/>
+        </p:nvPicPr>
+        <p:blipFill>
+          <a:blip r:embed="rId2"/>
+          <a:stretch>
+            <a:fillRect/>
+          </a:stretch>
+        </p:blipFill>
+        <p:spPr>
+          <a:xfrm>
+            <a:off x="5026706" y="943294"/>
+            <a:ext cx="3512457" cy="4049393"/>
+          </a:xfrm>
+          <a:prstGeom prst="rect">
+            <a:avLst/>
+          </a:prstGeom>
+        </p:spPr>
+      </p:pic>
     </p:spTree>
     <p:extLst>
       <p:ext uri="{BB962C8B-B14F-4D97-AF65-F5344CB8AC3E}">
-        <p14:creationId xmlns:p14="http://schemas.microsoft.com/office/powerpoint/2010/main" val="1101633878"/>
+        <p14:creationId xmlns:p14="http://schemas.microsoft.com/office/powerpoint/2010/main" val="2026387588"/>
       </p:ext>
     </p:extLst>
   </p:cSld>
@@ -16414,7 +16566,13 @@
       </p:grpSpPr>
       <p:sp>
         <p:nvSpPr>
-          <p:cNvPr id="4" name="Title 3"/>
+          <p:cNvPr id="2" name="Title 1">
+            <a:extLst>
+              <a:ext uri="{FF2B5EF4-FFF2-40B4-BE49-F238E27FC236}">
+                <a16:creationId xmlns:a16="http://schemas.microsoft.com/office/drawing/2014/main" id="{D9A29F15-913A-A5DD-8C00-9912BC57330C}"/>
+              </a:ext>
+            </a:extLst>
+          </p:cNvPr>
           <p:cNvSpPr>
             <a:spLocks noGrp="1"/>
           </p:cNvSpPr>
@@ -16422,130 +16580,968 @@
             <p:ph type="title"/>
           </p:nvPr>
         </p:nvSpPr>
-        <p:spPr/>
+        <p:spPr>
+          <a:xfrm>
+            <a:off x="2253343" y="324894"/>
+            <a:ext cx="6466113" cy="725349"/>
+          </a:xfrm>
+        </p:spPr>
         <p:txBody>
           <a:bodyPr>
-            <a:normAutofit/>
+            <a:noAutofit/>
           </a:bodyPr>
           <a:lstStyle/>
           <a:p>
             <a:r>
-              <a:rPr lang="en-US" dirty="0"/>
-              <a:t>Slide Title</a:t>
+              <a:rPr lang="en-US" sz="4800" b="1" dirty="0">
+                <a:effectLst/>
+              </a:rPr>
+              <a:t>DEMONSTRATION</a:t>
             </a:r>
           </a:p>
         </p:txBody>
       </p:sp>
       <p:sp>
         <p:nvSpPr>
-          <p:cNvPr id="5" name="Text Placeholder 4"/>
-          <p:cNvSpPr>
-            <a:spLocks noGrp="1"/>
-          </p:cNvSpPr>
-          <p:nvPr>
-            <p:ph type="body" idx="1"/>
-          </p:nvPr>
+          <p:cNvPr id="4" name="Rectangle 3">
+            <a:extLst>
+              <a:ext uri="{FF2B5EF4-FFF2-40B4-BE49-F238E27FC236}">
+                <a16:creationId xmlns:a16="http://schemas.microsoft.com/office/drawing/2014/main" id="{C592B247-08C4-86F9-FF6A-9088CBFAADC2}"/>
+              </a:ext>
+            </a:extLst>
+          </p:cNvPr>
+          <p:cNvSpPr/>
+          <p:nvPr/>
         </p:nvSpPr>
-        <p:spPr/>
+        <p:spPr>
+          <a:xfrm>
+            <a:off x="2068284" y="3751488"/>
+            <a:ext cx="659947" cy="559253"/>
+          </a:xfrm>
+          <a:prstGeom prst="rect">
+            <a:avLst/>
+          </a:prstGeom>
+          <a:solidFill>
+            <a:schemeClr val="bg1"/>
+          </a:solidFill>
+        </p:spPr>
+        <p:style>
+          <a:lnRef idx="2">
+            <a:schemeClr val="accent1">
+              <a:shade val="50000"/>
+            </a:schemeClr>
+          </a:lnRef>
+          <a:fillRef idx="1">
+            <a:schemeClr val="accent1"/>
+          </a:fillRef>
+          <a:effectRef idx="0">
+            <a:schemeClr val="accent1"/>
+          </a:effectRef>
+          <a:fontRef idx="minor">
+            <a:schemeClr val="lt1"/>
+          </a:fontRef>
+        </p:style>
         <p:txBody>
-          <a:bodyPr/>
+          <a:bodyPr rtlCol="0" anchor="ctr"/>
           <a:lstStyle/>
           <a:p>
-            <a:r>
-              <a:rPr lang="en-US"/>
-              <a:t>Product A</a:t>
-            </a:r>
-            <a:endParaRPr lang="en-US" dirty="0"/>
+            <a:pPr algn="ctr"/>
+            <a:r>
+              <a:rPr lang="en-US" sz="3600" dirty="0">
+                <a:solidFill>
+                  <a:schemeClr val="tx1"/>
+                </a:solidFill>
+              </a:rPr>
+              <a:t>8</a:t>
+            </a:r>
+            <a:endParaRPr lang="en-US" dirty="0">
+              <a:solidFill>
+                <a:schemeClr val="tx1"/>
+              </a:solidFill>
+            </a:endParaRPr>
           </a:p>
         </p:txBody>
       </p:sp>
       <p:sp>
         <p:nvSpPr>
-          <p:cNvPr id="6" name="Content Placeholder 5"/>
-          <p:cNvSpPr>
-            <a:spLocks noGrp="1"/>
-          </p:cNvSpPr>
-          <p:nvPr>
-            <p:ph sz="half" idx="2"/>
-          </p:nvPr>
+          <p:cNvPr id="5" name="Rectangle 4">
+            <a:extLst>
+              <a:ext uri="{FF2B5EF4-FFF2-40B4-BE49-F238E27FC236}">
+                <a16:creationId xmlns:a16="http://schemas.microsoft.com/office/drawing/2014/main" id="{36DC2C8F-ABC9-790A-B2AB-F237136F25D4}"/>
+              </a:ext>
+            </a:extLst>
+          </p:cNvPr>
+          <p:cNvSpPr/>
+          <p:nvPr/>
         </p:nvSpPr>
-        <p:spPr/>
+        <p:spPr>
+          <a:xfrm>
+            <a:off x="3367351" y="3751488"/>
+            <a:ext cx="659947" cy="559253"/>
+          </a:xfrm>
+          <a:prstGeom prst="rect">
+            <a:avLst/>
+          </a:prstGeom>
+          <a:solidFill>
+            <a:schemeClr val="bg1"/>
+          </a:solidFill>
+        </p:spPr>
+        <p:style>
+          <a:lnRef idx="2">
+            <a:schemeClr val="accent1">
+              <a:shade val="50000"/>
+            </a:schemeClr>
+          </a:lnRef>
+          <a:fillRef idx="1">
+            <a:schemeClr val="accent1"/>
+          </a:fillRef>
+          <a:effectRef idx="0">
+            <a:schemeClr val="accent1"/>
+          </a:effectRef>
+          <a:fontRef idx="minor">
+            <a:schemeClr val="lt1"/>
+          </a:fontRef>
+        </p:style>
         <p:txBody>
-          <a:bodyPr/>
+          <a:bodyPr rtlCol="0" anchor="ctr"/>
           <a:lstStyle/>
           <a:p>
-            <a:r>
-              <a:rPr lang="en-US"/>
-              <a:t>Feature 1</a:t>
-            </a:r>
-          </a:p>
-          <a:p>
-            <a:r>
-              <a:rPr lang="en-US"/>
-              <a:t>Feature 2</a:t>
-            </a:r>
-          </a:p>
-          <a:p>
-            <a:r>
-              <a:rPr lang="en-US"/>
-              <a:t>Feature 3</a:t>
-            </a:r>
-            <a:endParaRPr lang="en-US" dirty="0"/>
+            <a:pPr algn="ctr"/>
+            <a:r>
+              <a:rPr lang="en-US" sz="3600" dirty="0">
+                <a:solidFill>
+                  <a:schemeClr val="tx1"/>
+                </a:solidFill>
+              </a:rPr>
+              <a:t>10</a:t>
+            </a:r>
           </a:p>
         </p:txBody>
       </p:sp>
       <p:sp>
         <p:nvSpPr>
-          <p:cNvPr id="7" name="Text Placeholder 6"/>
-          <p:cNvSpPr>
-            <a:spLocks noGrp="1"/>
-          </p:cNvSpPr>
-          <p:nvPr>
-            <p:ph type="body" sz="quarter" idx="3"/>
-          </p:nvPr>
+          <p:cNvPr id="6" name="Rectangle 5">
+            <a:extLst>
+              <a:ext uri="{FF2B5EF4-FFF2-40B4-BE49-F238E27FC236}">
+                <a16:creationId xmlns:a16="http://schemas.microsoft.com/office/drawing/2014/main" id="{62CCDD39-098D-BEB9-4D2F-F753BF4433BB}"/>
+              </a:ext>
+            </a:extLst>
+          </p:cNvPr>
+          <p:cNvSpPr/>
+          <p:nvPr/>
         </p:nvSpPr>
-        <p:spPr/>
+        <p:spPr>
+          <a:xfrm>
+            <a:off x="5832780" y="2753704"/>
+            <a:ext cx="659947" cy="559253"/>
+          </a:xfrm>
+          <a:prstGeom prst="rect">
+            <a:avLst/>
+          </a:prstGeom>
+          <a:solidFill>
+            <a:schemeClr val="bg1"/>
+          </a:solidFill>
+        </p:spPr>
+        <p:style>
+          <a:lnRef idx="2">
+            <a:schemeClr val="accent1">
+              <a:shade val="50000"/>
+            </a:schemeClr>
+          </a:lnRef>
+          <a:fillRef idx="1">
+            <a:schemeClr val="accent1"/>
+          </a:fillRef>
+          <a:effectRef idx="0">
+            <a:schemeClr val="accent1"/>
+          </a:effectRef>
+          <a:fontRef idx="minor">
+            <a:schemeClr val="lt1"/>
+          </a:fontRef>
+        </p:style>
         <p:txBody>
-          <a:bodyPr/>
+          <a:bodyPr rtlCol="0" anchor="ctr"/>
           <a:lstStyle/>
           <a:p>
-            <a:r>
-              <a:rPr lang="en-US"/>
-              <a:t>Product B</a:t>
+            <a:pPr algn="ctr"/>
+            <a:r>
+              <a:rPr lang="en-US" sz="3600" dirty="0">
+                <a:solidFill>
+                  <a:schemeClr val="tx1"/>
+                </a:solidFill>
+              </a:rPr>
+              <a:t>16</a:t>
             </a:r>
           </a:p>
         </p:txBody>
       </p:sp>
       <p:sp>
         <p:nvSpPr>
-          <p:cNvPr id="8" name="Content Placeholder 7"/>
-          <p:cNvSpPr>
-            <a:spLocks noGrp="1"/>
-          </p:cNvSpPr>
-          <p:nvPr>
-            <p:ph sz="quarter" idx="4"/>
-          </p:nvPr>
+          <p:cNvPr id="7" name="Rectangle 6">
+            <a:extLst>
+              <a:ext uri="{FF2B5EF4-FFF2-40B4-BE49-F238E27FC236}">
+                <a16:creationId xmlns:a16="http://schemas.microsoft.com/office/drawing/2014/main" id="{ED183926-DC26-ECDC-18F5-D41B378713FC}"/>
+              </a:ext>
+            </a:extLst>
+          </p:cNvPr>
+          <p:cNvSpPr/>
+          <p:nvPr/>
         </p:nvSpPr>
-        <p:spPr/>
+        <p:spPr>
+          <a:xfrm>
+            <a:off x="5017204" y="3751488"/>
+            <a:ext cx="659947" cy="559253"/>
+          </a:xfrm>
+          <a:prstGeom prst="rect">
+            <a:avLst/>
+          </a:prstGeom>
+          <a:solidFill>
+            <a:schemeClr val="bg1"/>
+          </a:solidFill>
+        </p:spPr>
+        <p:style>
+          <a:lnRef idx="2">
+            <a:schemeClr val="accent1">
+              <a:shade val="50000"/>
+            </a:schemeClr>
+          </a:lnRef>
+          <a:fillRef idx="1">
+            <a:schemeClr val="accent1"/>
+          </a:fillRef>
+          <a:effectRef idx="0">
+            <a:schemeClr val="accent1"/>
+          </a:effectRef>
+          <a:fontRef idx="minor">
+            <a:schemeClr val="lt1"/>
+          </a:fontRef>
+        </p:style>
         <p:txBody>
-          <a:bodyPr/>
+          <a:bodyPr rtlCol="0" anchor="ctr"/>
           <a:lstStyle/>
           <a:p>
-            <a:r>
-              <a:rPr lang="en-US"/>
-              <a:t>Feature 1</a:t>
-            </a:r>
-          </a:p>
-          <a:p>
-            <a:r>
-              <a:rPr lang="en-US"/>
-              <a:t>Feature 2</a:t>
-            </a:r>
-          </a:p>
-          <a:p>
-            <a:r>
-              <a:rPr lang="en-US"/>
-              <a:t>Feature 3</a:t>
+            <a:pPr algn="ctr"/>
+            <a:r>
+              <a:rPr lang="en-US" sz="3600" dirty="0">
+                <a:solidFill>
+                  <a:schemeClr val="tx1"/>
+                </a:solidFill>
+              </a:rPr>
+              <a:t>14</a:t>
+            </a:r>
+          </a:p>
+        </p:txBody>
+      </p:sp>
+      <p:sp>
+        <p:nvSpPr>
+          <p:cNvPr id="8" name="Rectangle 7">
+            <a:extLst>
+              <a:ext uri="{FF2B5EF4-FFF2-40B4-BE49-F238E27FC236}">
+                <a16:creationId xmlns:a16="http://schemas.microsoft.com/office/drawing/2014/main" id="{944A0491-9C17-1770-9BBC-4AC89F298C9F}"/>
+              </a:ext>
+            </a:extLst>
+          </p:cNvPr>
+          <p:cNvSpPr/>
+          <p:nvPr/>
+        </p:nvSpPr>
+        <p:spPr>
+          <a:xfrm>
+            <a:off x="6249456" y="3751487"/>
+            <a:ext cx="659947" cy="559253"/>
+          </a:xfrm>
+          <a:prstGeom prst="rect">
+            <a:avLst/>
+          </a:prstGeom>
+          <a:solidFill>
+            <a:schemeClr val="bg1"/>
+          </a:solidFill>
+        </p:spPr>
+        <p:style>
+          <a:lnRef idx="2">
+            <a:schemeClr val="accent1">
+              <a:shade val="50000"/>
+            </a:schemeClr>
+          </a:lnRef>
+          <a:fillRef idx="1">
+            <a:schemeClr val="accent1"/>
+          </a:fillRef>
+          <a:effectRef idx="0">
+            <a:schemeClr val="accent1"/>
+          </a:effectRef>
+          <a:fontRef idx="minor">
+            <a:schemeClr val="lt1"/>
+          </a:fontRef>
+        </p:style>
+        <p:txBody>
+          <a:bodyPr rtlCol="0" anchor="ctr"/>
+          <a:lstStyle/>
+          <a:p>
+            <a:pPr algn="ctr"/>
+            <a:r>
+              <a:rPr lang="en-US" sz="3600" dirty="0">
+                <a:solidFill>
+                  <a:schemeClr val="tx1"/>
+                </a:solidFill>
+              </a:rPr>
+              <a:t>17</a:t>
+            </a:r>
+          </a:p>
+        </p:txBody>
+      </p:sp>
+      <p:sp>
+        <p:nvSpPr>
+          <p:cNvPr id="9" name="Rectangle 8">
+            <a:extLst>
+              <a:ext uri="{FF2B5EF4-FFF2-40B4-BE49-F238E27FC236}">
+                <a16:creationId xmlns:a16="http://schemas.microsoft.com/office/drawing/2014/main" id="{2A7F1F09-9C29-E431-0A08-08B5D0078706}"/>
+              </a:ext>
+            </a:extLst>
+          </p:cNvPr>
+          <p:cNvSpPr/>
+          <p:nvPr/>
+        </p:nvSpPr>
+        <p:spPr>
+          <a:xfrm>
+            <a:off x="4823729" y="1862816"/>
+            <a:ext cx="659947" cy="559253"/>
+          </a:xfrm>
+          <a:prstGeom prst="rect">
+            <a:avLst/>
+          </a:prstGeom>
+          <a:solidFill>
+            <a:schemeClr val="bg1"/>
+          </a:solidFill>
+        </p:spPr>
+        <p:style>
+          <a:lnRef idx="2">
+            <a:schemeClr val="accent1">
+              <a:shade val="50000"/>
+            </a:schemeClr>
+          </a:lnRef>
+          <a:fillRef idx="1">
+            <a:schemeClr val="accent1"/>
+          </a:fillRef>
+          <a:effectRef idx="0">
+            <a:schemeClr val="accent1"/>
+          </a:effectRef>
+          <a:fontRef idx="minor">
+            <a:schemeClr val="lt1"/>
+          </a:fontRef>
+        </p:style>
+        <p:txBody>
+          <a:bodyPr rtlCol="0" anchor="ctr"/>
+          <a:lstStyle/>
+          <a:p>
+            <a:pPr algn="ctr"/>
+            <a:r>
+              <a:rPr lang="en-US" sz="3600" dirty="0">
+                <a:solidFill>
+                  <a:schemeClr val="tx1"/>
+                </a:solidFill>
+              </a:rPr>
+              <a:t>11</a:t>
+            </a:r>
+          </a:p>
+        </p:txBody>
+      </p:sp>
+      <p:sp>
+        <p:nvSpPr>
+          <p:cNvPr id="10" name="Rectangle 9">
+            <a:extLst>
+              <a:ext uri="{FF2B5EF4-FFF2-40B4-BE49-F238E27FC236}">
+                <a16:creationId xmlns:a16="http://schemas.microsoft.com/office/drawing/2014/main" id="{81E08B5D-51A4-6EC9-2E58-6BCF0D53DC7B}"/>
+              </a:ext>
+            </a:extLst>
+          </p:cNvPr>
+          <p:cNvSpPr/>
+          <p:nvPr/>
+        </p:nvSpPr>
+        <p:spPr>
+          <a:xfrm>
+            <a:off x="3267624" y="2712275"/>
+            <a:ext cx="659947" cy="559253"/>
+          </a:xfrm>
+          <a:prstGeom prst="rect">
+            <a:avLst/>
+          </a:prstGeom>
+          <a:solidFill>
+            <a:schemeClr val="bg1"/>
+          </a:solidFill>
+        </p:spPr>
+        <p:style>
+          <a:lnRef idx="2">
+            <a:schemeClr val="accent1">
+              <a:shade val="50000"/>
+            </a:schemeClr>
+          </a:lnRef>
+          <a:fillRef idx="1">
+            <a:schemeClr val="accent1"/>
+          </a:fillRef>
+          <a:effectRef idx="0">
+            <a:schemeClr val="accent1"/>
+          </a:effectRef>
+          <a:fontRef idx="minor">
+            <a:schemeClr val="lt1"/>
+          </a:fontRef>
+        </p:style>
+        <p:txBody>
+          <a:bodyPr rtlCol="0" anchor="ctr"/>
+          <a:lstStyle/>
+          <a:p>
+            <a:pPr algn="ctr"/>
+            <a:r>
+              <a:rPr lang="en-US" sz="3600" dirty="0">
+                <a:solidFill>
+                  <a:schemeClr val="tx1"/>
+                </a:solidFill>
+              </a:rPr>
+              <a:t>9</a:t>
+            </a:r>
+          </a:p>
+        </p:txBody>
+      </p:sp>
+      <p:sp>
+        <p:nvSpPr>
+          <p:cNvPr id="11" name="Rectangle 10">
+            <a:extLst>
+              <a:ext uri="{FF2B5EF4-FFF2-40B4-BE49-F238E27FC236}">
+                <a16:creationId xmlns:a16="http://schemas.microsoft.com/office/drawing/2014/main" id="{A0007216-5E04-5BDE-A506-C7D134AF85A1}"/>
+              </a:ext>
+            </a:extLst>
+          </p:cNvPr>
+          <p:cNvSpPr/>
+          <p:nvPr/>
+        </p:nvSpPr>
+        <p:spPr>
+          <a:xfrm>
+            <a:off x="6513966" y="2753703"/>
+            <a:ext cx="659947" cy="559253"/>
+          </a:xfrm>
+          <a:prstGeom prst="rect">
+            <a:avLst/>
+          </a:prstGeom>
+          <a:solidFill>
+            <a:schemeClr val="bg1"/>
+          </a:solidFill>
+        </p:spPr>
+        <p:style>
+          <a:lnRef idx="2">
+            <a:schemeClr val="accent1">
+              <a:shade val="50000"/>
+            </a:schemeClr>
+          </a:lnRef>
+          <a:fillRef idx="1">
+            <a:schemeClr val="accent1"/>
+          </a:fillRef>
+          <a:effectRef idx="0">
+            <a:schemeClr val="accent1"/>
+          </a:effectRef>
+          <a:fontRef idx="minor">
+            <a:schemeClr val="lt1"/>
+          </a:fontRef>
+        </p:style>
+        <p:txBody>
+          <a:bodyPr rtlCol="0" anchor="ctr"/>
+          <a:lstStyle/>
+          <a:p>
+            <a:pPr algn="ctr"/>
+            <a:r>
+              <a:rPr lang="en-US" sz="3600" dirty="0">
+                <a:solidFill>
+                  <a:schemeClr val="tx1"/>
+                </a:solidFill>
+              </a:rPr>
+              <a:t>18</a:t>
+            </a:r>
+          </a:p>
+        </p:txBody>
+      </p:sp>
+      <p:cxnSp>
+        <p:nvCxnSpPr>
+          <p:cNvPr id="14" name="Straight Arrow Connector 13">
+            <a:extLst>
+              <a:ext uri="{FF2B5EF4-FFF2-40B4-BE49-F238E27FC236}">
+                <a16:creationId xmlns:a16="http://schemas.microsoft.com/office/drawing/2014/main" id="{84A7F814-1E31-612B-6E15-C65C60B0E104}"/>
+              </a:ext>
+            </a:extLst>
+          </p:cNvPr>
+          <p:cNvCxnSpPr>
+            <a:cxnSpLocks/>
+          </p:cNvCxnSpPr>
+          <p:nvPr/>
+        </p:nvCxnSpPr>
+        <p:spPr>
+          <a:xfrm flipH="1">
+            <a:off x="2465611" y="3271528"/>
+            <a:ext cx="845611" cy="523048"/>
+          </a:xfrm>
+          <a:prstGeom prst="straightConnector1">
+            <a:avLst/>
+          </a:prstGeom>
+          <a:ln w="76200">
+            <a:tailEnd type="triangle"/>
+          </a:ln>
+        </p:spPr>
+        <p:style>
+          <a:lnRef idx="1">
+            <a:schemeClr val="dk1"/>
+          </a:lnRef>
+          <a:fillRef idx="0">
+            <a:schemeClr val="dk1"/>
+          </a:fillRef>
+          <a:effectRef idx="0">
+            <a:schemeClr val="dk1"/>
+          </a:effectRef>
+          <a:fontRef idx="minor">
+            <a:schemeClr val="tx1"/>
+          </a:fontRef>
+        </p:style>
+      </p:cxnSp>
+      <p:cxnSp>
+        <p:nvCxnSpPr>
+          <p:cNvPr id="15" name="Straight Arrow Connector 14">
+            <a:extLst>
+              <a:ext uri="{FF2B5EF4-FFF2-40B4-BE49-F238E27FC236}">
+                <a16:creationId xmlns:a16="http://schemas.microsoft.com/office/drawing/2014/main" id="{9287EBF1-12D6-1218-4C2B-4960EEF3B023}"/>
+              </a:ext>
+            </a:extLst>
+          </p:cNvPr>
+          <p:cNvCxnSpPr>
+            <a:cxnSpLocks/>
+          </p:cNvCxnSpPr>
+          <p:nvPr/>
+        </p:nvCxnSpPr>
+        <p:spPr>
+          <a:xfrm flipH="1">
+            <a:off x="3833370" y="2422069"/>
+            <a:ext cx="990359" cy="290206"/>
+          </a:xfrm>
+          <a:prstGeom prst="straightConnector1">
+            <a:avLst/>
+          </a:prstGeom>
+          <a:ln w="76200">
+            <a:tailEnd type="triangle"/>
+          </a:ln>
+        </p:spPr>
+        <p:style>
+          <a:lnRef idx="1">
+            <a:schemeClr val="dk1"/>
+          </a:lnRef>
+          <a:fillRef idx="0">
+            <a:schemeClr val="dk1"/>
+          </a:fillRef>
+          <a:effectRef idx="0">
+            <a:schemeClr val="dk1"/>
+          </a:effectRef>
+          <a:fontRef idx="minor">
+            <a:schemeClr val="tx1"/>
+          </a:fontRef>
+        </p:style>
+      </p:cxnSp>
+      <p:cxnSp>
+        <p:nvCxnSpPr>
+          <p:cNvPr id="17" name="Straight Arrow Connector 16">
+            <a:extLst>
+              <a:ext uri="{FF2B5EF4-FFF2-40B4-BE49-F238E27FC236}">
+                <a16:creationId xmlns:a16="http://schemas.microsoft.com/office/drawing/2014/main" id="{12596DEE-D044-BF25-8131-E2EDA4C6AA69}"/>
+              </a:ext>
+            </a:extLst>
+          </p:cNvPr>
+          <p:cNvCxnSpPr>
+            <a:cxnSpLocks/>
+          </p:cNvCxnSpPr>
+          <p:nvPr/>
+        </p:nvCxnSpPr>
+        <p:spPr>
+          <a:xfrm>
+            <a:off x="3768322" y="3271528"/>
+            <a:ext cx="130097" cy="479960"/>
+          </a:xfrm>
+          <a:prstGeom prst="straightConnector1">
+            <a:avLst/>
+          </a:prstGeom>
+          <a:ln w="76200">
+            <a:tailEnd type="triangle"/>
+          </a:ln>
+        </p:spPr>
+        <p:style>
+          <a:lnRef idx="1">
+            <a:schemeClr val="dk1"/>
+          </a:lnRef>
+          <a:fillRef idx="0">
+            <a:schemeClr val="dk1"/>
+          </a:fillRef>
+          <a:effectRef idx="0">
+            <a:schemeClr val="dk1"/>
+          </a:effectRef>
+          <a:fontRef idx="minor">
+            <a:schemeClr val="tx1"/>
+          </a:fontRef>
+        </p:style>
+      </p:cxnSp>
+      <p:sp>
+        <p:nvSpPr>
+          <p:cNvPr id="27" name="Rectangle 26">
+            <a:extLst>
+              <a:ext uri="{FF2B5EF4-FFF2-40B4-BE49-F238E27FC236}">
+                <a16:creationId xmlns:a16="http://schemas.microsoft.com/office/drawing/2014/main" id="{149646F2-E0DC-7311-3BA2-CF1FA1F023B4}"/>
+              </a:ext>
+            </a:extLst>
+          </p:cNvPr>
+          <p:cNvSpPr/>
+          <p:nvPr/>
+        </p:nvSpPr>
+        <p:spPr>
+          <a:xfrm>
+            <a:off x="7347002" y="3751488"/>
+            <a:ext cx="659947" cy="559253"/>
+          </a:xfrm>
+          <a:prstGeom prst="rect">
+            <a:avLst/>
+          </a:prstGeom>
+          <a:solidFill>
+            <a:schemeClr val="bg1"/>
+          </a:solidFill>
+        </p:spPr>
+        <p:style>
+          <a:lnRef idx="2">
+            <a:schemeClr val="accent1">
+              <a:shade val="50000"/>
+            </a:schemeClr>
+          </a:lnRef>
+          <a:fillRef idx="1">
+            <a:schemeClr val="accent1"/>
+          </a:fillRef>
+          <a:effectRef idx="0">
+            <a:schemeClr val="accent1"/>
+          </a:effectRef>
+          <a:fontRef idx="minor">
+            <a:schemeClr val="lt1"/>
+          </a:fontRef>
+        </p:style>
+        <p:txBody>
+          <a:bodyPr rtlCol="0" anchor="ctr"/>
+          <a:lstStyle/>
+          <a:p>
+            <a:pPr algn="ctr"/>
+            <a:r>
+              <a:rPr lang="en-US" sz="3600" dirty="0">
+                <a:solidFill>
+                  <a:schemeClr val="tx1"/>
+                </a:solidFill>
+              </a:rPr>
+              <a:t>24</a:t>
+            </a:r>
+          </a:p>
+        </p:txBody>
+      </p:sp>
+      <p:sp>
+        <p:nvSpPr>
+          <p:cNvPr id="28" name="Rectangle 27">
+            <a:extLst>
+              <a:ext uri="{FF2B5EF4-FFF2-40B4-BE49-F238E27FC236}">
+                <a16:creationId xmlns:a16="http://schemas.microsoft.com/office/drawing/2014/main" id="{4065ABFD-4FC6-5043-EB29-315E9687060C}"/>
+              </a:ext>
+            </a:extLst>
+          </p:cNvPr>
+          <p:cNvSpPr/>
+          <p:nvPr/>
+        </p:nvSpPr>
+        <p:spPr>
+          <a:xfrm>
+            <a:off x="8028188" y="3751487"/>
+            <a:ext cx="659947" cy="559253"/>
+          </a:xfrm>
+          <a:prstGeom prst="rect">
+            <a:avLst/>
+          </a:prstGeom>
+          <a:solidFill>
+            <a:schemeClr val="bg1"/>
+          </a:solidFill>
+        </p:spPr>
+        <p:style>
+          <a:lnRef idx="2">
+            <a:schemeClr val="accent1">
+              <a:shade val="50000"/>
+            </a:schemeClr>
+          </a:lnRef>
+          <a:fillRef idx="1">
+            <a:schemeClr val="accent1"/>
+          </a:fillRef>
+          <a:effectRef idx="0">
+            <a:schemeClr val="accent1"/>
+          </a:effectRef>
+          <a:fontRef idx="minor">
+            <a:schemeClr val="lt1"/>
+          </a:fontRef>
+        </p:style>
+        <p:txBody>
+          <a:bodyPr rtlCol="0" anchor="ctr"/>
+          <a:lstStyle/>
+          <a:p>
+            <a:pPr algn="ctr"/>
+            <a:r>
+              <a:rPr lang="en-US" sz="3600" dirty="0">
+                <a:solidFill>
+                  <a:schemeClr val="tx1"/>
+                </a:solidFill>
+              </a:rPr>
+              <a:t>32</a:t>
+            </a:r>
+          </a:p>
+        </p:txBody>
+      </p:sp>
+      <p:cxnSp>
+        <p:nvCxnSpPr>
+          <p:cNvPr id="29" name="Straight Arrow Connector 28">
+            <a:extLst>
+              <a:ext uri="{FF2B5EF4-FFF2-40B4-BE49-F238E27FC236}">
+                <a16:creationId xmlns:a16="http://schemas.microsoft.com/office/drawing/2014/main" id="{7DF6D89D-EB6F-554A-3DBF-DE7AD85EC3CE}"/>
+              </a:ext>
+            </a:extLst>
+          </p:cNvPr>
+          <p:cNvCxnSpPr>
+            <a:cxnSpLocks/>
+          </p:cNvCxnSpPr>
+          <p:nvPr/>
+        </p:nvCxnSpPr>
+        <p:spPr>
+          <a:xfrm>
+            <a:off x="5483676" y="2422069"/>
+            <a:ext cx="990359" cy="331634"/>
+          </a:xfrm>
+          <a:prstGeom prst="straightConnector1">
+            <a:avLst/>
+          </a:prstGeom>
+          <a:ln w="76200">
+            <a:tailEnd type="triangle"/>
+          </a:ln>
+        </p:spPr>
+        <p:style>
+          <a:lnRef idx="1">
+            <a:schemeClr val="dk1"/>
+          </a:lnRef>
+          <a:fillRef idx="0">
+            <a:schemeClr val="dk1"/>
+          </a:fillRef>
+          <a:effectRef idx="0">
+            <a:schemeClr val="dk1"/>
+          </a:effectRef>
+          <a:fontRef idx="minor">
+            <a:schemeClr val="tx1"/>
+          </a:fontRef>
+        </p:style>
+      </p:cxnSp>
+      <p:cxnSp>
+        <p:nvCxnSpPr>
+          <p:cNvPr id="32" name="Straight Arrow Connector 31">
+            <a:extLst>
+              <a:ext uri="{FF2B5EF4-FFF2-40B4-BE49-F238E27FC236}">
+                <a16:creationId xmlns:a16="http://schemas.microsoft.com/office/drawing/2014/main" id="{68CB901E-FE3A-F927-DF4E-BAFF95CF29BA}"/>
+              </a:ext>
+            </a:extLst>
+          </p:cNvPr>
+          <p:cNvCxnSpPr>
+            <a:cxnSpLocks/>
+            <a:endCxn id="7" idx="0"/>
+          </p:cNvCxnSpPr>
+          <p:nvPr/>
+        </p:nvCxnSpPr>
+        <p:spPr>
+          <a:xfrm flipH="1">
+            <a:off x="5347178" y="3312956"/>
+            <a:ext cx="485602" cy="438532"/>
+          </a:xfrm>
+          <a:prstGeom prst="straightConnector1">
+            <a:avLst/>
+          </a:prstGeom>
+          <a:ln w="76200">
+            <a:tailEnd type="triangle"/>
+          </a:ln>
+        </p:spPr>
+        <p:style>
+          <a:lnRef idx="1">
+            <a:schemeClr val="dk1"/>
+          </a:lnRef>
+          <a:fillRef idx="0">
+            <a:schemeClr val="dk1"/>
+          </a:fillRef>
+          <a:effectRef idx="0">
+            <a:schemeClr val="dk1"/>
+          </a:effectRef>
+          <a:fontRef idx="minor">
+            <a:schemeClr val="tx1"/>
+          </a:fontRef>
+        </p:style>
+      </p:cxnSp>
+      <p:cxnSp>
+        <p:nvCxnSpPr>
+          <p:cNvPr id="35" name="Straight Arrow Connector 34">
+            <a:extLst>
+              <a:ext uri="{FF2B5EF4-FFF2-40B4-BE49-F238E27FC236}">
+                <a16:creationId xmlns:a16="http://schemas.microsoft.com/office/drawing/2014/main" id="{6BBCF956-444B-B215-EECB-0750959A3F00}"/>
+              </a:ext>
+            </a:extLst>
+          </p:cNvPr>
+          <p:cNvCxnSpPr>
+            <a:cxnSpLocks/>
+            <a:endCxn id="8" idx="0"/>
+          </p:cNvCxnSpPr>
+          <p:nvPr/>
+        </p:nvCxnSpPr>
+        <p:spPr>
+          <a:xfrm>
+            <a:off x="6492727" y="3312956"/>
+            <a:ext cx="86703" cy="438531"/>
+          </a:xfrm>
+          <a:prstGeom prst="straightConnector1">
+            <a:avLst/>
+          </a:prstGeom>
+          <a:ln w="76200">
+            <a:tailEnd type="triangle"/>
+          </a:ln>
+        </p:spPr>
+        <p:style>
+          <a:lnRef idx="1">
+            <a:schemeClr val="dk1"/>
+          </a:lnRef>
+          <a:fillRef idx="0">
+            <a:schemeClr val="dk1"/>
+          </a:fillRef>
+          <a:effectRef idx="0">
+            <a:schemeClr val="dk1"/>
+          </a:effectRef>
+          <a:fontRef idx="minor">
+            <a:schemeClr val="tx1"/>
+          </a:fontRef>
+        </p:style>
+      </p:cxnSp>
+      <p:cxnSp>
+        <p:nvCxnSpPr>
+          <p:cNvPr id="38" name="Straight Arrow Connector 37">
+            <a:extLst>
+              <a:ext uri="{FF2B5EF4-FFF2-40B4-BE49-F238E27FC236}">
+                <a16:creationId xmlns:a16="http://schemas.microsoft.com/office/drawing/2014/main" id="{1B02C1D3-C92D-2004-8B4C-15B1E28DD61A}"/>
+              </a:ext>
+            </a:extLst>
+          </p:cNvPr>
+          <p:cNvCxnSpPr>
+            <a:cxnSpLocks/>
+          </p:cNvCxnSpPr>
+          <p:nvPr/>
+        </p:nvCxnSpPr>
+        <p:spPr>
+          <a:xfrm>
+            <a:off x="7152660" y="3312956"/>
+            <a:ext cx="710321" cy="438531"/>
+          </a:xfrm>
+          <a:prstGeom prst="straightConnector1">
+            <a:avLst/>
+          </a:prstGeom>
+          <a:ln w="76200">
+            <a:tailEnd type="triangle"/>
+          </a:ln>
+        </p:spPr>
+        <p:style>
+          <a:lnRef idx="1">
+            <a:schemeClr val="dk1"/>
+          </a:lnRef>
+          <a:fillRef idx="0">
+            <a:schemeClr val="dk1"/>
+          </a:fillRef>
+          <a:effectRef idx="0">
+            <a:schemeClr val="dk1"/>
+          </a:effectRef>
+          <a:fontRef idx="minor">
+            <a:schemeClr val="tx1"/>
+          </a:fontRef>
+        </p:style>
+      </p:cxnSp>
+      <p:sp>
+        <p:nvSpPr>
+          <p:cNvPr id="41" name="Rectangle 40">
+            <a:extLst>
+              <a:ext uri="{FF2B5EF4-FFF2-40B4-BE49-F238E27FC236}">
+                <a16:creationId xmlns:a16="http://schemas.microsoft.com/office/drawing/2014/main" id="{B3DD899A-32F3-CF51-05A8-5BD198491C3A}"/>
+              </a:ext>
+            </a:extLst>
+          </p:cNvPr>
+          <p:cNvSpPr/>
+          <p:nvPr/>
+        </p:nvSpPr>
+        <p:spPr>
+          <a:xfrm>
+            <a:off x="7368241" y="1112385"/>
+            <a:ext cx="659947" cy="559253"/>
+          </a:xfrm>
+          <a:prstGeom prst="rect">
+            <a:avLst/>
+          </a:prstGeom>
+          <a:solidFill>
+            <a:schemeClr val="bg1"/>
+          </a:solidFill>
+        </p:spPr>
+        <p:style>
+          <a:lnRef idx="2">
+            <a:schemeClr val="accent1">
+              <a:shade val="50000"/>
+            </a:schemeClr>
+          </a:lnRef>
+          <a:fillRef idx="1">
+            <a:schemeClr val="accent1"/>
+          </a:fillRef>
+          <a:effectRef idx="0">
+            <a:schemeClr val="accent1"/>
+          </a:effectRef>
+          <a:fontRef idx="minor">
+            <a:schemeClr val="lt1"/>
+          </a:fontRef>
+        </p:style>
+        <p:txBody>
+          <a:bodyPr rtlCol="0" anchor="ctr"/>
+          <a:lstStyle/>
+          <a:p>
+            <a:pPr algn="ctr"/>
+            <a:r>
+              <a:rPr lang="en-US" sz="3600" dirty="0">
+                <a:solidFill>
+                  <a:schemeClr val="tx1"/>
+                </a:solidFill>
+              </a:rPr>
+              <a:t>7</a:t>
+            </a:r>
+          </a:p>
+        </p:txBody>
+      </p:sp>
+      <p:sp>
+        <p:nvSpPr>
+          <p:cNvPr id="42" name="TextBox 41">
+            <a:extLst>
+              <a:ext uri="{FF2B5EF4-FFF2-40B4-BE49-F238E27FC236}">
+                <a16:creationId xmlns:a16="http://schemas.microsoft.com/office/drawing/2014/main" id="{D2D47168-2BE3-9CF6-E54D-440A4BB77495}"/>
+              </a:ext>
+            </a:extLst>
+          </p:cNvPr>
+          <p:cNvSpPr txBox="1"/>
+          <p:nvPr/>
+        </p:nvSpPr>
+        <p:spPr>
+          <a:xfrm>
+            <a:off x="6332163" y="1160681"/>
+            <a:ext cx="1175657" cy="461665"/>
+          </a:xfrm>
+          <a:prstGeom prst="rect">
+            <a:avLst/>
+          </a:prstGeom>
+          <a:noFill/>
+        </p:spPr>
+        <p:txBody>
+          <a:bodyPr wrap="square" rtlCol="0">
+            <a:spAutoFit/>
+          </a:bodyPr>
+          <a:lstStyle/>
+          <a:p>
+            <a:r>
+              <a:rPr lang="en-US" sz="2400" dirty="0"/>
+              <a:t>Insert:</a:t>
             </a:r>
           </a:p>
         </p:txBody>
@@ -16553,13 +17549,207 @@
     </p:spTree>
     <p:extLst>
       <p:ext uri="{BB962C8B-B14F-4D97-AF65-F5344CB8AC3E}">
-        <p14:creationId xmlns:p14="http://schemas.microsoft.com/office/powerpoint/2010/main" val="4170783713"/>
+        <p14:creationId xmlns:p14="http://schemas.microsoft.com/office/powerpoint/2010/main" val="2097189681"/>
       </p:ext>
     </p:extLst>
   </p:cSld>
   <p:clrMapOvr>
     <a:masterClrMapping/>
   </p:clrMapOvr>
+  <mc:AlternateContent xmlns:mc="http://schemas.openxmlformats.org/markup-compatibility/2006" xmlns:p159="http://schemas.microsoft.com/office/powerpoint/2015/09/main">
+    <mc:Choice Requires="p159">
+      <p:transition xmlns:p14="http://schemas.microsoft.com/office/powerpoint/2010/main" spd="slow" p14:dur="2000">
+        <p159:morph option="byObject"/>
+      </p:transition>
+    </mc:Choice>
+    <mc:Fallback xmlns="">
+      <p:transition spd="slow">
+        <p:fade/>
+      </p:transition>
+    </mc:Fallback>
+  </mc:AlternateContent>
+  <p:timing>
+    <p:tnLst>
+      <p:par>
+        <p:cTn id="1" dur="indefinite" restart="never" nodeType="tmRoot">
+          <p:childTnLst>
+            <p:seq concurrent="1" nextAc="seek">
+              <p:cTn id="2" dur="indefinite" nodeType="mainSeq">
+                <p:childTnLst>
+                  <p:par>
+                    <p:cTn id="3" fill="hold">
+                      <p:stCondLst>
+                        <p:cond delay="indefinite"/>
+                      </p:stCondLst>
+                      <p:childTnLst>
+                        <p:par>
+                          <p:cTn id="4" fill="hold">
+                            <p:stCondLst>
+                              <p:cond delay="0"/>
+                            </p:stCondLst>
+                            <p:childTnLst>
+                              <p:par>
+                                <p:cTn id="5" presetID="9" presetClass="exit" presetSubtype="0" fill="hold" grpId="0" nodeType="clickEffect">
+                                  <p:stCondLst>
+                                    <p:cond delay="0"/>
+                                  </p:stCondLst>
+                                  <p:childTnLst>
+                                    <p:animEffect transition="out" filter="dissolve">
+                                      <p:cBhvr>
+                                        <p:cTn id="6" dur="500"/>
+                                        <p:tgtEl>
+                                          <p:spTgt spid="42"/>
+                                        </p:tgtEl>
+                                      </p:cBhvr>
+                                    </p:animEffect>
+                                    <p:set>
+                                      <p:cBhvr>
+                                        <p:cTn id="7" dur="1" fill="hold">
+                                          <p:stCondLst>
+                                            <p:cond delay="499"/>
+                                          </p:stCondLst>
+                                        </p:cTn>
+                                        <p:tgtEl>
+                                          <p:spTgt spid="42"/>
+                                        </p:tgtEl>
+                                        <p:attrNameLst>
+                                          <p:attrName>style.visibility</p:attrName>
+                                        </p:attrNameLst>
+                                      </p:cBhvr>
+                                      <p:to>
+                                        <p:strVal val="hidden"/>
+                                      </p:to>
+                                    </p:set>
+                                  </p:childTnLst>
+                                </p:cTn>
+                              </p:par>
+                            </p:childTnLst>
+                          </p:cTn>
+                        </p:par>
+                        <p:par>
+                          <p:cTn id="8" fill="hold">
+                            <p:stCondLst>
+                              <p:cond delay="500"/>
+                            </p:stCondLst>
+                            <p:childTnLst>
+                              <p:par>
+                                <p:cTn id="9" presetID="42" presetClass="path" presetSubtype="0" accel="50000" decel="50000" fill="hold" grpId="0" nodeType="afterEffect">
+                                  <p:stCondLst>
+                                    <p:cond delay="0"/>
+                                  </p:stCondLst>
+                                  <p:childTnLst>
+                                    <p:animMotion origin="layout" path="M 0.00122 9.87654E-7 L -0.35972 0.14105 " pathEditMode="relative" rAng="0" ptsTypes="AA">
+                                      <p:cBhvr>
+                                        <p:cTn id="10" dur="2000" fill="hold"/>
+                                        <p:tgtEl>
+                                          <p:spTgt spid="41"/>
+                                        </p:tgtEl>
+                                        <p:attrNameLst>
+                                          <p:attrName>ppt_x</p:attrName>
+                                          <p:attrName>ppt_y</p:attrName>
+                                        </p:attrNameLst>
+                                      </p:cBhvr>
+                                      <p:rCtr x="-18056" y="7037"/>
+                                    </p:animMotion>
+                                  </p:childTnLst>
+                                </p:cTn>
+                              </p:par>
+                            </p:childTnLst>
+                          </p:cTn>
+                        </p:par>
+                        <p:par>
+                          <p:cTn id="11" fill="hold">
+                            <p:stCondLst>
+                              <p:cond delay="2500"/>
+                            </p:stCondLst>
+                            <p:childTnLst>
+                              <p:par>
+                                <p:cTn id="12" presetID="42" presetClass="path" presetSubtype="0" accel="50000" decel="50000" fill="hold" grpId="1" nodeType="afterEffect">
+                                  <p:stCondLst>
+                                    <p:cond delay="0"/>
+                                  </p:stCondLst>
+                                  <p:childTnLst>
+                                    <p:animMotion origin="layout" path="M -0.35972 0.14105 L -0.52934 0.30864 " pathEditMode="relative" rAng="0" ptsTypes="AA">
+                                      <p:cBhvr>
+                                        <p:cTn id="13" dur="2000" fill="hold"/>
+                                        <p:tgtEl>
+                                          <p:spTgt spid="41"/>
+                                        </p:tgtEl>
+                                        <p:attrNameLst>
+                                          <p:attrName>ppt_x</p:attrName>
+                                          <p:attrName>ppt_y</p:attrName>
+                                        </p:attrNameLst>
+                                      </p:cBhvr>
+                                      <p:rCtr x="-8490" y="8364"/>
+                                    </p:animMotion>
+                                  </p:childTnLst>
+                                </p:cTn>
+                              </p:par>
+                            </p:childTnLst>
+                          </p:cTn>
+                        </p:par>
+                        <p:par>
+                          <p:cTn id="14" fill="hold">
+                            <p:stCondLst>
+                              <p:cond delay="4500"/>
+                            </p:stCondLst>
+                            <p:childTnLst>
+                              <p:par>
+                                <p:cTn id="15" presetID="42" presetClass="path" presetSubtype="0" accel="50000" decel="50000" fill="hold" grpId="2" nodeType="afterEffect">
+                                  <p:stCondLst>
+                                    <p:cond delay="0"/>
+                                  </p:stCondLst>
+                                  <p:childTnLst>
+                                    <p:animMotion origin="layout" path="M -0.52934 0.30864 L -0.65625 0.51018 " pathEditMode="relative" rAng="0" ptsTypes="AA">
+                                      <p:cBhvr>
+                                        <p:cTn id="16" dur="2000" fill="hold"/>
+                                        <p:tgtEl>
+                                          <p:spTgt spid="41"/>
+                                        </p:tgtEl>
+                                        <p:attrNameLst>
+                                          <p:attrName>ppt_x</p:attrName>
+                                          <p:attrName>ppt_y</p:attrName>
+                                        </p:attrNameLst>
+                                      </p:cBhvr>
+                                      <p:rCtr x="-6354" y="10062"/>
+                                    </p:animMotion>
+                                  </p:childTnLst>
+                                </p:cTn>
+                              </p:par>
+                            </p:childTnLst>
+                          </p:cTn>
+                        </p:par>
+                      </p:childTnLst>
+                    </p:cTn>
+                  </p:par>
+                </p:childTnLst>
+              </p:cTn>
+              <p:prevCondLst>
+                <p:cond evt="onPrev" delay="0">
+                  <p:tgtEl>
+                    <p:sldTgt/>
+                  </p:tgtEl>
+                </p:cond>
+              </p:prevCondLst>
+              <p:nextCondLst>
+                <p:cond evt="onNext" delay="0">
+                  <p:tgtEl>
+                    <p:sldTgt/>
+                  </p:tgtEl>
+                </p:cond>
+              </p:nextCondLst>
+            </p:seq>
+          </p:childTnLst>
+        </p:cTn>
+      </p:par>
+    </p:tnLst>
+    <p:bldLst>
+      <p:bldP spid="41" grpId="0" animBg="1"/>
+      <p:bldP spid="41" grpId="1" animBg="1"/>
+      <p:bldP spid="41" grpId="2" animBg="1"/>
+      <p:bldP spid="42" grpId="0"/>
+    </p:bldLst>
+  </p:timing>
 </p:sld>
 </file>
 
@@ -16738,6 +17928,3557 @@
 </file>
 
 <file path=ppt/slides/slide30.xml><?xml version="1.0" encoding="utf-8"?>
+<p:sld xmlns:a="http://schemas.openxmlformats.org/drawingml/2006/main" xmlns:r="http://schemas.openxmlformats.org/officeDocument/2006/relationships" xmlns:p="http://schemas.openxmlformats.org/presentationml/2006/main">
+  <p:cSld>
+    <p:spTree>
+      <p:nvGrpSpPr>
+        <p:cNvPr id="1" name=""/>
+        <p:cNvGrpSpPr/>
+        <p:nvPr/>
+      </p:nvGrpSpPr>
+      <p:grpSpPr>
+        <a:xfrm>
+          <a:off x="0" y="0"/>
+          <a:ext cx="0" cy="0"/>
+          <a:chOff x="0" y="0"/>
+          <a:chExt cx="0" cy="0"/>
+        </a:xfrm>
+      </p:grpSpPr>
+      <p:sp>
+        <p:nvSpPr>
+          <p:cNvPr id="4" name="Title 3"/>
+          <p:cNvSpPr>
+            <a:spLocks noGrp="1"/>
+          </p:cNvSpPr>
+          <p:nvPr>
+            <p:ph type="title"/>
+          </p:nvPr>
+        </p:nvSpPr>
+        <p:spPr>
+          <a:xfrm>
+            <a:off x="1794375" y="89037"/>
+            <a:ext cx="6805594" cy="725349"/>
+          </a:xfrm>
+        </p:spPr>
+        <p:txBody>
+          <a:bodyPr>
+            <a:normAutofit/>
+          </a:bodyPr>
+          <a:lstStyle/>
+          <a:p>
+            <a:r>
+              <a:rPr lang="en-US" dirty="0"/>
+              <a:t>Operation for Insertion:</a:t>
+            </a:r>
+          </a:p>
+        </p:txBody>
+      </p:sp>
+      <p:sp>
+        <p:nvSpPr>
+          <p:cNvPr id="5" name="Content Placeholder 4"/>
+          <p:cNvSpPr>
+            <a:spLocks noGrp="1"/>
+          </p:cNvSpPr>
+          <p:nvPr>
+            <p:ph idx="1"/>
+          </p:nvPr>
+        </p:nvSpPr>
+        <p:spPr>
+          <a:xfrm>
+            <a:off x="1326546" y="771915"/>
+            <a:ext cx="7927521" cy="4275667"/>
+          </a:xfrm>
+        </p:spPr>
+        <p:txBody>
+          <a:bodyPr>
+            <a:noAutofit/>
+          </a:bodyPr>
+          <a:lstStyle/>
+          <a:p>
+            <a:pPr marL="342900" marR="0" lvl="0" indent="-342900">
+              <a:lnSpc>
+                <a:spcPts val="2250"/>
+              </a:lnSpc>
+              <a:spcBef>
+                <a:spcPts val="0"/>
+              </a:spcBef>
+              <a:spcAft>
+                <a:spcPts val="900"/>
+              </a:spcAft>
+              <a:buFont typeface="Symbol" panose="05050102010706020507" pitchFamily="18" charset="2"/>
+              <a:buChar char=""/>
+            </a:pPr>
+            <a:r>
+              <a:rPr lang="en-US" sz="2400" dirty="0">
+                <a:solidFill>
+                  <a:srgbClr val="000000"/>
+                </a:solidFill>
+                <a:effectLst/>
+                <a:latin typeface="Times New Roman" panose="02020603050405020304" pitchFamily="18" charset="0"/>
+                <a:ea typeface="Times New Roman" panose="02020603050405020304" pitchFamily="18" charset="0"/>
+              </a:rPr>
+              <a:t>If the tree is empty, allocate a root node and insert the key.</a:t>
+            </a:r>
+            <a:endParaRPr lang="en-US" sz="2400" dirty="0">
+              <a:effectLst/>
+              <a:latin typeface="Arial" panose="020B0604020202020204" pitchFamily="34" charset="0"/>
+              <a:ea typeface="Arial" panose="020B0604020202020204" pitchFamily="34" charset="0"/>
+            </a:endParaRPr>
+          </a:p>
+          <a:p>
+            <a:pPr marL="342900" marR="0" lvl="0" indent="-342900">
+              <a:lnSpc>
+                <a:spcPts val="2250"/>
+              </a:lnSpc>
+              <a:spcBef>
+                <a:spcPts val="0"/>
+              </a:spcBef>
+              <a:spcAft>
+                <a:spcPts val="900"/>
+              </a:spcAft>
+              <a:buFont typeface="Symbol" panose="05050102010706020507" pitchFamily="18" charset="2"/>
+              <a:buChar char=""/>
+            </a:pPr>
+            <a:r>
+              <a:rPr lang="en-US" sz="2400" dirty="0">
+                <a:solidFill>
+                  <a:srgbClr val="000000"/>
+                </a:solidFill>
+                <a:effectLst/>
+                <a:latin typeface="Times New Roman" panose="02020603050405020304" pitchFamily="18" charset="0"/>
+                <a:ea typeface="Times New Roman" panose="02020603050405020304" pitchFamily="18" charset="0"/>
+              </a:rPr>
+              <a:t>Update the allowed number of keys in the node.</a:t>
+            </a:r>
+            <a:endParaRPr lang="en-US" sz="2400" dirty="0">
+              <a:effectLst/>
+              <a:latin typeface="Arial" panose="020B0604020202020204" pitchFamily="34" charset="0"/>
+              <a:ea typeface="Arial" panose="020B0604020202020204" pitchFamily="34" charset="0"/>
+            </a:endParaRPr>
+          </a:p>
+          <a:p>
+            <a:pPr marL="342900" marR="0" lvl="0" indent="-342900">
+              <a:lnSpc>
+                <a:spcPts val="2250"/>
+              </a:lnSpc>
+              <a:spcBef>
+                <a:spcPts val="0"/>
+              </a:spcBef>
+              <a:spcAft>
+                <a:spcPts val="900"/>
+              </a:spcAft>
+              <a:buFont typeface="Symbol" panose="05050102010706020507" pitchFamily="18" charset="2"/>
+              <a:buChar char=""/>
+            </a:pPr>
+            <a:r>
+              <a:rPr lang="en-US" sz="2400" dirty="0">
+                <a:solidFill>
+                  <a:srgbClr val="000000"/>
+                </a:solidFill>
+                <a:effectLst/>
+                <a:latin typeface="Times New Roman" panose="02020603050405020304" pitchFamily="18" charset="0"/>
+                <a:ea typeface="Times New Roman" panose="02020603050405020304" pitchFamily="18" charset="0"/>
+              </a:rPr>
+              <a:t>Search the appropriate node for insertion.</a:t>
+            </a:r>
+            <a:endParaRPr lang="en-US" sz="2400" dirty="0">
+              <a:effectLst/>
+              <a:latin typeface="Arial" panose="020B0604020202020204" pitchFamily="34" charset="0"/>
+              <a:ea typeface="Arial" panose="020B0604020202020204" pitchFamily="34" charset="0"/>
+            </a:endParaRPr>
+          </a:p>
+          <a:p>
+            <a:pPr marL="342900" marR="0" lvl="0" indent="-342900">
+              <a:lnSpc>
+                <a:spcPts val="2250"/>
+              </a:lnSpc>
+              <a:spcBef>
+                <a:spcPts val="0"/>
+              </a:spcBef>
+              <a:spcAft>
+                <a:spcPts val="900"/>
+              </a:spcAft>
+              <a:buFont typeface="Symbol" panose="05050102010706020507" pitchFamily="18" charset="2"/>
+              <a:buChar char=""/>
+            </a:pPr>
+            <a:r>
+              <a:rPr lang="en-US" sz="2400" dirty="0">
+                <a:solidFill>
+                  <a:srgbClr val="000000"/>
+                </a:solidFill>
+                <a:effectLst/>
+                <a:latin typeface="Times New Roman" panose="02020603050405020304" pitchFamily="18" charset="0"/>
+                <a:ea typeface="Times New Roman" panose="02020603050405020304" pitchFamily="18" charset="0"/>
+              </a:rPr>
+              <a:t>If the node is full, follow the steps below.</a:t>
+            </a:r>
+            <a:endParaRPr lang="en-US" sz="2400" dirty="0">
+              <a:effectLst/>
+              <a:latin typeface="Arial" panose="020B0604020202020204" pitchFamily="34" charset="0"/>
+              <a:ea typeface="Arial" panose="020B0604020202020204" pitchFamily="34" charset="0"/>
+            </a:endParaRPr>
+          </a:p>
+          <a:p>
+            <a:pPr marL="342900" marR="0" lvl="0" indent="-342900">
+              <a:lnSpc>
+                <a:spcPts val="2250"/>
+              </a:lnSpc>
+              <a:spcBef>
+                <a:spcPts val="0"/>
+              </a:spcBef>
+              <a:spcAft>
+                <a:spcPts val="900"/>
+              </a:spcAft>
+              <a:buFont typeface="Symbol" panose="05050102010706020507" pitchFamily="18" charset="2"/>
+              <a:buChar char=""/>
+            </a:pPr>
+            <a:r>
+              <a:rPr lang="en-US" sz="2400" dirty="0">
+                <a:solidFill>
+                  <a:srgbClr val="000000"/>
+                </a:solidFill>
+                <a:effectLst/>
+                <a:latin typeface="Times New Roman" panose="02020603050405020304" pitchFamily="18" charset="0"/>
+                <a:ea typeface="Times New Roman" panose="02020603050405020304" pitchFamily="18" charset="0"/>
+              </a:rPr>
+              <a:t>Insert the elements in increasing order.</a:t>
+            </a:r>
+            <a:endParaRPr lang="en-US" sz="2400" dirty="0">
+              <a:effectLst/>
+              <a:latin typeface="Arial" panose="020B0604020202020204" pitchFamily="34" charset="0"/>
+              <a:ea typeface="Arial" panose="020B0604020202020204" pitchFamily="34" charset="0"/>
+            </a:endParaRPr>
+          </a:p>
+          <a:p>
+            <a:pPr marL="342900" marR="0" lvl="0" indent="-342900">
+              <a:lnSpc>
+                <a:spcPts val="2250"/>
+              </a:lnSpc>
+              <a:spcBef>
+                <a:spcPts val="0"/>
+              </a:spcBef>
+              <a:spcAft>
+                <a:spcPts val="900"/>
+              </a:spcAft>
+              <a:buFont typeface="Symbol" panose="05050102010706020507" pitchFamily="18" charset="2"/>
+              <a:buChar char=""/>
+            </a:pPr>
+            <a:r>
+              <a:rPr lang="en-US" sz="2400" dirty="0">
+                <a:solidFill>
+                  <a:srgbClr val="000000"/>
+                </a:solidFill>
+                <a:effectLst/>
+                <a:latin typeface="Times New Roman" panose="02020603050405020304" pitchFamily="18" charset="0"/>
+                <a:ea typeface="Times New Roman" panose="02020603050405020304" pitchFamily="18" charset="0"/>
+              </a:rPr>
+              <a:t>Now, there are elements greater than its limit. So, split at the median.</a:t>
+            </a:r>
+            <a:endParaRPr lang="en-US" sz="2400" dirty="0">
+              <a:effectLst/>
+              <a:latin typeface="Arial" panose="020B0604020202020204" pitchFamily="34" charset="0"/>
+              <a:ea typeface="Arial" panose="020B0604020202020204" pitchFamily="34" charset="0"/>
+            </a:endParaRPr>
+          </a:p>
+          <a:p>
+            <a:pPr marL="342900" marR="0" lvl="0" indent="-342900">
+              <a:lnSpc>
+                <a:spcPts val="2250"/>
+              </a:lnSpc>
+              <a:spcBef>
+                <a:spcPts val="0"/>
+              </a:spcBef>
+              <a:spcAft>
+                <a:spcPts val="900"/>
+              </a:spcAft>
+              <a:buFont typeface="Symbol" panose="05050102010706020507" pitchFamily="18" charset="2"/>
+              <a:buChar char=""/>
+            </a:pPr>
+            <a:r>
+              <a:rPr lang="en-US" sz="2400" dirty="0">
+                <a:solidFill>
+                  <a:srgbClr val="000000"/>
+                </a:solidFill>
+                <a:effectLst/>
+                <a:latin typeface="Times New Roman" panose="02020603050405020304" pitchFamily="18" charset="0"/>
+                <a:ea typeface="Times New Roman" panose="02020603050405020304" pitchFamily="18" charset="0"/>
+              </a:rPr>
+              <a:t>Push the median key upwards and make the left keys as a left child and the right keys as a right child.</a:t>
+            </a:r>
+            <a:endParaRPr lang="en-US" sz="2400" dirty="0">
+              <a:effectLst/>
+              <a:latin typeface="Arial" panose="020B0604020202020204" pitchFamily="34" charset="0"/>
+              <a:ea typeface="Arial" panose="020B0604020202020204" pitchFamily="34" charset="0"/>
+            </a:endParaRPr>
+          </a:p>
+          <a:p>
+            <a:pPr marL="342900" marR="0" lvl="0" indent="-342900">
+              <a:lnSpc>
+                <a:spcPts val="2250"/>
+              </a:lnSpc>
+              <a:spcBef>
+                <a:spcPts val="0"/>
+              </a:spcBef>
+              <a:spcAft>
+                <a:spcPts val="900"/>
+              </a:spcAft>
+              <a:buFont typeface="Symbol" panose="05050102010706020507" pitchFamily="18" charset="2"/>
+              <a:buChar char=""/>
+            </a:pPr>
+            <a:r>
+              <a:rPr lang="en-US" sz="2400" dirty="0">
+                <a:solidFill>
+                  <a:srgbClr val="000000"/>
+                </a:solidFill>
+                <a:effectLst/>
+                <a:latin typeface="Times New Roman" panose="02020603050405020304" pitchFamily="18" charset="0"/>
+                <a:ea typeface="Times New Roman" panose="02020603050405020304" pitchFamily="18" charset="0"/>
+              </a:rPr>
+              <a:t>If the node is not full, follow the steps below.</a:t>
+            </a:r>
+            <a:endParaRPr lang="en-US" sz="2400" dirty="0">
+              <a:effectLst/>
+              <a:latin typeface="Arial" panose="020B0604020202020204" pitchFamily="34" charset="0"/>
+              <a:ea typeface="Arial" panose="020B0604020202020204" pitchFamily="34" charset="0"/>
+            </a:endParaRPr>
+          </a:p>
+          <a:p>
+            <a:pPr marL="342900" marR="0" lvl="0" indent="-342900">
+              <a:lnSpc>
+                <a:spcPts val="2250"/>
+              </a:lnSpc>
+              <a:spcBef>
+                <a:spcPts val="0"/>
+              </a:spcBef>
+              <a:spcAft>
+                <a:spcPts val="900"/>
+              </a:spcAft>
+              <a:buFont typeface="Symbol" panose="05050102010706020507" pitchFamily="18" charset="2"/>
+              <a:buChar char=""/>
+            </a:pPr>
+            <a:r>
+              <a:rPr lang="en-US" sz="2400" dirty="0">
+                <a:solidFill>
+                  <a:srgbClr val="000000"/>
+                </a:solidFill>
+                <a:effectLst/>
+                <a:latin typeface="Times New Roman" panose="02020603050405020304" pitchFamily="18" charset="0"/>
+                <a:ea typeface="Times New Roman" panose="02020603050405020304" pitchFamily="18" charset="0"/>
+              </a:rPr>
+              <a:t>Insert the node in increasing order.</a:t>
+            </a:r>
+            <a:endParaRPr lang="en-US" sz="2400" dirty="0">
+              <a:effectLst/>
+              <a:latin typeface="Arial" panose="020B0604020202020204" pitchFamily="34" charset="0"/>
+              <a:ea typeface="Arial" panose="020B0604020202020204" pitchFamily="34" charset="0"/>
+            </a:endParaRPr>
+          </a:p>
+        </p:txBody>
+      </p:sp>
+    </p:spTree>
+    <p:extLst>
+      <p:ext uri="{BB962C8B-B14F-4D97-AF65-F5344CB8AC3E}">
+        <p14:creationId xmlns:p14="http://schemas.microsoft.com/office/powerpoint/2010/main" val="1101633878"/>
+      </p:ext>
+    </p:extLst>
+  </p:cSld>
+  <p:clrMapOvr>
+    <a:masterClrMapping/>
+  </p:clrMapOvr>
+</p:sld>
+</file>
+
+<file path=ppt/slides/slide31.xml><?xml version="1.0" encoding="utf-8"?>
+<p:sld xmlns:a="http://schemas.openxmlformats.org/drawingml/2006/main" xmlns:r="http://schemas.openxmlformats.org/officeDocument/2006/relationships" xmlns:p="http://schemas.openxmlformats.org/presentationml/2006/main">
+  <p:cSld>
+    <p:spTree>
+      <p:nvGrpSpPr>
+        <p:cNvPr id="1" name=""/>
+        <p:cNvGrpSpPr/>
+        <p:nvPr/>
+      </p:nvGrpSpPr>
+      <p:grpSpPr>
+        <a:xfrm>
+          <a:off x="0" y="0"/>
+          <a:ext cx="0" cy="0"/>
+          <a:chOff x="0" y="0"/>
+          <a:chExt cx="0" cy="0"/>
+        </a:xfrm>
+      </p:grpSpPr>
+      <p:sp>
+        <p:nvSpPr>
+          <p:cNvPr id="2" name="Title 1">
+            <a:extLst>
+              <a:ext uri="{FF2B5EF4-FFF2-40B4-BE49-F238E27FC236}">
+                <a16:creationId xmlns:a16="http://schemas.microsoft.com/office/drawing/2014/main" id="{05691B13-E55D-B2D7-06E4-CB6B3C6DEAC6}"/>
+              </a:ext>
+            </a:extLst>
+          </p:cNvPr>
+          <p:cNvSpPr>
+            <a:spLocks noGrp="1"/>
+          </p:cNvSpPr>
+          <p:nvPr>
+            <p:ph type="title"/>
+          </p:nvPr>
+        </p:nvSpPr>
+        <p:spPr>
+          <a:xfrm>
+            <a:off x="1685358" y="122464"/>
+            <a:ext cx="6805594" cy="725349"/>
+          </a:xfrm>
+        </p:spPr>
+        <p:txBody>
+          <a:bodyPr anchor="ctr">
+            <a:normAutofit/>
+          </a:bodyPr>
+          <a:lstStyle/>
+          <a:p>
+            <a:r>
+              <a:rPr lang="en-US" b="1"/>
+              <a:t>Implementation</a:t>
+            </a:r>
+          </a:p>
+        </p:txBody>
+      </p:sp>
+      <p:pic>
+        <p:nvPicPr>
+          <p:cNvPr id="4" name="Picture 3" descr="Graphical user interface, text, application&#10;&#10;Description automatically generated">
+            <a:extLst>
+              <a:ext uri="{FF2B5EF4-FFF2-40B4-BE49-F238E27FC236}">
+                <a16:creationId xmlns:a16="http://schemas.microsoft.com/office/drawing/2014/main" id="{F02A0E48-6940-0F1F-EF17-CBEBBA8BA1E3}"/>
+              </a:ext>
+            </a:extLst>
+          </p:cNvPr>
+          <p:cNvPicPr>
+            <a:picLocks noChangeAspect="1"/>
+          </p:cNvPicPr>
+          <p:nvPr/>
+        </p:nvPicPr>
+        <p:blipFill>
+          <a:blip r:embed="rId2"/>
+          <a:stretch>
+            <a:fillRect/>
+          </a:stretch>
+        </p:blipFill>
+        <p:spPr>
+          <a:xfrm>
+            <a:off x="2695922" y="775607"/>
+            <a:ext cx="5329571" cy="4330276"/>
+          </a:xfrm>
+          <a:prstGeom prst="rect">
+            <a:avLst/>
+          </a:prstGeom>
+          <a:noFill/>
+        </p:spPr>
+      </p:pic>
+    </p:spTree>
+    <p:extLst>
+      <p:ext uri="{BB962C8B-B14F-4D97-AF65-F5344CB8AC3E}">
+        <p14:creationId xmlns:p14="http://schemas.microsoft.com/office/powerpoint/2010/main" val="3931511458"/>
+      </p:ext>
+    </p:extLst>
+  </p:cSld>
+  <p:clrMapOvr>
+    <a:masterClrMapping/>
+  </p:clrMapOvr>
+</p:sld>
+</file>
+
+<file path=ppt/slides/slide32.xml><?xml version="1.0" encoding="utf-8"?>
+<p:sld xmlns:a="http://schemas.openxmlformats.org/drawingml/2006/main" xmlns:r="http://schemas.openxmlformats.org/officeDocument/2006/relationships" xmlns:p="http://schemas.openxmlformats.org/presentationml/2006/main">
+  <p:cSld>
+    <p:spTree>
+      <p:nvGrpSpPr>
+        <p:cNvPr id="1" name=""/>
+        <p:cNvGrpSpPr/>
+        <p:nvPr/>
+      </p:nvGrpSpPr>
+      <p:grpSpPr>
+        <a:xfrm>
+          <a:off x="0" y="0"/>
+          <a:ext cx="0" cy="0"/>
+          <a:chOff x="0" y="0"/>
+          <a:chExt cx="0" cy="0"/>
+        </a:xfrm>
+      </p:grpSpPr>
+      <p:sp>
+        <p:nvSpPr>
+          <p:cNvPr id="2" name="Title 1">
+            <a:extLst>
+              <a:ext uri="{FF2B5EF4-FFF2-40B4-BE49-F238E27FC236}">
+                <a16:creationId xmlns:a16="http://schemas.microsoft.com/office/drawing/2014/main" id="{1D3C5177-ACB9-E5B9-8355-A3C196E0A3E6}"/>
+              </a:ext>
+            </a:extLst>
+          </p:cNvPr>
+          <p:cNvSpPr>
+            <a:spLocks noGrp="1"/>
+          </p:cNvSpPr>
+          <p:nvPr>
+            <p:ph type="title"/>
+          </p:nvPr>
+        </p:nvSpPr>
+        <p:spPr>
+          <a:xfrm>
+            <a:off x="1732936" y="92328"/>
+            <a:ext cx="6805594" cy="725349"/>
+          </a:xfrm>
+        </p:spPr>
+        <p:txBody>
+          <a:bodyPr/>
+          <a:lstStyle/>
+          <a:p>
+            <a:r>
+              <a:rPr lang="en-US" b="1" dirty="0">
+                <a:effectLst/>
+              </a:rPr>
+              <a:t>Understand the code:</a:t>
+            </a:r>
+          </a:p>
+        </p:txBody>
+      </p:sp>
+      <p:sp>
+        <p:nvSpPr>
+          <p:cNvPr id="3" name="Content Placeholder 2">
+            <a:extLst>
+              <a:ext uri="{FF2B5EF4-FFF2-40B4-BE49-F238E27FC236}">
+                <a16:creationId xmlns:a16="http://schemas.microsoft.com/office/drawing/2014/main" id="{C529EF1A-77BA-29A9-DF86-9CF8E190F4B5}"/>
+              </a:ext>
+            </a:extLst>
+          </p:cNvPr>
+          <p:cNvSpPr>
+            <a:spLocks noGrp="1"/>
+          </p:cNvSpPr>
+          <p:nvPr>
+            <p:ph idx="1"/>
+          </p:nvPr>
+        </p:nvSpPr>
+        <p:spPr>
+          <a:xfrm>
+            <a:off x="1732936" y="793431"/>
+            <a:ext cx="6708935" cy="800100"/>
+          </a:xfrm>
+        </p:spPr>
+        <p:txBody>
+          <a:bodyPr>
+            <a:normAutofit/>
+          </a:bodyPr>
+          <a:lstStyle/>
+          <a:p>
+            <a:pPr marL="0" indent="0">
+              <a:buNone/>
+            </a:pPr>
+            <a:r>
+              <a:rPr lang="en-US" sz="3200" dirty="0">
+                <a:latin typeface="Times New Roman" panose="02020603050405020304" pitchFamily="18" charset="0"/>
+                <a:cs typeface="Times New Roman" panose="02020603050405020304" pitchFamily="18" charset="0"/>
+              </a:rPr>
+              <a:t>Check root is a null ?If true:</a:t>
+            </a:r>
+          </a:p>
+        </p:txBody>
+      </p:sp>
+      <p:pic>
+        <p:nvPicPr>
+          <p:cNvPr id="4" name="Picture 3">
+            <a:extLst>
+              <a:ext uri="{FF2B5EF4-FFF2-40B4-BE49-F238E27FC236}">
+                <a16:creationId xmlns:a16="http://schemas.microsoft.com/office/drawing/2014/main" id="{23C29302-FCA7-B2E1-58C3-3CDFF0CBB561}"/>
+              </a:ext>
+            </a:extLst>
+          </p:cNvPr>
+          <p:cNvPicPr>
+            <a:picLocks noChangeAspect="1"/>
+          </p:cNvPicPr>
+          <p:nvPr/>
+        </p:nvPicPr>
+        <p:blipFill rotWithShape="1">
+          <a:blip r:embed="rId2"/>
+          <a:srcRect r="27397" b="70183"/>
+          <a:stretch/>
+        </p:blipFill>
+        <p:spPr bwMode="auto">
+          <a:xfrm>
+            <a:off x="2594372" y="1496006"/>
+            <a:ext cx="5082720" cy="1694240"/>
+          </a:xfrm>
+          <a:prstGeom prst="rect">
+            <a:avLst/>
+          </a:prstGeom>
+          <a:ln>
+            <a:noFill/>
+          </a:ln>
+          <a:extLst>
+            <a:ext uri="{53640926-AAD7-44D8-BBD7-CCE9431645EC}">
+              <a14:shadowObscured xmlns:a14="http://schemas.microsoft.com/office/drawing/2010/main"/>
+            </a:ext>
+          </a:extLst>
+        </p:spPr>
+      </p:pic>
+      <p:sp>
+        <p:nvSpPr>
+          <p:cNvPr id="6" name="TextBox 5">
+            <a:extLst>
+              <a:ext uri="{FF2B5EF4-FFF2-40B4-BE49-F238E27FC236}">
+                <a16:creationId xmlns:a16="http://schemas.microsoft.com/office/drawing/2014/main" id="{EE96CD33-E416-DFFC-7196-644CCC32D165}"/>
+              </a:ext>
+            </a:extLst>
+          </p:cNvPr>
+          <p:cNvSpPr txBox="1"/>
+          <p:nvPr/>
+        </p:nvSpPr>
+        <p:spPr>
+          <a:xfrm>
+            <a:off x="2049236" y="2571750"/>
+            <a:ext cx="6172200" cy="1125436"/>
+          </a:xfrm>
+          <a:prstGeom prst="rect">
+            <a:avLst/>
+          </a:prstGeom>
+          <a:noFill/>
+        </p:spPr>
+        <p:txBody>
+          <a:bodyPr wrap="square" rtlCol="0">
+            <a:spAutoFit/>
+          </a:bodyPr>
+          <a:lstStyle/>
+          <a:p>
+            <a:pPr marR="0" lvl="0">
+              <a:lnSpc>
+                <a:spcPct val="115000"/>
+              </a:lnSpc>
+              <a:spcBef>
+                <a:spcPts val="0"/>
+              </a:spcBef>
+              <a:spcAft>
+                <a:spcPts val="0"/>
+              </a:spcAft>
+            </a:pPr>
+            <a:r>
+              <a:rPr lang="en-US" sz="2000" dirty="0">
+                <a:effectLst/>
+                <a:latin typeface="Times New Roman" panose="02020603050405020304" pitchFamily="18" charset="0"/>
+                <a:ea typeface="Times New Roman" panose="02020603050405020304" pitchFamily="18" charset="0"/>
+              </a:rPr>
+              <a:t>Then, create a new tree by constructor for root, with t we already set as the order for the tree before, then, set the first key to k, then set number of  key to 1.</a:t>
+            </a:r>
+            <a:endParaRPr lang="en-US" sz="1600" dirty="0">
+              <a:effectLst/>
+              <a:latin typeface="Arial" panose="020B0604020202020204" pitchFamily="34" charset="0"/>
+              <a:ea typeface="Arial" panose="020B0604020202020204" pitchFamily="34" charset="0"/>
+            </a:endParaRPr>
+          </a:p>
+        </p:txBody>
+      </p:sp>
+      <p:sp>
+        <p:nvSpPr>
+          <p:cNvPr id="7" name="Content Placeholder 2">
+            <a:extLst>
+              <a:ext uri="{FF2B5EF4-FFF2-40B4-BE49-F238E27FC236}">
+                <a16:creationId xmlns:a16="http://schemas.microsoft.com/office/drawing/2014/main" id="{FF40A44C-E7A6-5FFC-2806-9572448869F4}"/>
+              </a:ext>
+            </a:extLst>
+          </p:cNvPr>
+          <p:cNvSpPr txBox="1">
+            <a:spLocks/>
+          </p:cNvSpPr>
+          <p:nvPr/>
+        </p:nvSpPr>
+        <p:spPr>
+          <a:xfrm>
+            <a:off x="1930854" y="793431"/>
+            <a:ext cx="6408964" cy="1125436"/>
+          </a:xfrm>
+          <a:prstGeom prst="rect">
+            <a:avLst/>
+          </a:prstGeom>
+        </p:spPr>
+        <p:txBody>
+          <a:bodyPr vert="horz" lIns="91440" tIns="45720" rIns="91440" bIns="45720" rtlCol="0">
+            <a:noAutofit/>
+          </a:bodyPr>
+          <a:lstStyle>
+            <a:lvl1pPr marL="342900" indent="-342900" algn="l" defTabSz="914400" rtl="0" eaLnBrk="1" latinLnBrk="0" hangingPunct="1">
+              <a:spcBef>
+                <a:spcPct val="20000"/>
+              </a:spcBef>
+              <a:buFont typeface="Arial" pitchFamily="34" charset="0"/>
+              <a:buChar char="•"/>
+              <a:defRPr sz="2800" kern="1200">
+                <a:solidFill>
+                  <a:schemeClr val="tx1"/>
+                </a:solidFill>
+                <a:latin typeface="+mn-lt"/>
+                <a:ea typeface="+mn-ea"/>
+                <a:cs typeface="+mn-cs"/>
+              </a:defRPr>
+            </a:lvl1pPr>
+            <a:lvl2pPr marL="742950" indent="-285750" algn="l" defTabSz="914400" rtl="0" eaLnBrk="1" latinLnBrk="0" hangingPunct="1">
+              <a:spcBef>
+                <a:spcPct val="20000"/>
+              </a:spcBef>
+              <a:buFont typeface="Arial" pitchFamily="34" charset="0"/>
+              <a:buChar char="–"/>
+              <a:defRPr sz="2800" kern="1200">
+                <a:solidFill>
+                  <a:schemeClr val="tx1"/>
+                </a:solidFill>
+                <a:latin typeface="+mn-lt"/>
+                <a:ea typeface="+mn-ea"/>
+                <a:cs typeface="+mn-cs"/>
+              </a:defRPr>
+            </a:lvl2pPr>
+            <a:lvl3pPr marL="1143000" indent="-228600" algn="l" defTabSz="914400" rtl="0" eaLnBrk="1" latinLnBrk="0" hangingPunct="1">
+              <a:spcBef>
+                <a:spcPct val="20000"/>
+              </a:spcBef>
+              <a:buFont typeface="Arial" pitchFamily="34" charset="0"/>
+              <a:buChar char="•"/>
+              <a:defRPr sz="2400" kern="1200">
+                <a:solidFill>
+                  <a:schemeClr val="tx1"/>
+                </a:solidFill>
+                <a:latin typeface="+mn-lt"/>
+                <a:ea typeface="+mn-ea"/>
+                <a:cs typeface="+mn-cs"/>
+              </a:defRPr>
+            </a:lvl3pPr>
+            <a:lvl4pPr marL="1600200" indent="-228600" algn="l" defTabSz="914400" rtl="0" eaLnBrk="1" latinLnBrk="0" hangingPunct="1">
+              <a:spcBef>
+                <a:spcPct val="20000"/>
+              </a:spcBef>
+              <a:buFont typeface="Arial" pitchFamily="34" charset="0"/>
+              <a:buChar char="–"/>
+              <a:defRPr sz="2000" kern="1200">
+                <a:solidFill>
+                  <a:schemeClr val="tx1"/>
+                </a:solidFill>
+                <a:latin typeface="+mn-lt"/>
+                <a:ea typeface="+mn-ea"/>
+                <a:cs typeface="+mn-cs"/>
+              </a:defRPr>
+            </a:lvl4pPr>
+            <a:lvl5pPr marL="2057400" indent="-228600" algn="l" defTabSz="914400" rtl="0" eaLnBrk="1" latinLnBrk="0" hangingPunct="1">
+              <a:spcBef>
+                <a:spcPct val="20000"/>
+              </a:spcBef>
+              <a:buFont typeface="Arial" pitchFamily="34" charset="0"/>
+              <a:buChar char="»"/>
+              <a:defRPr sz="2000" kern="1200">
+                <a:solidFill>
+                  <a:schemeClr val="tx1"/>
+                </a:solidFill>
+                <a:latin typeface="+mn-lt"/>
+                <a:ea typeface="+mn-ea"/>
+                <a:cs typeface="+mn-cs"/>
+              </a:defRPr>
+            </a:lvl5pPr>
+            <a:lvl6pPr marL="2514600" indent="-228600" algn="l" defTabSz="914400" rtl="0" eaLnBrk="1" latinLnBrk="0" hangingPunct="1">
+              <a:spcBef>
+                <a:spcPct val="20000"/>
+              </a:spcBef>
+              <a:buFont typeface="Arial" pitchFamily="34" charset="0"/>
+              <a:buChar char="•"/>
+              <a:defRPr sz="2000" kern="1200">
+                <a:solidFill>
+                  <a:schemeClr val="tx1"/>
+                </a:solidFill>
+                <a:latin typeface="+mn-lt"/>
+                <a:ea typeface="+mn-ea"/>
+                <a:cs typeface="+mn-cs"/>
+              </a:defRPr>
+            </a:lvl6pPr>
+            <a:lvl7pPr marL="2971800" indent="-228600" algn="l" defTabSz="914400" rtl="0" eaLnBrk="1" latinLnBrk="0" hangingPunct="1">
+              <a:spcBef>
+                <a:spcPct val="20000"/>
+              </a:spcBef>
+              <a:buFont typeface="Arial" pitchFamily="34" charset="0"/>
+              <a:buChar char="•"/>
+              <a:defRPr sz="2000" kern="1200">
+                <a:solidFill>
+                  <a:schemeClr val="tx1"/>
+                </a:solidFill>
+                <a:latin typeface="+mn-lt"/>
+                <a:ea typeface="+mn-ea"/>
+                <a:cs typeface="+mn-cs"/>
+              </a:defRPr>
+            </a:lvl7pPr>
+            <a:lvl8pPr marL="3429000" indent="-228600" algn="l" defTabSz="914400" rtl="0" eaLnBrk="1" latinLnBrk="0" hangingPunct="1">
+              <a:spcBef>
+                <a:spcPct val="20000"/>
+              </a:spcBef>
+              <a:buFont typeface="Arial" pitchFamily="34" charset="0"/>
+              <a:buChar char="•"/>
+              <a:defRPr sz="2000" kern="1200">
+                <a:solidFill>
+                  <a:schemeClr val="tx1"/>
+                </a:solidFill>
+                <a:latin typeface="+mn-lt"/>
+                <a:ea typeface="+mn-ea"/>
+                <a:cs typeface="+mn-cs"/>
+              </a:defRPr>
+            </a:lvl8pPr>
+            <a:lvl9pPr marL="3886200" indent="-228600" algn="l" defTabSz="914400" rtl="0" eaLnBrk="1" latinLnBrk="0" hangingPunct="1">
+              <a:spcBef>
+                <a:spcPct val="20000"/>
+              </a:spcBef>
+              <a:buFont typeface="Arial" pitchFamily="34" charset="0"/>
+              <a:buChar char="•"/>
+              <a:defRPr sz="2000" kern="1200">
+                <a:solidFill>
+                  <a:schemeClr val="tx1"/>
+                </a:solidFill>
+                <a:latin typeface="+mn-lt"/>
+                <a:ea typeface="+mn-ea"/>
+                <a:cs typeface="+mn-cs"/>
+              </a:defRPr>
+            </a:lvl9pPr>
+          </a:lstStyle>
+          <a:p>
+            <a:pPr marL="0" indent="0">
+              <a:buFont typeface="Arial" pitchFamily="34" charset="0"/>
+              <a:buNone/>
+            </a:pPr>
+            <a:r>
+              <a:rPr lang="en-US" sz="3200" dirty="0">
+                <a:latin typeface="Times New Roman" panose="02020603050405020304" pitchFamily="18" charset="0"/>
+                <a:cs typeface="Times New Roman" panose="02020603050405020304" pitchFamily="18" charset="0"/>
+              </a:rPr>
+              <a:t>Check root is a null ? If not: (B-Tree already existed)</a:t>
+            </a:r>
+          </a:p>
+        </p:txBody>
+      </p:sp>
+      <p:pic>
+        <p:nvPicPr>
+          <p:cNvPr id="8" name="Picture 7">
+            <a:extLst>
+              <a:ext uri="{FF2B5EF4-FFF2-40B4-BE49-F238E27FC236}">
+                <a16:creationId xmlns:a16="http://schemas.microsoft.com/office/drawing/2014/main" id="{BCA0138D-A154-D986-C6CD-62258970D2B2}"/>
+              </a:ext>
+            </a:extLst>
+          </p:cNvPr>
+          <p:cNvPicPr>
+            <a:picLocks noChangeAspect="1"/>
+          </p:cNvPicPr>
+          <p:nvPr/>
+        </p:nvPicPr>
+        <p:blipFill>
+          <a:blip r:embed="rId3"/>
+          <a:stretch>
+            <a:fillRect/>
+          </a:stretch>
+        </p:blipFill>
+        <p:spPr>
+          <a:xfrm>
+            <a:off x="2594372" y="1909937"/>
+            <a:ext cx="3695700" cy="2787650"/>
+          </a:xfrm>
+          <a:prstGeom prst="rect">
+            <a:avLst/>
+          </a:prstGeom>
+        </p:spPr>
+      </p:pic>
+    </p:spTree>
+    <p:extLst>
+      <p:ext uri="{BB962C8B-B14F-4D97-AF65-F5344CB8AC3E}">
+        <p14:creationId xmlns:p14="http://schemas.microsoft.com/office/powerpoint/2010/main" val="1606320684"/>
+      </p:ext>
+    </p:extLst>
+  </p:cSld>
+  <p:clrMapOvr>
+    <a:masterClrMapping/>
+  </p:clrMapOvr>
+  <p:timing>
+    <p:tnLst>
+      <p:par>
+        <p:cTn id="1" dur="indefinite" restart="never" nodeType="tmRoot">
+          <p:childTnLst>
+            <p:seq concurrent="1" nextAc="seek">
+              <p:cTn id="2" dur="indefinite" nodeType="mainSeq">
+                <p:childTnLst>
+                  <p:par>
+                    <p:cTn id="3" fill="hold">
+                      <p:stCondLst>
+                        <p:cond delay="indefinite"/>
+                      </p:stCondLst>
+                      <p:childTnLst>
+                        <p:par>
+                          <p:cTn id="4" fill="hold">
+                            <p:stCondLst>
+                              <p:cond delay="0"/>
+                            </p:stCondLst>
+                            <p:childTnLst>
+                              <p:par>
+                                <p:cTn id="5" presetID="10" presetClass="exit" presetSubtype="0" fill="hold" grpId="0" nodeType="clickEffect">
+                                  <p:stCondLst>
+                                    <p:cond delay="0"/>
+                                  </p:stCondLst>
+                                  <p:childTnLst>
+                                    <p:animEffect transition="out" filter="fade">
+                                      <p:cBhvr>
+                                        <p:cTn id="6" dur="500"/>
+                                        <p:tgtEl>
+                                          <p:spTgt spid="3">
+                                            <p:txEl>
+                                              <p:pRg st="0" end="0"/>
+                                            </p:txEl>
+                                          </p:spTgt>
+                                        </p:tgtEl>
+                                      </p:cBhvr>
+                                    </p:animEffect>
+                                    <p:set>
+                                      <p:cBhvr>
+                                        <p:cTn id="7" dur="1" fill="hold">
+                                          <p:stCondLst>
+                                            <p:cond delay="499"/>
+                                          </p:stCondLst>
+                                        </p:cTn>
+                                        <p:tgtEl>
+                                          <p:spTgt spid="3">
+                                            <p:txEl>
+                                              <p:pRg st="0" end="0"/>
+                                            </p:txEl>
+                                          </p:spTgt>
+                                        </p:tgtEl>
+                                        <p:attrNameLst>
+                                          <p:attrName>style.visibility</p:attrName>
+                                        </p:attrNameLst>
+                                      </p:cBhvr>
+                                      <p:to>
+                                        <p:strVal val="hidden"/>
+                                      </p:to>
+                                    </p:set>
+                                  </p:childTnLst>
+                                </p:cTn>
+                              </p:par>
+                              <p:par>
+                                <p:cTn id="8" presetID="64" presetClass="path" presetSubtype="0" accel="50000" decel="50000" fill="hold" nodeType="withEffect">
+                                  <p:stCondLst>
+                                    <p:cond delay="0"/>
+                                  </p:stCondLst>
+                                  <p:childTnLst>
+                                    <p:animMotion origin="layout" path="M -1.94444E-6 4.44444E-6 L -0.00087 -0.14105 " pathEditMode="relative" rAng="0" ptsTypes="AA">
+                                      <p:cBhvr>
+                                        <p:cTn id="9" dur="2000" fill="hold"/>
+                                        <p:tgtEl>
+                                          <p:spTgt spid="4"/>
+                                        </p:tgtEl>
+                                        <p:attrNameLst>
+                                          <p:attrName>ppt_x</p:attrName>
+                                          <p:attrName>ppt_y</p:attrName>
+                                        </p:attrNameLst>
+                                      </p:cBhvr>
+                                      <p:rCtr x="-52" y="-7068"/>
+                                    </p:animMotion>
+                                  </p:childTnLst>
+                                </p:cTn>
+                              </p:par>
+                              <p:par>
+                                <p:cTn id="10" presetID="42" presetClass="entr" presetSubtype="0" fill="hold" grpId="0" nodeType="withEffect">
+                                  <p:stCondLst>
+                                    <p:cond delay="0"/>
+                                  </p:stCondLst>
+                                  <p:childTnLst>
+                                    <p:set>
+                                      <p:cBhvr>
+                                        <p:cTn id="11" dur="1" fill="hold">
+                                          <p:stCondLst>
+                                            <p:cond delay="0"/>
+                                          </p:stCondLst>
+                                        </p:cTn>
+                                        <p:tgtEl>
+                                          <p:spTgt spid="6"/>
+                                        </p:tgtEl>
+                                        <p:attrNameLst>
+                                          <p:attrName>style.visibility</p:attrName>
+                                        </p:attrNameLst>
+                                      </p:cBhvr>
+                                      <p:to>
+                                        <p:strVal val="visible"/>
+                                      </p:to>
+                                    </p:set>
+                                    <p:animEffect transition="in" filter="fade">
+                                      <p:cBhvr>
+                                        <p:cTn id="12" dur="1000"/>
+                                        <p:tgtEl>
+                                          <p:spTgt spid="6"/>
+                                        </p:tgtEl>
+                                      </p:cBhvr>
+                                    </p:animEffect>
+                                    <p:anim calcmode="lin" valueType="num">
+                                      <p:cBhvr>
+                                        <p:cTn id="13" dur="1000" fill="hold"/>
+                                        <p:tgtEl>
+                                          <p:spTgt spid="6"/>
+                                        </p:tgtEl>
+                                        <p:attrNameLst>
+                                          <p:attrName>ppt_x</p:attrName>
+                                        </p:attrNameLst>
+                                      </p:cBhvr>
+                                      <p:tavLst>
+                                        <p:tav tm="0">
+                                          <p:val>
+                                            <p:strVal val="#ppt_x"/>
+                                          </p:val>
+                                        </p:tav>
+                                        <p:tav tm="100000">
+                                          <p:val>
+                                            <p:strVal val="#ppt_x"/>
+                                          </p:val>
+                                        </p:tav>
+                                      </p:tavLst>
+                                    </p:anim>
+                                    <p:anim calcmode="lin" valueType="num">
+                                      <p:cBhvr>
+                                        <p:cTn id="14" dur="1000" fill="hold"/>
+                                        <p:tgtEl>
+                                          <p:spTgt spid="6"/>
+                                        </p:tgtEl>
+                                        <p:attrNameLst>
+                                          <p:attrName>ppt_y</p:attrName>
+                                        </p:attrNameLst>
+                                      </p:cBhvr>
+                                      <p:tavLst>
+                                        <p:tav tm="0">
+                                          <p:val>
+                                            <p:strVal val="#ppt_y+.1"/>
+                                          </p:val>
+                                        </p:tav>
+                                        <p:tav tm="100000">
+                                          <p:val>
+                                            <p:strVal val="#ppt_y"/>
+                                          </p:val>
+                                        </p:tav>
+                                      </p:tavLst>
+                                    </p:anim>
+                                  </p:childTnLst>
+                                </p:cTn>
+                              </p:par>
+                            </p:childTnLst>
+                          </p:cTn>
+                        </p:par>
+                      </p:childTnLst>
+                    </p:cTn>
+                  </p:par>
+                  <p:par>
+                    <p:cTn id="15" fill="hold">
+                      <p:stCondLst>
+                        <p:cond delay="indefinite"/>
+                      </p:stCondLst>
+                      <p:childTnLst>
+                        <p:par>
+                          <p:cTn id="16" fill="hold">
+                            <p:stCondLst>
+                              <p:cond delay="0"/>
+                            </p:stCondLst>
+                            <p:childTnLst>
+                              <p:par>
+                                <p:cTn id="17" presetID="10" presetClass="exit" presetSubtype="0" fill="hold" grpId="1" nodeType="clickEffect">
+                                  <p:stCondLst>
+                                    <p:cond delay="0"/>
+                                  </p:stCondLst>
+                                  <p:childTnLst>
+                                    <p:animEffect transition="out" filter="fade">
+                                      <p:cBhvr>
+                                        <p:cTn id="18" dur="500"/>
+                                        <p:tgtEl>
+                                          <p:spTgt spid="3">
+                                            <p:txEl>
+                                              <p:pRg st="0" end="0"/>
+                                            </p:txEl>
+                                          </p:spTgt>
+                                        </p:tgtEl>
+                                      </p:cBhvr>
+                                    </p:animEffect>
+                                    <p:set>
+                                      <p:cBhvr>
+                                        <p:cTn id="19" dur="1" fill="hold">
+                                          <p:stCondLst>
+                                            <p:cond delay="499"/>
+                                          </p:stCondLst>
+                                        </p:cTn>
+                                        <p:tgtEl>
+                                          <p:spTgt spid="3">
+                                            <p:txEl>
+                                              <p:pRg st="0" end="0"/>
+                                            </p:txEl>
+                                          </p:spTgt>
+                                        </p:tgtEl>
+                                        <p:attrNameLst>
+                                          <p:attrName>style.visibility</p:attrName>
+                                        </p:attrNameLst>
+                                      </p:cBhvr>
+                                      <p:to>
+                                        <p:strVal val="hidden"/>
+                                      </p:to>
+                                    </p:set>
+                                  </p:childTnLst>
+                                </p:cTn>
+                              </p:par>
+                              <p:par>
+                                <p:cTn id="20" presetID="10" presetClass="exit" presetSubtype="0" fill="hold" nodeType="withEffect">
+                                  <p:stCondLst>
+                                    <p:cond delay="0"/>
+                                  </p:stCondLst>
+                                  <p:childTnLst>
+                                    <p:animEffect transition="out" filter="fade">
+                                      <p:cBhvr>
+                                        <p:cTn id="21" dur="500"/>
+                                        <p:tgtEl>
+                                          <p:spTgt spid="4"/>
+                                        </p:tgtEl>
+                                      </p:cBhvr>
+                                    </p:animEffect>
+                                    <p:set>
+                                      <p:cBhvr>
+                                        <p:cTn id="22" dur="1" fill="hold">
+                                          <p:stCondLst>
+                                            <p:cond delay="499"/>
+                                          </p:stCondLst>
+                                        </p:cTn>
+                                        <p:tgtEl>
+                                          <p:spTgt spid="4"/>
+                                        </p:tgtEl>
+                                        <p:attrNameLst>
+                                          <p:attrName>style.visibility</p:attrName>
+                                        </p:attrNameLst>
+                                      </p:cBhvr>
+                                      <p:to>
+                                        <p:strVal val="hidden"/>
+                                      </p:to>
+                                    </p:set>
+                                  </p:childTnLst>
+                                </p:cTn>
+                              </p:par>
+                              <p:par>
+                                <p:cTn id="23" presetID="10" presetClass="exit" presetSubtype="0" fill="hold" grpId="1" nodeType="withEffect">
+                                  <p:stCondLst>
+                                    <p:cond delay="0"/>
+                                  </p:stCondLst>
+                                  <p:childTnLst>
+                                    <p:animEffect transition="out" filter="fade">
+                                      <p:cBhvr>
+                                        <p:cTn id="24" dur="500"/>
+                                        <p:tgtEl>
+                                          <p:spTgt spid="6"/>
+                                        </p:tgtEl>
+                                      </p:cBhvr>
+                                    </p:animEffect>
+                                    <p:set>
+                                      <p:cBhvr>
+                                        <p:cTn id="25" dur="1" fill="hold">
+                                          <p:stCondLst>
+                                            <p:cond delay="499"/>
+                                          </p:stCondLst>
+                                        </p:cTn>
+                                        <p:tgtEl>
+                                          <p:spTgt spid="6"/>
+                                        </p:tgtEl>
+                                        <p:attrNameLst>
+                                          <p:attrName>style.visibility</p:attrName>
+                                        </p:attrNameLst>
+                                      </p:cBhvr>
+                                      <p:to>
+                                        <p:strVal val="hidden"/>
+                                      </p:to>
+                                    </p:set>
+                                  </p:childTnLst>
+                                </p:cTn>
+                              </p:par>
+                              <p:par>
+                                <p:cTn id="26" presetID="42" presetClass="entr" presetSubtype="0" fill="hold" grpId="0" nodeType="withEffect">
+                                  <p:stCondLst>
+                                    <p:cond delay="0"/>
+                                  </p:stCondLst>
+                                  <p:childTnLst>
+                                    <p:set>
+                                      <p:cBhvr>
+                                        <p:cTn id="27" dur="1" fill="hold">
+                                          <p:stCondLst>
+                                            <p:cond delay="0"/>
+                                          </p:stCondLst>
+                                        </p:cTn>
+                                        <p:tgtEl>
+                                          <p:spTgt spid="7"/>
+                                        </p:tgtEl>
+                                        <p:attrNameLst>
+                                          <p:attrName>style.visibility</p:attrName>
+                                        </p:attrNameLst>
+                                      </p:cBhvr>
+                                      <p:to>
+                                        <p:strVal val="visible"/>
+                                      </p:to>
+                                    </p:set>
+                                    <p:animEffect transition="in" filter="fade">
+                                      <p:cBhvr>
+                                        <p:cTn id="28" dur="1000"/>
+                                        <p:tgtEl>
+                                          <p:spTgt spid="7"/>
+                                        </p:tgtEl>
+                                      </p:cBhvr>
+                                    </p:animEffect>
+                                    <p:anim calcmode="lin" valueType="num">
+                                      <p:cBhvr>
+                                        <p:cTn id="29" dur="1000" fill="hold"/>
+                                        <p:tgtEl>
+                                          <p:spTgt spid="7"/>
+                                        </p:tgtEl>
+                                        <p:attrNameLst>
+                                          <p:attrName>ppt_x</p:attrName>
+                                        </p:attrNameLst>
+                                      </p:cBhvr>
+                                      <p:tavLst>
+                                        <p:tav tm="0">
+                                          <p:val>
+                                            <p:strVal val="#ppt_x"/>
+                                          </p:val>
+                                        </p:tav>
+                                        <p:tav tm="100000">
+                                          <p:val>
+                                            <p:strVal val="#ppt_x"/>
+                                          </p:val>
+                                        </p:tav>
+                                      </p:tavLst>
+                                    </p:anim>
+                                    <p:anim calcmode="lin" valueType="num">
+                                      <p:cBhvr>
+                                        <p:cTn id="30" dur="1000" fill="hold"/>
+                                        <p:tgtEl>
+                                          <p:spTgt spid="7"/>
+                                        </p:tgtEl>
+                                        <p:attrNameLst>
+                                          <p:attrName>ppt_y</p:attrName>
+                                        </p:attrNameLst>
+                                      </p:cBhvr>
+                                      <p:tavLst>
+                                        <p:tav tm="0">
+                                          <p:val>
+                                            <p:strVal val="#ppt_y+.1"/>
+                                          </p:val>
+                                        </p:tav>
+                                        <p:tav tm="100000">
+                                          <p:val>
+                                            <p:strVal val="#ppt_y"/>
+                                          </p:val>
+                                        </p:tav>
+                                      </p:tavLst>
+                                    </p:anim>
+                                  </p:childTnLst>
+                                </p:cTn>
+                              </p:par>
+                              <p:par>
+                                <p:cTn id="31" presetID="42" presetClass="entr" presetSubtype="0" fill="hold" nodeType="withEffect">
+                                  <p:stCondLst>
+                                    <p:cond delay="0"/>
+                                  </p:stCondLst>
+                                  <p:childTnLst>
+                                    <p:set>
+                                      <p:cBhvr>
+                                        <p:cTn id="32" dur="1" fill="hold">
+                                          <p:stCondLst>
+                                            <p:cond delay="0"/>
+                                          </p:stCondLst>
+                                        </p:cTn>
+                                        <p:tgtEl>
+                                          <p:spTgt spid="8"/>
+                                        </p:tgtEl>
+                                        <p:attrNameLst>
+                                          <p:attrName>style.visibility</p:attrName>
+                                        </p:attrNameLst>
+                                      </p:cBhvr>
+                                      <p:to>
+                                        <p:strVal val="visible"/>
+                                      </p:to>
+                                    </p:set>
+                                    <p:animEffect transition="in" filter="fade">
+                                      <p:cBhvr>
+                                        <p:cTn id="33" dur="1000"/>
+                                        <p:tgtEl>
+                                          <p:spTgt spid="8"/>
+                                        </p:tgtEl>
+                                      </p:cBhvr>
+                                    </p:animEffect>
+                                    <p:anim calcmode="lin" valueType="num">
+                                      <p:cBhvr>
+                                        <p:cTn id="34" dur="1000" fill="hold"/>
+                                        <p:tgtEl>
+                                          <p:spTgt spid="8"/>
+                                        </p:tgtEl>
+                                        <p:attrNameLst>
+                                          <p:attrName>ppt_x</p:attrName>
+                                        </p:attrNameLst>
+                                      </p:cBhvr>
+                                      <p:tavLst>
+                                        <p:tav tm="0">
+                                          <p:val>
+                                            <p:strVal val="#ppt_x"/>
+                                          </p:val>
+                                        </p:tav>
+                                        <p:tav tm="100000">
+                                          <p:val>
+                                            <p:strVal val="#ppt_x"/>
+                                          </p:val>
+                                        </p:tav>
+                                      </p:tavLst>
+                                    </p:anim>
+                                    <p:anim calcmode="lin" valueType="num">
+                                      <p:cBhvr>
+                                        <p:cTn id="35" dur="1000" fill="hold"/>
+                                        <p:tgtEl>
+                                          <p:spTgt spid="8"/>
+                                        </p:tgtEl>
+                                        <p:attrNameLst>
+                                          <p:attrName>ppt_y</p:attrName>
+                                        </p:attrNameLst>
+                                      </p:cBhvr>
+                                      <p:tavLst>
+                                        <p:tav tm="0">
+                                          <p:val>
+                                            <p:strVal val="#ppt_y+.1"/>
+                                          </p:val>
+                                        </p:tav>
+                                        <p:tav tm="100000">
+                                          <p:val>
+                                            <p:strVal val="#ppt_y"/>
+                                          </p:val>
+                                        </p:tav>
+                                      </p:tavLst>
+                                    </p:anim>
+                                  </p:childTnLst>
+                                </p:cTn>
+                              </p:par>
+                            </p:childTnLst>
+                          </p:cTn>
+                        </p:par>
+                      </p:childTnLst>
+                    </p:cTn>
+                  </p:par>
+                </p:childTnLst>
+              </p:cTn>
+              <p:prevCondLst>
+                <p:cond evt="onPrev" delay="0">
+                  <p:tgtEl>
+                    <p:sldTgt/>
+                  </p:tgtEl>
+                </p:cond>
+              </p:prevCondLst>
+              <p:nextCondLst>
+                <p:cond evt="onNext" delay="0">
+                  <p:tgtEl>
+                    <p:sldTgt/>
+                  </p:tgtEl>
+                </p:cond>
+              </p:nextCondLst>
+            </p:seq>
+          </p:childTnLst>
+        </p:cTn>
+      </p:par>
+    </p:tnLst>
+    <p:bldLst>
+      <p:bldP spid="3" grpId="0" build="p"/>
+      <p:bldP spid="3" grpId="1" build="p"/>
+      <p:bldP spid="6" grpId="0"/>
+      <p:bldP spid="6" grpId="1"/>
+      <p:bldP spid="7" grpId="0"/>
+    </p:bldLst>
+  </p:timing>
+</p:sld>
+</file>
+
+<file path=ppt/slides/slide33.xml><?xml version="1.0" encoding="utf-8"?>
+<p:sld xmlns:a="http://schemas.openxmlformats.org/drawingml/2006/main" xmlns:r="http://schemas.openxmlformats.org/officeDocument/2006/relationships" xmlns:p="http://schemas.openxmlformats.org/presentationml/2006/main">
+  <p:cSld>
+    <p:spTree>
+      <p:nvGrpSpPr>
+        <p:cNvPr id="1" name=""/>
+        <p:cNvGrpSpPr/>
+        <p:nvPr/>
+      </p:nvGrpSpPr>
+      <p:grpSpPr>
+        <a:xfrm>
+          <a:off x="0" y="0"/>
+          <a:ext cx="0" cy="0"/>
+          <a:chOff x="0" y="0"/>
+          <a:chExt cx="0" cy="0"/>
+        </a:xfrm>
+      </p:grpSpPr>
+      <p:sp>
+        <p:nvSpPr>
+          <p:cNvPr id="3" name="Content Placeholder 2">
+            <a:extLst>
+              <a:ext uri="{FF2B5EF4-FFF2-40B4-BE49-F238E27FC236}">
+                <a16:creationId xmlns:a16="http://schemas.microsoft.com/office/drawing/2014/main" id="{AB516DD0-0619-933B-AB63-5767A53D4B8E}"/>
+              </a:ext>
+            </a:extLst>
+          </p:cNvPr>
+          <p:cNvSpPr>
+            <a:spLocks noGrp="1"/>
+          </p:cNvSpPr>
+          <p:nvPr>
+            <p:ph idx="1"/>
+          </p:nvPr>
+        </p:nvSpPr>
+        <p:spPr>
+          <a:xfrm>
+            <a:off x="4092430" y="960438"/>
+            <a:ext cx="4794849" cy="3948112"/>
+          </a:xfrm>
+        </p:spPr>
+        <p:txBody>
+          <a:bodyPr>
+            <a:normAutofit/>
+          </a:bodyPr>
+          <a:lstStyle/>
+          <a:p>
+            <a:pPr marL="0" indent="0">
+              <a:buNone/>
+            </a:pPr>
+            <a:r>
+              <a:rPr lang="en-US" sz="2000" dirty="0">
+                <a:effectLst/>
+                <a:latin typeface="Times New Roman" panose="02020603050405020304" pitchFamily="18" charset="0"/>
+                <a:ea typeface="Times New Roman" panose="02020603050405020304" pitchFamily="18" charset="0"/>
+              </a:rPr>
+              <a:t>Check if the root is full or not by check if ( root-&gt;n == 2 * t -1). </a:t>
+            </a:r>
+          </a:p>
+          <a:p>
+            <a:pPr lvl="1">
+              <a:buFont typeface="Wingdings" panose="05000000000000000000" pitchFamily="2" charset="2"/>
+              <a:buChar char="v"/>
+            </a:pPr>
+            <a:r>
+              <a:rPr lang="en-US" sz="2000" dirty="0">
+                <a:effectLst/>
+                <a:latin typeface="Times New Roman" panose="02020603050405020304" pitchFamily="18" charset="0"/>
+                <a:ea typeface="Times New Roman" panose="02020603050405020304" pitchFamily="18" charset="0"/>
+              </a:rPr>
+              <a:t>If it is true (full), then we must create another new node for updating root, split the old root into two roots and make them become children of the new root, which is the root has 1 key of the old root so that it’s keep the same property of B-tree. </a:t>
+            </a:r>
+          </a:p>
+          <a:p>
+            <a:pPr lvl="1">
+              <a:buFont typeface="Wingdings" panose="05000000000000000000" pitchFamily="2" charset="2"/>
+              <a:buChar char="v"/>
+            </a:pPr>
+            <a:r>
+              <a:rPr lang="en-US" sz="2000" dirty="0">
+                <a:effectLst/>
+                <a:latin typeface="Times New Roman" panose="02020603050405020304" pitchFamily="18" charset="0"/>
+                <a:ea typeface="Times New Roman" panose="02020603050405020304" pitchFamily="18" charset="0"/>
+              </a:rPr>
+              <a:t>If it’s not full, then use the function of insert B-tree that its root isn’t full.</a:t>
+            </a:r>
+            <a:endParaRPr lang="en-US" sz="3200" dirty="0"/>
+          </a:p>
+        </p:txBody>
+      </p:sp>
+      <p:sp>
+        <p:nvSpPr>
+          <p:cNvPr id="4" name="Title 1">
+            <a:extLst>
+              <a:ext uri="{FF2B5EF4-FFF2-40B4-BE49-F238E27FC236}">
+                <a16:creationId xmlns:a16="http://schemas.microsoft.com/office/drawing/2014/main" id="{4B5C055E-A7D7-CEAD-386D-88C4494AF28A}"/>
+              </a:ext>
+            </a:extLst>
+          </p:cNvPr>
+          <p:cNvSpPr>
+            <a:spLocks noGrp="1"/>
+          </p:cNvSpPr>
+          <p:nvPr>
+            <p:ph type="title"/>
+          </p:nvPr>
+        </p:nvSpPr>
+        <p:spPr>
+          <a:xfrm>
+            <a:off x="1732936" y="234950"/>
+            <a:ext cx="6804025" cy="725488"/>
+          </a:xfrm>
+        </p:spPr>
+        <p:txBody>
+          <a:bodyPr/>
+          <a:lstStyle/>
+          <a:p>
+            <a:r>
+              <a:rPr lang="en-US" b="1" dirty="0">
+                <a:effectLst/>
+              </a:rPr>
+              <a:t>Understand the code:</a:t>
+            </a:r>
+          </a:p>
+        </p:txBody>
+      </p:sp>
+      <p:pic>
+        <p:nvPicPr>
+          <p:cNvPr id="5" name="Picture 4">
+            <a:extLst>
+              <a:ext uri="{FF2B5EF4-FFF2-40B4-BE49-F238E27FC236}">
+                <a16:creationId xmlns:a16="http://schemas.microsoft.com/office/drawing/2014/main" id="{A9729853-749C-322C-D953-533856C56006}"/>
+              </a:ext>
+            </a:extLst>
+          </p:cNvPr>
+          <p:cNvPicPr>
+            <a:picLocks noChangeAspect="1"/>
+          </p:cNvPicPr>
+          <p:nvPr/>
+        </p:nvPicPr>
+        <p:blipFill rotWithShape="1">
+          <a:blip r:embed="rId3"/>
+          <a:srcRect l="1" r="18855"/>
+          <a:stretch/>
+        </p:blipFill>
+        <p:spPr>
+          <a:xfrm>
+            <a:off x="0" y="1033917"/>
+            <a:ext cx="3920245" cy="3644219"/>
+          </a:xfrm>
+          <a:prstGeom prst="rect">
+            <a:avLst/>
+          </a:prstGeom>
+        </p:spPr>
+      </p:pic>
+      <p:cxnSp>
+        <p:nvCxnSpPr>
+          <p:cNvPr id="8" name="Straight Arrow Connector 7">
+            <a:extLst>
+              <a:ext uri="{FF2B5EF4-FFF2-40B4-BE49-F238E27FC236}">
+                <a16:creationId xmlns:a16="http://schemas.microsoft.com/office/drawing/2014/main" id="{452A60AD-2077-5F00-AF3C-D499B35BD7F4}"/>
+              </a:ext>
+            </a:extLst>
+          </p:cNvPr>
+          <p:cNvCxnSpPr>
+            <a:cxnSpLocks/>
+          </p:cNvCxnSpPr>
+          <p:nvPr/>
+        </p:nvCxnSpPr>
+        <p:spPr>
+          <a:xfrm>
+            <a:off x="2979964" y="2408464"/>
+            <a:ext cx="1894850" cy="0"/>
+          </a:xfrm>
+          <a:prstGeom prst="straightConnector1">
+            <a:avLst/>
+          </a:prstGeom>
+          <a:ln w="76200">
+            <a:prstDash val="sysDot"/>
+            <a:tailEnd type="triangle"/>
+          </a:ln>
+        </p:spPr>
+        <p:style>
+          <a:lnRef idx="1">
+            <a:schemeClr val="accent1"/>
+          </a:lnRef>
+          <a:fillRef idx="0">
+            <a:schemeClr val="accent1"/>
+          </a:fillRef>
+          <a:effectRef idx="0">
+            <a:schemeClr val="accent1"/>
+          </a:effectRef>
+          <a:fontRef idx="minor">
+            <a:schemeClr val="tx1"/>
+          </a:fontRef>
+        </p:style>
+      </p:cxnSp>
+      <p:cxnSp>
+        <p:nvCxnSpPr>
+          <p:cNvPr id="11" name="Straight Arrow Connector 10">
+            <a:extLst>
+              <a:ext uri="{FF2B5EF4-FFF2-40B4-BE49-F238E27FC236}">
+                <a16:creationId xmlns:a16="http://schemas.microsoft.com/office/drawing/2014/main" id="{64FE2056-F2AF-06CB-C3AA-3DDFB21CAAC8}"/>
+              </a:ext>
+            </a:extLst>
+          </p:cNvPr>
+          <p:cNvCxnSpPr>
+            <a:cxnSpLocks/>
+          </p:cNvCxnSpPr>
+          <p:nvPr/>
+        </p:nvCxnSpPr>
+        <p:spPr>
+          <a:xfrm>
+            <a:off x="2879271" y="4218214"/>
+            <a:ext cx="1894850" cy="0"/>
+          </a:xfrm>
+          <a:prstGeom prst="straightConnector1">
+            <a:avLst/>
+          </a:prstGeom>
+          <a:ln w="76200">
+            <a:prstDash val="sysDot"/>
+            <a:tailEnd type="triangle"/>
+          </a:ln>
+        </p:spPr>
+        <p:style>
+          <a:lnRef idx="1">
+            <a:schemeClr val="accent1"/>
+          </a:lnRef>
+          <a:fillRef idx="0">
+            <a:schemeClr val="accent1"/>
+          </a:fillRef>
+          <a:effectRef idx="0">
+            <a:schemeClr val="accent1"/>
+          </a:effectRef>
+          <a:fontRef idx="minor">
+            <a:schemeClr val="tx1"/>
+          </a:fontRef>
+        </p:style>
+      </p:cxnSp>
+    </p:spTree>
+    <p:extLst>
+      <p:ext uri="{BB962C8B-B14F-4D97-AF65-F5344CB8AC3E}">
+        <p14:creationId xmlns:p14="http://schemas.microsoft.com/office/powerpoint/2010/main" val="3132516831"/>
+      </p:ext>
+    </p:extLst>
+  </p:cSld>
+  <p:clrMapOvr>
+    <a:masterClrMapping/>
+  </p:clrMapOvr>
+  <p:transition spd="slow">
+    <p:push dir="u"/>
+  </p:transition>
+  <p:timing>
+    <p:tnLst>
+      <p:par>
+        <p:cTn id="1" dur="indefinite" restart="never" nodeType="tmRoot">
+          <p:childTnLst>
+            <p:seq concurrent="1" nextAc="seek">
+              <p:cTn id="2" dur="indefinite" nodeType="mainSeq">
+                <p:childTnLst>
+                  <p:par>
+                    <p:cTn id="3" fill="hold">
+                      <p:stCondLst>
+                        <p:cond delay="indefinite"/>
+                      </p:stCondLst>
+                      <p:childTnLst>
+                        <p:par>
+                          <p:cTn id="4" fill="hold">
+                            <p:stCondLst>
+                              <p:cond delay="0"/>
+                            </p:stCondLst>
+                            <p:childTnLst>
+                              <p:par>
+                                <p:cTn id="5" presetID="22" presetClass="entr" presetSubtype="4" fill="hold" nodeType="clickEffect">
+                                  <p:stCondLst>
+                                    <p:cond delay="0"/>
+                                  </p:stCondLst>
+                                  <p:childTnLst>
+                                    <p:set>
+                                      <p:cBhvr>
+                                        <p:cTn id="6" dur="1" fill="hold">
+                                          <p:stCondLst>
+                                            <p:cond delay="0"/>
+                                          </p:stCondLst>
+                                        </p:cTn>
+                                        <p:tgtEl>
+                                          <p:spTgt spid="8"/>
+                                        </p:tgtEl>
+                                        <p:attrNameLst>
+                                          <p:attrName>style.visibility</p:attrName>
+                                        </p:attrNameLst>
+                                      </p:cBhvr>
+                                      <p:to>
+                                        <p:strVal val="visible"/>
+                                      </p:to>
+                                    </p:set>
+                                    <p:animEffect transition="in" filter="wipe(down)">
+                                      <p:cBhvr>
+                                        <p:cTn id="7" dur="500"/>
+                                        <p:tgtEl>
+                                          <p:spTgt spid="8"/>
+                                        </p:tgtEl>
+                                      </p:cBhvr>
+                                    </p:animEffect>
+                                  </p:childTnLst>
+                                </p:cTn>
+                              </p:par>
+                            </p:childTnLst>
+                          </p:cTn>
+                        </p:par>
+                        <p:par>
+                          <p:cTn id="8" fill="hold">
+                            <p:stCondLst>
+                              <p:cond delay="500"/>
+                            </p:stCondLst>
+                            <p:childTnLst>
+                              <p:par>
+                                <p:cTn id="9" presetID="21" presetClass="emph" presetSubtype="0" repeatCount="indefinite" fill="hold" nodeType="afterEffect">
+                                  <p:stCondLst>
+                                    <p:cond delay="0"/>
+                                  </p:stCondLst>
+                                  <p:endCondLst>
+                                    <p:cond evt="onNext" delay="0">
+                                      <p:tgtEl>
+                                        <p:sldTgt/>
+                                      </p:tgtEl>
+                                    </p:cond>
+                                  </p:endCondLst>
+                                  <p:childTnLst>
+                                    <p:animClr clrSpc="hsl" dir="cw">
+                                      <p:cBhvr override="childStyle">
+                                        <p:cTn id="10" dur="1000" fill="hold"/>
+                                        <p:tgtEl>
+                                          <p:spTgt spid="8"/>
+                                        </p:tgtEl>
+                                        <p:attrNameLst>
+                                          <p:attrName>style.color</p:attrName>
+                                        </p:attrNameLst>
+                                      </p:cBhvr>
+                                      <p:by>
+                                        <p:hsl h="7200000" s="0" l="0"/>
+                                      </p:by>
+                                    </p:animClr>
+                                    <p:animClr clrSpc="hsl" dir="cw">
+                                      <p:cBhvr>
+                                        <p:cTn id="11" dur="1000" fill="hold"/>
+                                        <p:tgtEl>
+                                          <p:spTgt spid="8"/>
+                                        </p:tgtEl>
+                                        <p:attrNameLst>
+                                          <p:attrName>fillcolor</p:attrName>
+                                        </p:attrNameLst>
+                                      </p:cBhvr>
+                                      <p:by>
+                                        <p:hsl h="7200000" s="0" l="0"/>
+                                      </p:by>
+                                    </p:animClr>
+                                    <p:animClr clrSpc="hsl" dir="cw">
+                                      <p:cBhvr>
+                                        <p:cTn id="12" dur="1000" fill="hold"/>
+                                        <p:tgtEl>
+                                          <p:spTgt spid="8"/>
+                                        </p:tgtEl>
+                                        <p:attrNameLst>
+                                          <p:attrName>stroke.color</p:attrName>
+                                        </p:attrNameLst>
+                                      </p:cBhvr>
+                                      <p:by>
+                                        <p:hsl h="7200000" s="0" l="0"/>
+                                      </p:by>
+                                    </p:animClr>
+                                    <p:set>
+                                      <p:cBhvr>
+                                        <p:cTn id="13" dur="1000" fill="hold"/>
+                                        <p:tgtEl>
+                                          <p:spTgt spid="8"/>
+                                        </p:tgtEl>
+                                        <p:attrNameLst>
+                                          <p:attrName>fill.type</p:attrName>
+                                        </p:attrNameLst>
+                                      </p:cBhvr>
+                                      <p:to>
+                                        <p:strVal val="solid"/>
+                                      </p:to>
+                                    </p:set>
+                                  </p:childTnLst>
+                                </p:cTn>
+                              </p:par>
+                            </p:childTnLst>
+                          </p:cTn>
+                        </p:par>
+                      </p:childTnLst>
+                    </p:cTn>
+                  </p:par>
+                  <p:par>
+                    <p:cTn id="14" fill="hold">
+                      <p:stCondLst>
+                        <p:cond delay="indefinite"/>
+                      </p:stCondLst>
+                      <p:childTnLst>
+                        <p:par>
+                          <p:cTn id="15" fill="hold">
+                            <p:stCondLst>
+                              <p:cond delay="0"/>
+                            </p:stCondLst>
+                            <p:childTnLst>
+                              <p:par>
+                                <p:cTn id="16" presetID="10" presetClass="exit" presetSubtype="0" fill="hold" nodeType="clickEffect">
+                                  <p:stCondLst>
+                                    <p:cond delay="0"/>
+                                  </p:stCondLst>
+                                  <p:childTnLst>
+                                    <p:animEffect transition="out" filter="fade">
+                                      <p:cBhvr>
+                                        <p:cTn id="17" dur="500"/>
+                                        <p:tgtEl>
+                                          <p:spTgt spid="8"/>
+                                        </p:tgtEl>
+                                      </p:cBhvr>
+                                    </p:animEffect>
+                                    <p:set>
+                                      <p:cBhvr>
+                                        <p:cTn id="18" dur="1" fill="hold">
+                                          <p:stCondLst>
+                                            <p:cond delay="499"/>
+                                          </p:stCondLst>
+                                        </p:cTn>
+                                        <p:tgtEl>
+                                          <p:spTgt spid="8"/>
+                                        </p:tgtEl>
+                                        <p:attrNameLst>
+                                          <p:attrName>style.visibility</p:attrName>
+                                        </p:attrNameLst>
+                                      </p:cBhvr>
+                                      <p:to>
+                                        <p:strVal val="hidden"/>
+                                      </p:to>
+                                    </p:set>
+                                  </p:childTnLst>
+                                </p:cTn>
+                              </p:par>
+                              <p:par>
+                                <p:cTn id="19" presetID="10" presetClass="entr" presetSubtype="0" fill="hold" nodeType="withEffect">
+                                  <p:stCondLst>
+                                    <p:cond delay="0"/>
+                                  </p:stCondLst>
+                                  <p:childTnLst>
+                                    <p:set>
+                                      <p:cBhvr>
+                                        <p:cTn id="20" dur="1" fill="hold">
+                                          <p:stCondLst>
+                                            <p:cond delay="0"/>
+                                          </p:stCondLst>
+                                        </p:cTn>
+                                        <p:tgtEl>
+                                          <p:spTgt spid="11"/>
+                                        </p:tgtEl>
+                                        <p:attrNameLst>
+                                          <p:attrName>style.visibility</p:attrName>
+                                        </p:attrNameLst>
+                                      </p:cBhvr>
+                                      <p:to>
+                                        <p:strVal val="visible"/>
+                                      </p:to>
+                                    </p:set>
+                                    <p:animEffect transition="in" filter="fade">
+                                      <p:cBhvr>
+                                        <p:cTn id="21" dur="500"/>
+                                        <p:tgtEl>
+                                          <p:spTgt spid="11"/>
+                                        </p:tgtEl>
+                                      </p:cBhvr>
+                                    </p:animEffect>
+                                  </p:childTnLst>
+                                </p:cTn>
+                              </p:par>
+                            </p:childTnLst>
+                          </p:cTn>
+                        </p:par>
+                        <p:par>
+                          <p:cTn id="22" fill="hold">
+                            <p:stCondLst>
+                              <p:cond delay="500"/>
+                            </p:stCondLst>
+                            <p:childTnLst>
+                              <p:par>
+                                <p:cTn id="23" presetID="21" presetClass="emph" presetSubtype="0" repeatCount="indefinite" fill="hold" nodeType="afterEffect">
+                                  <p:stCondLst>
+                                    <p:cond delay="0"/>
+                                  </p:stCondLst>
+                                  <p:childTnLst>
+                                    <p:animClr clrSpc="hsl" dir="cw">
+                                      <p:cBhvr override="childStyle">
+                                        <p:cTn id="24" dur="1000" fill="hold"/>
+                                        <p:tgtEl>
+                                          <p:spTgt spid="11"/>
+                                        </p:tgtEl>
+                                        <p:attrNameLst>
+                                          <p:attrName>style.color</p:attrName>
+                                        </p:attrNameLst>
+                                      </p:cBhvr>
+                                      <p:by>
+                                        <p:hsl h="7200000" s="0" l="0"/>
+                                      </p:by>
+                                    </p:animClr>
+                                    <p:animClr clrSpc="hsl" dir="cw">
+                                      <p:cBhvr>
+                                        <p:cTn id="25" dur="1000" fill="hold"/>
+                                        <p:tgtEl>
+                                          <p:spTgt spid="11"/>
+                                        </p:tgtEl>
+                                        <p:attrNameLst>
+                                          <p:attrName>fillcolor</p:attrName>
+                                        </p:attrNameLst>
+                                      </p:cBhvr>
+                                      <p:by>
+                                        <p:hsl h="7200000" s="0" l="0"/>
+                                      </p:by>
+                                    </p:animClr>
+                                    <p:animClr clrSpc="hsl" dir="cw">
+                                      <p:cBhvr>
+                                        <p:cTn id="26" dur="1000" fill="hold"/>
+                                        <p:tgtEl>
+                                          <p:spTgt spid="11"/>
+                                        </p:tgtEl>
+                                        <p:attrNameLst>
+                                          <p:attrName>stroke.color</p:attrName>
+                                        </p:attrNameLst>
+                                      </p:cBhvr>
+                                      <p:by>
+                                        <p:hsl h="7200000" s="0" l="0"/>
+                                      </p:by>
+                                    </p:animClr>
+                                    <p:set>
+                                      <p:cBhvr>
+                                        <p:cTn id="27" dur="1000" fill="hold"/>
+                                        <p:tgtEl>
+                                          <p:spTgt spid="11"/>
+                                        </p:tgtEl>
+                                        <p:attrNameLst>
+                                          <p:attrName>fill.type</p:attrName>
+                                        </p:attrNameLst>
+                                      </p:cBhvr>
+                                      <p:to>
+                                        <p:strVal val="solid"/>
+                                      </p:to>
+                                    </p:set>
+                                  </p:childTnLst>
+                                </p:cTn>
+                              </p:par>
+                            </p:childTnLst>
+                          </p:cTn>
+                        </p:par>
+                      </p:childTnLst>
+                    </p:cTn>
+                  </p:par>
+                </p:childTnLst>
+              </p:cTn>
+              <p:prevCondLst>
+                <p:cond evt="onPrev" delay="0">
+                  <p:tgtEl>
+                    <p:sldTgt/>
+                  </p:tgtEl>
+                </p:cond>
+              </p:prevCondLst>
+              <p:nextCondLst>
+                <p:cond evt="onNext" delay="0">
+                  <p:tgtEl>
+                    <p:sldTgt/>
+                  </p:tgtEl>
+                </p:cond>
+              </p:nextCondLst>
+            </p:seq>
+          </p:childTnLst>
+        </p:cTn>
+      </p:par>
+    </p:tnLst>
+  </p:timing>
+</p:sld>
+</file>
+
+<file path=ppt/slides/slide34.xml><?xml version="1.0" encoding="utf-8"?>
+<p:sld xmlns:a="http://schemas.openxmlformats.org/drawingml/2006/main" xmlns:r="http://schemas.openxmlformats.org/officeDocument/2006/relationships" xmlns:p="http://schemas.openxmlformats.org/presentationml/2006/main">
+  <p:cSld>
+    <p:spTree>
+      <p:nvGrpSpPr>
+        <p:cNvPr id="1" name=""/>
+        <p:cNvGrpSpPr/>
+        <p:nvPr/>
+      </p:nvGrpSpPr>
+      <p:grpSpPr>
+        <a:xfrm>
+          <a:off x="0" y="0"/>
+          <a:ext cx="0" cy="0"/>
+          <a:chOff x="0" y="0"/>
+          <a:chExt cx="0" cy="0"/>
+        </a:xfrm>
+      </p:grpSpPr>
+      <p:sp>
+        <p:nvSpPr>
+          <p:cNvPr id="3" name="Content Placeholder 2">
+            <a:extLst>
+              <a:ext uri="{FF2B5EF4-FFF2-40B4-BE49-F238E27FC236}">
+                <a16:creationId xmlns:a16="http://schemas.microsoft.com/office/drawing/2014/main" id="{91BC8D9B-5934-6B1C-86A5-A252E18F13E1}"/>
+              </a:ext>
+            </a:extLst>
+          </p:cNvPr>
+          <p:cNvSpPr>
+            <a:spLocks noGrp="1"/>
+          </p:cNvSpPr>
+          <p:nvPr>
+            <p:ph idx="1"/>
+          </p:nvPr>
+        </p:nvSpPr>
+        <p:spPr>
+          <a:xfrm>
+            <a:off x="1732936" y="1143000"/>
+            <a:ext cx="6804025" cy="1102179"/>
+          </a:xfrm>
+        </p:spPr>
+        <p:txBody>
+          <a:bodyPr>
+            <a:normAutofit/>
+          </a:bodyPr>
+          <a:lstStyle/>
+          <a:p>
+            <a:r>
+              <a:rPr lang="en-US" b="1" i="1" dirty="0">
+                <a:latin typeface="Times New Roman" panose="02020603050405020304" pitchFamily="18" charset="0"/>
+                <a:ea typeface="Times New Roman" panose="02020603050405020304" pitchFamily="18" charset="0"/>
+              </a:rPr>
+              <a:t>I</a:t>
+            </a:r>
+            <a:r>
+              <a:rPr lang="en-US" b="1" i="1" dirty="0">
+                <a:effectLst/>
+                <a:latin typeface="Times New Roman" panose="02020603050405020304" pitchFamily="18" charset="0"/>
+                <a:ea typeface="Times New Roman" panose="02020603050405020304" pitchFamily="18" charset="0"/>
+              </a:rPr>
+              <a:t>nsertion of b-tree has order 4 in this set of numbers: 37, 49, 80 ,19, 39, 60, 88, 100</a:t>
+            </a:r>
+            <a:endParaRPr lang="en-US" sz="4000" dirty="0"/>
+          </a:p>
+        </p:txBody>
+      </p:sp>
+      <p:sp>
+        <p:nvSpPr>
+          <p:cNvPr id="4" name="Title 1">
+            <a:extLst>
+              <a:ext uri="{FF2B5EF4-FFF2-40B4-BE49-F238E27FC236}">
+                <a16:creationId xmlns:a16="http://schemas.microsoft.com/office/drawing/2014/main" id="{5B6F2151-F9AF-EDE2-F056-F0F979FFA758}"/>
+              </a:ext>
+            </a:extLst>
+          </p:cNvPr>
+          <p:cNvSpPr>
+            <a:spLocks noGrp="1"/>
+          </p:cNvSpPr>
+          <p:nvPr>
+            <p:ph type="title"/>
+          </p:nvPr>
+        </p:nvSpPr>
+        <p:spPr>
+          <a:xfrm>
+            <a:off x="1735138" y="406400"/>
+            <a:ext cx="6804025" cy="725488"/>
+          </a:xfrm>
+        </p:spPr>
+        <p:txBody>
+          <a:bodyPr>
+            <a:noAutofit/>
+          </a:bodyPr>
+          <a:lstStyle/>
+          <a:p>
+            <a:r>
+              <a:rPr lang="en-US" sz="4800" b="1" dirty="0">
+                <a:effectLst/>
+              </a:rPr>
+              <a:t>DEMONSTRATION</a:t>
+            </a:r>
+          </a:p>
+        </p:txBody>
+      </p:sp>
+    </p:spTree>
+    <p:extLst>
+      <p:ext uri="{BB962C8B-B14F-4D97-AF65-F5344CB8AC3E}">
+        <p14:creationId xmlns:p14="http://schemas.microsoft.com/office/powerpoint/2010/main" val="2694104042"/>
+      </p:ext>
+    </p:extLst>
+  </p:cSld>
+  <p:clrMapOvr>
+    <a:masterClrMapping/>
+  </p:clrMapOvr>
+  <p:transition spd="slow">
+    <p:push dir="u"/>
+  </p:transition>
+</p:sld>
+</file>
+
+<file path=ppt/slides/slide35.xml><?xml version="1.0" encoding="utf-8"?>
+<p:sld xmlns:a="http://schemas.openxmlformats.org/drawingml/2006/main" xmlns:r="http://schemas.openxmlformats.org/officeDocument/2006/relationships" xmlns:p="http://schemas.openxmlformats.org/presentationml/2006/main">
+  <p:cSld>
+    <p:spTree>
+      <p:nvGrpSpPr>
+        <p:cNvPr id="1" name=""/>
+        <p:cNvGrpSpPr/>
+        <p:nvPr/>
+      </p:nvGrpSpPr>
+      <p:grpSpPr>
+        <a:xfrm>
+          <a:off x="0" y="0"/>
+          <a:ext cx="0" cy="0"/>
+          <a:chOff x="0" y="0"/>
+          <a:chExt cx="0" cy="0"/>
+        </a:xfrm>
+      </p:grpSpPr>
+      <p:sp>
+        <p:nvSpPr>
+          <p:cNvPr id="4" name="Title 1">
+            <a:extLst>
+              <a:ext uri="{FF2B5EF4-FFF2-40B4-BE49-F238E27FC236}">
+                <a16:creationId xmlns:a16="http://schemas.microsoft.com/office/drawing/2014/main" id="{B5E71AE5-347C-106E-003D-AE6DB0F03736}"/>
+              </a:ext>
+            </a:extLst>
+          </p:cNvPr>
+          <p:cNvSpPr>
+            <a:spLocks noGrp="1"/>
+          </p:cNvSpPr>
+          <p:nvPr>
+            <p:ph type="title"/>
+          </p:nvPr>
+        </p:nvSpPr>
+        <p:spPr>
+          <a:xfrm>
+            <a:off x="1735138" y="406400"/>
+            <a:ext cx="6804025" cy="725488"/>
+          </a:xfrm>
+        </p:spPr>
+        <p:txBody>
+          <a:bodyPr>
+            <a:noAutofit/>
+          </a:bodyPr>
+          <a:lstStyle/>
+          <a:p>
+            <a:r>
+              <a:rPr lang="en-US" sz="4800" b="1" dirty="0">
+                <a:effectLst/>
+              </a:rPr>
+              <a:t>DEMONSTRATION</a:t>
+            </a:r>
+          </a:p>
+        </p:txBody>
+      </p:sp>
+      <p:sp>
+        <p:nvSpPr>
+          <p:cNvPr id="9" name="TextBox 8">
+            <a:extLst>
+              <a:ext uri="{FF2B5EF4-FFF2-40B4-BE49-F238E27FC236}">
+                <a16:creationId xmlns:a16="http://schemas.microsoft.com/office/drawing/2014/main" id="{5C94AC62-2F9B-C760-7010-6E401D04C237}"/>
+              </a:ext>
+            </a:extLst>
+          </p:cNvPr>
+          <p:cNvSpPr txBox="1"/>
+          <p:nvPr/>
+        </p:nvSpPr>
+        <p:spPr>
+          <a:xfrm>
+            <a:off x="5495851" y="144411"/>
+            <a:ext cx="3453945" cy="369332"/>
+          </a:xfrm>
+          <a:prstGeom prst="rect">
+            <a:avLst/>
+          </a:prstGeom>
+          <a:noFill/>
+        </p:spPr>
+        <p:txBody>
+          <a:bodyPr wrap="square">
+            <a:spAutoFit/>
+          </a:bodyPr>
+          <a:lstStyle/>
+          <a:p>
+            <a:r>
+              <a:rPr lang="en-US" b="1" i="1" dirty="0">
+                <a:effectLst/>
+                <a:latin typeface="Times New Roman" panose="02020603050405020304" pitchFamily="18" charset="0"/>
+                <a:ea typeface="Times New Roman" panose="02020603050405020304" pitchFamily="18" charset="0"/>
+              </a:rPr>
+              <a:t>37, 49, 80 ,19, 39, 60, 88, 100</a:t>
+            </a:r>
+            <a:endParaRPr lang="en-US" dirty="0"/>
+          </a:p>
+        </p:txBody>
+      </p:sp>
+      <p:sp>
+        <p:nvSpPr>
+          <p:cNvPr id="10" name="Rectangle 9">
+            <a:extLst>
+              <a:ext uri="{FF2B5EF4-FFF2-40B4-BE49-F238E27FC236}">
+                <a16:creationId xmlns:a16="http://schemas.microsoft.com/office/drawing/2014/main" id="{03944D94-0316-0402-2D13-6350A30890C2}"/>
+              </a:ext>
+            </a:extLst>
+          </p:cNvPr>
+          <p:cNvSpPr/>
+          <p:nvPr/>
+        </p:nvSpPr>
+        <p:spPr>
+          <a:xfrm>
+            <a:off x="4328204" y="2697868"/>
+            <a:ext cx="659947" cy="593145"/>
+          </a:xfrm>
+          <a:prstGeom prst="rect">
+            <a:avLst/>
+          </a:prstGeom>
+          <a:solidFill>
+            <a:schemeClr val="bg1"/>
+          </a:solidFill>
+        </p:spPr>
+        <p:style>
+          <a:lnRef idx="2">
+            <a:schemeClr val="accent1">
+              <a:shade val="50000"/>
+            </a:schemeClr>
+          </a:lnRef>
+          <a:fillRef idx="1">
+            <a:schemeClr val="accent1"/>
+          </a:fillRef>
+          <a:effectRef idx="0">
+            <a:schemeClr val="accent1"/>
+          </a:effectRef>
+          <a:fontRef idx="minor">
+            <a:schemeClr val="lt1"/>
+          </a:fontRef>
+        </p:style>
+        <p:txBody>
+          <a:bodyPr rtlCol="0" anchor="ctr"/>
+          <a:lstStyle/>
+          <a:p>
+            <a:pPr algn="ctr"/>
+            <a:r>
+              <a:rPr lang="en-US" sz="3600" dirty="0">
+                <a:solidFill>
+                  <a:schemeClr val="tx1"/>
+                </a:solidFill>
+              </a:rPr>
+              <a:t>37</a:t>
+            </a:r>
+          </a:p>
+        </p:txBody>
+      </p:sp>
+      <p:sp>
+        <p:nvSpPr>
+          <p:cNvPr id="11" name="Rectangle 10">
+            <a:extLst>
+              <a:ext uri="{FF2B5EF4-FFF2-40B4-BE49-F238E27FC236}">
+                <a16:creationId xmlns:a16="http://schemas.microsoft.com/office/drawing/2014/main" id="{F3659833-288A-A4CF-AD14-F96FDA2521AE}"/>
+              </a:ext>
+            </a:extLst>
+          </p:cNvPr>
+          <p:cNvSpPr/>
+          <p:nvPr/>
+        </p:nvSpPr>
+        <p:spPr>
+          <a:xfrm>
+            <a:off x="7537070" y="1895057"/>
+            <a:ext cx="659947" cy="559253"/>
+          </a:xfrm>
+          <a:prstGeom prst="rect">
+            <a:avLst/>
+          </a:prstGeom>
+          <a:solidFill>
+            <a:schemeClr val="bg1"/>
+          </a:solidFill>
+        </p:spPr>
+        <p:style>
+          <a:lnRef idx="2">
+            <a:schemeClr val="accent1">
+              <a:shade val="50000"/>
+            </a:schemeClr>
+          </a:lnRef>
+          <a:fillRef idx="1">
+            <a:schemeClr val="accent1"/>
+          </a:fillRef>
+          <a:effectRef idx="0">
+            <a:schemeClr val="accent1"/>
+          </a:effectRef>
+          <a:fontRef idx="minor">
+            <a:schemeClr val="lt1"/>
+          </a:fontRef>
+        </p:style>
+        <p:txBody>
+          <a:bodyPr rtlCol="0" anchor="ctr"/>
+          <a:lstStyle/>
+          <a:p>
+            <a:pPr algn="ctr"/>
+            <a:r>
+              <a:rPr lang="en-US" sz="3600" dirty="0">
+                <a:solidFill>
+                  <a:schemeClr val="tx1"/>
+                </a:solidFill>
+              </a:rPr>
+              <a:t>49</a:t>
+            </a:r>
+          </a:p>
+        </p:txBody>
+      </p:sp>
+      <p:sp>
+        <p:nvSpPr>
+          <p:cNvPr id="13" name="Rectangle 12">
+            <a:extLst>
+              <a:ext uri="{FF2B5EF4-FFF2-40B4-BE49-F238E27FC236}">
+                <a16:creationId xmlns:a16="http://schemas.microsoft.com/office/drawing/2014/main" id="{8629E832-4A5B-73EC-B644-D81EFF1C7D4C}"/>
+              </a:ext>
+            </a:extLst>
+          </p:cNvPr>
+          <p:cNvSpPr/>
+          <p:nvPr/>
+        </p:nvSpPr>
+        <p:spPr>
+          <a:xfrm>
+            <a:off x="7713962" y="2539999"/>
+            <a:ext cx="659947" cy="559253"/>
+          </a:xfrm>
+          <a:prstGeom prst="rect">
+            <a:avLst/>
+          </a:prstGeom>
+          <a:solidFill>
+            <a:schemeClr val="bg1"/>
+          </a:solidFill>
+        </p:spPr>
+        <p:style>
+          <a:lnRef idx="2">
+            <a:schemeClr val="accent1">
+              <a:shade val="50000"/>
+            </a:schemeClr>
+          </a:lnRef>
+          <a:fillRef idx="1">
+            <a:schemeClr val="accent1"/>
+          </a:fillRef>
+          <a:effectRef idx="0">
+            <a:schemeClr val="accent1"/>
+          </a:effectRef>
+          <a:fontRef idx="minor">
+            <a:schemeClr val="lt1"/>
+          </a:fontRef>
+        </p:style>
+        <p:txBody>
+          <a:bodyPr rtlCol="0" anchor="ctr"/>
+          <a:lstStyle/>
+          <a:p>
+            <a:pPr algn="ctr"/>
+            <a:r>
+              <a:rPr lang="en-US" sz="3600" dirty="0">
+                <a:solidFill>
+                  <a:schemeClr val="tx1"/>
+                </a:solidFill>
+              </a:rPr>
+              <a:t>80</a:t>
+            </a:r>
+          </a:p>
+        </p:txBody>
+      </p:sp>
+      <p:sp>
+        <p:nvSpPr>
+          <p:cNvPr id="14" name="Rectangle 13">
+            <a:extLst>
+              <a:ext uri="{FF2B5EF4-FFF2-40B4-BE49-F238E27FC236}">
+                <a16:creationId xmlns:a16="http://schemas.microsoft.com/office/drawing/2014/main" id="{98B13B35-C309-22AB-12C3-1E334DF6FB8F}"/>
+              </a:ext>
+            </a:extLst>
+          </p:cNvPr>
+          <p:cNvSpPr/>
+          <p:nvPr/>
+        </p:nvSpPr>
+        <p:spPr>
+          <a:xfrm>
+            <a:off x="4988151" y="2697867"/>
+            <a:ext cx="659947" cy="593145"/>
+          </a:xfrm>
+          <a:prstGeom prst="rect">
+            <a:avLst/>
+          </a:prstGeom>
+          <a:solidFill>
+            <a:schemeClr val="bg1"/>
+          </a:solidFill>
+        </p:spPr>
+        <p:style>
+          <a:lnRef idx="2">
+            <a:schemeClr val="accent1">
+              <a:shade val="50000"/>
+            </a:schemeClr>
+          </a:lnRef>
+          <a:fillRef idx="1">
+            <a:schemeClr val="accent1"/>
+          </a:fillRef>
+          <a:effectRef idx="0">
+            <a:schemeClr val="accent1"/>
+          </a:effectRef>
+          <a:fontRef idx="minor">
+            <a:schemeClr val="lt1"/>
+          </a:fontRef>
+        </p:style>
+        <p:txBody>
+          <a:bodyPr rtlCol="0" anchor="ctr"/>
+          <a:lstStyle/>
+          <a:p>
+            <a:pPr algn="ctr"/>
+            <a:r>
+              <a:rPr lang="en-US" sz="3600" dirty="0">
+                <a:solidFill>
+                  <a:schemeClr val="tx1"/>
+                </a:solidFill>
+              </a:rPr>
+              <a:t>49</a:t>
+            </a:r>
+          </a:p>
+        </p:txBody>
+      </p:sp>
+      <p:sp>
+        <p:nvSpPr>
+          <p:cNvPr id="15" name="Rectangle 14">
+            <a:extLst>
+              <a:ext uri="{FF2B5EF4-FFF2-40B4-BE49-F238E27FC236}">
+                <a16:creationId xmlns:a16="http://schemas.microsoft.com/office/drawing/2014/main" id="{FD36694C-1E1B-6F54-F904-E06FC2381FC9}"/>
+              </a:ext>
+            </a:extLst>
+          </p:cNvPr>
+          <p:cNvSpPr/>
+          <p:nvPr/>
+        </p:nvSpPr>
+        <p:spPr>
+          <a:xfrm>
+            <a:off x="5648098" y="2697867"/>
+            <a:ext cx="659947" cy="593145"/>
+          </a:xfrm>
+          <a:prstGeom prst="rect">
+            <a:avLst/>
+          </a:prstGeom>
+          <a:solidFill>
+            <a:schemeClr val="bg1"/>
+          </a:solidFill>
+        </p:spPr>
+        <p:style>
+          <a:lnRef idx="2">
+            <a:schemeClr val="accent1">
+              <a:shade val="50000"/>
+            </a:schemeClr>
+          </a:lnRef>
+          <a:fillRef idx="1">
+            <a:schemeClr val="accent1"/>
+          </a:fillRef>
+          <a:effectRef idx="0">
+            <a:schemeClr val="accent1"/>
+          </a:effectRef>
+          <a:fontRef idx="minor">
+            <a:schemeClr val="lt1"/>
+          </a:fontRef>
+        </p:style>
+        <p:txBody>
+          <a:bodyPr rtlCol="0" anchor="ctr"/>
+          <a:lstStyle/>
+          <a:p>
+            <a:pPr algn="ctr"/>
+            <a:r>
+              <a:rPr lang="en-US" sz="3600" dirty="0">
+                <a:solidFill>
+                  <a:schemeClr val="tx1"/>
+                </a:solidFill>
+              </a:rPr>
+              <a:t>80</a:t>
+            </a:r>
+          </a:p>
+        </p:txBody>
+      </p:sp>
+      <p:sp>
+        <p:nvSpPr>
+          <p:cNvPr id="16" name="Rectangle 15">
+            <a:extLst>
+              <a:ext uri="{FF2B5EF4-FFF2-40B4-BE49-F238E27FC236}">
+                <a16:creationId xmlns:a16="http://schemas.microsoft.com/office/drawing/2014/main" id="{C7F70704-79D1-922C-989A-BA66A943AC41}"/>
+              </a:ext>
+            </a:extLst>
+          </p:cNvPr>
+          <p:cNvSpPr/>
+          <p:nvPr/>
+        </p:nvSpPr>
+        <p:spPr>
+          <a:xfrm>
+            <a:off x="2421241" y="2254475"/>
+            <a:ext cx="659947" cy="559253"/>
+          </a:xfrm>
+          <a:prstGeom prst="rect">
+            <a:avLst/>
+          </a:prstGeom>
+          <a:solidFill>
+            <a:schemeClr val="bg1"/>
+          </a:solidFill>
+        </p:spPr>
+        <p:style>
+          <a:lnRef idx="2">
+            <a:schemeClr val="accent1">
+              <a:shade val="50000"/>
+            </a:schemeClr>
+          </a:lnRef>
+          <a:fillRef idx="1">
+            <a:schemeClr val="accent1"/>
+          </a:fillRef>
+          <a:effectRef idx="0">
+            <a:schemeClr val="accent1"/>
+          </a:effectRef>
+          <a:fontRef idx="minor">
+            <a:schemeClr val="lt1"/>
+          </a:fontRef>
+        </p:style>
+        <p:txBody>
+          <a:bodyPr rtlCol="0" anchor="ctr"/>
+          <a:lstStyle/>
+          <a:p>
+            <a:pPr algn="ctr"/>
+            <a:r>
+              <a:rPr lang="en-US" sz="3600" dirty="0">
+                <a:solidFill>
+                  <a:schemeClr val="tx1"/>
+                </a:solidFill>
+              </a:rPr>
+              <a:t>19</a:t>
+            </a:r>
+          </a:p>
+        </p:txBody>
+      </p:sp>
+      <p:sp>
+        <p:nvSpPr>
+          <p:cNvPr id="17" name="Rectangle 16">
+            <a:extLst>
+              <a:ext uri="{FF2B5EF4-FFF2-40B4-BE49-F238E27FC236}">
+                <a16:creationId xmlns:a16="http://schemas.microsoft.com/office/drawing/2014/main" id="{F8720DA6-B70C-6FBF-02F0-9BE74BCF3DA1}"/>
+              </a:ext>
+            </a:extLst>
+          </p:cNvPr>
+          <p:cNvSpPr/>
+          <p:nvPr/>
+        </p:nvSpPr>
+        <p:spPr>
+          <a:xfrm>
+            <a:off x="3668257" y="2697867"/>
+            <a:ext cx="659947" cy="593145"/>
+          </a:xfrm>
+          <a:prstGeom prst="rect">
+            <a:avLst/>
+          </a:prstGeom>
+          <a:solidFill>
+            <a:schemeClr val="bg1"/>
+          </a:solidFill>
+        </p:spPr>
+        <p:style>
+          <a:lnRef idx="2">
+            <a:schemeClr val="accent1">
+              <a:shade val="50000"/>
+            </a:schemeClr>
+          </a:lnRef>
+          <a:fillRef idx="1">
+            <a:schemeClr val="accent1"/>
+          </a:fillRef>
+          <a:effectRef idx="0">
+            <a:schemeClr val="accent1"/>
+          </a:effectRef>
+          <a:fontRef idx="minor">
+            <a:schemeClr val="lt1"/>
+          </a:fontRef>
+        </p:style>
+        <p:txBody>
+          <a:bodyPr rtlCol="0" anchor="ctr"/>
+          <a:lstStyle/>
+          <a:p>
+            <a:pPr algn="ctr"/>
+            <a:r>
+              <a:rPr lang="en-US" sz="3600" dirty="0">
+                <a:solidFill>
+                  <a:schemeClr val="tx1"/>
+                </a:solidFill>
+              </a:rPr>
+              <a:t>19</a:t>
+            </a:r>
+          </a:p>
+        </p:txBody>
+      </p:sp>
+      <p:sp>
+        <p:nvSpPr>
+          <p:cNvPr id="18" name="Rectangle 17">
+            <a:extLst>
+              <a:ext uri="{FF2B5EF4-FFF2-40B4-BE49-F238E27FC236}">
+                <a16:creationId xmlns:a16="http://schemas.microsoft.com/office/drawing/2014/main" id="{899B340B-DEC0-9644-95BE-B36BC756353B}"/>
+              </a:ext>
+            </a:extLst>
+          </p:cNvPr>
+          <p:cNvSpPr/>
+          <p:nvPr/>
+        </p:nvSpPr>
+        <p:spPr>
+          <a:xfrm>
+            <a:off x="4328204" y="1556317"/>
+            <a:ext cx="659947" cy="559253"/>
+          </a:xfrm>
+          <a:prstGeom prst="rect">
+            <a:avLst/>
+          </a:prstGeom>
+          <a:solidFill>
+            <a:schemeClr val="bg1"/>
+          </a:solidFill>
+        </p:spPr>
+        <p:style>
+          <a:lnRef idx="2">
+            <a:schemeClr val="accent1">
+              <a:shade val="50000"/>
+            </a:schemeClr>
+          </a:lnRef>
+          <a:fillRef idx="1">
+            <a:schemeClr val="accent1"/>
+          </a:fillRef>
+          <a:effectRef idx="0">
+            <a:schemeClr val="accent1"/>
+          </a:effectRef>
+          <a:fontRef idx="minor">
+            <a:schemeClr val="lt1"/>
+          </a:fontRef>
+        </p:style>
+        <p:txBody>
+          <a:bodyPr rtlCol="0" anchor="ctr"/>
+          <a:lstStyle/>
+          <a:p>
+            <a:pPr algn="ctr"/>
+            <a:r>
+              <a:rPr lang="en-US" sz="3600" dirty="0">
+                <a:solidFill>
+                  <a:schemeClr val="tx1"/>
+                </a:solidFill>
+              </a:rPr>
+              <a:t>37</a:t>
+            </a:r>
+          </a:p>
+        </p:txBody>
+      </p:sp>
+      <p:cxnSp>
+        <p:nvCxnSpPr>
+          <p:cNvPr id="19" name="Straight Arrow Connector 18">
+            <a:extLst>
+              <a:ext uri="{FF2B5EF4-FFF2-40B4-BE49-F238E27FC236}">
+                <a16:creationId xmlns:a16="http://schemas.microsoft.com/office/drawing/2014/main" id="{46806C52-4909-B02B-3ED1-A5F6759619A4}"/>
+              </a:ext>
+            </a:extLst>
+          </p:cNvPr>
+          <p:cNvCxnSpPr>
+            <a:cxnSpLocks/>
+          </p:cNvCxnSpPr>
+          <p:nvPr/>
+        </p:nvCxnSpPr>
+        <p:spPr>
+          <a:xfrm flipH="1">
+            <a:off x="3833370" y="2115570"/>
+            <a:ext cx="494834" cy="596705"/>
+          </a:xfrm>
+          <a:prstGeom prst="straightConnector1">
+            <a:avLst/>
+          </a:prstGeom>
+          <a:ln w="76200">
+            <a:tailEnd type="triangle"/>
+          </a:ln>
+        </p:spPr>
+        <p:style>
+          <a:lnRef idx="1">
+            <a:schemeClr val="dk1"/>
+          </a:lnRef>
+          <a:fillRef idx="0">
+            <a:schemeClr val="dk1"/>
+          </a:fillRef>
+          <a:effectRef idx="0">
+            <a:schemeClr val="dk1"/>
+          </a:effectRef>
+          <a:fontRef idx="minor">
+            <a:schemeClr val="tx1"/>
+          </a:fontRef>
+        </p:style>
+      </p:cxnSp>
+      <p:cxnSp>
+        <p:nvCxnSpPr>
+          <p:cNvPr id="21" name="Straight Arrow Connector 20">
+            <a:extLst>
+              <a:ext uri="{FF2B5EF4-FFF2-40B4-BE49-F238E27FC236}">
+                <a16:creationId xmlns:a16="http://schemas.microsoft.com/office/drawing/2014/main" id="{7B576597-6BC2-454D-E0F5-09DCEF51F1A3}"/>
+              </a:ext>
+            </a:extLst>
+          </p:cNvPr>
+          <p:cNvCxnSpPr>
+            <a:cxnSpLocks/>
+          </p:cNvCxnSpPr>
+          <p:nvPr/>
+        </p:nvCxnSpPr>
+        <p:spPr>
+          <a:xfrm>
+            <a:off x="4988151" y="2115570"/>
+            <a:ext cx="537752" cy="563634"/>
+          </a:xfrm>
+          <a:prstGeom prst="straightConnector1">
+            <a:avLst/>
+          </a:prstGeom>
+          <a:ln w="76200">
+            <a:tailEnd type="triangle"/>
+          </a:ln>
+        </p:spPr>
+        <p:style>
+          <a:lnRef idx="1">
+            <a:schemeClr val="dk1"/>
+          </a:lnRef>
+          <a:fillRef idx="0">
+            <a:schemeClr val="dk1"/>
+          </a:fillRef>
+          <a:effectRef idx="0">
+            <a:schemeClr val="dk1"/>
+          </a:effectRef>
+          <a:fontRef idx="minor">
+            <a:schemeClr val="tx1"/>
+          </a:fontRef>
+        </p:style>
+      </p:cxnSp>
+    </p:spTree>
+    <p:extLst>
+      <p:ext uri="{BB962C8B-B14F-4D97-AF65-F5344CB8AC3E}">
+        <p14:creationId xmlns:p14="http://schemas.microsoft.com/office/powerpoint/2010/main" val="3109533227"/>
+      </p:ext>
+    </p:extLst>
+  </p:cSld>
+  <p:clrMapOvr>
+    <a:masterClrMapping/>
+  </p:clrMapOvr>
+  <p:timing>
+    <p:tnLst>
+      <p:par>
+        <p:cTn id="1" dur="indefinite" restart="never" nodeType="tmRoot">
+          <p:childTnLst>
+            <p:seq concurrent="1" nextAc="seek">
+              <p:cTn id="2" dur="indefinite" nodeType="mainSeq">
+                <p:childTnLst>
+                  <p:par>
+                    <p:cTn id="3" fill="hold">
+                      <p:stCondLst>
+                        <p:cond delay="indefinite"/>
+                        <p:cond evt="onBegin" delay="0">
+                          <p:tn val="2"/>
+                        </p:cond>
+                      </p:stCondLst>
+                      <p:childTnLst>
+                        <p:par>
+                          <p:cTn id="4" fill="hold">
+                            <p:stCondLst>
+                              <p:cond delay="0"/>
+                            </p:stCondLst>
+                            <p:childTnLst>
+                              <p:par>
+                                <p:cTn id="5" presetID="16" presetClass="entr" presetSubtype="21" fill="hold" grpId="0" nodeType="withEffect">
+                                  <p:stCondLst>
+                                    <p:cond delay="0"/>
+                                  </p:stCondLst>
+                                  <p:childTnLst>
+                                    <p:set>
+                                      <p:cBhvr>
+                                        <p:cTn id="6" dur="1" fill="hold">
+                                          <p:stCondLst>
+                                            <p:cond delay="0"/>
+                                          </p:stCondLst>
+                                        </p:cTn>
+                                        <p:tgtEl>
+                                          <p:spTgt spid="10"/>
+                                        </p:tgtEl>
+                                        <p:attrNameLst>
+                                          <p:attrName>style.visibility</p:attrName>
+                                        </p:attrNameLst>
+                                      </p:cBhvr>
+                                      <p:to>
+                                        <p:strVal val="visible"/>
+                                      </p:to>
+                                    </p:set>
+                                    <p:animEffect transition="in" filter="barn(inVertical)">
+                                      <p:cBhvr>
+                                        <p:cTn id="7" dur="500"/>
+                                        <p:tgtEl>
+                                          <p:spTgt spid="10"/>
+                                        </p:tgtEl>
+                                      </p:cBhvr>
+                                    </p:animEffect>
+                                  </p:childTnLst>
+                                </p:cTn>
+                              </p:par>
+                            </p:childTnLst>
+                          </p:cTn>
+                        </p:par>
+                      </p:childTnLst>
+                    </p:cTn>
+                  </p:par>
+                  <p:par>
+                    <p:cTn id="8" fill="hold">
+                      <p:stCondLst>
+                        <p:cond delay="indefinite"/>
+                      </p:stCondLst>
+                      <p:childTnLst>
+                        <p:par>
+                          <p:cTn id="9" fill="hold">
+                            <p:stCondLst>
+                              <p:cond delay="0"/>
+                            </p:stCondLst>
+                            <p:childTnLst>
+                              <p:par>
+                                <p:cTn id="10" presetID="16" presetClass="entr" presetSubtype="21" fill="hold" grpId="0" nodeType="clickEffect">
+                                  <p:stCondLst>
+                                    <p:cond delay="0"/>
+                                  </p:stCondLst>
+                                  <p:childTnLst>
+                                    <p:set>
+                                      <p:cBhvr>
+                                        <p:cTn id="11" dur="1" fill="hold">
+                                          <p:stCondLst>
+                                            <p:cond delay="0"/>
+                                          </p:stCondLst>
+                                        </p:cTn>
+                                        <p:tgtEl>
+                                          <p:spTgt spid="11"/>
+                                        </p:tgtEl>
+                                        <p:attrNameLst>
+                                          <p:attrName>style.visibility</p:attrName>
+                                        </p:attrNameLst>
+                                      </p:cBhvr>
+                                      <p:to>
+                                        <p:strVal val="visible"/>
+                                      </p:to>
+                                    </p:set>
+                                    <p:animEffect transition="in" filter="barn(inVertical)">
+                                      <p:cBhvr>
+                                        <p:cTn id="12" dur="500"/>
+                                        <p:tgtEl>
+                                          <p:spTgt spid="11"/>
+                                        </p:tgtEl>
+                                      </p:cBhvr>
+                                    </p:animEffect>
+                                  </p:childTnLst>
+                                </p:cTn>
+                              </p:par>
+                            </p:childTnLst>
+                          </p:cTn>
+                        </p:par>
+                        <p:par>
+                          <p:cTn id="13" fill="hold">
+                            <p:stCondLst>
+                              <p:cond delay="500"/>
+                            </p:stCondLst>
+                            <p:childTnLst>
+                              <p:par>
+                                <p:cTn id="14" presetID="35" presetClass="path" presetSubtype="0" accel="50000" decel="50000" fill="hold" grpId="1" nodeType="afterEffect">
+                                  <p:stCondLst>
+                                    <p:cond delay="0"/>
+                                  </p:stCondLst>
+                                  <p:childTnLst>
+                                    <p:animMotion origin="layout" path="M -3.05556E-6 4.93827E-7 L -0.27639 0.15988 " pathEditMode="relative" rAng="0" ptsTypes="AA">
+                                      <p:cBhvr>
+                                        <p:cTn id="15" dur="2000" fill="hold"/>
+                                        <p:tgtEl>
+                                          <p:spTgt spid="11"/>
+                                        </p:tgtEl>
+                                        <p:attrNameLst>
+                                          <p:attrName>ppt_x</p:attrName>
+                                          <p:attrName>ppt_y</p:attrName>
+                                        </p:attrNameLst>
+                                      </p:cBhvr>
+                                      <p:rCtr x="-13819" y="7994"/>
+                                    </p:animMotion>
+                                  </p:childTnLst>
+                                </p:cTn>
+                              </p:par>
+                            </p:childTnLst>
+                          </p:cTn>
+                        </p:par>
+                        <p:par>
+                          <p:cTn id="16" fill="hold">
+                            <p:stCondLst>
+                              <p:cond delay="2500"/>
+                            </p:stCondLst>
+                            <p:childTnLst>
+                              <p:par>
+                                <p:cTn id="17" presetID="1" presetClass="exit" presetSubtype="0" fill="hold" grpId="2" nodeType="afterEffect">
+                                  <p:stCondLst>
+                                    <p:cond delay="0"/>
+                                  </p:stCondLst>
+                                  <p:childTnLst>
+                                    <p:set>
+                                      <p:cBhvr>
+                                        <p:cTn id="18" dur="1" fill="hold">
+                                          <p:stCondLst>
+                                            <p:cond delay="0"/>
+                                          </p:stCondLst>
+                                        </p:cTn>
+                                        <p:tgtEl>
+                                          <p:spTgt spid="11"/>
+                                        </p:tgtEl>
+                                        <p:attrNameLst>
+                                          <p:attrName>style.visibility</p:attrName>
+                                        </p:attrNameLst>
+                                      </p:cBhvr>
+                                      <p:to>
+                                        <p:strVal val="hidden"/>
+                                      </p:to>
+                                    </p:set>
+                                  </p:childTnLst>
+                                </p:cTn>
+                              </p:par>
+                              <p:par>
+                                <p:cTn id="19" presetID="1" presetClass="entr" presetSubtype="0" fill="hold" grpId="0" nodeType="withEffect">
+                                  <p:stCondLst>
+                                    <p:cond delay="0"/>
+                                  </p:stCondLst>
+                                  <p:childTnLst>
+                                    <p:set>
+                                      <p:cBhvr>
+                                        <p:cTn id="20" dur="1" fill="hold">
+                                          <p:stCondLst>
+                                            <p:cond delay="0"/>
+                                          </p:stCondLst>
+                                        </p:cTn>
+                                        <p:tgtEl>
+                                          <p:spTgt spid="14"/>
+                                        </p:tgtEl>
+                                        <p:attrNameLst>
+                                          <p:attrName>style.visibility</p:attrName>
+                                        </p:attrNameLst>
+                                      </p:cBhvr>
+                                      <p:to>
+                                        <p:strVal val="visible"/>
+                                      </p:to>
+                                    </p:set>
+                                  </p:childTnLst>
+                                </p:cTn>
+                              </p:par>
+                            </p:childTnLst>
+                          </p:cTn>
+                        </p:par>
+                      </p:childTnLst>
+                    </p:cTn>
+                  </p:par>
+                  <p:par>
+                    <p:cTn id="21" fill="hold">
+                      <p:stCondLst>
+                        <p:cond delay="indefinite"/>
+                      </p:stCondLst>
+                      <p:childTnLst>
+                        <p:par>
+                          <p:cTn id="22" fill="hold">
+                            <p:stCondLst>
+                              <p:cond delay="0"/>
+                            </p:stCondLst>
+                            <p:childTnLst>
+                              <p:par>
+                                <p:cTn id="23" presetID="16" presetClass="entr" presetSubtype="21" fill="hold" grpId="0" nodeType="clickEffect">
+                                  <p:stCondLst>
+                                    <p:cond delay="0"/>
+                                  </p:stCondLst>
+                                  <p:childTnLst>
+                                    <p:set>
+                                      <p:cBhvr>
+                                        <p:cTn id="24" dur="1" fill="hold">
+                                          <p:stCondLst>
+                                            <p:cond delay="0"/>
+                                          </p:stCondLst>
+                                        </p:cTn>
+                                        <p:tgtEl>
+                                          <p:spTgt spid="13"/>
+                                        </p:tgtEl>
+                                        <p:attrNameLst>
+                                          <p:attrName>style.visibility</p:attrName>
+                                        </p:attrNameLst>
+                                      </p:cBhvr>
+                                      <p:to>
+                                        <p:strVal val="visible"/>
+                                      </p:to>
+                                    </p:set>
+                                    <p:animEffect transition="in" filter="barn(inVertical)">
+                                      <p:cBhvr>
+                                        <p:cTn id="25" dur="500"/>
+                                        <p:tgtEl>
+                                          <p:spTgt spid="13"/>
+                                        </p:tgtEl>
+                                      </p:cBhvr>
+                                    </p:animEffect>
+                                  </p:childTnLst>
+                                </p:cTn>
+                              </p:par>
+                            </p:childTnLst>
+                          </p:cTn>
+                        </p:par>
+                        <p:par>
+                          <p:cTn id="26" fill="hold">
+                            <p:stCondLst>
+                              <p:cond delay="500"/>
+                            </p:stCondLst>
+                            <p:childTnLst>
+                              <p:par>
+                                <p:cTn id="27" presetID="35" presetClass="path" presetSubtype="0" accel="50000" decel="50000" fill="hold" grpId="1" nodeType="afterEffect">
+                                  <p:stCondLst>
+                                    <p:cond delay="0"/>
+                                  </p:stCondLst>
+                                  <p:childTnLst>
+                                    <p:animMotion origin="layout" path="M -0.00139 -0.02346 L -0.22518 0.02839 " pathEditMode="relative" rAng="0" ptsTypes="AA">
+                                      <p:cBhvr>
+                                        <p:cTn id="28" dur="2000" fill="hold"/>
+                                        <p:tgtEl>
+                                          <p:spTgt spid="13"/>
+                                        </p:tgtEl>
+                                        <p:attrNameLst>
+                                          <p:attrName>ppt_x</p:attrName>
+                                          <p:attrName>ppt_y</p:attrName>
+                                        </p:attrNameLst>
+                                      </p:cBhvr>
+                                      <p:rCtr x="-11198" y="2593"/>
+                                    </p:animMotion>
+                                  </p:childTnLst>
+                                </p:cTn>
+                              </p:par>
+                            </p:childTnLst>
+                          </p:cTn>
+                        </p:par>
+                        <p:par>
+                          <p:cTn id="29" fill="hold">
+                            <p:stCondLst>
+                              <p:cond delay="2500"/>
+                            </p:stCondLst>
+                            <p:childTnLst>
+                              <p:par>
+                                <p:cTn id="30" presetID="1" presetClass="exit" presetSubtype="0" fill="hold" grpId="2" nodeType="afterEffect">
+                                  <p:stCondLst>
+                                    <p:cond delay="0"/>
+                                  </p:stCondLst>
+                                  <p:childTnLst>
+                                    <p:set>
+                                      <p:cBhvr>
+                                        <p:cTn id="31" dur="1" fill="hold">
+                                          <p:stCondLst>
+                                            <p:cond delay="0"/>
+                                          </p:stCondLst>
+                                        </p:cTn>
+                                        <p:tgtEl>
+                                          <p:spTgt spid="13"/>
+                                        </p:tgtEl>
+                                        <p:attrNameLst>
+                                          <p:attrName>style.visibility</p:attrName>
+                                        </p:attrNameLst>
+                                      </p:cBhvr>
+                                      <p:to>
+                                        <p:strVal val="hidden"/>
+                                      </p:to>
+                                    </p:set>
+                                  </p:childTnLst>
+                                </p:cTn>
+                              </p:par>
+                              <p:par>
+                                <p:cTn id="32" presetID="1" presetClass="entr" presetSubtype="0" fill="hold" grpId="0" nodeType="withEffect">
+                                  <p:stCondLst>
+                                    <p:cond delay="0"/>
+                                  </p:stCondLst>
+                                  <p:childTnLst>
+                                    <p:set>
+                                      <p:cBhvr>
+                                        <p:cTn id="33" dur="1" fill="hold">
+                                          <p:stCondLst>
+                                            <p:cond delay="0"/>
+                                          </p:stCondLst>
+                                        </p:cTn>
+                                        <p:tgtEl>
+                                          <p:spTgt spid="15"/>
+                                        </p:tgtEl>
+                                        <p:attrNameLst>
+                                          <p:attrName>style.visibility</p:attrName>
+                                        </p:attrNameLst>
+                                      </p:cBhvr>
+                                      <p:to>
+                                        <p:strVal val="visible"/>
+                                      </p:to>
+                                    </p:set>
+                                  </p:childTnLst>
+                                </p:cTn>
+                              </p:par>
+                            </p:childTnLst>
+                          </p:cTn>
+                        </p:par>
+                      </p:childTnLst>
+                    </p:cTn>
+                  </p:par>
+                  <p:par>
+                    <p:cTn id="34" fill="hold">
+                      <p:stCondLst>
+                        <p:cond delay="indefinite"/>
+                      </p:stCondLst>
+                      <p:childTnLst>
+                        <p:par>
+                          <p:cTn id="35" fill="hold">
+                            <p:stCondLst>
+                              <p:cond delay="0"/>
+                            </p:stCondLst>
+                            <p:childTnLst>
+                              <p:par>
+                                <p:cTn id="36" presetID="16" presetClass="entr" presetSubtype="21" fill="hold" grpId="0" nodeType="clickEffect">
+                                  <p:stCondLst>
+                                    <p:cond delay="0"/>
+                                  </p:stCondLst>
+                                  <p:childTnLst>
+                                    <p:set>
+                                      <p:cBhvr>
+                                        <p:cTn id="37" dur="1" fill="hold">
+                                          <p:stCondLst>
+                                            <p:cond delay="0"/>
+                                          </p:stCondLst>
+                                        </p:cTn>
+                                        <p:tgtEl>
+                                          <p:spTgt spid="16"/>
+                                        </p:tgtEl>
+                                        <p:attrNameLst>
+                                          <p:attrName>style.visibility</p:attrName>
+                                        </p:attrNameLst>
+                                      </p:cBhvr>
+                                      <p:to>
+                                        <p:strVal val="visible"/>
+                                      </p:to>
+                                    </p:set>
+                                    <p:animEffect transition="in" filter="barn(inVertical)">
+                                      <p:cBhvr>
+                                        <p:cTn id="38" dur="500"/>
+                                        <p:tgtEl>
+                                          <p:spTgt spid="16"/>
+                                        </p:tgtEl>
+                                      </p:cBhvr>
+                                    </p:animEffect>
+                                  </p:childTnLst>
+                                </p:cTn>
+                              </p:par>
+                            </p:childTnLst>
+                          </p:cTn>
+                        </p:par>
+                        <p:par>
+                          <p:cTn id="39" fill="hold">
+                            <p:stCondLst>
+                              <p:cond delay="500"/>
+                            </p:stCondLst>
+                            <p:childTnLst>
+                              <p:par>
+                                <p:cTn id="40" presetID="35" presetClass="path" presetSubtype="0" accel="50000" decel="50000" fill="hold" grpId="1" nodeType="afterEffect">
+                                  <p:stCondLst>
+                                    <p:cond delay="0"/>
+                                  </p:stCondLst>
+                                  <p:childTnLst>
+                                    <p:animMotion origin="layout" path="M -0.00139 -0.02345 L 0.1342 0.09198 " pathEditMode="relative" rAng="0" ptsTypes="AA">
+                                      <p:cBhvr>
+                                        <p:cTn id="41" dur="2000" fill="hold"/>
+                                        <p:tgtEl>
+                                          <p:spTgt spid="16"/>
+                                        </p:tgtEl>
+                                        <p:attrNameLst>
+                                          <p:attrName>ppt_x</p:attrName>
+                                          <p:attrName>ppt_y</p:attrName>
+                                        </p:attrNameLst>
+                                      </p:cBhvr>
+                                      <p:rCtr x="6771" y="5772"/>
+                                    </p:animMotion>
+                                  </p:childTnLst>
+                                </p:cTn>
+                              </p:par>
+                            </p:childTnLst>
+                          </p:cTn>
+                        </p:par>
+                        <p:par>
+                          <p:cTn id="42" fill="hold">
+                            <p:stCondLst>
+                              <p:cond delay="2500"/>
+                            </p:stCondLst>
+                            <p:childTnLst>
+                              <p:par>
+                                <p:cTn id="43" presetID="1" presetClass="exit" presetSubtype="0" fill="hold" grpId="2" nodeType="afterEffect">
+                                  <p:stCondLst>
+                                    <p:cond delay="0"/>
+                                  </p:stCondLst>
+                                  <p:childTnLst>
+                                    <p:set>
+                                      <p:cBhvr>
+                                        <p:cTn id="44" dur="1" fill="hold">
+                                          <p:stCondLst>
+                                            <p:cond delay="0"/>
+                                          </p:stCondLst>
+                                        </p:cTn>
+                                        <p:tgtEl>
+                                          <p:spTgt spid="16"/>
+                                        </p:tgtEl>
+                                        <p:attrNameLst>
+                                          <p:attrName>style.visibility</p:attrName>
+                                        </p:attrNameLst>
+                                      </p:cBhvr>
+                                      <p:to>
+                                        <p:strVal val="hidden"/>
+                                      </p:to>
+                                    </p:set>
+                                  </p:childTnLst>
+                                </p:cTn>
+                              </p:par>
+                              <p:par>
+                                <p:cTn id="45" presetID="1" presetClass="entr" presetSubtype="0" fill="hold" grpId="0" nodeType="withEffect">
+                                  <p:stCondLst>
+                                    <p:cond delay="0"/>
+                                  </p:stCondLst>
+                                  <p:childTnLst>
+                                    <p:set>
+                                      <p:cBhvr>
+                                        <p:cTn id="46" dur="1" fill="hold">
+                                          <p:stCondLst>
+                                            <p:cond delay="0"/>
+                                          </p:stCondLst>
+                                        </p:cTn>
+                                        <p:tgtEl>
+                                          <p:spTgt spid="17"/>
+                                        </p:tgtEl>
+                                        <p:attrNameLst>
+                                          <p:attrName>style.visibility</p:attrName>
+                                        </p:attrNameLst>
+                                      </p:cBhvr>
+                                      <p:to>
+                                        <p:strVal val="visible"/>
+                                      </p:to>
+                                    </p:set>
+                                  </p:childTnLst>
+                                </p:cTn>
+                              </p:par>
+                              <p:par>
+                                <p:cTn id="47" presetID="42" presetClass="path" presetSubtype="0" accel="50000" decel="50000" fill="hold" grpId="1" nodeType="withEffect">
+                                  <p:stCondLst>
+                                    <p:cond delay="0"/>
+                                  </p:stCondLst>
+                                  <p:childTnLst>
+                                    <p:animMotion origin="layout" path="M 5E-6 1.23457E-6 L -0.00052 -0.23766 " pathEditMode="relative" rAng="0" ptsTypes="AA">
+                                      <p:cBhvr>
+                                        <p:cTn id="48" dur="2000" fill="hold"/>
+                                        <p:tgtEl>
+                                          <p:spTgt spid="10"/>
+                                        </p:tgtEl>
+                                        <p:attrNameLst>
+                                          <p:attrName>ppt_x</p:attrName>
+                                          <p:attrName>ppt_y</p:attrName>
+                                        </p:attrNameLst>
+                                      </p:cBhvr>
+                                      <p:rCtr x="-35" y="-11883"/>
+                                    </p:animMotion>
+                                  </p:childTnLst>
+                                </p:cTn>
+                              </p:par>
+                            </p:childTnLst>
+                          </p:cTn>
+                        </p:par>
+                        <p:par>
+                          <p:cTn id="49" fill="hold">
+                            <p:stCondLst>
+                              <p:cond delay="4500"/>
+                            </p:stCondLst>
+                            <p:childTnLst>
+                              <p:par>
+                                <p:cTn id="50" presetID="1" presetClass="exit" presetSubtype="0" fill="hold" grpId="2" nodeType="afterEffect">
+                                  <p:stCondLst>
+                                    <p:cond delay="0"/>
+                                  </p:stCondLst>
+                                  <p:childTnLst>
+                                    <p:set>
+                                      <p:cBhvr>
+                                        <p:cTn id="51" dur="1" fill="hold">
+                                          <p:stCondLst>
+                                            <p:cond delay="0"/>
+                                          </p:stCondLst>
+                                        </p:cTn>
+                                        <p:tgtEl>
+                                          <p:spTgt spid="10"/>
+                                        </p:tgtEl>
+                                        <p:attrNameLst>
+                                          <p:attrName>style.visibility</p:attrName>
+                                        </p:attrNameLst>
+                                      </p:cBhvr>
+                                      <p:to>
+                                        <p:strVal val="hidden"/>
+                                      </p:to>
+                                    </p:set>
+                                  </p:childTnLst>
+                                </p:cTn>
+                              </p:par>
+                            </p:childTnLst>
+                          </p:cTn>
+                        </p:par>
+                        <p:par>
+                          <p:cTn id="52" fill="hold">
+                            <p:stCondLst>
+                              <p:cond delay="4500"/>
+                            </p:stCondLst>
+                            <p:childTnLst>
+                              <p:par>
+                                <p:cTn id="53" presetID="1" presetClass="entr" presetSubtype="0" fill="hold" grpId="0" nodeType="afterEffect">
+                                  <p:stCondLst>
+                                    <p:cond delay="0"/>
+                                  </p:stCondLst>
+                                  <p:childTnLst>
+                                    <p:set>
+                                      <p:cBhvr>
+                                        <p:cTn id="54" dur="1" fill="hold">
+                                          <p:stCondLst>
+                                            <p:cond delay="0"/>
+                                          </p:stCondLst>
+                                        </p:cTn>
+                                        <p:tgtEl>
+                                          <p:spTgt spid="18"/>
+                                        </p:tgtEl>
+                                        <p:attrNameLst>
+                                          <p:attrName>style.visibility</p:attrName>
+                                        </p:attrNameLst>
+                                      </p:cBhvr>
+                                      <p:to>
+                                        <p:strVal val="visible"/>
+                                      </p:to>
+                                    </p:set>
+                                  </p:childTnLst>
+                                </p:cTn>
+                              </p:par>
+                              <p:par>
+                                <p:cTn id="55" presetID="1" presetClass="entr" presetSubtype="0" fill="hold" nodeType="withEffect">
+                                  <p:stCondLst>
+                                    <p:cond delay="0"/>
+                                  </p:stCondLst>
+                                  <p:childTnLst>
+                                    <p:set>
+                                      <p:cBhvr>
+                                        <p:cTn id="56" dur="1" fill="hold">
+                                          <p:stCondLst>
+                                            <p:cond delay="0"/>
+                                          </p:stCondLst>
+                                        </p:cTn>
+                                        <p:tgtEl>
+                                          <p:spTgt spid="19"/>
+                                        </p:tgtEl>
+                                        <p:attrNameLst>
+                                          <p:attrName>style.visibility</p:attrName>
+                                        </p:attrNameLst>
+                                      </p:cBhvr>
+                                      <p:to>
+                                        <p:strVal val="visible"/>
+                                      </p:to>
+                                    </p:set>
+                                  </p:childTnLst>
+                                </p:cTn>
+                              </p:par>
+                              <p:par>
+                                <p:cTn id="57" presetID="1" presetClass="entr" presetSubtype="0" fill="hold" nodeType="withEffect">
+                                  <p:stCondLst>
+                                    <p:cond delay="0"/>
+                                  </p:stCondLst>
+                                  <p:childTnLst>
+                                    <p:set>
+                                      <p:cBhvr>
+                                        <p:cTn id="58" dur="1" fill="hold">
+                                          <p:stCondLst>
+                                            <p:cond delay="0"/>
+                                          </p:stCondLst>
+                                        </p:cTn>
+                                        <p:tgtEl>
+                                          <p:spTgt spid="21"/>
+                                        </p:tgtEl>
+                                        <p:attrNameLst>
+                                          <p:attrName>style.visibility</p:attrName>
+                                        </p:attrNameLst>
+                                      </p:cBhvr>
+                                      <p:to>
+                                        <p:strVal val="visible"/>
+                                      </p:to>
+                                    </p:set>
+                                  </p:childTnLst>
+                                </p:cTn>
+                              </p:par>
+                            </p:childTnLst>
+                          </p:cTn>
+                        </p:par>
+                      </p:childTnLst>
+                    </p:cTn>
+                  </p:par>
+                </p:childTnLst>
+              </p:cTn>
+              <p:prevCondLst>
+                <p:cond evt="onPrev" delay="0">
+                  <p:tgtEl>
+                    <p:sldTgt/>
+                  </p:tgtEl>
+                </p:cond>
+              </p:prevCondLst>
+              <p:nextCondLst>
+                <p:cond evt="onNext" delay="0">
+                  <p:tgtEl>
+                    <p:sldTgt/>
+                  </p:tgtEl>
+                </p:cond>
+              </p:nextCondLst>
+            </p:seq>
+          </p:childTnLst>
+        </p:cTn>
+      </p:par>
+    </p:tnLst>
+    <p:bldLst>
+      <p:bldP spid="10" grpId="0" animBg="1"/>
+      <p:bldP spid="10" grpId="1" animBg="1"/>
+      <p:bldP spid="10" grpId="2" animBg="1"/>
+      <p:bldP spid="11" grpId="0" animBg="1"/>
+      <p:bldP spid="11" grpId="1" animBg="1"/>
+      <p:bldP spid="11" grpId="2" animBg="1"/>
+      <p:bldP spid="13" grpId="0" animBg="1"/>
+      <p:bldP spid="13" grpId="1" animBg="1"/>
+      <p:bldP spid="13" grpId="2" animBg="1"/>
+      <p:bldP spid="14" grpId="0" animBg="1"/>
+      <p:bldP spid="15" grpId="0" animBg="1"/>
+      <p:bldP spid="16" grpId="0" animBg="1"/>
+      <p:bldP spid="16" grpId="1" animBg="1"/>
+      <p:bldP spid="16" grpId="2" animBg="1"/>
+      <p:bldP spid="17" grpId="0" animBg="1"/>
+      <p:bldP spid="18" grpId="0" animBg="1"/>
+    </p:bldLst>
+  </p:timing>
+</p:sld>
+</file>
+
+<file path=ppt/slides/slide36.xml><?xml version="1.0" encoding="utf-8"?>
+<p:sld xmlns:a="http://schemas.openxmlformats.org/drawingml/2006/main" xmlns:r="http://schemas.openxmlformats.org/officeDocument/2006/relationships" xmlns:p="http://schemas.openxmlformats.org/presentationml/2006/main">
+  <p:cSld>
+    <p:spTree>
+      <p:nvGrpSpPr>
+        <p:cNvPr id="1" name=""/>
+        <p:cNvGrpSpPr/>
+        <p:nvPr/>
+      </p:nvGrpSpPr>
+      <p:grpSpPr>
+        <a:xfrm>
+          <a:off x="0" y="0"/>
+          <a:ext cx="0" cy="0"/>
+          <a:chOff x="0" y="0"/>
+          <a:chExt cx="0" cy="0"/>
+        </a:xfrm>
+      </p:grpSpPr>
+      <p:sp>
+        <p:nvSpPr>
+          <p:cNvPr id="4" name="Title 3"/>
+          <p:cNvSpPr>
+            <a:spLocks noGrp="1"/>
+          </p:cNvSpPr>
+          <p:nvPr>
+            <p:ph type="title"/>
+          </p:nvPr>
+        </p:nvSpPr>
+        <p:spPr/>
+        <p:txBody>
+          <a:bodyPr>
+            <a:normAutofit/>
+          </a:bodyPr>
+          <a:lstStyle/>
+          <a:p>
+            <a:r>
+              <a:rPr lang="en-US" dirty="0"/>
+              <a:t>Slide Title</a:t>
+            </a:r>
+          </a:p>
+        </p:txBody>
+      </p:sp>
+      <p:sp>
+        <p:nvSpPr>
+          <p:cNvPr id="5" name="Text Placeholder 4"/>
+          <p:cNvSpPr>
+            <a:spLocks noGrp="1"/>
+          </p:cNvSpPr>
+          <p:nvPr>
+            <p:ph type="body" idx="1"/>
+          </p:nvPr>
+        </p:nvSpPr>
+        <p:spPr/>
+        <p:txBody>
+          <a:bodyPr/>
+          <a:lstStyle/>
+          <a:p>
+            <a:r>
+              <a:rPr lang="en-US"/>
+              <a:t>Product A</a:t>
+            </a:r>
+            <a:endParaRPr lang="en-US" dirty="0"/>
+          </a:p>
+        </p:txBody>
+      </p:sp>
+      <p:sp>
+        <p:nvSpPr>
+          <p:cNvPr id="6" name="Content Placeholder 5"/>
+          <p:cNvSpPr>
+            <a:spLocks noGrp="1"/>
+          </p:cNvSpPr>
+          <p:nvPr>
+            <p:ph sz="half" idx="2"/>
+          </p:nvPr>
+        </p:nvSpPr>
+        <p:spPr/>
+        <p:txBody>
+          <a:bodyPr/>
+          <a:lstStyle/>
+          <a:p>
+            <a:r>
+              <a:rPr lang="en-US"/>
+              <a:t>Feature 1</a:t>
+            </a:r>
+          </a:p>
+          <a:p>
+            <a:r>
+              <a:rPr lang="en-US"/>
+              <a:t>Feature 2</a:t>
+            </a:r>
+          </a:p>
+          <a:p>
+            <a:r>
+              <a:rPr lang="en-US"/>
+              <a:t>Feature 3</a:t>
+            </a:r>
+            <a:endParaRPr lang="en-US" dirty="0"/>
+          </a:p>
+        </p:txBody>
+      </p:sp>
+      <p:sp>
+        <p:nvSpPr>
+          <p:cNvPr id="7" name="Text Placeholder 6"/>
+          <p:cNvSpPr>
+            <a:spLocks noGrp="1"/>
+          </p:cNvSpPr>
+          <p:nvPr>
+            <p:ph type="body" sz="quarter" idx="3"/>
+          </p:nvPr>
+        </p:nvSpPr>
+        <p:spPr/>
+        <p:txBody>
+          <a:bodyPr/>
+          <a:lstStyle/>
+          <a:p>
+            <a:r>
+              <a:rPr lang="en-US"/>
+              <a:t>Product B</a:t>
+            </a:r>
+          </a:p>
+        </p:txBody>
+      </p:sp>
+      <p:sp>
+        <p:nvSpPr>
+          <p:cNvPr id="8" name="Content Placeholder 7"/>
+          <p:cNvSpPr>
+            <a:spLocks noGrp="1"/>
+          </p:cNvSpPr>
+          <p:nvPr>
+            <p:ph sz="quarter" idx="4"/>
+          </p:nvPr>
+        </p:nvSpPr>
+        <p:spPr/>
+        <p:txBody>
+          <a:bodyPr/>
+          <a:lstStyle/>
+          <a:p>
+            <a:r>
+              <a:rPr lang="en-US"/>
+              <a:t>Feature 1</a:t>
+            </a:r>
+          </a:p>
+          <a:p>
+            <a:r>
+              <a:rPr lang="en-US"/>
+              <a:t>Feature 2</a:t>
+            </a:r>
+          </a:p>
+          <a:p>
+            <a:r>
+              <a:rPr lang="en-US"/>
+              <a:t>Feature 3</a:t>
+            </a:r>
+          </a:p>
+        </p:txBody>
+      </p:sp>
+    </p:spTree>
+    <p:extLst>
+      <p:ext uri="{BB962C8B-B14F-4D97-AF65-F5344CB8AC3E}">
+        <p14:creationId xmlns:p14="http://schemas.microsoft.com/office/powerpoint/2010/main" val="4170783713"/>
+      </p:ext>
+    </p:extLst>
+  </p:cSld>
+  <p:clrMapOvr>
+    <a:masterClrMapping/>
+  </p:clrMapOvr>
+</p:sld>
+</file>
+
+<file path=ppt/slides/slide37.xml><?xml version="1.0" encoding="utf-8"?>
 <p:sld xmlns:a="http://schemas.openxmlformats.org/drawingml/2006/main" xmlns:r="http://schemas.openxmlformats.org/officeDocument/2006/relationships" xmlns:p="http://schemas.openxmlformats.org/presentationml/2006/main">
   <p:cSld>
     <p:spTree>

--- a/Seminar.pptx
+++ b/Seminar.pptx
@@ -280,7 +280,7 @@
           <a:p>
             <a:fld id="{C8D18E60-4300-4729-A0D7-6AB984C3922D}" type="datetimeFigureOut">
               <a:rPr lang="en-US" smtClean="0"/>
-              <a:t>7/9/2022</a:t>
+              <a:t>7/10/22</a:t>
             </a:fld>
             <a:endParaRPr lang="en-US"/>
           </a:p>
@@ -1014,7 +1014,7 @@
             <a:fld id="{53074F12-AA26-4AC8-9962-C36BB8F32554}" type="datetimeFigureOut">
               <a:rPr lang="en-US" smtClean="0"/>
               <a:pPr/>
-              <a:t>7/9/2022</a:t>
+              <a:t>7/10/22</a:t>
             </a:fld>
             <a:endParaRPr lang="en-US"/>
           </a:p>
@@ -1268,7 +1268,7 @@
             <a:fld id="{53074F12-AA26-4AC8-9962-C36BB8F32554}" type="datetimeFigureOut">
               <a:rPr lang="en-US" smtClean="0"/>
               <a:pPr/>
-              <a:t>7/9/2022</a:t>
+              <a:t>7/10/22</a:t>
             </a:fld>
             <a:endParaRPr lang="en-US"/>
           </a:p>
@@ -1438,7 +1438,7 @@
             <a:fld id="{53074F12-AA26-4AC8-9962-C36BB8F32554}" type="datetimeFigureOut">
               <a:rPr lang="en-US" smtClean="0"/>
               <a:pPr/>
-              <a:t>7/9/2022</a:t>
+              <a:t>7/10/22</a:t>
             </a:fld>
             <a:endParaRPr lang="en-US"/>
           </a:p>
@@ -1618,7 +1618,7 @@
             <a:fld id="{53074F12-AA26-4AC8-9962-C36BB8F32554}" type="datetimeFigureOut">
               <a:rPr lang="en-US" smtClean="0"/>
               <a:pPr/>
-              <a:t>7/9/2022</a:t>
+              <a:t>7/10/22</a:t>
             </a:fld>
             <a:endParaRPr lang="en-US"/>
           </a:p>
@@ -1903,7 +1903,7 @@
             <a:fld id="{53074F12-AA26-4AC8-9962-C36BB8F32554}" type="datetimeFigureOut">
               <a:rPr lang="en-US" smtClean="0"/>
               <a:pPr/>
-              <a:t>7/9/2022</a:t>
+              <a:t>7/10/22</a:t>
             </a:fld>
             <a:endParaRPr lang="en-US"/>
           </a:p>
@@ -2150,7 +2150,7 @@
             <a:fld id="{53074F12-AA26-4AC8-9962-C36BB8F32554}" type="datetimeFigureOut">
               <a:rPr lang="en-US" smtClean="0"/>
               <a:pPr/>
-              <a:t>7/9/2022</a:t>
+              <a:t>7/10/22</a:t>
             </a:fld>
             <a:endParaRPr lang="en-US"/>
           </a:p>
@@ -2397,7 +2397,7 @@
             <a:fld id="{53074F12-AA26-4AC8-9962-C36BB8F32554}" type="datetimeFigureOut">
               <a:rPr lang="en-US" smtClean="0"/>
               <a:pPr/>
-              <a:t>7/9/2022</a:t>
+              <a:t>7/10/22</a:t>
             </a:fld>
             <a:endParaRPr lang="en-US"/>
           </a:p>
@@ -2684,7 +2684,7 @@
             <a:fld id="{53074F12-AA26-4AC8-9962-C36BB8F32554}" type="datetimeFigureOut">
               <a:rPr lang="en-US" smtClean="0"/>
               <a:pPr/>
-              <a:t>7/9/2022</a:t>
+              <a:t>7/10/22</a:t>
             </a:fld>
             <a:endParaRPr lang="en-US"/>
           </a:p>
@@ -3174,7 +3174,7 @@
             <a:fld id="{53074F12-AA26-4AC8-9962-C36BB8F32554}" type="datetimeFigureOut">
               <a:rPr lang="en-US" smtClean="0"/>
               <a:pPr/>
-              <a:t>7/9/2022</a:t>
+              <a:t>7/10/22</a:t>
             </a:fld>
             <a:endParaRPr lang="en-US"/>
           </a:p>
@@ -3293,7 +3293,7 @@
             <a:fld id="{53074F12-AA26-4AC8-9962-C36BB8F32554}" type="datetimeFigureOut">
               <a:rPr lang="en-US" smtClean="0"/>
               <a:pPr/>
-              <a:t>7/9/2022</a:t>
+              <a:t>7/10/22</a:t>
             </a:fld>
             <a:endParaRPr lang="en-US"/>
           </a:p>
@@ -3390,7 +3390,7 @@
             <a:fld id="{53074F12-AA26-4AC8-9962-C36BB8F32554}" type="datetimeFigureOut">
               <a:rPr lang="en-US" smtClean="0"/>
               <a:pPr/>
-              <a:t>7/9/2022</a:t>
+              <a:t>7/10/22</a:t>
             </a:fld>
             <a:endParaRPr lang="en-US"/>
           </a:p>
@@ -3667,7 +3667,7 @@
             <a:fld id="{53074F12-AA26-4AC8-9962-C36BB8F32554}" type="datetimeFigureOut">
               <a:rPr lang="en-US" smtClean="0"/>
               <a:pPr/>
-              <a:t>7/9/2022</a:t>
+              <a:t>7/10/22</a:t>
             </a:fld>
             <a:endParaRPr lang="en-US"/>
           </a:p>
@@ -3889,7 +3889,7 @@
             <a:fld id="{53074F12-AA26-4AC8-9962-C36BB8F32554}" type="datetimeFigureOut">
               <a:rPr lang="en-US" smtClean="0"/>
               <a:pPr/>
-              <a:t>7/9/2022</a:t>
+              <a:t>7/10/22</a:t>
             </a:fld>
             <a:endParaRPr lang="en-US"/>
           </a:p>
@@ -34028,7 +34028,23 @@
                 <a:latin typeface="Times New Roman" panose="02020603050405020304" pitchFamily="18" charset="0"/>
                 <a:ea typeface="Times New Roman" panose="02020603050405020304" pitchFamily="18" charset="0"/>
               </a:rPr>
-              <a:t>The deletion of the key violates the property of the minimum number of keys a node should hold. In this case, we borrow a key from its immediate neighboring sibling node in the order of left to right .</a:t>
+              <a:t>The deletion of the key violates the property of the minimum number of keys a node should hold. In this case, we </a:t>
+            </a:r>
+            <a:r>
+              <a:rPr lang="en-US" sz="2000" b="1" i="1" dirty="0">
+                <a:effectLst/>
+                <a:latin typeface="Times New Roman" panose="02020603050405020304" pitchFamily="18" charset="0"/>
+                <a:ea typeface="Times New Roman" panose="02020603050405020304" pitchFamily="18" charset="0"/>
+              </a:rPr>
+              <a:t>borrow a key from its immediate neighboring sibling node in the order of left to right</a:t>
+            </a:r>
+            <a:r>
+              <a:rPr lang="en-US" sz="2000" dirty="0">
+                <a:effectLst/>
+                <a:latin typeface="Times New Roman" panose="02020603050405020304" pitchFamily="18" charset="0"/>
+                <a:ea typeface="Times New Roman" panose="02020603050405020304" pitchFamily="18" charset="0"/>
+              </a:rPr>
+              <a:t> .</a:t>
             </a:r>
             <a:endParaRPr lang="en-US" sz="1600" dirty="0">
               <a:effectLst/>
@@ -34133,13 +34149,13 @@
   <p:clrMapOvr>
     <a:masterClrMapping/>
   </p:clrMapOvr>
-  <mc:AlternateContent xmlns:mc="http://schemas.openxmlformats.org/markup-compatibility/2006">
-    <mc:Choice xmlns:p159="http://schemas.microsoft.com/office/powerpoint/2015/09/main" Requires="p159">
+  <mc:AlternateContent xmlns:mc="http://schemas.openxmlformats.org/markup-compatibility/2006" xmlns:p159="http://schemas.microsoft.com/office/powerpoint/2015/09/main">
+    <mc:Choice Requires="p159">
       <p:transition xmlns:p14="http://schemas.microsoft.com/office/powerpoint/2010/main" spd="slow" p14:dur="2000">
         <p159:morph option="byObject"/>
       </p:transition>
     </mc:Choice>
-    <mc:Fallback>
+    <mc:Fallback xmlns="">
       <p:transition spd="slow">
         <p:fade/>
       </p:transition>
@@ -35737,13 +35753,13 @@
   <p:clrMapOvr>
     <a:masterClrMapping/>
   </p:clrMapOvr>
-  <mc:AlternateContent xmlns:mc="http://schemas.openxmlformats.org/markup-compatibility/2006">
-    <mc:Choice xmlns:p14="http://schemas.microsoft.com/office/powerpoint/2010/main" Requires="p14">
+  <mc:AlternateContent xmlns:mc="http://schemas.openxmlformats.org/markup-compatibility/2006" xmlns:p14="http://schemas.microsoft.com/office/powerpoint/2010/main">
+    <mc:Choice Requires="p14">
       <p:transition spd="med" p14:dur="700">
         <p:fade/>
       </p:transition>
     </mc:Choice>
-    <mc:Fallback>
+    <mc:Fallback xmlns="">
       <p:transition spd="med">
         <p:fade/>
       </p:transition>
@@ -36277,13 +36293,13 @@
   <p:clrMapOvr>
     <a:masterClrMapping/>
   </p:clrMapOvr>
-  <mc:AlternateContent xmlns:mc="http://schemas.openxmlformats.org/markup-compatibility/2006">
-    <mc:Choice xmlns:p159="http://schemas.microsoft.com/office/powerpoint/2015/09/main" Requires="p159">
+  <mc:AlternateContent xmlns:mc="http://schemas.openxmlformats.org/markup-compatibility/2006" xmlns:p159="http://schemas.microsoft.com/office/powerpoint/2015/09/main">
+    <mc:Choice Requires="p159">
       <p:transition xmlns:p14="http://schemas.microsoft.com/office/powerpoint/2010/main" spd="slow" p14:dur="2000">
         <p159:morph option="byObject"/>
       </p:transition>
     </mc:Choice>
-    <mc:Fallback>
+    <mc:Fallback xmlns="">
       <p:transition spd="slow">
         <p:fade/>
       </p:transition>
@@ -38574,15 +38590,39 @@
                 <a:latin typeface="Times New Roman" panose="02020603050405020304" pitchFamily="18" charset="0"/>
                 <a:ea typeface="Times New Roman" panose="02020603050405020304" pitchFamily="18" charset="0"/>
               </a:rPr>
-              <a:t>The internal node, which is deleted, is replaced by an </a:t>
-            </a:r>
-            <a:r>
-              <a:rPr lang="en-US" sz="2400" dirty="0" err="1">
+              <a:t>The internal node, which is deleted, is replaced by </a:t>
+            </a:r>
+            <a:r>
+              <a:rPr lang="en-US" sz="2400" b="1" i="1" dirty="0">
                 <a:effectLst/>
                 <a:latin typeface="Times New Roman" panose="02020603050405020304" pitchFamily="18" charset="0"/>
                 <a:ea typeface="Times New Roman" panose="02020603050405020304" pitchFamily="18" charset="0"/>
               </a:rPr>
+              <a:t>an </a:t>
+            </a:r>
+            <a:r>
+              <a:rPr lang="en-US" sz="2400" b="1" i="1" dirty="0" err="1">
+                <a:effectLst/>
+                <a:latin typeface="Times New Roman" panose="02020603050405020304" pitchFamily="18" charset="0"/>
+                <a:ea typeface="Times New Roman" panose="02020603050405020304" pitchFamily="18" charset="0"/>
+              </a:rPr>
               <a:t>inorder</a:t>
+            </a:r>
+            <a:r>
+              <a:rPr lang="en-US" sz="2400" b="1" i="1" dirty="0">
+                <a:effectLst/>
+                <a:latin typeface="Times New Roman" panose="02020603050405020304" pitchFamily="18" charset="0"/>
+                <a:ea typeface="Times New Roman" panose="02020603050405020304" pitchFamily="18" charset="0"/>
+              </a:rPr>
+              <a:t> predecessor or successor </a:t>
+            </a:r>
+            <a:r>
+              <a:rPr lang="en-US" sz="2400" i="1" dirty="0">
+                <a:effectLst/>
+                <a:latin typeface="Times New Roman" panose="02020603050405020304" pitchFamily="18" charset="0"/>
+                <a:ea typeface="Times New Roman" panose="02020603050405020304" pitchFamily="18" charset="0"/>
+              </a:rPr>
+              <a:t>if the left child has more than the minimum number of keys</a:t>
             </a:r>
             <a:r>
               <a:rPr lang="en-US" sz="2400" dirty="0">
@@ -38590,7 +38630,7 @@
                 <a:latin typeface="Times New Roman" panose="02020603050405020304" pitchFamily="18" charset="0"/>
                 <a:ea typeface="Times New Roman" panose="02020603050405020304" pitchFamily="18" charset="0"/>
               </a:rPr>
-              <a:t> predecessor or successor if the left child has more than the minimum number of keys.</a:t>
+              <a:t>.</a:t>
             </a:r>
             <a:br>
               <a:rPr lang="en-US" sz="1800" dirty="0">
@@ -38659,13 +38699,13 @@
   <p:clrMapOvr>
     <a:masterClrMapping/>
   </p:clrMapOvr>
-  <mc:AlternateContent xmlns:mc="http://schemas.openxmlformats.org/markup-compatibility/2006">
-    <mc:Choice xmlns:p159="http://schemas.microsoft.com/office/powerpoint/2015/09/main" Requires="p159">
+  <mc:AlternateContent xmlns:mc="http://schemas.openxmlformats.org/markup-compatibility/2006" xmlns:p159="http://schemas.microsoft.com/office/powerpoint/2015/09/main">
+    <mc:Choice Requires="p159">
       <p:transition xmlns:p14="http://schemas.microsoft.com/office/powerpoint/2010/main" spd="slow" p14:dur="2000">
         <p159:morph option="byObject"/>
       </p:transition>
     </mc:Choice>
-    <mc:Fallback>
+    <mc:Fallback xmlns="">
       <p:transition spd="slow">
         <p:fade/>
       </p:transition>
@@ -40637,7 +40677,23 @@
                 <a:latin typeface="Times New Roman" panose="02020603050405020304" pitchFamily="18" charset="0"/>
                 <a:ea typeface="Times New Roman" panose="02020603050405020304" pitchFamily="18" charset="0"/>
               </a:rPr>
-              <a:t>If either child has exactly a minimum number of keys then, merge the left and the right children.</a:t>
+              <a:t>If either child has exactly a minimum number of keys then, </a:t>
+            </a:r>
+            <a:r>
+              <a:rPr lang="en-US" sz="2400" b="1" dirty="0">
+                <a:effectLst/>
+                <a:latin typeface="Times New Roman" panose="02020603050405020304" pitchFamily="18" charset="0"/>
+                <a:ea typeface="Times New Roman" panose="02020603050405020304" pitchFamily="18" charset="0"/>
+              </a:rPr>
+              <a:t>merge the left and the right children</a:t>
+            </a:r>
+            <a:r>
+              <a:rPr lang="en-US" sz="2400" dirty="0">
+                <a:effectLst/>
+                <a:latin typeface="Times New Roman" panose="02020603050405020304" pitchFamily="18" charset="0"/>
+                <a:ea typeface="Times New Roman" panose="02020603050405020304" pitchFamily="18" charset="0"/>
+              </a:rPr>
+              <a:t>.</a:t>
             </a:r>
             <a:endParaRPr lang="en-US" sz="2000" dirty="0">
               <a:effectLst/>
@@ -40692,13 +40748,13 @@
   <p:clrMapOvr>
     <a:masterClrMapping/>
   </p:clrMapOvr>
-  <mc:AlternateContent xmlns:mc="http://schemas.openxmlformats.org/markup-compatibility/2006">
-    <mc:Choice xmlns:p159="http://schemas.microsoft.com/office/powerpoint/2015/09/main" Requires="p159">
+  <mc:AlternateContent xmlns:mc="http://schemas.openxmlformats.org/markup-compatibility/2006" xmlns:p159="http://schemas.microsoft.com/office/powerpoint/2015/09/main">
+    <mc:Choice Requires="p159">
       <p:transition xmlns:p14="http://schemas.microsoft.com/office/powerpoint/2010/main" spd="slow" p14:dur="2000">
         <p159:morph option="byObject"/>
       </p:transition>
     </mc:Choice>
-    <mc:Fallback>
+    <mc:Fallback xmlns="">
       <p:transition spd="slow">
         <p:fade/>
       </p:transition>
@@ -42807,15 +42863,15 @@
                 <a:latin typeface="Times New Roman" panose="02020603050405020304" pitchFamily="18" charset="0"/>
                 <a:ea typeface="Times New Roman" panose="02020603050405020304" pitchFamily="18" charset="0"/>
               </a:rPr>
-              <a:t>In this case, the height of the tree shrinks. If the target key lies in an internal node, and the deletion of the key leads to a fewer number of keys in the node (i.e. less than the minimum required), then look for the </a:t>
-            </a:r>
-            <a:r>
-              <a:rPr lang="en-US" sz="2200" dirty="0" err="1">
+              <a:t>In this case, </a:t>
+            </a:r>
+            <a:r>
+              <a:rPr lang="en-US" sz="2200" b="1" i="1" dirty="0">
                 <a:effectLst/>
                 <a:latin typeface="Times New Roman" panose="02020603050405020304" pitchFamily="18" charset="0"/>
                 <a:ea typeface="Times New Roman" panose="02020603050405020304" pitchFamily="18" charset="0"/>
               </a:rPr>
-              <a:t>inorder</a:t>
+              <a:t>the height of the tree </a:t>
             </a:r>
             <a:r>
               <a:rPr lang="en-US" sz="2200" dirty="0">
@@ -42823,15 +42879,15 @@
                 <a:latin typeface="Times New Roman" panose="02020603050405020304" pitchFamily="18" charset="0"/>
                 <a:ea typeface="Times New Roman" panose="02020603050405020304" pitchFamily="18" charset="0"/>
               </a:rPr>
-              <a:t> predecessor and the </a:t>
-            </a:r>
-            <a:r>
-              <a:rPr lang="en-US" sz="2200" dirty="0" err="1">
+              <a:t>shrinks. </a:t>
+            </a:r>
+            <a:r>
+              <a:rPr lang="en-US" sz="2200" i="1" dirty="0">
                 <a:effectLst/>
                 <a:latin typeface="Times New Roman" panose="02020603050405020304" pitchFamily="18" charset="0"/>
                 <a:ea typeface="Times New Roman" panose="02020603050405020304" pitchFamily="18" charset="0"/>
               </a:rPr>
-              <a:t>inorder</a:t>
+              <a:t>If the target key lies in an internal node</a:t>
             </a:r>
             <a:r>
               <a:rPr lang="en-US" sz="2200" dirty="0">
@@ -42839,7 +42895,47 @@
                 <a:latin typeface="Times New Roman" panose="02020603050405020304" pitchFamily="18" charset="0"/>
                 <a:ea typeface="Times New Roman" panose="02020603050405020304" pitchFamily="18" charset="0"/>
               </a:rPr>
-              <a:t> successor. If both the children contain a minimum number of keys then, borrowing cannot take place. This leads to </a:t>
+              <a:t>, and the deletion of the key leads to a fewer number of keys in the node (i.e. less than the minimum required), then look for the </a:t>
+            </a:r>
+            <a:r>
+              <a:rPr lang="en-US" sz="2200" b="1" i="1" dirty="0" err="1">
+                <a:effectLst/>
+                <a:latin typeface="Times New Roman" panose="02020603050405020304" pitchFamily="18" charset="0"/>
+                <a:ea typeface="Times New Roman" panose="02020603050405020304" pitchFamily="18" charset="0"/>
+              </a:rPr>
+              <a:t>inorder</a:t>
+            </a:r>
+            <a:r>
+              <a:rPr lang="en-US" sz="2200" b="1" i="1" dirty="0">
+                <a:effectLst/>
+                <a:latin typeface="Times New Roman" panose="02020603050405020304" pitchFamily="18" charset="0"/>
+                <a:ea typeface="Times New Roman" panose="02020603050405020304" pitchFamily="18" charset="0"/>
+              </a:rPr>
+              <a:t> predecessor and the </a:t>
+            </a:r>
+            <a:r>
+              <a:rPr lang="en-US" sz="2200" b="1" i="1" dirty="0" err="1">
+                <a:effectLst/>
+                <a:latin typeface="Times New Roman" panose="02020603050405020304" pitchFamily="18" charset="0"/>
+                <a:ea typeface="Times New Roman" panose="02020603050405020304" pitchFamily="18" charset="0"/>
+              </a:rPr>
+              <a:t>inorder</a:t>
+            </a:r>
+            <a:r>
+              <a:rPr lang="en-US" sz="2200" b="1" i="1" dirty="0">
+                <a:effectLst/>
+                <a:latin typeface="Times New Roman" panose="02020603050405020304" pitchFamily="18" charset="0"/>
+                <a:ea typeface="Times New Roman" panose="02020603050405020304" pitchFamily="18" charset="0"/>
+              </a:rPr>
+              <a:t> successor</a:t>
+            </a:r>
+            <a:r>
+              <a:rPr lang="en-US" sz="2200" dirty="0">
+                <a:effectLst/>
+                <a:latin typeface="Times New Roman" panose="02020603050405020304" pitchFamily="18" charset="0"/>
+                <a:ea typeface="Times New Roman" panose="02020603050405020304" pitchFamily="18" charset="0"/>
+              </a:rPr>
+              <a:t>. If both the children contain a minimum number of keys then, borrowing cannot take place. This leads to </a:t>
             </a:r>
             <a:r>
               <a:rPr lang="en-US" sz="2200" b="1" dirty="0">
@@ -42875,7 +42971,39 @@
                 <a:latin typeface="Times New Roman" panose="02020603050405020304" pitchFamily="18" charset="0"/>
                 <a:ea typeface="Times New Roman" panose="02020603050405020304" pitchFamily="18" charset="0"/>
               </a:rPr>
-              <a:t>Again, look for the sibling to borrow a key. But, if the sibling also has only a minimum number of keys then, merge the node with the sibling along with the parent. Arrange the children accordingly (increasing order).</a:t>
+              <a:t>Again, look for the sibling to borrow a key. But, if the sibling also </a:t>
+            </a:r>
+            <a:r>
+              <a:rPr lang="en-US" sz="2200" i="1" dirty="0">
+                <a:effectLst/>
+                <a:latin typeface="Times New Roman" panose="02020603050405020304" pitchFamily="18" charset="0"/>
+                <a:ea typeface="Times New Roman" panose="02020603050405020304" pitchFamily="18" charset="0"/>
+              </a:rPr>
+              <a:t>has only a minimum number of keys</a:t>
+            </a:r>
+            <a:r>
+              <a:rPr lang="en-US" sz="2200" dirty="0">
+                <a:effectLst/>
+                <a:latin typeface="Times New Roman" panose="02020603050405020304" pitchFamily="18" charset="0"/>
+                <a:ea typeface="Times New Roman" panose="02020603050405020304" pitchFamily="18" charset="0"/>
+              </a:rPr>
+              <a:t> then, </a:t>
+            </a:r>
+            <a:r>
+              <a:rPr lang="en-US" sz="2200" i="1" dirty="0">
+                <a:effectLst/>
+                <a:latin typeface="Times New Roman" panose="02020603050405020304" pitchFamily="18" charset="0"/>
+                <a:ea typeface="Times New Roman" panose="02020603050405020304" pitchFamily="18" charset="0"/>
+              </a:rPr>
+              <a:t>merge the node with the sibling along with the parent</a:t>
+            </a:r>
+            <a:r>
+              <a:rPr lang="en-US" sz="2200" dirty="0">
+                <a:effectLst/>
+                <a:latin typeface="Times New Roman" panose="02020603050405020304" pitchFamily="18" charset="0"/>
+                <a:ea typeface="Times New Roman" panose="02020603050405020304" pitchFamily="18" charset="0"/>
+              </a:rPr>
+              <a:t>. Arrange the children accordingly (increasing order).</a:t>
             </a:r>
             <a:endParaRPr lang="en-US" sz="2200" dirty="0">
               <a:effectLst/>
@@ -42947,13 +43075,13 @@
   <p:clrMapOvr>
     <a:masterClrMapping/>
   </p:clrMapOvr>
-  <mc:AlternateContent xmlns:mc="http://schemas.openxmlformats.org/markup-compatibility/2006">
-    <mc:Choice xmlns:p159="http://schemas.microsoft.com/office/powerpoint/2015/09/main" Requires="p159">
+  <mc:AlternateContent xmlns:mc="http://schemas.openxmlformats.org/markup-compatibility/2006" xmlns:p159="http://schemas.microsoft.com/office/powerpoint/2015/09/main">
+    <mc:Choice Requires="p159">
       <p:transition xmlns:p14="http://schemas.microsoft.com/office/powerpoint/2010/main" spd="slow" p14:dur="2000">
         <p159:morph option="byObject"/>
       </p:transition>
     </mc:Choice>
-    <mc:Fallback>
+    <mc:Fallback xmlns="">
       <p:transition spd="slow">
         <p:fade/>
       </p:transition>
@@ -44645,7 +44773,7 @@
               <a:rPr lang="en-US" sz="4400" b="1" dirty="0">
                 <a:effectLst/>
               </a:rPr>
-              <a:t>IMPLIMENTATION:</a:t>
+              <a:t>IMPLEMENTATION:</a:t>
             </a:r>
           </a:p>
         </p:txBody>
@@ -44780,11 +44908,18 @@
               <a:buChar char="o"/>
             </a:pPr>
             <a:r>
+              <a:rPr lang="en-US" b="1" dirty="0">
+                <a:latin typeface="Times New Roman" panose="02020603050405020304" pitchFamily="18" charset="0"/>
+                <a:ea typeface="Times New Roman" panose="02020603050405020304" pitchFamily="18" charset="0"/>
+              </a:rPr>
+              <a:t>Best case Time complexity: </a:t>
+            </a:r>
+            <a:r>
               <a:rPr lang="en-US" dirty="0">
                 <a:latin typeface="Times New Roman" panose="02020603050405020304" pitchFamily="18" charset="0"/>
                 <a:ea typeface="Times New Roman" panose="02020603050405020304" pitchFamily="18" charset="0"/>
               </a:rPr>
-              <a:t>Best case Time complexity: O(log n)</a:t>
+              <a:t>O(log n)</a:t>
             </a:r>
             <a:endParaRPr lang="en-US" sz="2000" dirty="0">
               <a:latin typeface="Arial" panose="020B0604020202020204" pitchFamily="34" charset="0"/>
@@ -44803,11 +44938,18 @@
               <a:buChar char="o"/>
             </a:pPr>
             <a:r>
+              <a:rPr lang="en-US" b="1" dirty="0">
+                <a:latin typeface="Times New Roman" panose="02020603050405020304" pitchFamily="18" charset="0"/>
+                <a:ea typeface="Times New Roman" panose="02020603050405020304" pitchFamily="18" charset="0"/>
+              </a:rPr>
+              <a:t>Average case Space complexity: </a:t>
+            </a:r>
+            <a:r>
               <a:rPr lang="en-US" dirty="0">
                 <a:latin typeface="Times New Roman" panose="02020603050405020304" pitchFamily="18" charset="0"/>
                 <a:ea typeface="Times New Roman" panose="02020603050405020304" pitchFamily="18" charset="0"/>
               </a:rPr>
-              <a:t>Average case Space complexity: O(n)</a:t>
+              <a:t>O(n)</a:t>
             </a:r>
             <a:endParaRPr lang="en-US" sz="2000" dirty="0">
               <a:latin typeface="Arial" panose="020B0604020202020204" pitchFamily="34" charset="0"/>
@@ -44826,11 +44968,18 @@
               <a:buChar char="o"/>
             </a:pPr>
             <a:r>
+              <a:rPr lang="en-US" b="1" dirty="0">
+                <a:latin typeface="Times New Roman" panose="02020603050405020304" pitchFamily="18" charset="0"/>
+                <a:ea typeface="Times New Roman" panose="02020603050405020304" pitchFamily="18" charset="0"/>
+              </a:rPr>
+              <a:t>Worst case Space complexity: </a:t>
+            </a:r>
+            <a:r>
               <a:rPr lang="en-US" dirty="0">
                 <a:latin typeface="Times New Roman" panose="02020603050405020304" pitchFamily="18" charset="0"/>
                 <a:ea typeface="Times New Roman" panose="02020603050405020304" pitchFamily="18" charset="0"/>
               </a:rPr>
-              <a:t>Worst case Space complexity: O(n)</a:t>
+              <a:t>O(n)</a:t>
             </a:r>
             <a:endParaRPr lang="en-US" sz="2000" dirty="0">
               <a:latin typeface="Arial" panose="020B0604020202020204" pitchFamily="34" charset="0"/>

--- a/Seminar.pptx
+++ b/Seminar.pptx
@@ -29502,7 +29502,7 @@
               <a:t>This function will merge 2 </a:t>
             </a:r>
             <a:r>
-              <a:rPr lang="en-US" sz="2400" dirty="0" err="1">
+              <a:rPr lang="en-US" sz="2400" b="1" i="1" dirty="0" err="1">
                 <a:effectLst/>
                 <a:latin typeface="Times New Roman" panose="02020603050405020304" pitchFamily="18" charset="0"/>
                 <a:ea typeface="Times New Roman" panose="02020603050405020304" pitchFamily="18" charset="0"/>
@@ -29510,7 +29510,7 @@
               <a:t>idx</a:t>
             </a:r>
             <a:r>
-              <a:rPr lang="en-US" sz="2400" baseline="30000" dirty="0" err="1">
+              <a:rPr lang="en-US" sz="2400" b="1" i="1" baseline="30000" dirty="0" err="1">
                 <a:effectLst/>
                 <a:latin typeface="Times New Roman" panose="02020603050405020304" pitchFamily="18" charset="0"/>
                 <a:ea typeface="Times New Roman" panose="02020603050405020304" pitchFamily="18" charset="0"/>
@@ -29518,7 +29518,7 @@
               <a:t>th</a:t>
             </a:r>
             <a:r>
-              <a:rPr lang="en-US" sz="2400" dirty="0">
+              <a:rPr lang="en-US" sz="2400" b="1" i="1" dirty="0">
                 <a:effectLst/>
                 <a:latin typeface="Times New Roman" panose="02020603050405020304" pitchFamily="18" charset="0"/>
                 <a:ea typeface="Times New Roman" panose="02020603050405020304" pitchFamily="18" charset="0"/>
@@ -29526,7 +29526,7 @@
               <a:t> and (idx+1)</a:t>
             </a:r>
             <a:r>
-              <a:rPr lang="en-US" sz="2400" baseline="30000" dirty="0" err="1">
+              <a:rPr lang="en-US" sz="2400" b="1" i="1" baseline="30000" dirty="0" err="1">
                 <a:effectLst/>
                 <a:latin typeface="Times New Roman" panose="02020603050405020304" pitchFamily="18" charset="0"/>
                 <a:ea typeface="Times New Roman" panose="02020603050405020304" pitchFamily="18" charset="0"/>
@@ -29534,7 +29534,7 @@
               <a:t>th</a:t>
             </a:r>
             <a:r>
-              <a:rPr lang="en-US" sz="2400" baseline="30000" dirty="0">
+              <a:rPr lang="en-US" sz="2400" b="1" i="1" baseline="30000" dirty="0">
                 <a:effectLst/>
                 <a:latin typeface="Times New Roman" panose="02020603050405020304" pitchFamily="18" charset="0"/>
                 <a:ea typeface="Times New Roman" panose="02020603050405020304" pitchFamily="18" charset="0"/>

--- a/Seminar.pptx
+++ b/Seminar.pptx
@@ -280,7 +280,7 @@
           <a:p>
             <a:fld id="{C8D18E60-4300-4729-A0D7-6AB984C3922D}" type="datetimeFigureOut">
               <a:rPr lang="en-US" smtClean="0"/>
-              <a:t>7/10/22</a:t>
+              <a:t>7/11/2022</a:t>
             </a:fld>
             <a:endParaRPr lang="en-US"/>
           </a:p>
@@ -1014,7 +1014,7 @@
             <a:fld id="{53074F12-AA26-4AC8-9962-C36BB8F32554}" type="datetimeFigureOut">
               <a:rPr lang="en-US" smtClean="0"/>
               <a:pPr/>
-              <a:t>7/10/22</a:t>
+              <a:t>7/11/2022</a:t>
             </a:fld>
             <a:endParaRPr lang="en-US"/>
           </a:p>
@@ -1268,7 +1268,7 @@
             <a:fld id="{53074F12-AA26-4AC8-9962-C36BB8F32554}" type="datetimeFigureOut">
               <a:rPr lang="en-US" smtClean="0"/>
               <a:pPr/>
-              <a:t>7/10/22</a:t>
+              <a:t>7/11/2022</a:t>
             </a:fld>
             <a:endParaRPr lang="en-US"/>
           </a:p>
@@ -1438,7 +1438,7 @@
             <a:fld id="{53074F12-AA26-4AC8-9962-C36BB8F32554}" type="datetimeFigureOut">
               <a:rPr lang="en-US" smtClean="0"/>
               <a:pPr/>
-              <a:t>7/10/22</a:t>
+              <a:t>7/11/2022</a:t>
             </a:fld>
             <a:endParaRPr lang="en-US"/>
           </a:p>
@@ -1618,7 +1618,7 @@
             <a:fld id="{53074F12-AA26-4AC8-9962-C36BB8F32554}" type="datetimeFigureOut">
               <a:rPr lang="en-US" smtClean="0"/>
               <a:pPr/>
-              <a:t>7/10/22</a:t>
+              <a:t>7/11/2022</a:t>
             </a:fld>
             <a:endParaRPr lang="en-US"/>
           </a:p>
@@ -1903,7 +1903,7 @@
             <a:fld id="{53074F12-AA26-4AC8-9962-C36BB8F32554}" type="datetimeFigureOut">
               <a:rPr lang="en-US" smtClean="0"/>
               <a:pPr/>
-              <a:t>7/10/22</a:t>
+              <a:t>7/11/2022</a:t>
             </a:fld>
             <a:endParaRPr lang="en-US"/>
           </a:p>
@@ -2150,7 +2150,7 @@
             <a:fld id="{53074F12-AA26-4AC8-9962-C36BB8F32554}" type="datetimeFigureOut">
               <a:rPr lang="en-US" smtClean="0"/>
               <a:pPr/>
-              <a:t>7/10/22</a:t>
+              <a:t>7/11/2022</a:t>
             </a:fld>
             <a:endParaRPr lang="en-US"/>
           </a:p>
@@ -2397,7 +2397,7 @@
             <a:fld id="{53074F12-AA26-4AC8-9962-C36BB8F32554}" type="datetimeFigureOut">
               <a:rPr lang="en-US" smtClean="0"/>
               <a:pPr/>
-              <a:t>7/10/22</a:t>
+              <a:t>7/11/2022</a:t>
             </a:fld>
             <a:endParaRPr lang="en-US"/>
           </a:p>
@@ -2684,7 +2684,7 @@
             <a:fld id="{53074F12-AA26-4AC8-9962-C36BB8F32554}" type="datetimeFigureOut">
               <a:rPr lang="en-US" smtClean="0"/>
               <a:pPr/>
-              <a:t>7/10/22</a:t>
+              <a:t>7/11/2022</a:t>
             </a:fld>
             <a:endParaRPr lang="en-US"/>
           </a:p>
@@ -3174,7 +3174,7 @@
             <a:fld id="{53074F12-AA26-4AC8-9962-C36BB8F32554}" type="datetimeFigureOut">
               <a:rPr lang="en-US" smtClean="0"/>
               <a:pPr/>
-              <a:t>7/10/22</a:t>
+              <a:t>7/11/2022</a:t>
             </a:fld>
             <a:endParaRPr lang="en-US"/>
           </a:p>
@@ -3293,7 +3293,7 @@
             <a:fld id="{53074F12-AA26-4AC8-9962-C36BB8F32554}" type="datetimeFigureOut">
               <a:rPr lang="en-US" smtClean="0"/>
               <a:pPr/>
-              <a:t>7/10/22</a:t>
+              <a:t>7/11/2022</a:t>
             </a:fld>
             <a:endParaRPr lang="en-US"/>
           </a:p>
@@ -3390,7 +3390,7 @@
             <a:fld id="{53074F12-AA26-4AC8-9962-C36BB8F32554}" type="datetimeFigureOut">
               <a:rPr lang="en-US" smtClean="0"/>
               <a:pPr/>
-              <a:t>7/10/22</a:t>
+              <a:t>7/11/2022</a:t>
             </a:fld>
             <a:endParaRPr lang="en-US"/>
           </a:p>
@@ -3667,7 +3667,7 @@
             <a:fld id="{53074F12-AA26-4AC8-9962-C36BB8F32554}" type="datetimeFigureOut">
               <a:rPr lang="en-US" smtClean="0"/>
               <a:pPr/>
-              <a:t>7/10/22</a:t>
+              <a:t>7/11/2022</a:t>
             </a:fld>
             <a:endParaRPr lang="en-US"/>
           </a:p>
@@ -3889,7 +3889,7 @@
             <a:fld id="{53074F12-AA26-4AC8-9962-C36BB8F32554}" type="datetimeFigureOut">
               <a:rPr lang="en-US" smtClean="0"/>
               <a:pPr/>
-              <a:t>7/10/22</a:t>
+              <a:t>7/11/2022</a:t>
             </a:fld>
             <a:endParaRPr lang="en-US"/>
           </a:p>
@@ -4449,7 +4449,7 @@
         <p:spPr>
           <a:xfrm>
             <a:off x="768569" y="3583723"/>
-            <a:ext cx="5510048" cy="1261884"/>
+            <a:ext cx="5510048" cy="1877437"/>
           </a:xfrm>
           <a:prstGeom prst="rect">
             <a:avLst/>
@@ -4478,7 +4478,17 @@
                 <a:effectLst/>
                 <a:latin typeface="Nunito"/>
               </a:rPr>
-              <a:t>Group 4 - APCS2 - KLPT</a:t>
+              <a:t>Group 4 - APCS2 </a:t>
+            </a:r>
+            <a:r>
+              <a:rPr lang="en-US" sz="4000" b="1" i="0" u="none" strike="noStrike">
+                <a:solidFill>
+                  <a:srgbClr val="9EFF29"/>
+                </a:solidFill>
+                <a:effectLst/>
+                <a:latin typeface="Nunito"/>
+              </a:rPr>
+              <a:t>- KPLT</a:t>
             </a:r>
             <a:endParaRPr lang="en-US" sz="4000" b="0" dirty="0">
               <a:solidFill>
@@ -5350,7 +5360,7 @@
                             </p:stCondLst>
                             <p:childTnLst>
                               <p:par>
-                                <p:cTn id="32" presetID="42" presetClass="exit" presetSubtype="0" fill="hold" grpId="2" nodeType="clickEffect">
+                                <p:cTn id="32" presetID="42" presetClass="exit" presetSubtype="0" fill="hold" grpId="1" nodeType="clickEffect">
                                   <p:stCondLst>
                                     <p:cond delay="0"/>
                                   </p:stCondLst>
@@ -5447,7 +5457,7 @@
                                 </p:cTn>
                               </p:par>
                               <p:par>
-                                <p:cTn id="37" presetID="42" presetClass="exit" presetSubtype="0" fill="hold" grpId="2" nodeType="withEffect">
+                                <p:cTn id="37" presetID="42" presetClass="exit" presetSubtype="0" fill="hold" grpId="1" nodeType="withEffect">
                                   <p:stCondLst>
                                     <p:cond delay="0"/>
                                   </p:stCondLst>
@@ -5544,7 +5554,7 @@
                                 </p:cTn>
                               </p:par>
                               <p:par>
-                                <p:cTn id="42" presetID="42" presetClass="exit" presetSubtype="0" fill="hold" grpId="2" nodeType="withEffect">
+                                <p:cTn id="42" presetID="42" presetClass="exit" presetSubtype="0" fill="hold" grpId="1" nodeType="withEffect">
                                   <p:stCondLst>
                                     <p:cond delay="0"/>
                                   </p:stCondLst>
@@ -5859,7 +5869,7 @@
     <p:bldLst>
       <p:bldP spid="2" grpId="0"/>
       <p:bldP spid="3" grpId="0" build="p"/>
-      <p:bldP spid="3" grpId="2" build="p"/>
+      <p:bldP spid="3" grpId="1" build="p"/>
       <p:bldP spid="6" grpId="0"/>
     </p:bldLst>
   </p:timing>

--- a/Seminar.pptx
+++ b/Seminar.pptx
@@ -5,7 +5,7 @@
     <p:sldMasterId id="2147483648" r:id="rId1"/>
   </p:sldMasterIdLst>
   <p:notesMasterIdLst>
-    <p:notesMasterId r:id="rId75"/>
+    <p:notesMasterId r:id="rId74"/>
   </p:notesMasterIdLst>
   <p:sldIdLst>
     <p:sldId id="256" r:id="rId2"/>
@@ -80,7 +80,6 @@
     <p:sldId id="332" r:id="rId71"/>
     <p:sldId id="333" r:id="rId72"/>
     <p:sldId id="260" r:id="rId73"/>
-    <p:sldId id="258" r:id="rId74"/>
   </p:sldIdLst>
   <p:sldSz cx="9144000" cy="5143500" type="screen16x9"/>
   <p:notesSz cx="6858000" cy="9144000"/>
@@ -280,7 +279,7 @@
           <a:p>
             <a:fld id="{C8D18E60-4300-4729-A0D7-6AB984C3922D}" type="datetimeFigureOut">
               <a:rPr lang="en-US" smtClean="0"/>
-              <a:t>7/11/2022</a:t>
+              <a:t>7/15/2022</a:t>
             </a:fld>
             <a:endParaRPr lang="en-US"/>
           </a:p>
@@ -1014,7 +1013,7 @@
             <a:fld id="{53074F12-AA26-4AC8-9962-C36BB8F32554}" type="datetimeFigureOut">
               <a:rPr lang="en-US" smtClean="0"/>
               <a:pPr/>
-              <a:t>7/11/2022</a:t>
+              <a:t>7/15/2022</a:t>
             </a:fld>
             <a:endParaRPr lang="en-US"/>
           </a:p>
@@ -1268,7 +1267,7 @@
             <a:fld id="{53074F12-AA26-4AC8-9962-C36BB8F32554}" type="datetimeFigureOut">
               <a:rPr lang="en-US" smtClean="0"/>
               <a:pPr/>
-              <a:t>7/11/2022</a:t>
+              <a:t>7/15/2022</a:t>
             </a:fld>
             <a:endParaRPr lang="en-US"/>
           </a:p>
@@ -1438,7 +1437,7 @@
             <a:fld id="{53074F12-AA26-4AC8-9962-C36BB8F32554}" type="datetimeFigureOut">
               <a:rPr lang="en-US" smtClean="0"/>
               <a:pPr/>
-              <a:t>7/11/2022</a:t>
+              <a:t>7/15/2022</a:t>
             </a:fld>
             <a:endParaRPr lang="en-US"/>
           </a:p>
@@ -1618,7 +1617,7 @@
             <a:fld id="{53074F12-AA26-4AC8-9962-C36BB8F32554}" type="datetimeFigureOut">
               <a:rPr lang="en-US" smtClean="0"/>
               <a:pPr/>
-              <a:t>7/11/2022</a:t>
+              <a:t>7/15/2022</a:t>
             </a:fld>
             <a:endParaRPr lang="en-US"/>
           </a:p>
@@ -1903,7 +1902,7 @@
             <a:fld id="{53074F12-AA26-4AC8-9962-C36BB8F32554}" type="datetimeFigureOut">
               <a:rPr lang="en-US" smtClean="0"/>
               <a:pPr/>
-              <a:t>7/11/2022</a:t>
+              <a:t>7/15/2022</a:t>
             </a:fld>
             <a:endParaRPr lang="en-US"/>
           </a:p>
@@ -2150,7 +2149,7 @@
             <a:fld id="{53074F12-AA26-4AC8-9962-C36BB8F32554}" type="datetimeFigureOut">
               <a:rPr lang="en-US" smtClean="0"/>
               <a:pPr/>
-              <a:t>7/11/2022</a:t>
+              <a:t>7/15/2022</a:t>
             </a:fld>
             <a:endParaRPr lang="en-US"/>
           </a:p>
@@ -2397,7 +2396,7 @@
             <a:fld id="{53074F12-AA26-4AC8-9962-C36BB8F32554}" type="datetimeFigureOut">
               <a:rPr lang="en-US" smtClean="0"/>
               <a:pPr/>
-              <a:t>7/11/2022</a:t>
+              <a:t>7/15/2022</a:t>
             </a:fld>
             <a:endParaRPr lang="en-US"/>
           </a:p>
@@ -2684,7 +2683,7 @@
             <a:fld id="{53074F12-AA26-4AC8-9962-C36BB8F32554}" type="datetimeFigureOut">
               <a:rPr lang="en-US" smtClean="0"/>
               <a:pPr/>
-              <a:t>7/11/2022</a:t>
+              <a:t>7/15/2022</a:t>
             </a:fld>
             <a:endParaRPr lang="en-US"/>
           </a:p>
@@ -3174,7 +3173,7 @@
             <a:fld id="{53074F12-AA26-4AC8-9962-C36BB8F32554}" type="datetimeFigureOut">
               <a:rPr lang="en-US" smtClean="0"/>
               <a:pPr/>
-              <a:t>7/11/2022</a:t>
+              <a:t>7/15/2022</a:t>
             </a:fld>
             <a:endParaRPr lang="en-US"/>
           </a:p>
@@ -3293,7 +3292,7 @@
             <a:fld id="{53074F12-AA26-4AC8-9962-C36BB8F32554}" type="datetimeFigureOut">
               <a:rPr lang="en-US" smtClean="0"/>
               <a:pPr/>
-              <a:t>7/11/2022</a:t>
+              <a:t>7/15/2022</a:t>
             </a:fld>
             <a:endParaRPr lang="en-US"/>
           </a:p>
@@ -3390,7 +3389,7 @@
             <a:fld id="{53074F12-AA26-4AC8-9962-C36BB8F32554}" type="datetimeFigureOut">
               <a:rPr lang="en-US" smtClean="0"/>
               <a:pPr/>
-              <a:t>7/11/2022</a:t>
+              <a:t>7/15/2022</a:t>
             </a:fld>
             <a:endParaRPr lang="en-US"/>
           </a:p>
@@ -3667,7 +3666,7 @@
             <a:fld id="{53074F12-AA26-4AC8-9962-C36BB8F32554}" type="datetimeFigureOut">
               <a:rPr lang="en-US" smtClean="0"/>
               <a:pPr/>
-              <a:t>7/11/2022</a:t>
+              <a:t>7/15/2022</a:t>
             </a:fld>
             <a:endParaRPr lang="en-US"/>
           </a:p>
@@ -3889,7 +3888,7 @@
             <a:fld id="{53074F12-AA26-4AC8-9962-C36BB8F32554}" type="datetimeFigureOut">
               <a:rPr lang="en-US" smtClean="0"/>
               <a:pPr/>
-              <a:t>7/11/2022</a:t>
+              <a:t>7/15/2022</a:t>
             </a:fld>
             <a:endParaRPr lang="en-US"/>
           </a:p>
@@ -6597,6 +6596,16 @@
               <a:buChar char=""/>
             </a:pPr>
             <a:r>
+              <a:rPr lang="en-US" dirty="0">
+                <a:solidFill>
+                  <a:srgbClr val="3A3A3A"/>
+                </a:solidFill>
+                <a:latin typeface="Times New Roman" panose="02020603050405020304" pitchFamily="18" charset="0"/>
+                <a:ea typeface="Times New Roman" panose="02020603050405020304" pitchFamily="18" charset="0"/>
+              </a:rPr>
+              <a:t>Every node in</a:t>
+            </a:r>
+            <a:r>
               <a:rPr lang="en-US" sz="1800" dirty="0">
                 <a:solidFill>
                   <a:srgbClr val="3A3A3A"/>
@@ -6605,7 +6614,7 @@
                 <a:latin typeface="Times New Roman" panose="02020603050405020304" pitchFamily="18" charset="0"/>
                 <a:ea typeface="Times New Roman" panose="02020603050405020304" pitchFamily="18" charset="0"/>
               </a:rPr>
-              <a:t>A B-tree of </a:t>
+              <a:t> B-tree of </a:t>
             </a:r>
             <a:r>
               <a:rPr lang="en-US" sz="1800" b="1" dirty="0">
@@ -6672,59 +6681,6 @@
                 <a:ea typeface="Times New Roman" panose="02020603050405020304" pitchFamily="18" charset="0"/>
               </a:rPr>
               <a:t> children.</a:t>
-            </a:r>
-            <a:endParaRPr lang="en-US" sz="1800" dirty="0">
-              <a:effectLst/>
-              <a:latin typeface="Arial" panose="020B0604020202020204" pitchFamily="34" charset="0"/>
-              <a:ea typeface="Arial" panose="020B0604020202020204" pitchFamily="34" charset="0"/>
-            </a:endParaRPr>
-          </a:p>
-          <a:p>
-            <a:pPr marL="342900" marR="0" lvl="0" indent="-342900">
-              <a:lnSpc>
-                <a:spcPct val="114000"/>
-              </a:lnSpc>
-              <a:spcBef>
-                <a:spcPts val="0"/>
-              </a:spcBef>
-              <a:spcAft>
-                <a:spcPts val="1200"/>
-              </a:spcAft>
-              <a:buFont typeface="Symbol" panose="05050102010706020507" pitchFamily="18" charset="2"/>
-              <a:buChar char=""/>
-            </a:pPr>
-            <a:r>
-              <a:rPr lang="en-US" sz="1800" dirty="0">
-                <a:solidFill>
-                  <a:srgbClr val="3A3A3A"/>
-                </a:solidFill>
-                <a:effectLst/>
-                <a:latin typeface="Times New Roman" panose="02020603050405020304" pitchFamily="18" charset="0"/>
-                <a:ea typeface="Times New Roman" panose="02020603050405020304" pitchFamily="18" charset="0"/>
-              </a:rPr>
-              <a:t>Every node in B-tree has at most </a:t>
-            </a:r>
-            <a:r>
-              <a:rPr lang="en-US" sz="1800" b="1" dirty="0">
-                <a:solidFill>
-                  <a:srgbClr val="3A3A3A"/>
-                </a:solidFill>
-                <a:effectLst/>
-                <a:latin typeface="Times New Roman" panose="02020603050405020304" pitchFamily="18" charset="0"/>
-                <a:ea typeface="Times New Roman" panose="02020603050405020304" pitchFamily="18" charset="0"/>
-              </a:rPr>
-              <a:t>m children</a:t>
-            </a:r>
-            <a:r>
-              <a:rPr lang="en-US" sz="1800" dirty="0">
-                <a:solidFill>
-                  <a:srgbClr val="3A3A3A"/>
-                </a:solidFill>
-                <a:effectLst/>
-                <a:latin typeface="Times New Roman" panose="02020603050405020304" pitchFamily="18" charset="0"/>
-                <a:ea typeface="Times New Roman" panose="02020603050405020304" pitchFamily="18" charset="0"/>
-              </a:rPr>
-              <a:t>.</a:t>
             </a:r>
             <a:endParaRPr lang="en-US" sz="1800" dirty="0">
               <a:effectLst/>
@@ -23740,8 +23696,8 @@
           </a:p>
         </p:txBody>
       </p:sp>
-      <mc:AlternateContent xmlns:mc="http://schemas.openxmlformats.org/markup-compatibility/2006" xmlns:a14="http://schemas.microsoft.com/office/drawing/2010/main">
-        <mc:Choice Requires="a14">
+      <mc:AlternateContent xmlns:mc="http://schemas.openxmlformats.org/markup-compatibility/2006">
+        <mc:Choice xmlns:a14="http://schemas.microsoft.com/office/drawing/2010/main" Requires="a14">
           <p:sp>
             <p:nvSpPr>
               <p:cNvPr id="3" name="Content Placeholder 2">
@@ -23817,6 +23773,15 @@
                           </a:rPr>
                           <m:t>log</m:t>
                         </m:r>
+                        <m:r>
+                          <a:rPr lang="en-US" sz="3200" b="0" i="1" baseline="-25000" smtClean="0">
+                            <a:effectLst/>
+                            <a:latin typeface="Cambria Math" panose="02040503050406030204" pitchFamily="18" charset="0"/>
+                            <a:ea typeface="Times New Roman" panose="02020603050405020304" pitchFamily="18" charset="0"/>
+                            <a:cs typeface="Times New Roman" panose="02020603050405020304" pitchFamily="18" charset="0"/>
+                          </a:rPr>
+                          <m:t>𝑚</m:t>
+                        </m:r>
                       </m:fName>
                       <m:e>
                         <m:r>
@@ -23877,7 +23842,7 @@
             </p:txBody>
           </p:sp>
         </mc:Choice>
-        <mc:Fallback xmlns="">
+        <mc:Fallback>
           <p:sp>
             <p:nvSpPr>
               <p:cNvPr id="3" name="Content Placeholder 2">
@@ -45114,174 +45079,6 @@
     <p:extLst>
       <p:ext uri="{BB962C8B-B14F-4D97-AF65-F5344CB8AC3E}">
         <p14:creationId xmlns:p14="http://schemas.microsoft.com/office/powerpoint/2010/main" val="109100692"/>
-      </p:ext>
-    </p:extLst>
-  </p:cSld>
-  <p:clrMapOvr>
-    <a:masterClrMapping/>
-  </p:clrMapOvr>
-</p:sld>
-</file>
-
-<file path=ppt/slides/slide73.xml><?xml version="1.0" encoding="utf-8"?>
-<p:sld xmlns:a="http://schemas.openxmlformats.org/drawingml/2006/main" xmlns:r="http://schemas.openxmlformats.org/officeDocument/2006/relationships" xmlns:p="http://schemas.openxmlformats.org/presentationml/2006/main">
-  <p:cSld>
-    <p:spTree>
-      <p:nvGrpSpPr>
-        <p:cNvPr id="1" name=""/>
-        <p:cNvGrpSpPr/>
-        <p:nvPr/>
-      </p:nvGrpSpPr>
-      <p:grpSpPr>
-        <a:xfrm>
-          <a:off x="0" y="0"/>
-          <a:ext cx="0" cy="0"/>
-          <a:chOff x="0" y="0"/>
-          <a:chExt cx="0" cy="0"/>
-        </a:xfrm>
-      </p:grpSpPr>
-      <p:sp>
-        <p:nvSpPr>
-          <p:cNvPr id="4" name="Title 3"/>
-          <p:cNvSpPr>
-            <a:spLocks noGrp="1"/>
-          </p:cNvSpPr>
-          <p:nvPr>
-            <p:ph type="title"/>
-          </p:nvPr>
-        </p:nvSpPr>
-        <p:spPr/>
-        <p:txBody>
-          <a:bodyPr>
-            <a:normAutofit/>
-          </a:bodyPr>
-          <a:lstStyle/>
-          <a:p>
-            <a:r>
-              <a:rPr lang="en-US" dirty="0"/>
-              <a:t>Slide Title</a:t>
-            </a:r>
-          </a:p>
-        </p:txBody>
-      </p:sp>
-      <p:sp>
-        <p:nvSpPr>
-          <p:cNvPr id="5" name="Text Placeholder 4"/>
-          <p:cNvSpPr>
-            <a:spLocks noGrp="1"/>
-          </p:cNvSpPr>
-          <p:nvPr>
-            <p:ph type="body" idx="1"/>
-          </p:nvPr>
-        </p:nvSpPr>
-        <p:spPr/>
-        <p:txBody>
-          <a:bodyPr/>
-          <a:lstStyle/>
-          <a:p>
-            <a:r>
-              <a:rPr lang="en-US"/>
-              <a:t>Product A</a:t>
-            </a:r>
-            <a:endParaRPr lang="en-US" dirty="0"/>
-          </a:p>
-        </p:txBody>
-      </p:sp>
-      <p:sp>
-        <p:nvSpPr>
-          <p:cNvPr id="6" name="Content Placeholder 5"/>
-          <p:cNvSpPr>
-            <a:spLocks noGrp="1"/>
-          </p:cNvSpPr>
-          <p:nvPr>
-            <p:ph sz="half" idx="2"/>
-          </p:nvPr>
-        </p:nvSpPr>
-        <p:spPr/>
-        <p:txBody>
-          <a:bodyPr/>
-          <a:lstStyle/>
-          <a:p>
-            <a:r>
-              <a:rPr lang="en-US"/>
-              <a:t>Feature 1</a:t>
-            </a:r>
-          </a:p>
-          <a:p>
-            <a:r>
-              <a:rPr lang="en-US"/>
-              <a:t>Feature 2</a:t>
-            </a:r>
-          </a:p>
-          <a:p>
-            <a:r>
-              <a:rPr lang="en-US"/>
-              <a:t>Feature 3</a:t>
-            </a:r>
-            <a:endParaRPr lang="en-US" dirty="0"/>
-          </a:p>
-        </p:txBody>
-      </p:sp>
-      <p:sp>
-        <p:nvSpPr>
-          <p:cNvPr id="7" name="Text Placeholder 6"/>
-          <p:cNvSpPr>
-            <a:spLocks noGrp="1"/>
-          </p:cNvSpPr>
-          <p:nvPr>
-            <p:ph type="body" sz="quarter" idx="3"/>
-          </p:nvPr>
-        </p:nvSpPr>
-        <p:spPr/>
-        <p:txBody>
-          <a:bodyPr/>
-          <a:lstStyle/>
-          <a:p>
-            <a:r>
-              <a:rPr lang="en-US"/>
-              <a:t>Product B</a:t>
-            </a:r>
-          </a:p>
-        </p:txBody>
-      </p:sp>
-      <p:sp>
-        <p:nvSpPr>
-          <p:cNvPr id="8" name="Content Placeholder 7"/>
-          <p:cNvSpPr>
-            <a:spLocks noGrp="1"/>
-          </p:cNvSpPr>
-          <p:nvPr>
-            <p:ph sz="quarter" idx="4"/>
-          </p:nvPr>
-        </p:nvSpPr>
-        <p:spPr/>
-        <p:txBody>
-          <a:bodyPr/>
-          <a:lstStyle/>
-          <a:p>
-            <a:r>
-              <a:rPr lang="en-US"/>
-              <a:t>Feature 1</a:t>
-            </a:r>
-          </a:p>
-          <a:p>
-            <a:r>
-              <a:rPr lang="en-US"/>
-              <a:t>Feature 2</a:t>
-            </a:r>
-          </a:p>
-          <a:p>
-            <a:r>
-              <a:rPr lang="en-US"/>
-              <a:t>Feature 3</a:t>
-            </a:r>
-          </a:p>
-        </p:txBody>
-      </p:sp>
-    </p:spTree>
-    <p:extLst>
-      <p:ext uri="{BB962C8B-B14F-4D97-AF65-F5344CB8AC3E}">
-        <p14:creationId xmlns:p14="http://schemas.microsoft.com/office/powerpoint/2010/main" val="4170783713"/>
       </p:ext>
     </p:extLst>
   </p:cSld>

--- a/Seminar.pptx
+++ b/Seminar.pptx
@@ -5,7 +5,7 @@
     <p:sldMasterId id="2147483648" r:id="rId1"/>
   </p:sldMasterIdLst>
   <p:notesMasterIdLst>
-    <p:notesMasterId r:id="rId74"/>
+    <p:notesMasterId r:id="rId77"/>
   </p:notesMasterIdLst>
   <p:sldIdLst>
     <p:sldId id="256" r:id="rId2"/>
@@ -79,7 +79,10 @@
     <p:sldId id="321" r:id="rId70"/>
     <p:sldId id="332" r:id="rId71"/>
     <p:sldId id="333" r:id="rId72"/>
-    <p:sldId id="260" r:id="rId73"/>
+    <p:sldId id="334" r:id="rId73"/>
+    <p:sldId id="336" r:id="rId74"/>
+    <p:sldId id="337" r:id="rId75"/>
+    <p:sldId id="260" r:id="rId76"/>
   </p:sldIdLst>
   <p:sldSz cx="9144000" cy="5143500" type="screen16x9"/>
   <p:notesSz cx="6858000" cy="9144000"/>
@@ -779,7 +782,7 @@
           <a:p>
             <a:fld id="{87350B06-B074-48FC-8CFD-53D2CD8FB95F}" type="slidenum">
               <a:rPr lang="en-US" smtClean="0"/>
-              <a:t>72</a:t>
+              <a:t>75</a:t>
             </a:fld>
             <a:endParaRPr lang="en-US"/>
           </a:p>
@@ -23696,8 +23699,8 @@
           </a:p>
         </p:txBody>
       </p:sp>
-      <mc:AlternateContent xmlns:mc="http://schemas.openxmlformats.org/markup-compatibility/2006">
-        <mc:Choice xmlns:a14="http://schemas.microsoft.com/office/drawing/2010/main" Requires="a14">
+      <mc:AlternateContent xmlns:mc="http://schemas.openxmlformats.org/markup-compatibility/2006" xmlns:a14="http://schemas.microsoft.com/office/drawing/2010/main">
+        <mc:Choice Requires="a14">
           <p:sp>
             <p:nvSpPr>
               <p:cNvPr id="3" name="Content Placeholder 2">
@@ -23842,7 +23845,7 @@
             </p:txBody>
           </p:sp>
         </mc:Choice>
-        <mc:Fallback>
+        <mc:Fallback xmlns="">
           <p:sp>
             <p:nvSpPr>
               <p:cNvPr id="3" name="Content Placeholder 2">
@@ -44980,6 +44983,988 @@
 </file>
 
 <file path=ppt/slides/slide72.xml><?xml version="1.0" encoding="utf-8"?>
+<p:sld xmlns:a="http://schemas.openxmlformats.org/drawingml/2006/main" xmlns:r="http://schemas.openxmlformats.org/officeDocument/2006/relationships" xmlns:p="http://schemas.openxmlformats.org/presentationml/2006/main">
+  <p:cSld>
+    <p:spTree>
+      <p:nvGrpSpPr>
+        <p:cNvPr id="1" name=""/>
+        <p:cNvGrpSpPr/>
+        <p:nvPr/>
+      </p:nvGrpSpPr>
+      <p:grpSpPr>
+        <a:xfrm>
+          <a:off x="0" y="0"/>
+          <a:ext cx="0" cy="0"/>
+          <a:chOff x="0" y="0"/>
+          <a:chExt cx="0" cy="0"/>
+        </a:xfrm>
+      </p:grpSpPr>
+      <p:sp>
+        <p:nvSpPr>
+          <p:cNvPr id="2" name="Title 1">
+            <a:extLst>
+              <a:ext uri="{FF2B5EF4-FFF2-40B4-BE49-F238E27FC236}">
+                <a16:creationId xmlns:a16="http://schemas.microsoft.com/office/drawing/2014/main" id="{6408FC10-8FC1-ECBE-4A8B-1FBD5597887D}"/>
+              </a:ext>
+            </a:extLst>
+          </p:cNvPr>
+          <p:cNvSpPr>
+            <a:spLocks noGrp="1"/>
+          </p:cNvSpPr>
+          <p:nvPr>
+            <p:ph type="title"/>
+          </p:nvPr>
+        </p:nvSpPr>
+        <p:spPr>
+          <a:xfrm>
+            <a:off x="1649184" y="744220"/>
+            <a:ext cx="3780067" cy="763526"/>
+          </a:xfrm>
+        </p:spPr>
+        <p:txBody>
+          <a:bodyPr/>
+          <a:lstStyle/>
+          <a:p>
+            <a:r>
+              <a:rPr lang="en-US" b="1" dirty="0"/>
+              <a:t>QUESTION:</a:t>
+            </a:r>
+          </a:p>
+        </p:txBody>
+      </p:sp>
+      <p:pic>
+        <p:nvPicPr>
+          <p:cNvPr id="5" name="Content Placeholder 4" descr="Question Zutto">
+            <a:extLst>
+              <a:ext uri="{FF2B5EF4-FFF2-40B4-BE49-F238E27FC236}">
+                <a16:creationId xmlns:a16="http://schemas.microsoft.com/office/drawing/2014/main" id="{F817B647-C56B-4A76-D6DC-1BFF74D29B95}"/>
+              </a:ext>
+            </a:extLst>
+          </p:cNvPr>
+          <p:cNvPicPr>
+            <a:picLocks noGrp="1" noChangeAspect="1"/>
+          </p:cNvPicPr>
+          <p:nvPr>
+            <p:ph idx="1"/>
+          </p:nvPr>
+        </p:nvPicPr>
+        <p:blipFill>
+          <a:blip r:embed="rId2">
+            <a:extLst>
+              <a:ext uri="{28A0092B-C50C-407E-A947-70E740481C1C}">
+                <a14:useLocalDpi xmlns:a14="http://schemas.microsoft.com/office/drawing/2010/main" val="0"/>
+              </a:ext>
+            </a:extLst>
+          </a:blip>
+          <a:stretch>
+            <a:fillRect/>
+          </a:stretch>
+        </p:blipFill>
+        <p:spPr>
+          <a:xfrm>
+            <a:off x="-302191" y="128588"/>
+            <a:ext cx="3163887" cy="3163887"/>
+          </a:xfrm>
+        </p:spPr>
+      </p:pic>
+      <p:sp>
+        <p:nvSpPr>
+          <p:cNvPr id="6" name="TextBox 5">
+            <a:extLst>
+              <a:ext uri="{FF2B5EF4-FFF2-40B4-BE49-F238E27FC236}">
+                <a16:creationId xmlns:a16="http://schemas.microsoft.com/office/drawing/2014/main" id="{4A64751C-293E-0D5B-693F-30AEF0EC5E4B}"/>
+              </a:ext>
+            </a:extLst>
+          </p:cNvPr>
+          <p:cNvSpPr txBox="1"/>
+          <p:nvPr/>
+        </p:nvSpPr>
+        <p:spPr>
+          <a:xfrm>
+            <a:off x="3118758" y="1507746"/>
+            <a:ext cx="5110842" cy="1569660"/>
+          </a:xfrm>
+          <a:prstGeom prst="rect">
+            <a:avLst/>
+          </a:prstGeom>
+          <a:noFill/>
+        </p:spPr>
+        <p:txBody>
+          <a:bodyPr wrap="square" rtlCol="0">
+            <a:spAutoFit/>
+          </a:bodyPr>
+          <a:lstStyle/>
+          <a:p>
+            <a:r>
+              <a:rPr lang="en-US" sz="2400" dirty="0">
+                <a:solidFill>
+                  <a:schemeClr val="accent1">
+                    <a:lumMod val="20000"/>
+                    <a:lumOff val="80000"/>
+                  </a:schemeClr>
+                </a:solidFill>
+                <a:latin typeface="Times New Roman" panose="02020603050405020304" pitchFamily="18" charset="0"/>
+                <a:cs typeface="Times New Roman" panose="02020603050405020304" pitchFamily="18" charset="0"/>
+              </a:rPr>
+              <a:t>1. Calculate the maximum numbers of keys can have in a B-Tree of Order </a:t>
+            </a:r>
+            <a:r>
+              <a:rPr lang="en-US" sz="2400" b="1" i="1" dirty="0">
+                <a:solidFill>
+                  <a:schemeClr val="accent1">
+                    <a:lumMod val="20000"/>
+                    <a:lumOff val="80000"/>
+                  </a:schemeClr>
+                </a:solidFill>
+                <a:latin typeface="Times New Roman" panose="02020603050405020304" pitchFamily="18" charset="0"/>
+                <a:cs typeface="Times New Roman" panose="02020603050405020304" pitchFamily="18" charset="0"/>
+              </a:rPr>
+              <a:t>m</a:t>
+            </a:r>
+            <a:r>
+              <a:rPr lang="en-US" sz="2400" dirty="0">
+                <a:solidFill>
+                  <a:schemeClr val="accent1">
+                    <a:lumMod val="20000"/>
+                    <a:lumOff val="80000"/>
+                  </a:schemeClr>
+                </a:solidFill>
+                <a:latin typeface="Times New Roman" panose="02020603050405020304" pitchFamily="18" charset="0"/>
+                <a:cs typeface="Times New Roman" panose="02020603050405020304" pitchFamily="18" charset="0"/>
+              </a:rPr>
+              <a:t> and height </a:t>
+            </a:r>
+            <a:r>
+              <a:rPr lang="en-US" sz="2400" b="1" i="1" dirty="0">
+                <a:solidFill>
+                  <a:schemeClr val="accent1">
+                    <a:lumMod val="20000"/>
+                    <a:lumOff val="80000"/>
+                  </a:schemeClr>
+                </a:solidFill>
+                <a:latin typeface="Times New Roman" panose="02020603050405020304" pitchFamily="18" charset="0"/>
+                <a:cs typeface="Times New Roman" panose="02020603050405020304" pitchFamily="18" charset="0"/>
+              </a:rPr>
+              <a:t>h</a:t>
+            </a:r>
+            <a:r>
+              <a:rPr lang="en-US" sz="2400" dirty="0">
+                <a:solidFill>
+                  <a:schemeClr val="accent1">
+                    <a:lumMod val="20000"/>
+                    <a:lumOff val="80000"/>
+                  </a:schemeClr>
+                </a:solidFill>
+                <a:latin typeface="Times New Roman" panose="02020603050405020304" pitchFamily="18" charset="0"/>
+                <a:cs typeface="Times New Roman" panose="02020603050405020304" pitchFamily="18" charset="0"/>
+              </a:rPr>
+              <a:t>? Give the formula of the answer base on </a:t>
+            </a:r>
+            <a:r>
+              <a:rPr lang="en-US" sz="2400" b="1" i="1" dirty="0">
+                <a:solidFill>
+                  <a:schemeClr val="accent1">
+                    <a:lumMod val="20000"/>
+                    <a:lumOff val="80000"/>
+                  </a:schemeClr>
+                </a:solidFill>
+                <a:latin typeface="Times New Roman" panose="02020603050405020304" pitchFamily="18" charset="0"/>
+                <a:cs typeface="Times New Roman" panose="02020603050405020304" pitchFamily="18" charset="0"/>
+              </a:rPr>
+              <a:t>m </a:t>
+            </a:r>
+            <a:r>
+              <a:rPr lang="en-US" sz="2400" dirty="0">
+                <a:solidFill>
+                  <a:schemeClr val="accent1">
+                    <a:lumMod val="20000"/>
+                    <a:lumOff val="80000"/>
+                  </a:schemeClr>
+                </a:solidFill>
+                <a:latin typeface="Times New Roman" panose="02020603050405020304" pitchFamily="18" charset="0"/>
+                <a:cs typeface="Times New Roman" panose="02020603050405020304" pitchFamily="18" charset="0"/>
+              </a:rPr>
+              <a:t>and </a:t>
+            </a:r>
+            <a:r>
+              <a:rPr lang="en-US" sz="2400" b="1" i="1" dirty="0">
+                <a:solidFill>
+                  <a:schemeClr val="accent1">
+                    <a:lumMod val="20000"/>
+                    <a:lumOff val="80000"/>
+                  </a:schemeClr>
+                </a:solidFill>
+                <a:latin typeface="Times New Roman" panose="02020603050405020304" pitchFamily="18" charset="0"/>
+                <a:cs typeface="Times New Roman" panose="02020603050405020304" pitchFamily="18" charset="0"/>
+              </a:rPr>
+              <a:t>h </a:t>
+            </a:r>
+            <a:r>
+              <a:rPr lang="en-US" sz="2400" dirty="0">
+                <a:solidFill>
+                  <a:schemeClr val="accent1">
+                    <a:lumMod val="20000"/>
+                    <a:lumOff val="80000"/>
+                  </a:schemeClr>
+                </a:solidFill>
+                <a:latin typeface="Times New Roman" panose="02020603050405020304" pitchFamily="18" charset="0"/>
+                <a:cs typeface="Times New Roman" panose="02020603050405020304" pitchFamily="18" charset="0"/>
+              </a:rPr>
+              <a:t>and Explain</a:t>
+            </a:r>
+            <a:r>
+              <a:rPr lang="en-US" sz="2400" b="1" i="1" dirty="0">
+                <a:solidFill>
+                  <a:schemeClr val="accent1">
+                    <a:lumMod val="20000"/>
+                    <a:lumOff val="80000"/>
+                  </a:schemeClr>
+                </a:solidFill>
+                <a:latin typeface="Times New Roman" panose="02020603050405020304" pitchFamily="18" charset="0"/>
+                <a:cs typeface="Times New Roman" panose="02020603050405020304" pitchFamily="18" charset="0"/>
+              </a:rPr>
+              <a:t>.</a:t>
+            </a:r>
+            <a:endParaRPr lang="en-US" sz="2400" dirty="0">
+              <a:solidFill>
+                <a:schemeClr val="accent1">
+                  <a:lumMod val="20000"/>
+                  <a:lumOff val="80000"/>
+                </a:schemeClr>
+              </a:solidFill>
+              <a:latin typeface="Times New Roman" panose="02020603050405020304" pitchFamily="18" charset="0"/>
+              <a:cs typeface="Times New Roman" panose="02020603050405020304" pitchFamily="18" charset="0"/>
+            </a:endParaRPr>
+          </a:p>
+        </p:txBody>
+      </p:sp>
+      <mc:AlternateContent xmlns:mc="http://schemas.openxmlformats.org/markup-compatibility/2006">
+        <mc:Choice xmlns:a14="http://schemas.microsoft.com/office/drawing/2010/main" Requires="a14">
+          <p:sp>
+            <p:nvSpPr>
+              <p:cNvPr id="7" name="TextBox 6">
+                <a:extLst>
+                  <a:ext uri="{FF2B5EF4-FFF2-40B4-BE49-F238E27FC236}">
+                    <a16:creationId xmlns:a16="http://schemas.microsoft.com/office/drawing/2014/main" id="{471835F1-0AA4-C000-8280-06D131378866}"/>
+                  </a:ext>
+                </a:extLst>
+              </p:cNvPr>
+              <p:cNvSpPr txBox="1"/>
+              <p:nvPr/>
+            </p:nvSpPr>
+            <p:spPr>
+              <a:xfrm>
+                <a:off x="3539217" y="3228611"/>
+                <a:ext cx="3195555" cy="438582"/>
+              </a:xfrm>
+              <a:prstGeom prst="rect">
+                <a:avLst/>
+              </a:prstGeom>
+              <a:noFill/>
+            </p:spPr>
+            <p:txBody>
+              <a:bodyPr wrap="none" lIns="0" tIns="0" rIns="0" bIns="0" rtlCol="0">
+                <a:spAutoFit/>
+              </a:bodyPr>
+              <a:lstStyle/>
+              <a:p>
+                <a14:m>
+                  <m:oMathPara xmlns:m="http://schemas.openxmlformats.org/officeDocument/2006/math">
+                    <m:oMathParaPr>
+                      <m:jc m:val="centerGroup"/>
+                    </m:oMathParaPr>
+                    <m:oMath xmlns:m="http://schemas.openxmlformats.org/officeDocument/2006/math">
+                      <m:r>
+                        <a:rPr lang="en-US" sz="2800" b="0" i="1" smtClean="0">
+                          <a:solidFill>
+                            <a:schemeClr val="accent1">
+                              <a:lumMod val="20000"/>
+                              <a:lumOff val="80000"/>
+                            </a:schemeClr>
+                          </a:solidFill>
+                          <a:latin typeface="Cambria Math" panose="02040503050406030204" pitchFamily="18" charset="0"/>
+                        </a:rPr>
+                        <m:t>𝐴𝑛𝑠𝑤𝑒𝑟</m:t>
+                      </m:r>
+                      <m:r>
+                        <a:rPr lang="en-US" sz="2800" b="0" i="1" smtClean="0">
+                          <a:solidFill>
+                            <a:schemeClr val="accent1">
+                              <a:lumMod val="20000"/>
+                              <a:lumOff val="80000"/>
+                            </a:schemeClr>
+                          </a:solidFill>
+                          <a:latin typeface="Cambria Math" panose="02040503050406030204" pitchFamily="18" charset="0"/>
+                        </a:rPr>
+                        <m:t>:</m:t>
+                      </m:r>
+                      <m:r>
+                        <a:rPr lang="en-US" sz="2800" b="0" i="1" smtClean="0">
+                          <a:solidFill>
+                            <a:schemeClr val="accent1">
+                              <a:lumMod val="20000"/>
+                              <a:lumOff val="80000"/>
+                            </a:schemeClr>
+                          </a:solidFill>
+                          <a:latin typeface="Cambria Math" panose="02040503050406030204" pitchFamily="18" charset="0"/>
+                        </a:rPr>
+                        <m:t>𝐾</m:t>
+                      </m:r>
+                      <m:r>
+                        <a:rPr lang="en-US" sz="2800" b="0" i="1" smtClean="0">
+                          <a:solidFill>
+                            <a:schemeClr val="accent1">
+                              <a:lumMod val="20000"/>
+                              <a:lumOff val="80000"/>
+                            </a:schemeClr>
+                          </a:solidFill>
+                          <a:latin typeface="Cambria Math" panose="02040503050406030204" pitchFamily="18" charset="0"/>
+                        </a:rPr>
+                        <m:t>=</m:t>
+                      </m:r>
+                      <m:sSup>
+                        <m:sSupPr>
+                          <m:ctrlPr>
+                            <a:rPr lang="en-US" sz="2800" b="0" i="1" smtClean="0">
+                              <a:solidFill>
+                                <a:schemeClr val="accent1">
+                                  <a:lumMod val="20000"/>
+                                  <a:lumOff val="80000"/>
+                                </a:schemeClr>
+                              </a:solidFill>
+                              <a:latin typeface="Cambria Math" panose="02040503050406030204" pitchFamily="18" charset="0"/>
+                            </a:rPr>
+                          </m:ctrlPr>
+                        </m:sSupPr>
+                        <m:e>
+                          <m:r>
+                            <a:rPr lang="en-US" sz="2800" b="0" i="1" smtClean="0">
+                              <a:solidFill>
+                                <a:schemeClr val="accent1">
+                                  <a:lumMod val="20000"/>
+                                  <a:lumOff val="80000"/>
+                                </a:schemeClr>
+                              </a:solidFill>
+                              <a:latin typeface="Cambria Math" panose="02040503050406030204" pitchFamily="18" charset="0"/>
+                            </a:rPr>
+                            <m:t>3</m:t>
+                          </m:r>
+                        </m:e>
+                        <m:sup>
+                          <m:r>
+                            <a:rPr lang="en-US" sz="2800" b="0" i="1" smtClean="0">
+                              <a:solidFill>
+                                <a:schemeClr val="accent1">
+                                  <a:lumMod val="20000"/>
+                                  <a:lumOff val="80000"/>
+                                </a:schemeClr>
+                              </a:solidFill>
+                              <a:latin typeface="Cambria Math" panose="02040503050406030204" pitchFamily="18" charset="0"/>
+                            </a:rPr>
+                            <m:t>h</m:t>
+                          </m:r>
+                        </m:sup>
+                      </m:sSup>
+                      <m:r>
+                        <a:rPr lang="en-US" sz="2800" b="0" i="1" smtClean="0">
+                          <a:solidFill>
+                            <a:schemeClr val="accent1">
+                              <a:lumMod val="20000"/>
+                              <a:lumOff val="80000"/>
+                            </a:schemeClr>
+                          </a:solidFill>
+                          <a:latin typeface="Cambria Math" panose="02040503050406030204" pitchFamily="18" charset="0"/>
+                        </a:rPr>
+                        <m:t>−1</m:t>
+                      </m:r>
+                    </m:oMath>
+                  </m:oMathPara>
+                </a14:m>
+                <a:endParaRPr lang="en-US" sz="2800" dirty="0">
+                  <a:solidFill>
+                    <a:schemeClr val="accent1">
+                      <a:lumMod val="20000"/>
+                      <a:lumOff val="80000"/>
+                    </a:schemeClr>
+                  </a:solidFill>
+                </a:endParaRPr>
+              </a:p>
+            </p:txBody>
+          </p:sp>
+        </mc:Choice>
+        <mc:Fallback>
+          <p:sp>
+            <p:nvSpPr>
+              <p:cNvPr id="7" name="TextBox 6">
+                <a:extLst>
+                  <a:ext uri="{FF2B5EF4-FFF2-40B4-BE49-F238E27FC236}">
+                    <a16:creationId xmlns:a16="http://schemas.microsoft.com/office/drawing/2014/main" id="{471835F1-0AA4-C000-8280-06D131378866}"/>
+                  </a:ext>
+                </a:extLst>
+              </p:cNvPr>
+              <p:cNvSpPr txBox="1">
+                <a:spLocks noRot="1" noChangeAspect="1" noMove="1" noResize="1" noEditPoints="1" noAdjustHandles="1" noChangeArrowheads="1" noChangeShapeType="1" noTextEdit="1"/>
+              </p:cNvSpPr>
+              <p:nvPr/>
+            </p:nvSpPr>
+            <p:spPr>
+              <a:xfrm>
+                <a:off x="3539217" y="3228611"/>
+                <a:ext cx="3195555" cy="438582"/>
+              </a:xfrm>
+              <a:prstGeom prst="rect">
+                <a:avLst/>
+              </a:prstGeom>
+              <a:blipFill>
+                <a:blip r:embed="rId3"/>
+                <a:stretch>
+                  <a:fillRect/>
+                </a:stretch>
+              </a:blipFill>
+            </p:spPr>
+            <p:txBody>
+              <a:bodyPr/>
+              <a:lstStyle/>
+              <a:p>
+                <a:r>
+                  <a:rPr lang="en-US">
+                    <a:noFill/>
+                  </a:rPr>
+                  <a:t> </a:t>
+                </a:r>
+              </a:p>
+            </p:txBody>
+          </p:sp>
+        </mc:Fallback>
+      </mc:AlternateContent>
+    </p:spTree>
+    <p:extLst>
+      <p:ext uri="{BB962C8B-B14F-4D97-AF65-F5344CB8AC3E}">
+        <p14:creationId xmlns:p14="http://schemas.microsoft.com/office/powerpoint/2010/main" val="337075117"/>
+      </p:ext>
+    </p:extLst>
+  </p:cSld>
+  <p:clrMapOvr>
+    <a:masterClrMapping/>
+  </p:clrMapOvr>
+  <p:timing>
+    <p:tnLst>
+      <p:par>
+        <p:cTn id="1" dur="indefinite" restart="never" nodeType="tmRoot">
+          <p:childTnLst>
+            <p:seq concurrent="1" nextAc="seek">
+              <p:cTn id="2" dur="indefinite" nodeType="mainSeq">
+                <p:childTnLst>
+                  <p:par>
+                    <p:cTn id="3" fill="hold">
+                      <p:stCondLst>
+                        <p:cond delay="indefinite"/>
+                      </p:stCondLst>
+                      <p:childTnLst>
+                        <p:par>
+                          <p:cTn id="4" fill="hold">
+                            <p:stCondLst>
+                              <p:cond delay="0"/>
+                            </p:stCondLst>
+                            <p:childTnLst>
+                              <p:par>
+                                <p:cTn id="5" presetID="2" presetClass="entr" presetSubtype="4" fill="hold" grpId="0" nodeType="clickEffect">
+                                  <p:stCondLst>
+                                    <p:cond delay="0"/>
+                                  </p:stCondLst>
+                                  <p:childTnLst>
+                                    <p:set>
+                                      <p:cBhvr>
+                                        <p:cTn id="6" dur="1" fill="hold">
+                                          <p:stCondLst>
+                                            <p:cond delay="0"/>
+                                          </p:stCondLst>
+                                        </p:cTn>
+                                        <p:tgtEl>
+                                          <p:spTgt spid="7"/>
+                                        </p:tgtEl>
+                                        <p:attrNameLst>
+                                          <p:attrName>style.visibility</p:attrName>
+                                        </p:attrNameLst>
+                                      </p:cBhvr>
+                                      <p:to>
+                                        <p:strVal val="visible"/>
+                                      </p:to>
+                                    </p:set>
+                                    <p:anim calcmode="lin" valueType="num">
+                                      <p:cBhvr additive="base">
+                                        <p:cTn id="7" dur="500" fill="hold"/>
+                                        <p:tgtEl>
+                                          <p:spTgt spid="7"/>
+                                        </p:tgtEl>
+                                        <p:attrNameLst>
+                                          <p:attrName>ppt_x</p:attrName>
+                                        </p:attrNameLst>
+                                      </p:cBhvr>
+                                      <p:tavLst>
+                                        <p:tav tm="0">
+                                          <p:val>
+                                            <p:strVal val="#ppt_x"/>
+                                          </p:val>
+                                        </p:tav>
+                                        <p:tav tm="100000">
+                                          <p:val>
+                                            <p:strVal val="#ppt_x"/>
+                                          </p:val>
+                                        </p:tav>
+                                      </p:tavLst>
+                                    </p:anim>
+                                    <p:anim calcmode="lin" valueType="num">
+                                      <p:cBhvr additive="base">
+                                        <p:cTn id="8" dur="500" fill="hold"/>
+                                        <p:tgtEl>
+                                          <p:spTgt spid="7"/>
+                                        </p:tgtEl>
+                                        <p:attrNameLst>
+                                          <p:attrName>ppt_y</p:attrName>
+                                        </p:attrNameLst>
+                                      </p:cBhvr>
+                                      <p:tavLst>
+                                        <p:tav tm="0">
+                                          <p:val>
+                                            <p:strVal val="1+#ppt_h/2"/>
+                                          </p:val>
+                                        </p:tav>
+                                        <p:tav tm="100000">
+                                          <p:val>
+                                            <p:strVal val="#ppt_y"/>
+                                          </p:val>
+                                        </p:tav>
+                                      </p:tavLst>
+                                    </p:anim>
+                                  </p:childTnLst>
+                                </p:cTn>
+                              </p:par>
+                            </p:childTnLst>
+                          </p:cTn>
+                        </p:par>
+                      </p:childTnLst>
+                    </p:cTn>
+                  </p:par>
+                </p:childTnLst>
+              </p:cTn>
+              <p:prevCondLst>
+                <p:cond evt="onPrev" delay="0">
+                  <p:tgtEl>
+                    <p:sldTgt/>
+                  </p:tgtEl>
+                </p:cond>
+              </p:prevCondLst>
+              <p:nextCondLst>
+                <p:cond evt="onNext" delay="0">
+                  <p:tgtEl>
+                    <p:sldTgt/>
+                  </p:tgtEl>
+                </p:cond>
+              </p:nextCondLst>
+            </p:seq>
+          </p:childTnLst>
+        </p:cTn>
+      </p:par>
+    </p:tnLst>
+    <p:bldLst>
+      <p:bldP spid="7" grpId="0"/>
+    </p:bldLst>
+  </p:timing>
+</p:sld>
+</file>
+
+<file path=ppt/slides/slide73.xml><?xml version="1.0" encoding="utf-8"?>
+<p:sld xmlns:a="http://schemas.openxmlformats.org/drawingml/2006/main" xmlns:r="http://schemas.openxmlformats.org/officeDocument/2006/relationships" xmlns:p="http://schemas.openxmlformats.org/presentationml/2006/main">
+  <p:cSld>
+    <p:spTree>
+      <p:nvGrpSpPr>
+        <p:cNvPr id="1" name=""/>
+        <p:cNvGrpSpPr/>
+        <p:nvPr/>
+      </p:nvGrpSpPr>
+      <p:grpSpPr>
+        <a:xfrm>
+          <a:off x="0" y="0"/>
+          <a:ext cx="0" cy="0"/>
+          <a:chOff x="0" y="0"/>
+          <a:chExt cx="0" cy="0"/>
+        </a:xfrm>
+      </p:grpSpPr>
+      <p:sp>
+        <p:nvSpPr>
+          <p:cNvPr id="2" name="Title 1">
+            <a:extLst>
+              <a:ext uri="{FF2B5EF4-FFF2-40B4-BE49-F238E27FC236}">
+                <a16:creationId xmlns:a16="http://schemas.microsoft.com/office/drawing/2014/main" id="{6408FC10-8FC1-ECBE-4A8B-1FBD5597887D}"/>
+              </a:ext>
+            </a:extLst>
+          </p:cNvPr>
+          <p:cNvSpPr>
+            <a:spLocks noGrp="1"/>
+          </p:cNvSpPr>
+          <p:nvPr>
+            <p:ph type="title"/>
+          </p:nvPr>
+        </p:nvSpPr>
+        <p:spPr>
+          <a:xfrm>
+            <a:off x="1649184" y="744220"/>
+            <a:ext cx="3780067" cy="763526"/>
+          </a:xfrm>
+        </p:spPr>
+        <p:txBody>
+          <a:bodyPr/>
+          <a:lstStyle/>
+          <a:p>
+            <a:r>
+              <a:rPr lang="en-US" b="1" dirty="0"/>
+              <a:t>QUESTION:</a:t>
+            </a:r>
+          </a:p>
+        </p:txBody>
+      </p:sp>
+      <p:pic>
+        <p:nvPicPr>
+          <p:cNvPr id="5" name="Content Placeholder 4" descr="Question Zutto">
+            <a:extLst>
+              <a:ext uri="{FF2B5EF4-FFF2-40B4-BE49-F238E27FC236}">
+                <a16:creationId xmlns:a16="http://schemas.microsoft.com/office/drawing/2014/main" id="{F817B647-C56B-4A76-D6DC-1BFF74D29B95}"/>
+              </a:ext>
+            </a:extLst>
+          </p:cNvPr>
+          <p:cNvPicPr>
+            <a:picLocks noGrp="1" noChangeAspect="1"/>
+          </p:cNvPicPr>
+          <p:nvPr>
+            <p:ph idx="1"/>
+          </p:nvPr>
+        </p:nvPicPr>
+        <p:blipFill>
+          <a:blip r:embed="rId2">
+            <a:extLst>
+              <a:ext uri="{28A0092B-C50C-407E-A947-70E740481C1C}">
+                <a14:useLocalDpi xmlns:a14="http://schemas.microsoft.com/office/drawing/2010/main" val="0"/>
+              </a:ext>
+            </a:extLst>
+          </a:blip>
+          <a:stretch>
+            <a:fillRect/>
+          </a:stretch>
+        </p:blipFill>
+        <p:spPr>
+          <a:xfrm>
+            <a:off x="-302191" y="128588"/>
+            <a:ext cx="3163887" cy="3163887"/>
+          </a:xfrm>
+        </p:spPr>
+      </p:pic>
+      <p:sp>
+        <p:nvSpPr>
+          <p:cNvPr id="6" name="TextBox 5">
+            <a:extLst>
+              <a:ext uri="{FF2B5EF4-FFF2-40B4-BE49-F238E27FC236}">
+                <a16:creationId xmlns:a16="http://schemas.microsoft.com/office/drawing/2014/main" id="{4A64751C-293E-0D5B-693F-30AEF0EC5E4B}"/>
+              </a:ext>
+            </a:extLst>
+          </p:cNvPr>
+          <p:cNvSpPr txBox="1"/>
+          <p:nvPr/>
+        </p:nvSpPr>
+        <p:spPr>
+          <a:xfrm>
+            <a:off x="3118758" y="1507746"/>
+            <a:ext cx="5110842" cy="830997"/>
+          </a:xfrm>
+          <a:prstGeom prst="rect">
+            <a:avLst/>
+          </a:prstGeom>
+          <a:noFill/>
+        </p:spPr>
+        <p:txBody>
+          <a:bodyPr wrap="square" rtlCol="0">
+            <a:spAutoFit/>
+          </a:bodyPr>
+          <a:lstStyle/>
+          <a:p>
+            <a:r>
+              <a:rPr lang="en-US" sz="2400" dirty="0">
+                <a:solidFill>
+                  <a:schemeClr val="accent1">
+                    <a:lumMod val="20000"/>
+                    <a:lumOff val="80000"/>
+                  </a:schemeClr>
+                </a:solidFill>
+                <a:latin typeface="Times New Roman" panose="02020603050405020304" pitchFamily="18" charset="0"/>
+                <a:cs typeface="Times New Roman" panose="02020603050405020304" pitchFamily="18" charset="0"/>
+              </a:rPr>
+              <a:t>2. When discussion about the operation on deletion, we have this case:</a:t>
+            </a:r>
+          </a:p>
+        </p:txBody>
+      </p:sp>
+      <p:pic>
+        <p:nvPicPr>
+          <p:cNvPr id="4" name="Picture 3">
+            <a:extLst>
+              <a:ext uri="{FF2B5EF4-FFF2-40B4-BE49-F238E27FC236}">
+                <a16:creationId xmlns:a16="http://schemas.microsoft.com/office/drawing/2014/main" id="{FBEE2635-6EA6-8CA7-665A-D209A13CFE8E}"/>
+              </a:ext>
+            </a:extLst>
+          </p:cNvPr>
+          <p:cNvPicPr>
+            <a:picLocks noChangeAspect="1"/>
+          </p:cNvPicPr>
+          <p:nvPr/>
+        </p:nvPicPr>
+        <p:blipFill>
+          <a:blip r:embed="rId3"/>
+          <a:stretch>
+            <a:fillRect/>
+          </a:stretch>
+        </p:blipFill>
+        <p:spPr>
+          <a:xfrm>
+            <a:off x="2774662" y="2378390"/>
+            <a:ext cx="5607338" cy="1257365"/>
+          </a:xfrm>
+          <a:prstGeom prst="rect">
+            <a:avLst/>
+          </a:prstGeom>
+        </p:spPr>
+      </p:pic>
+      <p:sp>
+        <p:nvSpPr>
+          <p:cNvPr id="8" name="TextBox 7">
+            <a:extLst>
+              <a:ext uri="{FF2B5EF4-FFF2-40B4-BE49-F238E27FC236}">
+                <a16:creationId xmlns:a16="http://schemas.microsoft.com/office/drawing/2014/main" id="{21ED651D-EF1B-92D3-E1CF-0AF880219377}"/>
+              </a:ext>
+            </a:extLst>
+          </p:cNvPr>
+          <p:cNvSpPr txBox="1"/>
+          <p:nvPr/>
+        </p:nvSpPr>
+        <p:spPr>
+          <a:xfrm>
+            <a:off x="3118758" y="3635755"/>
+            <a:ext cx="5110842" cy="830997"/>
+          </a:xfrm>
+          <a:prstGeom prst="rect">
+            <a:avLst/>
+          </a:prstGeom>
+          <a:noFill/>
+        </p:spPr>
+        <p:txBody>
+          <a:bodyPr wrap="square" rtlCol="0">
+            <a:spAutoFit/>
+          </a:bodyPr>
+          <a:lstStyle/>
+          <a:p>
+            <a:r>
+              <a:rPr lang="en-US" sz="2400" dirty="0">
+                <a:solidFill>
+                  <a:schemeClr val="accent1">
+                    <a:lumMod val="20000"/>
+                    <a:lumOff val="80000"/>
+                  </a:schemeClr>
+                </a:solidFill>
+                <a:latin typeface="Times New Roman" panose="02020603050405020304" pitchFamily="18" charset="0"/>
+                <a:cs typeface="Times New Roman" panose="02020603050405020304" pitchFamily="18" charset="0"/>
+              </a:rPr>
+              <a:t>Then, why after this operation, the B-tree still maintain it’s property?</a:t>
+            </a:r>
+          </a:p>
+        </p:txBody>
+      </p:sp>
+    </p:spTree>
+    <p:extLst>
+      <p:ext uri="{BB962C8B-B14F-4D97-AF65-F5344CB8AC3E}">
+        <p14:creationId xmlns:p14="http://schemas.microsoft.com/office/powerpoint/2010/main" val="2191974740"/>
+      </p:ext>
+    </p:extLst>
+  </p:cSld>
+  <p:clrMapOvr>
+    <a:masterClrMapping/>
+  </p:clrMapOvr>
+</p:sld>
+</file>
+
+<file path=ppt/slides/slide74.xml><?xml version="1.0" encoding="utf-8"?>
+<p:sld xmlns:a="http://schemas.openxmlformats.org/drawingml/2006/main" xmlns:r="http://schemas.openxmlformats.org/officeDocument/2006/relationships" xmlns:p="http://schemas.openxmlformats.org/presentationml/2006/main">
+  <p:cSld>
+    <p:spTree>
+      <p:nvGrpSpPr>
+        <p:cNvPr id="1" name=""/>
+        <p:cNvGrpSpPr/>
+        <p:nvPr/>
+      </p:nvGrpSpPr>
+      <p:grpSpPr>
+        <a:xfrm>
+          <a:off x="0" y="0"/>
+          <a:ext cx="0" cy="0"/>
+          <a:chOff x="0" y="0"/>
+          <a:chExt cx="0" cy="0"/>
+        </a:xfrm>
+      </p:grpSpPr>
+      <p:sp>
+        <p:nvSpPr>
+          <p:cNvPr id="2" name="Title 1">
+            <a:extLst>
+              <a:ext uri="{FF2B5EF4-FFF2-40B4-BE49-F238E27FC236}">
+                <a16:creationId xmlns:a16="http://schemas.microsoft.com/office/drawing/2014/main" id="{71370C23-5084-1EF9-6625-364B96F0A463}"/>
+              </a:ext>
+            </a:extLst>
+          </p:cNvPr>
+          <p:cNvSpPr>
+            <a:spLocks noGrp="1"/>
+          </p:cNvSpPr>
+          <p:nvPr>
+            <p:ph type="title"/>
+          </p:nvPr>
+        </p:nvSpPr>
+        <p:spPr>
+          <a:xfrm>
+            <a:off x="375555" y="365025"/>
+            <a:ext cx="8259098" cy="763526"/>
+          </a:xfrm>
+        </p:spPr>
+        <p:txBody>
+          <a:bodyPr/>
+          <a:lstStyle/>
+          <a:p>
+            <a:r>
+              <a:rPr lang="en-US" dirty="0"/>
+              <a:t>Answer:</a:t>
+            </a:r>
+          </a:p>
+        </p:txBody>
+      </p:sp>
+      <p:sp>
+        <p:nvSpPr>
+          <p:cNvPr id="3" name="Content Placeholder 2">
+            <a:extLst>
+              <a:ext uri="{FF2B5EF4-FFF2-40B4-BE49-F238E27FC236}">
+                <a16:creationId xmlns:a16="http://schemas.microsoft.com/office/drawing/2014/main" id="{0621D58D-44B7-3D79-04A7-B968D5B51DF8}"/>
+              </a:ext>
+            </a:extLst>
+          </p:cNvPr>
+          <p:cNvSpPr>
+            <a:spLocks noGrp="1"/>
+          </p:cNvSpPr>
+          <p:nvPr>
+            <p:ph idx="1"/>
+          </p:nvPr>
+        </p:nvSpPr>
+        <p:spPr>
+          <a:xfrm>
+            <a:off x="463714" y="1128552"/>
+            <a:ext cx="8246070" cy="3649924"/>
+          </a:xfrm>
+        </p:spPr>
+        <p:txBody>
+          <a:bodyPr>
+            <a:normAutofit lnSpcReduction="10000"/>
+          </a:bodyPr>
+          <a:lstStyle/>
+          <a:p>
+            <a:pPr marL="0" indent="0" algn="l">
+              <a:buNone/>
+            </a:pPr>
+            <a:r>
+              <a:rPr lang="en-US" dirty="0">
+                <a:solidFill>
+                  <a:schemeClr val="accent1">
+                    <a:lumMod val="40000"/>
+                    <a:lumOff val="60000"/>
+                  </a:schemeClr>
+                </a:solidFill>
+              </a:rPr>
+              <a:t>We remind a little bit on the property of B-tree:</a:t>
+            </a:r>
+          </a:p>
+          <a:p>
+            <a:pPr algn="l"/>
+            <a:r>
+              <a:rPr lang="en-US" dirty="0">
+                <a:solidFill>
+                  <a:schemeClr val="accent1">
+                    <a:lumMod val="40000"/>
+                    <a:lumOff val="60000"/>
+                  </a:schemeClr>
+                </a:solidFill>
+              </a:rPr>
+              <a:t>A node should have a minimum of m/2 children. </a:t>
+            </a:r>
+          </a:p>
+          <a:p>
+            <a:pPr algn="just"/>
+            <a:r>
+              <a:rPr lang="en-US" dirty="0">
+                <a:solidFill>
+                  <a:schemeClr val="accent1">
+                    <a:lumMod val="40000"/>
+                    <a:lumOff val="60000"/>
+                  </a:schemeClr>
+                </a:solidFill>
+              </a:rPr>
+              <a:t>A node (except root node) should contain a minimum of m/2 - 1 keys.</a:t>
+            </a:r>
+          </a:p>
+          <a:p>
+            <a:pPr marL="0" indent="0" algn="just">
+              <a:buNone/>
+            </a:pPr>
+            <a:r>
+              <a:rPr lang="en-US" dirty="0">
+                <a:solidFill>
+                  <a:schemeClr val="accent1">
+                    <a:lumMod val="40000"/>
+                    <a:lumOff val="60000"/>
+                  </a:schemeClr>
+                </a:solidFill>
+              </a:rPr>
+              <a:t>Therefore , the number of keys and children in the node of a tree is acceptable in this B-tree after merging, beside that, we can check other </a:t>
+            </a:r>
+            <a:r>
+              <a:rPr lang="en-US">
+                <a:solidFill>
+                  <a:schemeClr val="accent1">
+                    <a:lumMod val="40000"/>
+                    <a:lumOff val="60000"/>
+                  </a:schemeClr>
+                </a:solidFill>
+              </a:rPr>
+              <a:t>property and </a:t>
+            </a:r>
+            <a:r>
+              <a:rPr lang="en-US" dirty="0">
+                <a:solidFill>
+                  <a:schemeClr val="accent1">
+                    <a:lumMod val="40000"/>
+                    <a:lumOff val="60000"/>
+                  </a:schemeClr>
+                </a:solidFill>
+              </a:rPr>
+              <a:t>hence the B-tree still maintain it’s property.</a:t>
+            </a:r>
+          </a:p>
+        </p:txBody>
+      </p:sp>
+    </p:spTree>
+    <p:extLst>
+      <p:ext uri="{BB962C8B-B14F-4D97-AF65-F5344CB8AC3E}">
+        <p14:creationId xmlns:p14="http://schemas.microsoft.com/office/powerpoint/2010/main" val="179804849"/>
+      </p:ext>
+    </p:extLst>
+  </p:cSld>
+  <p:clrMapOvr>
+    <a:masterClrMapping/>
+  </p:clrMapOvr>
+</p:sld>
+</file>
+
+<file path=ppt/slides/slide75.xml><?xml version="1.0" encoding="utf-8"?>
 <p:sld xmlns:a="http://schemas.openxmlformats.org/drawingml/2006/main" xmlns:r="http://schemas.openxmlformats.org/officeDocument/2006/relationships" xmlns:p="http://schemas.openxmlformats.org/presentationml/2006/main">
   <p:cSld>
     <p:spTree>

--- a/Seminar.pptx
+++ b/Seminar.pptx
@@ -282,7 +282,7 @@
           <a:p>
             <a:fld id="{C8D18E60-4300-4729-A0D7-6AB984C3922D}" type="datetimeFigureOut">
               <a:rPr lang="en-US" smtClean="0"/>
-              <a:t>7/15/2022</a:t>
+              <a:t>7/16/22</a:t>
             </a:fld>
             <a:endParaRPr lang="en-US"/>
           </a:p>
@@ -593,7 +593,10 @@
           <a:bodyPr/>
           <a:lstStyle/>
           <a:p>
-            <a:endParaRPr lang="en-US" dirty="0"/>
+            <a:r>
+              <a:rPr lang="en-VN" dirty="0"/>
+              <a:t>Ở giai đoạn tách con này, con của một node cha tên y </a:t>
+            </a:r>
           </a:p>
         </p:txBody>
       </p:sp>
@@ -614,7 +617,7 @@
           <a:p>
             <a:fld id="{AF533E96-F078-4B3D-A8F4-F1AF21EBC357}" type="slidenum">
               <a:rPr lang="en-US" smtClean="0"/>
-              <a:t>33</a:t>
+              <a:t>26</a:t>
             </a:fld>
             <a:endParaRPr lang="en-US"/>
           </a:p>
@@ -623,7 +626,7 @@
     </p:spTree>
     <p:extLst>
       <p:ext uri="{BB962C8B-B14F-4D97-AF65-F5344CB8AC3E}">
-        <p14:creationId xmlns:p14="http://schemas.microsoft.com/office/powerpoint/2010/main" val="1469297405"/>
+        <p14:creationId xmlns:p14="http://schemas.microsoft.com/office/powerpoint/2010/main" val="3704001160"/>
       </p:ext>
     </p:extLst>
   </p:cSld>
@@ -698,6 +701,90 @@
           <a:p>
             <a:fld id="{AF533E96-F078-4B3D-A8F4-F1AF21EBC357}" type="slidenum">
               <a:rPr lang="en-US" smtClean="0"/>
+              <a:t>33</a:t>
+            </a:fld>
+            <a:endParaRPr lang="en-US"/>
+          </a:p>
+        </p:txBody>
+      </p:sp>
+    </p:spTree>
+    <p:extLst>
+      <p:ext uri="{BB962C8B-B14F-4D97-AF65-F5344CB8AC3E}">
+        <p14:creationId xmlns:p14="http://schemas.microsoft.com/office/powerpoint/2010/main" val="1469297405"/>
+      </p:ext>
+    </p:extLst>
+  </p:cSld>
+  <p:clrMapOvr>
+    <a:masterClrMapping/>
+  </p:clrMapOvr>
+</p:notes>
+</file>
+
+<file path=ppt/notesSlides/notesSlide3.xml><?xml version="1.0" encoding="utf-8"?>
+<p:notes xmlns:a="http://schemas.openxmlformats.org/drawingml/2006/main" xmlns:r="http://schemas.openxmlformats.org/officeDocument/2006/relationships" xmlns:p="http://schemas.openxmlformats.org/presentationml/2006/main">
+  <p:cSld>
+    <p:spTree>
+      <p:nvGrpSpPr>
+        <p:cNvPr id="1" name=""/>
+        <p:cNvGrpSpPr/>
+        <p:nvPr/>
+      </p:nvGrpSpPr>
+      <p:grpSpPr>
+        <a:xfrm>
+          <a:off x="0" y="0"/>
+          <a:ext cx="0" cy="0"/>
+          <a:chOff x="0" y="0"/>
+          <a:chExt cx="0" cy="0"/>
+        </a:xfrm>
+      </p:grpSpPr>
+      <p:sp>
+        <p:nvSpPr>
+          <p:cNvPr id="2" name="Slide Image Placeholder 1"/>
+          <p:cNvSpPr>
+            <a:spLocks noGrp="1" noRot="1" noChangeAspect="1"/>
+          </p:cNvSpPr>
+          <p:nvPr>
+            <p:ph type="sldImg"/>
+          </p:nvPr>
+        </p:nvSpPr>
+        <p:spPr/>
+      </p:sp>
+      <p:sp>
+        <p:nvSpPr>
+          <p:cNvPr id="3" name="Notes Placeholder 2"/>
+          <p:cNvSpPr>
+            <a:spLocks noGrp="1"/>
+          </p:cNvSpPr>
+          <p:nvPr>
+            <p:ph type="body" idx="1"/>
+          </p:nvPr>
+        </p:nvSpPr>
+        <p:spPr/>
+        <p:txBody>
+          <a:bodyPr/>
+          <a:lstStyle/>
+          <a:p>
+            <a:endParaRPr lang="en-US" dirty="0"/>
+          </a:p>
+        </p:txBody>
+      </p:sp>
+      <p:sp>
+        <p:nvSpPr>
+          <p:cNvPr id="4" name="Slide Number Placeholder 3"/>
+          <p:cNvSpPr>
+            <a:spLocks noGrp="1"/>
+          </p:cNvSpPr>
+          <p:nvPr>
+            <p:ph type="sldNum" sz="quarter" idx="5"/>
+          </p:nvPr>
+        </p:nvSpPr>
+        <p:spPr/>
+        <p:txBody>
+          <a:bodyPr/>
+          <a:lstStyle/>
+          <a:p>
+            <a:fld id="{AF533E96-F078-4B3D-A8F4-F1AF21EBC357}" type="slidenum">
+              <a:rPr lang="en-US" smtClean="0"/>
               <a:t>65</a:t>
             </a:fld>
             <a:endParaRPr lang="en-US"/>
@@ -717,7 +804,7 @@
 </p:notes>
 </file>
 
-<file path=ppt/notesSlides/notesSlide3.xml><?xml version="1.0" encoding="utf-8"?>
+<file path=ppt/notesSlides/notesSlide4.xml><?xml version="1.0" encoding="utf-8"?>
 <p:notes xmlns:a="http://schemas.openxmlformats.org/drawingml/2006/main" xmlns:r="http://schemas.openxmlformats.org/officeDocument/2006/relationships" xmlns:p="http://schemas.openxmlformats.org/presentationml/2006/main">
   <p:cSld>
     <p:spTree>
@@ -1016,7 +1103,7 @@
             <a:fld id="{53074F12-AA26-4AC8-9962-C36BB8F32554}" type="datetimeFigureOut">
               <a:rPr lang="en-US" smtClean="0"/>
               <a:pPr/>
-              <a:t>7/15/2022</a:t>
+              <a:t>7/16/22</a:t>
             </a:fld>
             <a:endParaRPr lang="en-US"/>
           </a:p>
@@ -1270,7 +1357,7 @@
             <a:fld id="{53074F12-AA26-4AC8-9962-C36BB8F32554}" type="datetimeFigureOut">
               <a:rPr lang="en-US" smtClean="0"/>
               <a:pPr/>
-              <a:t>7/15/2022</a:t>
+              <a:t>7/16/22</a:t>
             </a:fld>
             <a:endParaRPr lang="en-US"/>
           </a:p>
@@ -1440,7 +1527,7 @@
             <a:fld id="{53074F12-AA26-4AC8-9962-C36BB8F32554}" type="datetimeFigureOut">
               <a:rPr lang="en-US" smtClean="0"/>
               <a:pPr/>
-              <a:t>7/15/2022</a:t>
+              <a:t>7/16/22</a:t>
             </a:fld>
             <a:endParaRPr lang="en-US"/>
           </a:p>
@@ -1620,7 +1707,7 @@
             <a:fld id="{53074F12-AA26-4AC8-9962-C36BB8F32554}" type="datetimeFigureOut">
               <a:rPr lang="en-US" smtClean="0"/>
               <a:pPr/>
-              <a:t>7/15/2022</a:t>
+              <a:t>7/16/22</a:t>
             </a:fld>
             <a:endParaRPr lang="en-US"/>
           </a:p>
@@ -1905,7 +1992,7 @@
             <a:fld id="{53074F12-AA26-4AC8-9962-C36BB8F32554}" type="datetimeFigureOut">
               <a:rPr lang="en-US" smtClean="0"/>
               <a:pPr/>
-              <a:t>7/15/2022</a:t>
+              <a:t>7/16/22</a:t>
             </a:fld>
             <a:endParaRPr lang="en-US"/>
           </a:p>
@@ -2152,7 +2239,7 @@
             <a:fld id="{53074F12-AA26-4AC8-9962-C36BB8F32554}" type="datetimeFigureOut">
               <a:rPr lang="en-US" smtClean="0"/>
               <a:pPr/>
-              <a:t>7/15/2022</a:t>
+              <a:t>7/16/22</a:t>
             </a:fld>
             <a:endParaRPr lang="en-US"/>
           </a:p>
@@ -2399,7 +2486,7 @@
             <a:fld id="{53074F12-AA26-4AC8-9962-C36BB8F32554}" type="datetimeFigureOut">
               <a:rPr lang="en-US" smtClean="0"/>
               <a:pPr/>
-              <a:t>7/15/2022</a:t>
+              <a:t>7/16/22</a:t>
             </a:fld>
             <a:endParaRPr lang="en-US"/>
           </a:p>
@@ -2686,7 +2773,7 @@
             <a:fld id="{53074F12-AA26-4AC8-9962-C36BB8F32554}" type="datetimeFigureOut">
               <a:rPr lang="en-US" smtClean="0"/>
               <a:pPr/>
-              <a:t>7/15/2022</a:t>
+              <a:t>7/16/22</a:t>
             </a:fld>
             <a:endParaRPr lang="en-US"/>
           </a:p>
@@ -3176,7 +3263,7 @@
             <a:fld id="{53074F12-AA26-4AC8-9962-C36BB8F32554}" type="datetimeFigureOut">
               <a:rPr lang="en-US" smtClean="0"/>
               <a:pPr/>
-              <a:t>7/15/2022</a:t>
+              <a:t>7/16/22</a:t>
             </a:fld>
             <a:endParaRPr lang="en-US"/>
           </a:p>
@@ -3295,7 +3382,7 @@
             <a:fld id="{53074F12-AA26-4AC8-9962-C36BB8F32554}" type="datetimeFigureOut">
               <a:rPr lang="en-US" smtClean="0"/>
               <a:pPr/>
-              <a:t>7/15/2022</a:t>
+              <a:t>7/16/22</a:t>
             </a:fld>
             <a:endParaRPr lang="en-US"/>
           </a:p>
@@ -3392,7 +3479,7 @@
             <a:fld id="{53074F12-AA26-4AC8-9962-C36BB8F32554}" type="datetimeFigureOut">
               <a:rPr lang="en-US" smtClean="0"/>
               <a:pPr/>
-              <a:t>7/15/2022</a:t>
+              <a:t>7/16/22</a:t>
             </a:fld>
             <a:endParaRPr lang="en-US"/>
           </a:p>
@@ -3669,7 +3756,7 @@
             <a:fld id="{53074F12-AA26-4AC8-9962-C36BB8F32554}" type="datetimeFigureOut">
               <a:rPr lang="en-US" smtClean="0"/>
               <a:pPr/>
-              <a:t>7/15/2022</a:t>
+              <a:t>7/16/22</a:t>
             </a:fld>
             <a:endParaRPr lang="en-US"/>
           </a:p>
@@ -3891,7 +3978,7 @@
             <a:fld id="{53074F12-AA26-4AC8-9962-C36BB8F32554}" type="datetimeFigureOut">
               <a:rPr lang="en-US" smtClean="0"/>
               <a:pPr/>
-              <a:t>7/15/2022</a:t>
+              <a:t>7/16/22</a:t>
             </a:fld>
             <a:endParaRPr lang="en-US"/>
           </a:p>
@@ -15836,7 +15923,7 @@
           <p:nvPr/>
         </p:nvPicPr>
         <p:blipFill rotWithShape="1">
-          <a:blip r:embed="rId2"/>
+          <a:blip r:embed="rId3"/>
           <a:srcRect l="1" r="23572"/>
           <a:stretch/>
         </p:blipFill>
@@ -15865,7 +15952,7 @@
         <p:spPr>
           <a:xfrm>
             <a:off x="1453243" y="1166171"/>
-            <a:ext cx="3361825" cy="3251980"/>
+            <a:ext cx="3361825" cy="2933432"/>
           </a:xfrm>
           <a:prstGeom prst="rect">
             <a:avLst/>
@@ -15900,7 +15987,29 @@
                 <a:latin typeface="Times New Roman" panose="02020603050405020304" pitchFamily="18" charset="0"/>
                 <a:ea typeface="Times New Roman" panose="02020603050405020304" pitchFamily="18" charset="0"/>
               </a:rPr>
-              <a:t>In this function, a child of a parent node name </a:t>
+              <a:t>In this function</a:t>
+            </a:r>
+            <a:r>
+              <a:rPr lang="en-US" sz="1800">
+                <a:solidFill>
+                  <a:srgbClr val="212529"/>
+                </a:solidFill>
+                <a:effectLst/>
+                <a:latin typeface="Times New Roman" panose="02020603050405020304" pitchFamily="18" charset="0"/>
+                <a:ea typeface="Times New Roman" panose="02020603050405020304" pitchFamily="18" charset="0"/>
+              </a:rPr>
+              <a:t>, a </a:t>
+            </a:r>
+            <a:r>
+              <a:rPr lang="en-US" sz="1800" dirty="0">
+                <a:solidFill>
+                  <a:srgbClr val="212529"/>
+                </a:solidFill>
+                <a:effectLst/>
+                <a:latin typeface="Times New Roman" panose="02020603050405020304" pitchFamily="18" charset="0"/>
+                <a:ea typeface="Times New Roman" panose="02020603050405020304" pitchFamily="18" charset="0"/>
+              </a:rPr>
+              <a:t>node named </a:t>
             </a:r>
             <a:r>
               <a:rPr lang="en-US" sz="1800" b="1" i="1" dirty="0">
@@ -45238,8 +45347,8 @@
           </a:p>
         </p:txBody>
       </p:sp>
-      <mc:AlternateContent xmlns:mc="http://schemas.openxmlformats.org/markup-compatibility/2006">
-        <mc:Choice xmlns:a14="http://schemas.microsoft.com/office/drawing/2010/main" Requires="a14">
+      <mc:AlternateContent xmlns:mc="http://schemas.openxmlformats.org/markup-compatibility/2006" xmlns:a14="http://schemas.microsoft.com/office/drawing/2010/main">
+        <mc:Choice Requires="a14">
           <p:sp>
             <p:nvSpPr>
               <p:cNvPr id="7" name="TextBox 6">
@@ -45268,6 +45377,7 @@
               </a:bodyPr>
               <a:lstStyle/>
               <a:p>
+                <a:pPr/>
                 <a14:m>
                   <m:oMathPara xmlns:m="http://schemas.openxmlformats.org/officeDocument/2006/math">
                     <m:oMathParaPr>
@@ -45392,7 +45502,7 @@
             </p:txBody>
           </p:sp>
         </mc:Choice>
-        <mc:Fallback>
+        <mc:Fallback xmlns="">
           <p:sp>
             <p:nvSpPr>
               <p:cNvPr id="7" name="TextBox 6">

--- a/Seminar.pptx
+++ b/Seminar.pptx
@@ -15987,7 +15987,62 @@
                 <a:latin typeface="Times New Roman" panose="02020603050405020304" pitchFamily="18" charset="0"/>
                 <a:ea typeface="Times New Roman" panose="02020603050405020304" pitchFamily="18" charset="0"/>
               </a:rPr>
-              <a:t>In this function</a:t>
+              <a:t>In this function, a node named </a:t>
+            </a:r>
+            <a:r>
+              <a:rPr lang="en-US" sz="1800" b="1" i="1" dirty="0">
+                <a:solidFill>
+                  <a:srgbClr val="212529"/>
+                </a:solidFill>
+                <a:effectLst/>
+                <a:latin typeface="Times New Roman" panose="02020603050405020304" pitchFamily="18" charset="0"/>
+                <a:ea typeface="Times New Roman" panose="02020603050405020304" pitchFamily="18" charset="0"/>
+              </a:rPr>
+              <a:t>y</a:t>
+            </a:r>
+            <a:r>
+              <a:rPr lang="en-US" sz="1800" dirty="0">
+                <a:solidFill>
+                  <a:srgbClr val="212529"/>
+                </a:solidFill>
+                <a:effectLst/>
+                <a:latin typeface="Times New Roman" panose="02020603050405020304" pitchFamily="18" charset="0"/>
+                <a:ea typeface="Times New Roman" panose="02020603050405020304" pitchFamily="18" charset="0"/>
+              </a:rPr>
+              <a:t> will be split into 2 children, the first child have the keys from the first key to </a:t>
+            </a:r>
+            <a:r>
+              <a:rPr lang="en-US" sz="1800" dirty="0" err="1">
+                <a:solidFill>
+                  <a:srgbClr val="212529"/>
+                </a:solidFill>
+                <a:effectLst/>
+                <a:latin typeface="Times New Roman" panose="02020603050405020304" pitchFamily="18" charset="0"/>
+                <a:ea typeface="Times New Roman" panose="02020603050405020304" pitchFamily="18" charset="0"/>
+              </a:rPr>
+              <a:t>i</a:t>
+            </a:r>
+            <a:r>
+              <a:rPr lang="en-US" sz="1800" baseline="30000" dirty="0" err="1">
+                <a:solidFill>
+                  <a:srgbClr val="212529"/>
+                </a:solidFill>
+                <a:effectLst/>
+                <a:latin typeface="Times New Roman" panose="02020603050405020304" pitchFamily="18" charset="0"/>
+                <a:ea typeface="Times New Roman" panose="02020603050405020304" pitchFamily="18" charset="0"/>
+              </a:rPr>
+              <a:t>th</a:t>
+            </a:r>
+            <a:r>
+              <a:rPr lang="en-US" sz="1800" dirty="0">
+                <a:solidFill>
+                  <a:srgbClr val="212529"/>
+                </a:solidFill>
+                <a:effectLst/>
+                <a:latin typeface="Times New Roman" panose="02020603050405020304" pitchFamily="18" charset="0"/>
+                <a:ea typeface="Times New Roman" panose="02020603050405020304" pitchFamily="18" charset="0"/>
+              </a:rPr>
+              <a:t> key of </a:t>
             </a:r>
             <a:r>
               <a:rPr lang="en-US" sz="1800">
@@ -15998,7 +16053,7 @@
                 <a:latin typeface="Times New Roman" panose="02020603050405020304" pitchFamily="18" charset="0"/>
                 <a:ea typeface="Times New Roman" panose="02020603050405020304" pitchFamily="18" charset="0"/>
               </a:rPr>
-              <a:t>, a </a:t>
+              <a:t>the previous node, </a:t>
             </a:r>
             <a:r>
               <a:rPr lang="en-US" sz="1800" dirty="0">
@@ -16009,62 +16064,7 @@
                 <a:latin typeface="Times New Roman" panose="02020603050405020304" pitchFamily="18" charset="0"/>
                 <a:ea typeface="Times New Roman" panose="02020603050405020304" pitchFamily="18" charset="0"/>
               </a:rPr>
-              <a:t>node named </a:t>
-            </a:r>
-            <a:r>
-              <a:rPr lang="en-US" sz="1800" b="1" i="1" dirty="0">
-                <a:solidFill>
-                  <a:srgbClr val="212529"/>
-                </a:solidFill>
-                <a:effectLst/>
-                <a:latin typeface="Times New Roman" panose="02020603050405020304" pitchFamily="18" charset="0"/>
-                <a:ea typeface="Times New Roman" panose="02020603050405020304" pitchFamily="18" charset="0"/>
-              </a:rPr>
-              <a:t>y</a:t>
-            </a:r>
-            <a:r>
-              <a:rPr lang="en-US" sz="1800" dirty="0">
-                <a:solidFill>
-                  <a:srgbClr val="212529"/>
-                </a:solidFill>
-                <a:effectLst/>
-                <a:latin typeface="Times New Roman" panose="02020603050405020304" pitchFamily="18" charset="0"/>
-                <a:ea typeface="Times New Roman" panose="02020603050405020304" pitchFamily="18" charset="0"/>
-              </a:rPr>
-              <a:t> will be split out to 2 children, the first child have the keys from the first key to </a:t>
-            </a:r>
-            <a:r>
-              <a:rPr lang="en-US" sz="1800" dirty="0" err="1">
-                <a:solidFill>
-                  <a:srgbClr val="212529"/>
-                </a:solidFill>
-                <a:effectLst/>
-                <a:latin typeface="Times New Roman" panose="02020603050405020304" pitchFamily="18" charset="0"/>
-                <a:ea typeface="Times New Roman" panose="02020603050405020304" pitchFamily="18" charset="0"/>
-              </a:rPr>
-              <a:t>i</a:t>
-            </a:r>
-            <a:r>
-              <a:rPr lang="en-US" sz="1800" baseline="30000" dirty="0" err="1">
-                <a:solidFill>
-                  <a:srgbClr val="212529"/>
-                </a:solidFill>
-                <a:effectLst/>
-                <a:latin typeface="Times New Roman" panose="02020603050405020304" pitchFamily="18" charset="0"/>
-                <a:ea typeface="Times New Roman" panose="02020603050405020304" pitchFamily="18" charset="0"/>
-              </a:rPr>
-              <a:t>th</a:t>
-            </a:r>
-            <a:r>
-              <a:rPr lang="en-US" sz="1800" dirty="0">
-                <a:solidFill>
-                  <a:srgbClr val="212529"/>
-                </a:solidFill>
-                <a:effectLst/>
-                <a:latin typeface="Times New Roman" panose="02020603050405020304" pitchFamily="18" charset="0"/>
-                <a:ea typeface="Times New Roman" panose="02020603050405020304" pitchFamily="18" charset="0"/>
-              </a:rPr>
-              <a:t> key of the previous child, and the remaining child will have the other keys, and them both connect to the parent of node </a:t>
+              <a:t>and the remaining child will have the other keys, and them both connect to the parent of node </a:t>
             </a:r>
             <a:r>
               <a:rPr lang="en-US" sz="1800" b="1" i="1" dirty="0">

--- a/Seminar.pptx
+++ b/Seminar.pptx
@@ -595,7 +595,7 @@
           <a:p>
             <a:r>
               <a:rPr lang="en-VN" dirty="0"/>
-              <a:t>Ở giai đoạn tách con này, con của một node cha tên y </a:t>
+              <a:t>Đây là hàm tách ra 2 con từ một node.</a:t>
             </a:r>
           </a:p>
         </p:txBody>
@@ -16042,7 +16042,50 @@
                 <a:latin typeface="Times New Roman" panose="02020603050405020304" pitchFamily="18" charset="0"/>
                 <a:ea typeface="Times New Roman" panose="02020603050405020304" pitchFamily="18" charset="0"/>
               </a:rPr>
-              <a:t> key of </a:t>
+              <a:t> key of the parent node </a:t>
+            </a:r>
+            <a:r>
+              <a:rPr lang="en-US" sz="1800" b="1" i="1" dirty="0">
+                <a:solidFill>
+                  <a:srgbClr val="212529"/>
+                </a:solidFill>
+                <a:effectLst/>
+                <a:latin typeface="Times New Roman" panose="02020603050405020304" pitchFamily="18" charset="0"/>
+                <a:ea typeface="Times New Roman" panose="02020603050405020304" pitchFamily="18" charset="0"/>
+              </a:rPr>
+              <a:t>y</a:t>
+            </a:r>
+            <a:r>
+              <a:rPr lang="en-US" sz="1800" dirty="0">
+                <a:solidFill>
+                  <a:srgbClr val="212529"/>
+                </a:solidFill>
+                <a:effectLst/>
+                <a:latin typeface="Times New Roman" panose="02020603050405020304" pitchFamily="18" charset="0"/>
+                <a:ea typeface="Times New Roman" panose="02020603050405020304" pitchFamily="18" charset="0"/>
+              </a:rPr>
+              <a:t>, and the second child will have the rest </a:t>
+            </a:r>
+            <a:r>
+              <a:rPr lang="en-US" dirty="0">
+                <a:solidFill>
+                  <a:srgbClr val="212529"/>
+                </a:solidFill>
+                <a:latin typeface="Times New Roman" panose="02020603050405020304" pitchFamily="18" charset="0"/>
+                <a:ea typeface="Times New Roman" panose="02020603050405020304" pitchFamily="18" charset="0"/>
+              </a:rPr>
+              <a:t>of the keys</a:t>
+            </a:r>
+            <a:r>
+              <a:rPr lang="en-US" sz="1800" dirty="0">
+                <a:solidFill>
+                  <a:srgbClr val="212529"/>
+                </a:solidFill>
+                <a:effectLst/>
+                <a:latin typeface="Times New Roman" panose="02020603050405020304" pitchFamily="18" charset="0"/>
+                <a:ea typeface="Times New Roman" panose="02020603050405020304" pitchFamily="18" charset="0"/>
+              </a:rPr>
+              <a:t>, and </a:t>
             </a:r>
             <a:r>
               <a:rPr lang="en-US" sz="1800">
@@ -16053,7 +16096,7 @@
                 <a:latin typeface="Times New Roman" panose="02020603050405020304" pitchFamily="18" charset="0"/>
                 <a:ea typeface="Times New Roman" panose="02020603050405020304" pitchFamily="18" charset="0"/>
               </a:rPr>
-              <a:t>the previous node, </a:t>
+              <a:t>they will </a:t>
             </a:r>
             <a:r>
               <a:rPr lang="en-US" sz="1800" dirty="0">
@@ -16064,7 +16107,7 @@
                 <a:latin typeface="Times New Roman" panose="02020603050405020304" pitchFamily="18" charset="0"/>
                 <a:ea typeface="Times New Roman" panose="02020603050405020304" pitchFamily="18" charset="0"/>
               </a:rPr>
-              <a:t>and the remaining child will have the other keys, and them both connect to the parent of node </a:t>
+              <a:t>both connect to the parent of node </a:t>
             </a:r>
             <a:r>
               <a:rPr lang="en-US" sz="1800" b="1" i="1" dirty="0">

--- a/Seminar.pptx
+++ b/Seminar.pptx
@@ -16085,29 +16085,7 @@
                 <a:latin typeface="Times New Roman" panose="02020603050405020304" pitchFamily="18" charset="0"/>
                 <a:ea typeface="Times New Roman" panose="02020603050405020304" pitchFamily="18" charset="0"/>
               </a:rPr>
-              <a:t>, and </a:t>
-            </a:r>
-            <a:r>
-              <a:rPr lang="en-US" sz="1800">
-                <a:solidFill>
-                  <a:srgbClr val="212529"/>
-                </a:solidFill>
-                <a:effectLst/>
-                <a:latin typeface="Times New Roman" panose="02020603050405020304" pitchFamily="18" charset="0"/>
-                <a:ea typeface="Times New Roman" panose="02020603050405020304" pitchFamily="18" charset="0"/>
-              </a:rPr>
-              <a:t>they will </a:t>
-            </a:r>
-            <a:r>
-              <a:rPr lang="en-US" sz="1800" dirty="0">
-                <a:solidFill>
-                  <a:srgbClr val="212529"/>
-                </a:solidFill>
-                <a:effectLst/>
-                <a:latin typeface="Times New Roman" panose="02020603050405020304" pitchFamily="18" charset="0"/>
-                <a:ea typeface="Times New Roman" panose="02020603050405020304" pitchFamily="18" charset="0"/>
-              </a:rPr>
-              <a:t>both connect to the parent of node </a:t>
+              <a:t>, and they will both connect to the parent of node </a:t>
             </a:r>
             <a:r>
               <a:rPr lang="en-US" sz="1800" b="1" i="1" dirty="0">
@@ -18226,8 +18204,8 @@
         </p:nvSpPr>
         <p:spPr>
           <a:xfrm>
-            <a:off x="1326546" y="771915"/>
-            <a:ext cx="7927521" cy="4275667"/>
+            <a:off x="1698171" y="771915"/>
+            <a:ext cx="7555896" cy="4275667"/>
           </a:xfrm>
         </p:spPr>
         <p:txBody>
@@ -18250,7 +18228,7 @@
               <a:buChar char=""/>
             </a:pPr>
             <a:r>
-              <a:rPr lang="en-US" sz="2400" dirty="0">
+              <a:rPr lang="en-US" sz="2000" b="1" dirty="0">
                 <a:solidFill>
                   <a:srgbClr val="000000"/>
                 </a:solidFill>
@@ -18260,7 +18238,67 @@
               </a:rPr>
               <a:t>If the tree is empty, allocate a root node and insert the key.</a:t>
             </a:r>
-            <a:endParaRPr lang="en-US" sz="2400" dirty="0">
+            <a:endParaRPr lang="en-US" sz="2000" b="1" dirty="0">
+              <a:effectLst/>
+              <a:latin typeface="Arial" panose="020B0604020202020204" pitchFamily="34" charset="0"/>
+              <a:ea typeface="Arial" panose="020B0604020202020204" pitchFamily="34" charset="0"/>
+            </a:endParaRPr>
+          </a:p>
+          <a:p>
+            <a:pPr marL="0" marR="0" lvl="0" indent="0">
+              <a:lnSpc>
+                <a:spcPts val="2250"/>
+              </a:lnSpc>
+              <a:spcBef>
+                <a:spcPts val="0"/>
+              </a:spcBef>
+              <a:spcAft>
+                <a:spcPts val="900"/>
+              </a:spcAft>
+              <a:buNone/>
+            </a:pPr>
+            <a:r>
+              <a:rPr lang="en-US" sz="2000" dirty="0">
+                <a:solidFill>
+                  <a:srgbClr val="000000"/>
+                </a:solidFill>
+                <a:effectLst/>
+                <a:latin typeface="Times New Roman" panose="02020603050405020304" pitchFamily="18" charset="0"/>
+                <a:ea typeface="Times New Roman" panose="02020603050405020304" pitchFamily="18" charset="0"/>
+              </a:rPr>
+              <a:t>Update the allowed number of keys in the node.</a:t>
+            </a:r>
+            <a:endParaRPr lang="en-US" sz="2000" dirty="0">
+              <a:effectLst/>
+              <a:latin typeface="Arial" panose="020B0604020202020204" pitchFamily="34" charset="0"/>
+              <a:ea typeface="Arial" panose="020B0604020202020204" pitchFamily="34" charset="0"/>
+            </a:endParaRPr>
+          </a:p>
+          <a:p>
+            <a:pPr marL="0" marR="0" lvl="0" indent="0">
+              <a:lnSpc>
+                <a:spcPts val="2250"/>
+              </a:lnSpc>
+              <a:spcBef>
+                <a:spcPts val="0"/>
+              </a:spcBef>
+              <a:spcAft>
+                <a:spcPts val="900"/>
+              </a:spcAft>
+              <a:buNone/>
+            </a:pPr>
+            <a:r>
+              <a:rPr lang="en-US" sz="2000" dirty="0">
+                <a:solidFill>
+                  <a:srgbClr val="000000"/>
+                </a:solidFill>
+                <a:effectLst/>
+                <a:latin typeface="Times New Roman" panose="02020603050405020304" pitchFamily="18" charset="0"/>
+                <a:ea typeface="Times New Roman" panose="02020603050405020304" pitchFamily="18" charset="0"/>
+              </a:rPr>
+              <a:t>Search the appropriate node for insertion.</a:t>
+            </a:r>
+            <a:endParaRPr lang="en-US" sz="2000" dirty="0">
               <a:effectLst/>
               <a:latin typeface="Arial" panose="020B0604020202020204" pitchFamily="34" charset="0"/>
               <a:ea typeface="Arial" panose="020B0604020202020204" pitchFamily="34" charset="0"/>
@@ -18281,7 +18319,7 @@
               <a:buChar char=""/>
             </a:pPr>
             <a:r>
-              <a:rPr lang="en-US" sz="2400" dirty="0">
+              <a:rPr lang="en-US" sz="2000" b="1" dirty="0">
                 <a:solidFill>
                   <a:srgbClr val="000000"/>
                 </a:solidFill>
@@ -18289,9 +18327,99 @@
                 <a:latin typeface="Times New Roman" panose="02020603050405020304" pitchFamily="18" charset="0"/>
                 <a:ea typeface="Times New Roman" panose="02020603050405020304" pitchFamily="18" charset="0"/>
               </a:rPr>
-              <a:t>Update the allowed number of keys in the node.</a:t>
-            </a:r>
-            <a:endParaRPr lang="en-US" sz="2400" dirty="0">
+              <a:t>If the node is full, follow the steps below.</a:t>
+            </a:r>
+            <a:endParaRPr lang="en-US" sz="2000" b="1" dirty="0">
+              <a:effectLst/>
+              <a:latin typeface="Arial" panose="020B0604020202020204" pitchFamily="34" charset="0"/>
+              <a:ea typeface="Arial" panose="020B0604020202020204" pitchFamily="34" charset="0"/>
+            </a:endParaRPr>
+          </a:p>
+          <a:p>
+            <a:pPr marL="0" marR="0" lvl="0" indent="0">
+              <a:lnSpc>
+                <a:spcPts val="2250"/>
+              </a:lnSpc>
+              <a:spcBef>
+                <a:spcPts val="0"/>
+              </a:spcBef>
+              <a:spcAft>
+                <a:spcPts val="900"/>
+              </a:spcAft>
+              <a:buNone/>
+            </a:pPr>
+            <a:r>
+              <a:rPr lang="en-US" sz="2000" dirty="0">
+                <a:solidFill>
+                  <a:srgbClr val="000000"/>
+                </a:solidFill>
+                <a:effectLst/>
+                <a:latin typeface="Times New Roman" panose="02020603050405020304" pitchFamily="18" charset="0"/>
+                <a:ea typeface="Times New Roman" panose="02020603050405020304" pitchFamily="18" charset="0"/>
+              </a:rPr>
+              <a:t>Insert the elements in increasing order.</a:t>
+            </a:r>
+            <a:endParaRPr lang="en-US" sz="2000" dirty="0">
+              <a:effectLst/>
+              <a:latin typeface="Arial" panose="020B0604020202020204" pitchFamily="34" charset="0"/>
+              <a:ea typeface="Arial" panose="020B0604020202020204" pitchFamily="34" charset="0"/>
+            </a:endParaRPr>
+          </a:p>
+          <a:p>
+            <a:pPr marL="0" marR="0" lvl="0" indent="0">
+              <a:lnSpc>
+                <a:spcPts val="2250"/>
+              </a:lnSpc>
+              <a:spcBef>
+                <a:spcPts val="0"/>
+              </a:spcBef>
+              <a:spcAft>
+                <a:spcPts val="900"/>
+              </a:spcAft>
+              <a:buNone/>
+            </a:pPr>
+            <a:r>
+              <a:rPr lang="en-US" sz="2000" dirty="0">
+                <a:solidFill>
+                  <a:srgbClr val="000000"/>
+                </a:solidFill>
+                <a:effectLst/>
+                <a:latin typeface="Times New Roman" panose="02020603050405020304" pitchFamily="18" charset="0"/>
+                <a:ea typeface="Times New Roman" panose="02020603050405020304" pitchFamily="18" charset="0"/>
+              </a:rPr>
+              <a:t>Now, there are elements greater than its limit. So, split at the median.</a:t>
+            </a:r>
+            <a:endParaRPr lang="en-US" sz="2000" dirty="0">
+              <a:effectLst/>
+              <a:latin typeface="Arial" panose="020B0604020202020204" pitchFamily="34" charset="0"/>
+              <a:ea typeface="Arial" panose="020B0604020202020204" pitchFamily="34" charset="0"/>
+            </a:endParaRPr>
+          </a:p>
+          <a:p>
+            <a:pPr marL="0" marR="0" lvl="0" indent="0">
+              <a:lnSpc>
+                <a:spcPts val="2250"/>
+              </a:lnSpc>
+              <a:spcBef>
+                <a:spcPts val="0"/>
+              </a:spcBef>
+              <a:spcAft>
+                <a:spcPts val="900"/>
+              </a:spcAft>
+              <a:buNone/>
+            </a:pPr>
+            <a:r>
+              <a:rPr lang="en-US" sz="2000" dirty="0">
+                <a:solidFill>
+                  <a:srgbClr val="000000"/>
+                </a:solidFill>
+                <a:effectLst/>
+                <a:latin typeface="Times New Roman" panose="02020603050405020304" pitchFamily="18" charset="0"/>
+                <a:ea typeface="Times New Roman" panose="02020603050405020304" pitchFamily="18" charset="0"/>
+              </a:rPr>
+              <a:t>Push the median key upwards and make the left keys as a left child and the right keys as a right child.</a:t>
+            </a:r>
+            <a:endParaRPr lang="en-US" sz="2000" dirty="0">
               <a:effectLst/>
               <a:latin typeface="Arial" panose="020B0604020202020204" pitchFamily="34" charset="0"/>
               <a:ea typeface="Arial" panose="020B0604020202020204" pitchFamily="34" charset="0"/>
@@ -18312,7 +18440,7 @@
               <a:buChar char=""/>
             </a:pPr>
             <a:r>
-              <a:rPr lang="en-US" sz="2400" dirty="0">
+              <a:rPr lang="en-US" sz="2000" b="1" dirty="0">
                 <a:solidFill>
                   <a:srgbClr val="000000"/>
                 </a:solidFill>
@@ -18320,16 +18448,16 @@
                 <a:latin typeface="Times New Roman" panose="02020603050405020304" pitchFamily="18" charset="0"/>
                 <a:ea typeface="Times New Roman" panose="02020603050405020304" pitchFamily="18" charset="0"/>
               </a:rPr>
-              <a:t>Search the appropriate node for insertion.</a:t>
-            </a:r>
-            <a:endParaRPr lang="en-US" sz="2400" dirty="0">
+              <a:t>If the node is not full, follow the steps below.</a:t>
+            </a:r>
+            <a:endParaRPr lang="en-US" sz="2000" b="1" dirty="0">
               <a:effectLst/>
               <a:latin typeface="Arial" panose="020B0604020202020204" pitchFamily="34" charset="0"/>
               <a:ea typeface="Arial" panose="020B0604020202020204" pitchFamily="34" charset="0"/>
             </a:endParaRPr>
           </a:p>
           <a:p>
-            <a:pPr marL="342900" marR="0" lvl="0" indent="-342900">
+            <a:pPr marL="0" marR="0" lvl="0" indent="0">
               <a:lnSpc>
                 <a:spcPts val="2250"/>
               </a:lnSpc>
@@ -18339,11 +18467,10 @@
               <a:spcAft>
                 <a:spcPts val="900"/>
               </a:spcAft>
-              <a:buFont typeface="Symbol" panose="05050102010706020507" pitchFamily="18" charset="2"/>
-              <a:buChar char=""/>
+              <a:buNone/>
             </a:pPr>
             <a:r>
-              <a:rPr lang="en-US" sz="2400" dirty="0">
+              <a:rPr lang="en-US" sz="2000" dirty="0">
                 <a:solidFill>
                   <a:srgbClr val="000000"/>
                 </a:solidFill>
@@ -18351,164 +18478,9 @@
                 <a:latin typeface="Times New Roman" panose="02020603050405020304" pitchFamily="18" charset="0"/>
                 <a:ea typeface="Times New Roman" panose="02020603050405020304" pitchFamily="18" charset="0"/>
               </a:rPr>
-              <a:t>If the node is full, follow the steps below.</a:t>
-            </a:r>
-            <a:endParaRPr lang="en-US" sz="2400" dirty="0">
-              <a:effectLst/>
-              <a:latin typeface="Arial" panose="020B0604020202020204" pitchFamily="34" charset="0"/>
-              <a:ea typeface="Arial" panose="020B0604020202020204" pitchFamily="34" charset="0"/>
-            </a:endParaRPr>
-          </a:p>
-          <a:p>
-            <a:pPr marL="342900" marR="0" lvl="0" indent="-342900">
-              <a:lnSpc>
-                <a:spcPts val="2250"/>
-              </a:lnSpc>
-              <a:spcBef>
-                <a:spcPts val="0"/>
-              </a:spcBef>
-              <a:spcAft>
-                <a:spcPts val="900"/>
-              </a:spcAft>
-              <a:buFont typeface="Symbol" panose="05050102010706020507" pitchFamily="18" charset="2"/>
-              <a:buChar char=""/>
-            </a:pPr>
-            <a:r>
-              <a:rPr lang="en-US" sz="2400" dirty="0">
-                <a:solidFill>
-                  <a:srgbClr val="000000"/>
-                </a:solidFill>
-                <a:effectLst/>
-                <a:latin typeface="Times New Roman" panose="02020603050405020304" pitchFamily="18" charset="0"/>
-                <a:ea typeface="Times New Roman" panose="02020603050405020304" pitchFamily="18" charset="0"/>
-              </a:rPr>
-              <a:t>Insert the elements in increasing order.</a:t>
-            </a:r>
-            <a:endParaRPr lang="en-US" sz="2400" dirty="0">
-              <a:effectLst/>
-              <a:latin typeface="Arial" panose="020B0604020202020204" pitchFamily="34" charset="0"/>
-              <a:ea typeface="Arial" panose="020B0604020202020204" pitchFamily="34" charset="0"/>
-            </a:endParaRPr>
-          </a:p>
-          <a:p>
-            <a:pPr marL="342900" marR="0" lvl="0" indent="-342900">
-              <a:lnSpc>
-                <a:spcPts val="2250"/>
-              </a:lnSpc>
-              <a:spcBef>
-                <a:spcPts val="0"/>
-              </a:spcBef>
-              <a:spcAft>
-                <a:spcPts val="900"/>
-              </a:spcAft>
-              <a:buFont typeface="Symbol" panose="05050102010706020507" pitchFamily="18" charset="2"/>
-              <a:buChar char=""/>
-            </a:pPr>
-            <a:r>
-              <a:rPr lang="en-US" sz="2400" dirty="0">
-                <a:solidFill>
-                  <a:srgbClr val="000000"/>
-                </a:solidFill>
-                <a:effectLst/>
-                <a:latin typeface="Times New Roman" panose="02020603050405020304" pitchFamily="18" charset="0"/>
-                <a:ea typeface="Times New Roman" panose="02020603050405020304" pitchFamily="18" charset="0"/>
-              </a:rPr>
-              <a:t>Now, there are elements greater than its limit. So, split at the median.</a:t>
-            </a:r>
-            <a:endParaRPr lang="en-US" sz="2400" dirty="0">
-              <a:effectLst/>
-              <a:latin typeface="Arial" panose="020B0604020202020204" pitchFamily="34" charset="0"/>
-              <a:ea typeface="Arial" panose="020B0604020202020204" pitchFamily="34" charset="0"/>
-            </a:endParaRPr>
-          </a:p>
-          <a:p>
-            <a:pPr marL="342900" marR="0" lvl="0" indent="-342900">
-              <a:lnSpc>
-                <a:spcPts val="2250"/>
-              </a:lnSpc>
-              <a:spcBef>
-                <a:spcPts val="0"/>
-              </a:spcBef>
-              <a:spcAft>
-                <a:spcPts val="900"/>
-              </a:spcAft>
-              <a:buFont typeface="Symbol" panose="05050102010706020507" pitchFamily="18" charset="2"/>
-              <a:buChar char=""/>
-            </a:pPr>
-            <a:r>
-              <a:rPr lang="en-US" sz="2400" dirty="0">
-                <a:solidFill>
-                  <a:srgbClr val="000000"/>
-                </a:solidFill>
-                <a:effectLst/>
-                <a:latin typeface="Times New Roman" panose="02020603050405020304" pitchFamily="18" charset="0"/>
-                <a:ea typeface="Times New Roman" panose="02020603050405020304" pitchFamily="18" charset="0"/>
-              </a:rPr>
-              <a:t>Push the median key upwards and make the left keys as a left child and the right keys as a right child.</a:t>
-            </a:r>
-            <a:endParaRPr lang="en-US" sz="2400" dirty="0">
-              <a:effectLst/>
-              <a:latin typeface="Arial" panose="020B0604020202020204" pitchFamily="34" charset="0"/>
-              <a:ea typeface="Arial" panose="020B0604020202020204" pitchFamily="34" charset="0"/>
-            </a:endParaRPr>
-          </a:p>
-          <a:p>
-            <a:pPr marL="342900" marR="0" lvl="0" indent="-342900">
-              <a:lnSpc>
-                <a:spcPts val="2250"/>
-              </a:lnSpc>
-              <a:spcBef>
-                <a:spcPts val="0"/>
-              </a:spcBef>
-              <a:spcAft>
-                <a:spcPts val="900"/>
-              </a:spcAft>
-              <a:buFont typeface="Symbol" panose="05050102010706020507" pitchFamily="18" charset="2"/>
-              <a:buChar char=""/>
-            </a:pPr>
-            <a:r>
-              <a:rPr lang="en-US" sz="2400" dirty="0">
-                <a:solidFill>
-                  <a:srgbClr val="000000"/>
-                </a:solidFill>
-                <a:effectLst/>
-                <a:latin typeface="Times New Roman" panose="02020603050405020304" pitchFamily="18" charset="0"/>
-                <a:ea typeface="Times New Roman" panose="02020603050405020304" pitchFamily="18" charset="0"/>
-              </a:rPr>
-              <a:t>If the node is not full, follow the steps below.</a:t>
-            </a:r>
-            <a:endParaRPr lang="en-US" sz="2400" dirty="0">
-              <a:effectLst/>
-              <a:latin typeface="Arial" panose="020B0604020202020204" pitchFamily="34" charset="0"/>
-              <a:ea typeface="Arial" panose="020B0604020202020204" pitchFamily="34" charset="0"/>
-            </a:endParaRPr>
-          </a:p>
-          <a:p>
-            <a:pPr marL="342900" marR="0" lvl="0" indent="-342900">
-              <a:lnSpc>
-                <a:spcPts val="2250"/>
-              </a:lnSpc>
-              <a:spcBef>
-                <a:spcPts val="0"/>
-              </a:spcBef>
-              <a:spcAft>
-                <a:spcPts val="900"/>
-              </a:spcAft>
-              <a:buFont typeface="Symbol" panose="05050102010706020507" pitchFamily="18" charset="2"/>
-              <a:buChar char=""/>
-            </a:pPr>
-            <a:r>
-              <a:rPr lang="en-US" sz="2400" dirty="0">
-                <a:solidFill>
-                  <a:srgbClr val="000000"/>
-                </a:solidFill>
-                <a:effectLst/>
-                <a:latin typeface="Times New Roman" panose="02020603050405020304" pitchFamily="18" charset="0"/>
-                <a:ea typeface="Times New Roman" panose="02020603050405020304" pitchFamily="18" charset="0"/>
-              </a:rPr>
               <a:t>Insert the node in increasing order.</a:t>
             </a:r>
-            <a:endParaRPr lang="en-US" sz="2400" dirty="0">
+            <a:endParaRPr lang="en-US" sz="2000" dirty="0">
               <a:effectLst/>
               <a:latin typeface="Arial" panose="020B0604020202020204" pitchFamily="34" charset="0"/>
               <a:ea typeface="Arial" panose="020B0604020202020204" pitchFamily="34" charset="0"/>

--- a/Seminar.pptx
+++ b/Seminar.pptx
@@ -18266,7 +18266,7 @@
                 <a:latin typeface="Times New Roman" panose="02020603050405020304" pitchFamily="18" charset="0"/>
                 <a:ea typeface="Times New Roman" panose="02020603050405020304" pitchFamily="18" charset="0"/>
               </a:rPr>
-              <a:t>Update the allowed number of keys in the node.</a:t>
+              <a:t>1. Update the allowed number of keys in the node.</a:t>
             </a:r>
             <a:endParaRPr lang="en-US" sz="2000" dirty="0">
               <a:effectLst/>
@@ -18296,7 +18296,7 @@
                 <a:latin typeface="Times New Roman" panose="02020603050405020304" pitchFamily="18" charset="0"/>
                 <a:ea typeface="Times New Roman" panose="02020603050405020304" pitchFamily="18" charset="0"/>
               </a:rPr>
-              <a:t>Search the appropriate node for insertion.</a:t>
+              <a:t>2. Search the appropriate node for insertion.</a:t>
             </a:r>
             <a:endParaRPr lang="en-US" sz="2000" dirty="0">
               <a:effectLst/>
@@ -18357,7 +18357,7 @@
                 <a:latin typeface="Times New Roman" panose="02020603050405020304" pitchFamily="18" charset="0"/>
                 <a:ea typeface="Times New Roman" panose="02020603050405020304" pitchFamily="18" charset="0"/>
               </a:rPr>
-              <a:t>Insert the elements in increasing order.</a:t>
+              <a:t>1. Insert the elements in increasing order.</a:t>
             </a:r>
             <a:endParaRPr lang="en-US" sz="2000" dirty="0">
               <a:effectLst/>
@@ -18387,7 +18387,7 @@
                 <a:latin typeface="Times New Roman" panose="02020603050405020304" pitchFamily="18" charset="0"/>
                 <a:ea typeface="Times New Roman" panose="02020603050405020304" pitchFamily="18" charset="0"/>
               </a:rPr>
-              <a:t>Now, there are elements greater than its limit. So, split at the median.</a:t>
+              <a:t>2. Now, there are elements greater than its limit. So, split at the median.</a:t>
             </a:r>
             <a:endParaRPr lang="en-US" sz="2000" dirty="0">
               <a:effectLst/>
@@ -18409,6 +18409,17 @@
               <a:buNone/>
             </a:pPr>
             <a:r>
+              <a:rPr lang="en-US" sz="2000">
+                <a:solidFill>
+                  <a:srgbClr val="000000"/>
+                </a:solidFill>
+                <a:effectLst/>
+                <a:latin typeface="Times New Roman" panose="02020603050405020304" pitchFamily="18" charset="0"/>
+                <a:ea typeface="Times New Roman" panose="02020603050405020304" pitchFamily="18" charset="0"/>
+              </a:rPr>
+              <a:t>3. Push </a:t>
+            </a:r>
+            <a:r>
               <a:rPr lang="en-US" sz="2000" dirty="0">
                 <a:solidFill>
                   <a:srgbClr val="000000"/>
@@ -18417,7 +18428,7 @@
                 <a:latin typeface="Times New Roman" panose="02020603050405020304" pitchFamily="18" charset="0"/>
                 <a:ea typeface="Times New Roman" panose="02020603050405020304" pitchFamily="18" charset="0"/>
               </a:rPr>
-              <a:t>Push the median key upwards and make the left keys as a left child and the right keys as a right child.</a:t>
+              <a:t>the median key upwards and make the left keys as a left child and the right keys as a right child.</a:t>
             </a:r>
             <a:endParaRPr lang="en-US" sz="2000" dirty="0">
               <a:effectLst/>

--- a/Seminar.pptx
+++ b/Seminar.pptx
@@ -593,10 +593,7 @@
           <a:bodyPr/>
           <a:lstStyle/>
           <a:p>
-            <a:r>
-              <a:rPr lang="en-VN" dirty="0"/>
-              <a:t>Ở giai đoạn tách con này, con của một node cha tên y </a:t>
-            </a:r>
+            <a:endParaRPr lang="en-VN" dirty="0"/>
           </a:p>
         </p:txBody>
       </p:sp>
@@ -15952,7 +15949,7 @@
         <p:spPr>
           <a:xfrm>
             <a:off x="1453243" y="1166171"/>
-            <a:ext cx="3361825" cy="2933432"/>
+            <a:ext cx="3361825" cy="1977786"/>
           </a:xfrm>
           <a:prstGeom prst="rect">
             <a:avLst/>
@@ -15987,108 +15984,59 @@
                 <a:latin typeface="Times New Roman" panose="02020603050405020304" pitchFamily="18" charset="0"/>
                 <a:ea typeface="Times New Roman" panose="02020603050405020304" pitchFamily="18" charset="0"/>
               </a:rPr>
-              <a:t>In this function</a:t>
-            </a:r>
-            <a:r>
-              <a:rPr lang="en-US" sz="1800">
+              <a:t>In this function, before inserting a value, we </a:t>
+            </a:r>
+            <a:r>
+              <a:rPr lang="en-US" dirty="0">
                 <a:solidFill>
                   <a:srgbClr val="212529"/>
                 </a:solidFill>
-                <a:effectLst/>
                 <a:latin typeface="Times New Roman" panose="02020603050405020304" pitchFamily="18" charset="0"/>
                 <a:ea typeface="Times New Roman" panose="02020603050405020304" pitchFamily="18" charset="0"/>
               </a:rPr>
-              <a:t>, a </a:t>
-            </a:r>
-            <a:r>
-              <a:rPr lang="en-US" sz="1800" dirty="0">
+              <a:t>know that a child node named y is already full, therefore we have to split it. We also have </a:t>
+            </a:r>
+            <a:r>
+              <a:rPr lang="en-US" b="1" i="1" dirty="0" err="1">
                 <a:solidFill>
                   <a:srgbClr val="212529"/>
                 </a:solidFill>
-                <a:effectLst/>
                 <a:latin typeface="Times New Roman" panose="02020603050405020304" pitchFamily="18" charset="0"/>
                 <a:ea typeface="Times New Roman" panose="02020603050405020304" pitchFamily="18" charset="0"/>
               </a:rPr>
-              <a:t>node named </a:t>
-            </a:r>
-            <a:r>
-              <a:rPr lang="en-US" sz="1800" b="1" i="1" dirty="0">
+              <a:t>i</a:t>
+            </a:r>
+            <a:r>
+              <a:rPr lang="en-US" b="1" i="1" dirty="0">
                 <a:solidFill>
                   <a:srgbClr val="212529"/>
                 </a:solidFill>
-                <a:effectLst/>
                 <a:latin typeface="Times New Roman" panose="02020603050405020304" pitchFamily="18" charset="0"/>
                 <a:ea typeface="Times New Roman" panose="02020603050405020304" pitchFamily="18" charset="0"/>
               </a:rPr>
-              <a:t>y</a:t>
-            </a:r>
-            <a:r>
-              <a:rPr lang="en-US" sz="1800" dirty="0">
+              <a:t> </a:t>
+            </a:r>
+            <a:r>
+              <a:rPr lang="en-US" dirty="0">
                 <a:solidFill>
                   <a:srgbClr val="212529"/>
                 </a:solidFill>
-                <a:effectLst/>
                 <a:latin typeface="Times New Roman" panose="02020603050405020304" pitchFamily="18" charset="0"/>
                 <a:ea typeface="Times New Roman" panose="02020603050405020304" pitchFamily="18" charset="0"/>
               </a:rPr>
-              <a:t> will be split out to 2 children, the first child have the keys from the first key to </a:t>
-            </a:r>
-            <a:r>
-              <a:rPr lang="en-US" sz="1800" dirty="0" err="1">
+              <a:t>as the index of children array. </a:t>
+            </a:r>
+            <a:r>
+              <a:rPr lang="en-US" b="1" i="1" dirty="0">
                 <a:solidFill>
                   <a:srgbClr val="212529"/>
                 </a:solidFill>
-                <a:effectLst/>
                 <a:latin typeface="Times New Roman" panose="02020603050405020304" pitchFamily="18" charset="0"/>
                 <a:ea typeface="Times New Roman" panose="02020603050405020304" pitchFamily="18" charset="0"/>
               </a:rPr>
-              <a:t>i</a:t>
-            </a:r>
-            <a:r>
-              <a:rPr lang="en-US" sz="1800" baseline="30000" dirty="0" err="1">
-                <a:solidFill>
-                  <a:srgbClr val="212529"/>
-                </a:solidFill>
-                <a:effectLst/>
-                <a:latin typeface="Times New Roman" panose="02020603050405020304" pitchFamily="18" charset="0"/>
-                <a:ea typeface="Times New Roman" panose="02020603050405020304" pitchFamily="18" charset="0"/>
-              </a:rPr>
-              <a:t>th</a:t>
-            </a:r>
-            <a:r>
-              <a:rPr lang="en-US" sz="1800" dirty="0">
-                <a:solidFill>
-                  <a:srgbClr val="212529"/>
-                </a:solidFill>
-                <a:effectLst/>
-                <a:latin typeface="Times New Roman" panose="02020603050405020304" pitchFamily="18" charset="0"/>
-                <a:ea typeface="Times New Roman" panose="02020603050405020304" pitchFamily="18" charset="0"/>
-              </a:rPr>
-              <a:t> key of the previous child, and the remaining child will have the other keys, and them both connect to the parent of node </a:t>
-            </a:r>
-            <a:r>
-              <a:rPr lang="en-US" sz="1800" b="1" i="1" dirty="0">
-                <a:solidFill>
-                  <a:srgbClr val="212529"/>
-                </a:solidFill>
-                <a:effectLst/>
-                <a:latin typeface="Times New Roman" panose="02020603050405020304" pitchFamily="18" charset="0"/>
-                <a:ea typeface="Times New Roman" panose="02020603050405020304" pitchFamily="18" charset="0"/>
-              </a:rPr>
-              <a:t>y</a:t>
-            </a:r>
-            <a:r>
-              <a:rPr lang="en-US" sz="1800" dirty="0">
-                <a:solidFill>
-                  <a:srgbClr val="212529"/>
-                </a:solidFill>
-                <a:effectLst/>
-                <a:latin typeface="Times New Roman" panose="02020603050405020304" pitchFamily="18" charset="0"/>
-                <a:ea typeface="Times New Roman" panose="02020603050405020304" pitchFamily="18" charset="0"/>
-              </a:rPr>
-              <a:t> in the function .</a:t>
-            </a:r>
-            <a:endParaRPr lang="en-US" sz="1400" dirty="0">
+              <a:t> </a:t>
+            </a:r>
+            <a:endParaRPr lang="en-US" sz="1400" b="1" i="1" dirty="0">
               <a:effectLst/>
               <a:latin typeface="Arial" panose="020B0604020202020204" pitchFamily="34" charset="0"/>
               <a:ea typeface="Arial" panose="020B0604020202020204" pitchFamily="34" charset="0"/>

--- a/Seminar.pptx
+++ b/Seminar.pptx
@@ -18131,8 +18131,8 @@
         </p:nvSpPr>
         <p:spPr>
           <a:xfrm>
-            <a:off x="1326546" y="771915"/>
-            <a:ext cx="7927521" cy="4275667"/>
+            <a:off x="1794375" y="771915"/>
+            <a:ext cx="7459692" cy="4275667"/>
           </a:xfrm>
         </p:spPr>
         <p:txBody>
@@ -18155,7 +18155,7 @@
               <a:buChar char=""/>
             </a:pPr>
             <a:r>
-              <a:rPr lang="en-US" sz="2400" dirty="0">
+              <a:rPr lang="en-US" sz="2000" b="1" dirty="0">
                 <a:solidFill>
                   <a:srgbClr val="000000"/>
                 </a:solidFill>
@@ -18165,7 +18165,67 @@
               </a:rPr>
               <a:t>If the tree is empty, allocate a root node and insert the key.</a:t>
             </a:r>
-            <a:endParaRPr lang="en-US" sz="2400" dirty="0">
+            <a:endParaRPr lang="en-US" sz="2000" b="1" dirty="0">
+              <a:effectLst/>
+              <a:latin typeface="Arial" panose="020B0604020202020204" pitchFamily="34" charset="0"/>
+              <a:ea typeface="Arial" panose="020B0604020202020204" pitchFamily="34" charset="0"/>
+            </a:endParaRPr>
+          </a:p>
+          <a:p>
+            <a:pPr marL="0" marR="0" lvl="0" indent="0">
+              <a:lnSpc>
+                <a:spcPts val="2250"/>
+              </a:lnSpc>
+              <a:spcBef>
+                <a:spcPts val="0"/>
+              </a:spcBef>
+              <a:spcAft>
+                <a:spcPts val="900"/>
+              </a:spcAft>
+              <a:buNone/>
+            </a:pPr>
+            <a:r>
+              <a:rPr lang="en-US" sz="2000" dirty="0">
+                <a:solidFill>
+                  <a:srgbClr val="000000"/>
+                </a:solidFill>
+                <a:effectLst/>
+                <a:latin typeface="Times New Roman" panose="02020603050405020304" pitchFamily="18" charset="0"/>
+                <a:ea typeface="Times New Roman" panose="02020603050405020304" pitchFamily="18" charset="0"/>
+              </a:rPr>
+              <a:t>Update the allowed number of keys in the node.</a:t>
+            </a:r>
+            <a:endParaRPr lang="en-US" sz="2000" dirty="0">
+              <a:effectLst/>
+              <a:latin typeface="Arial" panose="020B0604020202020204" pitchFamily="34" charset="0"/>
+              <a:ea typeface="Arial" panose="020B0604020202020204" pitchFamily="34" charset="0"/>
+            </a:endParaRPr>
+          </a:p>
+          <a:p>
+            <a:pPr marL="0" marR="0" lvl="0" indent="0">
+              <a:lnSpc>
+                <a:spcPts val="2250"/>
+              </a:lnSpc>
+              <a:spcBef>
+                <a:spcPts val="0"/>
+              </a:spcBef>
+              <a:spcAft>
+                <a:spcPts val="900"/>
+              </a:spcAft>
+              <a:buNone/>
+            </a:pPr>
+            <a:r>
+              <a:rPr lang="en-US" sz="2000" dirty="0">
+                <a:solidFill>
+                  <a:srgbClr val="000000"/>
+                </a:solidFill>
+                <a:effectLst/>
+                <a:latin typeface="Times New Roman" panose="02020603050405020304" pitchFamily="18" charset="0"/>
+                <a:ea typeface="Times New Roman" panose="02020603050405020304" pitchFamily="18" charset="0"/>
+              </a:rPr>
+              <a:t>Initialize the tree with the newly added key</a:t>
+            </a:r>
+            <a:endParaRPr lang="en-US" sz="2000" dirty="0">
               <a:effectLst/>
               <a:latin typeface="Arial" panose="020B0604020202020204" pitchFamily="34" charset="0"/>
               <a:ea typeface="Arial" panose="020B0604020202020204" pitchFamily="34" charset="0"/>
@@ -18186,7 +18246,7 @@
               <a:buChar char=""/>
             </a:pPr>
             <a:r>
-              <a:rPr lang="en-US" sz="2400" dirty="0">
+              <a:rPr lang="en-US" sz="2000" b="1" dirty="0">
                 <a:solidFill>
                   <a:srgbClr val="000000"/>
                 </a:solidFill>
@@ -18194,9 +18254,99 @@
                 <a:latin typeface="Times New Roman" panose="02020603050405020304" pitchFamily="18" charset="0"/>
                 <a:ea typeface="Times New Roman" panose="02020603050405020304" pitchFamily="18" charset="0"/>
               </a:rPr>
-              <a:t>Update the allowed number of keys in the node.</a:t>
-            </a:r>
-            <a:endParaRPr lang="en-US" sz="2400" dirty="0">
+              <a:t>If the node is full, follow the steps below.</a:t>
+            </a:r>
+            <a:endParaRPr lang="en-US" sz="2000" b="1" dirty="0">
+              <a:effectLst/>
+              <a:latin typeface="Arial" panose="020B0604020202020204" pitchFamily="34" charset="0"/>
+              <a:ea typeface="Arial" panose="020B0604020202020204" pitchFamily="34" charset="0"/>
+            </a:endParaRPr>
+          </a:p>
+          <a:p>
+            <a:pPr marL="0" marR="0" lvl="0" indent="0">
+              <a:lnSpc>
+                <a:spcPts val="2250"/>
+              </a:lnSpc>
+              <a:spcBef>
+                <a:spcPts val="0"/>
+              </a:spcBef>
+              <a:spcAft>
+                <a:spcPts val="900"/>
+              </a:spcAft>
+              <a:buNone/>
+            </a:pPr>
+            <a:r>
+              <a:rPr lang="en-US" sz="2000" dirty="0">
+                <a:solidFill>
+                  <a:srgbClr val="000000"/>
+                </a:solidFill>
+                <a:effectLst/>
+                <a:latin typeface="Times New Roman" panose="02020603050405020304" pitchFamily="18" charset="0"/>
+                <a:ea typeface="Times New Roman" panose="02020603050405020304" pitchFamily="18" charset="0"/>
+              </a:rPr>
+              <a:t>Insert the elements in increasing order.</a:t>
+            </a:r>
+            <a:endParaRPr lang="en-US" sz="2000" dirty="0">
+              <a:effectLst/>
+              <a:latin typeface="Arial" panose="020B0604020202020204" pitchFamily="34" charset="0"/>
+              <a:ea typeface="Arial" panose="020B0604020202020204" pitchFamily="34" charset="0"/>
+            </a:endParaRPr>
+          </a:p>
+          <a:p>
+            <a:pPr marL="0" marR="0" lvl="0" indent="0">
+              <a:lnSpc>
+                <a:spcPts val="2250"/>
+              </a:lnSpc>
+              <a:spcBef>
+                <a:spcPts val="0"/>
+              </a:spcBef>
+              <a:spcAft>
+                <a:spcPts val="900"/>
+              </a:spcAft>
+              <a:buNone/>
+            </a:pPr>
+            <a:r>
+              <a:rPr lang="en-US" sz="2000" dirty="0">
+                <a:solidFill>
+                  <a:srgbClr val="000000"/>
+                </a:solidFill>
+                <a:effectLst/>
+                <a:latin typeface="Times New Roman" panose="02020603050405020304" pitchFamily="18" charset="0"/>
+                <a:ea typeface="Times New Roman" panose="02020603050405020304" pitchFamily="18" charset="0"/>
+              </a:rPr>
+              <a:t>Now, there are elements greater than its limit. So, split at the median.</a:t>
+            </a:r>
+            <a:endParaRPr lang="en-US" sz="2000" dirty="0">
+              <a:effectLst/>
+              <a:latin typeface="Arial" panose="020B0604020202020204" pitchFamily="34" charset="0"/>
+              <a:ea typeface="Arial" panose="020B0604020202020204" pitchFamily="34" charset="0"/>
+            </a:endParaRPr>
+          </a:p>
+          <a:p>
+            <a:pPr marL="0" marR="0" lvl="0" indent="0">
+              <a:lnSpc>
+                <a:spcPts val="2250"/>
+              </a:lnSpc>
+              <a:spcBef>
+                <a:spcPts val="0"/>
+              </a:spcBef>
+              <a:spcAft>
+                <a:spcPts val="900"/>
+              </a:spcAft>
+              <a:buNone/>
+            </a:pPr>
+            <a:r>
+              <a:rPr lang="en-US" sz="2000" dirty="0">
+                <a:solidFill>
+                  <a:srgbClr val="000000"/>
+                </a:solidFill>
+                <a:effectLst/>
+                <a:latin typeface="Times New Roman" panose="02020603050405020304" pitchFamily="18" charset="0"/>
+                <a:ea typeface="Times New Roman" panose="02020603050405020304" pitchFamily="18" charset="0"/>
+              </a:rPr>
+              <a:t>Push the median key upwards and make the left keys as a left child and the right keys as a right child.</a:t>
+            </a:r>
+            <a:endParaRPr lang="en-US" sz="2000" dirty="0">
               <a:effectLst/>
               <a:latin typeface="Arial" panose="020B0604020202020204" pitchFamily="34" charset="0"/>
               <a:ea typeface="Arial" panose="020B0604020202020204" pitchFamily="34" charset="0"/>
@@ -18217,7 +18367,7 @@
               <a:buChar char=""/>
             </a:pPr>
             <a:r>
-              <a:rPr lang="en-US" sz="2400" dirty="0">
+              <a:rPr lang="en-US" sz="2000" b="1" dirty="0">
                 <a:solidFill>
                   <a:srgbClr val="000000"/>
                 </a:solidFill>
@@ -18225,16 +18375,16 @@
                 <a:latin typeface="Times New Roman" panose="02020603050405020304" pitchFamily="18" charset="0"/>
                 <a:ea typeface="Times New Roman" panose="02020603050405020304" pitchFamily="18" charset="0"/>
               </a:rPr>
-              <a:t>Search the appropriate node for insertion.</a:t>
-            </a:r>
-            <a:endParaRPr lang="en-US" sz="2400" dirty="0">
+              <a:t>If the node is not full, follow the steps below.</a:t>
+            </a:r>
+            <a:endParaRPr lang="en-US" sz="2000" b="1" dirty="0">
               <a:effectLst/>
               <a:latin typeface="Arial" panose="020B0604020202020204" pitchFamily="34" charset="0"/>
               <a:ea typeface="Arial" panose="020B0604020202020204" pitchFamily="34" charset="0"/>
             </a:endParaRPr>
           </a:p>
           <a:p>
-            <a:pPr marL="342900" marR="0" lvl="0" indent="-342900">
+            <a:pPr marL="0" marR="0" lvl="0" indent="0">
               <a:lnSpc>
                 <a:spcPts val="2250"/>
               </a:lnSpc>
@@ -18244,11 +18394,10 @@
               <a:spcAft>
                 <a:spcPts val="900"/>
               </a:spcAft>
-              <a:buFont typeface="Symbol" panose="05050102010706020507" pitchFamily="18" charset="2"/>
-              <a:buChar char=""/>
+              <a:buNone/>
             </a:pPr>
             <a:r>
-              <a:rPr lang="en-US" sz="2400" dirty="0">
+              <a:rPr lang="en-US" sz="2000" dirty="0">
                 <a:solidFill>
                   <a:srgbClr val="000000"/>
                 </a:solidFill>
@@ -18256,164 +18405,9 @@
                 <a:latin typeface="Times New Roman" panose="02020603050405020304" pitchFamily="18" charset="0"/>
                 <a:ea typeface="Times New Roman" panose="02020603050405020304" pitchFamily="18" charset="0"/>
               </a:rPr>
-              <a:t>If the node is full, follow the steps below.</a:t>
-            </a:r>
-            <a:endParaRPr lang="en-US" sz="2400" dirty="0">
-              <a:effectLst/>
-              <a:latin typeface="Arial" panose="020B0604020202020204" pitchFamily="34" charset="0"/>
-              <a:ea typeface="Arial" panose="020B0604020202020204" pitchFamily="34" charset="0"/>
-            </a:endParaRPr>
-          </a:p>
-          <a:p>
-            <a:pPr marL="342900" marR="0" lvl="0" indent="-342900">
-              <a:lnSpc>
-                <a:spcPts val="2250"/>
-              </a:lnSpc>
-              <a:spcBef>
-                <a:spcPts val="0"/>
-              </a:spcBef>
-              <a:spcAft>
-                <a:spcPts val="900"/>
-              </a:spcAft>
-              <a:buFont typeface="Symbol" panose="05050102010706020507" pitchFamily="18" charset="2"/>
-              <a:buChar char=""/>
-            </a:pPr>
-            <a:r>
-              <a:rPr lang="en-US" sz="2400" dirty="0">
-                <a:solidFill>
-                  <a:srgbClr val="000000"/>
-                </a:solidFill>
-                <a:effectLst/>
-                <a:latin typeface="Times New Roman" panose="02020603050405020304" pitchFamily="18" charset="0"/>
-                <a:ea typeface="Times New Roman" panose="02020603050405020304" pitchFamily="18" charset="0"/>
-              </a:rPr>
-              <a:t>Insert the elements in increasing order.</a:t>
-            </a:r>
-            <a:endParaRPr lang="en-US" sz="2400" dirty="0">
-              <a:effectLst/>
-              <a:latin typeface="Arial" panose="020B0604020202020204" pitchFamily="34" charset="0"/>
-              <a:ea typeface="Arial" panose="020B0604020202020204" pitchFamily="34" charset="0"/>
-            </a:endParaRPr>
-          </a:p>
-          <a:p>
-            <a:pPr marL="342900" marR="0" lvl="0" indent="-342900">
-              <a:lnSpc>
-                <a:spcPts val="2250"/>
-              </a:lnSpc>
-              <a:spcBef>
-                <a:spcPts val="0"/>
-              </a:spcBef>
-              <a:spcAft>
-                <a:spcPts val="900"/>
-              </a:spcAft>
-              <a:buFont typeface="Symbol" panose="05050102010706020507" pitchFamily="18" charset="2"/>
-              <a:buChar char=""/>
-            </a:pPr>
-            <a:r>
-              <a:rPr lang="en-US" sz="2400" dirty="0">
-                <a:solidFill>
-                  <a:srgbClr val="000000"/>
-                </a:solidFill>
-                <a:effectLst/>
-                <a:latin typeface="Times New Roman" panose="02020603050405020304" pitchFamily="18" charset="0"/>
-                <a:ea typeface="Times New Roman" panose="02020603050405020304" pitchFamily="18" charset="0"/>
-              </a:rPr>
-              <a:t>Now, there are elements greater than its limit. So, split at the median.</a:t>
-            </a:r>
-            <a:endParaRPr lang="en-US" sz="2400" dirty="0">
-              <a:effectLst/>
-              <a:latin typeface="Arial" panose="020B0604020202020204" pitchFamily="34" charset="0"/>
-              <a:ea typeface="Arial" panose="020B0604020202020204" pitchFamily="34" charset="0"/>
-            </a:endParaRPr>
-          </a:p>
-          <a:p>
-            <a:pPr marL="342900" marR="0" lvl="0" indent="-342900">
-              <a:lnSpc>
-                <a:spcPts val="2250"/>
-              </a:lnSpc>
-              <a:spcBef>
-                <a:spcPts val="0"/>
-              </a:spcBef>
-              <a:spcAft>
-                <a:spcPts val="900"/>
-              </a:spcAft>
-              <a:buFont typeface="Symbol" panose="05050102010706020507" pitchFamily="18" charset="2"/>
-              <a:buChar char=""/>
-            </a:pPr>
-            <a:r>
-              <a:rPr lang="en-US" sz="2400" dirty="0">
-                <a:solidFill>
-                  <a:srgbClr val="000000"/>
-                </a:solidFill>
-                <a:effectLst/>
-                <a:latin typeface="Times New Roman" panose="02020603050405020304" pitchFamily="18" charset="0"/>
-                <a:ea typeface="Times New Roman" panose="02020603050405020304" pitchFamily="18" charset="0"/>
-              </a:rPr>
-              <a:t>Push the median key upwards and make the left keys as a left child and the right keys as a right child.</a:t>
-            </a:r>
-            <a:endParaRPr lang="en-US" sz="2400" dirty="0">
-              <a:effectLst/>
-              <a:latin typeface="Arial" panose="020B0604020202020204" pitchFamily="34" charset="0"/>
-              <a:ea typeface="Arial" panose="020B0604020202020204" pitchFamily="34" charset="0"/>
-            </a:endParaRPr>
-          </a:p>
-          <a:p>
-            <a:pPr marL="342900" marR="0" lvl="0" indent="-342900">
-              <a:lnSpc>
-                <a:spcPts val="2250"/>
-              </a:lnSpc>
-              <a:spcBef>
-                <a:spcPts val="0"/>
-              </a:spcBef>
-              <a:spcAft>
-                <a:spcPts val="900"/>
-              </a:spcAft>
-              <a:buFont typeface="Symbol" panose="05050102010706020507" pitchFamily="18" charset="2"/>
-              <a:buChar char=""/>
-            </a:pPr>
-            <a:r>
-              <a:rPr lang="en-US" sz="2400" dirty="0">
-                <a:solidFill>
-                  <a:srgbClr val="000000"/>
-                </a:solidFill>
-                <a:effectLst/>
-                <a:latin typeface="Times New Roman" panose="02020603050405020304" pitchFamily="18" charset="0"/>
-                <a:ea typeface="Times New Roman" panose="02020603050405020304" pitchFamily="18" charset="0"/>
-              </a:rPr>
-              <a:t>If the node is not full, follow the steps below.</a:t>
-            </a:r>
-            <a:endParaRPr lang="en-US" sz="2400" dirty="0">
-              <a:effectLst/>
-              <a:latin typeface="Arial" panose="020B0604020202020204" pitchFamily="34" charset="0"/>
-              <a:ea typeface="Arial" panose="020B0604020202020204" pitchFamily="34" charset="0"/>
-            </a:endParaRPr>
-          </a:p>
-          <a:p>
-            <a:pPr marL="342900" marR="0" lvl="0" indent="-342900">
-              <a:lnSpc>
-                <a:spcPts val="2250"/>
-              </a:lnSpc>
-              <a:spcBef>
-                <a:spcPts val="0"/>
-              </a:spcBef>
-              <a:spcAft>
-                <a:spcPts val="900"/>
-              </a:spcAft>
-              <a:buFont typeface="Symbol" panose="05050102010706020507" pitchFamily="18" charset="2"/>
-              <a:buChar char=""/>
-            </a:pPr>
-            <a:r>
-              <a:rPr lang="en-US" sz="2400" dirty="0">
-                <a:solidFill>
-                  <a:srgbClr val="000000"/>
-                </a:solidFill>
-                <a:effectLst/>
-                <a:latin typeface="Times New Roman" panose="02020603050405020304" pitchFamily="18" charset="0"/>
-                <a:ea typeface="Times New Roman" panose="02020603050405020304" pitchFamily="18" charset="0"/>
-              </a:rPr>
               <a:t>Insert the node in increasing order.</a:t>
             </a:r>
-            <a:endParaRPr lang="en-US" sz="2400" dirty="0">
+            <a:endParaRPr lang="en-US" sz="2000" dirty="0">
               <a:effectLst/>
               <a:latin typeface="Arial" panose="020B0604020202020204" pitchFamily="34" charset="0"/>
               <a:ea typeface="Arial" panose="020B0604020202020204" pitchFamily="34" charset="0"/>

--- a/Seminar.pptx
+++ b/Seminar.pptx
@@ -282,7 +282,7 @@
           <a:p>
             <a:fld id="{C8D18E60-4300-4729-A0D7-6AB984C3922D}" type="datetimeFigureOut">
               <a:rPr lang="en-US" smtClean="0"/>
-              <a:t>7/16/22</a:t>
+              <a:t>7/18/22</a:t>
             </a:fld>
             <a:endParaRPr lang="en-US"/>
           </a:p>
@@ -1100,7 +1100,7 @@
             <a:fld id="{53074F12-AA26-4AC8-9962-C36BB8F32554}" type="datetimeFigureOut">
               <a:rPr lang="en-US" smtClean="0"/>
               <a:pPr/>
-              <a:t>7/16/22</a:t>
+              <a:t>7/18/22</a:t>
             </a:fld>
             <a:endParaRPr lang="en-US"/>
           </a:p>
@@ -1354,7 +1354,7 @@
             <a:fld id="{53074F12-AA26-4AC8-9962-C36BB8F32554}" type="datetimeFigureOut">
               <a:rPr lang="en-US" smtClean="0"/>
               <a:pPr/>
-              <a:t>7/16/22</a:t>
+              <a:t>7/18/22</a:t>
             </a:fld>
             <a:endParaRPr lang="en-US"/>
           </a:p>
@@ -1524,7 +1524,7 @@
             <a:fld id="{53074F12-AA26-4AC8-9962-C36BB8F32554}" type="datetimeFigureOut">
               <a:rPr lang="en-US" smtClean="0"/>
               <a:pPr/>
-              <a:t>7/16/22</a:t>
+              <a:t>7/18/22</a:t>
             </a:fld>
             <a:endParaRPr lang="en-US"/>
           </a:p>
@@ -1704,7 +1704,7 @@
             <a:fld id="{53074F12-AA26-4AC8-9962-C36BB8F32554}" type="datetimeFigureOut">
               <a:rPr lang="en-US" smtClean="0"/>
               <a:pPr/>
-              <a:t>7/16/22</a:t>
+              <a:t>7/18/22</a:t>
             </a:fld>
             <a:endParaRPr lang="en-US"/>
           </a:p>
@@ -1989,7 +1989,7 @@
             <a:fld id="{53074F12-AA26-4AC8-9962-C36BB8F32554}" type="datetimeFigureOut">
               <a:rPr lang="en-US" smtClean="0"/>
               <a:pPr/>
-              <a:t>7/16/22</a:t>
+              <a:t>7/18/22</a:t>
             </a:fld>
             <a:endParaRPr lang="en-US"/>
           </a:p>
@@ -2236,7 +2236,7 @@
             <a:fld id="{53074F12-AA26-4AC8-9962-C36BB8F32554}" type="datetimeFigureOut">
               <a:rPr lang="en-US" smtClean="0"/>
               <a:pPr/>
-              <a:t>7/16/22</a:t>
+              <a:t>7/18/22</a:t>
             </a:fld>
             <a:endParaRPr lang="en-US"/>
           </a:p>
@@ -2483,7 +2483,7 @@
             <a:fld id="{53074F12-AA26-4AC8-9962-C36BB8F32554}" type="datetimeFigureOut">
               <a:rPr lang="en-US" smtClean="0"/>
               <a:pPr/>
-              <a:t>7/16/22</a:t>
+              <a:t>7/18/22</a:t>
             </a:fld>
             <a:endParaRPr lang="en-US"/>
           </a:p>
@@ -2770,7 +2770,7 @@
             <a:fld id="{53074F12-AA26-4AC8-9962-C36BB8F32554}" type="datetimeFigureOut">
               <a:rPr lang="en-US" smtClean="0"/>
               <a:pPr/>
-              <a:t>7/16/22</a:t>
+              <a:t>7/18/22</a:t>
             </a:fld>
             <a:endParaRPr lang="en-US"/>
           </a:p>
@@ -3260,7 +3260,7 @@
             <a:fld id="{53074F12-AA26-4AC8-9962-C36BB8F32554}" type="datetimeFigureOut">
               <a:rPr lang="en-US" smtClean="0"/>
               <a:pPr/>
-              <a:t>7/16/22</a:t>
+              <a:t>7/18/22</a:t>
             </a:fld>
             <a:endParaRPr lang="en-US"/>
           </a:p>
@@ -3379,7 +3379,7 @@
             <a:fld id="{53074F12-AA26-4AC8-9962-C36BB8F32554}" type="datetimeFigureOut">
               <a:rPr lang="en-US" smtClean="0"/>
               <a:pPr/>
-              <a:t>7/16/22</a:t>
+              <a:t>7/18/22</a:t>
             </a:fld>
             <a:endParaRPr lang="en-US"/>
           </a:p>
@@ -3476,7 +3476,7 @@
             <a:fld id="{53074F12-AA26-4AC8-9962-C36BB8F32554}" type="datetimeFigureOut">
               <a:rPr lang="en-US" smtClean="0"/>
               <a:pPr/>
-              <a:t>7/16/22</a:t>
+              <a:t>7/18/22</a:t>
             </a:fld>
             <a:endParaRPr lang="en-US"/>
           </a:p>
@@ -3753,7 +3753,7 @@
             <a:fld id="{53074F12-AA26-4AC8-9962-C36BB8F32554}" type="datetimeFigureOut">
               <a:rPr lang="en-US" smtClean="0"/>
               <a:pPr/>
-              <a:t>7/16/22</a:t>
+              <a:t>7/18/22</a:t>
             </a:fld>
             <a:endParaRPr lang="en-US"/>
           </a:p>
@@ -3975,7 +3975,7 @@
             <a:fld id="{53074F12-AA26-4AC8-9962-C36BB8F32554}" type="datetimeFigureOut">
               <a:rPr lang="en-US" smtClean="0"/>
               <a:pPr/>
-              <a:t>7/16/22</a:t>
+              <a:t>7/18/22</a:t>
             </a:fld>
             <a:endParaRPr lang="en-US"/>
           </a:p>
@@ -15984,7 +15984,7 @@
                 <a:latin typeface="Times New Roman" panose="02020603050405020304" pitchFamily="18" charset="0"/>
                 <a:ea typeface="Times New Roman" panose="02020603050405020304" pitchFamily="18" charset="0"/>
               </a:rPr>
-              <a:t>In this function, before inserting a value, we </a:t>
+              <a:t>In this function, before inserting a value, should we </a:t>
             </a:r>
             <a:r>
               <a:rPr lang="en-US" dirty="0">
@@ -15994,7 +15994,27 @@
                 <a:latin typeface="Times New Roman" panose="02020603050405020304" pitchFamily="18" charset="0"/>
                 <a:ea typeface="Times New Roman" panose="02020603050405020304" pitchFamily="18" charset="0"/>
               </a:rPr>
-              <a:t>know that a child node named y is already full, therefore we have to split it. We also have </a:t>
+              <a:t>know that a child node named y is already full</a:t>
+            </a:r>
+            <a:r>
+              <a:rPr lang="en-US">
+                <a:solidFill>
+                  <a:srgbClr val="212529"/>
+                </a:solidFill>
+                <a:latin typeface="Times New Roman" panose="02020603050405020304" pitchFamily="18" charset="0"/>
+                <a:ea typeface="Times New Roman" panose="02020603050405020304" pitchFamily="18" charset="0"/>
+              </a:rPr>
+              <a:t>, we </a:t>
+            </a:r>
+            <a:r>
+              <a:rPr lang="en-US" dirty="0">
+                <a:solidFill>
+                  <a:srgbClr val="212529"/>
+                </a:solidFill>
+                <a:latin typeface="Times New Roman" panose="02020603050405020304" pitchFamily="18" charset="0"/>
+                <a:ea typeface="Times New Roman" panose="02020603050405020304" pitchFamily="18" charset="0"/>
+              </a:rPr>
+              <a:t>have to split it. We also have </a:t>
             </a:r>
             <a:r>
               <a:rPr lang="en-US" b="1" i="1" dirty="0" err="1">

--- a/Seminar.pptx
+++ b/Seminar.pptx
@@ -15994,27 +15994,7 @@
                 <a:latin typeface="Times New Roman" panose="02020603050405020304" pitchFamily="18" charset="0"/>
                 <a:ea typeface="Times New Roman" panose="02020603050405020304" pitchFamily="18" charset="0"/>
               </a:rPr>
-              <a:t>know that a child node named y is already full</a:t>
-            </a:r>
-            <a:r>
-              <a:rPr lang="en-US">
-                <a:solidFill>
-                  <a:srgbClr val="212529"/>
-                </a:solidFill>
-                <a:latin typeface="Times New Roman" panose="02020603050405020304" pitchFamily="18" charset="0"/>
-                <a:ea typeface="Times New Roman" panose="02020603050405020304" pitchFamily="18" charset="0"/>
-              </a:rPr>
-              <a:t>, we </a:t>
-            </a:r>
-            <a:r>
-              <a:rPr lang="en-US" dirty="0">
-                <a:solidFill>
-                  <a:srgbClr val="212529"/>
-                </a:solidFill>
-                <a:latin typeface="Times New Roman" panose="02020603050405020304" pitchFamily="18" charset="0"/>
-                <a:ea typeface="Times New Roman" panose="02020603050405020304" pitchFamily="18" charset="0"/>
-              </a:rPr>
-              <a:t>have to split it. We also have </a:t>
+              <a:t>know that a child node named y is already full, we have to split it. We also have </a:t>
             </a:r>
             <a:r>
               <a:rPr lang="en-US" b="1" i="1" dirty="0" err="1">
@@ -16524,6 +16504,37 @@
                             </p:childTnLst>
                           </p:cTn>
                         </p:par>
+                        <p:par>
+                          <p:cTn id="11" fill="hold">
+                            <p:stCondLst>
+                              <p:cond delay="2000"/>
+                            </p:stCondLst>
+                            <p:childTnLst>
+                              <p:par>
+                                <p:cTn id="12" presetID="0" presetClass="path" presetSubtype="0" accel="50000" decel="50000" fill="hold" grpId="1" nodeType="afterEffect">
+                                  <p:stCondLst>
+                                    <p:cond delay="0"/>
+                                  </p:stCondLst>
+                                  <p:childTnLst>
+                                    <p:animMotion origin="layout" path="M -0.25 -2.46914E-7 L -0.08646 -0.23333 " pathEditMode="relative" rAng="0" ptsTypes="AA">
+                                      <p:cBhvr>
+                                        <p:cTn id="13" dur="2000" fill="hold"/>
+                                        <p:tgtEl>
+                                          <p:spTgt spid="6"/>
+                                        </p:tgtEl>
+                                        <p:attrNameLst>
+                                          <p:attrName>ppt_x</p:attrName>
+                                          <p:attrName>ppt_y</p:attrName>
+                                        </p:attrNameLst>
+                                      </p:cBhvr>
+                                      <p:rCtr x="8177" y="-11667"/>
+                                    </p:animMotion>
+                                  </p:childTnLst>
+                                </p:cTn>
+                              </p:par>
+                            </p:childTnLst>
+                          </p:cTn>
+                        </p:par>
                       </p:childTnLst>
                     </p:cTn>
                   </p:par>
@@ -16552,6 +16563,7 @@
       <p:bldP spid="4" grpId="0" animBg="1"/>
       <p:bldP spid="5" grpId="0" animBg="1"/>
       <p:bldP spid="6" grpId="0" animBg="1"/>
+      <p:bldP spid="6" grpId="1" animBg="1"/>
     </p:bldLst>
   </p:timing>
 </p:sld>

--- a/Seminar.pptx
+++ b/Seminar.pptx
@@ -16024,7 +16024,7 @@
                 <a:latin typeface="Times New Roman" panose="02020603050405020304" pitchFamily="18" charset="0"/>
                 <a:ea typeface="Times New Roman" panose="02020603050405020304" pitchFamily="18" charset="0"/>
               </a:rPr>
-              <a:t>as the index of children array. </a:t>
+              <a:t>as the index of child node in array. </a:t>
             </a:r>
             <a:r>
               <a:rPr lang="en-US" b="1" i="1" dirty="0">
@@ -16610,7 +16610,7 @@
         </p:spPr>
         <p:txBody>
           <a:bodyPr>
-            <a:normAutofit/>
+            <a:normAutofit lnSpcReduction="10000"/>
           </a:bodyPr>
           <a:lstStyle/>
           <a:p>
@@ -16632,13 +16632,52 @@
                 <a:solidFill>
                   <a:srgbClr val="212529"/>
                 </a:solidFill>
-                <a:effectLst/>
                 <a:latin typeface="Times New Roman" panose="02020603050405020304" pitchFamily="18" charset="0"/>
-                <a:ea typeface="Times New Roman" panose="02020603050405020304" pitchFamily="18" charset="0"/>
-              </a:rPr>
-              <a:t>This function helps us to insert another key to a Node whose root is not full and save the property of a tree such as: all the keys in the node are in increasing order, …</a:t>
-            </a:r>
+                <a:cs typeface="Times New Roman" panose="02020603050405020304" pitchFamily="18" charset="0"/>
+              </a:rPr>
+              <a:t>This function is used to insert a key into a non-full node (it might be already non-full or it had been split beforehand).</a:t>
+            </a:r>
+          </a:p>
+          <a:p>
+            <a:pPr marL="0" indent="0">
+              <a:buNone/>
+            </a:pPr>
             <a:endParaRPr lang="en-US" sz="2000" dirty="0">
+              <a:solidFill>
+                <a:srgbClr val="212529"/>
+              </a:solidFill>
+              <a:latin typeface="Times New Roman" panose="02020603050405020304" pitchFamily="18" charset="0"/>
+              <a:cs typeface="Times New Roman" panose="02020603050405020304" pitchFamily="18" charset="0"/>
+            </a:endParaRPr>
+          </a:p>
+          <a:p>
+            <a:pPr marL="0" indent="0">
+              <a:buNone/>
+            </a:pPr>
+            <a:r>
+              <a:rPr lang="en-US" sz="2000">
+                <a:solidFill>
+                  <a:srgbClr val="212529"/>
+                </a:solidFill>
+                <a:latin typeface="Times New Roman" panose="02020603050405020304" pitchFamily="18" charset="0"/>
+                <a:cs typeface="Times New Roman" panose="02020603050405020304" pitchFamily="18" charset="0"/>
+              </a:rPr>
+              <a:t>For a non-leaf node, </a:t>
+            </a:r>
+            <a:r>
+              <a:rPr lang="en-US" sz="2000" dirty="0">
+                <a:solidFill>
+                  <a:srgbClr val="212529"/>
+                </a:solidFill>
+                <a:latin typeface="Times New Roman" panose="02020603050405020304" pitchFamily="18" charset="0"/>
+                <a:cs typeface="Times New Roman" panose="02020603050405020304" pitchFamily="18" charset="0"/>
+              </a:rPr>
+              <a:t>we also have to check whether the corresponding child node is full, if yes then we have to split it before inserting to that node.</a:t>
+            </a:r>
+            <a:endParaRPr lang="en-US" sz="1800" dirty="0">
+              <a:solidFill>
+                <a:srgbClr val="212529"/>
+              </a:solidFill>
               <a:latin typeface="Times New Roman" panose="02020603050405020304" pitchFamily="18" charset="0"/>
               <a:cs typeface="Times New Roman" panose="02020603050405020304" pitchFamily="18" charset="0"/>
             </a:endParaRPr>

--- a/Seminar.pptx
+++ b/Seminar.pptx
@@ -16655,16 +16655,6 @@
               <a:buNone/>
             </a:pPr>
             <a:r>
-              <a:rPr lang="en-US" sz="2000">
-                <a:solidFill>
-                  <a:srgbClr val="212529"/>
-                </a:solidFill>
-                <a:latin typeface="Times New Roman" panose="02020603050405020304" pitchFamily="18" charset="0"/>
-                <a:cs typeface="Times New Roman" panose="02020603050405020304" pitchFamily="18" charset="0"/>
-              </a:rPr>
-              <a:t>For a non-leaf node, </a:t>
-            </a:r>
-            <a:r>
               <a:rPr lang="en-US" sz="2000" dirty="0">
                 <a:solidFill>
                   <a:srgbClr val="212529"/>
@@ -16672,7 +16662,7 @@
                 <a:latin typeface="Times New Roman" panose="02020603050405020304" pitchFamily="18" charset="0"/>
                 <a:cs typeface="Times New Roman" panose="02020603050405020304" pitchFamily="18" charset="0"/>
               </a:rPr>
-              <a:t>we also have to check whether the corresponding child node is full, if yes then we have to split it before inserting to that node.</a:t>
+              <a:t>For a non-leaf node, we also have to check whether the corresponding child node is full, if yes then we have to split it before inserting to that node.</a:t>
             </a:r>
             <a:endParaRPr lang="en-US" sz="1800" dirty="0">
               <a:solidFill>
@@ -19564,7 +19554,7 @@
                 <a:latin typeface="Times New Roman" panose="02020603050405020304" pitchFamily="18" charset="0"/>
                 <a:ea typeface="Times New Roman" panose="02020603050405020304" pitchFamily="18" charset="0"/>
               </a:rPr>
-              <a:t>If it is true (full), then we must create another new node for updating root, split the old root into two roots and make them become children of the new root, which is the root has 1 key of the old root so that it’s keep the same property of B-tree. </a:t>
+              <a:t>If it is true (full), we have to split the root into two new nodes. These two nodes will become children of a new root node, which now contains the median of the previous root. Then we continue to insert to the corresponding child node.</a:t>
             </a:r>
           </a:p>
           <a:p>
@@ -19578,7 +19568,7 @@
                 <a:latin typeface="Times New Roman" panose="02020603050405020304" pitchFamily="18" charset="0"/>
                 <a:ea typeface="Times New Roman" panose="02020603050405020304" pitchFamily="18" charset="0"/>
               </a:rPr>
-              <a:t>If it’s not full, then use the function of insert B-tree that its root isn’t full.</a:t>
+              <a:t>If it’s not full, simply insert the key to root node according to the rule (keys must be in the ascending order)</a:t>
             </a:r>
             <a:endParaRPr lang="en-US" sz="3200" dirty="0"/>
           </a:p>

--- a/Seminar.pptx
+++ b/Seminar.pptx
@@ -15949,7 +15949,7 @@
         <p:spPr>
           <a:xfrm>
             <a:off x="1453243" y="1166171"/>
-            <a:ext cx="3361825" cy="1977786"/>
+            <a:ext cx="3361825" cy="3251980"/>
           </a:xfrm>
           <a:prstGeom prst="rect">
             <a:avLst/>
@@ -15994,7 +15994,7 @@
                 <a:latin typeface="Times New Roman" panose="02020603050405020304" pitchFamily="18" charset="0"/>
                 <a:ea typeface="Times New Roman" panose="02020603050405020304" pitchFamily="18" charset="0"/>
               </a:rPr>
-              <a:t>know that a child node named y is already full, we have to split it. We also have </a:t>
+              <a:t>know that a child node named y is already full, we have to split it into two. We also have </a:t>
             </a:r>
             <a:r>
               <a:rPr lang="en-US" b="1" i="1" dirty="0" err="1">
@@ -16024,7 +16024,7 @@
                 <a:latin typeface="Times New Roman" panose="02020603050405020304" pitchFamily="18" charset="0"/>
                 <a:ea typeface="Times New Roman" panose="02020603050405020304" pitchFamily="18" charset="0"/>
               </a:rPr>
-              <a:t>as the index of child node in array. </a:t>
+              <a:t>as the index of child node in array. During the process</a:t>
             </a:r>
             <a:r>
               <a:rPr lang="en-US" b="1" i="1" dirty="0">
@@ -16034,7 +16034,17 @@
                 <a:latin typeface="Times New Roman" panose="02020603050405020304" pitchFamily="18" charset="0"/>
                 <a:ea typeface="Times New Roman" panose="02020603050405020304" pitchFamily="18" charset="0"/>
               </a:rPr>
-              <a:t> </a:t>
+              <a:t>, </a:t>
+            </a:r>
+            <a:r>
+              <a:rPr lang="en-US" dirty="0">
+                <a:solidFill>
+                  <a:srgbClr val="212529"/>
+                </a:solidFill>
+                <a:latin typeface="Times New Roman" panose="02020603050405020304" pitchFamily="18" charset="0"/>
+                <a:ea typeface="Times New Roman" panose="02020603050405020304" pitchFamily="18" charset="0"/>
+              </a:rPr>
+              <a:t>the median key of the split child node will be pushed into the current parent node.</a:t>
             </a:r>
             <a:endParaRPr lang="en-US" sz="1400" b="1" i="1" dirty="0">
               <a:effectLst/>

--- a/Seminar.pptx
+++ b/Seminar.pptx
@@ -16620,7 +16620,7 @@
         </p:spPr>
         <p:txBody>
           <a:bodyPr>
-            <a:normAutofit lnSpcReduction="10000"/>
+            <a:normAutofit/>
           </a:bodyPr>
           <a:lstStyle/>
           <a:p>
@@ -16672,7 +16672,27 @@
                 <a:latin typeface="Times New Roman" panose="02020603050405020304" pitchFamily="18" charset="0"/>
                 <a:cs typeface="Times New Roman" panose="02020603050405020304" pitchFamily="18" charset="0"/>
               </a:rPr>
-              <a:t>For a non-leaf node, we also have to check whether the corresponding child node is full, if yes then we have to split it before inserting to that node.</a:t>
+              <a:t>For a non-leaf node, we also have to check whether </a:t>
+            </a:r>
+            <a:r>
+              <a:rPr lang="en-US" sz="2000">
+                <a:solidFill>
+                  <a:srgbClr val="212529"/>
+                </a:solidFill>
+                <a:latin typeface="Times New Roman" panose="02020603050405020304" pitchFamily="18" charset="0"/>
+                <a:cs typeface="Times New Roman" panose="02020603050405020304" pitchFamily="18" charset="0"/>
+              </a:rPr>
+              <a:t>the chosen </a:t>
+            </a:r>
+            <a:r>
+              <a:rPr lang="en-US" sz="2000" dirty="0">
+                <a:solidFill>
+                  <a:srgbClr val="212529"/>
+                </a:solidFill>
+                <a:latin typeface="Times New Roman" panose="02020603050405020304" pitchFamily="18" charset="0"/>
+                <a:cs typeface="Times New Roman" panose="02020603050405020304" pitchFamily="18" charset="0"/>
+              </a:rPr>
+              <a:t>child node is full, if yes then we have to split it before inserting to that node.</a:t>
             </a:r>
             <a:endParaRPr lang="en-US" sz="1800" dirty="0">
               <a:solidFill>

--- a/Seminar.pptx
+++ b/Seminar.pptx
@@ -16620,7 +16620,7 @@
         </p:spPr>
         <p:txBody>
           <a:bodyPr>
-            <a:normAutofit/>
+            <a:normAutofit fontScale="92500" lnSpcReduction="20000"/>
           </a:bodyPr>
           <a:lstStyle/>
           <a:p>
@@ -16645,8 +16645,25 @@
                 <a:latin typeface="Times New Roman" panose="02020603050405020304" pitchFamily="18" charset="0"/>
                 <a:cs typeface="Times New Roman" panose="02020603050405020304" pitchFamily="18" charset="0"/>
               </a:rPr>
-              <a:t>This function is used to insert a key into a non-full node (it might be already non-full or it had been split beforehand).</a:t>
-            </a:r>
+              <a:t>This function is used to insert a key into a non-full node (it might be already non-full or it had been split beforehand). Before inserting, we must choose the correct child </a:t>
+            </a:r>
+            <a:r>
+              <a:rPr lang="en-US" sz="1800">
+                <a:solidFill>
+                  <a:srgbClr val="212529"/>
+                </a:solidFill>
+                <a:latin typeface="Times New Roman" panose="02020603050405020304" pitchFamily="18" charset="0"/>
+                <a:cs typeface="Times New Roman" panose="02020603050405020304" pitchFamily="18" charset="0"/>
+              </a:rPr>
+              <a:t>to insert to.</a:t>
+            </a:r>
+            <a:endParaRPr lang="en-US" sz="1800" dirty="0">
+              <a:solidFill>
+                <a:srgbClr val="212529"/>
+              </a:solidFill>
+              <a:latin typeface="Times New Roman" panose="02020603050405020304" pitchFamily="18" charset="0"/>
+              <a:cs typeface="Times New Roman" panose="02020603050405020304" pitchFamily="18" charset="0"/>
+            </a:endParaRPr>
           </a:p>
           <a:p>
             <a:pPr marL="0" indent="0">
@@ -16672,27 +16689,7 @@
                 <a:latin typeface="Times New Roman" panose="02020603050405020304" pitchFamily="18" charset="0"/>
                 <a:cs typeface="Times New Roman" panose="02020603050405020304" pitchFamily="18" charset="0"/>
               </a:rPr>
-              <a:t>For a non-leaf node, we also have to check whether </a:t>
-            </a:r>
-            <a:r>
-              <a:rPr lang="en-US" sz="2000">
-                <a:solidFill>
-                  <a:srgbClr val="212529"/>
-                </a:solidFill>
-                <a:latin typeface="Times New Roman" panose="02020603050405020304" pitchFamily="18" charset="0"/>
-                <a:cs typeface="Times New Roman" panose="02020603050405020304" pitchFamily="18" charset="0"/>
-              </a:rPr>
-              <a:t>the chosen </a:t>
-            </a:r>
-            <a:r>
-              <a:rPr lang="en-US" sz="2000" dirty="0">
-                <a:solidFill>
-                  <a:srgbClr val="212529"/>
-                </a:solidFill>
-                <a:latin typeface="Times New Roman" panose="02020603050405020304" pitchFamily="18" charset="0"/>
-                <a:cs typeface="Times New Roman" panose="02020603050405020304" pitchFamily="18" charset="0"/>
-              </a:rPr>
-              <a:t>child node is full, if yes then we have to split it before inserting to that node.</a:t>
+              <a:t>For a non-leaf node, we also have to check whether the chosen child node is full, if yes then we have to split it before inserting to that node.</a:t>
             </a:r>
             <a:endParaRPr lang="en-US" sz="1800" dirty="0">
               <a:solidFill>

--- a/Seminar.pptx
+++ b/Seminar.pptx
@@ -15949,7 +15949,7 @@
         <p:spPr>
           <a:xfrm>
             <a:off x="1453243" y="1166171"/>
-            <a:ext cx="3361825" cy="3251980"/>
+            <a:ext cx="3361825" cy="3724418"/>
           </a:xfrm>
           <a:prstGeom prst="rect">
             <a:avLst/>
@@ -15984,7 +15984,7 @@
                 <a:latin typeface="Times New Roman" panose="02020603050405020304" pitchFamily="18" charset="0"/>
                 <a:ea typeface="Times New Roman" panose="02020603050405020304" pitchFamily="18" charset="0"/>
               </a:rPr>
-              <a:t>In this function, before inserting a value, should we </a:t>
+              <a:t>In this function, before inserting a key to a child node, should we </a:t>
             </a:r>
             <a:r>
               <a:rPr lang="en-US" dirty="0">
@@ -15994,17 +15994,7 @@
                 <a:latin typeface="Times New Roman" panose="02020603050405020304" pitchFamily="18" charset="0"/>
                 <a:ea typeface="Times New Roman" panose="02020603050405020304" pitchFamily="18" charset="0"/>
               </a:rPr>
-              <a:t>know that a child node named y is already full, we have to split it into two. We also have </a:t>
-            </a:r>
-            <a:r>
-              <a:rPr lang="en-US" b="1" i="1" dirty="0" err="1">
-                <a:solidFill>
-                  <a:srgbClr val="212529"/>
-                </a:solidFill>
-                <a:latin typeface="Times New Roman" panose="02020603050405020304" pitchFamily="18" charset="0"/>
-                <a:ea typeface="Times New Roman" panose="02020603050405020304" pitchFamily="18" charset="0"/>
-              </a:rPr>
-              <a:t>i</a:t>
+              <a:t>know that a child named y is already full, we have to split it into two. During the process</a:t>
             </a:r>
             <a:r>
               <a:rPr lang="en-US" b="1" i="1" dirty="0">
@@ -16014,7 +16004,7 @@
                 <a:latin typeface="Times New Roman" panose="02020603050405020304" pitchFamily="18" charset="0"/>
                 <a:ea typeface="Times New Roman" panose="02020603050405020304" pitchFamily="18" charset="0"/>
               </a:rPr>
-              <a:t> </a:t>
+              <a:t>, </a:t>
             </a:r>
             <a:r>
               <a:rPr lang="en-US" dirty="0">
@@ -16024,27 +16014,62 @@
                 <a:latin typeface="Times New Roman" panose="02020603050405020304" pitchFamily="18" charset="0"/>
                 <a:ea typeface="Times New Roman" panose="02020603050405020304" pitchFamily="18" charset="0"/>
               </a:rPr>
-              <a:t>as the index of child node in array. During the process</a:t>
-            </a:r>
-            <a:r>
-              <a:rPr lang="en-US" b="1" i="1" dirty="0">
+              <a:t>the median key of the split child node will be pushed into the current parent node.</a:t>
+            </a:r>
+          </a:p>
+          <a:p>
+            <a:pPr marL="342900" marR="0" lvl="0" indent="-342900" algn="just">
+              <a:lnSpc>
+                <a:spcPct val="115000"/>
+              </a:lnSpc>
+              <a:spcBef>
+                <a:spcPts val="0"/>
+              </a:spcBef>
+              <a:spcAft>
+                <a:spcPts val="1200"/>
+              </a:spcAft>
+              <a:buFont typeface="Wingdings" panose="05000000000000000000" pitchFamily="2" charset="2"/>
+              <a:buChar char=""/>
+            </a:pPr>
+            <a:r>
+              <a:rPr lang="en-US" sz="1400" dirty="0">
                 <a:solidFill>
                   <a:srgbClr val="212529"/>
                 </a:solidFill>
                 <a:latin typeface="Times New Roman" panose="02020603050405020304" pitchFamily="18" charset="0"/>
                 <a:ea typeface="Times New Roman" panose="02020603050405020304" pitchFamily="18" charset="0"/>
               </a:rPr>
-              <a:t>, </a:t>
-            </a:r>
-            <a:r>
-              <a:rPr lang="en-US" dirty="0">
+              <a:t>We also have </a:t>
+            </a:r>
+            <a:r>
+              <a:rPr lang="en-US" sz="1400" b="1" i="1" dirty="0" err="1">
                 <a:solidFill>
                   <a:srgbClr val="212529"/>
                 </a:solidFill>
                 <a:latin typeface="Times New Roman" panose="02020603050405020304" pitchFamily="18" charset="0"/>
                 <a:ea typeface="Times New Roman" panose="02020603050405020304" pitchFamily="18" charset="0"/>
               </a:rPr>
-              <a:t>the median key of the split child node will be pushed into the current parent node.</a:t>
+              <a:t>i</a:t>
+            </a:r>
+            <a:r>
+              <a:rPr lang="en-US" sz="1400" b="1" i="1">
+                <a:solidFill>
+                  <a:srgbClr val="212529"/>
+                </a:solidFill>
+                <a:latin typeface="Times New Roman" panose="02020603050405020304" pitchFamily="18" charset="0"/>
+                <a:ea typeface="Times New Roman" panose="02020603050405020304" pitchFamily="18" charset="0"/>
+              </a:rPr>
+              <a:t> </a:t>
+            </a:r>
+            <a:r>
+              <a:rPr lang="en-US" sz="1400">
+                <a:solidFill>
+                  <a:srgbClr val="212529"/>
+                </a:solidFill>
+                <a:latin typeface="Times New Roman" panose="02020603050405020304" pitchFamily="18" charset="0"/>
+                <a:ea typeface="Times New Roman" panose="02020603050405020304" pitchFamily="18" charset="0"/>
+              </a:rPr>
+              <a:t>as the index of child node in array.</a:t>
             </a:r>
             <a:endParaRPr lang="en-US" sz="1400" b="1" i="1" dirty="0">
               <a:effectLst/>
@@ -16645,25 +16670,8 @@
                 <a:latin typeface="Times New Roman" panose="02020603050405020304" pitchFamily="18" charset="0"/>
                 <a:cs typeface="Times New Roman" panose="02020603050405020304" pitchFamily="18" charset="0"/>
               </a:rPr>
-              <a:t>This function is used to insert a key into a non-full node (it might be already non-full or it had been split beforehand). Before inserting, we must choose the correct child </a:t>
-            </a:r>
-            <a:r>
-              <a:rPr lang="en-US" sz="1800">
-                <a:solidFill>
-                  <a:srgbClr val="212529"/>
-                </a:solidFill>
-                <a:latin typeface="Times New Roman" panose="02020603050405020304" pitchFamily="18" charset="0"/>
-                <a:cs typeface="Times New Roman" panose="02020603050405020304" pitchFamily="18" charset="0"/>
-              </a:rPr>
-              <a:t>to insert to.</a:t>
-            </a:r>
-            <a:endParaRPr lang="en-US" sz="1800" dirty="0">
-              <a:solidFill>
-                <a:srgbClr val="212529"/>
-              </a:solidFill>
-              <a:latin typeface="Times New Roman" panose="02020603050405020304" pitchFamily="18" charset="0"/>
-              <a:cs typeface="Times New Roman" panose="02020603050405020304" pitchFamily="18" charset="0"/>
-            </a:endParaRPr>
+              <a:t>This function is used to insert a key into a non-full node (it might be already non-full or it had been split beforehand). Before inserting, we must choose the correct child to insert to.</a:t>
+            </a:r>
           </a:p>
           <a:p>
             <a:pPr marL="0" indent="0">

--- a/Seminar.pptx
+++ b/Seminar.pptx
@@ -16052,7 +16052,7 @@
               <a:t>i</a:t>
             </a:r>
             <a:r>
-              <a:rPr lang="en-US" sz="1400" b="1" i="1">
+              <a:rPr lang="en-US" sz="1400" b="1" i="1" dirty="0">
                 <a:solidFill>
                   <a:srgbClr val="212529"/>
                 </a:solidFill>
@@ -16062,7 +16062,7 @@
               <a:t> </a:t>
             </a:r>
             <a:r>
-              <a:rPr lang="en-US" sz="1400">
+              <a:rPr lang="en-US" sz="1400" dirty="0">
                 <a:solidFill>
                   <a:srgbClr val="212529"/>
                 </a:solidFill>
@@ -16645,7 +16645,7 @@
         </p:spPr>
         <p:txBody>
           <a:bodyPr>
-            <a:normAutofit fontScale="92500" lnSpcReduction="20000"/>
+            <a:normAutofit/>
           </a:bodyPr>
           <a:lstStyle/>
           <a:p>
@@ -16670,34 +16670,17 @@
                 <a:latin typeface="Times New Roman" panose="02020603050405020304" pitchFamily="18" charset="0"/>
                 <a:cs typeface="Times New Roman" panose="02020603050405020304" pitchFamily="18" charset="0"/>
               </a:rPr>
-              <a:t>This function is used to insert a key into a non-full node (it might be already non-full or it had been split beforehand). Before inserting, we must choose the correct child to insert to.</a:t>
-            </a:r>
-          </a:p>
-          <a:p>
-            <a:pPr marL="0" indent="0">
-              <a:buNone/>
-            </a:pPr>
-            <a:endParaRPr lang="en-US" sz="2000" dirty="0">
-              <a:solidFill>
-                <a:srgbClr val="212529"/>
-              </a:solidFill>
-              <a:latin typeface="Times New Roman" panose="02020603050405020304" pitchFamily="18" charset="0"/>
-              <a:cs typeface="Times New Roman" panose="02020603050405020304" pitchFamily="18" charset="0"/>
-            </a:endParaRPr>
-          </a:p>
-          <a:p>
-            <a:pPr marL="0" indent="0">
-              <a:buNone/>
-            </a:pPr>
-            <a:r>
-              <a:rPr lang="en-US" sz="2000" dirty="0">
+              <a:t>This function is used to insert a key into a non-full node (it might be already non-full or it had been split beforehand). Before inserting, we must choose the correct child to insert to in case of non-leaf node and we have to split it </a:t>
+            </a:r>
+            <a:r>
+              <a:rPr lang="en-US" sz="1800">
                 <a:solidFill>
                   <a:srgbClr val="212529"/>
                 </a:solidFill>
                 <a:latin typeface="Times New Roman" panose="02020603050405020304" pitchFamily="18" charset="0"/>
                 <a:cs typeface="Times New Roman" panose="02020603050405020304" pitchFamily="18" charset="0"/>
               </a:rPr>
-              <a:t>For a non-leaf node, we also have to check whether the chosen child node is full, if yes then we have to split it before inserting to that node.</a:t>
+              <a:t>if necessary.</a:t>
             </a:r>
             <a:endParaRPr lang="en-US" sz="1800" dirty="0">
               <a:solidFill>

--- a/Seminar.pptx
+++ b/Seminar.pptx
@@ -16670,25 +16670,8 @@
                 <a:latin typeface="Times New Roman" panose="02020603050405020304" pitchFamily="18" charset="0"/>
                 <a:cs typeface="Times New Roman" panose="02020603050405020304" pitchFamily="18" charset="0"/>
               </a:rPr>
-              <a:t>This function is used to insert a key into a non-full node (it might be already non-full or it had been split beforehand). Before inserting, we must choose the correct child to insert to in case of non-leaf node and we have to split it </a:t>
-            </a:r>
-            <a:r>
-              <a:rPr lang="en-US" sz="1800">
-                <a:solidFill>
-                  <a:srgbClr val="212529"/>
-                </a:solidFill>
-                <a:latin typeface="Times New Roman" panose="02020603050405020304" pitchFamily="18" charset="0"/>
-                <a:cs typeface="Times New Roman" panose="02020603050405020304" pitchFamily="18" charset="0"/>
-              </a:rPr>
-              <a:t>if necessary.</a:t>
-            </a:r>
-            <a:endParaRPr lang="en-US" sz="1800" dirty="0">
-              <a:solidFill>
-                <a:srgbClr val="212529"/>
-              </a:solidFill>
-              <a:latin typeface="Times New Roman" panose="02020603050405020304" pitchFamily="18" charset="0"/>
-              <a:cs typeface="Times New Roman" panose="02020603050405020304" pitchFamily="18" charset="0"/>
-            </a:endParaRPr>
+              <a:t>This function is used to insert a key into a non-full node (it might be already non-full or it had been split beforehand). Before inserting, we must choose the correct child to insert to in case of non-leaf node and we have to split it if necessary.</a:t>
+            </a:r>
           </a:p>
         </p:txBody>
       </p:sp>
@@ -19572,7 +19555,23 @@
                 <a:latin typeface="Times New Roman" panose="02020603050405020304" pitchFamily="18" charset="0"/>
                 <a:ea typeface="Times New Roman" panose="02020603050405020304" pitchFamily="18" charset="0"/>
               </a:rPr>
-              <a:t>If it is true (full), we have to split the root into two new nodes. These two nodes will become children of a new root node, which now contains the median of the previous root. Then we continue to insert to the corresponding child node.</a:t>
+              <a:t>If it is true (full), we have to split the root into two new nodes. These two nodes will become children of a new root node, which now contains the median of the previous root. Then </a:t>
+            </a:r>
+            <a:r>
+              <a:rPr lang="en-US" sz="2000">
+                <a:effectLst/>
+                <a:latin typeface="Times New Roman" panose="02020603050405020304" pitchFamily="18" charset="0"/>
+                <a:ea typeface="Times New Roman" panose="02020603050405020304" pitchFamily="18" charset="0"/>
+              </a:rPr>
+              <a:t>we insert </a:t>
+            </a:r>
+            <a:r>
+              <a:rPr lang="en-US" sz="2000" dirty="0">
+                <a:effectLst/>
+                <a:latin typeface="Times New Roman" panose="02020603050405020304" pitchFamily="18" charset="0"/>
+                <a:ea typeface="Times New Roman" panose="02020603050405020304" pitchFamily="18" charset="0"/>
+              </a:rPr>
+              <a:t>to the corresponding child node.</a:t>
             </a:r>
           </a:p>
           <a:p>

--- a/Seminar.pptx
+++ b/Seminar.pptx
@@ -19555,7 +19555,7 @@
                 <a:latin typeface="Times New Roman" panose="02020603050405020304" pitchFamily="18" charset="0"/>
                 <a:ea typeface="Times New Roman" panose="02020603050405020304" pitchFamily="18" charset="0"/>
               </a:rPr>
-              <a:t>If it is true (full), we have to split the root into two new nodes. These two nodes will become children of a new root node, which now contains the median of the previous root. Then </a:t>
+              <a:t>If it is true (full), we have to split the root into two new nodes. These two nodes will become children of a new root node, which now contains the median of the previous root. Then we insert to the correct child node (split from the </a:t>
             </a:r>
             <a:r>
               <a:rPr lang="en-US" sz="2000">
@@ -19563,16 +19563,13 @@
                 <a:latin typeface="Times New Roman" panose="02020603050405020304" pitchFamily="18" charset="0"/>
                 <a:ea typeface="Times New Roman" panose="02020603050405020304" pitchFamily="18" charset="0"/>
               </a:rPr>
-              <a:t>we insert </a:t>
-            </a:r>
-            <a:r>
-              <a:rPr lang="en-US" sz="2000" dirty="0">
-                <a:effectLst/>
-                <a:latin typeface="Times New Roman" panose="02020603050405020304" pitchFamily="18" charset="0"/>
-                <a:ea typeface="Times New Roman" panose="02020603050405020304" pitchFamily="18" charset="0"/>
-              </a:rPr>
-              <a:t>to the corresponding child node.</a:t>
-            </a:r>
+              <a:t>original root).</a:t>
+            </a:r>
+            <a:endParaRPr lang="en-US" sz="2000" dirty="0">
+              <a:effectLst/>
+              <a:latin typeface="Times New Roman" panose="02020603050405020304" pitchFamily="18" charset="0"/>
+              <a:ea typeface="Times New Roman" panose="02020603050405020304" pitchFamily="18" charset="0"/>
+            </a:endParaRPr>
           </a:p>
           <a:p>
             <a:pPr lvl="1">

--- a/Seminar.pptx
+++ b/Seminar.pptx
@@ -32,11 +32,11 @@
     <p:sldId id="282" r:id="rId23"/>
     <p:sldId id="269" r:id="rId24"/>
     <p:sldId id="280" r:id="rId25"/>
-    <p:sldId id="284" r:id="rId26"/>
-    <p:sldId id="286" r:id="rId27"/>
-    <p:sldId id="285" r:id="rId28"/>
-    <p:sldId id="287" r:id="rId29"/>
-    <p:sldId id="288" r:id="rId30"/>
+    <p:sldId id="287" r:id="rId26"/>
+    <p:sldId id="288" r:id="rId27"/>
+    <p:sldId id="284" r:id="rId28"/>
+    <p:sldId id="286" r:id="rId29"/>
+    <p:sldId id="285" r:id="rId30"/>
     <p:sldId id="259" r:id="rId31"/>
     <p:sldId id="289" r:id="rId32"/>
     <p:sldId id="290" r:id="rId33"/>
@@ -614,7 +614,7 @@
           <a:p>
             <a:fld id="{AF533E96-F078-4B3D-A8F4-F1AF21EBC357}" type="slidenum">
               <a:rPr lang="en-US" smtClean="0"/>
-              <a:t>26</a:t>
+              <a:t>28</a:t>
             </a:fld>
             <a:endParaRPr lang="en-US"/>
           </a:p>
@@ -15723,10 +15723,64 @@
       </p:grpSpPr>
       <p:sp>
         <p:nvSpPr>
-          <p:cNvPr id="2" name="Title 1">
+          <p:cNvPr id="3" name="Content Placeholder 2">
             <a:extLst>
               <a:ext uri="{FF2B5EF4-FFF2-40B4-BE49-F238E27FC236}">
-                <a16:creationId xmlns:a16="http://schemas.microsoft.com/office/drawing/2014/main" id="{15060578-1400-9E32-5DF2-84A064D55055}"/>
+                <a16:creationId xmlns:a16="http://schemas.microsoft.com/office/drawing/2014/main" id="{F78D5181-F565-C9ED-7262-D3C9FD6143B2}"/>
+              </a:ext>
+            </a:extLst>
+          </p:cNvPr>
+          <p:cNvSpPr>
+            <a:spLocks noGrp="1"/>
+          </p:cNvSpPr>
+          <p:nvPr>
+            <p:ph idx="1"/>
+          </p:nvPr>
+        </p:nvSpPr>
+        <p:spPr>
+          <a:xfrm>
+            <a:off x="1526721" y="1131888"/>
+            <a:ext cx="3282043" cy="3860799"/>
+          </a:xfrm>
+        </p:spPr>
+        <p:txBody>
+          <a:bodyPr>
+            <a:normAutofit/>
+          </a:bodyPr>
+          <a:lstStyle/>
+          <a:p>
+            <a:r>
+              <a:rPr lang="en-US" sz="2000" b="1" i="1" dirty="0">
+                <a:latin typeface="Times New Roman" panose="02020603050405020304" pitchFamily="18" charset="0"/>
+                <a:cs typeface="Times New Roman" panose="02020603050405020304" pitchFamily="18" charset="0"/>
+              </a:rPr>
+              <a:t>Insert a node whose root wasn’t full :</a:t>
+            </a:r>
+            <a:br>
+              <a:rPr lang="en-US" sz="2000" dirty="0">
+                <a:latin typeface="Times New Roman" panose="02020603050405020304" pitchFamily="18" charset="0"/>
+                <a:cs typeface="Times New Roman" panose="02020603050405020304" pitchFamily="18" charset="0"/>
+              </a:rPr>
+            </a:br>
+            <a:r>
+              <a:rPr lang="en-US" sz="1800" dirty="0">
+                <a:solidFill>
+                  <a:srgbClr val="212529"/>
+                </a:solidFill>
+                <a:latin typeface="Times New Roman" panose="02020603050405020304" pitchFamily="18" charset="0"/>
+                <a:cs typeface="Times New Roman" panose="02020603050405020304" pitchFamily="18" charset="0"/>
+              </a:rPr>
+              <a:t>This function is used to insert a key into a non-full node (it might be already non-full or it had been split beforehand). Before inserting, we must choose the correct child to insert to in case of non-leaf node and we have to split it if necessary.</a:t>
+            </a:r>
+          </a:p>
+        </p:txBody>
+      </p:sp>
+      <p:sp>
+        <p:nvSpPr>
+          <p:cNvPr id="4" name="Title 1">
+            <a:extLst>
+              <a:ext uri="{FF2B5EF4-FFF2-40B4-BE49-F238E27FC236}">
+                <a16:creationId xmlns:a16="http://schemas.microsoft.com/office/drawing/2014/main" id="{C54030F8-FB1F-D1A5-E452-AD37237F1A40}"/>
               </a:ext>
             </a:extLst>
           </p:cNvPr>
@@ -15739,8 +15793,8 @@
         </p:nvSpPr>
         <p:spPr>
           <a:xfrm>
-            <a:off x="1813959" y="0"/>
-            <a:ext cx="6805594" cy="725349"/>
+            <a:off x="1735138" y="406400"/>
+            <a:ext cx="6804025" cy="725488"/>
           </a:xfrm>
         </p:spPr>
         <p:txBody>
@@ -15758,63 +15812,12 @@
           </a:p>
         </p:txBody>
       </p:sp>
-      <p:sp>
-        <p:nvSpPr>
-          <p:cNvPr id="4" name="Rectangle 3">
-            <a:extLst>
-              <a:ext uri="{FF2B5EF4-FFF2-40B4-BE49-F238E27FC236}">
-                <a16:creationId xmlns:a16="http://schemas.microsoft.com/office/drawing/2014/main" id="{FE0DF1DB-450A-98DF-BCD6-154E55A98F4E}"/>
-              </a:ext>
-            </a:extLst>
-          </p:cNvPr>
-          <p:cNvSpPr/>
-          <p:nvPr/>
-        </p:nvSpPr>
-        <p:spPr>
-          <a:xfrm>
-            <a:off x="1620526" y="1694587"/>
-            <a:ext cx="3387976" cy="1754326"/>
-          </a:xfrm>
-          <a:prstGeom prst="rect">
-            <a:avLst/>
-          </a:prstGeom>
-          <a:noFill/>
-        </p:spPr>
-        <p:txBody>
-          <a:bodyPr wrap="square" lIns="91440" tIns="45720" rIns="91440" bIns="45720">
-            <a:spAutoFit/>
-            <a:scene3d>
-              <a:camera prst="orthographicFront"/>
-              <a:lightRig rig="soft" dir="t">
-                <a:rot lat="0" lon="0" rev="15600000"/>
-              </a:lightRig>
-            </a:scene3d>
-            <a:sp3d extrusionH="57150" prstMaterial="softEdge">
-              <a:bevelT w="25400" h="38100"/>
-            </a:sp3d>
-          </a:bodyPr>
-          <a:lstStyle/>
-          <a:p>
-            <a:pPr algn="ctr"/>
-            <a:r>
-              <a:rPr lang="en-US" sz="5400" b="1" cap="none" spc="0" dirty="0">
-                <a:ln/>
-                <a:solidFill>
-                  <a:schemeClr val="accent4"/>
-                </a:solidFill>
-                <a:effectLst/>
-              </a:rPr>
-              <a:t>Split children</a:t>
-            </a:r>
-          </a:p>
-        </p:txBody>
-      </p:sp>
       <p:pic>
         <p:nvPicPr>
           <p:cNvPr id="5" name="Picture 4">
             <a:extLst>
               <a:ext uri="{FF2B5EF4-FFF2-40B4-BE49-F238E27FC236}">
-                <a16:creationId xmlns:a16="http://schemas.microsoft.com/office/drawing/2014/main" id="{F0ED6C71-AF34-F8CD-7E70-34F108BE8B53}"/>
+                <a16:creationId xmlns:a16="http://schemas.microsoft.com/office/drawing/2014/main" id="{FADAA719-5853-FFE7-5414-6C48E276BAEB}"/>
               </a:ext>
             </a:extLst>
           </p:cNvPr>
@@ -15823,15 +15826,16 @@
           </p:cNvPicPr>
           <p:nvPr/>
         </p:nvPicPr>
-        <p:blipFill rotWithShape="1">
+        <p:blipFill>
           <a:blip r:embed="rId2"/>
-          <a:srcRect l="1" r="23572"/>
-          <a:stretch/>
+          <a:stretch>
+            <a:fillRect/>
+          </a:stretch>
         </p:blipFill>
         <p:spPr>
           <a:xfrm>
-            <a:off x="4815068" y="725349"/>
-            <a:ext cx="4023360" cy="4362450"/>
+            <a:off x="5026706" y="943294"/>
+            <a:ext cx="3512457" cy="4049393"/>
           </a:xfrm>
           <a:prstGeom prst="rect">
             <a:avLst/>
@@ -15841,7 +15845,7 @@
     </p:spTree>
     <p:extLst>
       <p:ext uri="{BB962C8B-B14F-4D97-AF65-F5344CB8AC3E}">
-        <p14:creationId xmlns:p14="http://schemas.microsoft.com/office/powerpoint/2010/main" val="3893940090"/>
+        <p14:creationId xmlns:p14="http://schemas.microsoft.com/office/powerpoint/2010/main" val="2026387588"/>
       </p:ext>
     </p:extLst>
   </p:cSld>
@@ -15873,6 +15877,1359 @@
           <p:cNvPr id="2" name="Title 1">
             <a:extLst>
               <a:ext uri="{FF2B5EF4-FFF2-40B4-BE49-F238E27FC236}">
+                <a16:creationId xmlns:a16="http://schemas.microsoft.com/office/drawing/2014/main" id="{D9A29F15-913A-A5DD-8C00-9912BC57330C}"/>
+              </a:ext>
+            </a:extLst>
+          </p:cNvPr>
+          <p:cNvSpPr>
+            <a:spLocks noGrp="1"/>
+          </p:cNvSpPr>
+          <p:nvPr>
+            <p:ph type="title"/>
+          </p:nvPr>
+        </p:nvSpPr>
+        <p:spPr>
+          <a:xfrm>
+            <a:off x="2253343" y="324894"/>
+            <a:ext cx="6466113" cy="725349"/>
+          </a:xfrm>
+        </p:spPr>
+        <p:txBody>
+          <a:bodyPr>
+            <a:noAutofit/>
+          </a:bodyPr>
+          <a:lstStyle/>
+          <a:p>
+            <a:r>
+              <a:rPr lang="en-US" sz="4800" b="1" dirty="0">
+                <a:effectLst/>
+              </a:rPr>
+              <a:t>DEMONSTRATION</a:t>
+            </a:r>
+          </a:p>
+        </p:txBody>
+      </p:sp>
+      <p:sp>
+        <p:nvSpPr>
+          <p:cNvPr id="4" name="Rectangle 3">
+            <a:extLst>
+              <a:ext uri="{FF2B5EF4-FFF2-40B4-BE49-F238E27FC236}">
+                <a16:creationId xmlns:a16="http://schemas.microsoft.com/office/drawing/2014/main" id="{C592B247-08C4-86F9-FF6A-9088CBFAADC2}"/>
+              </a:ext>
+            </a:extLst>
+          </p:cNvPr>
+          <p:cNvSpPr/>
+          <p:nvPr/>
+        </p:nvSpPr>
+        <p:spPr>
+          <a:xfrm>
+            <a:off x="2068284" y="3751488"/>
+            <a:ext cx="659947" cy="559253"/>
+          </a:xfrm>
+          <a:prstGeom prst="rect">
+            <a:avLst/>
+          </a:prstGeom>
+          <a:solidFill>
+            <a:schemeClr val="bg1"/>
+          </a:solidFill>
+        </p:spPr>
+        <p:style>
+          <a:lnRef idx="2">
+            <a:schemeClr val="accent1">
+              <a:shade val="50000"/>
+            </a:schemeClr>
+          </a:lnRef>
+          <a:fillRef idx="1">
+            <a:schemeClr val="accent1"/>
+          </a:fillRef>
+          <a:effectRef idx="0">
+            <a:schemeClr val="accent1"/>
+          </a:effectRef>
+          <a:fontRef idx="minor">
+            <a:schemeClr val="lt1"/>
+          </a:fontRef>
+        </p:style>
+        <p:txBody>
+          <a:bodyPr rtlCol="0" anchor="ctr"/>
+          <a:lstStyle/>
+          <a:p>
+            <a:pPr algn="ctr"/>
+            <a:r>
+              <a:rPr lang="en-US" sz="3600" dirty="0">
+                <a:solidFill>
+                  <a:schemeClr val="tx1"/>
+                </a:solidFill>
+              </a:rPr>
+              <a:t>8</a:t>
+            </a:r>
+            <a:endParaRPr lang="en-US" dirty="0">
+              <a:solidFill>
+                <a:schemeClr val="tx1"/>
+              </a:solidFill>
+            </a:endParaRPr>
+          </a:p>
+        </p:txBody>
+      </p:sp>
+      <p:sp>
+        <p:nvSpPr>
+          <p:cNvPr id="5" name="Rectangle 4">
+            <a:extLst>
+              <a:ext uri="{FF2B5EF4-FFF2-40B4-BE49-F238E27FC236}">
+                <a16:creationId xmlns:a16="http://schemas.microsoft.com/office/drawing/2014/main" id="{36DC2C8F-ABC9-790A-B2AB-F237136F25D4}"/>
+              </a:ext>
+            </a:extLst>
+          </p:cNvPr>
+          <p:cNvSpPr/>
+          <p:nvPr/>
+        </p:nvSpPr>
+        <p:spPr>
+          <a:xfrm>
+            <a:off x="3367351" y="3751488"/>
+            <a:ext cx="659947" cy="559253"/>
+          </a:xfrm>
+          <a:prstGeom prst="rect">
+            <a:avLst/>
+          </a:prstGeom>
+          <a:solidFill>
+            <a:schemeClr val="bg1"/>
+          </a:solidFill>
+        </p:spPr>
+        <p:style>
+          <a:lnRef idx="2">
+            <a:schemeClr val="accent1">
+              <a:shade val="50000"/>
+            </a:schemeClr>
+          </a:lnRef>
+          <a:fillRef idx="1">
+            <a:schemeClr val="accent1"/>
+          </a:fillRef>
+          <a:effectRef idx="0">
+            <a:schemeClr val="accent1"/>
+          </a:effectRef>
+          <a:fontRef idx="minor">
+            <a:schemeClr val="lt1"/>
+          </a:fontRef>
+        </p:style>
+        <p:txBody>
+          <a:bodyPr rtlCol="0" anchor="ctr"/>
+          <a:lstStyle/>
+          <a:p>
+            <a:pPr algn="ctr"/>
+            <a:r>
+              <a:rPr lang="en-US" sz="3600" dirty="0">
+                <a:solidFill>
+                  <a:schemeClr val="tx1"/>
+                </a:solidFill>
+              </a:rPr>
+              <a:t>10</a:t>
+            </a:r>
+          </a:p>
+        </p:txBody>
+      </p:sp>
+      <p:sp>
+        <p:nvSpPr>
+          <p:cNvPr id="6" name="Rectangle 5">
+            <a:extLst>
+              <a:ext uri="{FF2B5EF4-FFF2-40B4-BE49-F238E27FC236}">
+                <a16:creationId xmlns:a16="http://schemas.microsoft.com/office/drawing/2014/main" id="{62CCDD39-098D-BEB9-4D2F-F753BF4433BB}"/>
+              </a:ext>
+            </a:extLst>
+          </p:cNvPr>
+          <p:cNvSpPr/>
+          <p:nvPr/>
+        </p:nvSpPr>
+        <p:spPr>
+          <a:xfrm>
+            <a:off x="5832780" y="2753704"/>
+            <a:ext cx="659947" cy="559253"/>
+          </a:xfrm>
+          <a:prstGeom prst="rect">
+            <a:avLst/>
+          </a:prstGeom>
+          <a:solidFill>
+            <a:schemeClr val="bg1"/>
+          </a:solidFill>
+        </p:spPr>
+        <p:style>
+          <a:lnRef idx="2">
+            <a:schemeClr val="accent1">
+              <a:shade val="50000"/>
+            </a:schemeClr>
+          </a:lnRef>
+          <a:fillRef idx="1">
+            <a:schemeClr val="accent1"/>
+          </a:fillRef>
+          <a:effectRef idx="0">
+            <a:schemeClr val="accent1"/>
+          </a:effectRef>
+          <a:fontRef idx="minor">
+            <a:schemeClr val="lt1"/>
+          </a:fontRef>
+        </p:style>
+        <p:txBody>
+          <a:bodyPr rtlCol="0" anchor="ctr"/>
+          <a:lstStyle/>
+          <a:p>
+            <a:pPr algn="ctr"/>
+            <a:r>
+              <a:rPr lang="en-US" sz="3600" dirty="0">
+                <a:solidFill>
+                  <a:schemeClr val="tx1"/>
+                </a:solidFill>
+              </a:rPr>
+              <a:t>16</a:t>
+            </a:r>
+          </a:p>
+        </p:txBody>
+      </p:sp>
+      <p:sp>
+        <p:nvSpPr>
+          <p:cNvPr id="7" name="Rectangle 6">
+            <a:extLst>
+              <a:ext uri="{FF2B5EF4-FFF2-40B4-BE49-F238E27FC236}">
+                <a16:creationId xmlns:a16="http://schemas.microsoft.com/office/drawing/2014/main" id="{ED183926-DC26-ECDC-18F5-D41B378713FC}"/>
+              </a:ext>
+            </a:extLst>
+          </p:cNvPr>
+          <p:cNvSpPr/>
+          <p:nvPr/>
+        </p:nvSpPr>
+        <p:spPr>
+          <a:xfrm>
+            <a:off x="5017204" y="3751488"/>
+            <a:ext cx="659947" cy="559253"/>
+          </a:xfrm>
+          <a:prstGeom prst="rect">
+            <a:avLst/>
+          </a:prstGeom>
+          <a:solidFill>
+            <a:schemeClr val="bg1"/>
+          </a:solidFill>
+        </p:spPr>
+        <p:style>
+          <a:lnRef idx="2">
+            <a:schemeClr val="accent1">
+              <a:shade val="50000"/>
+            </a:schemeClr>
+          </a:lnRef>
+          <a:fillRef idx="1">
+            <a:schemeClr val="accent1"/>
+          </a:fillRef>
+          <a:effectRef idx="0">
+            <a:schemeClr val="accent1"/>
+          </a:effectRef>
+          <a:fontRef idx="minor">
+            <a:schemeClr val="lt1"/>
+          </a:fontRef>
+        </p:style>
+        <p:txBody>
+          <a:bodyPr rtlCol="0" anchor="ctr"/>
+          <a:lstStyle/>
+          <a:p>
+            <a:pPr algn="ctr"/>
+            <a:r>
+              <a:rPr lang="en-US" sz="3600" dirty="0">
+                <a:solidFill>
+                  <a:schemeClr val="tx1"/>
+                </a:solidFill>
+              </a:rPr>
+              <a:t>14</a:t>
+            </a:r>
+          </a:p>
+        </p:txBody>
+      </p:sp>
+      <p:sp>
+        <p:nvSpPr>
+          <p:cNvPr id="8" name="Rectangle 7">
+            <a:extLst>
+              <a:ext uri="{FF2B5EF4-FFF2-40B4-BE49-F238E27FC236}">
+                <a16:creationId xmlns:a16="http://schemas.microsoft.com/office/drawing/2014/main" id="{944A0491-9C17-1770-9BBC-4AC89F298C9F}"/>
+              </a:ext>
+            </a:extLst>
+          </p:cNvPr>
+          <p:cNvSpPr/>
+          <p:nvPr/>
+        </p:nvSpPr>
+        <p:spPr>
+          <a:xfrm>
+            <a:off x="6249456" y="3751487"/>
+            <a:ext cx="659947" cy="559253"/>
+          </a:xfrm>
+          <a:prstGeom prst="rect">
+            <a:avLst/>
+          </a:prstGeom>
+          <a:solidFill>
+            <a:schemeClr val="bg1"/>
+          </a:solidFill>
+        </p:spPr>
+        <p:style>
+          <a:lnRef idx="2">
+            <a:schemeClr val="accent1">
+              <a:shade val="50000"/>
+            </a:schemeClr>
+          </a:lnRef>
+          <a:fillRef idx="1">
+            <a:schemeClr val="accent1"/>
+          </a:fillRef>
+          <a:effectRef idx="0">
+            <a:schemeClr val="accent1"/>
+          </a:effectRef>
+          <a:fontRef idx="minor">
+            <a:schemeClr val="lt1"/>
+          </a:fontRef>
+        </p:style>
+        <p:txBody>
+          <a:bodyPr rtlCol="0" anchor="ctr"/>
+          <a:lstStyle/>
+          <a:p>
+            <a:pPr algn="ctr"/>
+            <a:r>
+              <a:rPr lang="en-US" sz="3600" dirty="0">
+                <a:solidFill>
+                  <a:schemeClr val="tx1"/>
+                </a:solidFill>
+              </a:rPr>
+              <a:t>17</a:t>
+            </a:r>
+          </a:p>
+        </p:txBody>
+      </p:sp>
+      <p:sp>
+        <p:nvSpPr>
+          <p:cNvPr id="9" name="Rectangle 8">
+            <a:extLst>
+              <a:ext uri="{FF2B5EF4-FFF2-40B4-BE49-F238E27FC236}">
+                <a16:creationId xmlns:a16="http://schemas.microsoft.com/office/drawing/2014/main" id="{2A7F1F09-9C29-E431-0A08-08B5D0078706}"/>
+              </a:ext>
+            </a:extLst>
+          </p:cNvPr>
+          <p:cNvSpPr/>
+          <p:nvPr/>
+        </p:nvSpPr>
+        <p:spPr>
+          <a:xfrm>
+            <a:off x="4823729" y="1862816"/>
+            <a:ext cx="659947" cy="559253"/>
+          </a:xfrm>
+          <a:prstGeom prst="rect">
+            <a:avLst/>
+          </a:prstGeom>
+          <a:solidFill>
+            <a:schemeClr val="bg1"/>
+          </a:solidFill>
+        </p:spPr>
+        <p:style>
+          <a:lnRef idx="2">
+            <a:schemeClr val="accent1">
+              <a:shade val="50000"/>
+            </a:schemeClr>
+          </a:lnRef>
+          <a:fillRef idx="1">
+            <a:schemeClr val="accent1"/>
+          </a:fillRef>
+          <a:effectRef idx="0">
+            <a:schemeClr val="accent1"/>
+          </a:effectRef>
+          <a:fontRef idx="minor">
+            <a:schemeClr val="lt1"/>
+          </a:fontRef>
+        </p:style>
+        <p:txBody>
+          <a:bodyPr rtlCol="0" anchor="ctr"/>
+          <a:lstStyle/>
+          <a:p>
+            <a:pPr algn="ctr"/>
+            <a:r>
+              <a:rPr lang="en-US" sz="3600" dirty="0">
+                <a:solidFill>
+                  <a:schemeClr val="tx1"/>
+                </a:solidFill>
+              </a:rPr>
+              <a:t>11</a:t>
+            </a:r>
+          </a:p>
+        </p:txBody>
+      </p:sp>
+      <p:sp>
+        <p:nvSpPr>
+          <p:cNvPr id="10" name="Rectangle 9">
+            <a:extLst>
+              <a:ext uri="{FF2B5EF4-FFF2-40B4-BE49-F238E27FC236}">
+                <a16:creationId xmlns:a16="http://schemas.microsoft.com/office/drawing/2014/main" id="{81E08B5D-51A4-6EC9-2E58-6BCF0D53DC7B}"/>
+              </a:ext>
+            </a:extLst>
+          </p:cNvPr>
+          <p:cNvSpPr/>
+          <p:nvPr/>
+        </p:nvSpPr>
+        <p:spPr>
+          <a:xfrm>
+            <a:off x="3267624" y="2712275"/>
+            <a:ext cx="659947" cy="559253"/>
+          </a:xfrm>
+          <a:prstGeom prst="rect">
+            <a:avLst/>
+          </a:prstGeom>
+          <a:solidFill>
+            <a:schemeClr val="bg1"/>
+          </a:solidFill>
+        </p:spPr>
+        <p:style>
+          <a:lnRef idx="2">
+            <a:schemeClr val="accent1">
+              <a:shade val="50000"/>
+            </a:schemeClr>
+          </a:lnRef>
+          <a:fillRef idx="1">
+            <a:schemeClr val="accent1"/>
+          </a:fillRef>
+          <a:effectRef idx="0">
+            <a:schemeClr val="accent1"/>
+          </a:effectRef>
+          <a:fontRef idx="minor">
+            <a:schemeClr val="lt1"/>
+          </a:fontRef>
+        </p:style>
+        <p:txBody>
+          <a:bodyPr rtlCol="0" anchor="ctr"/>
+          <a:lstStyle/>
+          <a:p>
+            <a:pPr algn="ctr"/>
+            <a:r>
+              <a:rPr lang="en-US" sz="3600" dirty="0">
+                <a:solidFill>
+                  <a:schemeClr val="tx1"/>
+                </a:solidFill>
+              </a:rPr>
+              <a:t>9</a:t>
+            </a:r>
+          </a:p>
+        </p:txBody>
+      </p:sp>
+      <p:sp>
+        <p:nvSpPr>
+          <p:cNvPr id="11" name="Rectangle 10">
+            <a:extLst>
+              <a:ext uri="{FF2B5EF4-FFF2-40B4-BE49-F238E27FC236}">
+                <a16:creationId xmlns:a16="http://schemas.microsoft.com/office/drawing/2014/main" id="{A0007216-5E04-5BDE-A506-C7D134AF85A1}"/>
+              </a:ext>
+            </a:extLst>
+          </p:cNvPr>
+          <p:cNvSpPr/>
+          <p:nvPr/>
+        </p:nvSpPr>
+        <p:spPr>
+          <a:xfrm>
+            <a:off x="6513966" y="2753703"/>
+            <a:ext cx="659947" cy="559253"/>
+          </a:xfrm>
+          <a:prstGeom prst="rect">
+            <a:avLst/>
+          </a:prstGeom>
+          <a:solidFill>
+            <a:schemeClr val="bg1"/>
+          </a:solidFill>
+        </p:spPr>
+        <p:style>
+          <a:lnRef idx="2">
+            <a:schemeClr val="accent1">
+              <a:shade val="50000"/>
+            </a:schemeClr>
+          </a:lnRef>
+          <a:fillRef idx="1">
+            <a:schemeClr val="accent1"/>
+          </a:fillRef>
+          <a:effectRef idx="0">
+            <a:schemeClr val="accent1"/>
+          </a:effectRef>
+          <a:fontRef idx="minor">
+            <a:schemeClr val="lt1"/>
+          </a:fontRef>
+        </p:style>
+        <p:txBody>
+          <a:bodyPr rtlCol="0" anchor="ctr"/>
+          <a:lstStyle/>
+          <a:p>
+            <a:pPr algn="ctr"/>
+            <a:r>
+              <a:rPr lang="en-US" sz="3600" dirty="0">
+                <a:solidFill>
+                  <a:schemeClr val="tx1"/>
+                </a:solidFill>
+              </a:rPr>
+              <a:t>18</a:t>
+            </a:r>
+          </a:p>
+        </p:txBody>
+      </p:sp>
+      <p:cxnSp>
+        <p:nvCxnSpPr>
+          <p:cNvPr id="14" name="Straight Arrow Connector 13">
+            <a:extLst>
+              <a:ext uri="{FF2B5EF4-FFF2-40B4-BE49-F238E27FC236}">
+                <a16:creationId xmlns:a16="http://schemas.microsoft.com/office/drawing/2014/main" id="{84A7F814-1E31-612B-6E15-C65C60B0E104}"/>
+              </a:ext>
+            </a:extLst>
+          </p:cNvPr>
+          <p:cNvCxnSpPr>
+            <a:cxnSpLocks/>
+          </p:cNvCxnSpPr>
+          <p:nvPr/>
+        </p:nvCxnSpPr>
+        <p:spPr>
+          <a:xfrm flipH="1">
+            <a:off x="2465611" y="3271528"/>
+            <a:ext cx="845611" cy="523048"/>
+          </a:xfrm>
+          <a:prstGeom prst="straightConnector1">
+            <a:avLst/>
+          </a:prstGeom>
+          <a:ln w="76200">
+            <a:tailEnd type="triangle"/>
+          </a:ln>
+        </p:spPr>
+        <p:style>
+          <a:lnRef idx="1">
+            <a:schemeClr val="dk1"/>
+          </a:lnRef>
+          <a:fillRef idx="0">
+            <a:schemeClr val="dk1"/>
+          </a:fillRef>
+          <a:effectRef idx="0">
+            <a:schemeClr val="dk1"/>
+          </a:effectRef>
+          <a:fontRef idx="minor">
+            <a:schemeClr val="tx1"/>
+          </a:fontRef>
+        </p:style>
+      </p:cxnSp>
+      <p:cxnSp>
+        <p:nvCxnSpPr>
+          <p:cNvPr id="15" name="Straight Arrow Connector 14">
+            <a:extLst>
+              <a:ext uri="{FF2B5EF4-FFF2-40B4-BE49-F238E27FC236}">
+                <a16:creationId xmlns:a16="http://schemas.microsoft.com/office/drawing/2014/main" id="{9287EBF1-12D6-1218-4C2B-4960EEF3B023}"/>
+              </a:ext>
+            </a:extLst>
+          </p:cNvPr>
+          <p:cNvCxnSpPr>
+            <a:cxnSpLocks/>
+          </p:cNvCxnSpPr>
+          <p:nvPr/>
+        </p:nvCxnSpPr>
+        <p:spPr>
+          <a:xfrm flipH="1">
+            <a:off x="3833370" y="2422069"/>
+            <a:ext cx="990359" cy="290206"/>
+          </a:xfrm>
+          <a:prstGeom prst="straightConnector1">
+            <a:avLst/>
+          </a:prstGeom>
+          <a:ln w="76200">
+            <a:tailEnd type="triangle"/>
+          </a:ln>
+        </p:spPr>
+        <p:style>
+          <a:lnRef idx="1">
+            <a:schemeClr val="dk1"/>
+          </a:lnRef>
+          <a:fillRef idx="0">
+            <a:schemeClr val="dk1"/>
+          </a:fillRef>
+          <a:effectRef idx="0">
+            <a:schemeClr val="dk1"/>
+          </a:effectRef>
+          <a:fontRef idx="minor">
+            <a:schemeClr val="tx1"/>
+          </a:fontRef>
+        </p:style>
+      </p:cxnSp>
+      <p:cxnSp>
+        <p:nvCxnSpPr>
+          <p:cNvPr id="17" name="Straight Arrow Connector 16">
+            <a:extLst>
+              <a:ext uri="{FF2B5EF4-FFF2-40B4-BE49-F238E27FC236}">
+                <a16:creationId xmlns:a16="http://schemas.microsoft.com/office/drawing/2014/main" id="{12596DEE-D044-BF25-8131-E2EDA4C6AA69}"/>
+              </a:ext>
+            </a:extLst>
+          </p:cNvPr>
+          <p:cNvCxnSpPr>
+            <a:cxnSpLocks/>
+          </p:cNvCxnSpPr>
+          <p:nvPr/>
+        </p:nvCxnSpPr>
+        <p:spPr>
+          <a:xfrm>
+            <a:off x="3768322" y="3271528"/>
+            <a:ext cx="130097" cy="479960"/>
+          </a:xfrm>
+          <a:prstGeom prst="straightConnector1">
+            <a:avLst/>
+          </a:prstGeom>
+          <a:ln w="76200">
+            <a:tailEnd type="triangle"/>
+          </a:ln>
+        </p:spPr>
+        <p:style>
+          <a:lnRef idx="1">
+            <a:schemeClr val="dk1"/>
+          </a:lnRef>
+          <a:fillRef idx="0">
+            <a:schemeClr val="dk1"/>
+          </a:fillRef>
+          <a:effectRef idx="0">
+            <a:schemeClr val="dk1"/>
+          </a:effectRef>
+          <a:fontRef idx="minor">
+            <a:schemeClr val="tx1"/>
+          </a:fontRef>
+        </p:style>
+      </p:cxnSp>
+      <p:sp>
+        <p:nvSpPr>
+          <p:cNvPr id="27" name="Rectangle 26">
+            <a:extLst>
+              <a:ext uri="{FF2B5EF4-FFF2-40B4-BE49-F238E27FC236}">
+                <a16:creationId xmlns:a16="http://schemas.microsoft.com/office/drawing/2014/main" id="{149646F2-E0DC-7311-3BA2-CF1FA1F023B4}"/>
+              </a:ext>
+            </a:extLst>
+          </p:cNvPr>
+          <p:cNvSpPr/>
+          <p:nvPr/>
+        </p:nvSpPr>
+        <p:spPr>
+          <a:xfrm>
+            <a:off x="7347002" y="3751488"/>
+            <a:ext cx="659947" cy="559253"/>
+          </a:xfrm>
+          <a:prstGeom prst="rect">
+            <a:avLst/>
+          </a:prstGeom>
+          <a:solidFill>
+            <a:schemeClr val="bg1"/>
+          </a:solidFill>
+        </p:spPr>
+        <p:style>
+          <a:lnRef idx="2">
+            <a:schemeClr val="accent1">
+              <a:shade val="50000"/>
+            </a:schemeClr>
+          </a:lnRef>
+          <a:fillRef idx="1">
+            <a:schemeClr val="accent1"/>
+          </a:fillRef>
+          <a:effectRef idx="0">
+            <a:schemeClr val="accent1"/>
+          </a:effectRef>
+          <a:fontRef idx="minor">
+            <a:schemeClr val="lt1"/>
+          </a:fontRef>
+        </p:style>
+        <p:txBody>
+          <a:bodyPr rtlCol="0" anchor="ctr"/>
+          <a:lstStyle/>
+          <a:p>
+            <a:pPr algn="ctr"/>
+            <a:r>
+              <a:rPr lang="en-US" sz="3600" dirty="0">
+                <a:solidFill>
+                  <a:schemeClr val="tx1"/>
+                </a:solidFill>
+              </a:rPr>
+              <a:t>24</a:t>
+            </a:r>
+          </a:p>
+        </p:txBody>
+      </p:sp>
+      <p:sp>
+        <p:nvSpPr>
+          <p:cNvPr id="28" name="Rectangle 27">
+            <a:extLst>
+              <a:ext uri="{FF2B5EF4-FFF2-40B4-BE49-F238E27FC236}">
+                <a16:creationId xmlns:a16="http://schemas.microsoft.com/office/drawing/2014/main" id="{4065ABFD-4FC6-5043-EB29-315E9687060C}"/>
+              </a:ext>
+            </a:extLst>
+          </p:cNvPr>
+          <p:cNvSpPr/>
+          <p:nvPr/>
+        </p:nvSpPr>
+        <p:spPr>
+          <a:xfrm>
+            <a:off x="8028188" y="3751487"/>
+            <a:ext cx="659947" cy="559253"/>
+          </a:xfrm>
+          <a:prstGeom prst="rect">
+            <a:avLst/>
+          </a:prstGeom>
+          <a:solidFill>
+            <a:schemeClr val="bg1"/>
+          </a:solidFill>
+        </p:spPr>
+        <p:style>
+          <a:lnRef idx="2">
+            <a:schemeClr val="accent1">
+              <a:shade val="50000"/>
+            </a:schemeClr>
+          </a:lnRef>
+          <a:fillRef idx="1">
+            <a:schemeClr val="accent1"/>
+          </a:fillRef>
+          <a:effectRef idx="0">
+            <a:schemeClr val="accent1"/>
+          </a:effectRef>
+          <a:fontRef idx="minor">
+            <a:schemeClr val="lt1"/>
+          </a:fontRef>
+        </p:style>
+        <p:txBody>
+          <a:bodyPr rtlCol="0" anchor="ctr"/>
+          <a:lstStyle/>
+          <a:p>
+            <a:pPr algn="ctr"/>
+            <a:r>
+              <a:rPr lang="en-US" sz="3600" dirty="0">
+                <a:solidFill>
+                  <a:schemeClr val="tx1"/>
+                </a:solidFill>
+              </a:rPr>
+              <a:t>32</a:t>
+            </a:r>
+          </a:p>
+        </p:txBody>
+      </p:sp>
+      <p:cxnSp>
+        <p:nvCxnSpPr>
+          <p:cNvPr id="29" name="Straight Arrow Connector 28">
+            <a:extLst>
+              <a:ext uri="{FF2B5EF4-FFF2-40B4-BE49-F238E27FC236}">
+                <a16:creationId xmlns:a16="http://schemas.microsoft.com/office/drawing/2014/main" id="{7DF6D89D-EB6F-554A-3DBF-DE7AD85EC3CE}"/>
+              </a:ext>
+            </a:extLst>
+          </p:cNvPr>
+          <p:cNvCxnSpPr>
+            <a:cxnSpLocks/>
+          </p:cNvCxnSpPr>
+          <p:nvPr/>
+        </p:nvCxnSpPr>
+        <p:spPr>
+          <a:xfrm>
+            <a:off x="5483676" y="2422069"/>
+            <a:ext cx="990359" cy="331634"/>
+          </a:xfrm>
+          <a:prstGeom prst="straightConnector1">
+            <a:avLst/>
+          </a:prstGeom>
+          <a:ln w="76200">
+            <a:tailEnd type="triangle"/>
+          </a:ln>
+        </p:spPr>
+        <p:style>
+          <a:lnRef idx="1">
+            <a:schemeClr val="dk1"/>
+          </a:lnRef>
+          <a:fillRef idx="0">
+            <a:schemeClr val="dk1"/>
+          </a:fillRef>
+          <a:effectRef idx="0">
+            <a:schemeClr val="dk1"/>
+          </a:effectRef>
+          <a:fontRef idx="minor">
+            <a:schemeClr val="tx1"/>
+          </a:fontRef>
+        </p:style>
+      </p:cxnSp>
+      <p:cxnSp>
+        <p:nvCxnSpPr>
+          <p:cNvPr id="32" name="Straight Arrow Connector 31">
+            <a:extLst>
+              <a:ext uri="{FF2B5EF4-FFF2-40B4-BE49-F238E27FC236}">
+                <a16:creationId xmlns:a16="http://schemas.microsoft.com/office/drawing/2014/main" id="{68CB901E-FE3A-F927-DF4E-BAFF95CF29BA}"/>
+              </a:ext>
+            </a:extLst>
+          </p:cNvPr>
+          <p:cNvCxnSpPr>
+            <a:cxnSpLocks/>
+            <a:endCxn id="7" idx="0"/>
+          </p:cNvCxnSpPr>
+          <p:nvPr/>
+        </p:nvCxnSpPr>
+        <p:spPr>
+          <a:xfrm flipH="1">
+            <a:off x="5347178" y="3312956"/>
+            <a:ext cx="485602" cy="438532"/>
+          </a:xfrm>
+          <a:prstGeom prst="straightConnector1">
+            <a:avLst/>
+          </a:prstGeom>
+          <a:ln w="76200">
+            <a:tailEnd type="triangle"/>
+          </a:ln>
+        </p:spPr>
+        <p:style>
+          <a:lnRef idx="1">
+            <a:schemeClr val="dk1"/>
+          </a:lnRef>
+          <a:fillRef idx="0">
+            <a:schemeClr val="dk1"/>
+          </a:fillRef>
+          <a:effectRef idx="0">
+            <a:schemeClr val="dk1"/>
+          </a:effectRef>
+          <a:fontRef idx="minor">
+            <a:schemeClr val="tx1"/>
+          </a:fontRef>
+        </p:style>
+      </p:cxnSp>
+      <p:cxnSp>
+        <p:nvCxnSpPr>
+          <p:cNvPr id="35" name="Straight Arrow Connector 34">
+            <a:extLst>
+              <a:ext uri="{FF2B5EF4-FFF2-40B4-BE49-F238E27FC236}">
+                <a16:creationId xmlns:a16="http://schemas.microsoft.com/office/drawing/2014/main" id="{6BBCF956-444B-B215-EECB-0750959A3F00}"/>
+              </a:ext>
+            </a:extLst>
+          </p:cNvPr>
+          <p:cNvCxnSpPr>
+            <a:cxnSpLocks/>
+            <a:endCxn id="8" idx="0"/>
+          </p:cNvCxnSpPr>
+          <p:nvPr/>
+        </p:nvCxnSpPr>
+        <p:spPr>
+          <a:xfrm>
+            <a:off x="6492727" y="3312956"/>
+            <a:ext cx="86703" cy="438531"/>
+          </a:xfrm>
+          <a:prstGeom prst="straightConnector1">
+            <a:avLst/>
+          </a:prstGeom>
+          <a:ln w="76200">
+            <a:tailEnd type="triangle"/>
+          </a:ln>
+        </p:spPr>
+        <p:style>
+          <a:lnRef idx="1">
+            <a:schemeClr val="dk1"/>
+          </a:lnRef>
+          <a:fillRef idx="0">
+            <a:schemeClr val="dk1"/>
+          </a:fillRef>
+          <a:effectRef idx="0">
+            <a:schemeClr val="dk1"/>
+          </a:effectRef>
+          <a:fontRef idx="minor">
+            <a:schemeClr val="tx1"/>
+          </a:fontRef>
+        </p:style>
+      </p:cxnSp>
+      <p:cxnSp>
+        <p:nvCxnSpPr>
+          <p:cNvPr id="38" name="Straight Arrow Connector 37">
+            <a:extLst>
+              <a:ext uri="{FF2B5EF4-FFF2-40B4-BE49-F238E27FC236}">
+                <a16:creationId xmlns:a16="http://schemas.microsoft.com/office/drawing/2014/main" id="{1B02C1D3-C92D-2004-8B4C-15B1E28DD61A}"/>
+              </a:ext>
+            </a:extLst>
+          </p:cNvPr>
+          <p:cNvCxnSpPr>
+            <a:cxnSpLocks/>
+          </p:cNvCxnSpPr>
+          <p:nvPr/>
+        </p:nvCxnSpPr>
+        <p:spPr>
+          <a:xfrm>
+            <a:off x="7152660" y="3312956"/>
+            <a:ext cx="710321" cy="438531"/>
+          </a:xfrm>
+          <a:prstGeom prst="straightConnector1">
+            <a:avLst/>
+          </a:prstGeom>
+          <a:ln w="76200">
+            <a:tailEnd type="triangle"/>
+          </a:ln>
+        </p:spPr>
+        <p:style>
+          <a:lnRef idx="1">
+            <a:schemeClr val="dk1"/>
+          </a:lnRef>
+          <a:fillRef idx="0">
+            <a:schemeClr val="dk1"/>
+          </a:fillRef>
+          <a:effectRef idx="0">
+            <a:schemeClr val="dk1"/>
+          </a:effectRef>
+          <a:fontRef idx="minor">
+            <a:schemeClr val="tx1"/>
+          </a:fontRef>
+        </p:style>
+      </p:cxnSp>
+      <p:sp>
+        <p:nvSpPr>
+          <p:cNvPr id="41" name="Rectangle 40">
+            <a:extLst>
+              <a:ext uri="{FF2B5EF4-FFF2-40B4-BE49-F238E27FC236}">
+                <a16:creationId xmlns:a16="http://schemas.microsoft.com/office/drawing/2014/main" id="{B3DD899A-32F3-CF51-05A8-5BD198491C3A}"/>
+              </a:ext>
+            </a:extLst>
+          </p:cNvPr>
+          <p:cNvSpPr/>
+          <p:nvPr/>
+        </p:nvSpPr>
+        <p:spPr>
+          <a:xfrm>
+            <a:off x="7368241" y="1112385"/>
+            <a:ext cx="659947" cy="559253"/>
+          </a:xfrm>
+          <a:prstGeom prst="rect">
+            <a:avLst/>
+          </a:prstGeom>
+          <a:solidFill>
+            <a:schemeClr val="bg1"/>
+          </a:solidFill>
+        </p:spPr>
+        <p:style>
+          <a:lnRef idx="2">
+            <a:schemeClr val="accent1">
+              <a:shade val="50000"/>
+            </a:schemeClr>
+          </a:lnRef>
+          <a:fillRef idx="1">
+            <a:schemeClr val="accent1"/>
+          </a:fillRef>
+          <a:effectRef idx="0">
+            <a:schemeClr val="accent1"/>
+          </a:effectRef>
+          <a:fontRef idx="minor">
+            <a:schemeClr val="lt1"/>
+          </a:fontRef>
+        </p:style>
+        <p:txBody>
+          <a:bodyPr rtlCol="0" anchor="ctr"/>
+          <a:lstStyle/>
+          <a:p>
+            <a:pPr algn="ctr"/>
+            <a:r>
+              <a:rPr lang="en-US" sz="3600" dirty="0">
+                <a:solidFill>
+                  <a:schemeClr val="tx1"/>
+                </a:solidFill>
+              </a:rPr>
+              <a:t>7</a:t>
+            </a:r>
+          </a:p>
+        </p:txBody>
+      </p:sp>
+      <p:sp>
+        <p:nvSpPr>
+          <p:cNvPr id="42" name="TextBox 41">
+            <a:extLst>
+              <a:ext uri="{FF2B5EF4-FFF2-40B4-BE49-F238E27FC236}">
+                <a16:creationId xmlns:a16="http://schemas.microsoft.com/office/drawing/2014/main" id="{D2D47168-2BE3-9CF6-E54D-440A4BB77495}"/>
+              </a:ext>
+            </a:extLst>
+          </p:cNvPr>
+          <p:cNvSpPr txBox="1"/>
+          <p:nvPr/>
+        </p:nvSpPr>
+        <p:spPr>
+          <a:xfrm>
+            <a:off x="6332163" y="1160681"/>
+            <a:ext cx="1175657" cy="461665"/>
+          </a:xfrm>
+          <a:prstGeom prst="rect">
+            <a:avLst/>
+          </a:prstGeom>
+          <a:noFill/>
+        </p:spPr>
+        <p:txBody>
+          <a:bodyPr wrap="square" rtlCol="0">
+            <a:spAutoFit/>
+          </a:bodyPr>
+          <a:lstStyle/>
+          <a:p>
+            <a:r>
+              <a:rPr lang="en-US" sz="2400" dirty="0"/>
+              <a:t>Insert:</a:t>
+            </a:r>
+          </a:p>
+        </p:txBody>
+      </p:sp>
+    </p:spTree>
+    <p:extLst>
+      <p:ext uri="{BB962C8B-B14F-4D97-AF65-F5344CB8AC3E}">
+        <p14:creationId xmlns:p14="http://schemas.microsoft.com/office/powerpoint/2010/main" val="2097189681"/>
+      </p:ext>
+    </p:extLst>
+  </p:cSld>
+  <p:clrMapOvr>
+    <a:masterClrMapping/>
+  </p:clrMapOvr>
+  <mc:AlternateContent xmlns:mc="http://schemas.openxmlformats.org/markup-compatibility/2006" xmlns:p159="http://schemas.microsoft.com/office/powerpoint/2015/09/main">
+    <mc:Choice Requires="p159">
+      <p:transition xmlns:p14="http://schemas.microsoft.com/office/powerpoint/2010/main" spd="slow" p14:dur="2000">
+        <p159:morph option="byObject"/>
+      </p:transition>
+    </mc:Choice>
+    <mc:Fallback xmlns="">
+      <p:transition spd="slow">
+        <p:fade/>
+      </p:transition>
+    </mc:Fallback>
+  </mc:AlternateContent>
+  <p:timing>
+    <p:tnLst>
+      <p:par>
+        <p:cTn id="1" dur="indefinite" restart="never" nodeType="tmRoot">
+          <p:childTnLst>
+            <p:seq concurrent="1" nextAc="seek">
+              <p:cTn id="2" dur="indefinite" nodeType="mainSeq">
+                <p:childTnLst>
+                  <p:par>
+                    <p:cTn id="3" fill="hold">
+                      <p:stCondLst>
+                        <p:cond delay="indefinite"/>
+                      </p:stCondLst>
+                      <p:childTnLst>
+                        <p:par>
+                          <p:cTn id="4" fill="hold">
+                            <p:stCondLst>
+                              <p:cond delay="0"/>
+                            </p:stCondLst>
+                            <p:childTnLst>
+                              <p:par>
+                                <p:cTn id="5" presetID="9" presetClass="exit" presetSubtype="0" fill="hold" grpId="0" nodeType="clickEffect">
+                                  <p:stCondLst>
+                                    <p:cond delay="0"/>
+                                  </p:stCondLst>
+                                  <p:childTnLst>
+                                    <p:animEffect transition="out" filter="dissolve">
+                                      <p:cBhvr>
+                                        <p:cTn id="6" dur="500"/>
+                                        <p:tgtEl>
+                                          <p:spTgt spid="42"/>
+                                        </p:tgtEl>
+                                      </p:cBhvr>
+                                    </p:animEffect>
+                                    <p:set>
+                                      <p:cBhvr>
+                                        <p:cTn id="7" dur="1" fill="hold">
+                                          <p:stCondLst>
+                                            <p:cond delay="499"/>
+                                          </p:stCondLst>
+                                        </p:cTn>
+                                        <p:tgtEl>
+                                          <p:spTgt spid="42"/>
+                                        </p:tgtEl>
+                                        <p:attrNameLst>
+                                          <p:attrName>style.visibility</p:attrName>
+                                        </p:attrNameLst>
+                                      </p:cBhvr>
+                                      <p:to>
+                                        <p:strVal val="hidden"/>
+                                      </p:to>
+                                    </p:set>
+                                  </p:childTnLst>
+                                </p:cTn>
+                              </p:par>
+                            </p:childTnLst>
+                          </p:cTn>
+                        </p:par>
+                        <p:par>
+                          <p:cTn id="8" fill="hold">
+                            <p:stCondLst>
+                              <p:cond delay="500"/>
+                            </p:stCondLst>
+                            <p:childTnLst>
+                              <p:par>
+                                <p:cTn id="9" presetID="42" presetClass="path" presetSubtype="0" accel="50000" decel="50000" fill="hold" grpId="0" nodeType="afterEffect">
+                                  <p:stCondLst>
+                                    <p:cond delay="0"/>
+                                  </p:stCondLst>
+                                  <p:childTnLst>
+                                    <p:animMotion origin="layout" path="M 0.00122 9.87654E-7 L -0.35972 0.14105 " pathEditMode="relative" rAng="0" ptsTypes="AA">
+                                      <p:cBhvr>
+                                        <p:cTn id="10" dur="2000" fill="hold"/>
+                                        <p:tgtEl>
+                                          <p:spTgt spid="41"/>
+                                        </p:tgtEl>
+                                        <p:attrNameLst>
+                                          <p:attrName>ppt_x</p:attrName>
+                                          <p:attrName>ppt_y</p:attrName>
+                                        </p:attrNameLst>
+                                      </p:cBhvr>
+                                      <p:rCtr x="-18056" y="7037"/>
+                                    </p:animMotion>
+                                  </p:childTnLst>
+                                </p:cTn>
+                              </p:par>
+                            </p:childTnLst>
+                          </p:cTn>
+                        </p:par>
+                        <p:par>
+                          <p:cTn id="11" fill="hold">
+                            <p:stCondLst>
+                              <p:cond delay="2500"/>
+                            </p:stCondLst>
+                            <p:childTnLst>
+                              <p:par>
+                                <p:cTn id="12" presetID="42" presetClass="path" presetSubtype="0" accel="50000" decel="50000" fill="hold" grpId="1" nodeType="afterEffect">
+                                  <p:stCondLst>
+                                    <p:cond delay="0"/>
+                                  </p:stCondLst>
+                                  <p:childTnLst>
+                                    <p:animMotion origin="layout" path="M -0.35972 0.14105 L -0.52934 0.30864 " pathEditMode="relative" rAng="0" ptsTypes="AA">
+                                      <p:cBhvr>
+                                        <p:cTn id="13" dur="2000" fill="hold"/>
+                                        <p:tgtEl>
+                                          <p:spTgt spid="41"/>
+                                        </p:tgtEl>
+                                        <p:attrNameLst>
+                                          <p:attrName>ppt_x</p:attrName>
+                                          <p:attrName>ppt_y</p:attrName>
+                                        </p:attrNameLst>
+                                      </p:cBhvr>
+                                      <p:rCtr x="-8490" y="8364"/>
+                                    </p:animMotion>
+                                  </p:childTnLst>
+                                </p:cTn>
+                              </p:par>
+                            </p:childTnLst>
+                          </p:cTn>
+                        </p:par>
+                        <p:par>
+                          <p:cTn id="14" fill="hold">
+                            <p:stCondLst>
+                              <p:cond delay="4500"/>
+                            </p:stCondLst>
+                            <p:childTnLst>
+                              <p:par>
+                                <p:cTn id="15" presetID="42" presetClass="path" presetSubtype="0" accel="50000" decel="50000" fill="hold" grpId="2" nodeType="afterEffect">
+                                  <p:stCondLst>
+                                    <p:cond delay="0"/>
+                                  </p:stCondLst>
+                                  <p:childTnLst>
+                                    <p:animMotion origin="layout" path="M -0.52934 0.30864 L -0.65625 0.51018 " pathEditMode="relative" rAng="0" ptsTypes="AA">
+                                      <p:cBhvr>
+                                        <p:cTn id="16" dur="2000" fill="hold"/>
+                                        <p:tgtEl>
+                                          <p:spTgt spid="41"/>
+                                        </p:tgtEl>
+                                        <p:attrNameLst>
+                                          <p:attrName>ppt_x</p:attrName>
+                                          <p:attrName>ppt_y</p:attrName>
+                                        </p:attrNameLst>
+                                      </p:cBhvr>
+                                      <p:rCtr x="-6354" y="10062"/>
+                                    </p:animMotion>
+                                  </p:childTnLst>
+                                </p:cTn>
+                              </p:par>
+                            </p:childTnLst>
+                          </p:cTn>
+                        </p:par>
+                      </p:childTnLst>
+                    </p:cTn>
+                  </p:par>
+                </p:childTnLst>
+              </p:cTn>
+              <p:prevCondLst>
+                <p:cond evt="onPrev" delay="0">
+                  <p:tgtEl>
+                    <p:sldTgt/>
+                  </p:tgtEl>
+                </p:cond>
+              </p:prevCondLst>
+              <p:nextCondLst>
+                <p:cond evt="onNext" delay="0">
+                  <p:tgtEl>
+                    <p:sldTgt/>
+                  </p:tgtEl>
+                </p:cond>
+              </p:nextCondLst>
+            </p:seq>
+          </p:childTnLst>
+        </p:cTn>
+      </p:par>
+    </p:tnLst>
+    <p:bldLst>
+      <p:bldP spid="41" grpId="0" animBg="1"/>
+      <p:bldP spid="41" grpId="1" animBg="1"/>
+      <p:bldP spid="41" grpId="2" animBg="1"/>
+      <p:bldP spid="42" grpId="0"/>
+    </p:bldLst>
+  </p:timing>
+</p:sld>
+</file>
+
+<file path=ppt/slides/slide27.xml><?xml version="1.0" encoding="utf-8"?>
+<p:sld xmlns:a="http://schemas.openxmlformats.org/drawingml/2006/main" xmlns:r="http://schemas.openxmlformats.org/officeDocument/2006/relationships" xmlns:p="http://schemas.openxmlformats.org/presentationml/2006/main">
+  <p:cSld>
+    <p:spTree>
+      <p:nvGrpSpPr>
+        <p:cNvPr id="1" name=""/>
+        <p:cNvGrpSpPr/>
+        <p:nvPr/>
+      </p:nvGrpSpPr>
+      <p:grpSpPr>
+        <a:xfrm>
+          <a:off x="0" y="0"/>
+          <a:ext cx="0" cy="0"/>
+          <a:chOff x="0" y="0"/>
+          <a:chExt cx="0" cy="0"/>
+        </a:xfrm>
+      </p:grpSpPr>
+      <p:sp>
+        <p:nvSpPr>
+          <p:cNvPr id="2" name="Title 1">
+            <a:extLst>
+              <a:ext uri="{FF2B5EF4-FFF2-40B4-BE49-F238E27FC236}">
+                <a16:creationId xmlns:a16="http://schemas.microsoft.com/office/drawing/2014/main" id="{15060578-1400-9E32-5DF2-84A064D55055}"/>
+              </a:ext>
+            </a:extLst>
+          </p:cNvPr>
+          <p:cNvSpPr>
+            <a:spLocks noGrp="1"/>
+          </p:cNvSpPr>
+          <p:nvPr>
+            <p:ph type="title"/>
+          </p:nvPr>
+        </p:nvSpPr>
+        <p:spPr>
+          <a:xfrm>
+            <a:off x="1813959" y="0"/>
+            <a:ext cx="6805594" cy="725349"/>
+          </a:xfrm>
+        </p:spPr>
+        <p:txBody>
+          <a:bodyPr>
+            <a:normAutofit fontScale="90000"/>
+          </a:bodyPr>
+          <a:lstStyle/>
+          <a:p>
+            <a:r>
+              <a:rPr lang="en-US" b="1" dirty="0">
+                <a:effectLst/>
+              </a:rPr>
+              <a:t>ADDITIONAL FUNCTION IN INSERTION</a:t>
+            </a:r>
+          </a:p>
+        </p:txBody>
+      </p:sp>
+      <p:sp>
+        <p:nvSpPr>
+          <p:cNvPr id="4" name="Rectangle 3">
+            <a:extLst>
+              <a:ext uri="{FF2B5EF4-FFF2-40B4-BE49-F238E27FC236}">
+                <a16:creationId xmlns:a16="http://schemas.microsoft.com/office/drawing/2014/main" id="{FE0DF1DB-450A-98DF-BCD6-154E55A98F4E}"/>
+              </a:ext>
+            </a:extLst>
+          </p:cNvPr>
+          <p:cNvSpPr/>
+          <p:nvPr/>
+        </p:nvSpPr>
+        <p:spPr>
+          <a:xfrm>
+            <a:off x="1620526" y="1694587"/>
+            <a:ext cx="3387976" cy="1754326"/>
+          </a:xfrm>
+          <a:prstGeom prst="rect">
+            <a:avLst/>
+          </a:prstGeom>
+          <a:noFill/>
+        </p:spPr>
+        <p:txBody>
+          <a:bodyPr wrap="square" lIns="91440" tIns="45720" rIns="91440" bIns="45720">
+            <a:spAutoFit/>
+            <a:scene3d>
+              <a:camera prst="orthographicFront"/>
+              <a:lightRig rig="soft" dir="t">
+                <a:rot lat="0" lon="0" rev="15600000"/>
+              </a:lightRig>
+            </a:scene3d>
+            <a:sp3d extrusionH="57150" prstMaterial="softEdge">
+              <a:bevelT w="25400" h="38100"/>
+            </a:sp3d>
+          </a:bodyPr>
+          <a:lstStyle/>
+          <a:p>
+            <a:pPr algn="ctr"/>
+            <a:r>
+              <a:rPr lang="en-US" sz="5400" b="1" cap="none" spc="0" dirty="0">
+                <a:ln/>
+                <a:solidFill>
+                  <a:schemeClr val="accent4"/>
+                </a:solidFill>
+                <a:effectLst/>
+              </a:rPr>
+              <a:t>Split children</a:t>
+            </a:r>
+          </a:p>
+        </p:txBody>
+      </p:sp>
+      <p:pic>
+        <p:nvPicPr>
+          <p:cNvPr id="5" name="Picture 4">
+            <a:extLst>
+              <a:ext uri="{FF2B5EF4-FFF2-40B4-BE49-F238E27FC236}">
+                <a16:creationId xmlns:a16="http://schemas.microsoft.com/office/drawing/2014/main" id="{F0ED6C71-AF34-F8CD-7E70-34F108BE8B53}"/>
+              </a:ext>
+            </a:extLst>
+          </p:cNvPr>
+          <p:cNvPicPr>
+            <a:picLocks noChangeAspect="1"/>
+          </p:cNvPicPr>
+          <p:nvPr/>
+        </p:nvPicPr>
+        <p:blipFill rotWithShape="1">
+          <a:blip r:embed="rId2"/>
+          <a:srcRect l="1" r="23572"/>
+          <a:stretch/>
+        </p:blipFill>
+        <p:spPr>
+          <a:xfrm>
+            <a:off x="4815068" y="725349"/>
+            <a:ext cx="4023360" cy="4362450"/>
+          </a:xfrm>
+          <a:prstGeom prst="rect">
+            <a:avLst/>
+          </a:prstGeom>
+        </p:spPr>
+      </p:pic>
+    </p:spTree>
+    <p:extLst>
+      <p:ext uri="{BB962C8B-B14F-4D97-AF65-F5344CB8AC3E}">
+        <p14:creationId xmlns:p14="http://schemas.microsoft.com/office/powerpoint/2010/main" val="3893940090"/>
+      </p:ext>
+    </p:extLst>
+  </p:cSld>
+  <p:clrMapOvr>
+    <a:masterClrMapping/>
+  </p:clrMapOvr>
+</p:sld>
+</file>
+
+<file path=ppt/slides/slide28.xml><?xml version="1.0" encoding="utf-8"?>
+<p:sld xmlns:a="http://schemas.openxmlformats.org/drawingml/2006/main" xmlns:r="http://schemas.openxmlformats.org/officeDocument/2006/relationships" xmlns:p="http://schemas.openxmlformats.org/presentationml/2006/main">
+  <p:cSld>
+    <p:spTree>
+      <p:nvGrpSpPr>
+        <p:cNvPr id="1" name=""/>
+        <p:cNvGrpSpPr/>
+        <p:nvPr/>
+      </p:nvGrpSpPr>
+      <p:grpSpPr>
+        <a:xfrm>
+          <a:off x="0" y="0"/>
+          <a:ext cx="0" cy="0"/>
+          <a:chOff x="0" y="0"/>
+          <a:chExt cx="0" cy="0"/>
+        </a:xfrm>
+      </p:grpSpPr>
+      <p:sp>
+        <p:nvSpPr>
+          <p:cNvPr id="2" name="Title 1">
+            <a:extLst>
+              <a:ext uri="{FF2B5EF4-FFF2-40B4-BE49-F238E27FC236}">
                 <a16:creationId xmlns:a16="http://schemas.microsoft.com/office/drawing/2014/main" id="{15060578-1400-9E32-5DF2-84A064D55055}"/>
               </a:ext>
             </a:extLst>
@@ -16092,7 +17449,7 @@
 </p:sld>
 </file>
 
-<file path=ppt/slides/slide27.xml><?xml version="1.0" encoding="utf-8"?>
+<file path=ppt/slides/slide29.xml><?xml version="1.0" encoding="utf-8"?>
 <p:sld xmlns:a="http://schemas.openxmlformats.org/drawingml/2006/main" xmlns:r="http://schemas.openxmlformats.org/officeDocument/2006/relationships" xmlns:p="http://schemas.openxmlformats.org/presentationml/2006/main">
   <p:cSld>
     <p:spTree>
@@ -16599,1363 +17956,6 @@
       <p:bldP spid="5" grpId="0" animBg="1"/>
       <p:bldP spid="6" grpId="0" animBg="1"/>
       <p:bldP spid="6" grpId="1" animBg="1"/>
-    </p:bldLst>
-  </p:timing>
-</p:sld>
-</file>
-
-<file path=ppt/slides/slide28.xml><?xml version="1.0" encoding="utf-8"?>
-<p:sld xmlns:a="http://schemas.openxmlformats.org/drawingml/2006/main" xmlns:r="http://schemas.openxmlformats.org/officeDocument/2006/relationships" xmlns:p="http://schemas.openxmlformats.org/presentationml/2006/main">
-  <p:cSld>
-    <p:spTree>
-      <p:nvGrpSpPr>
-        <p:cNvPr id="1" name=""/>
-        <p:cNvGrpSpPr/>
-        <p:nvPr/>
-      </p:nvGrpSpPr>
-      <p:grpSpPr>
-        <a:xfrm>
-          <a:off x="0" y="0"/>
-          <a:ext cx="0" cy="0"/>
-          <a:chOff x="0" y="0"/>
-          <a:chExt cx="0" cy="0"/>
-        </a:xfrm>
-      </p:grpSpPr>
-      <p:sp>
-        <p:nvSpPr>
-          <p:cNvPr id="3" name="Content Placeholder 2">
-            <a:extLst>
-              <a:ext uri="{FF2B5EF4-FFF2-40B4-BE49-F238E27FC236}">
-                <a16:creationId xmlns:a16="http://schemas.microsoft.com/office/drawing/2014/main" id="{F78D5181-F565-C9ED-7262-D3C9FD6143B2}"/>
-              </a:ext>
-            </a:extLst>
-          </p:cNvPr>
-          <p:cNvSpPr>
-            <a:spLocks noGrp="1"/>
-          </p:cNvSpPr>
-          <p:nvPr>
-            <p:ph idx="1"/>
-          </p:nvPr>
-        </p:nvSpPr>
-        <p:spPr>
-          <a:xfrm>
-            <a:off x="1526721" y="1131888"/>
-            <a:ext cx="3282043" cy="3860799"/>
-          </a:xfrm>
-        </p:spPr>
-        <p:txBody>
-          <a:bodyPr>
-            <a:normAutofit/>
-          </a:bodyPr>
-          <a:lstStyle/>
-          <a:p>
-            <a:r>
-              <a:rPr lang="en-US" sz="2000" b="1" i="1" dirty="0">
-                <a:latin typeface="Times New Roman" panose="02020603050405020304" pitchFamily="18" charset="0"/>
-                <a:cs typeface="Times New Roman" panose="02020603050405020304" pitchFamily="18" charset="0"/>
-              </a:rPr>
-              <a:t>Insert a node whose root wasn’t full :</a:t>
-            </a:r>
-            <a:br>
-              <a:rPr lang="en-US" sz="2000" dirty="0">
-                <a:latin typeface="Times New Roman" panose="02020603050405020304" pitchFamily="18" charset="0"/>
-                <a:cs typeface="Times New Roman" panose="02020603050405020304" pitchFamily="18" charset="0"/>
-              </a:rPr>
-            </a:br>
-            <a:r>
-              <a:rPr lang="en-US" sz="1800" dirty="0">
-                <a:solidFill>
-                  <a:srgbClr val="212529"/>
-                </a:solidFill>
-                <a:latin typeface="Times New Roman" panose="02020603050405020304" pitchFamily="18" charset="0"/>
-                <a:cs typeface="Times New Roman" panose="02020603050405020304" pitchFamily="18" charset="0"/>
-              </a:rPr>
-              <a:t>This function is used to insert a key into a non-full node (it might be already non-full or it had been split beforehand). Before inserting, we must choose the correct child to insert to in case of non-leaf node and we have to split it if necessary.</a:t>
-            </a:r>
-          </a:p>
-        </p:txBody>
-      </p:sp>
-      <p:sp>
-        <p:nvSpPr>
-          <p:cNvPr id="4" name="Title 1">
-            <a:extLst>
-              <a:ext uri="{FF2B5EF4-FFF2-40B4-BE49-F238E27FC236}">
-                <a16:creationId xmlns:a16="http://schemas.microsoft.com/office/drawing/2014/main" id="{C54030F8-FB1F-D1A5-E452-AD37237F1A40}"/>
-              </a:ext>
-            </a:extLst>
-          </p:cNvPr>
-          <p:cNvSpPr>
-            <a:spLocks noGrp="1"/>
-          </p:cNvSpPr>
-          <p:nvPr>
-            <p:ph type="title"/>
-          </p:nvPr>
-        </p:nvSpPr>
-        <p:spPr>
-          <a:xfrm>
-            <a:off x="1735138" y="406400"/>
-            <a:ext cx="6804025" cy="725488"/>
-          </a:xfrm>
-        </p:spPr>
-        <p:txBody>
-          <a:bodyPr>
-            <a:normAutofit fontScale="90000"/>
-          </a:bodyPr>
-          <a:lstStyle/>
-          <a:p>
-            <a:r>
-              <a:rPr lang="en-US" b="1" dirty="0">
-                <a:effectLst/>
-              </a:rPr>
-              <a:t>ADDITIONAL FUNCTION IN INSERTION</a:t>
-            </a:r>
-          </a:p>
-        </p:txBody>
-      </p:sp>
-      <p:pic>
-        <p:nvPicPr>
-          <p:cNvPr id="5" name="Picture 4">
-            <a:extLst>
-              <a:ext uri="{FF2B5EF4-FFF2-40B4-BE49-F238E27FC236}">
-                <a16:creationId xmlns:a16="http://schemas.microsoft.com/office/drawing/2014/main" id="{FADAA719-5853-FFE7-5414-6C48E276BAEB}"/>
-              </a:ext>
-            </a:extLst>
-          </p:cNvPr>
-          <p:cNvPicPr>
-            <a:picLocks noChangeAspect="1"/>
-          </p:cNvPicPr>
-          <p:nvPr/>
-        </p:nvPicPr>
-        <p:blipFill>
-          <a:blip r:embed="rId2"/>
-          <a:stretch>
-            <a:fillRect/>
-          </a:stretch>
-        </p:blipFill>
-        <p:spPr>
-          <a:xfrm>
-            <a:off x="5026706" y="943294"/>
-            <a:ext cx="3512457" cy="4049393"/>
-          </a:xfrm>
-          <a:prstGeom prst="rect">
-            <a:avLst/>
-          </a:prstGeom>
-        </p:spPr>
-      </p:pic>
-    </p:spTree>
-    <p:extLst>
-      <p:ext uri="{BB962C8B-B14F-4D97-AF65-F5344CB8AC3E}">
-        <p14:creationId xmlns:p14="http://schemas.microsoft.com/office/powerpoint/2010/main" val="2026387588"/>
-      </p:ext>
-    </p:extLst>
-  </p:cSld>
-  <p:clrMapOvr>
-    <a:masterClrMapping/>
-  </p:clrMapOvr>
-</p:sld>
-</file>
-
-<file path=ppt/slides/slide29.xml><?xml version="1.0" encoding="utf-8"?>
-<p:sld xmlns:a="http://schemas.openxmlformats.org/drawingml/2006/main" xmlns:r="http://schemas.openxmlformats.org/officeDocument/2006/relationships" xmlns:p="http://schemas.openxmlformats.org/presentationml/2006/main">
-  <p:cSld>
-    <p:spTree>
-      <p:nvGrpSpPr>
-        <p:cNvPr id="1" name=""/>
-        <p:cNvGrpSpPr/>
-        <p:nvPr/>
-      </p:nvGrpSpPr>
-      <p:grpSpPr>
-        <a:xfrm>
-          <a:off x="0" y="0"/>
-          <a:ext cx="0" cy="0"/>
-          <a:chOff x="0" y="0"/>
-          <a:chExt cx="0" cy="0"/>
-        </a:xfrm>
-      </p:grpSpPr>
-      <p:sp>
-        <p:nvSpPr>
-          <p:cNvPr id="2" name="Title 1">
-            <a:extLst>
-              <a:ext uri="{FF2B5EF4-FFF2-40B4-BE49-F238E27FC236}">
-                <a16:creationId xmlns:a16="http://schemas.microsoft.com/office/drawing/2014/main" id="{D9A29F15-913A-A5DD-8C00-9912BC57330C}"/>
-              </a:ext>
-            </a:extLst>
-          </p:cNvPr>
-          <p:cNvSpPr>
-            <a:spLocks noGrp="1"/>
-          </p:cNvSpPr>
-          <p:nvPr>
-            <p:ph type="title"/>
-          </p:nvPr>
-        </p:nvSpPr>
-        <p:spPr>
-          <a:xfrm>
-            <a:off x="2253343" y="324894"/>
-            <a:ext cx="6466113" cy="725349"/>
-          </a:xfrm>
-        </p:spPr>
-        <p:txBody>
-          <a:bodyPr>
-            <a:noAutofit/>
-          </a:bodyPr>
-          <a:lstStyle/>
-          <a:p>
-            <a:r>
-              <a:rPr lang="en-US" sz="4800" b="1" dirty="0">
-                <a:effectLst/>
-              </a:rPr>
-              <a:t>DEMONSTRATION</a:t>
-            </a:r>
-          </a:p>
-        </p:txBody>
-      </p:sp>
-      <p:sp>
-        <p:nvSpPr>
-          <p:cNvPr id="4" name="Rectangle 3">
-            <a:extLst>
-              <a:ext uri="{FF2B5EF4-FFF2-40B4-BE49-F238E27FC236}">
-                <a16:creationId xmlns:a16="http://schemas.microsoft.com/office/drawing/2014/main" id="{C592B247-08C4-86F9-FF6A-9088CBFAADC2}"/>
-              </a:ext>
-            </a:extLst>
-          </p:cNvPr>
-          <p:cNvSpPr/>
-          <p:nvPr/>
-        </p:nvSpPr>
-        <p:spPr>
-          <a:xfrm>
-            <a:off x="2068284" y="3751488"/>
-            <a:ext cx="659947" cy="559253"/>
-          </a:xfrm>
-          <a:prstGeom prst="rect">
-            <a:avLst/>
-          </a:prstGeom>
-          <a:solidFill>
-            <a:schemeClr val="bg1"/>
-          </a:solidFill>
-        </p:spPr>
-        <p:style>
-          <a:lnRef idx="2">
-            <a:schemeClr val="accent1">
-              <a:shade val="50000"/>
-            </a:schemeClr>
-          </a:lnRef>
-          <a:fillRef idx="1">
-            <a:schemeClr val="accent1"/>
-          </a:fillRef>
-          <a:effectRef idx="0">
-            <a:schemeClr val="accent1"/>
-          </a:effectRef>
-          <a:fontRef idx="minor">
-            <a:schemeClr val="lt1"/>
-          </a:fontRef>
-        </p:style>
-        <p:txBody>
-          <a:bodyPr rtlCol="0" anchor="ctr"/>
-          <a:lstStyle/>
-          <a:p>
-            <a:pPr algn="ctr"/>
-            <a:r>
-              <a:rPr lang="en-US" sz="3600" dirty="0">
-                <a:solidFill>
-                  <a:schemeClr val="tx1"/>
-                </a:solidFill>
-              </a:rPr>
-              <a:t>8</a:t>
-            </a:r>
-            <a:endParaRPr lang="en-US" dirty="0">
-              <a:solidFill>
-                <a:schemeClr val="tx1"/>
-              </a:solidFill>
-            </a:endParaRPr>
-          </a:p>
-        </p:txBody>
-      </p:sp>
-      <p:sp>
-        <p:nvSpPr>
-          <p:cNvPr id="5" name="Rectangle 4">
-            <a:extLst>
-              <a:ext uri="{FF2B5EF4-FFF2-40B4-BE49-F238E27FC236}">
-                <a16:creationId xmlns:a16="http://schemas.microsoft.com/office/drawing/2014/main" id="{36DC2C8F-ABC9-790A-B2AB-F237136F25D4}"/>
-              </a:ext>
-            </a:extLst>
-          </p:cNvPr>
-          <p:cNvSpPr/>
-          <p:nvPr/>
-        </p:nvSpPr>
-        <p:spPr>
-          <a:xfrm>
-            <a:off x="3367351" y="3751488"/>
-            <a:ext cx="659947" cy="559253"/>
-          </a:xfrm>
-          <a:prstGeom prst="rect">
-            <a:avLst/>
-          </a:prstGeom>
-          <a:solidFill>
-            <a:schemeClr val="bg1"/>
-          </a:solidFill>
-        </p:spPr>
-        <p:style>
-          <a:lnRef idx="2">
-            <a:schemeClr val="accent1">
-              <a:shade val="50000"/>
-            </a:schemeClr>
-          </a:lnRef>
-          <a:fillRef idx="1">
-            <a:schemeClr val="accent1"/>
-          </a:fillRef>
-          <a:effectRef idx="0">
-            <a:schemeClr val="accent1"/>
-          </a:effectRef>
-          <a:fontRef idx="minor">
-            <a:schemeClr val="lt1"/>
-          </a:fontRef>
-        </p:style>
-        <p:txBody>
-          <a:bodyPr rtlCol="0" anchor="ctr"/>
-          <a:lstStyle/>
-          <a:p>
-            <a:pPr algn="ctr"/>
-            <a:r>
-              <a:rPr lang="en-US" sz="3600" dirty="0">
-                <a:solidFill>
-                  <a:schemeClr val="tx1"/>
-                </a:solidFill>
-              </a:rPr>
-              <a:t>10</a:t>
-            </a:r>
-          </a:p>
-        </p:txBody>
-      </p:sp>
-      <p:sp>
-        <p:nvSpPr>
-          <p:cNvPr id="6" name="Rectangle 5">
-            <a:extLst>
-              <a:ext uri="{FF2B5EF4-FFF2-40B4-BE49-F238E27FC236}">
-                <a16:creationId xmlns:a16="http://schemas.microsoft.com/office/drawing/2014/main" id="{62CCDD39-098D-BEB9-4D2F-F753BF4433BB}"/>
-              </a:ext>
-            </a:extLst>
-          </p:cNvPr>
-          <p:cNvSpPr/>
-          <p:nvPr/>
-        </p:nvSpPr>
-        <p:spPr>
-          <a:xfrm>
-            <a:off x="5832780" y="2753704"/>
-            <a:ext cx="659947" cy="559253"/>
-          </a:xfrm>
-          <a:prstGeom prst="rect">
-            <a:avLst/>
-          </a:prstGeom>
-          <a:solidFill>
-            <a:schemeClr val="bg1"/>
-          </a:solidFill>
-        </p:spPr>
-        <p:style>
-          <a:lnRef idx="2">
-            <a:schemeClr val="accent1">
-              <a:shade val="50000"/>
-            </a:schemeClr>
-          </a:lnRef>
-          <a:fillRef idx="1">
-            <a:schemeClr val="accent1"/>
-          </a:fillRef>
-          <a:effectRef idx="0">
-            <a:schemeClr val="accent1"/>
-          </a:effectRef>
-          <a:fontRef idx="minor">
-            <a:schemeClr val="lt1"/>
-          </a:fontRef>
-        </p:style>
-        <p:txBody>
-          <a:bodyPr rtlCol="0" anchor="ctr"/>
-          <a:lstStyle/>
-          <a:p>
-            <a:pPr algn="ctr"/>
-            <a:r>
-              <a:rPr lang="en-US" sz="3600" dirty="0">
-                <a:solidFill>
-                  <a:schemeClr val="tx1"/>
-                </a:solidFill>
-              </a:rPr>
-              <a:t>16</a:t>
-            </a:r>
-          </a:p>
-        </p:txBody>
-      </p:sp>
-      <p:sp>
-        <p:nvSpPr>
-          <p:cNvPr id="7" name="Rectangle 6">
-            <a:extLst>
-              <a:ext uri="{FF2B5EF4-FFF2-40B4-BE49-F238E27FC236}">
-                <a16:creationId xmlns:a16="http://schemas.microsoft.com/office/drawing/2014/main" id="{ED183926-DC26-ECDC-18F5-D41B378713FC}"/>
-              </a:ext>
-            </a:extLst>
-          </p:cNvPr>
-          <p:cNvSpPr/>
-          <p:nvPr/>
-        </p:nvSpPr>
-        <p:spPr>
-          <a:xfrm>
-            <a:off x="5017204" y="3751488"/>
-            <a:ext cx="659947" cy="559253"/>
-          </a:xfrm>
-          <a:prstGeom prst="rect">
-            <a:avLst/>
-          </a:prstGeom>
-          <a:solidFill>
-            <a:schemeClr val="bg1"/>
-          </a:solidFill>
-        </p:spPr>
-        <p:style>
-          <a:lnRef idx="2">
-            <a:schemeClr val="accent1">
-              <a:shade val="50000"/>
-            </a:schemeClr>
-          </a:lnRef>
-          <a:fillRef idx="1">
-            <a:schemeClr val="accent1"/>
-          </a:fillRef>
-          <a:effectRef idx="0">
-            <a:schemeClr val="accent1"/>
-          </a:effectRef>
-          <a:fontRef idx="minor">
-            <a:schemeClr val="lt1"/>
-          </a:fontRef>
-        </p:style>
-        <p:txBody>
-          <a:bodyPr rtlCol="0" anchor="ctr"/>
-          <a:lstStyle/>
-          <a:p>
-            <a:pPr algn="ctr"/>
-            <a:r>
-              <a:rPr lang="en-US" sz="3600" dirty="0">
-                <a:solidFill>
-                  <a:schemeClr val="tx1"/>
-                </a:solidFill>
-              </a:rPr>
-              <a:t>14</a:t>
-            </a:r>
-          </a:p>
-        </p:txBody>
-      </p:sp>
-      <p:sp>
-        <p:nvSpPr>
-          <p:cNvPr id="8" name="Rectangle 7">
-            <a:extLst>
-              <a:ext uri="{FF2B5EF4-FFF2-40B4-BE49-F238E27FC236}">
-                <a16:creationId xmlns:a16="http://schemas.microsoft.com/office/drawing/2014/main" id="{944A0491-9C17-1770-9BBC-4AC89F298C9F}"/>
-              </a:ext>
-            </a:extLst>
-          </p:cNvPr>
-          <p:cNvSpPr/>
-          <p:nvPr/>
-        </p:nvSpPr>
-        <p:spPr>
-          <a:xfrm>
-            <a:off x="6249456" y="3751487"/>
-            <a:ext cx="659947" cy="559253"/>
-          </a:xfrm>
-          <a:prstGeom prst="rect">
-            <a:avLst/>
-          </a:prstGeom>
-          <a:solidFill>
-            <a:schemeClr val="bg1"/>
-          </a:solidFill>
-        </p:spPr>
-        <p:style>
-          <a:lnRef idx="2">
-            <a:schemeClr val="accent1">
-              <a:shade val="50000"/>
-            </a:schemeClr>
-          </a:lnRef>
-          <a:fillRef idx="1">
-            <a:schemeClr val="accent1"/>
-          </a:fillRef>
-          <a:effectRef idx="0">
-            <a:schemeClr val="accent1"/>
-          </a:effectRef>
-          <a:fontRef idx="minor">
-            <a:schemeClr val="lt1"/>
-          </a:fontRef>
-        </p:style>
-        <p:txBody>
-          <a:bodyPr rtlCol="0" anchor="ctr"/>
-          <a:lstStyle/>
-          <a:p>
-            <a:pPr algn="ctr"/>
-            <a:r>
-              <a:rPr lang="en-US" sz="3600" dirty="0">
-                <a:solidFill>
-                  <a:schemeClr val="tx1"/>
-                </a:solidFill>
-              </a:rPr>
-              <a:t>17</a:t>
-            </a:r>
-          </a:p>
-        </p:txBody>
-      </p:sp>
-      <p:sp>
-        <p:nvSpPr>
-          <p:cNvPr id="9" name="Rectangle 8">
-            <a:extLst>
-              <a:ext uri="{FF2B5EF4-FFF2-40B4-BE49-F238E27FC236}">
-                <a16:creationId xmlns:a16="http://schemas.microsoft.com/office/drawing/2014/main" id="{2A7F1F09-9C29-E431-0A08-08B5D0078706}"/>
-              </a:ext>
-            </a:extLst>
-          </p:cNvPr>
-          <p:cNvSpPr/>
-          <p:nvPr/>
-        </p:nvSpPr>
-        <p:spPr>
-          <a:xfrm>
-            <a:off x="4823729" y="1862816"/>
-            <a:ext cx="659947" cy="559253"/>
-          </a:xfrm>
-          <a:prstGeom prst="rect">
-            <a:avLst/>
-          </a:prstGeom>
-          <a:solidFill>
-            <a:schemeClr val="bg1"/>
-          </a:solidFill>
-        </p:spPr>
-        <p:style>
-          <a:lnRef idx="2">
-            <a:schemeClr val="accent1">
-              <a:shade val="50000"/>
-            </a:schemeClr>
-          </a:lnRef>
-          <a:fillRef idx="1">
-            <a:schemeClr val="accent1"/>
-          </a:fillRef>
-          <a:effectRef idx="0">
-            <a:schemeClr val="accent1"/>
-          </a:effectRef>
-          <a:fontRef idx="minor">
-            <a:schemeClr val="lt1"/>
-          </a:fontRef>
-        </p:style>
-        <p:txBody>
-          <a:bodyPr rtlCol="0" anchor="ctr"/>
-          <a:lstStyle/>
-          <a:p>
-            <a:pPr algn="ctr"/>
-            <a:r>
-              <a:rPr lang="en-US" sz="3600" dirty="0">
-                <a:solidFill>
-                  <a:schemeClr val="tx1"/>
-                </a:solidFill>
-              </a:rPr>
-              <a:t>11</a:t>
-            </a:r>
-          </a:p>
-        </p:txBody>
-      </p:sp>
-      <p:sp>
-        <p:nvSpPr>
-          <p:cNvPr id="10" name="Rectangle 9">
-            <a:extLst>
-              <a:ext uri="{FF2B5EF4-FFF2-40B4-BE49-F238E27FC236}">
-                <a16:creationId xmlns:a16="http://schemas.microsoft.com/office/drawing/2014/main" id="{81E08B5D-51A4-6EC9-2E58-6BCF0D53DC7B}"/>
-              </a:ext>
-            </a:extLst>
-          </p:cNvPr>
-          <p:cNvSpPr/>
-          <p:nvPr/>
-        </p:nvSpPr>
-        <p:spPr>
-          <a:xfrm>
-            <a:off x="3267624" y="2712275"/>
-            <a:ext cx="659947" cy="559253"/>
-          </a:xfrm>
-          <a:prstGeom prst="rect">
-            <a:avLst/>
-          </a:prstGeom>
-          <a:solidFill>
-            <a:schemeClr val="bg1"/>
-          </a:solidFill>
-        </p:spPr>
-        <p:style>
-          <a:lnRef idx="2">
-            <a:schemeClr val="accent1">
-              <a:shade val="50000"/>
-            </a:schemeClr>
-          </a:lnRef>
-          <a:fillRef idx="1">
-            <a:schemeClr val="accent1"/>
-          </a:fillRef>
-          <a:effectRef idx="0">
-            <a:schemeClr val="accent1"/>
-          </a:effectRef>
-          <a:fontRef idx="minor">
-            <a:schemeClr val="lt1"/>
-          </a:fontRef>
-        </p:style>
-        <p:txBody>
-          <a:bodyPr rtlCol="0" anchor="ctr"/>
-          <a:lstStyle/>
-          <a:p>
-            <a:pPr algn="ctr"/>
-            <a:r>
-              <a:rPr lang="en-US" sz="3600" dirty="0">
-                <a:solidFill>
-                  <a:schemeClr val="tx1"/>
-                </a:solidFill>
-              </a:rPr>
-              <a:t>9</a:t>
-            </a:r>
-          </a:p>
-        </p:txBody>
-      </p:sp>
-      <p:sp>
-        <p:nvSpPr>
-          <p:cNvPr id="11" name="Rectangle 10">
-            <a:extLst>
-              <a:ext uri="{FF2B5EF4-FFF2-40B4-BE49-F238E27FC236}">
-                <a16:creationId xmlns:a16="http://schemas.microsoft.com/office/drawing/2014/main" id="{A0007216-5E04-5BDE-A506-C7D134AF85A1}"/>
-              </a:ext>
-            </a:extLst>
-          </p:cNvPr>
-          <p:cNvSpPr/>
-          <p:nvPr/>
-        </p:nvSpPr>
-        <p:spPr>
-          <a:xfrm>
-            <a:off x="6513966" y="2753703"/>
-            <a:ext cx="659947" cy="559253"/>
-          </a:xfrm>
-          <a:prstGeom prst="rect">
-            <a:avLst/>
-          </a:prstGeom>
-          <a:solidFill>
-            <a:schemeClr val="bg1"/>
-          </a:solidFill>
-        </p:spPr>
-        <p:style>
-          <a:lnRef idx="2">
-            <a:schemeClr val="accent1">
-              <a:shade val="50000"/>
-            </a:schemeClr>
-          </a:lnRef>
-          <a:fillRef idx="1">
-            <a:schemeClr val="accent1"/>
-          </a:fillRef>
-          <a:effectRef idx="0">
-            <a:schemeClr val="accent1"/>
-          </a:effectRef>
-          <a:fontRef idx="minor">
-            <a:schemeClr val="lt1"/>
-          </a:fontRef>
-        </p:style>
-        <p:txBody>
-          <a:bodyPr rtlCol="0" anchor="ctr"/>
-          <a:lstStyle/>
-          <a:p>
-            <a:pPr algn="ctr"/>
-            <a:r>
-              <a:rPr lang="en-US" sz="3600" dirty="0">
-                <a:solidFill>
-                  <a:schemeClr val="tx1"/>
-                </a:solidFill>
-              </a:rPr>
-              <a:t>18</a:t>
-            </a:r>
-          </a:p>
-        </p:txBody>
-      </p:sp>
-      <p:cxnSp>
-        <p:nvCxnSpPr>
-          <p:cNvPr id="14" name="Straight Arrow Connector 13">
-            <a:extLst>
-              <a:ext uri="{FF2B5EF4-FFF2-40B4-BE49-F238E27FC236}">
-                <a16:creationId xmlns:a16="http://schemas.microsoft.com/office/drawing/2014/main" id="{84A7F814-1E31-612B-6E15-C65C60B0E104}"/>
-              </a:ext>
-            </a:extLst>
-          </p:cNvPr>
-          <p:cNvCxnSpPr>
-            <a:cxnSpLocks/>
-          </p:cNvCxnSpPr>
-          <p:nvPr/>
-        </p:nvCxnSpPr>
-        <p:spPr>
-          <a:xfrm flipH="1">
-            <a:off x="2465611" y="3271528"/>
-            <a:ext cx="845611" cy="523048"/>
-          </a:xfrm>
-          <a:prstGeom prst="straightConnector1">
-            <a:avLst/>
-          </a:prstGeom>
-          <a:ln w="76200">
-            <a:tailEnd type="triangle"/>
-          </a:ln>
-        </p:spPr>
-        <p:style>
-          <a:lnRef idx="1">
-            <a:schemeClr val="dk1"/>
-          </a:lnRef>
-          <a:fillRef idx="0">
-            <a:schemeClr val="dk1"/>
-          </a:fillRef>
-          <a:effectRef idx="0">
-            <a:schemeClr val="dk1"/>
-          </a:effectRef>
-          <a:fontRef idx="minor">
-            <a:schemeClr val="tx1"/>
-          </a:fontRef>
-        </p:style>
-      </p:cxnSp>
-      <p:cxnSp>
-        <p:nvCxnSpPr>
-          <p:cNvPr id="15" name="Straight Arrow Connector 14">
-            <a:extLst>
-              <a:ext uri="{FF2B5EF4-FFF2-40B4-BE49-F238E27FC236}">
-                <a16:creationId xmlns:a16="http://schemas.microsoft.com/office/drawing/2014/main" id="{9287EBF1-12D6-1218-4C2B-4960EEF3B023}"/>
-              </a:ext>
-            </a:extLst>
-          </p:cNvPr>
-          <p:cNvCxnSpPr>
-            <a:cxnSpLocks/>
-          </p:cNvCxnSpPr>
-          <p:nvPr/>
-        </p:nvCxnSpPr>
-        <p:spPr>
-          <a:xfrm flipH="1">
-            <a:off x="3833370" y="2422069"/>
-            <a:ext cx="990359" cy="290206"/>
-          </a:xfrm>
-          <a:prstGeom prst="straightConnector1">
-            <a:avLst/>
-          </a:prstGeom>
-          <a:ln w="76200">
-            <a:tailEnd type="triangle"/>
-          </a:ln>
-        </p:spPr>
-        <p:style>
-          <a:lnRef idx="1">
-            <a:schemeClr val="dk1"/>
-          </a:lnRef>
-          <a:fillRef idx="0">
-            <a:schemeClr val="dk1"/>
-          </a:fillRef>
-          <a:effectRef idx="0">
-            <a:schemeClr val="dk1"/>
-          </a:effectRef>
-          <a:fontRef idx="minor">
-            <a:schemeClr val="tx1"/>
-          </a:fontRef>
-        </p:style>
-      </p:cxnSp>
-      <p:cxnSp>
-        <p:nvCxnSpPr>
-          <p:cNvPr id="17" name="Straight Arrow Connector 16">
-            <a:extLst>
-              <a:ext uri="{FF2B5EF4-FFF2-40B4-BE49-F238E27FC236}">
-                <a16:creationId xmlns:a16="http://schemas.microsoft.com/office/drawing/2014/main" id="{12596DEE-D044-BF25-8131-E2EDA4C6AA69}"/>
-              </a:ext>
-            </a:extLst>
-          </p:cNvPr>
-          <p:cNvCxnSpPr>
-            <a:cxnSpLocks/>
-          </p:cNvCxnSpPr>
-          <p:nvPr/>
-        </p:nvCxnSpPr>
-        <p:spPr>
-          <a:xfrm>
-            <a:off x="3768322" y="3271528"/>
-            <a:ext cx="130097" cy="479960"/>
-          </a:xfrm>
-          <a:prstGeom prst="straightConnector1">
-            <a:avLst/>
-          </a:prstGeom>
-          <a:ln w="76200">
-            <a:tailEnd type="triangle"/>
-          </a:ln>
-        </p:spPr>
-        <p:style>
-          <a:lnRef idx="1">
-            <a:schemeClr val="dk1"/>
-          </a:lnRef>
-          <a:fillRef idx="0">
-            <a:schemeClr val="dk1"/>
-          </a:fillRef>
-          <a:effectRef idx="0">
-            <a:schemeClr val="dk1"/>
-          </a:effectRef>
-          <a:fontRef idx="minor">
-            <a:schemeClr val="tx1"/>
-          </a:fontRef>
-        </p:style>
-      </p:cxnSp>
-      <p:sp>
-        <p:nvSpPr>
-          <p:cNvPr id="27" name="Rectangle 26">
-            <a:extLst>
-              <a:ext uri="{FF2B5EF4-FFF2-40B4-BE49-F238E27FC236}">
-                <a16:creationId xmlns:a16="http://schemas.microsoft.com/office/drawing/2014/main" id="{149646F2-E0DC-7311-3BA2-CF1FA1F023B4}"/>
-              </a:ext>
-            </a:extLst>
-          </p:cNvPr>
-          <p:cNvSpPr/>
-          <p:nvPr/>
-        </p:nvSpPr>
-        <p:spPr>
-          <a:xfrm>
-            <a:off x="7347002" y="3751488"/>
-            <a:ext cx="659947" cy="559253"/>
-          </a:xfrm>
-          <a:prstGeom prst="rect">
-            <a:avLst/>
-          </a:prstGeom>
-          <a:solidFill>
-            <a:schemeClr val="bg1"/>
-          </a:solidFill>
-        </p:spPr>
-        <p:style>
-          <a:lnRef idx="2">
-            <a:schemeClr val="accent1">
-              <a:shade val="50000"/>
-            </a:schemeClr>
-          </a:lnRef>
-          <a:fillRef idx="1">
-            <a:schemeClr val="accent1"/>
-          </a:fillRef>
-          <a:effectRef idx="0">
-            <a:schemeClr val="accent1"/>
-          </a:effectRef>
-          <a:fontRef idx="minor">
-            <a:schemeClr val="lt1"/>
-          </a:fontRef>
-        </p:style>
-        <p:txBody>
-          <a:bodyPr rtlCol="0" anchor="ctr"/>
-          <a:lstStyle/>
-          <a:p>
-            <a:pPr algn="ctr"/>
-            <a:r>
-              <a:rPr lang="en-US" sz="3600" dirty="0">
-                <a:solidFill>
-                  <a:schemeClr val="tx1"/>
-                </a:solidFill>
-              </a:rPr>
-              <a:t>24</a:t>
-            </a:r>
-          </a:p>
-        </p:txBody>
-      </p:sp>
-      <p:sp>
-        <p:nvSpPr>
-          <p:cNvPr id="28" name="Rectangle 27">
-            <a:extLst>
-              <a:ext uri="{FF2B5EF4-FFF2-40B4-BE49-F238E27FC236}">
-                <a16:creationId xmlns:a16="http://schemas.microsoft.com/office/drawing/2014/main" id="{4065ABFD-4FC6-5043-EB29-315E9687060C}"/>
-              </a:ext>
-            </a:extLst>
-          </p:cNvPr>
-          <p:cNvSpPr/>
-          <p:nvPr/>
-        </p:nvSpPr>
-        <p:spPr>
-          <a:xfrm>
-            <a:off x="8028188" y="3751487"/>
-            <a:ext cx="659947" cy="559253"/>
-          </a:xfrm>
-          <a:prstGeom prst="rect">
-            <a:avLst/>
-          </a:prstGeom>
-          <a:solidFill>
-            <a:schemeClr val="bg1"/>
-          </a:solidFill>
-        </p:spPr>
-        <p:style>
-          <a:lnRef idx="2">
-            <a:schemeClr val="accent1">
-              <a:shade val="50000"/>
-            </a:schemeClr>
-          </a:lnRef>
-          <a:fillRef idx="1">
-            <a:schemeClr val="accent1"/>
-          </a:fillRef>
-          <a:effectRef idx="0">
-            <a:schemeClr val="accent1"/>
-          </a:effectRef>
-          <a:fontRef idx="minor">
-            <a:schemeClr val="lt1"/>
-          </a:fontRef>
-        </p:style>
-        <p:txBody>
-          <a:bodyPr rtlCol="0" anchor="ctr"/>
-          <a:lstStyle/>
-          <a:p>
-            <a:pPr algn="ctr"/>
-            <a:r>
-              <a:rPr lang="en-US" sz="3600" dirty="0">
-                <a:solidFill>
-                  <a:schemeClr val="tx1"/>
-                </a:solidFill>
-              </a:rPr>
-              <a:t>32</a:t>
-            </a:r>
-          </a:p>
-        </p:txBody>
-      </p:sp>
-      <p:cxnSp>
-        <p:nvCxnSpPr>
-          <p:cNvPr id="29" name="Straight Arrow Connector 28">
-            <a:extLst>
-              <a:ext uri="{FF2B5EF4-FFF2-40B4-BE49-F238E27FC236}">
-                <a16:creationId xmlns:a16="http://schemas.microsoft.com/office/drawing/2014/main" id="{7DF6D89D-EB6F-554A-3DBF-DE7AD85EC3CE}"/>
-              </a:ext>
-            </a:extLst>
-          </p:cNvPr>
-          <p:cNvCxnSpPr>
-            <a:cxnSpLocks/>
-          </p:cNvCxnSpPr>
-          <p:nvPr/>
-        </p:nvCxnSpPr>
-        <p:spPr>
-          <a:xfrm>
-            <a:off x="5483676" y="2422069"/>
-            <a:ext cx="990359" cy="331634"/>
-          </a:xfrm>
-          <a:prstGeom prst="straightConnector1">
-            <a:avLst/>
-          </a:prstGeom>
-          <a:ln w="76200">
-            <a:tailEnd type="triangle"/>
-          </a:ln>
-        </p:spPr>
-        <p:style>
-          <a:lnRef idx="1">
-            <a:schemeClr val="dk1"/>
-          </a:lnRef>
-          <a:fillRef idx="0">
-            <a:schemeClr val="dk1"/>
-          </a:fillRef>
-          <a:effectRef idx="0">
-            <a:schemeClr val="dk1"/>
-          </a:effectRef>
-          <a:fontRef idx="minor">
-            <a:schemeClr val="tx1"/>
-          </a:fontRef>
-        </p:style>
-      </p:cxnSp>
-      <p:cxnSp>
-        <p:nvCxnSpPr>
-          <p:cNvPr id="32" name="Straight Arrow Connector 31">
-            <a:extLst>
-              <a:ext uri="{FF2B5EF4-FFF2-40B4-BE49-F238E27FC236}">
-                <a16:creationId xmlns:a16="http://schemas.microsoft.com/office/drawing/2014/main" id="{68CB901E-FE3A-F927-DF4E-BAFF95CF29BA}"/>
-              </a:ext>
-            </a:extLst>
-          </p:cNvPr>
-          <p:cNvCxnSpPr>
-            <a:cxnSpLocks/>
-            <a:endCxn id="7" idx="0"/>
-          </p:cNvCxnSpPr>
-          <p:nvPr/>
-        </p:nvCxnSpPr>
-        <p:spPr>
-          <a:xfrm flipH="1">
-            <a:off x="5347178" y="3312956"/>
-            <a:ext cx="485602" cy="438532"/>
-          </a:xfrm>
-          <a:prstGeom prst="straightConnector1">
-            <a:avLst/>
-          </a:prstGeom>
-          <a:ln w="76200">
-            <a:tailEnd type="triangle"/>
-          </a:ln>
-        </p:spPr>
-        <p:style>
-          <a:lnRef idx="1">
-            <a:schemeClr val="dk1"/>
-          </a:lnRef>
-          <a:fillRef idx="0">
-            <a:schemeClr val="dk1"/>
-          </a:fillRef>
-          <a:effectRef idx="0">
-            <a:schemeClr val="dk1"/>
-          </a:effectRef>
-          <a:fontRef idx="minor">
-            <a:schemeClr val="tx1"/>
-          </a:fontRef>
-        </p:style>
-      </p:cxnSp>
-      <p:cxnSp>
-        <p:nvCxnSpPr>
-          <p:cNvPr id="35" name="Straight Arrow Connector 34">
-            <a:extLst>
-              <a:ext uri="{FF2B5EF4-FFF2-40B4-BE49-F238E27FC236}">
-                <a16:creationId xmlns:a16="http://schemas.microsoft.com/office/drawing/2014/main" id="{6BBCF956-444B-B215-EECB-0750959A3F00}"/>
-              </a:ext>
-            </a:extLst>
-          </p:cNvPr>
-          <p:cNvCxnSpPr>
-            <a:cxnSpLocks/>
-            <a:endCxn id="8" idx="0"/>
-          </p:cNvCxnSpPr>
-          <p:nvPr/>
-        </p:nvCxnSpPr>
-        <p:spPr>
-          <a:xfrm>
-            <a:off x="6492727" y="3312956"/>
-            <a:ext cx="86703" cy="438531"/>
-          </a:xfrm>
-          <a:prstGeom prst="straightConnector1">
-            <a:avLst/>
-          </a:prstGeom>
-          <a:ln w="76200">
-            <a:tailEnd type="triangle"/>
-          </a:ln>
-        </p:spPr>
-        <p:style>
-          <a:lnRef idx="1">
-            <a:schemeClr val="dk1"/>
-          </a:lnRef>
-          <a:fillRef idx="0">
-            <a:schemeClr val="dk1"/>
-          </a:fillRef>
-          <a:effectRef idx="0">
-            <a:schemeClr val="dk1"/>
-          </a:effectRef>
-          <a:fontRef idx="minor">
-            <a:schemeClr val="tx1"/>
-          </a:fontRef>
-        </p:style>
-      </p:cxnSp>
-      <p:cxnSp>
-        <p:nvCxnSpPr>
-          <p:cNvPr id="38" name="Straight Arrow Connector 37">
-            <a:extLst>
-              <a:ext uri="{FF2B5EF4-FFF2-40B4-BE49-F238E27FC236}">
-                <a16:creationId xmlns:a16="http://schemas.microsoft.com/office/drawing/2014/main" id="{1B02C1D3-C92D-2004-8B4C-15B1E28DD61A}"/>
-              </a:ext>
-            </a:extLst>
-          </p:cNvPr>
-          <p:cNvCxnSpPr>
-            <a:cxnSpLocks/>
-          </p:cNvCxnSpPr>
-          <p:nvPr/>
-        </p:nvCxnSpPr>
-        <p:spPr>
-          <a:xfrm>
-            <a:off x="7152660" y="3312956"/>
-            <a:ext cx="710321" cy="438531"/>
-          </a:xfrm>
-          <a:prstGeom prst="straightConnector1">
-            <a:avLst/>
-          </a:prstGeom>
-          <a:ln w="76200">
-            <a:tailEnd type="triangle"/>
-          </a:ln>
-        </p:spPr>
-        <p:style>
-          <a:lnRef idx="1">
-            <a:schemeClr val="dk1"/>
-          </a:lnRef>
-          <a:fillRef idx="0">
-            <a:schemeClr val="dk1"/>
-          </a:fillRef>
-          <a:effectRef idx="0">
-            <a:schemeClr val="dk1"/>
-          </a:effectRef>
-          <a:fontRef idx="minor">
-            <a:schemeClr val="tx1"/>
-          </a:fontRef>
-        </p:style>
-      </p:cxnSp>
-      <p:sp>
-        <p:nvSpPr>
-          <p:cNvPr id="41" name="Rectangle 40">
-            <a:extLst>
-              <a:ext uri="{FF2B5EF4-FFF2-40B4-BE49-F238E27FC236}">
-                <a16:creationId xmlns:a16="http://schemas.microsoft.com/office/drawing/2014/main" id="{B3DD899A-32F3-CF51-05A8-5BD198491C3A}"/>
-              </a:ext>
-            </a:extLst>
-          </p:cNvPr>
-          <p:cNvSpPr/>
-          <p:nvPr/>
-        </p:nvSpPr>
-        <p:spPr>
-          <a:xfrm>
-            <a:off x="7368241" y="1112385"/>
-            <a:ext cx="659947" cy="559253"/>
-          </a:xfrm>
-          <a:prstGeom prst="rect">
-            <a:avLst/>
-          </a:prstGeom>
-          <a:solidFill>
-            <a:schemeClr val="bg1"/>
-          </a:solidFill>
-        </p:spPr>
-        <p:style>
-          <a:lnRef idx="2">
-            <a:schemeClr val="accent1">
-              <a:shade val="50000"/>
-            </a:schemeClr>
-          </a:lnRef>
-          <a:fillRef idx="1">
-            <a:schemeClr val="accent1"/>
-          </a:fillRef>
-          <a:effectRef idx="0">
-            <a:schemeClr val="accent1"/>
-          </a:effectRef>
-          <a:fontRef idx="minor">
-            <a:schemeClr val="lt1"/>
-          </a:fontRef>
-        </p:style>
-        <p:txBody>
-          <a:bodyPr rtlCol="0" anchor="ctr"/>
-          <a:lstStyle/>
-          <a:p>
-            <a:pPr algn="ctr"/>
-            <a:r>
-              <a:rPr lang="en-US" sz="3600" dirty="0">
-                <a:solidFill>
-                  <a:schemeClr val="tx1"/>
-                </a:solidFill>
-              </a:rPr>
-              <a:t>7</a:t>
-            </a:r>
-          </a:p>
-        </p:txBody>
-      </p:sp>
-      <p:sp>
-        <p:nvSpPr>
-          <p:cNvPr id="42" name="TextBox 41">
-            <a:extLst>
-              <a:ext uri="{FF2B5EF4-FFF2-40B4-BE49-F238E27FC236}">
-                <a16:creationId xmlns:a16="http://schemas.microsoft.com/office/drawing/2014/main" id="{D2D47168-2BE3-9CF6-E54D-440A4BB77495}"/>
-              </a:ext>
-            </a:extLst>
-          </p:cNvPr>
-          <p:cNvSpPr txBox="1"/>
-          <p:nvPr/>
-        </p:nvSpPr>
-        <p:spPr>
-          <a:xfrm>
-            <a:off x="6332163" y="1160681"/>
-            <a:ext cx="1175657" cy="461665"/>
-          </a:xfrm>
-          <a:prstGeom prst="rect">
-            <a:avLst/>
-          </a:prstGeom>
-          <a:noFill/>
-        </p:spPr>
-        <p:txBody>
-          <a:bodyPr wrap="square" rtlCol="0">
-            <a:spAutoFit/>
-          </a:bodyPr>
-          <a:lstStyle/>
-          <a:p>
-            <a:r>
-              <a:rPr lang="en-US" sz="2400" dirty="0"/>
-              <a:t>Insert:</a:t>
-            </a:r>
-          </a:p>
-        </p:txBody>
-      </p:sp>
-    </p:spTree>
-    <p:extLst>
-      <p:ext uri="{BB962C8B-B14F-4D97-AF65-F5344CB8AC3E}">
-        <p14:creationId xmlns:p14="http://schemas.microsoft.com/office/powerpoint/2010/main" val="2097189681"/>
-      </p:ext>
-    </p:extLst>
-  </p:cSld>
-  <p:clrMapOvr>
-    <a:masterClrMapping/>
-  </p:clrMapOvr>
-  <mc:AlternateContent xmlns:mc="http://schemas.openxmlformats.org/markup-compatibility/2006" xmlns:p159="http://schemas.microsoft.com/office/powerpoint/2015/09/main">
-    <mc:Choice Requires="p159">
-      <p:transition xmlns:p14="http://schemas.microsoft.com/office/powerpoint/2010/main" spd="slow" p14:dur="2000">
-        <p159:morph option="byObject"/>
-      </p:transition>
-    </mc:Choice>
-    <mc:Fallback xmlns="">
-      <p:transition spd="slow">
-        <p:fade/>
-      </p:transition>
-    </mc:Fallback>
-  </mc:AlternateContent>
-  <p:timing>
-    <p:tnLst>
-      <p:par>
-        <p:cTn id="1" dur="indefinite" restart="never" nodeType="tmRoot">
-          <p:childTnLst>
-            <p:seq concurrent="1" nextAc="seek">
-              <p:cTn id="2" dur="indefinite" nodeType="mainSeq">
-                <p:childTnLst>
-                  <p:par>
-                    <p:cTn id="3" fill="hold">
-                      <p:stCondLst>
-                        <p:cond delay="indefinite"/>
-                      </p:stCondLst>
-                      <p:childTnLst>
-                        <p:par>
-                          <p:cTn id="4" fill="hold">
-                            <p:stCondLst>
-                              <p:cond delay="0"/>
-                            </p:stCondLst>
-                            <p:childTnLst>
-                              <p:par>
-                                <p:cTn id="5" presetID="9" presetClass="exit" presetSubtype="0" fill="hold" grpId="0" nodeType="clickEffect">
-                                  <p:stCondLst>
-                                    <p:cond delay="0"/>
-                                  </p:stCondLst>
-                                  <p:childTnLst>
-                                    <p:animEffect transition="out" filter="dissolve">
-                                      <p:cBhvr>
-                                        <p:cTn id="6" dur="500"/>
-                                        <p:tgtEl>
-                                          <p:spTgt spid="42"/>
-                                        </p:tgtEl>
-                                      </p:cBhvr>
-                                    </p:animEffect>
-                                    <p:set>
-                                      <p:cBhvr>
-                                        <p:cTn id="7" dur="1" fill="hold">
-                                          <p:stCondLst>
-                                            <p:cond delay="499"/>
-                                          </p:stCondLst>
-                                        </p:cTn>
-                                        <p:tgtEl>
-                                          <p:spTgt spid="42"/>
-                                        </p:tgtEl>
-                                        <p:attrNameLst>
-                                          <p:attrName>style.visibility</p:attrName>
-                                        </p:attrNameLst>
-                                      </p:cBhvr>
-                                      <p:to>
-                                        <p:strVal val="hidden"/>
-                                      </p:to>
-                                    </p:set>
-                                  </p:childTnLst>
-                                </p:cTn>
-                              </p:par>
-                            </p:childTnLst>
-                          </p:cTn>
-                        </p:par>
-                        <p:par>
-                          <p:cTn id="8" fill="hold">
-                            <p:stCondLst>
-                              <p:cond delay="500"/>
-                            </p:stCondLst>
-                            <p:childTnLst>
-                              <p:par>
-                                <p:cTn id="9" presetID="42" presetClass="path" presetSubtype="0" accel="50000" decel="50000" fill="hold" grpId="0" nodeType="afterEffect">
-                                  <p:stCondLst>
-                                    <p:cond delay="0"/>
-                                  </p:stCondLst>
-                                  <p:childTnLst>
-                                    <p:animMotion origin="layout" path="M 0.00122 9.87654E-7 L -0.35972 0.14105 " pathEditMode="relative" rAng="0" ptsTypes="AA">
-                                      <p:cBhvr>
-                                        <p:cTn id="10" dur="2000" fill="hold"/>
-                                        <p:tgtEl>
-                                          <p:spTgt spid="41"/>
-                                        </p:tgtEl>
-                                        <p:attrNameLst>
-                                          <p:attrName>ppt_x</p:attrName>
-                                          <p:attrName>ppt_y</p:attrName>
-                                        </p:attrNameLst>
-                                      </p:cBhvr>
-                                      <p:rCtr x="-18056" y="7037"/>
-                                    </p:animMotion>
-                                  </p:childTnLst>
-                                </p:cTn>
-                              </p:par>
-                            </p:childTnLst>
-                          </p:cTn>
-                        </p:par>
-                        <p:par>
-                          <p:cTn id="11" fill="hold">
-                            <p:stCondLst>
-                              <p:cond delay="2500"/>
-                            </p:stCondLst>
-                            <p:childTnLst>
-                              <p:par>
-                                <p:cTn id="12" presetID="42" presetClass="path" presetSubtype="0" accel="50000" decel="50000" fill="hold" grpId="1" nodeType="afterEffect">
-                                  <p:stCondLst>
-                                    <p:cond delay="0"/>
-                                  </p:stCondLst>
-                                  <p:childTnLst>
-                                    <p:animMotion origin="layout" path="M -0.35972 0.14105 L -0.52934 0.30864 " pathEditMode="relative" rAng="0" ptsTypes="AA">
-                                      <p:cBhvr>
-                                        <p:cTn id="13" dur="2000" fill="hold"/>
-                                        <p:tgtEl>
-                                          <p:spTgt spid="41"/>
-                                        </p:tgtEl>
-                                        <p:attrNameLst>
-                                          <p:attrName>ppt_x</p:attrName>
-                                          <p:attrName>ppt_y</p:attrName>
-                                        </p:attrNameLst>
-                                      </p:cBhvr>
-                                      <p:rCtr x="-8490" y="8364"/>
-                                    </p:animMotion>
-                                  </p:childTnLst>
-                                </p:cTn>
-                              </p:par>
-                            </p:childTnLst>
-                          </p:cTn>
-                        </p:par>
-                        <p:par>
-                          <p:cTn id="14" fill="hold">
-                            <p:stCondLst>
-                              <p:cond delay="4500"/>
-                            </p:stCondLst>
-                            <p:childTnLst>
-                              <p:par>
-                                <p:cTn id="15" presetID="42" presetClass="path" presetSubtype="0" accel="50000" decel="50000" fill="hold" grpId="2" nodeType="afterEffect">
-                                  <p:stCondLst>
-                                    <p:cond delay="0"/>
-                                  </p:stCondLst>
-                                  <p:childTnLst>
-                                    <p:animMotion origin="layout" path="M -0.52934 0.30864 L -0.65625 0.51018 " pathEditMode="relative" rAng="0" ptsTypes="AA">
-                                      <p:cBhvr>
-                                        <p:cTn id="16" dur="2000" fill="hold"/>
-                                        <p:tgtEl>
-                                          <p:spTgt spid="41"/>
-                                        </p:tgtEl>
-                                        <p:attrNameLst>
-                                          <p:attrName>ppt_x</p:attrName>
-                                          <p:attrName>ppt_y</p:attrName>
-                                        </p:attrNameLst>
-                                      </p:cBhvr>
-                                      <p:rCtr x="-6354" y="10062"/>
-                                    </p:animMotion>
-                                  </p:childTnLst>
-                                </p:cTn>
-                              </p:par>
-                            </p:childTnLst>
-                          </p:cTn>
-                        </p:par>
-                      </p:childTnLst>
-                    </p:cTn>
-                  </p:par>
-                </p:childTnLst>
-              </p:cTn>
-              <p:prevCondLst>
-                <p:cond evt="onPrev" delay="0">
-                  <p:tgtEl>
-                    <p:sldTgt/>
-                  </p:tgtEl>
-                </p:cond>
-              </p:prevCondLst>
-              <p:nextCondLst>
-                <p:cond evt="onNext" delay="0">
-                  <p:tgtEl>
-                    <p:sldTgt/>
-                  </p:tgtEl>
-                </p:cond>
-              </p:nextCondLst>
-            </p:seq>
-          </p:childTnLst>
-        </p:cTn>
-      </p:par>
-    </p:tnLst>
-    <p:bldLst>
-      <p:bldP spid="41" grpId="0" animBg="1"/>
-      <p:bldP spid="41" grpId="1" animBg="1"/>
-      <p:bldP spid="41" grpId="2" animBg="1"/>
-      <p:bldP spid="42" grpId="0"/>
     </p:bldLst>
   </p:timing>
 </p:sld>
@@ -19555,21 +19555,8 @@
                 <a:latin typeface="Times New Roman" panose="02020603050405020304" pitchFamily="18" charset="0"/>
                 <a:ea typeface="Times New Roman" panose="02020603050405020304" pitchFamily="18" charset="0"/>
               </a:rPr>
-              <a:t>If it is true (full), we have to split the root into two new nodes. These two nodes will become children of a new root node, which now contains the median of the previous root. Then we insert to the correct child node (split from the </a:t>
-            </a:r>
-            <a:r>
-              <a:rPr lang="en-US" sz="2000">
-                <a:effectLst/>
-                <a:latin typeface="Times New Roman" panose="02020603050405020304" pitchFamily="18" charset="0"/>
-                <a:ea typeface="Times New Roman" panose="02020603050405020304" pitchFamily="18" charset="0"/>
-              </a:rPr>
-              <a:t>original root).</a:t>
-            </a:r>
-            <a:endParaRPr lang="en-US" sz="2000" dirty="0">
-              <a:effectLst/>
-              <a:latin typeface="Times New Roman" panose="02020603050405020304" pitchFamily="18" charset="0"/>
-              <a:ea typeface="Times New Roman" panose="02020603050405020304" pitchFamily="18" charset="0"/>
-            </a:endParaRPr>
+              <a:t>If it is true (full), we have to split the root into two new nodes. These two nodes will become children of a new root node, which now contains the median of the previous root. Then we insert to the correct child node (split from the original root).</a:t>
+            </a:r>
           </a:p>
           <a:p>
             <a:pPr lvl="1">

--- a/Seminar.pptx
+++ b/Seminar.pptx
@@ -15770,7 +15770,7 @@
                 <a:latin typeface="Times New Roman" panose="02020603050405020304" pitchFamily="18" charset="0"/>
                 <a:cs typeface="Times New Roman" panose="02020603050405020304" pitchFamily="18" charset="0"/>
               </a:rPr>
-              <a:t>This function is used to insert a key into a non-full node (it might be already non-full or it had been split beforehand). Before inserting, we must choose the correct child to insert to in case of non-leaf node and we have to split it if necessary.</a:t>
+              <a:t>This function is used to insert a key into a non-full node (it might be already non-full or it had been split beforehand). Before inserting, we must choose the correct child to insert to in case of non-leaf node and we have to split that child if necessary.</a:t>
             </a:r>
           </a:p>
         </p:txBody>

--- a/Seminar.pptx
+++ b/Seminar.pptx
@@ -15754,7 +15754,21 @@
                 <a:latin typeface="Times New Roman" panose="02020603050405020304" pitchFamily="18" charset="0"/>
                 <a:cs typeface="Times New Roman" panose="02020603050405020304" pitchFamily="18" charset="0"/>
               </a:rPr>
-              <a:t>Insert a node whose root wasn’t full :</a:t>
+              <a:t>Insert a node </a:t>
+            </a:r>
+            <a:r>
+              <a:rPr lang="en-US" sz="2000" b="1" i="1">
+                <a:latin typeface="Times New Roman" panose="02020603050405020304" pitchFamily="18" charset="0"/>
+                <a:cs typeface="Times New Roman" panose="02020603050405020304" pitchFamily="18" charset="0"/>
+              </a:rPr>
+              <a:t>which isn’t </a:t>
+            </a:r>
+            <a:r>
+              <a:rPr lang="en-US" sz="2000" b="1" i="1" dirty="0">
+                <a:latin typeface="Times New Roman" panose="02020603050405020304" pitchFamily="18" charset="0"/>
+                <a:cs typeface="Times New Roman" panose="02020603050405020304" pitchFamily="18" charset="0"/>
+              </a:rPr>
+              <a:t>full :</a:t>
             </a:r>
             <a:br>
               <a:rPr lang="en-US" sz="2000" dirty="0">

--- a/Seminar.pptx
+++ b/Seminar.pptx
@@ -284,7 +284,7 @@
           <a:p>
             <a:fld id="{C8D18E60-4300-4729-A0D7-6AB984C3922D}" type="datetimeFigureOut">
               <a:rPr lang="en-US" smtClean="0"/>
-              <a:t>7/18/22</a:t>
+              <a:t>7/19/22</a:t>
             </a:fld>
             <a:endParaRPr lang="en-US"/>
           </a:p>
@@ -1186,7 +1186,7 @@
             <a:fld id="{53074F12-AA26-4AC8-9962-C36BB8F32554}" type="datetimeFigureOut">
               <a:rPr lang="en-US" smtClean="0"/>
               <a:pPr/>
-              <a:t>7/18/22</a:t>
+              <a:t>7/19/22</a:t>
             </a:fld>
             <a:endParaRPr lang="en-US"/>
           </a:p>
@@ -1440,7 +1440,7 @@
             <a:fld id="{53074F12-AA26-4AC8-9962-C36BB8F32554}" type="datetimeFigureOut">
               <a:rPr lang="en-US" smtClean="0"/>
               <a:pPr/>
-              <a:t>7/18/22</a:t>
+              <a:t>7/19/22</a:t>
             </a:fld>
             <a:endParaRPr lang="en-US"/>
           </a:p>
@@ -1610,7 +1610,7 @@
             <a:fld id="{53074F12-AA26-4AC8-9962-C36BB8F32554}" type="datetimeFigureOut">
               <a:rPr lang="en-US" smtClean="0"/>
               <a:pPr/>
-              <a:t>7/18/22</a:t>
+              <a:t>7/19/22</a:t>
             </a:fld>
             <a:endParaRPr lang="en-US"/>
           </a:p>
@@ -1790,7 +1790,7 @@
             <a:fld id="{53074F12-AA26-4AC8-9962-C36BB8F32554}" type="datetimeFigureOut">
               <a:rPr lang="en-US" smtClean="0"/>
               <a:pPr/>
-              <a:t>7/18/22</a:t>
+              <a:t>7/19/22</a:t>
             </a:fld>
             <a:endParaRPr lang="en-US"/>
           </a:p>
@@ -2075,7 +2075,7 @@
             <a:fld id="{53074F12-AA26-4AC8-9962-C36BB8F32554}" type="datetimeFigureOut">
               <a:rPr lang="en-US" smtClean="0"/>
               <a:pPr/>
-              <a:t>7/18/22</a:t>
+              <a:t>7/19/22</a:t>
             </a:fld>
             <a:endParaRPr lang="en-US"/>
           </a:p>
@@ -2322,7 +2322,7 @@
             <a:fld id="{53074F12-AA26-4AC8-9962-C36BB8F32554}" type="datetimeFigureOut">
               <a:rPr lang="en-US" smtClean="0"/>
               <a:pPr/>
-              <a:t>7/18/22</a:t>
+              <a:t>7/19/22</a:t>
             </a:fld>
             <a:endParaRPr lang="en-US"/>
           </a:p>
@@ -2569,7 +2569,7 @@
             <a:fld id="{53074F12-AA26-4AC8-9962-C36BB8F32554}" type="datetimeFigureOut">
               <a:rPr lang="en-US" smtClean="0"/>
               <a:pPr/>
-              <a:t>7/18/22</a:t>
+              <a:t>7/19/22</a:t>
             </a:fld>
             <a:endParaRPr lang="en-US"/>
           </a:p>
@@ -2856,7 +2856,7 @@
             <a:fld id="{53074F12-AA26-4AC8-9962-C36BB8F32554}" type="datetimeFigureOut">
               <a:rPr lang="en-US" smtClean="0"/>
               <a:pPr/>
-              <a:t>7/18/22</a:t>
+              <a:t>7/19/22</a:t>
             </a:fld>
             <a:endParaRPr lang="en-US"/>
           </a:p>
@@ -3346,7 +3346,7 @@
             <a:fld id="{53074F12-AA26-4AC8-9962-C36BB8F32554}" type="datetimeFigureOut">
               <a:rPr lang="en-US" smtClean="0"/>
               <a:pPr/>
-              <a:t>7/18/22</a:t>
+              <a:t>7/19/22</a:t>
             </a:fld>
             <a:endParaRPr lang="en-US"/>
           </a:p>
@@ -3465,7 +3465,7 @@
             <a:fld id="{53074F12-AA26-4AC8-9962-C36BB8F32554}" type="datetimeFigureOut">
               <a:rPr lang="en-US" smtClean="0"/>
               <a:pPr/>
-              <a:t>7/18/22</a:t>
+              <a:t>7/19/22</a:t>
             </a:fld>
             <a:endParaRPr lang="en-US"/>
           </a:p>
@@ -3562,7 +3562,7 @@
             <a:fld id="{53074F12-AA26-4AC8-9962-C36BB8F32554}" type="datetimeFigureOut">
               <a:rPr lang="en-US" smtClean="0"/>
               <a:pPr/>
-              <a:t>7/18/22</a:t>
+              <a:t>7/19/22</a:t>
             </a:fld>
             <a:endParaRPr lang="en-US"/>
           </a:p>
@@ -3839,7 +3839,7 @@
             <a:fld id="{53074F12-AA26-4AC8-9962-C36BB8F32554}" type="datetimeFigureOut">
               <a:rPr lang="en-US" smtClean="0"/>
               <a:pPr/>
-              <a:t>7/18/22</a:t>
+              <a:t>7/19/22</a:t>
             </a:fld>
             <a:endParaRPr lang="en-US"/>
           </a:p>
@@ -4061,7 +4061,7 @@
             <a:fld id="{53074F12-AA26-4AC8-9962-C36BB8F32554}" type="datetimeFigureOut">
               <a:rPr lang="en-US" smtClean="0"/>
               <a:pPr/>
-              <a:t>7/18/22</a:t>
+              <a:t>7/19/22</a:t>
             </a:fld>
             <a:endParaRPr lang="en-US"/>
           </a:p>
@@ -24238,8 +24238,8 @@
           </a:p>
         </p:txBody>
       </p:sp>
-      <mc:AlternateContent xmlns:mc="http://schemas.openxmlformats.org/markup-compatibility/2006" xmlns:a14="http://schemas.microsoft.com/office/drawing/2010/main">
-        <mc:Choice Requires="a14">
+      <mc:AlternateContent xmlns:mc="http://schemas.openxmlformats.org/markup-compatibility/2006">
+        <mc:Choice xmlns:a14="http://schemas.microsoft.com/office/drawing/2010/main" Requires="a14">
           <p:sp>
             <p:nvSpPr>
               <p:cNvPr id="3" name="Content Placeholder 2">
@@ -24282,12 +24282,20 @@
                   <a:buChar char="o"/>
                 </a:pPr>
                 <a:r>
+                  <a:rPr lang="en-US" sz="3200" b="1" dirty="0">
+                    <a:effectLst/>
+                    <a:latin typeface="Times New Roman" panose="02020603050405020304" pitchFamily="18" charset="0"/>
+                    <a:ea typeface="Times New Roman" panose="02020603050405020304" pitchFamily="18" charset="0"/>
+                  </a:rPr>
+                  <a:t>Time complexity: </a:t>
+                </a:r>
+                <a:r>
                   <a:rPr lang="en-US" sz="3200" dirty="0">
                     <a:effectLst/>
                     <a:latin typeface="Times New Roman" panose="02020603050405020304" pitchFamily="18" charset="0"/>
                     <a:ea typeface="Times New Roman" panose="02020603050405020304" pitchFamily="18" charset="0"/>
                   </a:rPr>
-                  <a:t>Time complexity: O(</a:t>
+                  <a:t>O(</a:t>
                 </a:r>
                 <a14:m>
                   <m:oMath xmlns:m="http://schemas.openxmlformats.org/officeDocument/2006/math">
@@ -24368,12 +24376,20 @@
                   <a:buChar char="o"/>
                 </a:pPr>
                 <a:r>
+                  <a:rPr lang="en-US" sz="3200" b="1" dirty="0">
+                    <a:effectLst/>
+                    <a:latin typeface="Times New Roman" panose="02020603050405020304" pitchFamily="18" charset="0"/>
+                    <a:ea typeface="Times New Roman" panose="02020603050405020304" pitchFamily="18" charset="0"/>
+                  </a:rPr>
+                  <a:t>Space complexity: </a:t>
+                </a:r>
+                <a:r>
                   <a:rPr lang="en-US" sz="3200" dirty="0">
                     <a:effectLst/>
                     <a:latin typeface="Times New Roman" panose="02020603050405020304" pitchFamily="18" charset="0"/>
                     <a:ea typeface="Times New Roman" panose="02020603050405020304" pitchFamily="18" charset="0"/>
                   </a:rPr>
-                  <a:t>Space complexity: O(n)</a:t>
+                  <a:t>O(n)</a:t>
                 </a:r>
                 <a:endParaRPr lang="en-US" sz="3200" dirty="0">
                   <a:effectLst/>
@@ -24384,7 +24400,7 @@
             </p:txBody>
           </p:sp>
         </mc:Choice>
-        <mc:Fallback xmlns="">
+        <mc:Fallback>
           <p:sp>
             <p:nvSpPr>
               <p:cNvPr id="3" name="Content Placeholder 2">
@@ -24409,7 +24425,7 @@
               <a:blipFill>
                 <a:blip r:embed="rId2"/>
                 <a:stretch>
-                  <a:fillRect t="-3846"/>
+                  <a:fillRect t="-4425"/>
                 </a:stretch>
               </a:blipFill>
             </p:spPr>
@@ -24418,7 +24434,7 @@
               <a:lstStyle/>
               <a:p>
                 <a:r>
-                  <a:rPr lang="en-US">
+                  <a:rPr lang="en-VN">
                     <a:noFill/>
                   </a:rPr>
                   <a:t> </a:t>
@@ -25217,7 +25233,22 @@
                 <a:latin typeface="Times New Roman" panose="02020603050405020304" pitchFamily="18" charset="0"/>
                 <a:ea typeface="Times New Roman" panose="02020603050405020304" pitchFamily="18" charset="0"/>
               </a:rPr>
-              <a:t>Repeat steps 1 to 4 until the leaf is reached</a:t>
+              <a:t>Repeat steps </a:t>
+            </a:r>
+            <a:r>
+              <a:rPr lang="en-US" sz="2000" dirty="0">
+                <a:latin typeface="Times New Roman" panose="02020603050405020304" pitchFamily="18" charset="0"/>
+                <a:ea typeface="Times New Roman" panose="02020603050405020304" pitchFamily="18" charset="0"/>
+              </a:rPr>
+              <a:t>2</a:t>
+            </a:r>
+            <a:r>
+              <a:rPr lang="en-US" sz="2000" dirty="0">
+                <a:effectLst/>
+                <a:latin typeface="Times New Roman" panose="02020603050405020304" pitchFamily="18" charset="0"/>
+                <a:ea typeface="Times New Roman" panose="02020603050405020304" pitchFamily="18" charset="0"/>
+              </a:rPr>
+              <a:t> to 5 until the leaf is reached</a:t>
             </a:r>
             <a:r>
               <a:rPr lang="en-US" sz="1800" dirty="0">
@@ -27151,8 +27182,8 @@
         </p:nvSpPr>
         <p:spPr bwMode="auto">
           <a:xfrm>
-            <a:off x="2099733" y="1571476"/>
-            <a:ext cx="5588000" cy="2000548"/>
+            <a:off x="2099733" y="2156251"/>
+            <a:ext cx="5588000" cy="830997"/>
           </a:xfrm>
           <a:prstGeom prst="rect">
             <a:avLst/>
@@ -27344,6 +27375,21 @@
               <a:tabLst/>
             </a:pPr>
             <a:r>
+              <a:rPr kumimoji="0" lang="en-US" altLang="en-US" sz="2400" b="1" i="0" u="none" strike="noStrike" cap="none" normalizeH="0" baseline="0" dirty="0">
+                <a:ln>
+                  <a:noFill/>
+                </a:ln>
+                <a:solidFill>
+                  <a:schemeClr val="tx1"/>
+                </a:solidFill>
+                <a:effectLst/>
+                <a:latin typeface="Times New Roman" panose="02020603050405020304" pitchFamily="18" charset="0"/>
+                <a:ea typeface="Times New Roman" panose="02020603050405020304" pitchFamily="18" charset="0"/>
+                <a:cs typeface="Times New Roman" panose="02020603050405020304" pitchFamily="18" charset="0"/>
+              </a:rPr>
+              <a:t>Time complexity: </a:t>
+            </a:r>
+            <a:r>
               <a:rPr kumimoji="0" lang="en-US" altLang="en-US" sz="2400" b="0" i="0" u="none" strike="noStrike" cap="none" normalizeH="0" baseline="0" dirty="0">
                 <a:ln>
                   <a:noFill/>
@@ -27356,24 +27402,9 @@
                 <a:ea typeface="Times New Roman" panose="02020603050405020304" pitchFamily="18" charset="0"/>
                 <a:cs typeface="Times New Roman" panose="02020603050405020304" pitchFamily="18" charset="0"/>
               </a:rPr>
-              <a:t>Worst case Time complexity: </a:t>
-            </a:r>
-            <a:r>
-              <a:rPr kumimoji="0" lang="en-US" altLang="en-US" sz="2800" b="0" i="0" u="none" strike="noStrike" cap="none" normalizeH="0" baseline="0" dirty="0">
-                <a:ln>
-                  <a:noFill/>
-                </a:ln>
-                <a:solidFill>
-                  <a:schemeClr val="tx1"/>
-                </a:solidFill>
-                <a:effectLst/>
-                <a:latin typeface="Times New Roman" panose="02020603050405020304" pitchFamily="18" charset="0"/>
-                <a:ea typeface="Times New Roman" panose="02020603050405020304" pitchFamily="18" charset="0"/>
-                <a:cs typeface="Times New Roman" panose="02020603050405020304" pitchFamily="18" charset="0"/>
-              </a:rPr>
               <a:t>O(log n)</a:t>
             </a:r>
-            <a:endParaRPr kumimoji="0" lang="en-US" altLang="en-US" sz="4000" b="0" i="0" u="none" strike="noStrike" cap="none" normalizeH="0" baseline="0" dirty="0">
+            <a:endParaRPr kumimoji="0" lang="en-US" altLang="en-US" sz="3600" b="0" i="0" u="none" strike="noStrike" cap="none" normalizeH="0" baseline="0" dirty="0">
               <a:ln>
                 <a:noFill/>
               </a:ln>
@@ -27404,6 +27435,21 @@
               <a:tabLst/>
             </a:pPr>
             <a:r>
+              <a:rPr kumimoji="0" lang="en-US" altLang="en-US" sz="2400" b="1" i="0" u="none" strike="noStrike" cap="none" normalizeH="0" baseline="0" dirty="0">
+                <a:ln>
+                  <a:noFill/>
+                </a:ln>
+                <a:solidFill>
+                  <a:schemeClr val="tx1"/>
+                </a:solidFill>
+                <a:effectLst/>
+                <a:latin typeface="Times New Roman" panose="02020603050405020304" pitchFamily="18" charset="0"/>
+                <a:ea typeface="Times New Roman" panose="02020603050405020304" pitchFamily="18" charset="0"/>
+                <a:cs typeface="Times New Roman" panose="02020603050405020304" pitchFamily="18" charset="0"/>
+              </a:rPr>
+              <a:t>Space complexity: </a:t>
+            </a:r>
+            <a:r>
               <a:rPr kumimoji="0" lang="en-US" altLang="en-US" sz="2400" b="0" i="0" u="none" strike="noStrike" cap="none" normalizeH="0" baseline="0" dirty="0">
                 <a:ln>
                   <a:noFill/>
@@ -27416,97 +27462,7 @@
                 <a:ea typeface="Times New Roman" panose="02020603050405020304" pitchFamily="18" charset="0"/>
                 <a:cs typeface="Times New Roman" panose="02020603050405020304" pitchFamily="18" charset="0"/>
               </a:rPr>
-              <a:t>Average case Time complexity: O(log n)</a:t>
-            </a:r>
-            <a:endParaRPr kumimoji="0" lang="en-US" altLang="en-US" sz="3600" b="0" i="0" u="none" strike="noStrike" cap="none" normalizeH="0" baseline="0" dirty="0">
-              <a:ln>
-                <a:noFill/>
-              </a:ln>
-              <a:solidFill>
-                <a:schemeClr val="tx1"/>
-              </a:solidFill>
-              <a:effectLst/>
-              <a:latin typeface="Times New Roman" panose="02020603050405020304" pitchFamily="18" charset="0"/>
-              <a:ea typeface="Times New Roman" panose="02020603050405020304" pitchFamily="18" charset="0"/>
-              <a:cs typeface="Times New Roman" panose="02020603050405020304" pitchFamily="18" charset="0"/>
-            </a:endParaRPr>
-          </a:p>
-          <a:p>
-            <a:pPr marL="342900" marR="0" lvl="0" indent="-342900" algn="l" defTabSz="914400" rtl="0" eaLnBrk="0" fontAlgn="base" latinLnBrk="0" hangingPunct="0">
-              <a:lnSpc>
-                <a:spcPct val="100000"/>
-              </a:lnSpc>
-              <a:spcBef>
-                <a:spcPct val="0"/>
-              </a:spcBef>
-              <a:spcAft>
-                <a:spcPct val="0"/>
-              </a:spcAft>
-              <a:buClrTx/>
-              <a:buSzTx/>
-              <a:buFont typeface="Courier New" panose="02070309020205020404" pitchFamily="49" charset="0"/>
-              <a:buChar char="o"/>
-              <a:tabLst/>
-            </a:pPr>
-            <a:r>
-              <a:rPr kumimoji="0" lang="en-US" altLang="en-US" sz="2400" b="0" i="0" u="none" strike="noStrike" cap="none" normalizeH="0" baseline="0" dirty="0">
-                <a:ln>
-                  <a:noFill/>
-                </a:ln>
-                <a:solidFill>
-                  <a:schemeClr val="tx1"/>
-                </a:solidFill>
-                <a:effectLst/>
-                <a:latin typeface="Times New Roman" panose="02020603050405020304" pitchFamily="18" charset="0"/>
-                <a:ea typeface="Times New Roman" panose="02020603050405020304" pitchFamily="18" charset="0"/>
-                <a:cs typeface="Times New Roman" panose="02020603050405020304" pitchFamily="18" charset="0"/>
-              </a:rPr>
-              <a:t>Best case Time complexity: O(log n)</a:t>
-            </a:r>
-            <a:endParaRPr kumimoji="0" lang="en-US" altLang="en-US" sz="3600" b="0" i="0" u="none" strike="noStrike" cap="none" normalizeH="0" baseline="0" dirty="0">
-              <a:ln>
-                <a:noFill/>
-              </a:ln>
-              <a:solidFill>
-                <a:schemeClr val="tx1"/>
-              </a:solidFill>
-              <a:effectLst/>
-              <a:latin typeface="Times New Roman" panose="02020603050405020304" pitchFamily="18" charset="0"/>
-              <a:ea typeface="Times New Roman" panose="02020603050405020304" pitchFamily="18" charset="0"/>
-              <a:cs typeface="Times New Roman" panose="02020603050405020304" pitchFamily="18" charset="0"/>
-            </a:endParaRPr>
-          </a:p>
-          <a:p>
-            <a:pPr marL="342900" marR="0" lvl="0" indent="-342900" algn="l" defTabSz="914400" rtl="0" eaLnBrk="0" fontAlgn="base" latinLnBrk="0" hangingPunct="0">
-              <a:lnSpc>
-                <a:spcPct val="100000"/>
-              </a:lnSpc>
-              <a:spcBef>
-                <a:spcPct val="0"/>
-              </a:spcBef>
-              <a:spcAft>
-                <a:spcPct val="0"/>
-              </a:spcAft>
-              <a:buClrTx/>
-              <a:buSzTx/>
-              <a:buFont typeface="Courier New" panose="02070309020205020404" pitchFamily="49" charset="0"/>
-              <a:buChar char="o"/>
-              <a:tabLst/>
-            </a:pPr>
-            <a:r>
-              <a:rPr kumimoji="0" lang="en-US" altLang="en-US" sz="2400" b="0" i="0" u="none" strike="noStrike" cap="none" normalizeH="0" baseline="0" dirty="0">
-                <a:ln>
-                  <a:noFill/>
-                </a:ln>
-                <a:solidFill>
-                  <a:schemeClr val="tx1"/>
-                </a:solidFill>
-                <a:effectLst/>
-                <a:latin typeface="Times New Roman" panose="02020603050405020304" pitchFamily="18" charset="0"/>
-                <a:ea typeface="Times New Roman" panose="02020603050405020304" pitchFamily="18" charset="0"/>
-                <a:cs typeface="Times New Roman" panose="02020603050405020304" pitchFamily="18" charset="0"/>
-              </a:rPr>
-              <a:t>Average case Space complexity: O(n)</a:t>
+              <a:t>O(n)</a:t>
             </a:r>
             <a:endParaRPr kumimoji="0" lang="en-US" altLang="en-US" b="0" i="0" u="none" strike="noStrike" cap="none" normalizeH="0" baseline="0" dirty="0">
               <a:ln>
@@ -27518,50 +27474,6 @@
               <a:effectLst/>
               <a:latin typeface="Times New Roman" panose="02020603050405020304" pitchFamily="18" charset="0"/>
               <a:ea typeface="Times New Roman" panose="02020603050405020304" pitchFamily="18" charset="0"/>
-              <a:cs typeface="Times New Roman" panose="02020603050405020304" pitchFamily="18" charset="0"/>
-            </a:endParaRPr>
-          </a:p>
-          <a:p>
-            <a:pPr marL="342900" marR="0" lvl="0" indent="-342900" algn="l" defTabSz="914400" rtl="0" eaLnBrk="0" fontAlgn="base" latinLnBrk="0" hangingPunct="0">
-              <a:lnSpc>
-                <a:spcPct val="100000"/>
-              </a:lnSpc>
-              <a:spcBef>
-                <a:spcPct val="0"/>
-              </a:spcBef>
-              <a:spcAft>
-                <a:spcPct val="0"/>
-              </a:spcAft>
-              <a:buClrTx/>
-              <a:buSzTx/>
-              <a:buFont typeface="Courier New" panose="02070309020205020404" pitchFamily="49" charset="0"/>
-              <a:buChar char="o"/>
-              <a:tabLst/>
-            </a:pPr>
-            <a:r>
-              <a:rPr kumimoji="0" lang="en-US" altLang="en-US" sz="2400" b="0" i="0" u="none" strike="noStrike" cap="none" normalizeH="0" baseline="0" dirty="0">
-                <a:ln>
-                  <a:noFill/>
-                </a:ln>
-                <a:solidFill>
-                  <a:schemeClr val="tx1"/>
-                </a:solidFill>
-                <a:effectLst/>
-                <a:latin typeface="Times New Roman" panose="02020603050405020304" pitchFamily="18" charset="0"/>
-                <a:ea typeface="Times New Roman" panose="02020603050405020304" pitchFamily="18" charset="0"/>
-                <a:cs typeface="Times New Roman" panose="02020603050405020304" pitchFamily="18" charset="0"/>
-              </a:rPr>
-              <a:t>Worst case Space complexity: O(n)</a:t>
-            </a:r>
-            <a:endParaRPr kumimoji="0" lang="en-US" altLang="en-US" sz="2800" b="0" i="0" u="none" strike="noStrike" cap="none" normalizeH="0" baseline="0" dirty="0">
-              <a:ln>
-                <a:noFill/>
-              </a:ln>
-              <a:solidFill>
-                <a:schemeClr val="tx1"/>
-              </a:solidFill>
-              <a:effectLst/>
-              <a:latin typeface="Times New Roman" panose="02020603050405020304" pitchFamily="18" charset="0"/>
               <a:cs typeface="Times New Roman" panose="02020603050405020304" pitchFamily="18" charset="0"/>
             </a:endParaRPr>
           </a:p>
@@ -31772,14 +31684,14 @@
               <a:buChar char="v"/>
             </a:pPr>
             <a:r>
-              <a:rPr lang="en-US" sz="2400" b="1" i="1" dirty="0">
+              <a:rPr lang="en-US" sz="2400" i="1" dirty="0">
                 <a:effectLst/>
                 <a:latin typeface="Times New Roman" panose="02020603050405020304" pitchFamily="18" charset="0"/>
                 <a:ea typeface="Times New Roman" panose="02020603050405020304" pitchFamily="18" charset="0"/>
               </a:rPr>
               <a:t>So, after these supporting functions, now we go to the main algorithm and operation of delete a number in B-tree, along with example to illustrate:</a:t>
             </a:r>
-            <a:endParaRPr lang="en-US" sz="2400" b="1" i="1" dirty="0">
+            <a:endParaRPr lang="en-US" sz="2400" i="1" dirty="0">
               <a:effectLst/>
               <a:latin typeface="Arial" panose="020B0604020202020204" pitchFamily="34" charset="0"/>
               <a:ea typeface="Arial" panose="020B0604020202020204" pitchFamily="34" charset="0"/>
@@ -31796,18 +31708,10 @@
                 <a:latin typeface="Times New Roman" panose="02020603050405020304" pitchFamily="18" charset="0"/>
                 <a:ea typeface="Times New Roman" panose="02020603050405020304" pitchFamily="18" charset="0"/>
               </a:rPr>
-              <a:t>Case 1</a:t>
-            </a:r>
-            <a:r>
-              <a:rPr lang="en-US" dirty="0">
-                <a:effectLst/>
-                <a:latin typeface="Times New Roman" panose="02020603050405020304" pitchFamily="18" charset="0"/>
-                <a:ea typeface="Times New Roman" panose="02020603050405020304" pitchFamily="18" charset="0"/>
-              </a:rPr>
-              <a:t>: The key does not exist in the B-tree</a:t>
-            </a:r>
-            <a:r>
-              <a:rPr lang="en-US" sz="2000" dirty="0">
+              <a:t>Case 1: The key does not exist in the B-tree</a:t>
+            </a:r>
+            <a:r>
+              <a:rPr lang="en-US" sz="2000" b="1" dirty="0">
                 <a:latin typeface="Times New Roman" panose="02020603050405020304" pitchFamily="18" charset="0"/>
                 <a:ea typeface="Times New Roman" panose="02020603050405020304" pitchFamily="18" charset="0"/>
               </a:rPr>
@@ -32513,15 +32417,7 @@
                 <a:latin typeface="Times New Roman" panose="02020603050405020304" pitchFamily="18" charset="0"/>
                 <a:ea typeface="Times New Roman" panose="02020603050405020304" pitchFamily="18" charset="0"/>
               </a:rPr>
-              <a:t>Case 2</a:t>
-            </a:r>
-            <a:r>
-              <a:rPr lang="en-US" dirty="0">
-                <a:effectLst/>
-                <a:latin typeface="Times New Roman" panose="02020603050405020304" pitchFamily="18" charset="0"/>
-                <a:ea typeface="Times New Roman" panose="02020603050405020304" pitchFamily="18" charset="0"/>
-              </a:rPr>
-              <a:t>:  The key in the leaf node.</a:t>
+              <a:t>Case 2:  The key in the leaf node.</a:t>
             </a:r>
           </a:p>
           <a:p>
@@ -34517,7 +34413,7 @@
                 <a:latin typeface="Times New Roman" panose="02020603050405020304" pitchFamily="18" charset="0"/>
                 <a:ea typeface="Times New Roman" panose="02020603050405020304" pitchFamily="18" charset="0"/>
               </a:rPr>
-              <a:t>Case 2</a:t>
+              <a:t>Case 2:  The key in the leaf node</a:t>
             </a:r>
             <a:r>
               <a:rPr lang="en-US" dirty="0">
@@ -34525,7 +34421,7 @@
                 <a:latin typeface="Times New Roman" panose="02020603050405020304" pitchFamily="18" charset="0"/>
                 <a:ea typeface="Times New Roman" panose="02020603050405020304" pitchFamily="18" charset="0"/>
               </a:rPr>
-              <a:t>:  The key in the leaf node.</a:t>
+              <a:t>.</a:t>
             </a:r>
           </a:p>
           <a:p>
@@ -36727,15 +36623,7 @@
                 <a:latin typeface="Times New Roman" panose="02020603050405020304" pitchFamily="18" charset="0"/>
                 <a:ea typeface="Times New Roman" panose="02020603050405020304" pitchFamily="18" charset="0"/>
               </a:rPr>
-              <a:t>Case 2</a:t>
-            </a:r>
-            <a:r>
-              <a:rPr lang="en-US" dirty="0">
-                <a:effectLst/>
-                <a:latin typeface="Times New Roman" panose="02020603050405020304" pitchFamily="18" charset="0"/>
-                <a:ea typeface="Times New Roman" panose="02020603050405020304" pitchFamily="18" charset="0"/>
-              </a:rPr>
-              <a:t>:  The key in the leaf node.</a:t>
+              <a:t>Case 2:  The key in the leaf node.</a:t>
             </a:r>
           </a:p>
           <a:p>
@@ -39079,15 +38967,7 @@
                 <a:latin typeface="Times New Roman" panose="02020603050405020304" pitchFamily="18" charset="0"/>
                 <a:ea typeface="Times New Roman" panose="02020603050405020304" pitchFamily="18" charset="0"/>
               </a:rPr>
-              <a:t>Case 3</a:t>
-            </a:r>
-            <a:r>
-              <a:rPr lang="en-US" dirty="0">
-                <a:effectLst/>
-                <a:latin typeface="Times New Roman" panose="02020603050405020304" pitchFamily="18" charset="0"/>
-                <a:ea typeface="Times New Roman" panose="02020603050405020304" pitchFamily="18" charset="0"/>
-              </a:rPr>
-              <a:t>:  The key in the internal node.</a:t>
+              <a:t>Case 3:  The key in the internal node.</a:t>
             </a:r>
           </a:p>
           <a:p>
@@ -41166,15 +41046,7 @@
                 <a:latin typeface="Times New Roman" panose="02020603050405020304" pitchFamily="18" charset="0"/>
                 <a:ea typeface="Times New Roman" panose="02020603050405020304" pitchFamily="18" charset="0"/>
               </a:rPr>
-              <a:t>Case 3</a:t>
-            </a:r>
-            <a:r>
-              <a:rPr lang="en-US" dirty="0">
-                <a:effectLst/>
-                <a:latin typeface="Times New Roman" panose="02020603050405020304" pitchFamily="18" charset="0"/>
-                <a:ea typeface="Times New Roman" panose="02020603050405020304" pitchFamily="18" charset="0"/>
-              </a:rPr>
-              <a:t>:  The key in the internal node.</a:t>
+              <a:t>Case 3:  The key in the internal node.</a:t>
             </a:r>
           </a:p>
           <a:p>
@@ -43765,15 +43637,7 @@
                 <a:latin typeface="Times New Roman" panose="02020603050405020304" pitchFamily="18" charset="0"/>
                 <a:ea typeface="Times New Roman" panose="02020603050405020304" pitchFamily="18" charset="0"/>
               </a:rPr>
-              <a:t>Case 4</a:t>
-            </a:r>
-            <a:r>
-              <a:rPr lang="en-US" dirty="0">
-                <a:effectLst/>
-                <a:latin typeface="Times New Roman" panose="02020603050405020304" pitchFamily="18" charset="0"/>
-                <a:ea typeface="Times New Roman" panose="02020603050405020304" pitchFamily="18" charset="0"/>
-              </a:rPr>
-              <a:t>:  Shrinking the tree.</a:t>
+              <a:t>Case 4:  Shrinking the tree.</a:t>
             </a:r>
           </a:p>
           <a:p>
